--- a/Administrative/VTURCS/VTURCS Poster.pptx
+++ b/Administrative/VTURCS/VTURCS Poster.pptx
@@ -3328,7 +3328,7 @@
           <p:cNvPr id="6" name="TextBox 5">
             <a:extLst>
               <a:ext uri="{FF2B5EF4-FFF2-40B4-BE49-F238E27FC236}">
-                <a16:creationId xmlns:a16="http://schemas.microsoft.com/office/drawing/2014/main" id="{220E5D4F-743F-45D0-AFA7-111215743660}"/>
+                <a16:creationId xmlns:a16="http://schemas.microsoft.com/office/drawing/2014/main" xmlns="" id="{220E5D4F-743F-45D0-AFA7-111215743660}"/>
               </a:ext>
             </a:extLst>
           </p:cNvPr>
@@ -3379,7 +3379,7 @@
           <p:cNvPr id="7" name="TextBox 6">
             <a:extLst>
               <a:ext uri="{FF2B5EF4-FFF2-40B4-BE49-F238E27FC236}">
-                <a16:creationId xmlns:a16="http://schemas.microsoft.com/office/drawing/2014/main" id="{5D8088D2-9A9E-420D-96CA-76F68CF80583}"/>
+                <a16:creationId xmlns:a16="http://schemas.microsoft.com/office/drawing/2014/main" xmlns="" id="{5D8088D2-9A9E-420D-96CA-76F68CF80583}"/>
               </a:ext>
             </a:extLst>
           </p:cNvPr>
@@ -3428,7 +3428,7 @@
           <p:cNvPr id="9" name="TextBox 8">
             <a:extLst>
               <a:ext uri="{FF2B5EF4-FFF2-40B4-BE49-F238E27FC236}">
-                <a16:creationId xmlns:a16="http://schemas.microsoft.com/office/drawing/2014/main" id="{F1DC245A-4543-4110-ACB5-B8CC821BF575}"/>
+                <a16:creationId xmlns:a16="http://schemas.microsoft.com/office/drawing/2014/main" xmlns="" id="{F1DC245A-4543-4110-ACB5-B8CC821BF575}"/>
               </a:ext>
             </a:extLst>
           </p:cNvPr>
@@ -3438,7 +3438,7 @@
         <p:spPr>
           <a:xfrm>
             <a:off x="14225587" y="4661830"/>
-            <a:ext cx="11944881" cy="7694414"/>
+            <a:ext cx="11944881" cy="8156079"/>
           </a:xfrm>
           <a:prstGeom prst="rect">
             <a:avLst/>
@@ -3491,7 +3491,15 @@
             </a:pPr>
             <a:r>
               <a:rPr lang="en-US" sz="4800" dirty="0"/>
-              <a:t>Do WEs improve understanding	</a:t>
+              <a:t>Do WEs improve </a:t>
+            </a:r>
+            <a:r>
+              <a:rPr lang="en-US" sz="4800" dirty="0" smtClean="0"/>
+              <a:t>performance?</a:t>
+            </a:r>
+            <a:r>
+              <a:rPr lang="en-US" sz="4800" dirty="0"/>
+              <a:t>	</a:t>
             </a:r>
           </a:p>
           <a:p>
@@ -3501,8 +3509,17 @@
             </a:pPr>
             <a:r>
               <a:rPr lang="en-US" sz="4800" dirty="0"/>
-              <a:t>Do students take advantage of WEs </a:t>
-            </a:r>
+              <a:t>Do students take advantage of </a:t>
+            </a:r>
+            <a:r>
+              <a:rPr lang="en-US" sz="4800" dirty="0"/>
+              <a:t>w</a:t>
+            </a:r>
+            <a:r>
+              <a:rPr lang="en-US" sz="4800" dirty="0" smtClean="0"/>
+              <a:t>orked examples?</a:t>
+            </a:r>
+            <a:endParaRPr lang="en-US" sz="4800" dirty="0"/>
           </a:p>
           <a:p>
             <a:pPr marL="571500" indent="-571500">
@@ -3511,8 +3528,13 @@
             </a:pPr>
             <a:r>
               <a:rPr lang="en-US" sz="4800" dirty="0"/>
-              <a:t>Do students find WEs helpful</a:t>
-            </a:r>
+              <a:t>Do students find WEs </a:t>
+            </a:r>
+            <a:r>
+              <a:rPr lang="en-US" sz="4800" dirty="0" smtClean="0"/>
+              <a:t>helpful?</a:t>
+            </a:r>
+            <a:endParaRPr lang="en-US" sz="4800" dirty="0"/>
           </a:p>
         </p:txBody>
       </p:sp>
@@ -3521,7 +3543,7 @@
           <p:cNvPr id="10" name="TextBox 9">
             <a:extLst>
               <a:ext uri="{FF2B5EF4-FFF2-40B4-BE49-F238E27FC236}">
-                <a16:creationId xmlns:a16="http://schemas.microsoft.com/office/drawing/2014/main" id="{771BEF49-A5ED-4C7F-BE5F-1A7D07F00E97}"/>
+                <a16:creationId xmlns:a16="http://schemas.microsoft.com/office/drawing/2014/main" xmlns="" id="{771BEF49-A5ED-4C7F-BE5F-1A7D07F00E97}"/>
               </a:ext>
             </a:extLst>
           </p:cNvPr>
@@ -3632,7 +3654,7 @@
           <p:cNvPr id="11" name="TextBox 10">
             <a:extLst>
               <a:ext uri="{FF2B5EF4-FFF2-40B4-BE49-F238E27FC236}">
-                <a16:creationId xmlns:a16="http://schemas.microsoft.com/office/drawing/2014/main" id="{AC39512E-6E7F-4CD4-BC56-DBD3595A1B9B}"/>
+                <a16:creationId xmlns:a16="http://schemas.microsoft.com/office/drawing/2014/main" xmlns="" id="{AC39512E-6E7F-4CD4-BC56-DBD3595A1B9B}"/>
               </a:ext>
             </a:extLst>
           </p:cNvPr>
@@ -3723,7 +3745,7 @@
           <p:cNvPr id="12" name="TextBox 11">
             <a:extLst>
               <a:ext uri="{FF2B5EF4-FFF2-40B4-BE49-F238E27FC236}">
-                <a16:creationId xmlns:a16="http://schemas.microsoft.com/office/drawing/2014/main" id="{FD61DD69-C85E-46BF-9A25-9A06D53D0A79}"/>
+                <a16:creationId xmlns:a16="http://schemas.microsoft.com/office/drawing/2014/main" xmlns="" id="{FD61DD69-C85E-46BF-9A25-9A06D53D0A79}"/>
               </a:ext>
             </a:extLst>
           </p:cNvPr>
@@ -3791,7 +3813,7 @@
           <p:cNvPr id="13" name="TextBox 12">
             <a:extLst>
               <a:ext uri="{FF2B5EF4-FFF2-40B4-BE49-F238E27FC236}">
-                <a16:creationId xmlns:a16="http://schemas.microsoft.com/office/drawing/2014/main" id="{3BDAEEC1-C345-4C79-A62B-FADFBFC0455A}"/>
+                <a16:creationId xmlns:a16="http://schemas.microsoft.com/office/drawing/2014/main" xmlns="" id="{3BDAEEC1-C345-4C79-A62B-FADFBFC0455A}"/>
               </a:ext>
             </a:extLst>
           </p:cNvPr>
@@ -3861,7 +3883,7 @@
           <p:cNvPr id="14" name="TextBox 13">
             <a:extLst>
               <a:ext uri="{FF2B5EF4-FFF2-40B4-BE49-F238E27FC236}">
-                <a16:creationId xmlns:a16="http://schemas.microsoft.com/office/drawing/2014/main" id="{B95E43A4-FF9A-45CE-8FA8-5E0B1BE41117}"/>
+                <a16:creationId xmlns:a16="http://schemas.microsoft.com/office/drawing/2014/main" xmlns="" id="{B95E43A4-FF9A-45CE-8FA8-5E0B1BE41117}"/>
               </a:ext>
             </a:extLst>
           </p:cNvPr>
@@ -3904,7 +3926,7 @@
           <p:cNvPr id="15" name="TextBox 14">
             <a:extLst>
               <a:ext uri="{FF2B5EF4-FFF2-40B4-BE49-F238E27FC236}">
-                <a16:creationId xmlns:a16="http://schemas.microsoft.com/office/drawing/2014/main" id="{474D9FEF-145C-4507-BA19-613301017388}"/>
+                <a16:creationId xmlns:a16="http://schemas.microsoft.com/office/drawing/2014/main" xmlns="" id="{474D9FEF-145C-4507-BA19-613301017388}"/>
               </a:ext>
             </a:extLst>
           </p:cNvPr>
@@ -3996,7 +4018,7 @@
           <p:cNvPr id="16" name="TextBox 15">
             <a:extLst>
               <a:ext uri="{FF2B5EF4-FFF2-40B4-BE49-F238E27FC236}">
-                <a16:creationId xmlns:a16="http://schemas.microsoft.com/office/drawing/2014/main" id="{487B536B-0C75-4D18-A6DA-07CEF9C4A1D1}"/>
+                <a16:creationId xmlns:a16="http://schemas.microsoft.com/office/drawing/2014/main" xmlns="" id="{487B536B-0C75-4D18-A6DA-07CEF9C4A1D1}"/>
               </a:ext>
             </a:extLst>
           </p:cNvPr>
@@ -4096,7 +4118,7 @@
           <p:cNvPr id="2" name="Rectangle 1">
             <a:extLst>
               <a:ext uri="{FF2B5EF4-FFF2-40B4-BE49-F238E27FC236}">
-                <a16:creationId xmlns:a16="http://schemas.microsoft.com/office/drawing/2014/main" id="{462652C4-E01F-4D77-BA6A-2650430629D1}"/>
+                <a16:creationId xmlns:a16="http://schemas.microsoft.com/office/drawing/2014/main" xmlns="" id="{462652C4-E01F-4D77-BA6A-2650430629D1}"/>
               </a:ext>
             </a:extLst>
           </p:cNvPr>

--- a/Administrative/VTURCS/VTURCS Poster.pptx
+++ b/Administrative/VTURCS/VTURCS Poster.pptx
@@ -3328,7 +3328,7 @@
           <p:cNvPr id="6" name="TextBox 5">
             <a:extLst>
               <a:ext uri="{FF2B5EF4-FFF2-40B4-BE49-F238E27FC236}">
-                <a16:creationId xmlns:a16="http://schemas.microsoft.com/office/drawing/2014/main" xmlns="" id="{220E5D4F-743F-45D0-AFA7-111215743660}"/>
+                <a16:creationId xmlns:a16="http://schemas.microsoft.com/office/drawing/2014/main" id="{220E5D4F-743F-45D0-AFA7-111215743660}"/>
               </a:ext>
             </a:extLst>
           </p:cNvPr>
@@ -3337,8 +3337,8 @@
         </p:nvSpPr>
         <p:spPr>
           <a:xfrm>
-            <a:off x="1745723" y="4317145"/>
-            <a:ext cx="11449050" cy="3539430"/>
+            <a:off x="1590675" y="4082440"/>
+            <a:ext cx="11449050" cy="4431983"/>
           </a:xfrm>
           <a:prstGeom prst="rect">
             <a:avLst/>
@@ -3357,20 +3357,25 @@
           <a:lstStyle/>
           <a:p>
             <a:r>
-              <a:rPr lang="en-US" sz="8000" dirty="0"/>
+              <a:rPr lang="en-US" sz="5000" dirty="0"/>
               <a:t>Problem</a:t>
             </a:r>
             <a:r>
               <a:rPr lang="en-US" sz="7200" dirty="0"/>
               <a:t> </a:t>
             </a:r>
-          </a:p>
-          <a:p>
-            <a:pPr lvl="1"/>
-            <a:r>
-              <a:rPr lang="en-US" sz="4800" dirty="0"/>
-              <a:t>	Enrollments in CS Classes 	are Increasing and Many 	Departments Can't keep Up [NAS] </a:t>
-            </a:r>
+            <a:endParaRPr lang="en-US" sz="3000" dirty="0"/>
+          </a:p>
+          <a:p>
+            <a:r>
+              <a:rPr lang="en-US" sz="3000" dirty="0"/>
+              <a:t>Interest in computing is growing, leading to huge introductory computing class sizes [NAS]. Further, many assignments in these courses can be challenging for students, even when they only exercise a few concepts [RAINFAILL]. Worked Examples have shown promise as a scaffold to help students complete programming assignments. However, there have been limited classroom studies to evaluate the effectiveness of  </a:t>
+            </a:r>
+            <a:r>
+              <a:rPr lang="en-US" sz="3000"/>
+              <a:t>Worked Examples.</a:t>
+            </a:r>
+            <a:endParaRPr lang="en-US" sz="3000" dirty="0"/>
           </a:p>
         </p:txBody>
       </p:sp>
@@ -3379,7 +3384,7 @@
           <p:cNvPr id="7" name="TextBox 6">
             <a:extLst>
               <a:ext uri="{FF2B5EF4-FFF2-40B4-BE49-F238E27FC236}">
-                <a16:creationId xmlns:a16="http://schemas.microsoft.com/office/drawing/2014/main" xmlns="" id="{5D8088D2-9A9E-420D-96CA-76F68CF80583}"/>
+                <a16:creationId xmlns:a16="http://schemas.microsoft.com/office/drawing/2014/main" id="{5D8088D2-9A9E-420D-96CA-76F68CF80583}"/>
               </a:ext>
             </a:extLst>
           </p:cNvPr>
@@ -3389,7 +3394,7 @@
         <p:spPr>
           <a:xfrm>
             <a:off x="4933950" y="962649"/>
-            <a:ext cx="32346900" cy="2739211"/>
+            <a:ext cx="32346900" cy="2246769"/>
           </a:xfrm>
           <a:prstGeom prst="rect">
             <a:avLst/>
@@ -3409,17 +3414,17 @@
           <a:p>
             <a:pPr algn="ctr"/>
             <a:r>
-              <a:rPr lang="en-US" sz="10000" dirty="0"/>
-              <a:t>Supplementing Introductory Material With Worked Examples</a:t>
+              <a:rPr lang="en-US" sz="8000" dirty="0"/>
+              <a:t>Supplementing Introductory Experiences With Worked Examples</a:t>
             </a:r>
           </a:p>
           <a:p>
             <a:pPr algn="ctr"/>
             <a:r>
-              <a:rPr lang="en-US" sz="6600" dirty="0"/>
-              <a:t>Michael Friend</a:t>
-            </a:r>
-            <a:endParaRPr lang="en-US" sz="6000" dirty="0"/>
+              <a:rPr lang="en-US" sz="6000" dirty="0"/>
+              <a:t>Michael Friend under direction from Austin Cory Bart</a:t>
+            </a:r>
+            <a:endParaRPr lang="en-US" sz="5400" dirty="0"/>
           </a:p>
         </p:txBody>
       </p:sp>
@@ -3428,7 +3433,7 @@
           <p:cNvPr id="9" name="TextBox 8">
             <a:extLst>
               <a:ext uri="{FF2B5EF4-FFF2-40B4-BE49-F238E27FC236}">
-                <a16:creationId xmlns:a16="http://schemas.microsoft.com/office/drawing/2014/main" xmlns="" id="{F1DC245A-4543-4110-ACB5-B8CC821BF575}"/>
+                <a16:creationId xmlns:a16="http://schemas.microsoft.com/office/drawing/2014/main" id="{F1DC245A-4543-4110-ACB5-B8CC821BF575}"/>
               </a:ext>
             </a:extLst>
           </p:cNvPr>
@@ -3437,8 +3442,8 @@
         </p:nvSpPr>
         <p:spPr>
           <a:xfrm>
-            <a:off x="14225587" y="4661830"/>
-            <a:ext cx="11944881" cy="8156079"/>
+            <a:off x="13884113" y="4072303"/>
+            <a:ext cx="11944881" cy="4339650"/>
           </a:xfrm>
           <a:prstGeom prst="rect">
             <a:avLst/>
@@ -3458,7 +3463,7 @@
           <a:p>
             <a:pPr algn="ctr"/>
             <a:r>
-              <a:rPr lang="en-US" sz="7200" u="sng" dirty="0"/>
+              <a:rPr lang="en-US" sz="5000" u="sng" dirty="0"/>
               <a:t>Hypothesis</a:t>
             </a:r>
             <a:r>
@@ -3469,18 +3474,14 @@
           <a:p>
             <a:pPr algn="ctr"/>
             <a:r>
-              <a:rPr lang="en-US" sz="4800" dirty="0"/>
-              <a:t>Adding worked examples related to difficult problems will improve understanding of both the problem and the concept</a:t>
+              <a:rPr lang="en-US" sz="3000" dirty="0"/>
+              <a:t>Adding worked examples related to difficult problems will improve understanding of the problems and their ability to program</a:t>
             </a:r>
           </a:p>
           <a:p>
             <a:pPr algn="ctr"/>
-            <a:endParaRPr lang="en-US" sz="4400" dirty="0"/>
-          </a:p>
-          <a:p>
-            <a:pPr algn="ctr"/>
-            <a:r>
-              <a:rPr lang="en-US" sz="7200" u="sng" dirty="0"/>
+            <a:r>
+              <a:rPr lang="en-US" sz="5000" u="sng" dirty="0"/>
               <a:t>Research Questions </a:t>
             </a:r>
           </a:p>
@@ -3490,16 +3491,8 @@
               <a:buChar char="•"/>
             </a:pPr>
             <a:r>
-              <a:rPr lang="en-US" sz="4800" dirty="0"/>
-              <a:t>Do WEs improve </a:t>
-            </a:r>
-            <a:r>
-              <a:rPr lang="en-US" sz="4800" dirty="0" smtClean="0"/>
-              <a:t>performance?</a:t>
-            </a:r>
-            <a:r>
-              <a:rPr lang="en-US" sz="4800" dirty="0"/>
-              <a:t>	</a:t>
+              <a:rPr lang="en-US" sz="3000" dirty="0"/>
+              <a:t>Do WEs improve performance?	</a:t>
             </a:r>
           </a:p>
           <a:p>
@@ -3508,18 +3501,9 @@
               <a:buChar char="•"/>
             </a:pPr>
             <a:r>
-              <a:rPr lang="en-US" sz="4800" dirty="0"/>
-              <a:t>Do students take advantage of </a:t>
-            </a:r>
-            <a:r>
-              <a:rPr lang="en-US" sz="4800" dirty="0"/>
-              <a:t>w</a:t>
-            </a:r>
-            <a:r>
-              <a:rPr lang="en-US" sz="4800" dirty="0" smtClean="0"/>
-              <a:t>orked examples?</a:t>
-            </a:r>
-            <a:endParaRPr lang="en-US" sz="4800" dirty="0"/>
+              <a:rPr lang="en-US" sz="3000" dirty="0"/>
+              <a:t>Do students take advantage of worked examples?</a:t>
+            </a:r>
           </a:p>
           <a:p>
             <a:pPr marL="571500" indent="-571500">
@@ -3527,14 +3511,9 @@
               <a:buChar char="•"/>
             </a:pPr>
             <a:r>
-              <a:rPr lang="en-US" sz="4800" dirty="0"/>
-              <a:t>Do students find WEs </a:t>
-            </a:r>
-            <a:r>
-              <a:rPr lang="en-US" sz="4800" dirty="0" smtClean="0"/>
-              <a:t>helpful?</a:t>
-            </a:r>
-            <a:endParaRPr lang="en-US" sz="4800" dirty="0"/>
+              <a:rPr lang="en-US" sz="3000" dirty="0"/>
+              <a:t>Do students find WEs helpful?</a:t>
+            </a:r>
           </a:p>
         </p:txBody>
       </p:sp>
@@ -3543,7 +3522,7 @@
           <p:cNvPr id="10" name="TextBox 9">
             <a:extLst>
               <a:ext uri="{FF2B5EF4-FFF2-40B4-BE49-F238E27FC236}">
-                <a16:creationId xmlns:a16="http://schemas.microsoft.com/office/drawing/2014/main" xmlns="" id="{771BEF49-A5ED-4C7F-BE5F-1A7D07F00E97}"/>
+                <a16:creationId xmlns:a16="http://schemas.microsoft.com/office/drawing/2014/main" id="{771BEF49-A5ED-4C7F-BE5F-1A7D07F00E97}"/>
               </a:ext>
             </a:extLst>
           </p:cNvPr>
@@ -3552,8 +3531,8 @@
         </p:nvSpPr>
         <p:spPr>
           <a:xfrm>
-            <a:off x="27201282" y="4505146"/>
-            <a:ext cx="15754350" cy="6001643"/>
+            <a:off x="26180883" y="4074771"/>
+            <a:ext cx="15754350" cy="3477875"/>
           </a:xfrm>
           <a:prstGeom prst="rect">
             <a:avLst/>
@@ -3572,7 +3551,7 @@
           <a:lstStyle/>
           <a:p>
             <a:r>
-              <a:rPr lang="en-US" sz="7200" dirty="0"/>
+              <a:rPr lang="en-US" sz="5000" dirty="0"/>
               <a:t>Prior Work</a:t>
             </a:r>
           </a:p>
@@ -3582,12 +3561,21 @@
               <a:buChar char="•"/>
             </a:pPr>
             <a:r>
-              <a:rPr lang="en-US" sz="6000" dirty="0" err="1"/>
+              <a:rPr lang="en-US" sz="3000" dirty="0" err="1"/>
               <a:t>Subgoal</a:t>
             </a:r>
             <a:r>
-              <a:rPr lang="en-US" sz="6000" dirty="0"/>
+              <a:rPr lang="en-US" sz="3000" dirty="0"/>
               <a:t> Labels </a:t>
+            </a:r>
+          </a:p>
+          <a:p>
+            <a:endParaRPr lang="en-US" sz="3000" dirty="0"/>
+          </a:p>
+          <a:p>
+            <a:r>
+              <a:rPr lang="en-US" sz="5000" dirty="0"/>
+              <a:t>Educational Theories</a:t>
             </a:r>
           </a:p>
           <a:p>
@@ -3595,12 +3583,25 @@
               <a:buFont typeface="Arial" panose="020B0604020202020204" pitchFamily="34" charset="0"/>
               <a:buChar char="•"/>
             </a:pPr>
-            <a:endParaRPr lang="en-US" sz="6000" dirty="0"/>
-          </a:p>
-          <a:p>
-            <a:r>
-              <a:rPr lang="en-US" sz="7200" dirty="0"/>
-              <a:t>Educational Theories</a:t>
+            <a:r>
+              <a:rPr lang="en-US" sz="3000" dirty="0"/>
+              <a:t>Worked Examples[</a:t>
+            </a:r>
+            <a:r>
+              <a:rPr lang="en-US" sz="3000" dirty="0" err="1"/>
+              <a:t>Renkl</a:t>
+            </a:r>
+            <a:r>
+              <a:rPr lang="en-US" sz="3000" dirty="0"/>
+              <a:t>][</a:t>
+            </a:r>
+            <a:r>
+              <a:rPr lang="en-US" sz="3000" dirty="0" err="1"/>
+              <a:t>Sweller</a:t>
+            </a:r>
+            <a:r>
+              <a:rPr lang="en-US" sz="3000" dirty="0"/>
+              <a:t>]</a:t>
             </a:r>
           </a:p>
           <a:p>
@@ -3609,41 +3610,15 @@
               <a:buChar char="•"/>
             </a:pPr>
             <a:r>
-              <a:rPr lang="en-US" sz="6000" dirty="0"/>
-              <a:t>Worked Examples[</a:t>
-            </a:r>
-            <a:r>
-              <a:rPr lang="en-US" sz="6000" dirty="0" err="1"/>
-              <a:t>Renkl</a:t>
-            </a:r>
-            <a:r>
-              <a:rPr lang="en-US" sz="6000" dirty="0"/>
-              <a:t>][</a:t>
-            </a:r>
-            <a:r>
-              <a:rPr lang="en-US" sz="6000" dirty="0" err="1"/>
-              <a:t>Sweller</a:t>
-            </a:r>
-            <a:r>
-              <a:rPr lang="en-US" sz="6000" dirty="0"/>
-              <a:t>]</a:t>
-            </a:r>
-          </a:p>
-          <a:p>
-            <a:pPr marL="857250" indent="-857250">
-              <a:buFont typeface="Arial" panose="020B0604020202020204" pitchFamily="34" charset="0"/>
-              <a:buChar char="•"/>
-            </a:pPr>
-            <a:r>
-              <a:rPr lang="en-US" sz="6000" dirty="0"/>
+              <a:rPr lang="en-US" sz="3000" dirty="0"/>
               <a:t>Example-Problem Pairs[</a:t>
             </a:r>
             <a:r>
-              <a:rPr lang="en-US" sz="6000" dirty="0" err="1"/>
+              <a:rPr lang="en-US" sz="3000" dirty="0" err="1"/>
               <a:t>Skudder</a:t>
             </a:r>
             <a:r>
-              <a:rPr lang="en-US" sz="6000" dirty="0"/>
+              <a:rPr lang="en-US" sz="3000" dirty="0"/>
               <a:t>]</a:t>
             </a:r>
           </a:p>
@@ -3654,7 +3629,7 @@
           <p:cNvPr id="11" name="TextBox 10">
             <a:extLst>
               <a:ext uri="{FF2B5EF4-FFF2-40B4-BE49-F238E27FC236}">
-                <a16:creationId xmlns:a16="http://schemas.microsoft.com/office/drawing/2014/main" xmlns="" id="{AC39512E-6E7F-4CD4-BC56-DBD3595A1B9B}"/>
+                <a16:creationId xmlns:a16="http://schemas.microsoft.com/office/drawing/2014/main" id="{AC39512E-6E7F-4CD4-BC56-DBD3595A1B9B}"/>
               </a:ext>
             </a:extLst>
           </p:cNvPr>
@@ -3663,8 +3638,8 @@
         </p:nvSpPr>
         <p:spPr>
           <a:xfrm>
-            <a:off x="1857375" y="8854968"/>
-            <a:ext cx="11049000" cy="8586966"/>
+            <a:off x="990747" y="8706125"/>
+            <a:ext cx="10170883" cy="4571581"/>
           </a:xfrm>
           <a:prstGeom prst="rect">
             <a:avLst/>
@@ -3683,60 +3658,56 @@
           <a:lstStyle/>
           <a:p>
             <a:r>
+              <a:rPr lang="en-US" sz="5000" dirty="0"/>
+              <a:t>Context</a:t>
+            </a:r>
+            <a:r>
               <a:rPr lang="en-US" sz="7200" dirty="0"/>
-              <a:t>Context </a:t>
-            </a:r>
-          </a:p>
-          <a:p>
-            <a:pPr marL="857250" indent="-857250">
+              <a:t> </a:t>
+            </a:r>
+          </a:p>
+          <a:p>
+            <a:pPr marL="457200" indent="-457200">
               <a:buFont typeface="Arial" panose="020B0604020202020204" pitchFamily="34" charset="0"/>
               <a:buChar char="•"/>
             </a:pPr>
             <a:r>
-              <a:rPr lang="en-US" sz="6000" dirty="0"/>
-              <a:t>	Intro Programming for non-Majors</a:t>
-            </a:r>
-          </a:p>
-          <a:p>
-            <a:pPr marL="857250" indent="-857250">
+              <a:rPr lang="en-US" sz="3000" dirty="0"/>
+              <a:t>Introduction to Programming in Python</a:t>
+            </a:r>
+          </a:p>
+          <a:p>
+            <a:pPr marL="457200" indent="-457200">
               <a:buFont typeface="Arial" panose="020B0604020202020204" pitchFamily="34" charset="0"/>
               <a:buChar char="•"/>
             </a:pPr>
             <a:r>
-              <a:rPr lang="en-US" sz="6000" dirty="0"/>
-              <a:t> &lt;DEMOGRAPHIC DATA/CHARTS&gt;</a:t>
-            </a:r>
-          </a:p>
-          <a:p>
-            <a:pPr marL="1314450" lvl="1" indent="-857250">
+              <a:rPr lang="en-US" sz="3000" dirty="0"/>
+              <a:t>Non-CS majors from mostly Engineering and Sciences</a:t>
+            </a:r>
+          </a:p>
+          <a:p>
+            <a:pPr marL="457200" indent="-457200">
               <a:buFont typeface="Arial" panose="020B0604020202020204" pitchFamily="34" charset="0"/>
               <a:buChar char="•"/>
             </a:pPr>
             <a:r>
-              <a:rPr lang="en-US" sz="6000" dirty="0"/>
-              <a:t>Class size</a:t>
-            </a:r>
-          </a:p>
-          <a:p>
-            <a:pPr marL="1314450" lvl="1" indent="-857250">
+              <a:rPr lang="en-US" sz="3000" dirty="0"/>
+              <a:t>Students complete 188 programming assignments in and online programming environment </a:t>
+            </a:r>
+          </a:p>
+          <a:p>
+            <a:pPr marL="457200" indent="-457200">
               <a:buFont typeface="Arial" panose="020B0604020202020204" pitchFamily="34" charset="0"/>
               <a:buChar char="•"/>
             </a:pPr>
             <a:r>
-              <a:rPr lang="en-US" sz="6000" dirty="0"/>
-              <a:t>Gender breakdown</a:t>
-            </a:r>
-          </a:p>
-          <a:p>
-            <a:pPr marL="1314450" lvl="1" indent="-857250">
-              <a:buFont typeface="Arial" panose="020B0604020202020204" pitchFamily="34" charset="0"/>
-              <a:buChar char="•"/>
-            </a:pPr>
-            <a:r>
-              <a:rPr lang="en-US" sz="6000" dirty="0"/>
-              <a:t>Prior Experience and/or programming comfort</a:t>
-            </a:r>
-            <a:endParaRPr lang="en-US" sz="7200" dirty="0"/>
+              <a:rPr lang="en-US" sz="3000" dirty="0"/>
+              <a:t>Keystroke level edits and environmental interactions are logged</a:t>
+            </a:r>
+          </a:p>
+          <a:p>
+            <a:endParaRPr lang="en-US" sz="3000" dirty="0"/>
           </a:p>
         </p:txBody>
       </p:sp>
@@ -3745,7 +3716,7 @@
           <p:cNvPr id="12" name="TextBox 11">
             <a:extLst>
               <a:ext uri="{FF2B5EF4-FFF2-40B4-BE49-F238E27FC236}">
-                <a16:creationId xmlns:a16="http://schemas.microsoft.com/office/drawing/2014/main" xmlns="" id="{FD61DD69-C85E-46BF-9A25-9A06D53D0A79}"/>
+                <a16:creationId xmlns:a16="http://schemas.microsoft.com/office/drawing/2014/main" id="{FD61DD69-C85E-46BF-9A25-9A06D53D0A79}"/>
               </a:ext>
             </a:extLst>
           </p:cNvPr>
@@ -3754,8 +3725,8 @@
         </p:nvSpPr>
         <p:spPr>
           <a:xfrm>
-            <a:off x="28769733" y="11737895"/>
-            <a:ext cx="11049000" cy="5262979"/>
+            <a:off x="29796630" y="8851747"/>
+            <a:ext cx="11049000" cy="3631763"/>
           </a:xfrm>
           <a:prstGeom prst="rect">
             <a:avLst/>
@@ -3774,7 +3745,7 @@
           <a:lstStyle/>
           <a:p>
             <a:r>
-              <a:rPr lang="en-US" sz="7200" dirty="0"/>
+              <a:rPr lang="en-US" sz="5000" dirty="0"/>
               <a:t>Data Collection</a:t>
             </a:r>
           </a:p>
@@ -3784,7 +3755,7 @@
               <a:buChar char="•"/>
             </a:pPr>
             <a:r>
-              <a:rPr lang="en-US" sz="4400" dirty="0"/>
+              <a:rPr lang="en-US" sz="3000" dirty="0"/>
               <a:t>Qualitative Data collected via a survey on student opinion and usage of Worked Examples</a:t>
             </a:r>
           </a:p>
@@ -3794,16 +3765,26 @@
               <a:buChar char="•"/>
             </a:pPr>
             <a:r>
-              <a:rPr lang="en-US" sz="4400" dirty="0"/>
+              <a:rPr lang="en-US" sz="3000" dirty="0"/>
               <a:t>Quantitative Data collected via exercise completion rates and student interaction with </a:t>
             </a:r>
             <a:r>
-              <a:rPr lang="en-US" sz="4400" dirty="0" err="1"/>
+              <a:rPr lang="en-US" sz="3000" dirty="0" err="1"/>
               <a:t>Blockpy</a:t>
             </a:r>
             <a:r>
-              <a:rPr lang="en-US" sz="4400" dirty="0"/>
+              <a:rPr lang="en-US" sz="3000" dirty="0"/>
               <a:t> and Worked Example </a:t>
+            </a:r>
+          </a:p>
+          <a:p>
+            <a:pPr marL="1028700" lvl="1" indent="-571500">
+              <a:buFont typeface="Arial" panose="020B0604020202020204" pitchFamily="34" charset="0"/>
+              <a:buChar char="•"/>
+            </a:pPr>
+            <a:r>
+              <a:rPr lang="en-US" sz="3000" dirty="0"/>
+              <a:t>Worked Examples page was instrumented to log student interaction</a:t>
             </a:r>
           </a:p>
         </p:txBody>
@@ -3813,7 +3794,7 @@
           <p:cNvPr id="13" name="TextBox 12">
             <a:extLst>
               <a:ext uri="{FF2B5EF4-FFF2-40B4-BE49-F238E27FC236}">
-                <a16:creationId xmlns:a16="http://schemas.microsoft.com/office/drawing/2014/main" xmlns="" id="{3BDAEEC1-C345-4C79-A62B-FADFBFC0455A}"/>
+                <a16:creationId xmlns:a16="http://schemas.microsoft.com/office/drawing/2014/main" id="{3BDAEEC1-C345-4C79-A62B-FADFBFC0455A}"/>
               </a:ext>
             </a:extLst>
           </p:cNvPr>
@@ -3822,8 +3803,8 @@
         </p:nvSpPr>
         <p:spPr>
           <a:xfrm>
-            <a:off x="14673527" y="13148451"/>
-            <a:ext cx="11049000" cy="5262979"/>
+            <a:off x="17269775" y="8851203"/>
+            <a:ext cx="11944880" cy="3970318"/>
           </a:xfrm>
           <a:prstGeom prst="rect">
             <a:avLst/>
@@ -3842,8 +3823,12 @@
           <a:lstStyle/>
           <a:p>
             <a:r>
+              <a:rPr lang="en-US" sz="5000" dirty="0"/>
+              <a:t>Methodology</a:t>
+            </a:r>
+            <a:r>
               <a:rPr lang="en-US" sz="7200" dirty="0"/>
-              <a:t>Methodology </a:t>
+              <a:t> </a:t>
             </a:r>
           </a:p>
           <a:p>
@@ -3852,8 +3837,8 @@
               <a:buChar char="•"/>
             </a:pPr>
             <a:r>
-              <a:rPr lang="en-US" sz="4400" dirty="0"/>
-              <a:t>Used Fall 2017 section as baseline without Worked Examples </a:t>
+              <a:rPr lang="en-US" sz="3000" dirty="0"/>
+              <a:t>Manual inspection of prior student was used to determine “hard” problems</a:t>
             </a:r>
           </a:p>
           <a:p>
@@ -3862,8 +3847,8 @@
               <a:buChar char="•"/>
             </a:pPr>
             <a:r>
-              <a:rPr lang="en-US" sz="4400" dirty="0"/>
-              <a:t>Determine which programming exercises were “hard” for F17 students</a:t>
+              <a:rPr lang="en-US" sz="3000" dirty="0"/>
+              <a:t>“Hard” problems were those that took most students more than 20 edits to complete</a:t>
             </a:r>
           </a:p>
           <a:p>
@@ -3872,8 +3857,8 @@
               <a:buChar char="•"/>
             </a:pPr>
             <a:r>
-              <a:rPr lang="en-US" sz="4400" dirty="0"/>
-              <a:t>Create Worked Example related to “hard” problems for S18 section</a:t>
+              <a:rPr lang="en-US" sz="3000" dirty="0"/>
+              <a:t>Worked examples were developed for “hard” problems to help students </a:t>
             </a:r>
           </a:p>
         </p:txBody>
@@ -3883,7 +3868,7 @@
           <p:cNvPr id="14" name="TextBox 13">
             <a:extLst>
               <a:ext uri="{FF2B5EF4-FFF2-40B4-BE49-F238E27FC236}">
-                <a16:creationId xmlns:a16="http://schemas.microsoft.com/office/drawing/2014/main" xmlns="" id="{B95E43A4-FF9A-45CE-8FA8-5E0B1BE41117}"/>
+                <a16:creationId xmlns:a16="http://schemas.microsoft.com/office/drawing/2014/main" id="{B95E43A4-FF9A-45CE-8FA8-5E0B1BE41117}"/>
               </a:ext>
             </a:extLst>
           </p:cNvPr>
@@ -3912,12 +3897,19 @@
           <a:lstStyle/>
           <a:p>
             <a:r>
+              <a:rPr lang="en-US" sz="5000" dirty="0"/>
+              <a:t>References</a:t>
+            </a:r>
+            <a:r>
               <a:rPr lang="en-US" sz="7200" dirty="0"/>
-              <a:t>References </a:t>
-            </a:r>
-          </a:p>
-          <a:p>
-            <a:endParaRPr lang="en-US" sz="6600" dirty="0"/>
+              <a:t> </a:t>
+            </a:r>
+          </a:p>
+          <a:p>
+            <a:r>
+              <a:rPr lang="en-US" sz="6600" dirty="0"/>
+              <a:t>TODO</a:t>
+            </a:r>
           </a:p>
         </p:txBody>
       </p:sp>
@@ -3926,7 +3918,7 @@
           <p:cNvPr id="15" name="TextBox 14">
             <a:extLst>
               <a:ext uri="{FF2B5EF4-FFF2-40B4-BE49-F238E27FC236}">
-                <a16:creationId xmlns:a16="http://schemas.microsoft.com/office/drawing/2014/main" xmlns="" id="{474D9FEF-145C-4507-BA19-613301017388}"/>
+                <a16:creationId xmlns:a16="http://schemas.microsoft.com/office/drawing/2014/main" id="{474D9FEF-145C-4507-BA19-613301017388}"/>
               </a:ext>
             </a:extLst>
           </p:cNvPr>
@@ -3935,8 +3927,8 @@
         </p:nvSpPr>
         <p:spPr>
           <a:xfrm>
-            <a:off x="18233122" y="20604898"/>
-            <a:ext cx="10018186" cy="11172289"/>
+            <a:off x="30082063" y="21046137"/>
+            <a:ext cx="10018186" cy="8094524"/>
           </a:xfrm>
           <a:prstGeom prst="rect">
             <a:avLst/>
@@ -3955,25 +3947,31 @@
           <a:lstStyle/>
           <a:p>
             <a:r>
-              <a:rPr lang="en-US" sz="7200" dirty="0"/>
+              <a:rPr lang="en-US" sz="5000" dirty="0"/>
               <a:t>Conclusions</a:t>
             </a:r>
           </a:p>
           <a:p>
             <a:r>
-              <a:rPr lang="en-US" sz="4800" dirty="0"/>
+              <a:rPr lang="en-US" sz="3000" dirty="0"/>
               <a:t>	The Worked Example strategy we used seem to have little effect on the completion rate of hard problems. However, many students used them and found them helpful.</a:t>
             </a:r>
           </a:p>
           <a:p>
             <a:r>
-              <a:rPr lang="en-US" sz="4800" dirty="0"/>
-              <a:t>	Methods of selection “hard’ problems may have been flawed. All problems had high completion rates </a:t>
-            </a:r>
-          </a:p>
-          <a:p>
-            <a:r>
-              <a:rPr lang="en-US" sz="7200" dirty="0"/>
+              <a:rPr lang="en-US" sz="3000" dirty="0"/>
+              <a:t>	Methods of selection “hard’ problems may have been flawed. All problems had high completion rates (80-90%) before introducing WEs.</a:t>
+            </a:r>
+          </a:p>
+          <a:p>
+            <a:r>
+              <a:rPr lang="en-US" sz="3000" dirty="0"/>
+              <a:t>	The correlation between WE use and increased number of runs may suggest our implementation had no quantitative benefit. It may also simply show that students are more likely to use the WE if they have been working on the problem for longer. More analysis of event log is required to support this.</a:t>
+            </a:r>
+          </a:p>
+          <a:p>
+            <a:r>
+              <a:rPr lang="en-US" sz="5000" dirty="0"/>
               <a:t>Future work</a:t>
             </a:r>
           </a:p>
@@ -3983,8 +3981,8 @@
               <a:buChar char="•"/>
             </a:pPr>
             <a:r>
-              <a:rPr lang="en-US" sz="4800" dirty="0"/>
-              <a:t>	Interactive Worked Examples </a:t>
+              <a:rPr lang="en-US" sz="3000" dirty="0"/>
+              <a:t>Interactive Worked Examples </a:t>
             </a:r>
           </a:p>
           <a:p>
@@ -3993,11 +3991,11 @@
               <a:buChar char="•"/>
             </a:pPr>
             <a:r>
-              <a:rPr lang="en-US" sz="4800" dirty="0" err="1"/>
+              <a:rPr lang="en-US" sz="3000" dirty="0" err="1"/>
               <a:t>Subgoal</a:t>
             </a:r>
             <a:r>
-              <a:rPr lang="en-US" sz="4800" dirty="0"/>
+              <a:rPr lang="en-US" sz="3000" dirty="0"/>
               <a:t> only Worked Examples </a:t>
             </a:r>
           </a:p>
@@ -4007,7 +4005,7 @@
               <a:buChar char="•"/>
             </a:pPr>
             <a:r>
-              <a:rPr lang="en-US" sz="4800" dirty="0"/>
+              <a:rPr lang="en-US" sz="3000" dirty="0"/>
               <a:t>Alternative supplements material in large intro classes</a:t>
             </a:r>
           </a:p>
@@ -4018,7 +4016,7 @@
           <p:cNvPr id="16" name="TextBox 15">
             <a:extLst>
               <a:ext uri="{FF2B5EF4-FFF2-40B4-BE49-F238E27FC236}">
-                <a16:creationId xmlns:a16="http://schemas.microsoft.com/office/drawing/2014/main" xmlns="" id="{487B536B-0C75-4D18-A6DA-07CEF9C4A1D1}"/>
+                <a16:creationId xmlns:a16="http://schemas.microsoft.com/office/drawing/2014/main" id="{487B536B-0C75-4D18-A6DA-07CEF9C4A1D1}"/>
               </a:ext>
             </a:extLst>
           </p:cNvPr>
@@ -4027,8 +4025,8 @@
         </p:nvSpPr>
         <p:spPr>
           <a:xfrm>
-            <a:off x="2145773" y="18522369"/>
-            <a:ext cx="11049000" cy="12834283"/>
+            <a:off x="670401" y="14492709"/>
+            <a:ext cx="11049000" cy="861774"/>
           </a:xfrm>
           <a:prstGeom prst="rect">
             <a:avLst/>
@@ -4047,68 +4045,8 @@
           <a:lstStyle/>
           <a:p>
             <a:r>
-              <a:rPr lang="en-US" sz="7200" dirty="0"/>
+              <a:rPr lang="en-US" sz="5000" dirty="0"/>
               <a:t>Results</a:t>
-            </a:r>
-          </a:p>
-          <a:p>
-            <a:pPr marL="857250" indent="-857250">
-              <a:buFont typeface="Arial" panose="020B0604020202020204" pitchFamily="34" charset="0"/>
-              <a:buChar char="•"/>
-            </a:pPr>
-            <a:r>
-              <a:rPr lang="en-US" sz="5400" dirty="0"/>
-              <a:t>The addition of Worked Examples provided little to no gain on completion of hard problems</a:t>
-            </a:r>
-          </a:p>
-          <a:p>
-            <a:r>
-              <a:rPr lang="en-US" sz="5400" dirty="0"/>
-              <a:t>		&lt;Picture of completion chart&gt;</a:t>
-            </a:r>
-          </a:p>
-          <a:p>
-            <a:pPr marL="685800" indent="-685800">
-              <a:buFont typeface="Arial" panose="020B0604020202020204" pitchFamily="34" charset="0"/>
-              <a:buChar char="•"/>
-            </a:pPr>
-            <a:r>
-              <a:rPr lang="en-US" sz="5400" dirty="0"/>
-              <a:t>Measured usage of WE varied widely by problem, with an average around 50</a:t>
-            </a:r>
-          </a:p>
-          <a:p>
-            <a:pPr lvl="1"/>
-            <a:r>
-              <a:rPr lang="en-US" sz="5400" dirty="0"/>
-              <a:t>	&lt;Picture of usage chart&gt;</a:t>
-            </a:r>
-          </a:p>
-          <a:p>
-            <a:pPr marL="1143000" lvl="1" indent="-685800">
-              <a:buFont typeface="Arial" panose="020B0604020202020204" pitchFamily="34" charset="0"/>
-              <a:buChar char="•"/>
-            </a:pPr>
-            <a:r>
-              <a:rPr lang="en-US" sz="5400" dirty="0"/>
-              <a:t>50% of students claimed to read the Worked example at least most of the time </a:t>
-            </a:r>
-          </a:p>
-          <a:p>
-            <a:pPr lvl="2"/>
-            <a:r>
-              <a:rPr lang="en-US" sz="5400" dirty="0"/>
-              <a:t>&lt;Survey read frequency&gt;</a:t>
-            </a:r>
-          </a:p>
-          <a:p>
-            <a:pPr marL="1600200" lvl="2" indent="-685800">
-              <a:buFont typeface="Arial" panose="020B0604020202020204" pitchFamily="34" charset="0"/>
-              <a:buChar char="•"/>
-            </a:pPr>
-            <a:r>
-              <a:rPr lang="en-US" sz="5400" dirty="0"/>
-              <a:t>57% of students found the Worked examples helpful</a:t>
             </a:r>
           </a:p>
         </p:txBody>
@@ -4118,7 +4056,7 @@
           <p:cNvPr id="2" name="Rectangle 1">
             <a:extLst>
               <a:ext uri="{FF2B5EF4-FFF2-40B4-BE49-F238E27FC236}">
-                <a16:creationId xmlns:a16="http://schemas.microsoft.com/office/drawing/2014/main" xmlns="" id="{462652C4-E01F-4D77-BA6A-2650430629D1}"/>
+                <a16:creationId xmlns:a16="http://schemas.microsoft.com/office/drawing/2014/main" id="{462652C4-E01F-4D77-BA6A-2650430629D1}"/>
               </a:ext>
             </a:extLst>
           </p:cNvPr>
@@ -4161,6 +4099,1141 @@
             <a:r>
               <a:rPr lang="en-US" sz="4800" dirty="0"/>
               <a:t>VT Logo</a:t>
+            </a:r>
+          </a:p>
+        </p:txBody>
+      </p:sp>
+      <p:graphicFrame>
+        <p:nvGraphicFramePr>
+          <p:cNvPr id="4" name="Table 3">
+            <a:extLst>
+              <a:ext uri="{FF2B5EF4-FFF2-40B4-BE49-F238E27FC236}">
+                <a16:creationId xmlns:a16="http://schemas.microsoft.com/office/drawing/2014/main" id="{BC4C8F16-D2F7-48DF-B8B6-6D48E2FD47DE}"/>
+              </a:ext>
+            </a:extLst>
+          </p:cNvPr>
+          <p:cNvGraphicFramePr>
+            <a:graphicFrameLocks noGrp="1"/>
+          </p:cNvGraphicFramePr>
+          <p:nvPr>
+            <p:extLst>
+              <p:ext uri="{D42A27DB-BD31-4B8C-83A1-F6EECF244321}">
+                <p14:modId xmlns:p14="http://schemas.microsoft.com/office/powerpoint/2010/main" val="26491422"/>
+              </p:ext>
+            </p:extLst>
+          </p:nvPr>
+        </p:nvGraphicFramePr>
+        <p:xfrm>
+          <a:off x="11527180" y="9808793"/>
+          <a:ext cx="5377045" cy="2702648"/>
+        </p:xfrm>
+        <a:graphic>
+          <a:graphicData uri="http://schemas.openxmlformats.org/drawingml/2006/table">
+            <a:tbl>
+              <a:tblPr firstRow="1" bandRow="1">
+                <a:tableStyleId>{5C22544A-7EE6-4342-B048-85BDC9FD1C3A}</a:tableStyleId>
+              </a:tblPr>
+              <a:tblGrid>
+                <a:gridCol w="803154">
+                  <a:extLst>
+                    <a:ext uri="{9D8B030D-6E8A-4147-A177-3AD203B41FA5}">
+                      <a16:colId xmlns:a16="http://schemas.microsoft.com/office/drawing/2014/main" val="1246494410"/>
+                    </a:ext>
+                  </a:extLst>
+                </a:gridCol>
+                <a:gridCol w="1837924">
+                  <a:extLst>
+                    <a:ext uri="{9D8B030D-6E8A-4147-A177-3AD203B41FA5}">
+                      <a16:colId xmlns:a16="http://schemas.microsoft.com/office/drawing/2014/main" val="3707486989"/>
+                    </a:ext>
+                  </a:extLst>
+                </a:gridCol>
+                <a:gridCol w="1932816">
+                  <a:extLst>
+                    <a:ext uri="{9D8B030D-6E8A-4147-A177-3AD203B41FA5}">
+                      <a16:colId xmlns:a16="http://schemas.microsoft.com/office/drawing/2014/main" val="2676852081"/>
+                    </a:ext>
+                  </a:extLst>
+                </a:gridCol>
+                <a:gridCol w="803151">
+                  <a:extLst>
+                    <a:ext uri="{9D8B030D-6E8A-4147-A177-3AD203B41FA5}">
+                      <a16:colId xmlns:a16="http://schemas.microsoft.com/office/drawing/2014/main" val="3454277832"/>
+                    </a:ext>
+                  </a:extLst>
+                </a:gridCol>
+              </a:tblGrid>
+              <a:tr h="755617">
+                <a:tc>
+                  <a:txBody>
+                    <a:bodyPr/>
+                    <a:lstStyle/>
+                    <a:p>
+                      <a:endParaRPr lang="en-US" sz="2400" dirty="0"/>
+                    </a:p>
+                  </a:txBody>
+                  <a:tcPr anchor="ctr">
+                    <a:solidFill>
+                      <a:srgbClr val="8E2344"/>
+                    </a:solidFill>
+                  </a:tcPr>
+                </a:tc>
+                <a:tc>
+                  <a:txBody>
+                    <a:bodyPr/>
+                    <a:lstStyle/>
+                    <a:p>
+                      <a:pPr algn="ctr"/>
+                      <a:r>
+                        <a:rPr lang="en-US" sz="2400" dirty="0"/>
+                        <a:t>Prior Experience</a:t>
+                      </a:r>
+                    </a:p>
+                  </a:txBody>
+                  <a:tcPr anchor="ctr">
+                    <a:solidFill>
+                      <a:srgbClr val="8E2344"/>
+                    </a:solidFill>
+                  </a:tcPr>
+                </a:tc>
+                <a:tc>
+                  <a:txBody>
+                    <a:bodyPr/>
+                    <a:lstStyle/>
+                    <a:p>
+                      <a:pPr algn="ctr"/>
+                      <a:r>
+                        <a:rPr lang="en-US" sz="2400" dirty="0"/>
+                        <a:t>No Prior Experience</a:t>
+                      </a:r>
+                    </a:p>
+                  </a:txBody>
+                  <a:tcPr anchor="ctr">
+                    <a:solidFill>
+                      <a:srgbClr val="8E2344"/>
+                    </a:solidFill>
+                  </a:tcPr>
+                </a:tc>
+                <a:tc>
+                  <a:txBody>
+                    <a:bodyPr/>
+                    <a:lstStyle/>
+                    <a:p>
+                      <a:pPr algn="ctr"/>
+                      <a:r>
+                        <a:rPr lang="en-US" sz="2400" dirty="0"/>
+                        <a:t>Total</a:t>
+                      </a:r>
+                    </a:p>
+                  </a:txBody>
+                  <a:tcPr anchor="ctr">
+                    <a:solidFill>
+                      <a:srgbClr val="8E2344"/>
+                    </a:solidFill>
+                  </a:tcPr>
+                </a:tc>
+                <a:extLst>
+                  <a:ext uri="{0D108BD9-81ED-4DB2-BD59-A6C34878D82A}">
+                    <a16:rowId xmlns:a16="http://schemas.microsoft.com/office/drawing/2014/main" val="2084501009"/>
+                  </a:ext>
+                </a:extLst>
+              </a:tr>
+              <a:tr h="638503">
+                <a:tc>
+                  <a:txBody>
+                    <a:bodyPr/>
+                    <a:lstStyle/>
+                    <a:p>
+                      <a:pPr algn="ctr"/>
+                      <a:r>
+                        <a:rPr lang="en-US" sz="2400" dirty="0">
+                          <a:solidFill>
+                            <a:schemeClr val="bg1"/>
+                          </a:solidFill>
+                        </a:rPr>
+                        <a:t>F17</a:t>
+                      </a:r>
+                    </a:p>
+                  </a:txBody>
+                  <a:tcPr anchor="ctr">
+                    <a:solidFill>
+                      <a:srgbClr val="8E2344"/>
+                    </a:solidFill>
+                  </a:tcPr>
+                </a:tc>
+                <a:tc>
+                  <a:txBody>
+                    <a:bodyPr/>
+                    <a:lstStyle/>
+                    <a:p>
+                      <a:pPr algn="ctr"/>
+                      <a:r>
+                        <a:rPr lang="en-US" sz="3000" dirty="0"/>
+                        <a:t>240</a:t>
+                      </a:r>
+                    </a:p>
+                  </a:txBody>
+                  <a:tcPr anchor="ctr"/>
+                </a:tc>
+                <a:tc>
+                  <a:txBody>
+                    <a:bodyPr/>
+                    <a:lstStyle/>
+                    <a:p>
+                      <a:pPr algn="ctr"/>
+                      <a:r>
+                        <a:rPr lang="en-US" sz="3000" dirty="0"/>
+                        <a:t>41</a:t>
+                      </a:r>
+                    </a:p>
+                  </a:txBody>
+                  <a:tcPr anchor="ctr"/>
+                </a:tc>
+                <a:tc>
+                  <a:txBody>
+                    <a:bodyPr/>
+                    <a:lstStyle/>
+                    <a:p>
+                      <a:pPr algn="ctr"/>
+                      <a:r>
+                        <a:rPr lang="en-US" sz="3000" dirty="0"/>
+                        <a:t>281</a:t>
+                      </a:r>
+                    </a:p>
+                  </a:txBody>
+                  <a:tcPr anchor="ctr"/>
+                </a:tc>
+                <a:extLst>
+                  <a:ext uri="{0D108BD9-81ED-4DB2-BD59-A6C34878D82A}">
+                    <a16:rowId xmlns:a16="http://schemas.microsoft.com/office/drawing/2014/main" val="2612314924"/>
+                  </a:ext>
+                </a:extLst>
+              </a:tr>
+              <a:tr h="638503">
+                <a:tc>
+                  <a:txBody>
+                    <a:bodyPr/>
+                    <a:lstStyle/>
+                    <a:p>
+                      <a:pPr algn="ctr"/>
+                      <a:r>
+                        <a:rPr lang="en-US" sz="2400" dirty="0">
+                          <a:solidFill>
+                            <a:schemeClr val="bg1"/>
+                          </a:solidFill>
+                        </a:rPr>
+                        <a:t>S18</a:t>
+                      </a:r>
+                    </a:p>
+                  </a:txBody>
+                  <a:tcPr anchor="ctr">
+                    <a:solidFill>
+                      <a:srgbClr val="8E2344"/>
+                    </a:solidFill>
+                  </a:tcPr>
+                </a:tc>
+                <a:tc>
+                  <a:txBody>
+                    <a:bodyPr/>
+                    <a:lstStyle/>
+                    <a:p>
+                      <a:pPr algn="ctr"/>
+                      <a:r>
+                        <a:rPr lang="en-US" sz="3000" dirty="0"/>
+                        <a:t>197</a:t>
+                      </a:r>
+                    </a:p>
+                  </a:txBody>
+                  <a:tcPr anchor="ctr"/>
+                </a:tc>
+                <a:tc>
+                  <a:txBody>
+                    <a:bodyPr/>
+                    <a:lstStyle/>
+                    <a:p>
+                      <a:pPr algn="ctr"/>
+                      <a:r>
+                        <a:rPr lang="en-US" sz="3000" dirty="0"/>
+                        <a:t>43</a:t>
+                      </a:r>
+                    </a:p>
+                  </a:txBody>
+                  <a:tcPr anchor="ctr"/>
+                </a:tc>
+                <a:tc>
+                  <a:txBody>
+                    <a:bodyPr/>
+                    <a:lstStyle/>
+                    <a:p>
+                      <a:pPr algn="ctr"/>
+                      <a:r>
+                        <a:rPr lang="en-US" sz="3000" dirty="0"/>
+                        <a:t>240</a:t>
+                      </a:r>
+                    </a:p>
+                  </a:txBody>
+                  <a:tcPr anchor="ctr"/>
+                </a:tc>
+                <a:extLst>
+                  <a:ext uri="{0D108BD9-81ED-4DB2-BD59-A6C34878D82A}">
+                    <a16:rowId xmlns:a16="http://schemas.microsoft.com/office/drawing/2014/main" val="685837746"/>
+                  </a:ext>
+                </a:extLst>
+              </a:tr>
+              <a:tr h="602682">
+                <a:tc>
+                  <a:txBody>
+                    <a:bodyPr/>
+                    <a:lstStyle/>
+                    <a:p>
+                      <a:pPr algn="ctr"/>
+                      <a:r>
+                        <a:rPr lang="en-US" sz="2400" dirty="0">
+                          <a:solidFill>
+                            <a:schemeClr val="bg1"/>
+                          </a:solidFill>
+                        </a:rPr>
+                        <a:t>Total</a:t>
+                      </a:r>
+                    </a:p>
+                  </a:txBody>
+                  <a:tcPr anchor="ctr">
+                    <a:solidFill>
+                      <a:srgbClr val="8E2344"/>
+                    </a:solidFill>
+                  </a:tcPr>
+                </a:tc>
+                <a:tc>
+                  <a:txBody>
+                    <a:bodyPr/>
+                    <a:lstStyle/>
+                    <a:p>
+                      <a:pPr algn="ctr"/>
+                      <a:r>
+                        <a:rPr lang="en-US" sz="3000" dirty="0"/>
+                        <a:t>437</a:t>
+                      </a:r>
+                    </a:p>
+                  </a:txBody>
+                  <a:tcPr anchor="ctr"/>
+                </a:tc>
+                <a:tc>
+                  <a:txBody>
+                    <a:bodyPr/>
+                    <a:lstStyle/>
+                    <a:p>
+                      <a:pPr algn="ctr"/>
+                      <a:r>
+                        <a:rPr lang="en-US" sz="3000" dirty="0"/>
+                        <a:t>84</a:t>
+                      </a:r>
+                    </a:p>
+                  </a:txBody>
+                  <a:tcPr anchor="ctr"/>
+                </a:tc>
+                <a:tc>
+                  <a:txBody>
+                    <a:bodyPr/>
+                    <a:lstStyle/>
+                    <a:p>
+                      <a:endParaRPr lang="en-US" sz="3000" dirty="0"/>
+                    </a:p>
+                  </a:txBody>
+                  <a:tcPr anchor="ctr"/>
+                </a:tc>
+                <a:extLst>
+                  <a:ext uri="{0D108BD9-81ED-4DB2-BD59-A6C34878D82A}">
+                    <a16:rowId xmlns:a16="http://schemas.microsoft.com/office/drawing/2014/main" val="2484121680"/>
+                  </a:ext>
+                </a:extLst>
+              </a:tr>
+            </a:tbl>
+          </a:graphicData>
+        </a:graphic>
+      </p:graphicFrame>
+      <p:graphicFrame>
+        <p:nvGraphicFramePr>
+          <p:cNvPr id="19" name="Object 18">
+            <a:extLst>
+              <a:ext uri="{FF2B5EF4-FFF2-40B4-BE49-F238E27FC236}">
+                <a16:creationId xmlns:a16="http://schemas.microsoft.com/office/drawing/2014/main" id="{EE881DD3-55CC-439E-9E25-F44AD8AFB32E}"/>
+              </a:ext>
+            </a:extLst>
+          </p:cNvPr>
+          <p:cNvGraphicFramePr>
+            <a:graphicFrameLocks noChangeAspect="1"/>
+          </p:cNvGraphicFramePr>
+          <p:nvPr>
+            <p:extLst>
+              <p:ext uri="{D42A27DB-BD31-4B8C-83A1-F6EECF244321}">
+                <p14:modId xmlns:p14="http://schemas.microsoft.com/office/powerpoint/2010/main" val="3333703710"/>
+              </p:ext>
+            </p:extLst>
+          </p:nvPr>
+        </p:nvGraphicFramePr>
+        <p:xfrm>
+          <a:off x="7315200" y="6705600"/>
+          <a:ext cx="29260800" cy="19507200"/>
+        </p:xfrm>
+        <a:graphic>
+          <a:graphicData uri="http://schemas.openxmlformats.org/presentationml/2006/ole">
+            <mc:AlternateContent xmlns:mc="http://schemas.openxmlformats.org/markup-compatibility/2006">
+              <mc:Choice xmlns:v="urn:schemas-microsoft-com:vml" Requires="v">
+                <p:oleObj spid="_x0000_s1046" name="FDF" r:id="rId3" imgW="0" imgH="0" progId="FoxitReader.FDFDoc">
+                  <p:embed/>
+                </p:oleObj>
+              </mc:Choice>
+              <mc:Fallback>
+                <p:oleObj name="FDF" r:id="rId3" imgW="0" imgH="0" progId="FoxitReader.FDFDoc">
+                  <p:embed/>
+                  <p:pic>
+                    <p:nvPicPr>
+                      <p:cNvPr id="0" name=""/>
+                      <p:cNvPicPr/>
+                      <p:nvPr/>
+                    </p:nvPicPr>
+                    <p:blipFill/>
+                    <p:spPr>
+                      <a:xfrm>
+                        <a:off x="7315200" y="6705600"/>
+                        <a:ext cx="29260800" cy="19507200"/>
+                      </a:xfrm>
+                      <a:prstGeom prst="rect">
+                        <a:avLst/>
+                      </a:prstGeom>
+                    </p:spPr>
+                  </p:pic>
+                </p:oleObj>
+              </mc:Fallback>
+            </mc:AlternateContent>
+          </a:graphicData>
+        </a:graphic>
+      </p:graphicFrame>
+      <p:pic>
+        <p:nvPicPr>
+          <p:cNvPr id="22" name="Picture 21">
+            <a:extLst>
+              <a:ext uri="{FF2B5EF4-FFF2-40B4-BE49-F238E27FC236}">
+                <a16:creationId xmlns:a16="http://schemas.microsoft.com/office/drawing/2014/main" id="{9A959213-3A41-4840-BFC2-AE43D8E90DA2}"/>
+              </a:ext>
+            </a:extLst>
+          </p:cNvPr>
+          <p:cNvPicPr>
+            <a:picLocks noChangeAspect="1"/>
+          </p:cNvPicPr>
+          <p:nvPr/>
+        </p:nvPicPr>
+        <p:blipFill>
+          <a:blip r:embed="rId4">
+            <a:extLst>
+              <a:ext uri="{28A0092B-C50C-407E-A947-70E740481C1C}">
+                <a14:useLocalDpi xmlns:a14="http://schemas.microsoft.com/office/drawing/2010/main" val="0"/>
+              </a:ext>
+            </a:extLst>
+          </a:blip>
+          <a:stretch>
+            <a:fillRect/>
+          </a:stretch>
+        </p:blipFill>
+        <p:spPr>
+          <a:xfrm>
+            <a:off x="22586971" y="13782611"/>
+            <a:ext cx="7209659" cy="5324535"/>
+          </a:xfrm>
+          <a:prstGeom prst="rect">
+            <a:avLst/>
+          </a:prstGeom>
+        </p:spPr>
+      </p:pic>
+      <p:pic>
+        <p:nvPicPr>
+          <p:cNvPr id="24" name="Picture 23">
+            <a:extLst>
+              <a:ext uri="{FF2B5EF4-FFF2-40B4-BE49-F238E27FC236}">
+                <a16:creationId xmlns:a16="http://schemas.microsoft.com/office/drawing/2014/main" id="{F1216618-CF59-42BE-BE4B-DA00E879F3EB}"/>
+              </a:ext>
+            </a:extLst>
+          </p:cNvPr>
+          <p:cNvPicPr>
+            <a:picLocks noChangeAspect="1"/>
+          </p:cNvPicPr>
+          <p:nvPr/>
+        </p:nvPicPr>
+        <p:blipFill>
+          <a:blip r:embed="rId5">
+            <a:extLst>
+              <a:ext uri="{28A0092B-C50C-407E-A947-70E740481C1C}">
+                <a14:useLocalDpi xmlns:a14="http://schemas.microsoft.com/office/drawing/2010/main" val="0"/>
+              </a:ext>
+            </a:extLst>
+          </a:blip>
+          <a:stretch>
+            <a:fillRect/>
+          </a:stretch>
+        </p:blipFill>
+        <p:spPr>
+          <a:xfrm>
+            <a:off x="29908650" y="13931851"/>
+            <a:ext cx="8894032" cy="5026054"/>
+          </a:xfrm>
+          <a:prstGeom prst="rect">
+            <a:avLst/>
+          </a:prstGeom>
+        </p:spPr>
+      </p:pic>
+      <p:pic>
+        <p:nvPicPr>
+          <p:cNvPr id="27" name="Picture 26">
+            <a:extLst>
+              <a:ext uri="{FF2B5EF4-FFF2-40B4-BE49-F238E27FC236}">
+                <a16:creationId xmlns:a16="http://schemas.microsoft.com/office/drawing/2014/main" id="{97C19C54-47A4-4384-AE5D-0A0D2F87A8F6}"/>
+              </a:ext>
+            </a:extLst>
+          </p:cNvPr>
+          <p:cNvPicPr>
+            <a:picLocks noChangeAspect="1"/>
+          </p:cNvPicPr>
+          <p:nvPr/>
+        </p:nvPicPr>
+        <p:blipFill>
+          <a:blip r:embed="rId6">
+            <a:extLst>
+              <a:ext uri="{28A0092B-C50C-407E-A947-70E740481C1C}">
+                <a14:useLocalDpi xmlns:a14="http://schemas.microsoft.com/office/drawing/2010/main" val="0"/>
+              </a:ext>
+            </a:extLst>
+          </a:blip>
+          <a:stretch>
+            <a:fillRect/>
+          </a:stretch>
+        </p:blipFill>
+        <p:spPr>
+          <a:xfrm>
+            <a:off x="653419" y="21381199"/>
+            <a:ext cx="6845369" cy="3720009"/>
+          </a:xfrm>
+          <a:prstGeom prst="rect">
+            <a:avLst/>
+          </a:prstGeom>
+        </p:spPr>
+      </p:pic>
+      <p:sp>
+        <p:nvSpPr>
+          <p:cNvPr id="28" name="TextBox 27">
+            <a:extLst>
+              <a:ext uri="{FF2B5EF4-FFF2-40B4-BE49-F238E27FC236}">
+                <a16:creationId xmlns:a16="http://schemas.microsoft.com/office/drawing/2014/main" id="{7C418816-CE3A-4CBA-8B98-E6674AC875B1}"/>
+              </a:ext>
+            </a:extLst>
+          </p:cNvPr>
+          <p:cNvSpPr txBox="1"/>
+          <p:nvPr/>
+        </p:nvSpPr>
+        <p:spPr>
+          <a:xfrm>
+            <a:off x="1117496" y="20771402"/>
+            <a:ext cx="5905500" cy="646331"/>
+          </a:xfrm>
+          <a:prstGeom prst="rect">
+            <a:avLst/>
+          </a:prstGeom>
+          <a:noFill/>
+        </p:spPr>
+        <p:txBody>
+          <a:bodyPr wrap="square" rtlCol="0">
+            <a:spAutoFit/>
+          </a:bodyPr>
+          <a:lstStyle/>
+          <a:p>
+            <a:pPr algn="ctr"/>
+            <a:r>
+              <a:rPr lang="en-US" dirty="0"/>
+              <a:t>The addition of Worked Examples provided little to no gain on completion of hard problems</a:t>
+            </a:r>
+          </a:p>
+        </p:txBody>
+      </p:sp>
+      <p:pic>
+        <p:nvPicPr>
+          <p:cNvPr id="30" name="Picture 29">
+            <a:extLst>
+              <a:ext uri="{FF2B5EF4-FFF2-40B4-BE49-F238E27FC236}">
+                <a16:creationId xmlns:a16="http://schemas.microsoft.com/office/drawing/2014/main" id="{6F1AED26-7926-43E7-B15C-0BBD1420A894}"/>
+              </a:ext>
+            </a:extLst>
+          </p:cNvPr>
+          <p:cNvPicPr>
+            <a:picLocks noChangeAspect="1"/>
+          </p:cNvPicPr>
+          <p:nvPr/>
+        </p:nvPicPr>
+        <p:blipFill>
+          <a:blip r:embed="rId7">
+            <a:extLst>
+              <a:ext uri="{28A0092B-C50C-407E-A947-70E740481C1C}">
+                <a14:useLocalDpi xmlns:a14="http://schemas.microsoft.com/office/drawing/2010/main" val="0"/>
+              </a:ext>
+            </a:extLst>
+          </a:blip>
+          <a:stretch>
+            <a:fillRect/>
+          </a:stretch>
+        </p:blipFill>
+        <p:spPr>
+          <a:xfrm>
+            <a:off x="8073532" y="21226952"/>
+            <a:ext cx="3375054" cy="3949927"/>
+          </a:xfrm>
+          <a:prstGeom prst="rect">
+            <a:avLst/>
+          </a:prstGeom>
+        </p:spPr>
+      </p:pic>
+      <p:sp>
+        <p:nvSpPr>
+          <p:cNvPr id="31" name="TextBox 30">
+            <a:extLst>
+              <a:ext uri="{FF2B5EF4-FFF2-40B4-BE49-F238E27FC236}">
+                <a16:creationId xmlns:a16="http://schemas.microsoft.com/office/drawing/2014/main" id="{398CCCF6-E198-4B1C-B101-09E2ED674350}"/>
+              </a:ext>
+            </a:extLst>
+          </p:cNvPr>
+          <p:cNvSpPr txBox="1"/>
+          <p:nvPr/>
+        </p:nvSpPr>
+        <p:spPr>
+          <a:xfrm>
+            <a:off x="7952099" y="20457869"/>
+            <a:ext cx="3490610" cy="923330"/>
+          </a:xfrm>
+          <a:prstGeom prst="rect">
+            <a:avLst/>
+          </a:prstGeom>
+          <a:noFill/>
+        </p:spPr>
+        <p:txBody>
+          <a:bodyPr wrap="square" rtlCol="0">
+            <a:spAutoFit/>
+          </a:bodyPr>
+          <a:lstStyle/>
+          <a:p>
+            <a:pPr algn="ctr"/>
+            <a:r>
+              <a:rPr lang="en-US" dirty="0"/>
+              <a:t>Measured usage of WE varied widely by problem, with an average around 50</a:t>
+            </a:r>
+          </a:p>
+        </p:txBody>
+      </p:sp>
+      <p:graphicFrame>
+        <p:nvGraphicFramePr>
+          <p:cNvPr id="33" name="Table 32">
+            <a:extLst>
+              <a:ext uri="{FF2B5EF4-FFF2-40B4-BE49-F238E27FC236}">
+                <a16:creationId xmlns:a16="http://schemas.microsoft.com/office/drawing/2014/main" id="{994531D4-9CD1-44D7-9A25-AB676A34C0B9}"/>
+              </a:ext>
+            </a:extLst>
+          </p:cNvPr>
+          <p:cNvGraphicFramePr>
+            <a:graphicFrameLocks noGrp="1"/>
+          </p:cNvGraphicFramePr>
+          <p:nvPr>
+            <p:extLst>
+              <p:ext uri="{D42A27DB-BD31-4B8C-83A1-F6EECF244321}">
+                <p14:modId xmlns:p14="http://schemas.microsoft.com/office/powerpoint/2010/main" val="1679397783"/>
+              </p:ext>
+            </p:extLst>
+          </p:nvPr>
+        </p:nvGraphicFramePr>
+        <p:xfrm>
+          <a:off x="1466850" y="16528619"/>
+          <a:ext cx="6155622" cy="3152625"/>
+        </p:xfrm>
+        <a:graphic>
+          <a:graphicData uri="http://schemas.openxmlformats.org/drawingml/2006/table">
+            <a:tbl>
+              <a:tblPr firstRow="1" bandRow="1">
+                <a:tableStyleId>{5C22544A-7EE6-4342-B048-85BDC9FD1C3A}</a:tableStyleId>
+              </a:tblPr>
+              <a:tblGrid>
+                <a:gridCol w="1224100">
+                  <a:extLst>
+                    <a:ext uri="{9D8B030D-6E8A-4147-A177-3AD203B41FA5}">
+                      <a16:colId xmlns:a16="http://schemas.microsoft.com/office/drawing/2014/main" val="1246494410"/>
+                    </a:ext>
+                  </a:extLst>
+                </a:gridCol>
+                <a:gridCol w="1799396">
+                  <a:extLst>
+                    <a:ext uri="{9D8B030D-6E8A-4147-A177-3AD203B41FA5}">
+                      <a16:colId xmlns:a16="http://schemas.microsoft.com/office/drawing/2014/main" val="3707486989"/>
+                    </a:ext>
+                  </a:extLst>
+                </a:gridCol>
+                <a:gridCol w="2212681">
+                  <a:extLst>
+                    <a:ext uri="{9D8B030D-6E8A-4147-A177-3AD203B41FA5}">
+                      <a16:colId xmlns:a16="http://schemas.microsoft.com/office/drawing/2014/main" val="2676852081"/>
+                    </a:ext>
+                  </a:extLst>
+                </a:gridCol>
+                <a:gridCol w="919445">
+                  <a:extLst>
+                    <a:ext uri="{9D8B030D-6E8A-4147-A177-3AD203B41FA5}">
+                      <a16:colId xmlns:a16="http://schemas.microsoft.com/office/drawing/2014/main" val="3454277832"/>
+                    </a:ext>
+                  </a:extLst>
+                </a:gridCol>
+              </a:tblGrid>
+              <a:tr h="904023">
+                <a:tc>
+                  <a:txBody>
+                    <a:bodyPr/>
+                    <a:lstStyle/>
+                    <a:p>
+                      <a:endParaRPr lang="en-US" sz="2400" dirty="0"/>
+                    </a:p>
+                  </a:txBody>
+                  <a:tcPr anchor="ctr">
+                    <a:solidFill>
+                      <a:srgbClr val="8E2344"/>
+                    </a:solidFill>
+                  </a:tcPr>
+                </a:tc>
+                <a:tc>
+                  <a:txBody>
+                    <a:bodyPr/>
+                    <a:lstStyle/>
+                    <a:p>
+                      <a:pPr algn="ctr"/>
+                      <a:r>
+                        <a:rPr lang="en-US" sz="2400" dirty="0"/>
+                        <a:t>Prior Experience</a:t>
+                      </a:r>
+                    </a:p>
+                  </a:txBody>
+                  <a:tcPr anchor="ctr">
+                    <a:solidFill>
+                      <a:srgbClr val="8E2344"/>
+                    </a:solidFill>
+                  </a:tcPr>
+                </a:tc>
+                <a:tc>
+                  <a:txBody>
+                    <a:bodyPr/>
+                    <a:lstStyle/>
+                    <a:p>
+                      <a:pPr algn="ctr"/>
+                      <a:r>
+                        <a:rPr lang="en-US" sz="2400" dirty="0"/>
+                        <a:t>No Prior Experience</a:t>
+                      </a:r>
+                    </a:p>
+                  </a:txBody>
+                  <a:tcPr anchor="ctr">
+                    <a:solidFill>
+                      <a:srgbClr val="8E2344"/>
+                    </a:solidFill>
+                  </a:tcPr>
+                </a:tc>
+                <a:tc>
+                  <a:txBody>
+                    <a:bodyPr/>
+                    <a:lstStyle/>
+                    <a:p>
+                      <a:pPr algn="ctr"/>
+                      <a:r>
+                        <a:rPr lang="en-US" sz="2400" dirty="0"/>
+                        <a:t>Total</a:t>
+                      </a:r>
+                    </a:p>
+                  </a:txBody>
+                  <a:tcPr anchor="ctr">
+                    <a:solidFill>
+                      <a:srgbClr val="8E2344"/>
+                    </a:solidFill>
+                  </a:tcPr>
+                </a:tc>
+                <a:extLst>
+                  <a:ext uri="{0D108BD9-81ED-4DB2-BD59-A6C34878D82A}">
+                    <a16:rowId xmlns:a16="http://schemas.microsoft.com/office/drawing/2014/main" val="2084501009"/>
+                  </a:ext>
+                </a:extLst>
+              </a:tr>
+              <a:tr h="638503">
+                <a:tc>
+                  <a:txBody>
+                    <a:bodyPr/>
+                    <a:lstStyle/>
+                    <a:p>
+                      <a:pPr algn="ctr"/>
+                      <a:r>
+                        <a:rPr lang="en-US" sz="2400" dirty="0">
+                          <a:solidFill>
+                            <a:schemeClr val="bg1"/>
+                          </a:solidFill>
+                        </a:rPr>
+                        <a:t>WE Helpful</a:t>
+                      </a:r>
+                    </a:p>
+                  </a:txBody>
+                  <a:tcPr anchor="ctr">
+                    <a:solidFill>
+                      <a:srgbClr val="8E2344"/>
+                    </a:solidFill>
+                  </a:tcPr>
+                </a:tc>
+                <a:tc>
+                  <a:txBody>
+                    <a:bodyPr/>
+                    <a:lstStyle/>
+                    <a:p>
+                      <a:pPr algn="ctr"/>
+                      <a:r>
+                        <a:rPr lang="en-US" sz="3000" dirty="0"/>
+                        <a:t>108</a:t>
+                      </a:r>
+                    </a:p>
+                  </a:txBody>
+                  <a:tcPr anchor="ctr"/>
+                </a:tc>
+                <a:tc>
+                  <a:txBody>
+                    <a:bodyPr/>
+                    <a:lstStyle/>
+                    <a:p>
+                      <a:pPr algn="ctr"/>
+                      <a:r>
+                        <a:rPr lang="en-US" sz="3000" dirty="0"/>
+                        <a:t>29</a:t>
+                      </a:r>
+                    </a:p>
+                  </a:txBody>
+                  <a:tcPr anchor="ctr"/>
+                </a:tc>
+                <a:tc>
+                  <a:txBody>
+                    <a:bodyPr/>
+                    <a:lstStyle/>
+                    <a:p>
+                      <a:pPr algn="ctr"/>
+                      <a:r>
+                        <a:rPr lang="en-US" sz="3000" dirty="0"/>
+                        <a:t>137</a:t>
+                      </a:r>
+                    </a:p>
+                  </a:txBody>
+                  <a:tcPr anchor="ctr"/>
+                </a:tc>
+                <a:extLst>
+                  <a:ext uri="{0D108BD9-81ED-4DB2-BD59-A6C34878D82A}">
+                    <a16:rowId xmlns:a16="http://schemas.microsoft.com/office/drawing/2014/main" val="2612314924"/>
+                  </a:ext>
+                </a:extLst>
+              </a:tr>
+              <a:tr h="638503">
+                <a:tc>
+                  <a:txBody>
+                    <a:bodyPr/>
+                    <a:lstStyle/>
+                    <a:p>
+                      <a:pPr algn="ctr"/>
+                      <a:r>
+                        <a:rPr lang="en-US" sz="2400" dirty="0">
+                          <a:solidFill>
+                            <a:schemeClr val="bg1"/>
+                          </a:solidFill>
+                        </a:rPr>
+                        <a:t>WE Not Helpful</a:t>
+                      </a:r>
+                    </a:p>
+                  </a:txBody>
+                  <a:tcPr anchor="ctr">
+                    <a:solidFill>
+                      <a:srgbClr val="8E2344"/>
+                    </a:solidFill>
+                  </a:tcPr>
+                </a:tc>
+                <a:tc>
+                  <a:txBody>
+                    <a:bodyPr/>
+                    <a:lstStyle/>
+                    <a:p>
+                      <a:pPr algn="ctr"/>
+                      <a:r>
+                        <a:rPr lang="en-US" sz="3000" dirty="0"/>
+                        <a:t>66</a:t>
+                      </a:r>
+                    </a:p>
+                  </a:txBody>
+                  <a:tcPr anchor="ctr"/>
+                </a:tc>
+                <a:tc>
+                  <a:txBody>
+                    <a:bodyPr/>
+                    <a:lstStyle/>
+                    <a:p>
+                      <a:pPr algn="ctr"/>
+                      <a:r>
+                        <a:rPr lang="en-US" sz="3000" dirty="0"/>
+                        <a:t>12</a:t>
+                      </a:r>
+                    </a:p>
+                  </a:txBody>
+                  <a:tcPr anchor="ctr"/>
+                </a:tc>
+                <a:tc>
+                  <a:txBody>
+                    <a:bodyPr/>
+                    <a:lstStyle/>
+                    <a:p>
+                      <a:pPr algn="ctr"/>
+                      <a:r>
+                        <a:rPr lang="en-US" sz="3000" dirty="0"/>
+                        <a:t>78</a:t>
+                      </a:r>
+                    </a:p>
+                  </a:txBody>
+                  <a:tcPr anchor="ctr"/>
+                </a:tc>
+                <a:extLst>
+                  <a:ext uri="{0D108BD9-81ED-4DB2-BD59-A6C34878D82A}">
+                    <a16:rowId xmlns:a16="http://schemas.microsoft.com/office/drawing/2014/main" val="685837746"/>
+                  </a:ext>
+                </a:extLst>
+              </a:tr>
+              <a:tr h="602682">
+                <a:tc>
+                  <a:txBody>
+                    <a:bodyPr/>
+                    <a:lstStyle/>
+                    <a:p>
+                      <a:pPr algn="ctr"/>
+                      <a:r>
+                        <a:rPr lang="en-US" sz="2400" dirty="0">
+                          <a:solidFill>
+                            <a:schemeClr val="bg1"/>
+                          </a:solidFill>
+                        </a:rPr>
+                        <a:t>Total</a:t>
+                      </a:r>
+                    </a:p>
+                  </a:txBody>
+                  <a:tcPr anchor="ctr">
+                    <a:solidFill>
+                      <a:srgbClr val="8E2344"/>
+                    </a:solidFill>
+                  </a:tcPr>
+                </a:tc>
+                <a:tc>
+                  <a:txBody>
+                    <a:bodyPr/>
+                    <a:lstStyle/>
+                    <a:p>
+                      <a:pPr algn="ctr"/>
+                      <a:r>
+                        <a:rPr lang="en-US" sz="3000" dirty="0"/>
+                        <a:t>174</a:t>
+                      </a:r>
+                    </a:p>
+                  </a:txBody>
+                  <a:tcPr anchor="ctr"/>
+                </a:tc>
+                <a:tc>
+                  <a:txBody>
+                    <a:bodyPr/>
+                    <a:lstStyle/>
+                    <a:p>
+                      <a:pPr algn="ctr"/>
+                      <a:r>
+                        <a:rPr lang="en-US" sz="3000" dirty="0"/>
+                        <a:t>41</a:t>
+                      </a:r>
+                    </a:p>
+                  </a:txBody>
+                  <a:tcPr anchor="ctr"/>
+                </a:tc>
+                <a:tc>
+                  <a:txBody>
+                    <a:bodyPr/>
+                    <a:lstStyle/>
+                    <a:p>
+                      <a:endParaRPr lang="en-US" sz="3000" dirty="0"/>
+                    </a:p>
+                  </a:txBody>
+                  <a:tcPr anchor="ctr"/>
+                </a:tc>
+                <a:extLst>
+                  <a:ext uri="{0D108BD9-81ED-4DB2-BD59-A6C34878D82A}">
+                    <a16:rowId xmlns:a16="http://schemas.microsoft.com/office/drawing/2014/main" val="2484121680"/>
+                  </a:ext>
+                </a:extLst>
+              </a:tr>
+            </a:tbl>
+          </a:graphicData>
+        </a:graphic>
+      </p:graphicFrame>
+      <p:sp>
+        <p:nvSpPr>
+          <p:cNvPr id="34" name="TextBox 33">
+            <a:extLst>
+              <a:ext uri="{FF2B5EF4-FFF2-40B4-BE49-F238E27FC236}">
+                <a16:creationId xmlns:a16="http://schemas.microsoft.com/office/drawing/2014/main" id="{1282BA7C-71C7-40B2-BA53-9FBA7D3FB2B1}"/>
+              </a:ext>
+            </a:extLst>
+          </p:cNvPr>
+          <p:cNvSpPr txBox="1"/>
+          <p:nvPr/>
+        </p:nvSpPr>
+        <p:spPr>
+          <a:xfrm>
+            <a:off x="1466850" y="15655597"/>
+            <a:ext cx="6155622" cy="1015663"/>
+          </a:xfrm>
+          <a:prstGeom prst="rect">
+            <a:avLst/>
+          </a:prstGeom>
+          <a:noFill/>
+        </p:spPr>
+        <p:txBody>
+          <a:bodyPr wrap="square" rtlCol="0" anchor="ctr">
+            <a:spAutoFit/>
+          </a:bodyPr>
+          <a:lstStyle/>
+          <a:p>
+            <a:pPr algn="ctr"/>
+            <a:r>
+              <a:rPr lang="en-US" sz="3000" dirty="0"/>
+              <a:t>64% of students found the Worked examples helpful. </a:t>
+            </a:r>
+          </a:p>
+        </p:txBody>
+      </p:sp>
+      <p:sp>
+        <p:nvSpPr>
+          <p:cNvPr id="35" name="Rectangle 34">
+            <a:extLst>
+              <a:ext uri="{FF2B5EF4-FFF2-40B4-BE49-F238E27FC236}">
+                <a16:creationId xmlns:a16="http://schemas.microsoft.com/office/drawing/2014/main" id="{8AC9C610-38A4-43C2-A275-EF400C3DC3A3}"/>
+              </a:ext>
+            </a:extLst>
+          </p:cNvPr>
+          <p:cNvSpPr/>
+          <p:nvPr/>
+        </p:nvSpPr>
+        <p:spPr>
+          <a:xfrm>
+            <a:off x="11816168" y="20096879"/>
+            <a:ext cx="7213600" cy="5080000"/>
+          </a:xfrm>
+          <a:prstGeom prst="rect">
+            <a:avLst/>
+          </a:prstGeom>
+        </p:spPr>
+        <p:style>
+          <a:lnRef idx="2">
+            <a:schemeClr val="accent1">
+              <a:shade val="50000"/>
+            </a:schemeClr>
+          </a:lnRef>
+          <a:fillRef idx="1">
+            <a:schemeClr val="accent1"/>
+          </a:fillRef>
+          <a:effectRef idx="0">
+            <a:schemeClr val="accent1"/>
+          </a:effectRef>
+          <a:fontRef idx="minor">
+            <a:schemeClr val="lt1"/>
+          </a:fontRef>
+        </p:style>
+        <p:txBody>
+          <a:bodyPr rtlCol="0" anchor="ctr"/>
+          <a:lstStyle/>
+          <a:p>
+            <a:pPr algn="ctr"/>
+            <a:r>
+              <a:rPr lang="en-US" sz="3600" dirty="0"/>
+              <a:t>Super Nice Visual For filtered WE Use X Prior </a:t>
+            </a:r>
+            <a:r>
+              <a:rPr lang="en-US" sz="3600" dirty="0" err="1"/>
+              <a:t>Exp</a:t>
+            </a:r>
+            <a:r>
+              <a:rPr lang="en-US" sz="3600" dirty="0"/>
+              <a:t> vs Runs</a:t>
+            </a:r>
+          </a:p>
+        </p:txBody>
+      </p:sp>
+      <p:sp>
+        <p:nvSpPr>
+          <p:cNvPr id="37" name="TextBox 36">
+            <a:extLst>
+              <a:ext uri="{FF2B5EF4-FFF2-40B4-BE49-F238E27FC236}">
+                <a16:creationId xmlns:a16="http://schemas.microsoft.com/office/drawing/2014/main" id="{29CE260E-A26D-4023-A209-60CB3A8EA37F}"/>
+              </a:ext>
+            </a:extLst>
+          </p:cNvPr>
+          <p:cNvSpPr txBox="1"/>
+          <p:nvPr/>
+        </p:nvSpPr>
+        <p:spPr>
+          <a:xfrm>
+            <a:off x="11721695" y="18541091"/>
+            <a:ext cx="7209659" cy="1477328"/>
+          </a:xfrm>
+          <a:prstGeom prst="rect">
+            <a:avLst/>
+          </a:prstGeom>
+          <a:noFill/>
+        </p:spPr>
+        <p:txBody>
+          <a:bodyPr wrap="square" rtlCol="0">
+            <a:spAutoFit/>
+          </a:bodyPr>
+          <a:lstStyle/>
+          <a:p>
+            <a:pPr algn="ctr"/>
+            <a:r>
+              <a:rPr lang="en-US" sz="3000" dirty="0"/>
+              <a:t>Students who used Wes actually completed the problem in more runs/time than those that didn’t</a:t>
+            </a:r>
+          </a:p>
+        </p:txBody>
+      </p:sp>
+      <p:sp>
+        <p:nvSpPr>
+          <p:cNvPr id="38" name="TextBox 37">
+            <a:extLst>
+              <a:ext uri="{FF2B5EF4-FFF2-40B4-BE49-F238E27FC236}">
+                <a16:creationId xmlns:a16="http://schemas.microsoft.com/office/drawing/2014/main" id="{9FEFC9BD-B0DF-4D2E-8E43-0CA5197F3AC6}"/>
+              </a:ext>
+            </a:extLst>
+          </p:cNvPr>
+          <p:cNvSpPr txBox="1"/>
+          <p:nvPr/>
+        </p:nvSpPr>
+        <p:spPr>
+          <a:xfrm>
+            <a:off x="22586971" y="13277706"/>
+            <a:ext cx="16215711" cy="553998"/>
+          </a:xfrm>
+          <a:prstGeom prst="rect">
+            <a:avLst/>
+          </a:prstGeom>
+          <a:noFill/>
+        </p:spPr>
+        <p:txBody>
+          <a:bodyPr wrap="square" rtlCol="0">
+            <a:spAutoFit/>
+          </a:bodyPr>
+          <a:lstStyle/>
+          <a:p>
+            <a:pPr algn="ctr"/>
+            <a:r>
+              <a:rPr lang="en-US" sz="3000" dirty="0"/>
+              <a:t>Sample Worked Example</a:t>
             </a:r>
           </a:p>
         </p:txBody>

--- a/Administrative/VTURCS/VTURCS Poster.pptx
+++ b/Administrative/VTURCS/VTURCS Poster.pptx
@@ -197,7 +197,7 @@
           <a:p>
             <a:fld id="{6EEB6663-6F6A-4F57-8E3E-4D091760F171}" type="datetimeFigureOut">
               <a:rPr lang="en-US" smtClean="0"/>
-              <a:t>4/19/2018</a:t>
+              <a:t>4/20/2018</a:t>
             </a:fld>
             <a:endParaRPr lang="en-US"/>
           </a:p>
@@ -595,7 +595,7 @@
           <a:p>
             <a:fld id="{EFF0A8B7-F282-42EC-951E-161288F79DA5}" type="datetimeFigureOut">
               <a:rPr lang="en-US" smtClean="0"/>
-              <a:t>4/19/2018</a:t>
+              <a:t>4/20/2018</a:t>
             </a:fld>
             <a:endParaRPr lang="en-US"/>
           </a:p>
@@ -765,7 +765,7 @@
           <a:p>
             <a:fld id="{EFF0A8B7-F282-42EC-951E-161288F79DA5}" type="datetimeFigureOut">
               <a:rPr lang="en-US" smtClean="0"/>
-              <a:t>4/19/2018</a:t>
+              <a:t>4/20/2018</a:t>
             </a:fld>
             <a:endParaRPr lang="en-US"/>
           </a:p>
@@ -945,7 +945,7 @@
           <a:p>
             <a:fld id="{EFF0A8B7-F282-42EC-951E-161288F79DA5}" type="datetimeFigureOut">
               <a:rPr lang="en-US" smtClean="0"/>
-              <a:t>4/19/2018</a:t>
+              <a:t>4/20/2018</a:t>
             </a:fld>
             <a:endParaRPr lang="en-US"/>
           </a:p>
@@ -1115,7 +1115,7 @@
           <a:p>
             <a:fld id="{EFF0A8B7-F282-42EC-951E-161288F79DA5}" type="datetimeFigureOut">
               <a:rPr lang="en-US" smtClean="0"/>
-              <a:t>4/19/2018</a:t>
+              <a:t>4/20/2018</a:t>
             </a:fld>
             <a:endParaRPr lang="en-US"/>
           </a:p>
@@ -1359,7 +1359,7 @@
           <a:p>
             <a:fld id="{EFF0A8B7-F282-42EC-951E-161288F79DA5}" type="datetimeFigureOut">
               <a:rPr lang="en-US" smtClean="0"/>
-              <a:t>4/19/2018</a:t>
+              <a:t>4/20/2018</a:t>
             </a:fld>
             <a:endParaRPr lang="en-US"/>
           </a:p>
@@ -1591,7 +1591,7 @@
           <a:p>
             <a:fld id="{EFF0A8B7-F282-42EC-951E-161288F79DA5}" type="datetimeFigureOut">
               <a:rPr lang="en-US" smtClean="0"/>
-              <a:t>4/19/2018</a:t>
+              <a:t>4/20/2018</a:t>
             </a:fld>
             <a:endParaRPr lang="en-US"/>
           </a:p>
@@ -1958,7 +1958,7 @@
           <a:p>
             <a:fld id="{EFF0A8B7-F282-42EC-951E-161288F79DA5}" type="datetimeFigureOut">
               <a:rPr lang="en-US" smtClean="0"/>
-              <a:t>4/19/2018</a:t>
+              <a:t>4/20/2018</a:t>
             </a:fld>
             <a:endParaRPr lang="en-US"/>
           </a:p>
@@ -2076,7 +2076,7 @@
           <a:p>
             <a:fld id="{EFF0A8B7-F282-42EC-951E-161288F79DA5}" type="datetimeFigureOut">
               <a:rPr lang="en-US" smtClean="0"/>
-              <a:t>4/19/2018</a:t>
+              <a:t>4/20/2018</a:t>
             </a:fld>
             <a:endParaRPr lang="en-US"/>
           </a:p>
@@ -2171,7 +2171,7 @@
           <a:p>
             <a:fld id="{EFF0A8B7-F282-42EC-951E-161288F79DA5}" type="datetimeFigureOut">
               <a:rPr lang="en-US" smtClean="0"/>
-              <a:t>4/19/2018</a:t>
+              <a:t>4/20/2018</a:t>
             </a:fld>
             <a:endParaRPr lang="en-US"/>
           </a:p>
@@ -2448,7 +2448,7 @@
           <a:p>
             <a:fld id="{EFF0A8B7-F282-42EC-951E-161288F79DA5}" type="datetimeFigureOut">
               <a:rPr lang="en-US" smtClean="0"/>
-              <a:t>4/19/2018</a:t>
+              <a:t>4/20/2018</a:t>
             </a:fld>
             <a:endParaRPr lang="en-US"/>
           </a:p>
@@ -2705,7 +2705,7 @@
           <a:p>
             <a:fld id="{EFF0A8B7-F282-42EC-951E-161288F79DA5}" type="datetimeFigureOut">
               <a:rPr lang="en-US" smtClean="0"/>
-              <a:t>4/19/2018</a:t>
+              <a:t>4/20/2018</a:t>
             </a:fld>
             <a:endParaRPr lang="en-US"/>
           </a:p>
@@ -2918,7 +2918,7 @@
           <a:p>
             <a:fld id="{EFF0A8B7-F282-42EC-951E-161288F79DA5}" type="datetimeFigureOut">
               <a:rPr lang="en-US" smtClean="0"/>
-              <a:t>4/19/2018</a:t>
+              <a:t>4/20/2018</a:t>
             </a:fld>
             <a:endParaRPr lang="en-US"/>
           </a:p>
@@ -3325,6 +3325,246 @@
       </p:grpSpPr>
       <p:sp>
         <p:nvSpPr>
+          <p:cNvPr id="18" name="Rectangle 17">
+            <a:extLst>
+              <a:ext uri="{FF2B5EF4-FFF2-40B4-BE49-F238E27FC236}">
+                <a16:creationId xmlns:a16="http://schemas.microsoft.com/office/drawing/2014/main" id="{A7578763-6B46-4583-BED4-4D5B0A60EF0E}"/>
+              </a:ext>
+            </a:extLst>
+          </p:cNvPr>
+          <p:cNvSpPr/>
+          <p:nvPr/>
+        </p:nvSpPr>
+        <p:spPr>
+          <a:xfrm>
+            <a:off x="30984100" y="9231961"/>
+            <a:ext cx="12348773" cy="6827185"/>
+          </a:xfrm>
+          <a:prstGeom prst="rect">
+            <a:avLst/>
+          </a:prstGeom>
+        </p:spPr>
+        <p:style>
+          <a:lnRef idx="2">
+            <a:schemeClr val="accent1">
+              <a:shade val="50000"/>
+            </a:schemeClr>
+          </a:lnRef>
+          <a:fillRef idx="1">
+            <a:schemeClr val="accent1"/>
+          </a:fillRef>
+          <a:effectRef idx="0">
+            <a:schemeClr val="accent1"/>
+          </a:effectRef>
+          <a:fontRef idx="minor">
+            <a:schemeClr val="lt1"/>
+          </a:fontRef>
+        </p:style>
+        <p:txBody>
+          <a:bodyPr rtlCol="0" anchor="ctr"/>
+          <a:lstStyle/>
+          <a:p>
+            <a:pPr algn="ctr"/>
+            <a:endParaRPr lang="en-US"/>
+          </a:p>
+        </p:txBody>
+      </p:sp>
+      <p:sp>
+        <p:nvSpPr>
+          <p:cNvPr id="17" name="Rectangle 16">
+            <a:extLst>
+              <a:ext uri="{FF2B5EF4-FFF2-40B4-BE49-F238E27FC236}">
+                <a16:creationId xmlns:a16="http://schemas.microsoft.com/office/drawing/2014/main" id="{5CE91FD7-1B45-4D86-BB35-8A0F35DD17C6}"/>
+              </a:ext>
+            </a:extLst>
+          </p:cNvPr>
+          <p:cNvSpPr/>
+          <p:nvPr/>
+        </p:nvSpPr>
+        <p:spPr>
+          <a:xfrm>
+            <a:off x="23494571" y="3952754"/>
+            <a:ext cx="7209659" cy="4864458"/>
+          </a:xfrm>
+          <a:prstGeom prst="rect">
+            <a:avLst/>
+          </a:prstGeom>
+        </p:spPr>
+        <p:style>
+          <a:lnRef idx="2">
+            <a:schemeClr val="accent1">
+              <a:shade val="50000"/>
+            </a:schemeClr>
+          </a:lnRef>
+          <a:fillRef idx="1">
+            <a:schemeClr val="accent1"/>
+          </a:fillRef>
+          <a:effectRef idx="0">
+            <a:schemeClr val="accent1"/>
+          </a:effectRef>
+          <a:fontRef idx="minor">
+            <a:schemeClr val="lt1"/>
+          </a:fontRef>
+        </p:style>
+        <p:txBody>
+          <a:bodyPr rtlCol="0" anchor="ctr"/>
+          <a:lstStyle/>
+          <a:p>
+            <a:pPr algn="ctr"/>
+            <a:endParaRPr lang="en-US"/>
+          </a:p>
+        </p:txBody>
+      </p:sp>
+      <p:sp>
+        <p:nvSpPr>
+          <p:cNvPr id="8" name="Rectangle 7">
+            <a:extLst>
+              <a:ext uri="{FF2B5EF4-FFF2-40B4-BE49-F238E27FC236}">
+                <a16:creationId xmlns:a16="http://schemas.microsoft.com/office/drawing/2014/main" id="{188B0ADC-FDB6-4B55-9FE2-72131335F8F5}"/>
+              </a:ext>
+            </a:extLst>
+          </p:cNvPr>
+          <p:cNvSpPr/>
+          <p:nvPr/>
+        </p:nvSpPr>
+        <p:spPr>
+          <a:xfrm>
+            <a:off x="13211768" y="3923566"/>
+            <a:ext cx="9987186" cy="4893646"/>
+          </a:xfrm>
+          <a:prstGeom prst="rect">
+            <a:avLst/>
+          </a:prstGeom>
+          <a:solidFill>
+            <a:srgbClr val="92D050"/>
+          </a:solidFill>
+        </p:spPr>
+        <p:style>
+          <a:lnRef idx="2">
+            <a:schemeClr val="accent1">
+              <a:shade val="50000"/>
+            </a:schemeClr>
+          </a:lnRef>
+          <a:fillRef idx="1">
+            <a:schemeClr val="accent1"/>
+          </a:fillRef>
+          <a:effectRef idx="0">
+            <a:schemeClr val="accent1"/>
+          </a:effectRef>
+          <a:fontRef idx="minor">
+            <a:schemeClr val="lt1"/>
+          </a:fontRef>
+        </p:style>
+        <p:txBody>
+          <a:bodyPr rtlCol="0" anchor="ctr"/>
+          <a:lstStyle/>
+          <a:p>
+            <a:pPr algn="ctr"/>
+            <a:endParaRPr lang="en-US"/>
+          </a:p>
+        </p:txBody>
+      </p:sp>
+      <p:sp>
+        <p:nvSpPr>
+          <p:cNvPr id="5" name="Rectangle 4">
+            <a:extLst>
+              <a:ext uri="{FF2B5EF4-FFF2-40B4-BE49-F238E27FC236}">
+                <a16:creationId xmlns:a16="http://schemas.microsoft.com/office/drawing/2014/main" id="{E7A0F9F4-C2D7-4FFB-9C1A-8636BD901A1E}"/>
+              </a:ext>
+            </a:extLst>
+          </p:cNvPr>
+          <p:cNvSpPr/>
+          <p:nvPr/>
+        </p:nvSpPr>
+        <p:spPr>
+          <a:xfrm>
+            <a:off x="1467103" y="9226081"/>
+            <a:ext cx="29214030" cy="6833066"/>
+          </a:xfrm>
+          <a:prstGeom prst="rect">
+            <a:avLst/>
+          </a:prstGeom>
+          <a:solidFill>
+            <a:schemeClr val="accent2">
+              <a:lumMod val="40000"/>
+              <a:lumOff val="60000"/>
+            </a:schemeClr>
+          </a:solidFill>
+          <a:ln/>
+        </p:spPr>
+        <p:style>
+          <a:lnRef idx="2">
+            <a:schemeClr val="accent5">
+              <a:shade val="50000"/>
+            </a:schemeClr>
+          </a:lnRef>
+          <a:fillRef idx="1">
+            <a:schemeClr val="accent5"/>
+          </a:fillRef>
+          <a:effectRef idx="0">
+            <a:schemeClr val="accent5"/>
+          </a:effectRef>
+          <a:fontRef idx="minor">
+            <a:schemeClr val="lt1"/>
+          </a:fontRef>
+        </p:style>
+        <p:txBody>
+          <a:bodyPr rtlCol="0" anchor="ctr"/>
+          <a:lstStyle/>
+          <a:p>
+            <a:pPr algn="ctr"/>
+            <a:endParaRPr lang="en-US" dirty="0"/>
+          </a:p>
+        </p:txBody>
+      </p:sp>
+      <p:sp>
+        <p:nvSpPr>
+          <p:cNvPr id="3" name="Rectangle 2">
+            <a:extLst>
+              <a:ext uri="{FF2B5EF4-FFF2-40B4-BE49-F238E27FC236}">
+                <a16:creationId xmlns:a16="http://schemas.microsoft.com/office/drawing/2014/main" id="{C057248F-EF37-4026-BB1E-0E83AAEA6398}"/>
+              </a:ext>
+            </a:extLst>
+          </p:cNvPr>
+          <p:cNvSpPr/>
+          <p:nvPr/>
+        </p:nvSpPr>
+        <p:spPr>
+          <a:xfrm>
+            <a:off x="30999843" y="3947795"/>
+            <a:ext cx="11934622" cy="4867247"/>
+          </a:xfrm>
+          <a:prstGeom prst="rect">
+            <a:avLst/>
+          </a:prstGeom>
+        </p:spPr>
+        <p:style>
+          <a:lnRef idx="2">
+            <a:schemeClr val="accent3">
+              <a:shade val="50000"/>
+            </a:schemeClr>
+          </a:lnRef>
+          <a:fillRef idx="1">
+            <a:schemeClr val="accent3"/>
+          </a:fillRef>
+          <a:effectRef idx="0">
+            <a:schemeClr val="accent3"/>
+          </a:effectRef>
+          <a:fontRef idx="minor">
+            <a:schemeClr val="lt1"/>
+          </a:fontRef>
+        </p:style>
+        <p:txBody>
+          <a:bodyPr rtlCol="0" anchor="ctr"/>
+          <a:lstStyle/>
+          <a:p>
+            <a:pPr algn="ctr"/>
+            <a:endParaRPr lang="en-US"/>
+          </a:p>
+        </p:txBody>
+      </p:sp>
+      <p:sp>
+        <p:nvSpPr>
           <p:cNvPr id="6" name="TextBox 5">
             <a:extLst>
               <a:ext uri="{FF2B5EF4-FFF2-40B4-BE49-F238E27FC236}">
@@ -3337,13 +3577,15 @@
         </p:nvSpPr>
         <p:spPr>
           <a:xfrm>
-            <a:off x="1590675" y="4082440"/>
-            <a:ext cx="11449050" cy="4431983"/>
+            <a:off x="1467102" y="3923568"/>
+            <a:ext cx="11449050" cy="4893647"/>
           </a:xfrm>
           <a:prstGeom prst="rect">
             <a:avLst/>
           </a:prstGeom>
-          <a:noFill/>
+          <a:solidFill>
+            <a:srgbClr val="FFC000"/>
+          </a:solidFill>
           <a:ln>
             <a:solidFill>
               <a:schemeClr val="tx2"/>
@@ -3367,15 +3609,34 @@
             <a:endParaRPr lang="en-US" sz="3000" dirty="0"/>
           </a:p>
           <a:p>
+            <a:pPr marL="457200" indent="-457200">
+              <a:buFont typeface="Arial" panose="020B0604020202020204" pitchFamily="34" charset="0"/>
+              <a:buChar char="•"/>
+            </a:pPr>
             <a:r>
               <a:rPr lang="en-US" sz="3000" dirty="0"/>
-              <a:t>Interest in computing is growing, leading to huge introductory computing class sizes [NAS]. Further, many assignments in these courses can be challenging for students, even when they only exercise a few concepts [RAINFAILL]. Worked Examples have shown promise as a scaffold to help students complete programming assignments. However, there have been limited classroom studies to evaluate the effectiveness of  </a:t>
-            </a:r>
-            <a:r>
-              <a:rPr lang="en-US" sz="3000"/>
-              <a:t>Worked Examples.</a:t>
-            </a:r>
-            <a:endParaRPr lang="en-US" sz="3000" dirty="0"/>
+              <a:t>Interest in computing is growing, leading to huge introductory computing class sizes [NAS]. </a:t>
+            </a:r>
+          </a:p>
+          <a:p>
+            <a:pPr marL="457200" indent="-457200">
+              <a:buFont typeface="Arial" panose="020B0604020202020204" pitchFamily="34" charset="0"/>
+              <a:buChar char="•"/>
+            </a:pPr>
+            <a:r>
+              <a:rPr lang="en-US" sz="3000" dirty="0"/>
+              <a:t>Further, many assignments in these courses can be challenging for students, even when they only exercise a few concepts [RAINFAILL]. </a:t>
+            </a:r>
+          </a:p>
+          <a:p>
+            <a:pPr marL="457200" indent="-457200">
+              <a:buFont typeface="Arial" panose="020B0604020202020204" pitchFamily="34" charset="0"/>
+              <a:buChar char="•"/>
+            </a:pPr>
+            <a:r>
+              <a:rPr lang="en-US" sz="3000" dirty="0"/>
+              <a:t>Worked Examples have shown promise as a scaffold to help students complete programming assignments. However, there have been limited classroom studies to evaluate the effectiveness of  Worked Examples.</a:t>
+            </a:r>
           </a:p>
         </p:txBody>
       </p:sp>
@@ -3393,7 +3654,7 @@
         </p:nvSpPr>
         <p:spPr>
           <a:xfrm>
-            <a:off x="4933950" y="962649"/>
+            <a:off x="5416550" y="962649"/>
             <a:ext cx="32346900" cy="2246769"/>
           </a:xfrm>
           <a:prstGeom prst="rect">
@@ -3442,17 +3703,15 @@
         </p:nvSpPr>
         <p:spPr>
           <a:xfrm>
-            <a:off x="13884113" y="4072303"/>
-            <a:ext cx="11944881" cy="4339650"/>
+            <a:off x="13211768" y="3923566"/>
+            <a:ext cx="9987186" cy="4739759"/>
           </a:xfrm>
           <a:prstGeom prst="rect">
             <a:avLst/>
           </a:prstGeom>
           <a:noFill/>
           <a:ln>
-            <a:solidFill>
-              <a:schemeClr val="tx2"/>
-            </a:solidFill>
+            <a:noFill/>
           </a:ln>
         </p:spPr>
         <p:txBody>
@@ -3531,17 +3790,15 @@
         </p:nvSpPr>
         <p:spPr>
           <a:xfrm>
-            <a:off x="26180883" y="4074771"/>
-            <a:ext cx="15754350" cy="3477875"/>
+            <a:off x="23494569" y="3923566"/>
+            <a:ext cx="7209659" cy="4862870"/>
           </a:xfrm>
           <a:prstGeom prst="rect">
             <a:avLst/>
           </a:prstGeom>
           <a:noFill/>
           <a:ln>
-            <a:solidFill>
-              <a:schemeClr val="tx2"/>
-            </a:solidFill>
+            <a:noFill/>
           </a:ln>
         </p:spPr>
         <p:txBody>
@@ -3556,61 +3813,72 @@
             </a:r>
           </a:p>
           <a:p>
-            <a:pPr marL="857250" indent="-857250">
+            <a:pPr marL="457200" indent="-457200">
               <a:buFont typeface="Arial" panose="020B0604020202020204" pitchFamily="34" charset="0"/>
               <a:buChar char="•"/>
             </a:pPr>
             <a:r>
+              <a:rPr lang="en-US" sz="3000" dirty="0"/>
+              <a:t>Prior work suggests providing WEs with clear </a:t>
+            </a:r>
+            <a:r>
               <a:rPr lang="en-US" sz="3000" dirty="0" err="1"/>
-              <a:t>Subgoal</a:t>
+              <a:t>subgoal</a:t>
             </a:r>
             <a:r>
               <a:rPr lang="en-US" sz="3000" dirty="0"/>
-              <a:t> Labels </a:t>
-            </a:r>
-          </a:p>
-          <a:p>
-            <a:endParaRPr lang="en-US" sz="3000" dirty="0"/>
-          </a:p>
-          <a:p>
-            <a:r>
-              <a:rPr lang="en-US" sz="5000" dirty="0"/>
-              <a:t>Educational Theories</a:t>
-            </a:r>
-          </a:p>
-          <a:p>
-            <a:pPr marL="857250" indent="-857250">
+              <a:t> labels help students deconstruct problems. [Morrison]</a:t>
+            </a:r>
+          </a:p>
+          <a:p>
+            <a:pPr marL="457200" indent="-457200">
               <a:buFont typeface="Arial" panose="020B0604020202020204" pitchFamily="34" charset="0"/>
               <a:buChar char="•"/>
             </a:pPr>
             <a:r>
               <a:rPr lang="en-US" sz="3000" dirty="0"/>
-              <a:t>Worked Examples[</a:t>
-            </a:r>
-            <a:r>
-              <a:rPr lang="en-US" sz="3000" dirty="0" err="1"/>
-              <a:t>Renkl</a:t>
-            </a:r>
-            <a:r>
-              <a:rPr lang="en-US" sz="3000" dirty="0"/>
-              <a:t>][</a:t>
-            </a:r>
-            <a:r>
-              <a:rPr lang="en-US" sz="3000" dirty="0" err="1"/>
-              <a:t>Sweller</a:t>
-            </a:r>
-            <a:r>
-              <a:rPr lang="en-US" sz="3000" dirty="0"/>
-              <a:t>]</a:t>
-            </a:r>
-          </a:p>
-          <a:p>
-            <a:pPr marL="857250" indent="-857250">
+              <a:t> </a:t>
+            </a:r>
+          </a:p>
+          <a:p>
+            <a:r>
+              <a:rPr lang="en-US" sz="5000" dirty="0"/>
+              <a:t>Educational Theories</a:t>
+            </a:r>
+          </a:p>
+          <a:p>
+            <a:pPr marL="457200" indent="-457200">
               <a:buFont typeface="Arial" panose="020B0604020202020204" pitchFamily="34" charset="0"/>
               <a:buChar char="•"/>
             </a:pPr>
             <a:r>
               <a:rPr lang="en-US" sz="3000" dirty="0"/>
+              <a:t>Worked Examples[</a:t>
+            </a:r>
+            <a:r>
+              <a:rPr lang="en-US" sz="3000" dirty="0" err="1"/>
+              <a:t>Renkl</a:t>
+            </a:r>
+            <a:r>
+              <a:rPr lang="en-US" sz="3000" dirty="0"/>
+              <a:t>][</a:t>
+            </a:r>
+            <a:r>
+              <a:rPr lang="en-US" sz="3000" dirty="0" err="1"/>
+              <a:t>Sweller</a:t>
+            </a:r>
+            <a:r>
+              <a:rPr lang="en-US" sz="3000" dirty="0"/>
+              <a:t>]</a:t>
+            </a:r>
+          </a:p>
+          <a:p>
+            <a:pPr marL="457200" indent="-457200">
+              <a:buFont typeface="Arial" panose="020B0604020202020204" pitchFamily="34" charset="0"/>
+              <a:buChar char="•"/>
+            </a:pPr>
+            <a:r>
+              <a:rPr lang="en-US" sz="3000" dirty="0"/>
               <a:t>Example-Problem Pairs[</a:t>
             </a:r>
             <a:r>
@@ -3620,6 +3888,20 @@
             <a:r>
               <a:rPr lang="en-US" sz="3000" dirty="0"/>
               <a:t>]</a:t>
+            </a:r>
+          </a:p>
+          <a:p>
+            <a:pPr marL="457200" indent="-457200">
+              <a:buFont typeface="Arial" panose="020B0604020202020204" pitchFamily="34" charset="0"/>
+              <a:buChar char="•"/>
+            </a:pPr>
+            <a:r>
+              <a:rPr lang="en-US" sz="3000" dirty="0" err="1"/>
+              <a:t>Subgoal</a:t>
+            </a:r>
+            <a:r>
+              <a:rPr lang="en-US" sz="3000" dirty="0"/>
+              <a:t> Learning [Morrison]</a:t>
             </a:r>
           </a:p>
         </p:txBody>
@@ -3638,17 +3920,15 @@
         </p:nvSpPr>
         <p:spPr>
           <a:xfrm>
-            <a:off x="990747" y="8706125"/>
-            <a:ext cx="10170883" cy="4571581"/>
+            <a:off x="30975050" y="3658531"/>
+            <a:ext cx="7256183" cy="5355312"/>
           </a:xfrm>
           <a:prstGeom prst="rect">
             <a:avLst/>
           </a:prstGeom>
           <a:noFill/>
           <a:ln>
-            <a:solidFill>
-              <a:schemeClr val="tx1"/>
-            </a:solidFill>
+            <a:noFill/>
           </a:ln>
         </p:spPr>
         <p:txBody>
@@ -3725,17 +4005,15 @@
         </p:nvSpPr>
         <p:spPr>
           <a:xfrm>
-            <a:off x="29796630" y="8851747"/>
-            <a:ext cx="11049000" cy="3631763"/>
+            <a:off x="30999843" y="9255196"/>
+            <a:ext cx="12348773" cy="3170099"/>
           </a:xfrm>
           <a:prstGeom prst="rect">
             <a:avLst/>
           </a:prstGeom>
           <a:noFill/>
           <a:ln>
-            <a:solidFill>
-              <a:schemeClr val="tx1"/>
-            </a:solidFill>
+            <a:noFill/>
           </a:ln>
         </p:spPr>
         <p:txBody>
@@ -3803,7 +4081,7 @@
         </p:nvSpPr>
         <p:spPr>
           <a:xfrm>
-            <a:off x="17269775" y="8851203"/>
+            <a:off x="1467102" y="9273119"/>
             <a:ext cx="11944880" cy="3970318"/>
           </a:xfrm>
           <a:prstGeom prst="rect">
@@ -3811,9 +4089,7 @@
           </a:prstGeom>
           <a:noFill/>
           <a:ln>
-            <a:solidFill>
-              <a:schemeClr val="tx1"/>
-            </a:solidFill>
+            <a:noFill/>
           </a:ln>
         </p:spPr>
         <p:txBody>
@@ -3877,7 +4153,7 @@
         </p:nvSpPr>
         <p:spPr>
           <a:xfrm>
-            <a:off x="29276143" y="29140661"/>
+            <a:off x="29758743" y="29140661"/>
             <a:ext cx="11327873" cy="2215991"/>
           </a:xfrm>
           <a:prstGeom prst="rect">
@@ -3927,7 +4203,7 @@
         </p:nvSpPr>
         <p:spPr>
           <a:xfrm>
-            <a:off x="30082063" y="21046137"/>
+            <a:off x="32573631" y="18599264"/>
             <a:ext cx="10018186" cy="8094524"/>
           </a:xfrm>
           <a:prstGeom prst="rect">
@@ -4025,7 +4301,7 @@
         </p:nvSpPr>
         <p:spPr>
           <a:xfrm>
-            <a:off x="670401" y="14492709"/>
+            <a:off x="1257196" y="16668947"/>
             <a:ext cx="11049000" cy="861774"/>
           </a:xfrm>
           <a:prstGeom prst="rect">
@@ -4065,7 +4341,7 @@
         </p:nvSpPr>
         <p:spPr>
           <a:xfrm>
-            <a:off x="38252400" y="933240"/>
+            <a:off x="38231233" y="353695"/>
             <a:ext cx="4703232" cy="2937720"/>
           </a:xfrm>
           <a:prstGeom prst="rect">
@@ -4118,14 +4394,14 @@
           <p:nvPr>
             <p:extLst>
               <p:ext uri="{D42A27DB-BD31-4B8C-83A1-F6EECF244321}">
-                <p14:modId xmlns:p14="http://schemas.microsoft.com/office/powerpoint/2010/main" val="26491422"/>
+                <p14:modId xmlns:p14="http://schemas.microsoft.com/office/powerpoint/2010/main" val="8702098"/>
               </p:ext>
             </p:extLst>
           </p:nvPr>
         </p:nvGraphicFramePr>
         <p:xfrm>
-          <a:off x="11527180" y="9808793"/>
-          <a:ext cx="5377045" cy="2702648"/>
+          <a:off x="38231233" y="5330347"/>
+          <a:ext cx="4360584" cy="2011680"/>
         </p:xfrm>
         <a:graphic>
           <a:graphicData uri="http://schemas.openxmlformats.org/drawingml/2006/table">
@@ -4134,28 +4410,28 @@
                 <a:tableStyleId>{5C22544A-7EE6-4342-B048-85BDC9FD1C3A}</a:tableStyleId>
               </a:tblPr>
               <a:tblGrid>
-                <a:gridCol w="803154">
+                <a:gridCol w="651328">
                   <a:extLst>
                     <a:ext uri="{9D8B030D-6E8A-4147-A177-3AD203B41FA5}">
                       <a16:colId xmlns:a16="http://schemas.microsoft.com/office/drawing/2014/main" val="1246494410"/>
                     </a:ext>
                   </a:extLst>
                 </a:gridCol>
-                <a:gridCol w="1837924">
+                <a:gridCol w="1490488">
                   <a:extLst>
                     <a:ext uri="{9D8B030D-6E8A-4147-A177-3AD203B41FA5}">
                       <a16:colId xmlns:a16="http://schemas.microsoft.com/office/drawing/2014/main" val="3707486989"/>
                     </a:ext>
                   </a:extLst>
                 </a:gridCol>
-                <a:gridCol w="1932816">
+                <a:gridCol w="1567442">
                   <a:extLst>
                     <a:ext uri="{9D8B030D-6E8A-4147-A177-3AD203B41FA5}">
                       <a16:colId xmlns:a16="http://schemas.microsoft.com/office/drawing/2014/main" val="2676852081"/>
                     </a:ext>
                   </a:extLst>
                 </a:gridCol>
-                <a:gridCol w="803151">
+                <a:gridCol w="651326">
                   <a:extLst>
                     <a:ext uri="{9D8B030D-6E8A-4147-A177-3AD203B41FA5}">
                       <a16:colId xmlns:a16="http://schemas.microsoft.com/office/drawing/2014/main" val="3454277832"/>
@@ -4163,13 +4439,13 @@
                   </a:extLst>
                 </a:gridCol>
               </a:tblGrid>
-              <a:tr h="755617">
+              <a:tr h="550894">
                 <a:tc>
                   <a:txBody>
                     <a:bodyPr/>
                     <a:lstStyle/>
                     <a:p>
-                      <a:endParaRPr lang="en-US" sz="2400" dirty="0"/>
+                      <a:endParaRPr lang="en-US" sz="1800" dirty="0"/>
                     </a:p>
                   </a:txBody>
                   <a:tcPr anchor="ctr">
@@ -4185,7 +4461,7 @@
                     <a:p>
                       <a:pPr algn="ctr"/>
                       <a:r>
-                        <a:rPr lang="en-US" sz="2400" dirty="0"/>
+                        <a:rPr lang="en-US" sz="1800" dirty="0"/>
                         <a:t>Prior Experience</a:t>
                       </a:r>
                     </a:p>
@@ -4203,7 +4479,7 @@
                     <a:p>
                       <a:pPr algn="ctr"/>
                       <a:r>
-                        <a:rPr lang="en-US" sz="2400" dirty="0"/>
+                        <a:rPr lang="en-US" sz="1800" dirty="0"/>
                         <a:t>No Prior Experience</a:t>
                       </a:r>
                     </a:p>
@@ -4221,7 +4497,7 @@
                     <a:p>
                       <a:pPr algn="ctr"/>
                       <a:r>
-                        <a:rPr lang="en-US" sz="2400" dirty="0"/>
+                        <a:rPr lang="en-US" sz="1800" dirty="0"/>
                         <a:t>Total</a:t>
                       </a:r>
                     </a:p>
@@ -4238,7 +4514,7 @@
                   </a:ext>
                 </a:extLst>
               </a:tr>
-              <a:tr h="638503">
+              <a:tr h="429776">
                 <a:tc>
                   <a:txBody>
                     <a:bodyPr/>
@@ -4246,7 +4522,7 @@
                     <a:p>
                       <a:pPr algn="ctr"/>
                       <a:r>
-                        <a:rPr lang="en-US" sz="2400" dirty="0">
+                        <a:rPr lang="en-US" sz="1800" dirty="0">
                           <a:solidFill>
                             <a:schemeClr val="bg1"/>
                           </a:solidFill>
@@ -4268,7 +4544,7 @@
                     <a:p>
                       <a:pPr algn="ctr"/>
                       <a:r>
-                        <a:rPr lang="en-US" sz="3000" dirty="0"/>
+                        <a:rPr lang="en-US" sz="2400" dirty="0"/>
                         <a:t>240</a:t>
                       </a:r>
                     </a:p>
@@ -4282,7 +4558,7 @@
                     <a:p>
                       <a:pPr algn="ctr"/>
                       <a:r>
-                        <a:rPr lang="en-US" sz="3000" dirty="0"/>
+                        <a:rPr lang="en-US" sz="2400" dirty="0"/>
                         <a:t>41</a:t>
                       </a:r>
                     </a:p>
@@ -4296,7 +4572,7 @@
                     <a:p>
                       <a:pPr algn="ctr"/>
                       <a:r>
-                        <a:rPr lang="en-US" sz="3000" dirty="0"/>
+                        <a:rPr lang="en-US" sz="2400" dirty="0"/>
                         <a:t>281</a:t>
                       </a:r>
                     </a:p>
@@ -4309,7 +4585,7 @@
                   </a:ext>
                 </a:extLst>
               </a:tr>
-              <a:tr h="638503">
+              <a:tr h="429776">
                 <a:tc>
                   <a:txBody>
                     <a:bodyPr/>
@@ -4317,7 +4593,7 @@
                     <a:p>
                       <a:pPr algn="ctr"/>
                       <a:r>
-                        <a:rPr lang="en-US" sz="2400" dirty="0">
+                        <a:rPr lang="en-US" sz="1800" dirty="0">
                           <a:solidFill>
                             <a:schemeClr val="bg1"/>
                           </a:solidFill>
@@ -4339,7 +4615,7 @@
                     <a:p>
                       <a:pPr algn="ctr"/>
                       <a:r>
-                        <a:rPr lang="en-US" sz="3000" dirty="0"/>
+                        <a:rPr lang="en-US" sz="2400" dirty="0"/>
                         <a:t>197</a:t>
                       </a:r>
                     </a:p>
@@ -4353,7 +4629,7 @@
                     <a:p>
                       <a:pPr algn="ctr"/>
                       <a:r>
-                        <a:rPr lang="en-US" sz="3000" dirty="0"/>
+                        <a:rPr lang="en-US" sz="2400" dirty="0"/>
                         <a:t>43</a:t>
                       </a:r>
                     </a:p>
@@ -4367,7 +4643,7 @@
                     <a:p>
                       <a:pPr algn="ctr"/>
                       <a:r>
-                        <a:rPr lang="en-US" sz="3000" dirty="0"/>
+                        <a:rPr lang="en-US" sz="2400" dirty="0"/>
                         <a:t>240</a:t>
                       </a:r>
                     </a:p>
@@ -4380,7 +4656,7 @@
                   </a:ext>
                 </a:extLst>
               </a:tr>
-              <a:tr h="602682">
+              <a:tr h="393495">
                 <a:tc>
                   <a:txBody>
                     <a:bodyPr/>
@@ -4388,7 +4664,7 @@
                     <a:p>
                       <a:pPr algn="ctr"/>
                       <a:r>
-                        <a:rPr lang="en-US" sz="2400" dirty="0">
+                        <a:rPr lang="en-US" sz="1800" dirty="0">
                           <a:solidFill>
                             <a:schemeClr val="bg1"/>
                           </a:solidFill>
@@ -4410,7 +4686,7 @@
                     <a:p>
                       <a:pPr algn="ctr"/>
                       <a:r>
-                        <a:rPr lang="en-US" sz="3000" dirty="0"/>
+                        <a:rPr lang="en-US" sz="2400" dirty="0"/>
                         <a:t>437</a:t>
                       </a:r>
                     </a:p>
@@ -4424,7 +4700,7 @@
                     <a:p>
                       <a:pPr algn="ctr"/>
                       <a:r>
-                        <a:rPr lang="en-US" sz="3000" dirty="0"/>
+                        <a:rPr lang="en-US" sz="2400" dirty="0"/>
                         <a:t>84</a:t>
                       </a:r>
                     </a:p>
@@ -4436,7 +4712,7 @@
                     <a:bodyPr/>
                     <a:lstStyle/>
                     <a:p>
-                      <a:endParaRPr lang="en-US" sz="3000" dirty="0"/>
+                      <a:endParaRPr lang="en-US" sz="2400" dirty="0"/>
                     </a:p>
                   </a:txBody>
                   <a:tcPr anchor="ctr"/>
@@ -4451,70 +4727,94 @@
           </a:graphicData>
         </a:graphic>
       </p:graphicFrame>
-      <p:graphicFrame>
-        <p:nvGraphicFramePr>
-          <p:cNvPr id="19" name="Object 18">
-            <a:extLst>
-              <a:ext uri="{FF2B5EF4-FFF2-40B4-BE49-F238E27FC236}">
-                <a16:creationId xmlns:a16="http://schemas.microsoft.com/office/drawing/2014/main" id="{EE881DD3-55CC-439E-9E25-F44AD8AFB32E}"/>
-              </a:ext>
-            </a:extLst>
-          </p:cNvPr>
-          <p:cNvGraphicFramePr>
-            <a:graphicFrameLocks noChangeAspect="1"/>
-          </p:cNvGraphicFramePr>
-          <p:nvPr>
-            <p:extLst>
-              <p:ext uri="{D42A27DB-BD31-4B8C-83A1-F6EECF244321}">
-                <p14:modId xmlns:p14="http://schemas.microsoft.com/office/powerpoint/2010/main" val="3333703710"/>
-              </p:ext>
-            </p:extLst>
-          </p:nvPr>
-        </p:nvGraphicFramePr>
-        <p:xfrm>
-          <a:off x="7315200" y="6705600"/>
-          <a:ext cx="29260800" cy="19507200"/>
-        </p:xfrm>
-        <a:graphic>
-          <a:graphicData uri="http://schemas.openxmlformats.org/presentationml/2006/ole">
-            <mc:AlternateContent xmlns:mc="http://schemas.openxmlformats.org/markup-compatibility/2006">
-              <mc:Choice xmlns:v="urn:schemas-microsoft-com:vml" Requires="v">
-                <p:oleObj spid="_x0000_s1046" name="FDF" r:id="rId3" imgW="0" imgH="0" progId="FoxitReader.FDFDoc">
-                  <p:embed/>
-                </p:oleObj>
-              </mc:Choice>
-              <mc:Fallback>
-                <p:oleObj name="FDF" r:id="rId3" imgW="0" imgH="0" progId="FoxitReader.FDFDoc">
-                  <p:embed/>
-                  <p:pic>
-                    <p:nvPicPr>
-                      <p:cNvPr id="0" name=""/>
-                      <p:cNvPicPr/>
-                      <p:nvPr/>
-                    </p:nvPicPr>
-                    <p:blipFill/>
-                    <p:spPr>
-                      <a:xfrm>
-                        <a:off x="7315200" y="6705600"/>
-                        <a:ext cx="29260800" cy="19507200"/>
-                      </a:xfrm>
-                      <a:prstGeom prst="rect">
-                        <a:avLst/>
-                      </a:prstGeom>
-                    </p:spPr>
-                  </p:pic>
-                </p:oleObj>
-              </mc:Fallback>
-            </mc:AlternateContent>
-          </a:graphicData>
-        </a:graphic>
-      </p:graphicFrame>
       <p:pic>
         <p:nvPicPr>
           <p:cNvPr id="22" name="Picture 21">
             <a:extLst>
               <a:ext uri="{FF2B5EF4-FFF2-40B4-BE49-F238E27FC236}">
                 <a16:creationId xmlns:a16="http://schemas.microsoft.com/office/drawing/2014/main" id="{9A959213-3A41-4840-BFC2-AE43D8E90DA2}"/>
+              </a:ext>
+            </a:extLst>
+          </p:cNvPr>
+          <p:cNvPicPr>
+            <a:picLocks noChangeAspect="1"/>
+          </p:cNvPicPr>
+          <p:nvPr/>
+        </p:nvPicPr>
+        <p:blipFill>
+          <a:blip r:embed="rId2">
+            <a:extLst>
+              <a:ext uri="{28A0092B-C50C-407E-A947-70E740481C1C}">
+                <a14:useLocalDpi xmlns:a14="http://schemas.microsoft.com/office/drawing/2010/main" val="0"/>
+              </a:ext>
+            </a:extLst>
+          </a:blip>
+          <a:stretch>
+            <a:fillRect/>
+          </a:stretch>
+        </p:blipFill>
+        <p:spPr>
+          <a:xfrm>
+            <a:off x="13432743" y="9947998"/>
+            <a:ext cx="7209659" cy="5324535"/>
+          </a:xfrm>
+          <a:prstGeom prst="rect">
+            <a:avLst/>
+          </a:prstGeom>
+          <a:ln>
+            <a:solidFill>
+              <a:schemeClr val="tx1"/>
+            </a:solidFill>
+          </a:ln>
+        </p:spPr>
+      </p:pic>
+      <p:pic>
+        <p:nvPicPr>
+          <p:cNvPr id="24" name="Picture 23">
+            <a:extLst>
+              <a:ext uri="{FF2B5EF4-FFF2-40B4-BE49-F238E27FC236}">
+                <a16:creationId xmlns:a16="http://schemas.microsoft.com/office/drawing/2014/main" id="{F1216618-CF59-42BE-BE4B-DA00E879F3EB}"/>
+              </a:ext>
+            </a:extLst>
+          </p:cNvPr>
+          <p:cNvPicPr>
+            <a:picLocks noChangeAspect="1"/>
+          </p:cNvPicPr>
+          <p:nvPr/>
+        </p:nvPicPr>
+        <p:blipFill>
+          <a:blip r:embed="rId3">
+            <a:extLst>
+              <a:ext uri="{28A0092B-C50C-407E-A947-70E740481C1C}">
+                <a14:useLocalDpi xmlns:a14="http://schemas.microsoft.com/office/drawing/2010/main" val="0"/>
+              </a:ext>
+            </a:extLst>
+          </a:blip>
+          <a:stretch>
+            <a:fillRect/>
+          </a:stretch>
+        </p:blipFill>
+        <p:spPr>
+          <a:xfrm>
+            <a:off x="20858360" y="9947998"/>
+            <a:ext cx="9422220" cy="5324535"/>
+          </a:xfrm>
+          <a:prstGeom prst="rect">
+            <a:avLst/>
+          </a:prstGeom>
+          <a:ln>
+            <a:solidFill>
+              <a:schemeClr val="tx1"/>
+            </a:solidFill>
+          </a:ln>
+        </p:spPr>
+      </p:pic>
+      <p:pic>
+        <p:nvPicPr>
+          <p:cNvPr id="27" name="Picture 26">
+            <a:extLst>
+              <a:ext uri="{FF2B5EF4-FFF2-40B4-BE49-F238E27FC236}">
+                <a16:creationId xmlns:a16="http://schemas.microsoft.com/office/drawing/2014/main" id="{97C19C54-47A4-4384-AE5D-0A0D2F87A8F6}"/>
               </a:ext>
             </a:extLst>
           </p:cNvPr>
@@ -4537,20 +4837,56 @@
         </p:blipFill>
         <p:spPr>
           <a:xfrm>
-            <a:off x="22586971" y="13782611"/>
-            <a:ext cx="7209659" cy="5324535"/>
+            <a:off x="1648253" y="23256323"/>
+            <a:ext cx="6845369" cy="3720009"/>
           </a:xfrm>
           <a:prstGeom prst="rect">
             <a:avLst/>
           </a:prstGeom>
         </p:spPr>
       </p:pic>
+      <p:sp>
+        <p:nvSpPr>
+          <p:cNvPr id="28" name="TextBox 27">
+            <a:extLst>
+              <a:ext uri="{FF2B5EF4-FFF2-40B4-BE49-F238E27FC236}">
+                <a16:creationId xmlns:a16="http://schemas.microsoft.com/office/drawing/2014/main" id="{7C418816-CE3A-4CBA-8B98-E6674AC875B1}"/>
+              </a:ext>
+            </a:extLst>
+          </p:cNvPr>
+          <p:cNvSpPr txBox="1"/>
+          <p:nvPr/>
+        </p:nvSpPr>
+        <p:spPr>
+          <a:xfrm>
+            <a:off x="2112330" y="22646526"/>
+            <a:ext cx="5905500" cy="646331"/>
+          </a:xfrm>
+          <a:prstGeom prst="rect">
+            <a:avLst/>
+          </a:prstGeom>
+          <a:noFill/>
+        </p:spPr>
+        <p:txBody>
+          <a:bodyPr wrap="square" rtlCol="0">
+            <a:spAutoFit/>
+          </a:bodyPr>
+          <a:lstStyle/>
+          <a:p>
+            <a:pPr algn="ctr"/>
+            <a:r>
+              <a:rPr lang="en-US" dirty="0"/>
+              <a:t>The addition of Worked Examples provided little to no gain on completion of hard problems</a:t>
+            </a:r>
+          </a:p>
+        </p:txBody>
+      </p:sp>
       <p:pic>
         <p:nvPicPr>
-          <p:cNvPr id="24" name="Picture 23">
+          <p:cNvPr id="30" name="Picture 29">
             <a:extLst>
               <a:ext uri="{FF2B5EF4-FFF2-40B4-BE49-F238E27FC236}">
-                <a16:creationId xmlns:a16="http://schemas.microsoft.com/office/drawing/2014/main" id="{F1216618-CF59-42BE-BE4B-DA00E879F3EB}"/>
+                <a16:creationId xmlns:a16="http://schemas.microsoft.com/office/drawing/2014/main" id="{6F1AED26-7926-43E7-B15C-0BBD1420A894}"/>
               </a:ext>
             </a:extLst>
           </p:cNvPr>
@@ -4573,115 +4909,7 @@
         </p:blipFill>
         <p:spPr>
           <a:xfrm>
-            <a:off x="29908650" y="13931851"/>
-            <a:ext cx="8894032" cy="5026054"/>
-          </a:xfrm>
-          <a:prstGeom prst="rect">
-            <a:avLst/>
-          </a:prstGeom>
-        </p:spPr>
-      </p:pic>
-      <p:pic>
-        <p:nvPicPr>
-          <p:cNvPr id="27" name="Picture 26">
-            <a:extLst>
-              <a:ext uri="{FF2B5EF4-FFF2-40B4-BE49-F238E27FC236}">
-                <a16:creationId xmlns:a16="http://schemas.microsoft.com/office/drawing/2014/main" id="{97C19C54-47A4-4384-AE5D-0A0D2F87A8F6}"/>
-              </a:ext>
-            </a:extLst>
-          </p:cNvPr>
-          <p:cNvPicPr>
-            <a:picLocks noChangeAspect="1"/>
-          </p:cNvPicPr>
-          <p:nvPr/>
-        </p:nvPicPr>
-        <p:blipFill>
-          <a:blip r:embed="rId6">
-            <a:extLst>
-              <a:ext uri="{28A0092B-C50C-407E-A947-70E740481C1C}">
-                <a14:useLocalDpi xmlns:a14="http://schemas.microsoft.com/office/drawing/2010/main" val="0"/>
-              </a:ext>
-            </a:extLst>
-          </a:blip>
-          <a:stretch>
-            <a:fillRect/>
-          </a:stretch>
-        </p:blipFill>
-        <p:spPr>
-          <a:xfrm>
-            <a:off x="653419" y="21381199"/>
-            <a:ext cx="6845369" cy="3720009"/>
-          </a:xfrm>
-          <a:prstGeom prst="rect">
-            <a:avLst/>
-          </a:prstGeom>
-        </p:spPr>
-      </p:pic>
-      <p:sp>
-        <p:nvSpPr>
-          <p:cNvPr id="28" name="TextBox 27">
-            <a:extLst>
-              <a:ext uri="{FF2B5EF4-FFF2-40B4-BE49-F238E27FC236}">
-                <a16:creationId xmlns:a16="http://schemas.microsoft.com/office/drawing/2014/main" id="{7C418816-CE3A-4CBA-8B98-E6674AC875B1}"/>
-              </a:ext>
-            </a:extLst>
-          </p:cNvPr>
-          <p:cNvSpPr txBox="1"/>
-          <p:nvPr/>
-        </p:nvSpPr>
-        <p:spPr>
-          <a:xfrm>
-            <a:off x="1117496" y="20771402"/>
-            <a:ext cx="5905500" cy="646331"/>
-          </a:xfrm>
-          <a:prstGeom prst="rect">
-            <a:avLst/>
-          </a:prstGeom>
-          <a:noFill/>
-        </p:spPr>
-        <p:txBody>
-          <a:bodyPr wrap="square" rtlCol="0">
-            <a:spAutoFit/>
-          </a:bodyPr>
-          <a:lstStyle/>
-          <a:p>
-            <a:pPr algn="ctr"/>
-            <a:r>
-              <a:rPr lang="en-US" dirty="0"/>
-              <a:t>The addition of Worked Examples provided little to no gain on completion of hard problems</a:t>
-            </a:r>
-          </a:p>
-        </p:txBody>
-      </p:sp>
-      <p:pic>
-        <p:nvPicPr>
-          <p:cNvPr id="30" name="Picture 29">
-            <a:extLst>
-              <a:ext uri="{FF2B5EF4-FFF2-40B4-BE49-F238E27FC236}">
-                <a16:creationId xmlns:a16="http://schemas.microsoft.com/office/drawing/2014/main" id="{6F1AED26-7926-43E7-B15C-0BBD1420A894}"/>
-              </a:ext>
-            </a:extLst>
-          </p:cNvPr>
-          <p:cNvPicPr>
-            <a:picLocks noChangeAspect="1"/>
-          </p:cNvPicPr>
-          <p:nvPr/>
-        </p:nvPicPr>
-        <p:blipFill>
-          <a:blip r:embed="rId7">
-            <a:extLst>
-              <a:ext uri="{28A0092B-C50C-407E-A947-70E740481C1C}">
-                <a14:useLocalDpi xmlns:a14="http://schemas.microsoft.com/office/drawing/2010/main" val="0"/>
-              </a:ext>
-            </a:extLst>
-          </a:blip>
-          <a:stretch>
-            <a:fillRect/>
-          </a:stretch>
-        </p:blipFill>
-        <p:spPr>
-          <a:xfrm>
-            <a:off x="8073532" y="21226952"/>
+            <a:off x="9068366" y="23102076"/>
             <a:ext cx="3375054" cy="3949927"/>
           </a:xfrm>
           <a:prstGeom prst="rect">
@@ -4703,7 +4931,7 @@
         </p:nvSpPr>
         <p:spPr>
           <a:xfrm>
-            <a:off x="7952099" y="20457869"/>
+            <a:off x="8946933" y="22332993"/>
             <a:ext cx="3490610" cy="923330"/>
           </a:xfrm>
           <a:prstGeom prst="rect">
@@ -4740,13 +4968,13 @@
           <p:nvPr>
             <p:extLst>
               <p:ext uri="{D42A27DB-BD31-4B8C-83A1-F6EECF244321}">
-                <p14:modId xmlns:p14="http://schemas.microsoft.com/office/powerpoint/2010/main" val="1679397783"/>
+                <p14:modId xmlns:p14="http://schemas.microsoft.com/office/powerpoint/2010/main" val="3607504728"/>
               </p:ext>
             </p:extLst>
           </p:nvPr>
         </p:nvGraphicFramePr>
         <p:xfrm>
-          <a:off x="1466850" y="16528619"/>
+          <a:off x="2461684" y="18403743"/>
           <a:ext cx="6155622" cy="3152625"/>
         </p:xfrm>
         <a:graphic>
@@ -5087,7 +5315,7 @@
         </p:nvSpPr>
         <p:spPr>
           <a:xfrm>
-            <a:off x="1466850" y="15655597"/>
+            <a:off x="2461684" y="17530721"/>
             <a:ext cx="6155622" cy="1015663"/>
           </a:xfrm>
           <a:prstGeom prst="rect">
@@ -5123,7 +5351,7 @@
         </p:nvSpPr>
         <p:spPr>
           <a:xfrm>
-            <a:off x="11816168" y="20096879"/>
+            <a:off x="12811002" y="21972003"/>
             <a:ext cx="7213600" cy="5080000"/>
           </a:xfrm>
           <a:prstGeom prst="rect">
@@ -5180,7 +5408,7 @@
         </p:nvSpPr>
         <p:spPr>
           <a:xfrm>
-            <a:off x="11721695" y="18541091"/>
+            <a:off x="12716529" y="20416215"/>
             <a:ext cx="7209659" cy="1477328"/>
           </a:xfrm>
           <a:prstGeom prst="rect">
@@ -5216,13 +5444,16 @@
         </p:nvSpPr>
         <p:spPr>
           <a:xfrm>
-            <a:off x="22586971" y="13277706"/>
-            <a:ext cx="16215711" cy="553998"/>
+            <a:off x="13411982" y="9315540"/>
+            <a:ext cx="16868598" cy="553998"/>
           </a:xfrm>
           <a:prstGeom prst="rect">
             <a:avLst/>
           </a:prstGeom>
           <a:noFill/>
+          <a:ln>
+            <a:noFill/>
+          </a:ln>
         </p:spPr>
         <p:txBody>
           <a:bodyPr wrap="square" rtlCol="0">

--- a/Administrative/VTURCS/VTURCS Poster.pptx
+++ b/Administrative/VTURCS/VTURCS Poster.pptx
@@ -16,8 +16,8 @@
     <a:defPPr>
       <a:defRPr lang="en-US"/>
     </a:defPPr>
-    <a:lvl1pPr marL="0" algn="l" defTabSz="457200" rtl="0" eaLnBrk="1" latinLnBrk="0" hangingPunct="1">
-      <a:defRPr sz="1800" kern="1200">
+    <a:lvl1pPr marL="0" algn="l" defTabSz="3686861" rtl="0" eaLnBrk="1" latinLnBrk="0" hangingPunct="1">
+      <a:defRPr sz="7258" kern="1200">
         <a:solidFill>
           <a:schemeClr val="tx1"/>
         </a:solidFill>
@@ -26,8 +26,8 @@
         <a:cs typeface="+mn-cs"/>
       </a:defRPr>
     </a:lvl1pPr>
-    <a:lvl2pPr marL="457200" algn="l" defTabSz="457200" rtl="0" eaLnBrk="1" latinLnBrk="0" hangingPunct="1">
-      <a:defRPr sz="1800" kern="1200">
+    <a:lvl2pPr marL="1843430" algn="l" defTabSz="3686861" rtl="0" eaLnBrk="1" latinLnBrk="0" hangingPunct="1">
+      <a:defRPr sz="7258" kern="1200">
         <a:solidFill>
           <a:schemeClr val="tx1"/>
         </a:solidFill>
@@ -36,8 +36,8 @@
         <a:cs typeface="+mn-cs"/>
       </a:defRPr>
     </a:lvl2pPr>
-    <a:lvl3pPr marL="914400" algn="l" defTabSz="457200" rtl="0" eaLnBrk="1" latinLnBrk="0" hangingPunct="1">
-      <a:defRPr sz="1800" kern="1200">
+    <a:lvl3pPr marL="3686861" algn="l" defTabSz="3686861" rtl="0" eaLnBrk="1" latinLnBrk="0" hangingPunct="1">
+      <a:defRPr sz="7258" kern="1200">
         <a:solidFill>
           <a:schemeClr val="tx1"/>
         </a:solidFill>
@@ -46,8 +46,8 @@
         <a:cs typeface="+mn-cs"/>
       </a:defRPr>
     </a:lvl3pPr>
-    <a:lvl4pPr marL="1371600" algn="l" defTabSz="457200" rtl="0" eaLnBrk="1" latinLnBrk="0" hangingPunct="1">
-      <a:defRPr sz="1800" kern="1200">
+    <a:lvl4pPr marL="5530291" algn="l" defTabSz="3686861" rtl="0" eaLnBrk="1" latinLnBrk="0" hangingPunct="1">
+      <a:defRPr sz="7258" kern="1200">
         <a:solidFill>
           <a:schemeClr val="tx1"/>
         </a:solidFill>
@@ -56,8 +56,8 @@
         <a:cs typeface="+mn-cs"/>
       </a:defRPr>
     </a:lvl4pPr>
-    <a:lvl5pPr marL="1828800" algn="l" defTabSz="457200" rtl="0" eaLnBrk="1" latinLnBrk="0" hangingPunct="1">
-      <a:defRPr sz="1800" kern="1200">
+    <a:lvl5pPr marL="7373722" algn="l" defTabSz="3686861" rtl="0" eaLnBrk="1" latinLnBrk="0" hangingPunct="1">
+      <a:defRPr sz="7258" kern="1200">
         <a:solidFill>
           <a:schemeClr val="tx1"/>
         </a:solidFill>
@@ -66,8 +66,8 @@
         <a:cs typeface="+mn-cs"/>
       </a:defRPr>
     </a:lvl5pPr>
-    <a:lvl6pPr marL="2286000" algn="l" defTabSz="457200" rtl="0" eaLnBrk="1" latinLnBrk="0" hangingPunct="1">
-      <a:defRPr sz="1800" kern="1200">
+    <a:lvl6pPr marL="9217152" algn="l" defTabSz="3686861" rtl="0" eaLnBrk="1" latinLnBrk="0" hangingPunct="1">
+      <a:defRPr sz="7258" kern="1200">
         <a:solidFill>
           <a:schemeClr val="tx1"/>
         </a:solidFill>
@@ -76,8 +76,8 @@
         <a:cs typeface="+mn-cs"/>
       </a:defRPr>
     </a:lvl6pPr>
-    <a:lvl7pPr marL="2743200" algn="l" defTabSz="457200" rtl="0" eaLnBrk="1" latinLnBrk="0" hangingPunct="1">
-      <a:defRPr sz="1800" kern="1200">
+    <a:lvl7pPr marL="11060582" algn="l" defTabSz="3686861" rtl="0" eaLnBrk="1" latinLnBrk="0" hangingPunct="1">
+      <a:defRPr sz="7258" kern="1200">
         <a:solidFill>
           <a:schemeClr val="tx1"/>
         </a:solidFill>
@@ -86,8 +86,8 @@
         <a:cs typeface="+mn-cs"/>
       </a:defRPr>
     </a:lvl7pPr>
-    <a:lvl8pPr marL="3200400" algn="l" defTabSz="457200" rtl="0" eaLnBrk="1" latinLnBrk="0" hangingPunct="1">
-      <a:defRPr sz="1800" kern="1200">
+    <a:lvl8pPr marL="12904013" algn="l" defTabSz="3686861" rtl="0" eaLnBrk="1" latinLnBrk="0" hangingPunct="1">
+      <a:defRPr sz="7258" kern="1200">
         <a:solidFill>
           <a:schemeClr val="tx1"/>
         </a:solidFill>
@@ -96,8 +96,8 @@
         <a:cs typeface="+mn-cs"/>
       </a:defRPr>
     </a:lvl8pPr>
-    <a:lvl9pPr marL="3657600" algn="l" defTabSz="457200" rtl="0" eaLnBrk="1" latinLnBrk="0" hangingPunct="1">
-      <a:defRPr sz="1800" kern="1200">
+    <a:lvl9pPr marL="14747443" algn="l" defTabSz="3686861" rtl="0" eaLnBrk="1" latinLnBrk="0" hangingPunct="1">
+      <a:defRPr sz="7258" kern="1200">
         <a:solidFill>
           <a:schemeClr val="tx1"/>
         </a:solidFill>
@@ -109,7 +109,18 @@
   </p:defaultTextStyle>
   <p:extLst>
     <p:ext uri="{EFAFB233-063F-42B5-8137-9DF3F51BA10A}">
-      <p15:sldGuideLst xmlns:p15="http://schemas.microsoft.com/office/powerpoint/2012/main"/>
+      <p15:sldGuideLst xmlns:p15="http://schemas.microsoft.com/office/powerpoint/2012/main">
+        <p15:guide id="1" orient="horz" pos="10368" userDrawn="1">
+          <p15:clr>
+            <a:srgbClr val="A4A3A4"/>
+          </p15:clr>
+        </p15:guide>
+        <p15:guide id="2" pos="13824" userDrawn="1">
+          <p15:clr>
+            <a:srgbClr val="A4A3A4"/>
+          </p15:clr>
+        </p15:guide>
+      </p15:sldGuideLst>
     </p:ext>
   </p:extLst>
 </p:presentation>
@@ -195,9 +206,9 @@
             </a:lvl1pPr>
           </a:lstStyle>
           <a:p>
-            <a:fld id="{6EEB6663-6F6A-4F57-8E3E-4D091760F171}" type="datetimeFigureOut">
+            <a:fld id="{89EBFAA3-F819-45C3-88C6-762A2CB61316}" type="datetimeFigureOut">
               <a:rPr lang="en-US" smtClean="0"/>
-              <a:t>4/20/2018</a:t>
+              <a:t>4/22/2018</a:t>
             </a:fld>
             <a:endParaRPr lang="en-US"/>
           </a:p>
@@ -261,37 +272,38 @@
           <a:p>
             <a:pPr lvl="0"/>
             <a:r>
-              <a:rPr lang="en-US"/>
-              <a:t>Edit Master text styles</a:t>
+              <a:rPr lang="en-US" smtClean="0"/>
+              <a:t>Click to edit Master text styles</a:t>
             </a:r>
           </a:p>
           <a:p>
             <a:pPr lvl="1"/>
             <a:r>
-              <a:rPr lang="en-US"/>
+              <a:rPr lang="en-US" smtClean="0"/>
               <a:t>Second level</a:t>
             </a:r>
           </a:p>
           <a:p>
             <a:pPr lvl="2"/>
             <a:r>
-              <a:rPr lang="en-US"/>
+              <a:rPr lang="en-US" smtClean="0"/>
               <a:t>Third level</a:t>
             </a:r>
           </a:p>
           <a:p>
             <a:pPr lvl="3"/>
             <a:r>
-              <a:rPr lang="en-US"/>
+              <a:rPr lang="en-US" smtClean="0"/>
               <a:t>Fourth level</a:t>
             </a:r>
           </a:p>
           <a:p>
             <a:pPr lvl="4"/>
             <a:r>
-              <a:rPr lang="en-US"/>
+              <a:rPr lang="en-US" smtClean="0"/>
               <a:t>Fifth level</a:t>
             </a:r>
+            <a:endParaRPr lang="en-US"/>
           </a:p>
         </p:txBody>
       </p:sp>
@@ -353,7 +365,7 @@
             </a:lvl1pPr>
           </a:lstStyle>
           <a:p>
-            <a:fld id="{9B53C06E-0F4F-483C-AB11-317096AA5640}" type="slidenum">
+            <a:fld id="{1696E9A2-51C1-484E-9D6C-8035F42F5988}" type="slidenum">
               <a:rPr lang="en-US" smtClean="0"/>
               <a:t>‹#›</a:t>
             </a:fld>
@@ -364,14 +376,14 @@
     </p:spTree>
     <p:extLst>
       <p:ext uri="{BB962C8B-B14F-4D97-AF65-F5344CB8AC3E}">
-        <p14:creationId xmlns:p14="http://schemas.microsoft.com/office/powerpoint/2010/main" val="3743979981"/>
+        <p14:creationId xmlns:p14="http://schemas.microsoft.com/office/powerpoint/2010/main" val="2506897654"/>
       </p:ext>
     </p:extLst>
   </p:cSld>
   <p:clrMap bg1="lt1" tx1="dk1" bg2="lt2" tx2="dk2" accent1="accent1" accent2="accent2" accent3="accent3" accent4="accent4" accent5="accent5" accent6="accent6" hlink="hlink" folHlink="folHlink"/>
   <p:notesStyle>
-    <a:lvl1pPr marL="0" algn="l" defTabSz="3686861" rtl="0" eaLnBrk="1" latinLnBrk="0" hangingPunct="1">
-      <a:defRPr sz="4838" kern="1200">
+    <a:lvl1pPr marL="0" algn="l" defTabSz="914400" rtl="0" eaLnBrk="1" latinLnBrk="0" hangingPunct="1">
+      <a:defRPr sz="1200" kern="1200">
         <a:solidFill>
           <a:schemeClr val="tx1"/>
         </a:solidFill>
@@ -380,8 +392,8 @@
         <a:cs typeface="+mn-cs"/>
       </a:defRPr>
     </a:lvl1pPr>
-    <a:lvl2pPr marL="1843430" algn="l" defTabSz="3686861" rtl="0" eaLnBrk="1" latinLnBrk="0" hangingPunct="1">
-      <a:defRPr sz="4838" kern="1200">
+    <a:lvl2pPr marL="457200" algn="l" defTabSz="914400" rtl="0" eaLnBrk="1" latinLnBrk="0" hangingPunct="1">
+      <a:defRPr sz="1200" kern="1200">
         <a:solidFill>
           <a:schemeClr val="tx1"/>
         </a:solidFill>
@@ -390,8 +402,8 @@
         <a:cs typeface="+mn-cs"/>
       </a:defRPr>
     </a:lvl2pPr>
-    <a:lvl3pPr marL="3686861" algn="l" defTabSz="3686861" rtl="0" eaLnBrk="1" latinLnBrk="0" hangingPunct="1">
-      <a:defRPr sz="4838" kern="1200">
+    <a:lvl3pPr marL="914400" algn="l" defTabSz="914400" rtl="0" eaLnBrk="1" latinLnBrk="0" hangingPunct="1">
+      <a:defRPr sz="1200" kern="1200">
         <a:solidFill>
           <a:schemeClr val="tx1"/>
         </a:solidFill>
@@ -400,8 +412,8 @@
         <a:cs typeface="+mn-cs"/>
       </a:defRPr>
     </a:lvl3pPr>
-    <a:lvl4pPr marL="5530291" algn="l" defTabSz="3686861" rtl="0" eaLnBrk="1" latinLnBrk="0" hangingPunct="1">
-      <a:defRPr sz="4838" kern="1200">
+    <a:lvl4pPr marL="1371600" algn="l" defTabSz="914400" rtl="0" eaLnBrk="1" latinLnBrk="0" hangingPunct="1">
+      <a:defRPr sz="1200" kern="1200">
         <a:solidFill>
           <a:schemeClr val="tx1"/>
         </a:solidFill>
@@ -410,8 +422,8 @@
         <a:cs typeface="+mn-cs"/>
       </a:defRPr>
     </a:lvl4pPr>
-    <a:lvl5pPr marL="7373722" algn="l" defTabSz="3686861" rtl="0" eaLnBrk="1" latinLnBrk="0" hangingPunct="1">
-      <a:defRPr sz="4838" kern="1200">
+    <a:lvl5pPr marL="1828800" algn="l" defTabSz="914400" rtl="0" eaLnBrk="1" latinLnBrk="0" hangingPunct="1">
+      <a:defRPr sz="1200" kern="1200">
         <a:solidFill>
           <a:schemeClr val="tx1"/>
         </a:solidFill>
@@ -420,8 +432,8 @@
         <a:cs typeface="+mn-cs"/>
       </a:defRPr>
     </a:lvl5pPr>
-    <a:lvl6pPr marL="9217152" algn="l" defTabSz="3686861" rtl="0" eaLnBrk="1" latinLnBrk="0" hangingPunct="1">
-      <a:defRPr sz="4838" kern="1200">
+    <a:lvl6pPr marL="2286000" algn="l" defTabSz="914400" rtl="0" eaLnBrk="1" latinLnBrk="0" hangingPunct="1">
+      <a:defRPr sz="1200" kern="1200">
         <a:solidFill>
           <a:schemeClr val="tx1"/>
         </a:solidFill>
@@ -430,8 +442,8 @@
         <a:cs typeface="+mn-cs"/>
       </a:defRPr>
     </a:lvl6pPr>
-    <a:lvl7pPr marL="11060582" algn="l" defTabSz="3686861" rtl="0" eaLnBrk="1" latinLnBrk="0" hangingPunct="1">
-      <a:defRPr sz="4838" kern="1200">
+    <a:lvl7pPr marL="2743200" algn="l" defTabSz="914400" rtl="0" eaLnBrk="1" latinLnBrk="0" hangingPunct="1">
+      <a:defRPr sz="1200" kern="1200">
         <a:solidFill>
           <a:schemeClr val="tx1"/>
         </a:solidFill>
@@ -440,8 +452,8 @@
         <a:cs typeface="+mn-cs"/>
       </a:defRPr>
     </a:lvl7pPr>
-    <a:lvl8pPr marL="12904013" algn="l" defTabSz="3686861" rtl="0" eaLnBrk="1" latinLnBrk="0" hangingPunct="1">
-      <a:defRPr sz="4838" kern="1200">
+    <a:lvl8pPr marL="3200400" algn="l" defTabSz="914400" rtl="0" eaLnBrk="1" latinLnBrk="0" hangingPunct="1">
+      <a:defRPr sz="1200" kern="1200">
         <a:solidFill>
           <a:schemeClr val="tx1"/>
         </a:solidFill>
@@ -450,8 +462,8 @@
         <a:cs typeface="+mn-cs"/>
       </a:defRPr>
     </a:lvl8pPr>
-    <a:lvl9pPr marL="14747443" algn="l" defTabSz="3686861" rtl="0" eaLnBrk="1" latinLnBrk="0" hangingPunct="1">
-      <a:defRPr sz="4838" kern="1200">
+    <a:lvl9pPr marL="3657600" algn="l" defTabSz="914400" rtl="0" eaLnBrk="1" latinLnBrk="0" hangingPunct="1">
+      <a:defRPr sz="1200" kern="1200">
         <a:solidFill>
           <a:schemeClr val="tx1"/>
         </a:solidFill>
@@ -462,6 +474,90 @@
     </a:lvl9pPr>
   </p:notesStyle>
 </p:notesMaster>
+</file>
+
+<file path=ppt/notesSlides/notesSlide1.xml><?xml version="1.0" encoding="utf-8"?>
+<p:notes xmlns:a="http://schemas.openxmlformats.org/drawingml/2006/main" xmlns:r="http://schemas.openxmlformats.org/officeDocument/2006/relationships" xmlns:p="http://schemas.openxmlformats.org/presentationml/2006/main">
+  <p:cSld>
+    <p:spTree>
+      <p:nvGrpSpPr>
+        <p:cNvPr id="1" name=""/>
+        <p:cNvGrpSpPr/>
+        <p:nvPr/>
+      </p:nvGrpSpPr>
+      <p:grpSpPr>
+        <a:xfrm>
+          <a:off x="0" y="0"/>
+          <a:ext cx="0" cy="0"/>
+          <a:chOff x="0" y="0"/>
+          <a:chExt cx="0" cy="0"/>
+        </a:xfrm>
+      </p:grpSpPr>
+      <p:sp>
+        <p:nvSpPr>
+          <p:cNvPr id="2" name="Slide Image Placeholder 1"/>
+          <p:cNvSpPr>
+            <a:spLocks noGrp="1" noRot="1" noChangeAspect="1"/>
+          </p:cNvSpPr>
+          <p:nvPr>
+            <p:ph type="sldImg"/>
+          </p:nvPr>
+        </p:nvSpPr>
+        <p:spPr/>
+      </p:sp>
+      <p:sp>
+        <p:nvSpPr>
+          <p:cNvPr id="3" name="Notes Placeholder 2"/>
+          <p:cNvSpPr>
+            <a:spLocks noGrp="1"/>
+          </p:cNvSpPr>
+          <p:nvPr>
+            <p:ph type="body" idx="1"/>
+          </p:nvPr>
+        </p:nvSpPr>
+        <p:spPr/>
+        <p:txBody>
+          <a:bodyPr/>
+          <a:lstStyle/>
+          <a:p>
+            <a:endParaRPr lang="en-US"/>
+          </a:p>
+        </p:txBody>
+      </p:sp>
+      <p:sp>
+        <p:nvSpPr>
+          <p:cNvPr id="4" name="Slide Number Placeholder 3"/>
+          <p:cNvSpPr>
+            <a:spLocks noGrp="1"/>
+          </p:cNvSpPr>
+          <p:nvPr>
+            <p:ph type="sldNum" sz="quarter" idx="10"/>
+          </p:nvPr>
+        </p:nvSpPr>
+        <p:spPr/>
+        <p:txBody>
+          <a:bodyPr/>
+          <a:lstStyle/>
+          <a:p>
+            <a:fld id="{1696E9A2-51C1-484E-9D6C-8035F42F5988}" type="slidenum">
+              <a:rPr lang="en-US" smtClean="0"/>
+              <a:t>1</a:t>
+            </a:fld>
+            <a:endParaRPr lang="en-US"/>
+          </a:p>
+        </p:txBody>
+      </p:sp>
+    </p:spTree>
+    <p:extLst>
+      <p:ext uri="{BB962C8B-B14F-4D97-AF65-F5344CB8AC3E}">
+        <p14:creationId xmlns:p14="http://schemas.microsoft.com/office/powerpoint/2010/main" val="3614801233"/>
+      </p:ext>
+    </p:extLst>
+  </p:cSld>
+  <p:clrMapOvr>
+    <a:masterClrMapping/>
+  </p:clrMapOvr>
+</p:notes>
 </file>
 
 <file path=ppt/slideLayouts/slideLayout1.xml><?xml version="1.0" encoding="utf-8"?>
@@ -593,9 +689,9 @@
           <a:bodyPr/>
           <a:lstStyle/>
           <a:p>
-            <a:fld id="{EFF0A8B7-F282-42EC-951E-161288F79DA5}" type="datetimeFigureOut">
+            <a:fld id="{81247C1A-AFD6-4C99-B8A3-BBCBE95880A9}" type="datetimeFigureOut">
               <a:rPr lang="en-US" smtClean="0"/>
-              <a:t>4/20/2018</a:t>
+              <a:t>4/22/2018</a:t>
             </a:fld>
             <a:endParaRPr lang="en-US"/>
           </a:p>
@@ -635,7 +731,7 @@
           <a:bodyPr/>
           <a:lstStyle/>
           <a:p>
-            <a:fld id="{05CABC39-2EA5-41A1-BC34-7841409AA89F}" type="slidenum">
+            <a:fld id="{C9612B4B-52A1-4CEC-ACD3-F72832E76A53}" type="slidenum">
               <a:rPr lang="en-US" smtClean="0"/>
               <a:t>‹#›</a:t>
             </a:fld>
@@ -646,7 +742,7 @@
     </p:spTree>
     <p:extLst>
       <p:ext uri="{BB962C8B-B14F-4D97-AF65-F5344CB8AC3E}">
-        <p14:creationId xmlns:p14="http://schemas.microsoft.com/office/powerpoint/2010/main" val="2343681598"/>
+        <p14:creationId xmlns:p14="http://schemas.microsoft.com/office/powerpoint/2010/main" val="3537849422"/>
       </p:ext>
     </p:extLst>
   </p:cSld>
@@ -714,7 +810,7 @@
             <a:pPr lvl="0"/>
             <a:r>
               <a:rPr lang="en-US"/>
-              <a:t>Edit Master text styles</a:t>
+              <a:t>Click to edit Master text styles</a:t>
             </a:r>
           </a:p>
           <a:p>
@@ -763,9 +859,9 @@
           <a:bodyPr/>
           <a:lstStyle/>
           <a:p>
-            <a:fld id="{EFF0A8B7-F282-42EC-951E-161288F79DA5}" type="datetimeFigureOut">
+            <a:fld id="{81247C1A-AFD6-4C99-B8A3-BBCBE95880A9}" type="datetimeFigureOut">
               <a:rPr lang="en-US" smtClean="0"/>
-              <a:t>4/20/2018</a:t>
+              <a:t>4/22/2018</a:t>
             </a:fld>
             <a:endParaRPr lang="en-US"/>
           </a:p>
@@ -805,7 +901,7 @@
           <a:bodyPr/>
           <a:lstStyle/>
           <a:p>
-            <a:fld id="{05CABC39-2EA5-41A1-BC34-7841409AA89F}" type="slidenum">
+            <a:fld id="{C9612B4B-52A1-4CEC-ACD3-F72832E76A53}" type="slidenum">
               <a:rPr lang="en-US" smtClean="0"/>
               <a:t>‹#›</a:t>
             </a:fld>
@@ -816,7 +912,7 @@
     </p:spTree>
     <p:extLst>
       <p:ext uri="{BB962C8B-B14F-4D97-AF65-F5344CB8AC3E}">
-        <p14:creationId xmlns:p14="http://schemas.microsoft.com/office/powerpoint/2010/main" val="2541062759"/>
+        <p14:creationId xmlns:p14="http://schemas.microsoft.com/office/powerpoint/2010/main" val="1401900378"/>
       </p:ext>
     </p:extLst>
   </p:cSld>
@@ -894,7 +990,7 @@
             <a:pPr lvl="0"/>
             <a:r>
               <a:rPr lang="en-US"/>
-              <a:t>Edit Master text styles</a:t>
+              <a:t>Click to edit Master text styles</a:t>
             </a:r>
           </a:p>
           <a:p>
@@ -943,9 +1039,9 @@
           <a:bodyPr/>
           <a:lstStyle/>
           <a:p>
-            <a:fld id="{EFF0A8B7-F282-42EC-951E-161288F79DA5}" type="datetimeFigureOut">
+            <a:fld id="{81247C1A-AFD6-4C99-B8A3-BBCBE95880A9}" type="datetimeFigureOut">
               <a:rPr lang="en-US" smtClean="0"/>
-              <a:t>4/20/2018</a:t>
+              <a:t>4/22/2018</a:t>
             </a:fld>
             <a:endParaRPr lang="en-US"/>
           </a:p>
@@ -985,7 +1081,7 @@
           <a:bodyPr/>
           <a:lstStyle/>
           <a:p>
-            <a:fld id="{05CABC39-2EA5-41A1-BC34-7841409AA89F}" type="slidenum">
+            <a:fld id="{C9612B4B-52A1-4CEC-ACD3-F72832E76A53}" type="slidenum">
               <a:rPr lang="en-US" smtClean="0"/>
               <a:t>‹#›</a:t>
             </a:fld>
@@ -996,7 +1092,7 @@
     </p:spTree>
     <p:extLst>
       <p:ext uri="{BB962C8B-B14F-4D97-AF65-F5344CB8AC3E}">
-        <p14:creationId xmlns:p14="http://schemas.microsoft.com/office/powerpoint/2010/main" val="2251088794"/>
+        <p14:creationId xmlns:p14="http://schemas.microsoft.com/office/powerpoint/2010/main" val="2244501012"/>
       </p:ext>
     </p:extLst>
   </p:cSld>
@@ -1064,7 +1160,7 @@
             <a:pPr lvl="0"/>
             <a:r>
               <a:rPr lang="en-US"/>
-              <a:t>Edit Master text styles</a:t>
+              <a:t>Click to edit Master text styles</a:t>
             </a:r>
           </a:p>
           <a:p>
@@ -1113,9 +1209,9 @@
           <a:bodyPr/>
           <a:lstStyle/>
           <a:p>
-            <a:fld id="{EFF0A8B7-F282-42EC-951E-161288F79DA5}" type="datetimeFigureOut">
+            <a:fld id="{81247C1A-AFD6-4C99-B8A3-BBCBE95880A9}" type="datetimeFigureOut">
               <a:rPr lang="en-US" smtClean="0"/>
-              <a:t>4/20/2018</a:t>
+              <a:t>4/22/2018</a:t>
             </a:fld>
             <a:endParaRPr lang="en-US"/>
           </a:p>
@@ -1155,7 +1251,7 @@
           <a:bodyPr/>
           <a:lstStyle/>
           <a:p>
-            <a:fld id="{05CABC39-2EA5-41A1-BC34-7841409AA89F}" type="slidenum">
+            <a:fld id="{C9612B4B-52A1-4CEC-ACD3-F72832E76A53}" type="slidenum">
               <a:rPr lang="en-US" smtClean="0"/>
               <a:t>‹#›</a:t>
             </a:fld>
@@ -1166,7 +1262,7 @@
     </p:spTree>
     <p:extLst>
       <p:ext uri="{BB962C8B-B14F-4D97-AF65-F5344CB8AC3E}">
-        <p14:creationId xmlns:p14="http://schemas.microsoft.com/office/powerpoint/2010/main" val="4248360148"/>
+        <p14:creationId xmlns:p14="http://schemas.microsoft.com/office/powerpoint/2010/main" val="3154647354"/>
       </p:ext>
     </p:extLst>
   </p:cSld>
@@ -1337,7 +1433,7 @@
             <a:pPr lvl="0"/>
             <a:r>
               <a:rPr lang="en-US"/>
-              <a:t>Edit Master text styles</a:t>
+              <a:t>Click to edit Master text styles</a:t>
             </a:r>
           </a:p>
         </p:txBody>
@@ -1357,9 +1453,9 @@
           <a:bodyPr/>
           <a:lstStyle/>
           <a:p>
-            <a:fld id="{EFF0A8B7-F282-42EC-951E-161288F79DA5}" type="datetimeFigureOut">
+            <a:fld id="{81247C1A-AFD6-4C99-B8A3-BBCBE95880A9}" type="datetimeFigureOut">
               <a:rPr lang="en-US" smtClean="0"/>
-              <a:t>4/20/2018</a:t>
+              <a:t>4/22/2018</a:t>
             </a:fld>
             <a:endParaRPr lang="en-US"/>
           </a:p>
@@ -1399,7 +1495,7 @@
           <a:bodyPr/>
           <a:lstStyle/>
           <a:p>
-            <a:fld id="{05CABC39-2EA5-41A1-BC34-7841409AA89F}" type="slidenum">
+            <a:fld id="{C9612B4B-52A1-4CEC-ACD3-F72832E76A53}" type="slidenum">
               <a:rPr lang="en-US" smtClean="0"/>
               <a:t>‹#›</a:t>
             </a:fld>
@@ -1410,7 +1506,7 @@
     </p:spTree>
     <p:extLst>
       <p:ext uri="{BB962C8B-B14F-4D97-AF65-F5344CB8AC3E}">
-        <p14:creationId xmlns:p14="http://schemas.microsoft.com/office/powerpoint/2010/main" val="415217996"/>
+        <p14:creationId xmlns:p14="http://schemas.microsoft.com/office/powerpoint/2010/main" val="1124983713"/>
       </p:ext>
     </p:extLst>
   </p:cSld>
@@ -1483,7 +1579,7 @@
             <a:pPr lvl="0"/>
             <a:r>
               <a:rPr lang="en-US"/>
-              <a:t>Edit Master text styles</a:t>
+              <a:t>Click to edit Master text styles</a:t>
             </a:r>
           </a:p>
           <a:p>
@@ -1540,7 +1636,7 @@
             <a:pPr lvl="0"/>
             <a:r>
               <a:rPr lang="en-US"/>
-              <a:t>Edit Master text styles</a:t>
+              <a:t>Click to edit Master text styles</a:t>
             </a:r>
           </a:p>
           <a:p>
@@ -1589,9 +1685,9 @@
           <a:bodyPr/>
           <a:lstStyle/>
           <a:p>
-            <a:fld id="{EFF0A8B7-F282-42EC-951E-161288F79DA5}" type="datetimeFigureOut">
+            <a:fld id="{81247C1A-AFD6-4C99-B8A3-BBCBE95880A9}" type="datetimeFigureOut">
               <a:rPr lang="en-US" smtClean="0"/>
-              <a:t>4/20/2018</a:t>
+              <a:t>4/22/2018</a:t>
             </a:fld>
             <a:endParaRPr lang="en-US"/>
           </a:p>
@@ -1631,7 +1727,7 @@
           <a:bodyPr/>
           <a:lstStyle/>
           <a:p>
-            <a:fld id="{05CABC39-2EA5-41A1-BC34-7841409AA89F}" type="slidenum">
+            <a:fld id="{C9612B4B-52A1-4CEC-ACD3-F72832E76A53}" type="slidenum">
               <a:rPr lang="en-US" smtClean="0"/>
               <a:t>‹#›</a:t>
             </a:fld>
@@ -1642,7 +1738,7 @@
     </p:spTree>
     <p:extLst>
       <p:ext uri="{BB962C8B-B14F-4D97-AF65-F5344CB8AC3E}">
-        <p14:creationId xmlns:p14="http://schemas.microsoft.com/office/powerpoint/2010/main" val="168014747"/>
+        <p14:creationId xmlns:p14="http://schemas.microsoft.com/office/powerpoint/2010/main" val="2394998919"/>
       </p:ext>
     </p:extLst>
   </p:cSld>
@@ -1757,7 +1853,7 @@
             <a:pPr lvl="0"/>
             <a:r>
               <a:rPr lang="en-US"/>
-              <a:t>Edit Master text styles</a:t>
+              <a:t>Click to edit Master text styles</a:t>
             </a:r>
           </a:p>
         </p:txBody>
@@ -1785,7 +1881,7 @@
             <a:pPr lvl="0"/>
             <a:r>
               <a:rPr lang="en-US"/>
-              <a:t>Edit Master text styles</a:t>
+              <a:t>Click to edit Master text styles</a:t>
             </a:r>
           </a:p>
           <a:p>
@@ -1879,7 +1975,7 @@
             <a:pPr lvl="0"/>
             <a:r>
               <a:rPr lang="en-US"/>
-              <a:t>Edit Master text styles</a:t>
+              <a:t>Click to edit Master text styles</a:t>
             </a:r>
           </a:p>
         </p:txBody>
@@ -1907,7 +2003,7 @@
             <a:pPr lvl="0"/>
             <a:r>
               <a:rPr lang="en-US"/>
-              <a:t>Edit Master text styles</a:t>
+              <a:t>Click to edit Master text styles</a:t>
             </a:r>
           </a:p>
           <a:p>
@@ -1956,9 +2052,9 @@
           <a:bodyPr/>
           <a:lstStyle/>
           <a:p>
-            <a:fld id="{EFF0A8B7-F282-42EC-951E-161288F79DA5}" type="datetimeFigureOut">
+            <a:fld id="{81247C1A-AFD6-4C99-B8A3-BBCBE95880A9}" type="datetimeFigureOut">
               <a:rPr lang="en-US" smtClean="0"/>
-              <a:t>4/20/2018</a:t>
+              <a:t>4/22/2018</a:t>
             </a:fld>
             <a:endParaRPr lang="en-US"/>
           </a:p>
@@ -1998,7 +2094,7 @@
           <a:bodyPr/>
           <a:lstStyle/>
           <a:p>
-            <a:fld id="{05CABC39-2EA5-41A1-BC34-7841409AA89F}" type="slidenum">
+            <a:fld id="{C9612B4B-52A1-4CEC-ACD3-F72832E76A53}" type="slidenum">
               <a:rPr lang="en-US" smtClean="0"/>
               <a:t>‹#›</a:t>
             </a:fld>
@@ -2009,7 +2105,7 @@
     </p:spTree>
     <p:extLst>
       <p:ext uri="{BB962C8B-B14F-4D97-AF65-F5344CB8AC3E}">
-        <p14:creationId xmlns:p14="http://schemas.microsoft.com/office/powerpoint/2010/main" val="4181383485"/>
+        <p14:creationId xmlns:p14="http://schemas.microsoft.com/office/powerpoint/2010/main" val="323184496"/>
       </p:ext>
     </p:extLst>
   </p:cSld>
@@ -2074,9 +2170,9 @@
           <a:bodyPr/>
           <a:lstStyle/>
           <a:p>
-            <a:fld id="{EFF0A8B7-F282-42EC-951E-161288F79DA5}" type="datetimeFigureOut">
+            <a:fld id="{81247C1A-AFD6-4C99-B8A3-BBCBE95880A9}" type="datetimeFigureOut">
               <a:rPr lang="en-US" smtClean="0"/>
-              <a:t>4/20/2018</a:t>
+              <a:t>4/22/2018</a:t>
             </a:fld>
             <a:endParaRPr lang="en-US"/>
           </a:p>
@@ -2116,7 +2212,7 @@
           <a:bodyPr/>
           <a:lstStyle/>
           <a:p>
-            <a:fld id="{05CABC39-2EA5-41A1-BC34-7841409AA89F}" type="slidenum">
+            <a:fld id="{C9612B4B-52A1-4CEC-ACD3-F72832E76A53}" type="slidenum">
               <a:rPr lang="en-US" smtClean="0"/>
               <a:t>‹#›</a:t>
             </a:fld>
@@ -2127,7 +2223,7 @@
     </p:spTree>
     <p:extLst>
       <p:ext uri="{BB962C8B-B14F-4D97-AF65-F5344CB8AC3E}">
-        <p14:creationId xmlns:p14="http://schemas.microsoft.com/office/powerpoint/2010/main" val="1513928508"/>
+        <p14:creationId xmlns:p14="http://schemas.microsoft.com/office/powerpoint/2010/main" val="1767813758"/>
       </p:ext>
     </p:extLst>
   </p:cSld>
@@ -2169,9 +2265,9 @@
           <a:bodyPr/>
           <a:lstStyle/>
           <a:p>
-            <a:fld id="{EFF0A8B7-F282-42EC-951E-161288F79DA5}" type="datetimeFigureOut">
+            <a:fld id="{81247C1A-AFD6-4C99-B8A3-BBCBE95880A9}" type="datetimeFigureOut">
               <a:rPr lang="en-US" smtClean="0"/>
-              <a:t>4/20/2018</a:t>
+              <a:t>4/22/2018</a:t>
             </a:fld>
             <a:endParaRPr lang="en-US"/>
           </a:p>
@@ -2211,7 +2307,7 @@
           <a:bodyPr/>
           <a:lstStyle/>
           <a:p>
-            <a:fld id="{05CABC39-2EA5-41A1-BC34-7841409AA89F}" type="slidenum">
+            <a:fld id="{C9612B4B-52A1-4CEC-ACD3-F72832E76A53}" type="slidenum">
               <a:rPr lang="en-US" smtClean="0"/>
               <a:t>‹#›</a:t>
             </a:fld>
@@ -2222,7 +2318,7 @@
     </p:spTree>
     <p:extLst>
       <p:ext uri="{BB962C8B-B14F-4D97-AF65-F5344CB8AC3E}">
-        <p14:creationId xmlns:p14="http://schemas.microsoft.com/office/powerpoint/2010/main" val="2862912440"/>
+        <p14:creationId xmlns:p14="http://schemas.microsoft.com/office/powerpoint/2010/main" val="1177346815"/>
       </p:ext>
     </p:extLst>
   </p:cSld>
@@ -2332,7 +2428,7 @@
             <a:pPr lvl="0"/>
             <a:r>
               <a:rPr lang="en-US"/>
-              <a:t>Edit Master text styles</a:t>
+              <a:t>Click to edit Master text styles</a:t>
             </a:r>
           </a:p>
           <a:p>
@@ -2426,7 +2522,7 @@
             <a:pPr lvl="0"/>
             <a:r>
               <a:rPr lang="en-US"/>
-              <a:t>Edit Master text styles</a:t>
+              <a:t>Click to edit Master text styles</a:t>
             </a:r>
           </a:p>
         </p:txBody>
@@ -2446,9 +2542,9 @@
           <a:bodyPr/>
           <a:lstStyle/>
           <a:p>
-            <a:fld id="{EFF0A8B7-F282-42EC-951E-161288F79DA5}" type="datetimeFigureOut">
+            <a:fld id="{81247C1A-AFD6-4C99-B8A3-BBCBE95880A9}" type="datetimeFigureOut">
               <a:rPr lang="en-US" smtClean="0"/>
-              <a:t>4/20/2018</a:t>
+              <a:t>4/22/2018</a:t>
             </a:fld>
             <a:endParaRPr lang="en-US"/>
           </a:p>
@@ -2488,7 +2584,7 @@
           <a:bodyPr/>
           <a:lstStyle/>
           <a:p>
-            <a:fld id="{05CABC39-2EA5-41A1-BC34-7841409AA89F}" type="slidenum">
+            <a:fld id="{C9612B4B-52A1-4CEC-ACD3-F72832E76A53}" type="slidenum">
               <a:rPr lang="en-US" smtClean="0"/>
               <a:t>‹#›</a:t>
             </a:fld>
@@ -2499,7 +2595,7 @@
     </p:spTree>
     <p:extLst>
       <p:ext uri="{BB962C8B-B14F-4D97-AF65-F5344CB8AC3E}">
-        <p14:creationId xmlns:p14="http://schemas.microsoft.com/office/powerpoint/2010/main" val="3291408789"/>
+        <p14:creationId xmlns:p14="http://schemas.microsoft.com/office/powerpoint/2010/main" val="572186154"/>
       </p:ext>
     </p:extLst>
   </p:cSld>
@@ -2683,7 +2779,7 @@
             <a:pPr lvl="0"/>
             <a:r>
               <a:rPr lang="en-US"/>
-              <a:t>Edit Master text styles</a:t>
+              <a:t>Click to edit Master text styles</a:t>
             </a:r>
           </a:p>
         </p:txBody>
@@ -2703,9 +2799,9 @@
           <a:bodyPr/>
           <a:lstStyle/>
           <a:p>
-            <a:fld id="{EFF0A8B7-F282-42EC-951E-161288F79DA5}" type="datetimeFigureOut">
+            <a:fld id="{81247C1A-AFD6-4C99-B8A3-BBCBE95880A9}" type="datetimeFigureOut">
               <a:rPr lang="en-US" smtClean="0"/>
-              <a:t>4/20/2018</a:t>
+              <a:t>4/22/2018</a:t>
             </a:fld>
             <a:endParaRPr lang="en-US"/>
           </a:p>
@@ -2745,7 +2841,7 @@
           <a:bodyPr/>
           <a:lstStyle/>
           <a:p>
-            <a:fld id="{05CABC39-2EA5-41A1-BC34-7841409AA89F}" type="slidenum">
+            <a:fld id="{C9612B4B-52A1-4CEC-ACD3-F72832E76A53}" type="slidenum">
               <a:rPr lang="en-US" smtClean="0"/>
               <a:t>‹#›</a:t>
             </a:fld>
@@ -2756,7 +2852,7 @@
     </p:spTree>
     <p:extLst>
       <p:ext uri="{BB962C8B-B14F-4D97-AF65-F5344CB8AC3E}">
-        <p14:creationId xmlns:p14="http://schemas.microsoft.com/office/powerpoint/2010/main" val="186926051"/>
+        <p14:creationId xmlns:p14="http://schemas.microsoft.com/office/powerpoint/2010/main" val="393085397"/>
       </p:ext>
     </p:extLst>
   </p:cSld>
@@ -2849,7 +2945,7 @@
             <a:pPr lvl="0"/>
             <a:r>
               <a:rPr lang="en-US"/>
-              <a:t>Edit Master text styles</a:t>
+              <a:t>Click to edit Master text styles</a:t>
             </a:r>
           </a:p>
           <a:p>
@@ -2916,9 +3012,9 @@
             </a:lvl1pPr>
           </a:lstStyle>
           <a:p>
-            <a:fld id="{EFF0A8B7-F282-42EC-951E-161288F79DA5}" type="datetimeFigureOut">
+            <a:fld id="{81247C1A-AFD6-4C99-B8A3-BBCBE95880A9}" type="datetimeFigureOut">
               <a:rPr lang="en-US" smtClean="0"/>
-              <a:t>4/20/2018</a:t>
+              <a:t>4/22/2018</a:t>
             </a:fld>
             <a:endParaRPr lang="en-US"/>
           </a:p>
@@ -2994,7 +3090,7 @@
             </a:lvl1pPr>
           </a:lstStyle>
           <a:p>
-            <a:fld id="{05CABC39-2EA5-41A1-BC34-7841409AA89F}" type="slidenum">
+            <a:fld id="{C9612B4B-52A1-4CEC-ACD3-F72832E76A53}" type="slidenum">
               <a:rPr lang="en-US" smtClean="0"/>
               <a:t>‹#›</a:t>
             </a:fld>
@@ -3005,7 +3101,7 @@
     </p:spTree>
     <p:extLst>
       <p:ext uri="{BB962C8B-B14F-4D97-AF65-F5344CB8AC3E}">
-        <p14:creationId xmlns:p14="http://schemas.microsoft.com/office/powerpoint/2010/main" val="1012484289"/>
+        <p14:creationId xmlns:p14="http://schemas.microsoft.com/office/powerpoint/2010/main" val="1587240875"/>
       </p:ext>
     </p:extLst>
   </p:cSld>
@@ -3325,10 +3421,10 @@
       </p:grpSpPr>
       <p:sp>
         <p:nvSpPr>
-          <p:cNvPr id="18" name="Rectangle 17">
+          <p:cNvPr id="104" name="Rectangle 103">
             <a:extLst>
               <a:ext uri="{FF2B5EF4-FFF2-40B4-BE49-F238E27FC236}">
-                <a16:creationId xmlns:a16="http://schemas.microsoft.com/office/drawing/2014/main" id="{A7578763-6B46-4583-BED4-4D5B0A60EF0E}"/>
+                <a16:creationId xmlns:a16="http://schemas.microsoft.com/office/drawing/2014/main" xmlns="" id="{E51E88F7-F65B-470C-87CB-D43E19950A9A}"/>
               </a:ext>
             </a:extLst>
           </p:cNvPr>
@@ -3337,44 +3433,70 @@
         </p:nvSpPr>
         <p:spPr>
           <a:xfrm>
-            <a:off x="30984100" y="9231961"/>
-            <a:ext cx="12348773" cy="6827185"/>
+            <a:off x="36178322" y="9234424"/>
+            <a:ext cx="7008916" cy="6986527"/>
           </a:xfrm>
           <a:prstGeom prst="rect">
             <a:avLst/>
           </a:prstGeom>
+          <a:solidFill>
+            <a:srgbClr val="4472C4"/>
+          </a:solidFill>
+          <a:ln w="12700" cap="flat" cmpd="sng" algn="ctr">
+            <a:solidFill>
+              <a:srgbClr val="4472C4">
+                <a:shade val="50000"/>
+              </a:srgbClr>
+            </a:solidFill>
+            <a:prstDash val="solid"/>
+            <a:miter lim="800000"/>
+          </a:ln>
+          <a:effectLst/>
         </p:spPr>
-        <p:style>
-          <a:lnRef idx="2">
-            <a:schemeClr val="accent1">
-              <a:shade val="50000"/>
-            </a:schemeClr>
-          </a:lnRef>
-          <a:fillRef idx="1">
-            <a:schemeClr val="accent1"/>
-          </a:fillRef>
-          <a:effectRef idx="0">
-            <a:schemeClr val="accent1"/>
-          </a:effectRef>
-          <a:fontRef idx="minor">
-            <a:schemeClr val="lt1"/>
-          </a:fontRef>
-        </p:style>
         <p:txBody>
           <a:bodyPr rtlCol="0" anchor="ctr"/>
           <a:lstStyle/>
           <a:p>
-            <a:pPr algn="ctr"/>
-            <a:endParaRPr lang="en-US"/>
+            <a:pPr marL="0" marR="0" lvl="0" indent="0" algn="ctr" defTabSz="457200" eaLnBrk="1" fontAlgn="auto" latinLnBrk="0" hangingPunct="1">
+              <a:lnSpc>
+                <a:spcPct val="100000"/>
+              </a:lnSpc>
+              <a:spcBef>
+                <a:spcPts val="0"/>
+              </a:spcBef>
+              <a:spcAft>
+                <a:spcPts val="0"/>
+              </a:spcAft>
+              <a:buClrTx/>
+              <a:buSzTx/>
+              <a:buFontTx/>
+              <a:buNone/>
+              <a:tabLst/>
+              <a:defRPr/>
+            </a:pPr>
+            <a:endParaRPr kumimoji="0" lang="en-US" sz="1800" b="0" i="0" u="none" strike="noStrike" kern="0" cap="none" spc="0" normalizeH="0" baseline="0" noProof="0">
+              <a:ln>
+                <a:noFill/>
+              </a:ln>
+              <a:solidFill>
+                <a:prstClr val="white"/>
+              </a:solidFill>
+              <a:effectLst/>
+              <a:uLnTx/>
+              <a:uFillTx/>
+              <a:latin typeface="Calibri" panose="020F0502020204030204"/>
+              <a:ea typeface="+mn-ea"/>
+              <a:cs typeface="+mn-cs"/>
+            </a:endParaRPr>
           </a:p>
         </p:txBody>
       </p:sp>
       <p:sp>
         <p:nvSpPr>
-          <p:cNvPr id="17" name="Rectangle 16">
+          <p:cNvPr id="105" name="Rectangle 104">
             <a:extLst>
               <a:ext uri="{FF2B5EF4-FFF2-40B4-BE49-F238E27FC236}">
-                <a16:creationId xmlns:a16="http://schemas.microsoft.com/office/drawing/2014/main" id="{5CE91FD7-1B45-4D86-BB35-8A0F35DD17C6}"/>
+                <a16:creationId xmlns:a16="http://schemas.microsoft.com/office/drawing/2014/main" xmlns="" id="{2E2BA1EF-B6C2-431A-92F4-0886DB4B80C1}"/>
               </a:ext>
             </a:extLst>
           </p:cNvPr>
@@ -3389,38 +3511,64 @@
           <a:prstGeom prst="rect">
             <a:avLst/>
           </a:prstGeom>
+          <a:solidFill>
+            <a:srgbClr val="4472C4"/>
+          </a:solidFill>
+          <a:ln w="12700" cap="flat" cmpd="sng" algn="ctr">
+            <a:solidFill>
+              <a:srgbClr val="4472C4">
+                <a:shade val="50000"/>
+              </a:srgbClr>
+            </a:solidFill>
+            <a:prstDash val="solid"/>
+            <a:miter lim="800000"/>
+          </a:ln>
+          <a:effectLst/>
         </p:spPr>
-        <p:style>
-          <a:lnRef idx="2">
-            <a:schemeClr val="accent1">
-              <a:shade val="50000"/>
-            </a:schemeClr>
-          </a:lnRef>
-          <a:fillRef idx="1">
-            <a:schemeClr val="accent1"/>
-          </a:fillRef>
-          <a:effectRef idx="0">
-            <a:schemeClr val="accent1"/>
-          </a:effectRef>
-          <a:fontRef idx="minor">
-            <a:schemeClr val="lt1"/>
-          </a:fontRef>
-        </p:style>
         <p:txBody>
           <a:bodyPr rtlCol="0" anchor="ctr"/>
           <a:lstStyle/>
           <a:p>
-            <a:pPr algn="ctr"/>
-            <a:endParaRPr lang="en-US"/>
+            <a:pPr marL="0" marR="0" lvl="0" indent="0" algn="ctr" defTabSz="457200" eaLnBrk="1" fontAlgn="auto" latinLnBrk="0" hangingPunct="1">
+              <a:lnSpc>
+                <a:spcPct val="100000"/>
+              </a:lnSpc>
+              <a:spcBef>
+                <a:spcPts val="0"/>
+              </a:spcBef>
+              <a:spcAft>
+                <a:spcPts val="0"/>
+              </a:spcAft>
+              <a:buClrTx/>
+              <a:buSzTx/>
+              <a:buFontTx/>
+              <a:buNone/>
+              <a:tabLst/>
+              <a:defRPr/>
+            </a:pPr>
+            <a:endParaRPr kumimoji="0" lang="en-US" sz="1800" b="0" i="0" u="none" strike="noStrike" kern="0" cap="none" spc="0" normalizeH="0" baseline="0" noProof="0">
+              <a:ln>
+                <a:noFill/>
+              </a:ln>
+              <a:solidFill>
+                <a:prstClr val="white"/>
+              </a:solidFill>
+              <a:effectLst/>
+              <a:uLnTx/>
+              <a:uFillTx/>
+              <a:latin typeface="Calibri" panose="020F0502020204030204"/>
+              <a:ea typeface="+mn-ea"/>
+              <a:cs typeface="+mn-cs"/>
+            </a:endParaRPr>
           </a:p>
         </p:txBody>
       </p:sp>
       <p:sp>
         <p:nvSpPr>
-          <p:cNvPr id="8" name="Rectangle 7">
+          <p:cNvPr id="106" name="Rectangle 105">
             <a:extLst>
               <a:ext uri="{FF2B5EF4-FFF2-40B4-BE49-F238E27FC236}">
-                <a16:creationId xmlns:a16="http://schemas.microsoft.com/office/drawing/2014/main" id="{188B0ADC-FDB6-4B55-9FE2-72131335F8F5}"/>
+                <a16:creationId xmlns:a16="http://schemas.microsoft.com/office/drawing/2014/main" xmlns="" id="{1C78FB0C-4742-487A-A5CE-D41534C72408}"/>
               </a:ext>
             </a:extLst>
           </p:cNvPr>
@@ -3438,38 +3586,61 @@
           <a:solidFill>
             <a:srgbClr val="92D050"/>
           </a:solidFill>
+          <a:ln w="12700" cap="flat" cmpd="sng" algn="ctr">
+            <a:solidFill>
+              <a:srgbClr val="4472C4">
+                <a:shade val="50000"/>
+              </a:srgbClr>
+            </a:solidFill>
+            <a:prstDash val="solid"/>
+            <a:miter lim="800000"/>
+          </a:ln>
+          <a:effectLst/>
         </p:spPr>
-        <p:style>
-          <a:lnRef idx="2">
-            <a:schemeClr val="accent1">
-              <a:shade val="50000"/>
-            </a:schemeClr>
-          </a:lnRef>
-          <a:fillRef idx="1">
-            <a:schemeClr val="accent1"/>
-          </a:fillRef>
-          <a:effectRef idx="0">
-            <a:schemeClr val="accent1"/>
-          </a:effectRef>
-          <a:fontRef idx="minor">
-            <a:schemeClr val="lt1"/>
-          </a:fontRef>
-        </p:style>
         <p:txBody>
           <a:bodyPr rtlCol="0" anchor="ctr"/>
           <a:lstStyle/>
           <a:p>
-            <a:pPr algn="ctr"/>
-            <a:endParaRPr lang="en-US"/>
+            <a:pPr marL="0" marR="0" lvl="0" indent="0" algn="ctr" defTabSz="457200" eaLnBrk="1" fontAlgn="auto" latinLnBrk="0" hangingPunct="1">
+              <a:lnSpc>
+                <a:spcPct val="100000"/>
+              </a:lnSpc>
+              <a:spcBef>
+                <a:spcPts val="0"/>
+              </a:spcBef>
+              <a:spcAft>
+                <a:spcPts val="0"/>
+              </a:spcAft>
+              <a:buClrTx/>
+              <a:buSzTx/>
+              <a:buFontTx/>
+              <a:buNone/>
+              <a:tabLst/>
+              <a:defRPr/>
+            </a:pPr>
+            <a:endParaRPr kumimoji="0" lang="en-US" sz="1800" b="0" i="0" u="none" strike="noStrike" kern="0" cap="none" spc="0" normalizeH="0" baseline="0" noProof="0">
+              <a:ln>
+                <a:noFill/>
+              </a:ln>
+              <a:solidFill>
+                <a:prstClr val="white"/>
+              </a:solidFill>
+              <a:effectLst/>
+              <a:uLnTx/>
+              <a:uFillTx/>
+              <a:latin typeface="Calibri" panose="020F0502020204030204"/>
+              <a:ea typeface="+mn-ea"/>
+              <a:cs typeface="+mn-cs"/>
+            </a:endParaRPr>
           </a:p>
         </p:txBody>
       </p:sp>
       <p:sp>
         <p:nvSpPr>
-          <p:cNvPr id="5" name="Rectangle 4">
+          <p:cNvPr id="107" name="Rectangle 106">
             <a:extLst>
               <a:ext uri="{FF2B5EF4-FFF2-40B4-BE49-F238E27FC236}">
-                <a16:creationId xmlns:a16="http://schemas.microsoft.com/office/drawing/2014/main" id="{E7A0F9F4-C2D7-4FFB-9C1A-8636BD901A1E}"/>
+                <a16:creationId xmlns:a16="http://schemas.microsoft.com/office/drawing/2014/main" xmlns="" id="{AAC209A6-BCC5-4773-ABFB-6ECBD44BCA8D}"/>
               </a:ext>
             </a:extLst>
           </p:cNvPr>
@@ -3478,51 +3649,90 @@
         </p:nvSpPr>
         <p:spPr>
           <a:xfrm>
-            <a:off x="1467103" y="9226081"/>
-            <a:ext cx="29214030" cy="6833066"/>
+            <a:off x="12437542" y="9189126"/>
+            <a:ext cx="23242346" cy="7031825"/>
           </a:xfrm>
           <a:prstGeom prst="rect">
             <a:avLst/>
           </a:prstGeom>
           <a:solidFill>
-            <a:schemeClr val="accent2">
+            <a:srgbClr val="ED7D31">
               <a:lumMod val="40000"/>
               <a:lumOff val="60000"/>
-            </a:schemeClr>
+            </a:srgbClr>
           </a:solidFill>
-          <a:ln/>
+          <a:ln w="12700" cap="flat" cmpd="sng" algn="ctr">
+            <a:solidFill>
+              <a:srgbClr val="5B9BD5">
+                <a:shade val="50000"/>
+              </a:srgbClr>
+            </a:solidFill>
+            <a:prstDash val="solid"/>
+            <a:miter lim="800000"/>
+          </a:ln>
+          <a:effectLst/>
         </p:spPr>
-        <p:style>
-          <a:lnRef idx="2">
-            <a:schemeClr val="accent5">
-              <a:shade val="50000"/>
-            </a:schemeClr>
-          </a:lnRef>
-          <a:fillRef idx="1">
-            <a:schemeClr val="accent5"/>
-          </a:fillRef>
-          <a:effectRef idx="0">
-            <a:schemeClr val="accent5"/>
-          </a:effectRef>
-          <a:fontRef idx="minor">
-            <a:schemeClr val="lt1"/>
-          </a:fontRef>
-        </p:style>
         <p:txBody>
           <a:bodyPr rtlCol="0" anchor="ctr"/>
           <a:lstStyle/>
           <a:p>
-            <a:pPr algn="ctr"/>
-            <a:endParaRPr lang="en-US" dirty="0"/>
+            <a:pPr marL="0" marR="0" lvl="0" indent="0" algn="ctr" defTabSz="457200" eaLnBrk="1" fontAlgn="auto" latinLnBrk="0" hangingPunct="1">
+              <a:lnSpc>
+                <a:spcPct val="100000"/>
+              </a:lnSpc>
+              <a:spcBef>
+                <a:spcPts val="0"/>
+              </a:spcBef>
+              <a:spcAft>
+                <a:spcPts val="0"/>
+              </a:spcAft>
+              <a:buClrTx/>
+              <a:buSzTx/>
+              <a:buFontTx/>
+              <a:buNone/>
+              <a:tabLst/>
+              <a:defRPr/>
+            </a:pPr>
+            <a:r>
+              <a:rPr kumimoji="0" lang="en-US" sz="1800" b="0" i="0" u="none" strike="noStrike" kern="0" cap="none" spc="0" normalizeH="0" baseline="0" noProof="0" dirty="0" err="1" smtClean="0">
+                <a:ln>
+                  <a:noFill/>
+                </a:ln>
+                <a:solidFill>
+                  <a:prstClr val="white"/>
+                </a:solidFill>
+                <a:effectLst/>
+                <a:uLnTx/>
+                <a:uFillTx/>
+                <a:latin typeface="Calibri" panose="020F0502020204030204"/>
+                <a:ea typeface="+mn-ea"/>
+                <a:cs typeface="+mn-cs"/>
+              </a:rPr>
+              <a:t>fd</a:t>
+            </a:r>
+            <a:endParaRPr kumimoji="0" lang="en-US" sz="1800" b="0" i="0" u="none" strike="noStrike" kern="0" cap="none" spc="0" normalizeH="0" baseline="0" noProof="0" dirty="0">
+              <a:ln>
+                <a:noFill/>
+              </a:ln>
+              <a:solidFill>
+                <a:prstClr val="white"/>
+              </a:solidFill>
+              <a:effectLst/>
+              <a:uLnTx/>
+              <a:uFillTx/>
+              <a:latin typeface="Calibri" panose="020F0502020204030204"/>
+              <a:ea typeface="+mn-ea"/>
+              <a:cs typeface="+mn-cs"/>
+            </a:endParaRPr>
           </a:p>
         </p:txBody>
       </p:sp>
       <p:sp>
         <p:nvSpPr>
-          <p:cNvPr id="3" name="Rectangle 2">
+          <p:cNvPr id="108" name="Rectangle 107">
             <a:extLst>
               <a:ext uri="{FF2B5EF4-FFF2-40B4-BE49-F238E27FC236}">
-                <a16:creationId xmlns:a16="http://schemas.microsoft.com/office/drawing/2014/main" id="{C057248F-EF37-4026-BB1E-0E83AAEA6398}"/>
+                <a16:creationId xmlns:a16="http://schemas.microsoft.com/office/drawing/2014/main" xmlns="" id="{B3DF5761-9DC0-4F21-95BE-C6B53773E6E7}"/>
               </a:ext>
             </a:extLst>
           </p:cNvPr>
@@ -3531,44 +3741,70 @@
         </p:nvSpPr>
         <p:spPr>
           <a:xfrm>
-            <a:off x="30999843" y="3947795"/>
-            <a:ext cx="11934622" cy="4867247"/>
+            <a:off x="1301938" y="9189126"/>
+            <a:ext cx="10637171" cy="7094728"/>
           </a:xfrm>
           <a:prstGeom prst="rect">
             <a:avLst/>
           </a:prstGeom>
+          <a:solidFill>
+            <a:srgbClr val="A5A5A5"/>
+          </a:solidFill>
+          <a:ln w="12700" cap="flat" cmpd="sng" algn="ctr">
+            <a:solidFill>
+              <a:srgbClr val="A5A5A5">
+                <a:shade val="50000"/>
+              </a:srgbClr>
+            </a:solidFill>
+            <a:prstDash val="solid"/>
+            <a:miter lim="800000"/>
+          </a:ln>
+          <a:effectLst/>
         </p:spPr>
-        <p:style>
-          <a:lnRef idx="2">
-            <a:schemeClr val="accent3">
-              <a:shade val="50000"/>
-            </a:schemeClr>
-          </a:lnRef>
-          <a:fillRef idx="1">
-            <a:schemeClr val="accent3"/>
-          </a:fillRef>
-          <a:effectRef idx="0">
-            <a:schemeClr val="accent3"/>
-          </a:effectRef>
-          <a:fontRef idx="minor">
-            <a:schemeClr val="lt1"/>
-          </a:fontRef>
-        </p:style>
         <p:txBody>
           <a:bodyPr rtlCol="0" anchor="ctr"/>
           <a:lstStyle/>
           <a:p>
-            <a:pPr algn="ctr"/>
-            <a:endParaRPr lang="en-US"/>
+            <a:pPr marL="0" marR="0" lvl="0" indent="0" algn="ctr" defTabSz="457200" eaLnBrk="1" fontAlgn="auto" latinLnBrk="0" hangingPunct="1">
+              <a:lnSpc>
+                <a:spcPct val="100000"/>
+              </a:lnSpc>
+              <a:spcBef>
+                <a:spcPts val="0"/>
+              </a:spcBef>
+              <a:spcAft>
+                <a:spcPts val="0"/>
+              </a:spcAft>
+              <a:buClrTx/>
+              <a:buSzTx/>
+              <a:buFontTx/>
+              <a:buNone/>
+              <a:tabLst/>
+              <a:defRPr/>
+            </a:pPr>
+            <a:endParaRPr kumimoji="0" lang="en-US" sz="1800" b="0" i="0" u="none" strike="noStrike" kern="0" cap="none" spc="0" normalizeH="0" baseline="0" noProof="0">
+              <a:ln>
+                <a:noFill/>
+              </a:ln>
+              <a:solidFill>
+                <a:prstClr val="white"/>
+              </a:solidFill>
+              <a:effectLst/>
+              <a:uLnTx/>
+              <a:uFillTx/>
+              <a:latin typeface="Calibri" panose="020F0502020204030204"/>
+              <a:ea typeface="+mn-ea"/>
+              <a:cs typeface="+mn-cs"/>
+            </a:endParaRPr>
           </a:p>
         </p:txBody>
       </p:sp>
       <p:sp>
         <p:nvSpPr>
-          <p:cNvPr id="6" name="TextBox 5">
+          <p:cNvPr id="109" name="TextBox 108">
             <a:extLst>
               <a:ext uri="{FF2B5EF4-FFF2-40B4-BE49-F238E27FC236}">
-                <a16:creationId xmlns:a16="http://schemas.microsoft.com/office/drawing/2014/main" id="{220E5D4F-743F-45D0-AFA7-111215743660}"/>
+                <a16:creationId xmlns:a16="http://schemas.microsoft.com/office/drawing/2014/main" xmlns="" id="{BBB59D62-EC52-41A7-9D3D-648045BC0B01}"/>
               </a:ext>
             </a:extLst>
           </p:cNvPr>
@@ -3584,12 +3820,13 @@
             <a:avLst/>
           </a:prstGeom>
           <a:solidFill>
-            <a:srgbClr val="FFC000"/>
+            <a:schemeClr val="accent4">
+              <a:lumMod val="60000"/>
+              <a:lumOff val="40000"/>
+            </a:schemeClr>
           </a:solidFill>
           <a:ln>
-            <a:solidFill>
-              <a:schemeClr val="tx2"/>
-            </a:solidFill>
+            <a:noFill/>
           </a:ln>
         </p:spPr>
         <p:txBody>
@@ -3598,54 +3835,231 @@
           </a:bodyPr>
           <a:lstStyle/>
           <a:p>
-            <a:r>
-              <a:rPr lang="en-US" sz="5000" dirty="0"/>
+            <a:pPr marL="0" marR="0" lvl="0" indent="0" defTabSz="457200" eaLnBrk="1" fontAlgn="auto" latinLnBrk="0" hangingPunct="1">
+              <a:lnSpc>
+                <a:spcPct val="100000"/>
+              </a:lnSpc>
+              <a:spcBef>
+                <a:spcPts val="0"/>
+              </a:spcBef>
+              <a:spcAft>
+                <a:spcPts val="0"/>
+              </a:spcAft>
+              <a:buClrTx/>
+              <a:buSzTx/>
+              <a:buFontTx/>
+              <a:buNone/>
+              <a:tabLst/>
+              <a:defRPr/>
+            </a:pPr>
+            <a:r>
+              <a:rPr kumimoji="0" lang="en-US" sz="5000" b="0" i="0" u="none" strike="noStrike" kern="0" cap="none" spc="0" normalizeH="0" baseline="0" noProof="0" dirty="0">
+                <a:ln>
+                  <a:noFill/>
+                </a:ln>
+                <a:solidFill>
+                  <a:prstClr val="black"/>
+                </a:solidFill>
+                <a:effectLst/>
+                <a:uLnTx/>
+                <a:uFillTx/>
+              </a:rPr>
               <a:t>Problem</a:t>
             </a:r>
             <a:r>
-              <a:rPr lang="en-US" sz="7200" dirty="0"/>
+              <a:rPr kumimoji="0" lang="en-US" sz="7200" b="0" i="0" u="none" strike="noStrike" kern="0" cap="none" spc="0" normalizeH="0" baseline="0" noProof="0" dirty="0">
+                <a:ln>
+                  <a:noFill/>
+                </a:ln>
+                <a:solidFill>
+                  <a:prstClr val="black"/>
+                </a:solidFill>
+                <a:effectLst/>
+                <a:uLnTx/>
+                <a:uFillTx/>
+              </a:rPr>
               <a:t> </a:t>
             </a:r>
-            <a:endParaRPr lang="en-US" sz="3000" dirty="0"/>
-          </a:p>
-          <a:p>
-            <a:pPr marL="457200" indent="-457200">
+            <a:endParaRPr kumimoji="0" lang="en-US" sz="3000" b="0" i="0" u="none" strike="noStrike" kern="0" cap="none" spc="0" normalizeH="0" baseline="0" noProof="0" dirty="0">
+              <a:ln>
+                <a:noFill/>
+              </a:ln>
+              <a:solidFill>
+                <a:prstClr val="black"/>
+              </a:solidFill>
+              <a:effectLst/>
+              <a:uLnTx/>
+              <a:uFillTx/>
+            </a:endParaRPr>
+          </a:p>
+          <a:p>
+            <a:pPr marL="457200" marR="0" lvl="0" indent="-457200" defTabSz="457200" eaLnBrk="1" fontAlgn="auto" latinLnBrk="0" hangingPunct="1">
+              <a:lnSpc>
+                <a:spcPct val="100000"/>
+              </a:lnSpc>
+              <a:spcBef>
+                <a:spcPts val="0"/>
+              </a:spcBef>
+              <a:spcAft>
+                <a:spcPts val="0"/>
+              </a:spcAft>
+              <a:buClrTx/>
+              <a:buSzTx/>
               <a:buFont typeface="Arial" panose="020B0604020202020204" pitchFamily="34" charset="0"/>
               <a:buChar char="•"/>
+              <a:tabLst/>
+              <a:defRPr/>
             </a:pPr>
             <a:r>
-              <a:rPr lang="en-US" sz="3000" dirty="0"/>
+              <a:rPr kumimoji="0" lang="en-US" sz="3000" b="0" i="0" u="none" strike="noStrike" kern="0" cap="none" spc="0" normalizeH="0" baseline="0" noProof="0" dirty="0">
+                <a:ln>
+                  <a:noFill/>
+                </a:ln>
+                <a:solidFill>
+                  <a:prstClr val="black"/>
+                </a:solidFill>
+                <a:effectLst/>
+                <a:uLnTx/>
+                <a:uFillTx/>
+              </a:rPr>
               <a:t>Interest in computing is growing, leading to huge introductory computing class sizes [NAS]. </a:t>
             </a:r>
           </a:p>
           <a:p>
-            <a:pPr marL="457200" indent="-457200">
+            <a:pPr marL="457200" marR="0" lvl="0" indent="-457200" defTabSz="457200" eaLnBrk="1" fontAlgn="auto" latinLnBrk="0" hangingPunct="1">
+              <a:lnSpc>
+                <a:spcPct val="100000"/>
+              </a:lnSpc>
+              <a:spcBef>
+                <a:spcPts val="0"/>
+              </a:spcBef>
+              <a:spcAft>
+                <a:spcPts val="0"/>
+              </a:spcAft>
+              <a:buClrTx/>
+              <a:buSzTx/>
               <a:buFont typeface="Arial" panose="020B0604020202020204" pitchFamily="34" charset="0"/>
               <a:buChar char="•"/>
+              <a:tabLst/>
+              <a:defRPr/>
             </a:pPr>
             <a:r>
-              <a:rPr lang="en-US" sz="3000" dirty="0"/>
+              <a:rPr kumimoji="0" lang="en-US" sz="3000" b="0" i="0" u="none" strike="noStrike" kern="0" cap="none" spc="0" normalizeH="0" baseline="0" noProof="0" dirty="0">
+                <a:ln>
+                  <a:noFill/>
+                </a:ln>
+                <a:solidFill>
+                  <a:prstClr val="black"/>
+                </a:solidFill>
+                <a:effectLst/>
+                <a:uLnTx/>
+                <a:uFillTx/>
+              </a:rPr>
               <a:t>Further, many assignments in these courses can be challenging for students, even when they only exercise a few concepts [RAINFAILL]. </a:t>
             </a:r>
           </a:p>
           <a:p>
-            <a:pPr marL="457200" indent="-457200">
+            <a:pPr marL="457200" marR="0" lvl="0" indent="-457200" defTabSz="457200" eaLnBrk="1" fontAlgn="auto" latinLnBrk="0" hangingPunct="1">
+              <a:lnSpc>
+                <a:spcPct val="100000"/>
+              </a:lnSpc>
+              <a:spcBef>
+                <a:spcPts val="0"/>
+              </a:spcBef>
+              <a:spcAft>
+                <a:spcPts val="0"/>
+              </a:spcAft>
+              <a:buClrTx/>
+              <a:buSzTx/>
               <a:buFont typeface="Arial" panose="020B0604020202020204" pitchFamily="34" charset="0"/>
               <a:buChar char="•"/>
+              <a:tabLst/>
+              <a:defRPr/>
             </a:pPr>
             <a:r>
-              <a:rPr lang="en-US" sz="3000" dirty="0"/>
-              <a:t>Worked Examples have shown promise as a scaffold to help students complete programming assignments. However, there have been limited classroom studies to evaluate the effectiveness of  Worked Examples.</a:t>
+              <a:rPr kumimoji="0" lang="en-US" sz="3000" b="0" i="0" u="none" strike="noStrike" kern="0" cap="none" spc="0" normalizeH="0" baseline="0" noProof="0" dirty="0">
+                <a:ln>
+                  <a:noFill/>
+                </a:ln>
+                <a:solidFill>
+                  <a:prstClr val="black"/>
+                </a:solidFill>
+                <a:effectLst/>
+                <a:uLnTx/>
+                <a:uFillTx/>
+              </a:rPr>
+              <a:t>Worked Examples have shown promise as a scaffold to help students complete programming assignments</a:t>
+            </a:r>
+            <a:r>
+              <a:rPr kumimoji="0" lang="en-US" sz="3000" b="0" i="0" u="none" strike="noStrike" kern="0" cap="none" spc="0" normalizeH="0" baseline="0" noProof="0" dirty="0" smtClean="0">
+                <a:ln>
+                  <a:noFill/>
+                </a:ln>
+                <a:solidFill>
+                  <a:prstClr val="black"/>
+                </a:solidFill>
+                <a:effectLst/>
+                <a:uLnTx/>
+                <a:uFillTx/>
+              </a:rPr>
+              <a:t>.</a:t>
+            </a:r>
+          </a:p>
+          <a:p>
+            <a:pPr marL="457200" marR="0" lvl="0" indent="-457200" defTabSz="457200" eaLnBrk="1" fontAlgn="auto" latinLnBrk="0" hangingPunct="1">
+              <a:lnSpc>
+                <a:spcPct val="100000"/>
+              </a:lnSpc>
+              <a:spcBef>
+                <a:spcPts val="0"/>
+              </a:spcBef>
+              <a:spcAft>
+                <a:spcPts val="0"/>
+              </a:spcAft>
+              <a:buClrTx/>
+              <a:buSzTx/>
+              <a:buFont typeface="Arial" panose="020B0604020202020204" pitchFamily="34" charset="0"/>
+              <a:buChar char="•"/>
+              <a:tabLst/>
+              <a:defRPr/>
+            </a:pPr>
+            <a:r>
+              <a:rPr kumimoji="0" lang="en-US" sz="3000" b="0" i="0" u="none" strike="noStrike" kern="0" cap="none" spc="0" normalizeH="0" baseline="0" noProof="0" dirty="0" smtClean="0">
+                <a:ln>
+                  <a:noFill/>
+                </a:ln>
+                <a:solidFill>
+                  <a:prstClr val="black"/>
+                </a:solidFill>
+                <a:effectLst/>
+                <a:uLnTx/>
+                <a:uFillTx/>
+              </a:rPr>
+              <a:t> </a:t>
+            </a:r>
+            <a:r>
+              <a:rPr kumimoji="0" lang="en-US" sz="3000" b="0" i="0" u="none" strike="noStrike" kern="0" cap="none" spc="0" normalizeH="0" baseline="0" noProof="0" dirty="0">
+                <a:ln>
+                  <a:noFill/>
+                </a:ln>
+                <a:solidFill>
+                  <a:prstClr val="black"/>
+                </a:solidFill>
+                <a:effectLst/>
+                <a:uLnTx/>
+                <a:uFillTx/>
+              </a:rPr>
+              <a:t>However, there have been limited classroom studies to evaluate the effectiveness of  Worked Examples.</a:t>
             </a:r>
           </a:p>
         </p:txBody>
       </p:sp>
       <p:sp>
         <p:nvSpPr>
-          <p:cNvPr id="7" name="TextBox 6">
+          <p:cNvPr id="110" name="TextBox 109">
             <a:extLst>
               <a:ext uri="{FF2B5EF4-FFF2-40B4-BE49-F238E27FC236}">
-                <a16:creationId xmlns:a16="http://schemas.microsoft.com/office/drawing/2014/main" id="{5D8088D2-9A9E-420D-96CA-76F68CF80583}"/>
+                <a16:creationId xmlns:a16="http://schemas.microsoft.com/office/drawing/2014/main" xmlns="" id="{71592788-53EC-4EEF-AA5A-CE75DA837C00}"/>
               </a:ext>
             </a:extLst>
           </p:cNvPr>
@@ -3663,7 +4077,7 @@
           <a:noFill/>
           <a:ln>
             <a:solidFill>
-              <a:schemeClr val="tx2"/>
+              <a:srgbClr val="44546A"/>
             </a:solidFill>
           </a:ln>
         </p:spPr>
@@ -3673,28 +4087,90 @@
           </a:bodyPr>
           <a:lstStyle/>
           <a:p>
-            <a:pPr algn="ctr"/>
-            <a:r>
-              <a:rPr lang="en-US" sz="8000" dirty="0"/>
+            <a:pPr marL="0" marR="0" lvl="0" indent="0" algn="ctr" defTabSz="457200" eaLnBrk="1" fontAlgn="auto" latinLnBrk="0" hangingPunct="1">
+              <a:lnSpc>
+                <a:spcPct val="100000"/>
+              </a:lnSpc>
+              <a:spcBef>
+                <a:spcPts val="0"/>
+              </a:spcBef>
+              <a:spcAft>
+                <a:spcPts val="0"/>
+              </a:spcAft>
+              <a:buClrTx/>
+              <a:buSzTx/>
+              <a:buFontTx/>
+              <a:buNone/>
+              <a:tabLst/>
+              <a:defRPr/>
+            </a:pPr>
+            <a:r>
+              <a:rPr kumimoji="0" lang="en-US" sz="8000" b="0" i="0" u="none" strike="noStrike" kern="0" cap="none" spc="0" normalizeH="0" baseline="0" noProof="0" dirty="0">
+                <a:ln>
+                  <a:noFill/>
+                </a:ln>
+                <a:solidFill>
+                  <a:prstClr val="black"/>
+                </a:solidFill>
+                <a:effectLst/>
+                <a:uLnTx/>
+                <a:uFillTx/>
+              </a:rPr>
               <a:t>Supplementing Introductory Experiences With Worked Examples</a:t>
             </a:r>
           </a:p>
           <a:p>
-            <a:pPr algn="ctr"/>
-            <a:r>
-              <a:rPr lang="en-US" sz="6000" dirty="0"/>
+            <a:pPr marL="0" marR="0" lvl="0" indent="0" algn="ctr" defTabSz="457200" eaLnBrk="1" fontAlgn="auto" latinLnBrk="0" hangingPunct="1">
+              <a:lnSpc>
+                <a:spcPct val="100000"/>
+              </a:lnSpc>
+              <a:spcBef>
+                <a:spcPts val="0"/>
+              </a:spcBef>
+              <a:spcAft>
+                <a:spcPts val="0"/>
+              </a:spcAft>
+              <a:buClrTx/>
+              <a:buSzTx/>
+              <a:buFontTx/>
+              <a:buNone/>
+              <a:tabLst/>
+              <a:defRPr/>
+            </a:pPr>
+            <a:r>
+              <a:rPr kumimoji="0" lang="en-US" sz="6000" b="0" i="0" u="none" strike="noStrike" kern="0" cap="none" spc="0" normalizeH="0" baseline="0" noProof="0" dirty="0">
+                <a:ln>
+                  <a:noFill/>
+                </a:ln>
+                <a:solidFill>
+                  <a:prstClr val="black"/>
+                </a:solidFill>
+                <a:effectLst/>
+                <a:uLnTx/>
+                <a:uFillTx/>
+              </a:rPr>
               <a:t>Michael Friend under direction from Austin Cory Bart</a:t>
             </a:r>
-            <a:endParaRPr lang="en-US" sz="5400" dirty="0"/>
+            <a:endParaRPr kumimoji="0" lang="en-US" sz="5400" b="0" i="0" u="none" strike="noStrike" kern="0" cap="none" spc="0" normalizeH="0" baseline="0" noProof="0" dirty="0">
+              <a:ln>
+                <a:noFill/>
+              </a:ln>
+              <a:solidFill>
+                <a:prstClr val="black"/>
+              </a:solidFill>
+              <a:effectLst/>
+              <a:uLnTx/>
+              <a:uFillTx/>
+            </a:endParaRPr>
           </a:p>
         </p:txBody>
       </p:sp>
       <p:sp>
         <p:nvSpPr>
-          <p:cNvPr id="9" name="TextBox 8">
+          <p:cNvPr id="111" name="TextBox 110">
             <a:extLst>
               <a:ext uri="{FF2B5EF4-FFF2-40B4-BE49-F238E27FC236}">
-                <a16:creationId xmlns:a16="http://schemas.microsoft.com/office/drawing/2014/main" id="{F1DC245A-4543-4110-ACB5-B8CC821BF575}"/>
+                <a16:creationId xmlns:a16="http://schemas.microsoft.com/office/drawing/2014/main" xmlns="" id="{EF11A923-CF9B-4045-8A10-E4093ED6558D}"/>
               </a:ext>
             </a:extLst>
           </p:cNvPr>
@@ -3720,57 +4196,214 @@
           </a:bodyPr>
           <a:lstStyle/>
           <a:p>
-            <a:pPr algn="ctr"/>
-            <a:r>
-              <a:rPr lang="en-US" sz="5000" u="sng" dirty="0"/>
+            <a:pPr marL="0" marR="0" lvl="0" indent="0" algn="ctr" defTabSz="457200" eaLnBrk="1" fontAlgn="auto" latinLnBrk="0" hangingPunct="1">
+              <a:lnSpc>
+                <a:spcPct val="100000"/>
+              </a:lnSpc>
+              <a:spcBef>
+                <a:spcPts val="0"/>
+              </a:spcBef>
+              <a:spcAft>
+                <a:spcPts val="0"/>
+              </a:spcAft>
+              <a:buClrTx/>
+              <a:buSzTx/>
+              <a:buFontTx/>
+              <a:buNone/>
+              <a:tabLst/>
+              <a:defRPr/>
+            </a:pPr>
+            <a:r>
+              <a:rPr kumimoji="0" lang="en-US" sz="5000" b="0" i="0" u="sng" strike="noStrike" kern="0" cap="none" spc="0" normalizeH="0" baseline="0" noProof="0" dirty="0">
+                <a:ln>
+                  <a:noFill/>
+                </a:ln>
+                <a:solidFill>
+                  <a:prstClr val="black"/>
+                </a:solidFill>
+                <a:effectLst/>
+                <a:uLnTx/>
+                <a:uFillTx/>
+              </a:rPr>
               <a:t>Hypothesis</a:t>
             </a:r>
             <a:r>
-              <a:rPr lang="en-US" sz="7200" dirty="0"/>
+              <a:rPr kumimoji="0" lang="en-US" sz="7200" b="0" i="0" u="none" strike="noStrike" kern="0" cap="none" spc="0" normalizeH="0" baseline="0" noProof="0" dirty="0">
+                <a:ln>
+                  <a:noFill/>
+                </a:ln>
+                <a:solidFill>
+                  <a:prstClr val="black"/>
+                </a:solidFill>
+                <a:effectLst/>
+                <a:uLnTx/>
+                <a:uFillTx/>
+              </a:rPr>
               <a:t> </a:t>
             </a:r>
           </a:p>
           <a:p>
-            <a:pPr algn="ctr"/>
-            <a:r>
-              <a:rPr lang="en-US" sz="3000" dirty="0"/>
+            <a:pPr marL="0" marR="0" lvl="0" indent="0" algn="ctr" defTabSz="457200" eaLnBrk="1" fontAlgn="auto" latinLnBrk="0" hangingPunct="1">
+              <a:lnSpc>
+                <a:spcPct val="100000"/>
+              </a:lnSpc>
+              <a:spcBef>
+                <a:spcPts val="0"/>
+              </a:spcBef>
+              <a:spcAft>
+                <a:spcPts val="0"/>
+              </a:spcAft>
+              <a:buClrTx/>
+              <a:buSzTx/>
+              <a:buFontTx/>
+              <a:buNone/>
+              <a:tabLst/>
+              <a:defRPr/>
+            </a:pPr>
+            <a:r>
+              <a:rPr kumimoji="0" lang="en-US" sz="3000" b="0" i="0" u="none" strike="noStrike" kern="0" cap="none" spc="0" normalizeH="0" baseline="0" noProof="0" dirty="0">
+                <a:ln>
+                  <a:noFill/>
+                </a:ln>
+                <a:solidFill>
+                  <a:prstClr val="black"/>
+                </a:solidFill>
+                <a:effectLst/>
+                <a:uLnTx/>
+                <a:uFillTx/>
+              </a:rPr>
               <a:t>Adding worked examples related to difficult problems will improve understanding of the problems and their ability to program</a:t>
             </a:r>
           </a:p>
           <a:p>
-            <a:pPr algn="ctr"/>
-            <a:r>
-              <a:rPr lang="en-US" sz="5000" u="sng" dirty="0"/>
+            <a:pPr marL="0" marR="0" lvl="0" indent="0" algn="ctr" defTabSz="457200" eaLnBrk="1" fontAlgn="auto" latinLnBrk="0" hangingPunct="1">
+              <a:lnSpc>
+                <a:spcPct val="100000"/>
+              </a:lnSpc>
+              <a:spcBef>
+                <a:spcPts val="0"/>
+              </a:spcBef>
+              <a:spcAft>
+                <a:spcPts val="0"/>
+              </a:spcAft>
+              <a:buClrTx/>
+              <a:buSzTx/>
+              <a:buFontTx/>
+              <a:buNone/>
+              <a:tabLst/>
+              <a:defRPr/>
+            </a:pPr>
+            <a:r>
+              <a:rPr kumimoji="0" lang="en-US" sz="5000" b="0" i="0" u="sng" strike="noStrike" kern="0" cap="none" spc="0" normalizeH="0" baseline="0" noProof="0" dirty="0">
+                <a:ln>
+                  <a:noFill/>
+                </a:ln>
+                <a:solidFill>
+                  <a:prstClr val="black"/>
+                </a:solidFill>
+                <a:effectLst/>
+                <a:uLnTx/>
+                <a:uFillTx/>
+              </a:rPr>
               <a:t>Research Questions </a:t>
             </a:r>
           </a:p>
           <a:p>
-            <a:pPr marL="571500" indent="-571500">
+            <a:pPr marL="571500" marR="0" lvl="0" indent="-571500" defTabSz="457200" eaLnBrk="1" fontAlgn="auto" latinLnBrk="0" hangingPunct="1">
+              <a:lnSpc>
+                <a:spcPct val="100000"/>
+              </a:lnSpc>
+              <a:spcBef>
+                <a:spcPts val="0"/>
+              </a:spcBef>
+              <a:spcAft>
+                <a:spcPts val="0"/>
+              </a:spcAft>
+              <a:buClrTx/>
+              <a:buSzTx/>
               <a:buFont typeface="Arial" panose="020B0604020202020204" pitchFamily="34" charset="0"/>
               <a:buChar char="•"/>
+              <a:tabLst/>
+              <a:defRPr/>
             </a:pPr>
             <a:r>
-              <a:rPr lang="en-US" sz="3000" dirty="0"/>
+              <a:rPr kumimoji="0" lang="en-US" sz="3000" b="0" i="0" u="none" strike="noStrike" kern="0" cap="none" spc="0" normalizeH="0" baseline="0" noProof="0" dirty="0">
+                <a:ln>
+                  <a:noFill/>
+                </a:ln>
+                <a:solidFill>
+                  <a:prstClr val="black"/>
+                </a:solidFill>
+                <a:effectLst/>
+                <a:uLnTx/>
+                <a:uFillTx/>
+              </a:rPr>
               <a:t>Do WEs improve performance?	</a:t>
             </a:r>
           </a:p>
           <a:p>
-            <a:pPr marL="571500" indent="-571500">
+            <a:pPr marL="571500" marR="0" lvl="0" indent="-571500" defTabSz="457200" eaLnBrk="1" fontAlgn="auto" latinLnBrk="0" hangingPunct="1">
+              <a:lnSpc>
+                <a:spcPct val="100000"/>
+              </a:lnSpc>
+              <a:spcBef>
+                <a:spcPts val="0"/>
+              </a:spcBef>
+              <a:spcAft>
+                <a:spcPts val="0"/>
+              </a:spcAft>
+              <a:buClrTx/>
+              <a:buSzTx/>
               <a:buFont typeface="Arial" panose="020B0604020202020204" pitchFamily="34" charset="0"/>
               <a:buChar char="•"/>
+              <a:tabLst/>
+              <a:defRPr/>
             </a:pPr>
             <a:r>
-              <a:rPr lang="en-US" sz="3000" dirty="0"/>
+              <a:rPr kumimoji="0" lang="en-US" sz="3000" b="0" i="0" u="none" strike="noStrike" kern="0" cap="none" spc="0" normalizeH="0" baseline="0" noProof="0" dirty="0">
+                <a:ln>
+                  <a:noFill/>
+                </a:ln>
+                <a:solidFill>
+                  <a:prstClr val="black"/>
+                </a:solidFill>
+                <a:effectLst/>
+                <a:uLnTx/>
+                <a:uFillTx/>
+              </a:rPr>
               <a:t>Do students take advantage of worked examples?</a:t>
             </a:r>
           </a:p>
           <a:p>
-            <a:pPr marL="571500" indent="-571500">
+            <a:pPr marL="571500" marR="0" lvl="0" indent="-571500" defTabSz="457200" eaLnBrk="1" fontAlgn="auto" latinLnBrk="0" hangingPunct="1">
+              <a:lnSpc>
+                <a:spcPct val="100000"/>
+              </a:lnSpc>
+              <a:spcBef>
+                <a:spcPts val="0"/>
+              </a:spcBef>
+              <a:spcAft>
+                <a:spcPts val="0"/>
+              </a:spcAft>
+              <a:buClrTx/>
+              <a:buSzTx/>
               <a:buFont typeface="Arial" panose="020B0604020202020204" pitchFamily="34" charset="0"/>
               <a:buChar char="•"/>
+              <a:tabLst/>
+              <a:defRPr/>
             </a:pPr>
             <a:r>
-              <a:rPr lang="en-US" sz="3000" dirty="0"/>
+              <a:rPr kumimoji="0" lang="en-US" sz="3000" b="0" i="0" u="none" strike="noStrike" kern="0" cap="none" spc="0" normalizeH="0" baseline="0" noProof="0" dirty="0">
+                <a:ln>
+                  <a:noFill/>
+                </a:ln>
+                <a:solidFill>
+                  <a:prstClr val="black"/>
+                </a:solidFill>
+                <a:effectLst/>
+                <a:uLnTx/>
+                <a:uFillTx/>
+              </a:rPr>
               <a:t>Do students find WEs helpful?</a:t>
             </a:r>
           </a:p>
@@ -3778,10 +4411,10 @@
       </p:sp>
       <p:sp>
         <p:nvSpPr>
-          <p:cNvPr id="10" name="TextBox 9">
+          <p:cNvPr id="112" name="TextBox 111">
             <a:extLst>
               <a:ext uri="{FF2B5EF4-FFF2-40B4-BE49-F238E27FC236}">
-                <a16:creationId xmlns:a16="http://schemas.microsoft.com/office/drawing/2014/main" id="{771BEF49-A5ED-4C7F-BE5F-1A7D07F00E97}"/>
+                <a16:creationId xmlns:a16="http://schemas.microsoft.com/office/drawing/2014/main" xmlns="" id="{43A9AF3C-287E-4781-983F-09E0D213D149}"/>
               </a:ext>
             </a:extLst>
           </p:cNvPr>
@@ -3807,100 +4440,359 @@
           </a:bodyPr>
           <a:lstStyle/>
           <a:p>
-            <a:r>
-              <a:rPr lang="en-US" sz="5000" dirty="0"/>
+            <a:pPr marL="0" marR="0" lvl="0" indent="0" defTabSz="457200" eaLnBrk="1" fontAlgn="auto" latinLnBrk="0" hangingPunct="1">
+              <a:lnSpc>
+                <a:spcPct val="100000"/>
+              </a:lnSpc>
+              <a:spcBef>
+                <a:spcPts val="0"/>
+              </a:spcBef>
+              <a:spcAft>
+                <a:spcPts val="0"/>
+              </a:spcAft>
+              <a:buClrTx/>
+              <a:buSzTx/>
+              <a:buFontTx/>
+              <a:buNone/>
+              <a:tabLst/>
+              <a:defRPr/>
+            </a:pPr>
+            <a:r>
+              <a:rPr kumimoji="0" lang="en-US" sz="5000" b="0" i="0" u="none" strike="noStrike" kern="0" cap="none" spc="0" normalizeH="0" baseline="0" noProof="0" dirty="0">
+                <a:ln>
+                  <a:noFill/>
+                </a:ln>
+                <a:solidFill>
+                  <a:prstClr val="black"/>
+                </a:solidFill>
+                <a:effectLst/>
+                <a:uLnTx/>
+                <a:uFillTx/>
+              </a:rPr>
               <a:t>Prior Work</a:t>
             </a:r>
           </a:p>
           <a:p>
-            <a:pPr marL="457200" indent="-457200">
+            <a:pPr marL="457200" marR="0" lvl="0" indent="-457200" defTabSz="457200" eaLnBrk="1" fontAlgn="auto" latinLnBrk="0" hangingPunct="1">
+              <a:lnSpc>
+                <a:spcPct val="100000"/>
+              </a:lnSpc>
+              <a:spcBef>
+                <a:spcPts val="0"/>
+              </a:spcBef>
+              <a:spcAft>
+                <a:spcPts val="0"/>
+              </a:spcAft>
+              <a:buClrTx/>
+              <a:buSzTx/>
               <a:buFont typeface="Arial" panose="020B0604020202020204" pitchFamily="34" charset="0"/>
               <a:buChar char="•"/>
+              <a:tabLst/>
+              <a:defRPr/>
             </a:pPr>
             <a:r>
-              <a:rPr lang="en-US" sz="3000" dirty="0"/>
+              <a:rPr kumimoji="0" lang="en-US" sz="3000" b="0" i="0" u="none" strike="noStrike" kern="0" cap="none" spc="0" normalizeH="0" baseline="0" noProof="0" dirty="0">
+                <a:ln>
+                  <a:noFill/>
+                </a:ln>
+                <a:solidFill>
+                  <a:prstClr val="black"/>
+                </a:solidFill>
+                <a:effectLst/>
+                <a:uLnTx/>
+                <a:uFillTx/>
+              </a:rPr>
               <a:t>Prior work suggests providing WEs with clear </a:t>
             </a:r>
             <a:r>
-              <a:rPr lang="en-US" sz="3000" dirty="0" err="1"/>
+              <a:rPr kumimoji="0" lang="en-US" sz="3000" b="0" i="0" u="none" strike="noStrike" kern="0" cap="none" spc="0" normalizeH="0" baseline="0" noProof="0" dirty="0" err="1">
+                <a:ln>
+                  <a:noFill/>
+                </a:ln>
+                <a:solidFill>
+                  <a:prstClr val="black"/>
+                </a:solidFill>
+                <a:effectLst/>
+                <a:uLnTx/>
+                <a:uFillTx/>
+              </a:rPr>
               <a:t>subgoal</a:t>
             </a:r>
             <a:r>
-              <a:rPr lang="en-US" sz="3000" dirty="0"/>
+              <a:rPr kumimoji="0" lang="en-US" sz="3000" b="0" i="0" u="none" strike="noStrike" kern="0" cap="none" spc="0" normalizeH="0" baseline="0" noProof="0" dirty="0">
+                <a:ln>
+                  <a:noFill/>
+                </a:ln>
+                <a:solidFill>
+                  <a:prstClr val="black"/>
+                </a:solidFill>
+                <a:effectLst/>
+                <a:uLnTx/>
+                <a:uFillTx/>
+              </a:rPr>
               <a:t> labels help students deconstruct problems. [Morrison]</a:t>
             </a:r>
           </a:p>
           <a:p>
-            <a:pPr marL="457200" indent="-457200">
+            <a:pPr marL="457200" marR="0" lvl="0" indent="-457200" defTabSz="457200" eaLnBrk="1" fontAlgn="auto" latinLnBrk="0" hangingPunct="1">
+              <a:lnSpc>
+                <a:spcPct val="100000"/>
+              </a:lnSpc>
+              <a:spcBef>
+                <a:spcPts val="0"/>
+              </a:spcBef>
+              <a:spcAft>
+                <a:spcPts val="0"/>
+              </a:spcAft>
+              <a:buClrTx/>
+              <a:buSzTx/>
               <a:buFont typeface="Arial" panose="020B0604020202020204" pitchFamily="34" charset="0"/>
               <a:buChar char="•"/>
+              <a:tabLst/>
+              <a:defRPr/>
             </a:pPr>
             <a:r>
-              <a:rPr lang="en-US" sz="3000" dirty="0"/>
+              <a:rPr kumimoji="0" lang="en-US" sz="3000" b="0" i="0" u="none" strike="noStrike" kern="0" cap="none" spc="0" normalizeH="0" baseline="0" noProof="0" dirty="0">
+                <a:ln>
+                  <a:noFill/>
+                </a:ln>
+                <a:solidFill>
+                  <a:prstClr val="black"/>
+                </a:solidFill>
+                <a:effectLst/>
+                <a:uLnTx/>
+                <a:uFillTx/>
+              </a:rPr>
               <a:t> </a:t>
             </a:r>
           </a:p>
           <a:p>
-            <a:r>
-              <a:rPr lang="en-US" sz="5000" dirty="0"/>
+            <a:pPr marL="0" marR="0" lvl="0" indent="0" defTabSz="457200" eaLnBrk="1" fontAlgn="auto" latinLnBrk="0" hangingPunct="1">
+              <a:lnSpc>
+                <a:spcPct val="100000"/>
+              </a:lnSpc>
+              <a:spcBef>
+                <a:spcPts val="0"/>
+              </a:spcBef>
+              <a:spcAft>
+                <a:spcPts val="0"/>
+              </a:spcAft>
+              <a:buClrTx/>
+              <a:buSzTx/>
+              <a:buFontTx/>
+              <a:buNone/>
+              <a:tabLst/>
+              <a:defRPr/>
+            </a:pPr>
+            <a:r>
+              <a:rPr kumimoji="0" lang="en-US" sz="5000" b="0" i="0" u="none" strike="noStrike" kern="0" cap="none" spc="0" normalizeH="0" baseline="0" noProof="0" dirty="0">
+                <a:ln>
+                  <a:noFill/>
+                </a:ln>
+                <a:solidFill>
+                  <a:prstClr val="black"/>
+                </a:solidFill>
+                <a:effectLst/>
+                <a:uLnTx/>
+                <a:uFillTx/>
+              </a:rPr>
               <a:t>Educational Theories</a:t>
             </a:r>
           </a:p>
           <a:p>
-            <a:pPr marL="457200" indent="-457200">
+            <a:pPr marL="457200" marR="0" lvl="0" indent="-457200" defTabSz="457200" eaLnBrk="1" fontAlgn="auto" latinLnBrk="0" hangingPunct="1">
+              <a:lnSpc>
+                <a:spcPct val="100000"/>
+              </a:lnSpc>
+              <a:spcBef>
+                <a:spcPts val="0"/>
+              </a:spcBef>
+              <a:spcAft>
+                <a:spcPts val="0"/>
+              </a:spcAft>
+              <a:buClrTx/>
+              <a:buSzTx/>
               <a:buFont typeface="Arial" panose="020B0604020202020204" pitchFamily="34" charset="0"/>
               <a:buChar char="•"/>
+              <a:tabLst/>
+              <a:defRPr/>
             </a:pPr>
             <a:r>
-              <a:rPr lang="en-US" sz="3000" dirty="0"/>
+              <a:rPr kumimoji="0" lang="en-US" sz="3000" b="0" i="0" u="none" strike="noStrike" kern="0" cap="none" spc="0" normalizeH="0" baseline="0" noProof="0" dirty="0">
+                <a:ln>
+                  <a:noFill/>
+                </a:ln>
+                <a:solidFill>
+                  <a:prstClr val="black"/>
+                </a:solidFill>
+                <a:effectLst/>
+                <a:uLnTx/>
+                <a:uFillTx/>
+              </a:rPr>
               <a:t>Worked Examples[</a:t>
             </a:r>
             <a:r>
-              <a:rPr lang="en-US" sz="3000" dirty="0" err="1"/>
+              <a:rPr kumimoji="0" lang="en-US" sz="3000" b="0" i="0" u="none" strike="noStrike" kern="0" cap="none" spc="0" normalizeH="0" baseline="0" noProof="0" dirty="0" err="1">
+                <a:ln>
+                  <a:noFill/>
+                </a:ln>
+                <a:solidFill>
+                  <a:prstClr val="black"/>
+                </a:solidFill>
+                <a:effectLst/>
+                <a:uLnTx/>
+                <a:uFillTx/>
+              </a:rPr>
               <a:t>Renkl</a:t>
             </a:r>
             <a:r>
-              <a:rPr lang="en-US" sz="3000" dirty="0"/>
+              <a:rPr kumimoji="0" lang="en-US" sz="3000" b="0" i="0" u="none" strike="noStrike" kern="0" cap="none" spc="0" normalizeH="0" baseline="0" noProof="0" dirty="0">
+                <a:ln>
+                  <a:noFill/>
+                </a:ln>
+                <a:solidFill>
+                  <a:prstClr val="black"/>
+                </a:solidFill>
+                <a:effectLst/>
+                <a:uLnTx/>
+                <a:uFillTx/>
+              </a:rPr>
               <a:t>][</a:t>
             </a:r>
             <a:r>
-              <a:rPr lang="en-US" sz="3000" dirty="0" err="1"/>
+              <a:rPr kumimoji="0" lang="en-US" sz="3000" b="0" i="0" u="none" strike="noStrike" kern="0" cap="none" spc="0" normalizeH="0" baseline="0" noProof="0" dirty="0" err="1">
+                <a:ln>
+                  <a:noFill/>
+                </a:ln>
+                <a:solidFill>
+                  <a:prstClr val="black"/>
+                </a:solidFill>
+                <a:effectLst/>
+                <a:uLnTx/>
+                <a:uFillTx/>
+              </a:rPr>
               <a:t>Sweller</a:t>
             </a:r>
             <a:r>
-              <a:rPr lang="en-US" sz="3000" dirty="0"/>
+              <a:rPr kumimoji="0" lang="en-US" sz="3000" b="0" i="0" u="none" strike="noStrike" kern="0" cap="none" spc="0" normalizeH="0" baseline="0" noProof="0" dirty="0">
+                <a:ln>
+                  <a:noFill/>
+                </a:ln>
+                <a:solidFill>
+                  <a:prstClr val="black"/>
+                </a:solidFill>
+                <a:effectLst/>
+                <a:uLnTx/>
+                <a:uFillTx/>
+              </a:rPr>
               <a:t>]</a:t>
             </a:r>
           </a:p>
           <a:p>
-            <a:pPr marL="457200" indent="-457200">
+            <a:pPr marL="457200" marR="0" lvl="0" indent="-457200" defTabSz="457200" eaLnBrk="1" fontAlgn="auto" latinLnBrk="0" hangingPunct="1">
+              <a:lnSpc>
+                <a:spcPct val="100000"/>
+              </a:lnSpc>
+              <a:spcBef>
+                <a:spcPts val="0"/>
+              </a:spcBef>
+              <a:spcAft>
+                <a:spcPts val="0"/>
+              </a:spcAft>
+              <a:buClrTx/>
+              <a:buSzTx/>
               <a:buFont typeface="Arial" panose="020B0604020202020204" pitchFamily="34" charset="0"/>
               <a:buChar char="•"/>
+              <a:tabLst/>
+              <a:defRPr/>
             </a:pPr>
             <a:r>
-              <a:rPr lang="en-US" sz="3000" dirty="0"/>
+              <a:rPr kumimoji="0" lang="en-US" sz="3000" b="0" i="0" u="none" strike="noStrike" kern="0" cap="none" spc="0" normalizeH="0" baseline="0" noProof="0" dirty="0">
+                <a:ln>
+                  <a:noFill/>
+                </a:ln>
+                <a:solidFill>
+                  <a:prstClr val="black"/>
+                </a:solidFill>
+                <a:effectLst/>
+                <a:uLnTx/>
+                <a:uFillTx/>
+              </a:rPr>
               <a:t>Example-Problem Pairs[</a:t>
             </a:r>
             <a:r>
-              <a:rPr lang="en-US" sz="3000" dirty="0" err="1"/>
+              <a:rPr kumimoji="0" lang="en-US" sz="3000" b="0" i="0" u="none" strike="noStrike" kern="0" cap="none" spc="0" normalizeH="0" baseline="0" noProof="0" dirty="0" err="1">
+                <a:ln>
+                  <a:noFill/>
+                </a:ln>
+                <a:solidFill>
+                  <a:prstClr val="black"/>
+                </a:solidFill>
+                <a:effectLst/>
+                <a:uLnTx/>
+                <a:uFillTx/>
+              </a:rPr>
               <a:t>Skudder</a:t>
             </a:r>
             <a:r>
-              <a:rPr lang="en-US" sz="3000" dirty="0"/>
+              <a:rPr kumimoji="0" lang="en-US" sz="3000" b="0" i="0" u="none" strike="noStrike" kern="0" cap="none" spc="0" normalizeH="0" baseline="0" noProof="0" dirty="0">
+                <a:ln>
+                  <a:noFill/>
+                </a:ln>
+                <a:solidFill>
+                  <a:prstClr val="black"/>
+                </a:solidFill>
+                <a:effectLst/>
+                <a:uLnTx/>
+                <a:uFillTx/>
+              </a:rPr>
               <a:t>]</a:t>
             </a:r>
           </a:p>
           <a:p>
-            <a:pPr marL="457200" indent="-457200">
+            <a:pPr marL="457200" marR="0" lvl="0" indent="-457200" defTabSz="457200" eaLnBrk="1" fontAlgn="auto" latinLnBrk="0" hangingPunct="1">
+              <a:lnSpc>
+                <a:spcPct val="100000"/>
+              </a:lnSpc>
+              <a:spcBef>
+                <a:spcPts val="0"/>
+              </a:spcBef>
+              <a:spcAft>
+                <a:spcPts val="0"/>
+              </a:spcAft>
+              <a:buClrTx/>
+              <a:buSzTx/>
               <a:buFont typeface="Arial" panose="020B0604020202020204" pitchFamily="34" charset="0"/>
               <a:buChar char="•"/>
+              <a:tabLst/>
+              <a:defRPr/>
             </a:pPr>
             <a:r>
-              <a:rPr lang="en-US" sz="3000" dirty="0" err="1"/>
+              <a:rPr kumimoji="0" lang="en-US" sz="3000" b="0" i="0" u="none" strike="noStrike" kern="0" cap="none" spc="0" normalizeH="0" baseline="0" noProof="0" dirty="0" err="1">
+                <a:ln>
+                  <a:noFill/>
+                </a:ln>
+                <a:solidFill>
+                  <a:prstClr val="black"/>
+                </a:solidFill>
+                <a:effectLst/>
+                <a:uLnTx/>
+                <a:uFillTx/>
+              </a:rPr>
               <a:t>Subgoal</a:t>
             </a:r>
             <a:r>
-              <a:rPr lang="en-US" sz="3000" dirty="0"/>
+              <a:rPr kumimoji="0" lang="en-US" sz="3000" b="0" i="0" u="none" strike="noStrike" kern="0" cap="none" spc="0" normalizeH="0" baseline="0" noProof="0" dirty="0">
+                <a:ln>
+                  <a:noFill/>
+                </a:ln>
+                <a:solidFill>
+                  <a:prstClr val="black"/>
+                </a:solidFill>
+                <a:effectLst/>
+                <a:uLnTx/>
+                <a:uFillTx/>
+              </a:rPr>
               <a:t> Learning [Morrison]</a:t>
             </a:r>
           </a:p>
@@ -3908,10 +4800,10 @@
       </p:sp>
       <p:sp>
         <p:nvSpPr>
-          <p:cNvPr id="11" name="TextBox 10">
+          <p:cNvPr id="113" name="TextBox 112">
             <a:extLst>
               <a:ext uri="{FF2B5EF4-FFF2-40B4-BE49-F238E27FC236}">
-                <a16:creationId xmlns:a16="http://schemas.microsoft.com/office/drawing/2014/main" id="{AC39512E-6E7F-4CD4-BC56-DBD3595A1B9B}"/>
+                <a16:creationId xmlns:a16="http://schemas.microsoft.com/office/drawing/2014/main" xmlns="" id="{73A58624-21DC-4C8A-8C16-907CF167DF95}"/>
               </a:ext>
             </a:extLst>
           </p:cNvPr>
@@ -3920,8 +4812,8 @@
         </p:nvSpPr>
         <p:spPr>
           <a:xfrm>
-            <a:off x="30975050" y="3658531"/>
-            <a:ext cx="7256183" cy="5355312"/>
+            <a:off x="1467102" y="9180381"/>
+            <a:ext cx="6694260" cy="6740307"/>
           </a:xfrm>
           <a:prstGeom prst="rect">
             <a:avLst/>
@@ -3937,66 +4829,291 @@
           </a:bodyPr>
           <a:lstStyle/>
           <a:p>
-            <a:r>
-              <a:rPr lang="en-US" sz="5000" dirty="0"/>
+            <a:pPr marL="0" marR="0" lvl="0" indent="0" defTabSz="457200" eaLnBrk="1" fontAlgn="auto" latinLnBrk="0" hangingPunct="1">
+              <a:lnSpc>
+                <a:spcPct val="100000"/>
+              </a:lnSpc>
+              <a:spcBef>
+                <a:spcPts val="0"/>
+              </a:spcBef>
+              <a:spcAft>
+                <a:spcPts val="0"/>
+              </a:spcAft>
+              <a:buClrTx/>
+              <a:buSzTx/>
+              <a:buFontTx/>
+              <a:buNone/>
+              <a:tabLst/>
+              <a:defRPr/>
+            </a:pPr>
+            <a:r>
+              <a:rPr kumimoji="0" lang="en-US" sz="5000" b="0" i="0" u="none" strike="noStrike" kern="0" cap="none" spc="0" normalizeH="0" baseline="0" noProof="0" dirty="0">
+                <a:ln>
+                  <a:noFill/>
+                </a:ln>
+                <a:solidFill>
+                  <a:prstClr val="black"/>
+                </a:solidFill>
+                <a:effectLst/>
+                <a:uLnTx/>
+                <a:uFillTx/>
+              </a:rPr>
               <a:t>Context</a:t>
             </a:r>
             <a:r>
-              <a:rPr lang="en-US" sz="7200" dirty="0"/>
+              <a:rPr kumimoji="0" lang="en-US" sz="7200" b="0" i="0" u="none" strike="noStrike" kern="0" cap="none" spc="0" normalizeH="0" baseline="0" noProof="0" dirty="0">
+                <a:ln>
+                  <a:noFill/>
+                </a:ln>
+                <a:solidFill>
+                  <a:prstClr val="black"/>
+                </a:solidFill>
+                <a:effectLst/>
+                <a:uLnTx/>
+                <a:uFillTx/>
+              </a:rPr>
               <a:t> </a:t>
             </a:r>
           </a:p>
           <a:p>
-            <a:pPr marL="457200" indent="-457200">
+            <a:pPr marL="457200" marR="0" lvl="0" indent="-457200" defTabSz="457200" eaLnBrk="1" fontAlgn="auto" latinLnBrk="0" hangingPunct="1">
+              <a:lnSpc>
+                <a:spcPct val="100000"/>
+              </a:lnSpc>
+              <a:spcBef>
+                <a:spcPts val="0"/>
+              </a:spcBef>
+              <a:spcAft>
+                <a:spcPts val="0"/>
+              </a:spcAft>
+              <a:buClrTx/>
+              <a:buSzTx/>
               <a:buFont typeface="Arial" panose="020B0604020202020204" pitchFamily="34" charset="0"/>
               <a:buChar char="•"/>
+              <a:tabLst/>
+              <a:defRPr/>
             </a:pPr>
             <a:r>
-              <a:rPr lang="en-US" sz="3000" dirty="0"/>
+              <a:rPr kumimoji="0" lang="en-US" sz="3000" b="0" i="0" u="none" strike="noStrike" kern="0" cap="none" spc="0" normalizeH="0" baseline="0" noProof="0" dirty="0">
+                <a:ln>
+                  <a:noFill/>
+                </a:ln>
+                <a:solidFill>
+                  <a:prstClr val="black"/>
+                </a:solidFill>
+                <a:effectLst/>
+                <a:uLnTx/>
+                <a:uFillTx/>
+              </a:rPr>
               <a:t>Introduction to Programming in Python</a:t>
             </a:r>
           </a:p>
           <a:p>
-            <a:pPr marL="457200" indent="-457200">
+            <a:pPr marL="457200" marR="0" lvl="0" indent="-457200" defTabSz="457200" eaLnBrk="1" fontAlgn="auto" latinLnBrk="0" hangingPunct="1">
+              <a:lnSpc>
+                <a:spcPct val="100000"/>
+              </a:lnSpc>
+              <a:spcBef>
+                <a:spcPts val="0"/>
+              </a:spcBef>
+              <a:spcAft>
+                <a:spcPts val="0"/>
+              </a:spcAft>
+              <a:buClrTx/>
+              <a:buSzTx/>
               <a:buFont typeface="Arial" panose="020B0604020202020204" pitchFamily="34" charset="0"/>
               <a:buChar char="•"/>
+              <a:tabLst/>
+              <a:defRPr/>
             </a:pPr>
             <a:r>
-              <a:rPr lang="en-US" sz="3000" dirty="0"/>
+              <a:rPr kumimoji="0" lang="en-US" sz="3000" b="0" i="0" u="none" strike="noStrike" kern="0" cap="none" spc="0" normalizeH="0" baseline="0" noProof="0" dirty="0">
+                <a:ln>
+                  <a:noFill/>
+                </a:ln>
+                <a:solidFill>
+                  <a:prstClr val="black"/>
+                </a:solidFill>
+                <a:effectLst/>
+                <a:uLnTx/>
+                <a:uFillTx/>
+              </a:rPr>
               <a:t>Non-CS majors from mostly Engineering and Sciences</a:t>
             </a:r>
           </a:p>
           <a:p>
-            <a:pPr marL="457200" indent="-457200">
+            <a:pPr marL="457200" marR="0" lvl="0" indent="-457200" defTabSz="457200" eaLnBrk="1" fontAlgn="auto" latinLnBrk="0" hangingPunct="1">
+              <a:lnSpc>
+                <a:spcPct val="100000"/>
+              </a:lnSpc>
+              <a:spcBef>
+                <a:spcPts val="0"/>
+              </a:spcBef>
+              <a:spcAft>
+                <a:spcPts val="0"/>
+              </a:spcAft>
+              <a:buClrTx/>
+              <a:buSzTx/>
               <a:buFont typeface="Arial" panose="020B0604020202020204" pitchFamily="34" charset="0"/>
               <a:buChar char="•"/>
+              <a:tabLst/>
+              <a:defRPr/>
             </a:pPr>
             <a:r>
-              <a:rPr lang="en-US" sz="3000" dirty="0"/>
+              <a:rPr kumimoji="0" lang="en-US" sz="3000" b="0" i="0" u="none" strike="noStrike" kern="0" cap="none" spc="0" normalizeH="0" baseline="0" noProof="0" dirty="0">
+                <a:ln>
+                  <a:noFill/>
+                </a:ln>
+                <a:solidFill>
+                  <a:prstClr val="black"/>
+                </a:solidFill>
+                <a:effectLst/>
+                <a:uLnTx/>
+                <a:uFillTx/>
+              </a:rPr>
               <a:t>Students complete 188 programming assignments in and online programming environment </a:t>
             </a:r>
-          </a:p>
-          <a:p>
-            <a:pPr marL="457200" indent="-457200">
+            <a:endParaRPr kumimoji="0" lang="en-US" sz="3000" b="0" i="0" u="none" strike="noStrike" kern="0" cap="none" spc="0" normalizeH="0" baseline="0" noProof="0" dirty="0" smtClean="0">
+              <a:ln>
+                <a:noFill/>
+              </a:ln>
+              <a:solidFill>
+                <a:prstClr val="black"/>
+              </a:solidFill>
+              <a:effectLst/>
+              <a:uLnTx/>
+              <a:uFillTx/>
+            </a:endParaRPr>
+          </a:p>
+          <a:p>
+            <a:pPr marL="457200" marR="0" lvl="0" indent="-457200" defTabSz="457200" eaLnBrk="1" fontAlgn="auto" latinLnBrk="0" hangingPunct="1">
+              <a:lnSpc>
+                <a:spcPct val="100000"/>
+              </a:lnSpc>
+              <a:spcBef>
+                <a:spcPts val="0"/>
+              </a:spcBef>
+              <a:spcAft>
+                <a:spcPts val="0"/>
+              </a:spcAft>
+              <a:buClrTx/>
+              <a:buSzTx/>
               <a:buFont typeface="Arial" panose="020B0604020202020204" pitchFamily="34" charset="0"/>
               <a:buChar char="•"/>
+              <a:tabLst/>
+              <a:defRPr/>
             </a:pPr>
             <a:r>
-              <a:rPr lang="en-US" sz="3000" dirty="0"/>
+              <a:rPr kumimoji="0" lang="en-US" sz="3000" b="0" i="0" u="none" strike="noStrike" kern="0" cap="none" spc="0" normalizeH="0" baseline="0" noProof="0" dirty="0" smtClean="0">
+                <a:ln>
+                  <a:noFill/>
+                </a:ln>
+                <a:solidFill>
+                  <a:prstClr val="black"/>
+                </a:solidFill>
+                <a:effectLst/>
+                <a:uLnTx/>
+                <a:uFillTx/>
+              </a:rPr>
+              <a:t>Students had infinite tries over two weeks</a:t>
+            </a:r>
+            <a:r>
+              <a:rPr kumimoji="0" lang="en-US" sz="3000" b="0" i="0" u="none" strike="noStrike" kern="0" cap="none" spc="0" normalizeH="0" noProof="0" dirty="0" smtClean="0">
+                <a:ln>
+                  <a:noFill/>
+                </a:ln>
+                <a:solidFill>
+                  <a:prstClr val="black"/>
+                </a:solidFill>
+                <a:effectLst/>
+                <a:uLnTx/>
+                <a:uFillTx/>
+              </a:rPr>
+              <a:t> for each assignment </a:t>
+            </a:r>
+            <a:endParaRPr kumimoji="0" lang="en-US" sz="3000" b="0" i="0" u="none" strike="noStrike" kern="0" cap="none" spc="0" normalizeH="0" baseline="0" noProof="0" dirty="0">
+              <a:ln>
+                <a:noFill/>
+              </a:ln>
+              <a:solidFill>
+                <a:prstClr val="black"/>
+              </a:solidFill>
+              <a:effectLst/>
+              <a:uLnTx/>
+              <a:uFillTx/>
+            </a:endParaRPr>
+          </a:p>
+          <a:p>
+            <a:pPr marL="457200" marR="0" lvl="0" indent="-457200" defTabSz="457200" eaLnBrk="1" fontAlgn="auto" latinLnBrk="0" hangingPunct="1">
+              <a:lnSpc>
+                <a:spcPct val="100000"/>
+              </a:lnSpc>
+              <a:spcBef>
+                <a:spcPts val="0"/>
+              </a:spcBef>
+              <a:spcAft>
+                <a:spcPts val="0"/>
+              </a:spcAft>
+              <a:buClrTx/>
+              <a:buSzTx/>
+              <a:buFont typeface="Arial" panose="020B0604020202020204" pitchFamily="34" charset="0"/>
+              <a:buChar char="•"/>
+              <a:tabLst/>
+              <a:defRPr/>
+            </a:pPr>
+            <a:r>
+              <a:rPr kumimoji="0" lang="en-US" sz="3000" b="0" i="0" u="none" strike="noStrike" kern="0" cap="none" spc="0" normalizeH="0" baseline="0" noProof="0" dirty="0">
+                <a:ln>
+                  <a:noFill/>
+                </a:ln>
+                <a:solidFill>
+                  <a:prstClr val="black"/>
+                </a:solidFill>
+                <a:effectLst/>
+                <a:uLnTx/>
+                <a:uFillTx/>
+              </a:rPr>
               <a:t>Keystroke level edits and environmental interactions are logged</a:t>
             </a:r>
           </a:p>
           <a:p>
-            <a:endParaRPr lang="en-US" sz="3000" dirty="0"/>
+            <a:pPr marL="0" marR="0" lvl="0" indent="0" defTabSz="457200" eaLnBrk="1" fontAlgn="auto" latinLnBrk="0" hangingPunct="1">
+              <a:lnSpc>
+                <a:spcPct val="100000"/>
+              </a:lnSpc>
+              <a:spcBef>
+                <a:spcPts val="0"/>
+              </a:spcBef>
+              <a:spcAft>
+                <a:spcPts val="0"/>
+              </a:spcAft>
+              <a:buClrTx/>
+              <a:buSzTx/>
+              <a:buFontTx/>
+              <a:buNone/>
+              <a:tabLst/>
+              <a:defRPr/>
+            </a:pPr>
+            <a:endParaRPr kumimoji="0" lang="en-US" sz="3000" b="0" i="0" u="none" strike="noStrike" kern="0" cap="none" spc="0" normalizeH="0" baseline="0" noProof="0" dirty="0">
+              <a:ln>
+                <a:noFill/>
+              </a:ln>
+              <a:solidFill>
+                <a:prstClr val="black"/>
+              </a:solidFill>
+              <a:effectLst/>
+              <a:uLnTx/>
+              <a:uFillTx/>
+            </a:endParaRPr>
           </a:p>
         </p:txBody>
       </p:sp>
       <p:sp>
         <p:nvSpPr>
-          <p:cNvPr id="12" name="TextBox 11">
+          <p:cNvPr id="114" name="TextBox 113">
             <a:extLst>
               <a:ext uri="{FF2B5EF4-FFF2-40B4-BE49-F238E27FC236}">
-                <a16:creationId xmlns:a16="http://schemas.microsoft.com/office/drawing/2014/main" id="{FD61DD69-C85E-46BF-9A25-9A06D53D0A79}"/>
+                <a16:creationId xmlns:a16="http://schemas.microsoft.com/office/drawing/2014/main" xmlns="" id="{DC4258F0-9668-4C68-9BC5-DAF12E2BB118}"/>
               </a:ext>
             </a:extLst>
           </p:cNvPr>
@@ -4005,8 +5122,8 @@
         </p:nvSpPr>
         <p:spPr>
           <a:xfrm>
-            <a:off x="30999843" y="9255196"/>
-            <a:ext cx="12348773" cy="3170099"/>
+            <a:off x="36372614" y="9417001"/>
+            <a:ext cx="6814624" cy="5478423"/>
           </a:xfrm>
           <a:prstGeom prst="rect">
             <a:avLst/>
@@ -4022,46 +5139,162 @@
           </a:bodyPr>
           <a:lstStyle/>
           <a:p>
-            <a:r>
-              <a:rPr lang="en-US" sz="5000" dirty="0"/>
+            <a:pPr marL="0" marR="0" lvl="0" indent="0" defTabSz="457200" eaLnBrk="1" fontAlgn="auto" latinLnBrk="0" hangingPunct="1">
+              <a:lnSpc>
+                <a:spcPct val="100000"/>
+              </a:lnSpc>
+              <a:spcBef>
+                <a:spcPts val="0"/>
+              </a:spcBef>
+              <a:spcAft>
+                <a:spcPts val="0"/>
+              </a:spcAft>
+              <a:buClrTx/>
+              <a:buSzTx/>
+              <a:buFontTx/>
+              <a:buNone/>
+              <a:tabLst/>
+              <a:defRPr/>
+            </a:pPr>
+            <a:r>
+              <a:rPr kumimoji="0" lang="en-US" sz="5000" b="0" i="0" u="none" strike="noStrike" kern="0" cap="none" spc="0" normalizeH="0" baseline="0" noProof="0" dirty="0">
+                <a:ln>
+                  <a:noFill/>
+                </a:ln>
+                <a:solidFill>
+                  <a:prstClr val="black"/>
+                </a:solidFill>
+                <a:effectLst/>
+                <a:uLnTx/>
+                <a:uFillTx/>
+              </a:rPr>
               <a:t>Data Collection</a:t>
             </a:r>
           </a:p>
           <a:p>
-            <a:pPr marL="571500" indent="-571500">
+            <a:pPr marL="571500" marR="0" lvl="0" indent="-571500" defTabSz="457200" eaLnBrk="1" fontAlgn="auto" latinLnBrk="0" hangingPunct="1">
+              <a:lnSpc>
+                <a:spcPct val="100000"/>
+              </a:lnSpc>
+              <a:spcBef>
+                <a:spcPts val="0"/>
+              </a:spcBef>
+              <a:spcAft>
+                <a:spcPts val="0"/>
+              </a:spcAft>
+              <a:buClrTx/>
+              <a:buSzTx/>
               <a:buFont typeface="Arial" panose="020B0604020202020204" pitchFamily="34" charset="0"/>
               <a:buChar char="•"/>
+              <a:tabLst/>
+              <a:defRPr/>
             </a:pPr>
             <a:r>
-              <a:rPr lang="en-US" sz="3000" dirty="0"/>
+              <a:rPr kumimoji="0" lang="en-US" sz="3000" b="0" i="0" u="none" strike="noStrike" kern="0" cap="none" spc="0" normalizeH="0" baseline="0" noProof="0" dirty="0">
+                <a:ln>
+                  <a:noFill/>
+                </a:ln>
+                <a:solidFill>
+                  <a:prstClr val="black"/>
+                </a:solidFill>
+                <a:effectLst/>
+                <a:uLnTx/>
+                <a:uFillTx/>
+              </a:rPr>
               <a:t>Qualitative Data collected via a survey on student opinion and usage of Worked Examples</a:t>
             </a:r>
           </a:p>
           <a:p>
-            <a:pPr marL="571500" indent="-571500">
+            <a:pPr marL="571500" marR="0" lvl="0" indent="-571500" defTabSz="457200" eaLnBrk="1" fontAlgn="auto" latinLnBrk="0" hangingPunct="1">
+              <a:lnSpc>
+                <a:spcPct val="100000"/>
+              </a:lnSpc>
+              <a:spcBef>
+                <a:spcPts val="0"/>
+              </a:spcBef>
+              <a:spcAft>
+                <a:spcPts val="0"/>
+              </a:spcAft>
+              <a:buClrTx/>
+              <a:buSzTx/>
               <a:buFont typeface="Arial" panose="020B0604020202020204" pitchFamily="34" charset="0"/>
               <a:buChar char="•"/>
+              <a:tabLst/>
+              <a:defRPr/>
             </a:pPr>
             <a:r>
-              <a:rPr lang="en-US" sz="3000" dirty="0"/>
+              <a:rPr kumimoji="0" lang="en-US" sz="3000" b="0" i="0" u="none" strike="noStrike" kern="0" cap="none" spc="0" normalizeH="0" baseline="0" noProof="0" dirty="0">
+                <a:ln>
+                  <a:noFill/>
+                </a:ln>
+                <a:solidFill>
+                  <a:prstClr val="black"/>
+                </a:solidFill>
+                <a:effectLst/>
+                <a:uLnTx/>
+                <a:uFillTx/>
+              </a:rPr>
               <a:t>Quantitative Data collected via exercise completion rates and student interaction with </a:t>
             </a:r>
             <a:r>
-              <a:rPr lang="en-US" sz="3000" dirty="0" err="1"/>
+              <a:rPr kumimoji="0" lang="en-US" sz="3000" b="0" i="0" u="none" strike="noStrike" kern="0" cap="none" spc="0" normalizeH="0" baseline="0" noProof="0" dirty="0" err="1">
+                <a:ln>
+                  <a:noFill/>
+                </a:ln>
+                <a:solidFill>
+                  <a:prstClr val="black"/>
+                </a:solidFill>
+                <a:effectLst/>
+                <a:uLnTx/>
+                <a:uFillTx/>
+              </a:rPr>
               <a:t>Blockpy</a:t>
             </a:r>
             <a:r>
-              <a:rPr lang="en-US" sz="3000" dirty="0"/>
+              <a:rPr kumimoji="0" lang="en-US" sz="3000" b="0" i="0" u="none" strike="noStrike" kern="0" cap="none" spc="0" normalizeH="0" baseline="0" noProof="0" dirty="0">
+                <a:ln>
+                  <a:noFill/>
+                </a:ln>
+                <a:solidFill>
+                  <a:prstClr val="black"/>
+                </a:solidFill>
+                <a:effectLst/>
+                <a:uLnTx/>
+                <a:uFillTx/>
+              </a:rPr>
               <a:t> and Worked Example </a:t>
             </a:r>
           </a:p>
           <a:p>
-            <a:pPr marL="1028700" lvl="1" indent="-571500">
+            <a:pPr marL="1028700" marR="0" lvl="1" indent="-571500" defTabSz="457200" eaLnBrk="1" fontAlgn="auto" latinLnBrk="0" hangingPunct="1">
+              <a:lnSpc>
+                <a:spcPct val="100000"/>
+              </a:lnSpc>
+              <a:spcBef>
+                <a:spcPts val="0"/>
+              </a:spcBef>
+              <a:spcAft>
+                <a:spcPts val="0"/>
+              </a:spcAft>
+              <a:buClrTx/>
+              <a:buSzTx/>
               <a:buFont typeface="Arial" panose="020B0604020202020204" pitchFamily="34" charset="0"/>
               <a:buChar char="•"/>
+              <a:tabLst/>
+              <a:defRPr/>
             </a:pPr>
             <a:r>
-              <a:rPr lang="en-US" sz="3000" dirty="0"/>
+              <a:rPr kumimoji="0" lang="en-US" sz="3000" b="0" i="0" u="none" strike="noStrike" kern="0" cap="none" spc="0" normalizeH="0" baseline="0" noProof="0" dirty="0">
+                <a:ln>
+                  <a:noFill/>
+                </a:ln>
+                <a:solidFill>
+                  <a:prstClr val="black"/>
+                </a:solidFill>
+                <a:effectLst/>
+                <a:uLnTx/>
+                <a:uFillTx/>
+              </a:rPr>
               <a:t>Worked Examples page was instrumented to log student interaction</a:t>
             </a:r>
           </a:p>
@@ -4069,10 +5302,10 @@
       </p:sp>
       <p:sp>
         <p:nvSpPr>
-          <p:cNvPr id="13" name="TextBox 12">
+          <p:cNvPr id="115" name="TextBox 114">
             <a:extLst>
               <a:ext uri="{FF2B5EF4-FFF2-40B4-BE49-F238E27FC236}">
-                <a16:creationId xmlns:a16="http://schemas.microsoft.com/office/drawing/2014/main" id="{3BDAEEC1-C345-4C79-A62B-FADFBFC0455A}"/>
+                <a16:creationId xmlns:a16="http://schemas.microsoft.com/office/drawing/2014/main" xmlns="" id="{21D9E8B7-F208-45FD-AE05-E5324B2CE627}"/>
               </a:ext>
             </a:extLst>
           </p:cNvPr>
@@ -4081,8 +5314,8 @@
         </p:nvSpPr>
         <p:spPr>
           <a:xfrm>
-            <a:off x="1467102" y="9273119"/>
-            <a:ext cx="11944880" cy="3970318"/>
+            <a:off x="12437543" y="9350530"/>
+            <a:ext cx="7841490" cy="5355312"/>
           </a:xfrm>
           <a:prstGeom prst="rect">
             <a:avLst/>
@@ -4098,53 +5331,236 @@
           </a:bodyPr>
           <a:lstStyle/>
           <a:p>
-            <a:r>
-              <a:rPr lang="en-US" sz="5000" dirty="0"/>
+            <a:pPr marL="0" marR="0" lvl="0" indent="0" defTabSz="457200" eaLnBrk="1" fontAlgn="auto" latinLnBrk="0" hangingPunct="1">
+              <a:lnSpc>
+                <a:spcPct val="100000"/>
+              </a:lnSpc>
+              <a:spcBef>
+                <a:spcPts val="0"/>
+              </a:spcBef>
+              <a:spcAft>
+                <a:spcPts val="0"/>
+              </a:spcAft>
+              <a:buClrTx/>
+              <a:buSzTx/>
+              <a:buFontTx/>
+              <a:buNone/>
+              <a:tabLst/>
+              <a:defRPr/>
+            </a:pPr>
+            <a:r>
+              <a:rPr kumimoji="0" lang="en-US" sz="5000" b="0" i="0" u="none" strike="noStrike" kern="0" cap="none" spc="0" normalizeH="0" baseline="0" noProof="0" dirty="0">
+                <a:ln>
+                  <a:noFill/>
+                </a:ln>
+                <a:solidFill>
+                  <a:prstClr val="black"/>
+                </a:solidFill>
+                <a:effectLst/>
+                <a:uLnTx/>
+                <a:uFillTx/>
+              </a:rPr>
               <a:t>Methodology</a:t>
             </a:r>
             <a:r>
-              <a:rPr lang="en-US" sz="7200" dirty="0"/>
+              <a:rPr kumimoji="0" lang="en-US" sz="7200" b="0" i="0" u="none" strike="noStrike" kern="0" cap="none" spc="0" normalizeH="0" baseline="0" noProof="0" dirty="0">
+                <a:ln>
+                  <a:noFill/>
+                </a:ln>
+                <a:solidFill>
+                  <a:prstClr val="black"/>
+                </a:solidFill>
+                <a:effectLst/>
+                <a:uLnTx/>
+                <a:uFillTx/>
+              </a:rPr>
               <a:t> </a:t>
             </a:r>
           </a:p>
           <a:p>
-            <a:pPr marL="857250" indent="-857250">
+            <a:pPr marL="857250" marR="0" lvl="0" indent="-857250" defTabSz="457200" eaLnBrk="1" fontAlgn="auto" latinLnBrk="0" hangingPunct="1">
+              <a:lnSpc>
+                <a:spcPct val="100000"/>
+              </a:lnSpc>
+              <a:spcBef>
+                <a:spcPts val="0"/>
+              </a:spcBef>
+              <a:spcAft>
+                <a:spcPts val="0"/>
+              </a:spcAft>
+              <a:buClrTx/>
+              <a:buSzTx/>
               <a:buFont typeface="Arial" panose="020B0604020202020204" pitchFamily="34" charset="0"/>
               <a:buChar char="•"/>
+              <a:tabLst/>
+              <a:defRPr/>
             </a:pPr>
             <a:r>
-              <a:rPr lang="en-US" sz="3000" dirty="0"/>
+              <a:rPr kumimoji="0" lang="en-US" sz="3000" b="0" i="0" u="none" strike="noStrike" kern="0" cap="none" spc="0" normalizeH="0" baseline="0" noProof="0" dirty="0">
+                <a:ln>
+                  <a:noFill/>
+                </a:ln>
+                <a:solidFill>
+                  <a:prstClr val="black"/>
+                </a:solidFill>
+                <a:effectLst/>
+                <a:uLnTx/>
+                <a:uFillTx/>
+              </a:rPr>
               <a:t>Manual inspection of prior student was used to determine “hard” problems</a:t>
             </a:r>
           </a:p>
           <a:p>
-            <a:pPr marL="857250" indent="-857250">
+            <a:pPr marL="857250" marR="0" lvl="0" indent="-857250" defTabSz="457200" eaLnBrk="1" fontAlgn="auto" latinLnBrk="0" hangingPunct="1">
+              <a:lnSpc>
+                <a:spcPct val="100000"/>
+              </a:lnSpc>
+              <a:spcBef>
+                <a:spcPts val="0"/>
+              </a:spcBef>
+              <a:spcAft>
+                <a:spcPts val="0"/>
+              </a:spcAft>
+              <a:buClrTx/>
+              <a:buSzTx/>
               <a:buFont typeface="Arial" panose="020B0604020202020204" pitchFamily="34" charset="0"/>
               <a:buChar char="•"/>
+              <a:tabLst/>
+              <a:defRPr/>
             </a:pPr>
             <a:r>
-              <a:rPr lang="en-US" sz="3000" dirty="0"/>
+              <a:rPr kumimoji="0" lang="en-US" sz="3000" b="0" i="0" u="none" strike="noStrike" kern="0" cap="none" spc="0" normalizeH="0" baseline="0" noProof="0" dirty="0">
+                <a:ln>
+                  <a:noFill/>
+                </a:ln>
+                <a:solidFill>
+                  <a:prstClr val="black"/>
+                </a:solidFill>
+                <a:effectLst/>
+                <a:uLnTx/>
+                <a:uFillTx/>
+              </a:rPr>
               <a:t>“Hard” problems were those that took most students more than 20 edits to complete</a:t>
             </a:r>
           </a:p>
           <a:p>
-            <a:pPr marL="857250" indent="-857250">
+            <a:pPr marL="857250" marR="0" lvl="0" indent="-857250" defTabSz="457200" eaLnBrk="1" fontAlgn="auto" latinLnBrk="0" hangingPunct="1">
+              <a:lnSpc>
+                <a:spcPct val="100000"/>
+              </a:lnSpc>
+              <a:spcBef>
+                <a:spcPts val="0"/>
+              </a:spcBef>
+              <a:spcAft>
+                <a:spcPts val="0"/>
+              </a:spcAft>
+              <a:buClrTx/>
+              <a:buSzTx/>
               <a:buFont typeface="Arial" panose="020B0604020202020204" pitchFamily="34" charset="0"/>
               <a:buChar char="•"/>
+              <a:tabLst/>
+              <a:defRPr/>
             </a:pPr>
             <a:r>
-              <a:rPr lang="en-US" sz="3000" dirty="0"/>
-              <a:t>Worked examples were developed for “hard” problems to help students </a:t>
-            </a:r>
+              <a:rPr kumimoji="0" lang="en-US" sz="3000" b="0" i="0" u="none" strike="noStrike" kern="0" cap="none" spc="0" normalizeH="0" baseline="0" noProof="0" dirty="0">
+                <a:ln>
+                  <a:noFill/>
+                </a:ln>
+                <a:solidFill>
+                  <a:prstClr val="black"/>
+                </a:solidFill>
+                <a:effectLst/>
+                <a:uLnTx/>
+                <a:uFillTx/>
+              </a:rPr>
+              <a:t>Worked examples were developed </a:t>
+            </a:r>
+            <a:r>
+              <a:rPr kumimoji="0" lang="en-US" sz="3000" b="0" i="0" u="none" strike="noStrike" kern="0" cap="none" spc="0" normalizeH="0" baseline="0" noProof="0" dirty="0" smtClean="0">
+                <a:ln>
+                  <a:noFill/>
+                </a:ln>
+                <a:solidFill>
+                  <a:prstClr val="black"/>
+                </a:solidFill>
+                <a:effectLst/>
+                <a:uLnTx/>
+                <a:uFillTx/>
+              </a:rPr>
+              <a:t>for the 8 hardest </a:t>
+            </a:r>
+            <a:r>
+              <a:rPr kumimoji="0" lang="en-US" sz="3000" b="0" i="0" u="none" strike="noStrike" kern="0" cap="none" spc="0" normalizeH="0" baseline="0" noProof="0" dirty="0">
+                <a:ln>
+                  <a:noFill/>
+                </a:ln>
+                <a:solidFill>
+                  <a:prstClr val="black"/>
+                </a:solidFill>
+                <a:effectLst/>
+                <a:uLnTx/>
+                <a:uFillTx/>
+              </a:rPr>
+              <a:t>problems to help students </a:t>
+            </a:r>
+            <a:endParaRPr kumimoji="0" lang="en-US" sz="3000" b="0" i="0" u="none" strike="noStrike" kern="0" cap="none" spc="0" normalizeH="0" baseline="0" noProof="0" dirty="0" smtClean="0">
+              <a:ln>
+                <a:noFill/>
+              </a:ln>
+              <a:solidFill>
+                <a:prstClr val="black"/>
+              </a:solidFill>
+              <a:effectLst/>
+              <a:uLnTx/>
+              <a:uFillTx/>
+            </a:endParaRPr>
+          </a:p>
+          <a:p>
+            <a:pPr marL="857250" marR="0" lvl="0" indent="-857250" defTabSz="457200" eaLnBrk="1" fontAlgn="auto" latinLnBrk="0" hangingPunct="1">
+              <a:lnSpc>
+                <a:spcPct val="100000"/>
+              </a:lnSpc>
+              <a:spcBef>
+                <a:spcPts val="0"/>
+              </a:spcBef>
+              <a:spcAft>
+                <a:spcPts val="0"/>
+              </a:spcAft>
+              <a:buClrTx/>
+              <a:buSzTx/>
+              <a:buFont typeface="Arial" panose="020B0604020202020204" pitchFamily="34" charset="0"/>
+              <a:buChar char="•"/>
+              <a:tabLst/>
+              <a:defRPr/>
+            </a:pPr>
+            <a:r>
+              <a:rPr lang="en-US" sz="3000" kern="0" dirty="0" smtClean="0">
+                <a:solidFill>
+                  <a:prstClr val="black"/>
+                </a:solidFill>
+              </a:rPr>
+              <a:t>On targeted problems, links were provided to relevant worked example</a:t>
+            </a:r>
+            <a:endParaRPr kumimoji="0" lang="en-US" sz="3000" b="0" i="0" u="none" strike="noStrike" kern="0" cap="none" spc="0" normalizeH="0" baseline="0" noProof="0" dirty="0" smtClean="0">
+              <a:ln>
+                <a:noFill/>
+              </a:ln>
+              <a:solidFill>
+                <a:prstClr val="black"/>
+              </a:solidFill>
+              <a:effectLst/>
+              <a:uLnTx/>
+              <a:uFillTx/>
+            </a:endParaRPr>
           </a:p>
         </p:txBody>
       </p:sp>
       <p:sp>
         <p:nvSpPr>
-          <p:cNvPr id="14" name="TextBox 13">
+          <p:cNvPr id="116" name="TextBox 115">
             <a:extLst>
               <a:ext uri="{FF2B5EF4-FFF2-40B4-BE49-F238E27FC236}">
-                <a16:creationId xmlns:a16="http://schemas.microsoft.com/office/drawing/2014/main" id="{B95E43A4-FF9A-45CE-8FA8-5E0B1BE41117}"/>
+                <a16:creationId xmlns:a16="http://schemas.microsoft.com/office/drawing/2014/main" xmlns="" id="{8627D187-FAAE-4FF1-B9A8-F7755A06D48D}"/>
               </a:ext>
             </a:extLst>
           </p:cNvPr>
@@ -4162,7 +5578,7 @@
           <a:noFill/>
           <a:ln>
             <a:solidFill>
-              <a:schemeClr val="tx1"/>
+              <a:sysClr val="windowText" lastClr="000000"/>
             </a:solidFill>
           </a:ln>
         </p:spPr>
@@ -4172,18 +5588,82 @@
           </a:bodyPr>
           <a:lstStyle/>
           <a:p>
-            <a:r>
-              <a:rPr lang="en-US" sz="5000" dirty="0"/>
+            <a:pPr marL="0" marR="0" lvl="0" indent="0" defTabSz="457200" eaLnBrk="1" fontAlgn="auto" latinLnBrk="0" hangingPunct="1">
+              <a:lnSpc>
+                <a:spcPct val="100000"/>
+              </a:lnSpc>
+              <a:spcBef>
+                <a:spcPts val="0"/>
+              </a:spcBef>
+              <a:spcAft>
+                <a:spcPts val="0"/>
+              </a:spcAft>
+              <a:buClrTx/>
+              <a:buSzTx/>
+              <a:buFontTx/>
+              <a:buNone/>
+              <a:tabLst/>
+              <a:defRPr/>
+            </a:pPr>
+            <a:r>
+              <a:rPr kumimoji="0" lang="en-US" sz="5000" b="0" i="0" u="none" strike="noStrike" kern="0" cap="none" spc="0" normalizeH="0" baseline="0" noProof="0" dirty="0">
+                <a:ln>
+                  <a:noFill/>
+                </a:ln>
+                <a:solidFill>
+                  <a:prstClr val="black"/>
+                </a:solidFill>
+                <a:effectLst/>
+                <a:uLnTx/>
+                <a:uFillTx/>
+              </a:rPr>
               <a:t>References</a:t>
             </a:r>
             <a:r>
-              <a:rPr lang="en-US" sz="7200" dirty="0"/>
+              <a:rPr kumimoji="0" lang="en-US" sz="7200" b="0" i="0" u="none" strike="noStrike" kern="0" cap="none" spc="0" normalizeH="0" baseline="0" noProof="0" dirty="0">
+                <a:ln>
+                  <a:noFill/>
+                </a:ln>
+                <a:solidFill>
+                  <a:prstClr val="black"/>
+                </a:solidFill>
+                <a:effectLst/>
+                <a:uLnTx/>
+                <a:uFillTx/>
+              </a:rPr>
               <a:t> </a:t>
             </a:r>
           </a:p>
           <a:p>
-            <a:r>
-              <a:rPr lang="en-US" sz="6600" dirty="0"/>
+            <a:pPr marL="0" marR="0" lvl="0" indent="0" defTabSz="457200" eaLnBrk="1" fontAlgn="auto" latinLnBrk="0" hangingPunct="1">
+              <a:lnSpc>
+                <a:spcPct val="100000"/>
+              </a:lnSpc>
+              <a:spcBef>
+                <a:spcPts val="0"/>
+              </a:spcBef>
+              <a:spcAft>
+                <a:spcPts val="0"/>
+              </a:spcAft>
+              <a:buClrTx/>
+              <a:buSzTx/>
+              <a:buFontTx/>
+              <a:buNone/>
+              <a:tabLst/>
+              <a:defRPr/>
+            </a:pPr>
+            <a:r>
+              <a:rPr kumimoji="0" lang="en-US" sz="6600" b="0" i="0" u="none" strike="noStrike" kern="0" cap="none" spc="0" normalizeH="0" baseline="0" noProof="0" dirty="0">
+                <a:ln>
+                  <a:noFill/>
+                </a:ln>
+                <a:solidFill>
+                  <a:prstClr val="black"/>
+                </a:solidFill>
+                <a:effectLst/>
+                <a:uLnTx/>
+                <a:uFillTx/>
+              </a:rPr>
               <a:t>TODO</a:t>
             </a:r>
           </a:p>
@@ -4191,10 +5671,10 @@
       </p:sp>
       <p:sp>
         <p:nvSpPr>
-          <p:cNvPr id="15" name="TextBox 14">
+          <p:cNvPr id="117" name="TextBox 116">
             <a:extLst>
               <a:ext uri="{FF2B5EF4-FFF2-40B4-BE49-F238E27FC236}">
-                <a16:creationId xmlns:a16="http://schemas.microsoft.com/office/drawing/2014/main" id="{474D9FEF-145C-4507-BA19-613301017388}"/>
+                <a16:creationId xmlns:a16="http://schemas.microsoft.com/office/drawing/2014/main" xmlns="" id="{67554E3C-1588-4343-AE5D-2C4088772181}"/>
               </a:ext>
             </a:extLst>
           </p:cNvPr>
@@ -4212,7 +5692,7 @@
           <a:noFill/>
           <a:ln>
             <a:solidFill>
-              <a:schemeClr val="tx1"/>
+              <a:sysClr val="windowText" lastClr="000000"/>
             </a:solidFill>
           </a:ln>
         </p:spPr>
@@ -4222,66 +5702,397 @@
           </a:bodyPr>
           <a:lstStyle/>
           <a:p>
-            <a:r>
-              <a:rPr lang="en-US" sz="5000" dirty="0"/>
+            <a:pPr marL="0" marR="0" lvl="0" indent="0" defTabSz="457200" eaLnBrk="1" fontAlgn="auto" latinLnBrk="0" hangingPunct="1">
+              <a:lnSpc>
+                <a:spcPct val="100000"/>
+              </a:lnSpc>
+              <a:spcBef>
+                <a:spcPts val="0"/>
+              </a:spcBef>
+              <a:spcAft>
+                <a:spcPts val="0"/>
+              </a:spcAft>
+              <a:buClrTx/>
+              <a:buSzTx/>
+              <a:buFontTx/>
+              <a:buNone/>
+              <a:tabLst/>
+              <a:defRPr/>
+            </a:pPr>
+            <a:r>
+              <a:rPr kumimoji="0" lang="en-US" sz="5000" b="0" i="0" u="none" strike="noStrike" kern="0" cap="none" spc="0" normalizeH="0" baseline="0" noProof="0" dirty="0">
+                <a:ln>
+                  <a:noFill/>
+                </a:ln>
+                <a:solidFill>
+                  <a:prstClr val="black"/>
+                </a:solidFill>
+                <a:effectLst/>
+                <a:uLnTx/>
+                <a:uFillTx/>
+              </a:rPr>
               <a:t>Conclusions</a:t>
             </a:r>
           </a:p>
           <a:p>
-            <a:r>
-              <a:rPr lang="en-US" sz="3000" dirty="0"/>
-              <a:t>	The Worked Example strategy we used seem to have little effect on the completion rate of hard problems. However, many students used them and found them helpful.</a:t>
-            </a:r>
-          </a:p>
-          <a:p>
-            <a:r>
-              <a:rPr lang="en-US" sz="3000" dirty="0"/>
+            <a:pPr marL="0" marR="0" lvl="0" indent="0" defTabSz="457200" eaLnBrk="1" fontAlgn="auto" latinLnBrk="0" hangingPunct="1">
+              <a:lnSpc>
+                <a:spcPct val="100000"/>
+              </a:lnSpc>
+              <a:spcBef>
+                <a:spcPts val="0"/>
+              </a:spcBef>
+              <a:spcAft>
+                <a:spcPts val="0"/>
+              </a:spcAft>
+              <a:buClrTx/>
+              <a:buSzTx/>
+              <a:buFontTx/>
+              <a:buNone/>
+              <a:tabLst/>
+              <a:defRPr/>
+            </a:pPr>
+            <a:r>
+              <a:rPr kumimoji="0" lang="en-US" sz="3000" b="0" i="0" u="none" strike="noStrike" kern="0" cap="none" spc="0" normalizeH="0" baseline="0" noProof="0" dirty="0">
+                <a:ln>
+                  <a:noFill/>
+                </a:ln>
+                <a:solidFill>
+                  <a:prstClr val="black"/>
+                </a:solidFill>
+                <a:effectLst/>
+                <a:uLnTx/>
+                <a:uFillTx/>
+              </a:rPr>
+              <a:t>	The Worked Example strategy we </a:t>
+            </a:r>
+            <a:r>
+              <a:rPr kumimoji="0" lang="en-US" sz="3000" b="0" i="0" u="none" strike="noStrike" kern="0" cap="none" spc="0" normalizeH="0" baseline="0" noProof="0" dirty="0" smtClean="0">
+                <a:ln>
+                  <a:noFill/>
+                </a:ln>
+                <a:solidFill>
+                  <a:prstClr val="black"/>
+                </a:solidFill>
+                <a:effectLst/>
+                <a:uLnTx/>
+                <a:uFillTx/>
+              </a:rPr>
+              <a:t>had minimal</a:t>
+            </a:r>
+            <a:r>
+              <a:rPr kumimoji="0" lang="en-US" sz="3000" b="0" i="0" u="none" strike="noStrike" kern="0" cap="none" spc="0" normalizeH="0" noProof="0" dirty="0" smtClean="0">
+                <a:ln>
+                  <a:noFill/>
+                </a:ln>
+                <a:solidFill>
+                  <a:prstClr val="black"/>
+                </a:solidFill>
+                <a:effectLst/>
+                <a:uLnTx/>
+                <a:uFillTx/>
+              </a:rPr>
+              <a:t> </a:t>
+            </a:r>
+            <a:r>
+              <a:rPr kumimoji="0" lang="en-US" sz="3000" b="0" i="0" u="none" strike="noStrike" kern="0" cap="none" spc="0" normalizeH="0" baseline="0" noProof="0" dirty="0" smtClean="0">
+                <a:ln>
+                  <a:noFill/>
+                </a:ln>
+                <a:solidFill>
+                  <a:prstClr val="black"/>
+                </a:solidFill>
+                <a:effectLst/>
+                <a:uLnTx/>
+                <a:uFillTx/>
+              </a:rPr>
+              <a:t>effect </a:t>
+            </a:r>
+            <a:r>
+              <a:rPr kumimoji="0" lang="en-US" sz="3000" b="0" i="0" u="none" strike="noStrike" kern="0" cap="none" spc="0" normalizeH="0" baseline="0" noProof="0" dirty="0">
+                <a:ln>
+                  <a:noFill/>
+                </a:ln>
+                <a:solidFill>
+                  <a:prstClr val="black"/>
+                </a:solidFill>
+                <a:effectLst/>
+                <a:uLnTx/>
+                <a:uFillTx/>
+              </a:rPr>
+              <a:t>on the completion rate of </a:t>
+            </a:r>
+            <a:r>
+              <a:rPr kumimoji="0" lang="en-US" sz="3000" b="0" i="0" u="none" strike="noStrike" kern="0" cap="none" spc="0" normalizeH="0" baseline="0" noProof="0" dirty="0" smtClean="0">
+                <a:ln>
+                  <a:noFill/>
+                </a:ln>
+                <a:solidFill>
+                  <a:prstClr val="black"/>
+                </a:solidFill>
+                <a:effectLst/>
+                <a:uLnTx/>
+                <a:uFillTx/>
+              </a:rPr>
+              <a:t>problems.</a:t>
+            </a:r>
+          </a:p>
+          <a:p>
+            <a:pPr marL="0" marR="0" lvl="0" indent="0" defTabSz="457200" eaLnBrk="1" fontAlgn="auto" latinLnBrk="0" hangingPunct="1">
+              <a:lnSpc>
+                <a:spcPct val="100000"/>
+              </a:lnSpc>
+              <a:spcBef>
+                <a:spcPts val="0"/>
+              </a:spcBef>
+              <a:spcAft>
+                <a:spcPts val="0"/>
+              </a:spcAft>
+              <a:buClrTx/>
+              <a:buSzTx/>
+              <a:buFontTx/>
+              <a:buNone/>
+              <a:tabLst/>
+              <a:defRPr/>
+            </a:pPr>
+            <a:r>
+              <a:rPr kumimoji="0" lang="en-US" sz="3000" b="0" i="0" u="none" strike="noStrike" kern="0" cap="none" spc="0" normalizeH="0" baseline="0" noProof="0" dirty="0" smtClean="0">
+                <a:ln>
+                  <a:noFill/>
+                </a:ln>
+                <a:solidFill>
+                  <a:prstClr val="black"/>
+                </a:solidFill>
+                <a:effectLst/>
+                <a:uLnTx/>
+                <a:uFillTx/>
+              </a:rPr>
+              <a:t> </a:t>
+            </a:r>
+            <a:r>
+              <a:rPr kumimoji="0" lang="en-US" sz="3000" b="0" i="0" u="none" strike="noStrike" kern="0" cap="none" spc="0" normalizeH="0" baseline="0" noProof="0" dirty="0">
+                <a:ln>
+                  <a:noFill/>
+                </a:ln>
+                <a:solidFill>
+                  <a:prstClr val="black"/>
+                </a:solidFill>
+                <a:effectLst/>
+                <a:uLnTx/>
+                <a:uFillTx/>
+              </a:rPr>
+              <a:t>However, many students used them and found them helpful.</a:t>
+            </a:r>
+          </a:p>
+          <a:p>
+            <a:pPr marL="0" marR="0" lvl="0" indent="0" defTabSz="457200" eaLnBrk="1" fontAlgn="auto" latinLnBrk="0" hangingPunct="1">
+              <a:lnSpc>
+                <a:spcPct val="100000"/>
+              </a:lnSpc>
+              <a:spcBef>
+                <a:spcPts val="0"/>
+              </a:spcBef>
+              <a:spcAft>
+                <a:spcPts val="0"/>
+              </a:spcAft>
+              <a:buClrTx/>
+              <a:buSzTx/>
+              <a:buFontTx/>
+              <a:buNone/>
+              <a:tabLst/>
+              <a:defRPr/>
+            </a:pPr>
+            <a:r>
+              <a:rPr kumimoji="0" lang="en-US" sz="3000" b="0" i="0" u="none" strike="noStrike" kern="0" cap="none" spc="0" normalizeH="0" baseline="0" noProof="0" dirty="0">
+                <a:ln>
+                  <a:noFill/>
+                </a:ln>
+                <a:solidFill>
+                  <a:prstClr val="black"/>
+                </a:solidFill>
+                <a:effectLst/>
+                <a:uLnTx/>
+                <a:uFillTx/>
+              </a:rPr>
               <a:t>	Methods of selection “hard’ problems may have been flawed. All problems had high completion rates (80-90%) before introducing WEs.</a:t>
             </a:r>
           </a:p>
           <a:p>
-            <a:r>
-              <a:rPr lang="en-US" sz="3000" dirty="0"/>
+            <a:pPr marL="0" marR="0" lvl="0" indent="0" defTabSz="457200" eaLnBrk="1" fontAlgn="auto" latinLnBrk="0" hangingPunct="1">
+              <a:lnSpc>
+                <a:spcPct val="100000"/>
+              </a:lnSpc>
+              <a:spcBef>
+                <a:spcPts val="0"/>
+              </a:spcBef>
+              <a:spcAft>
+                <a:spcPts val="0"/>
+              </a:spcAft>
+              <a:buClrTx/>
+              <a:buSzTx/>
+              <a:buFontTx/>
+              <a:buNone/>
+              <a:tabLst/>
+              <a:defRPr/>
+            </a:pPr>
+            <a:r>
+              <a:rPr kumimoji="0" lang="en-US" sz="3000" b="0" i="0" u="none" strike="noStrike" kern="0" cap="none" spc="0" normalizeH="0" baseline="0" noProof="0" dirty="0">
+                <a:ln>
+                  <a:noFill/>
+                </a:ln>
+                <a:solidFill>
+                  <a:prstClr val="black"/>
+                </a:solidFill>
+                <a:effectLst/>
+                <a:uLnTx/>
+                <a:uFillTx/>
+              </a:rPr>
               <a:t>	The correlation between WE use and increased number of runs may suggest our implementation had no quantitative benefit. It may also simply show that students are more likely to use the WE if they have been working on the problem for longer. More analysis of event log is required to support this.</a:t>
             </a:r>
           </a:p>
           <a:p>
-            <a:r>
-              <a:rPr lang="en-US" sz="5000" dirty="0"/>
+            <a:pPr marL="0" marR="0" lvl="0" indent="0" defTabSz="457200" eaLnBrk="1" fontAlgn="auto" latinLnBrk="0" hangingPunct="1">
+              <a:lnSpc>
+                <a:spcPct val="100000"/>
+              </a:lnSpc>
+              <a:spcBef>
+                <a:spcPts val="0"/>
+              </a:spcBef>
+              <a:spcAft>
+                <a:spcPts val="0"/>
+              </a:spcAft>
+              <a:buClrTx/>
+              <a:buSzTx/>
+              <a:buFontTx/>
+              <a:buNone/>
+              <a:tabLst/>
+              <a:defRPr/>
+            </a:pPr>
+            <a:r>
+              <a:rPr kumimoji="0" lang="en-US" sz="5000" b="0" i="0" u="none" strike="noStrike" kern="0" cap="none" spc="0" normalizeH="0" baseline="0" noProof="0" dirty="0">
+                <a:ln>
+                  <a:noFill/>
+                </a:ln>
+                <a:solidFill>
+                  <a:prstClr val="black"/>
+                </a:solidFill>
+                <a:effectLst/>
+                <a:uLnTx/>
+                <a:uFillTx/>
+              </a:rPr>
               <a:t>Future work</a:t>
             </a:r>
           </a:p>
           <a:p>
-            <a:pPr marL="685800" indent="-685800">
+            <a:pPr marL="685800" marR="0" lvl="0" indent="-685800" defTabSz="457200" eaLnBrk="1" fontAlgn="auto" latinLnBrk="0" hangingPunct="1">
+              <a:lnSpc>
+                <a:spcPct val="100000"/>
+              </a:lnSpc>
+              <a:spcBef>
+                <a:spcPts val="0"/>
+              </a:spcBef>
+              <a:spcAft>
+                <a:spcPts val="0"/>
+              </a:spcAft>
+              <a:buClrTx/>
+              <a:buSzTx/>
               <a:buFont typeface="Arial" panose="020B0604020202020204" pitchFamily="34" charset="0"/>
               <a:buChar char="•"/>
+              <a:tabLst/>
+              <a:defRPr/>
             </a:pPr>
             <a:r>
-              <a:rPr lang="en-US" sz="3000" dirty="0"/>
+              <a:rPr kumimoji="0" lang="en-US" sz="3000" b="0" i="0" u="none" strike="noStrike" kern="0" cap="none" spc="0" normalizeH="0" baseline="0" noProof="0" dirty="0">
+                <a:ln>
+                  <a:noFill/>
+                </a:ln>
+                <a:solidFill>
+                  <a:prstClr val="black"/>
+                </a:solidFill>
+                <a:effectLst/>
+                <a:uLnTx/>
+                <a:uFillTx/>
+              </a:rPr>
               <a:t>Interactive Worked Examples </a:t>
             </a:r>
           </a:p>
           <a:p>
-            <a:pPr marL="685800" indent="-685800">
+            <a:pPr marL="685800" marR="0" lvl="0" indent="-685800" defTabSz="457200" eaLnBrk="1" fontAlgn="auto" latinLnBrk="0" hangingPunct="1">
+              <a:lnSpc>
+                <a:spcPct val="100000"/>
+              </a:lnSpc>
+              <a:spcBef>
+                <a:spcPts val="0"/>
+              </a:spcBef>
+              <a:spcAft>
+                <a:spcPts val="0"/>
+              </a:spcAft>
+              <a:buClrTx/>
+              <a:buSzTx/>
               <a:buFont typeface="Arial" panose="020B0604020202020204" pitchFamily="34" charset="0"/>
               <a:buChar char="•"/>
+              <a:tabLst/>
+              <a:defRPr/>
             </a:pPr>
             <a:r>
-              <a:rPr lang="en-US" sz="3000" dirty="0" err="1"/>
+              <a:rPr kumimoji="0" lang="en-US" sz="3000" b="0" i="0" u="none" strike="noStrike" kern="0" cap="none" spc="0" normalizeH="0" baseline="0" noProof="0" dirty="0" err="1">
+                <a:ln>
+                  <a:noFill/>
+                </a:ln>
+                <a:solidFill>
+                  <a:prstClr val="black"/>
+                </a:solidFill>
+                <a:effectLst/>
+                <a:uLnTx/>
+                <a:uFillTx/>
+              </a:rPr>
               <a:t>Subgoal</a:t>
             </a:r>
             <a:r>
-              <a:rPr lang="en-US" sz="3000" dirty="0"/>
+              <a:rPr kumimoji="0" lang="en-US" sz="3000" b="0" i="0" u="none" strike="noStrike" kern="0" cap="none" spc="0" normalizeH="0" baseline="0" noProof="0" dirty="0">
+                <a:ln>
+                  <a:noFill/>
+                </a:ln>
+                <a:solidFill>
+                  <a:prstClr val="black"/>
+                </a:solidFill>
+                <a:effectLst/>
+                <a:uLnTx/>
+                <a:uFillTx/>
+              </a:rPr>
               <a:t> only Worked Examples </a:t>
             </a:r>
           </a:p>
           <a:p>
-            <a:pPr marL="685800" indent="-685800">
+            <a:pPr marL="685800" marR="0" lvl="0" indent="-685800" defTabSz="457200" eaLnBrk="1" fontAlgn="auto" latinLnBrk="0" hangingPunct="1">
+              <a:lnSpc>
+                <a:spcPct val="100000"/>
+              </a:lnSpc>
+              <a:spcBef>
+                <a:spcPts val="0"/>
+              </a:spcBef>
+              <a:spcAft>
+                <a:spcPts val="0"/>
+              </a:spcAft>
+              <a:buClrTx/>
+              <a:buSzTx/>
               <a:buFont typeface="Arial" panose="020B0604020202020204" pitchFamily="34" charset="0"/>
               <a:buChar char="•"/>
+              <a:tabLst/>
+              <a:defRPr/>
             </a:pPr>
             <a:r>
-              <a:rPr lang="en-US" sz="3000" dirty="0"/>
+              <a:rPr kumimoji="0" lang="en-US" sz="3000" b="0" i="0" u="none" strike="noStrike" kern="0" cap="none" spc="0" normalizeH="0" baseline="0" noProof="0" dirty="0">
+                <a:ln>
+                  <a:noFill/>
+                </a:ln>
+                <a:solidFill>
+                  <a:prstClr val="black"/>
+                </a:solidFill>
+                <a:effectLst/>
+                <a:uLnTx/>
+                <a:uFillTx/>
+              </a:rPr>
               <a:t>Alternative supplements material in large intro classes</a:t>
             </a:r>
           </a:p>
@@ -4289,10 +6100,10 @@
       </p:sp>
       <p:sp>
         <p:nvSpPr>
-          <p:cNvPr id="16" name="TextBox 15">
+          <p:cNvPr id="118" name="TextBox 117">
             <a:extLst>
               <a:ext uri="{FF2B5EF4-FFF2-40B4-BE49-F238E27FC236}">
-                <a16:creationId xmlns:a16="http://schemas.microsoft.com/office/drawing/2014/main" id="{487B536B-0C75-4D18-A6DA-07CEF9C4A1D1}"/>
+                <a16:creationId xmlns:a16="http://schemas.microsoft.com/office/drawing/2014/main" xmlns="" id="{639AF7D8-0BFC-4E1B-B1C5-8A026516C1F6}"/>
               </a:ext>
             </a:extLst>
           </p:cNvPr>
@@ -4301,7 +6112,7 @@
         </p:nvSpPr>
         <p:spPr>
           <a:xfrm>
-            <a:off x="1257196" y="16668947"/>
+            <a:off x="1257196" y="16731412"/>
             <a:ext cx="11049000" cy="861774"/>
           </a:xfrm>
           <a:prstGeom prst="rect">
@@ -4310,7 +6121,7 @@
           <a:noFill/>
           <a:ln>
             <a:solidFill>
-              <a:schemeClr val="tx1"/>
+              <a:sysClr val="windowText" lastClr="000000"/>
             </a:solidFill>
           </a:ln>
         </p:spPr>
@@ -4320,8 +6131,35 @@
           </a:bodyPr>
           <a:lstStyle/>
           <a:p>
-            <a:r>
-              <a:rPr lang="en-US" sz="5000" dirty="0"/>
+            <a:pPr marL="0" marR="0" lvl="0" indent="0" defTabSz="457200" eaLnBrk="1" fontAlgn="auto" latinLnBrk="0" hangingPunct="1">
+              <a:lnSpc>
+                <a:spcPct val="100000"/>
+              </a:lnSpc>
+              <a:spcBef>
+                <a:spcPts val="0"/>
+              </a:spcBef>
+              <a:spcAft>
+                <a:spcPts val="0"/>
+              </a:spcAft>
+              <a:buClrTx/>
+              <a:buSzTx/>
+              <a:buFontTx/>
+              <a:buNone/>
+              <a:tabLst/>
+              <a:defRPr/>
+            </a:pPr>
+            <a:r>
+              <a:rPr kumimoji="0" lang="en-US" sz="5000" b="0" i="0" u="none" strike="noStrike" kern="0" cap="none" spc="0" normalizeH="0" baseline="0" noProof="0" dirty="0">
+                <a:ln>
+                  <a:noFill/>
+                </a:ln>
+                <a:solidFill>
+                  <a:prstClr val="black"/>
+                </a:solidFill>
+                <a:effectLst/>
+                <a:uLnTx/>
+                <a:uFillTx/>
+              </a:rPr>
               <a:t>Results</a:t>
             </a:r>
           </a:p>
@@ -4329,10 +6167,10 @@
       </p:sp>
       <p:sp>
         <p:nvSpPr>
-          <p:cNvPr id="2" name="Rectangle 1">
+          <p:cNvPr id="119" name="Rectangle 118">
             <a:extLst>
               <a:ext uri="{FF2B5EF4-FFF2-40B4-BE49-F238E27FC236}">
-                <a16:creationId xmlns:a16="http://schemas.microsoft.com/office/drawing/2014/main" id="{462652C4-E01F-4D77-BA6A-2650430629D1}"/>
+                <a16:creationId xmlns:a16="http://schemas.microsoft.com/office/drawing/2014/main" xmlns="" id="{CA0774C0-07A2-44D6-AE01-341DE8DCE919}"/>
               </a:ext>
             </a:extLst>
           </p:cNvPr>
@@ -4348,32 +6186,55 @@
             <a:avLst/>
           </a:prstGeom>
           <a:solidFill>
-            <a:schemeClr val="accent2"/>
+            <a:srgbClr val="ED7D31"/>
           </a:solidFill>
+          <a:ln w="12700" cap="flat" cmpd="sng" algn="ctr">
+            <a:solidFill>
+              <a:srgbClr val="4472C4">
+                <a:shade val="50000"/>
+              </a:srgbClr>
+            </a:solidFill>
+            <a:prstDash val="solid"/>
+            <a:miter lim="800000"/>
+          </a:ln>
+          <a:effectLst/>
         </p:spPr>
-        <p:style>
-          <a:lnRef idx="2">
-            <a:schemeClr val="accent1">
-              <a:shade val="50000"/>
-            </a:schemeClr>
-          </a:lnRef>
-          <a:fillRef idx="1">
-            <a:schemeClr val="accent1"/>
-          </a:fillRef>
-          <a:effectRef idx="0">
-            <a:schemeClr val="accent1"/>
-          </a:effectRef>
-          <a:fontRef idx="minor">
-            <a:schemeClr val="lt1"/>
-          </a:fontRef>
-        </p:style>
         <p:txBody>
           <a:bodyPr rtlCol="0" anchor="ctr"/>
           <a:lstStyle/>
           <a:p>
-            <a:pPr algn="ctr"/>
-            <a:r>
-              <a:rPr lang="en-US" sz="4800" dirty="0"/>
+            <a:pPr marL="0" marR="0" lvl="0" indent="0" algn="ctr" defTabSz="457200" eaLnBrk="1" fontAlgn="auto" latinLnBrk="0" hangingPunct="1">
+              <a:lnSpc>
+                <a:spcPct val="100000"/>
+              </a:lnSpc>
+              <a:spcBef>
+                <a:spcPts val="0"/>
+              </a:spcBef>
+              <a:spcAft>
+                <a:spcPts val="0"/>
+              </a:spcAft>
+              <a:buClrTx/>
+              <a:buSzTx/>
+              <a:buFontTx/>
+              <a:buNone/>
+              <a:tabLst/>
+              <a:defRPr/>
+            </a:pPr>
+            <a:r>
+              <a:rPr kumimoji="0" lang="en-US" sz="4800" b="0" i="0" u="none" strike="noStrike" kern="0" cap="none" spc="0" normalizeH="0" baseline="0" noProof="0" dirty="0">
+                <a:ln>
+                  <a:noFill/>
+                </a:ln>
+                <a:solidFill>
+                  <a:prstClr val="white"/>
+                </a:solidFill>
+                <a:effectLst/>
+                <a:uLnTx/>
+                <a:uFillTx/>
+                <a:latin typeface="Calibri" panose="020F0502020204030204"/>
+                <a:ea typeface="+mn-ea"/>
+                <a:cs typeface="+mn-cs"/>
+              </a:rPr>
               <a:t>VT Logo</a:t>
             </a:r>
           </a:p>
@@ -4381,10 +6242,10 @@
       </p:sp>
       <p:graphicFrame>
         <p:nvGraphicFramePr>
-          <p:cNvPr id="4" name="Table 3">
+          <p:cNvPr id="120" name="Table 119">
             <a:extLst>
               <a:ext uri="{FF2B5EF4-FFF2-40B4-BE49-F238E27FC236}">
-                <a16:creationId xmlns:a16="http://schemas.microsoft.com/office/drawing/2014/main" id="{BC4C8F16-D2F7-48DF-B8B6-6D48E2FD47DE}"/>
+                <a16:creationId xmlns:a16="http://schemas.microsoft.com/office/drawing/2014/main" xmlns="" id="{89F88399-0D19-4BB7-BCCD-49A8AA6C633C}"/>
               </a:ext>
             </a:extLst>
           </p:cNvPr>
@@ -4394,61 +6255,160 @@
           <p:nvPr>
             <p:extLst>
               <p:ext uri="{D42A27DB-BD31-4B8C-83A1-F6EECF244321}">
-                <p14:modId xmlns:p14="http://schemas.microsoft.com/office/powerpoint/2010/main" val="8702098"/>
+                <p14:modId xmlns:p14="http://schemas.microsoft.com/office/powerpoint/2010/main" val="762071447"/>
               </p:ext>
             </p:extLst>
           </p:nvPr>
         </p:nvGraphicFramePr>
         <p:xfrm>
-          <a:off x="38231233" y="5330347"/>
-          <a:ext cx="4360584" cy="2011680"/>
+          <a:off x="7263515" y="9572743"/>
+          <a:ext cx="4550935" cy="2046067"/>
         </p:xfrm>
         <a:graphic>
           <a:graphicData uri="http://schemas.openxmlformats.org/drawingml/2006/table">
             <a:tbl>
-              <a:tblPr firstRow="1" bandRow="1">
-                <a:tableStyleId>{5C22544A-7EE6-4342-B048-85BDC9FD1C3A}</a:tableStyleId>
-              </a:tblPr>
+              <a:tblPr firstRow="1" bandRow="1"/>
               <a:tblGrid>
-                <a:gridCol w="651328">
+                <a:gridCol w="679760">
                   <a:extLst>
                     <a:ext uri="{9D8B030D-6E8A-4147-A177-3AD203B41FA5}">
-                      <a16:colId xmlns:a16="http://schemas.microsoft.com/office/drawing/2014/main" val="1246494410"/>
+                      <a16:colId xmlns:a16="http://schemas.microsoft.com/office/drawing/2014/main" xmlns="" val="1246494410"/>
                     </a:ext>
                   </a:extLst>
                 </a:gridCol>
-                <a:gridCol w="1490488">
+                <a:gridCol w="1555552">
                   <a:extLst>
                     <a:ext uri="{9D8B030D-6E8A-4147-A177-3AD203B41FA5}">
-                      <a16:colId xmlns:a16="http://schemas.microsoft.com/office/drawing/2014/main" val="3707486989"/>
+                      <a16:colId xmlns:a16="http://schemas.microsoft.com/office/drawing/2014/main" xmlns="" val="3707486989"/>
                     </a:ext>
                   </a:extLst>
                 </a:gridCol>
-                <a:gridCol w="1567442">
+                <a:gridCol w="1635865">
                   <a:extLst>
                     <a:ext uri="{9D8B030D-6E8A-4147-A177-3AD203B41FA5}">
-                      <a16:colId xmlns:a16="http://schemas.microsoft.com/office/drawing/2014/main" val="2676852081"/>
+                      <a16:colId xmlns:a16="http://schemas.microsoft.com/office/drawing/2014/main" xmlns="" val="2676852081"/>
                     </a:ext>
                   </a:extLst>
                 </a:gridCol>
-                <a:gridCol w="651326">
+                <a:gridCol w="679758">
                   <a:extLst>
                     <a:ext uri="{9D8B030D-6E8A-4147-A177-3AD203B41FA5}">
-                      <a16:colId xmlns:a16="http://schemas.microsoft.com/office/drawing/2014/main" val="3454277832"/>
+                      <a16:colId xmlns:a16="http://schemas.microsoft.com/office/drawing/2014/main" xmlns="" val="3454277832"/>
                     </a:ext>
                   </a:extLst>
                 </a:gridCol>
               </a:tblGrid>
-              <a:tr h="550894">
+              <a:tr h="651022">
                 <a:tc>
                   <a:txBody>
                     <a:bodyPr/>
-                    <a:lstStyle/>
+                    <a:lstStyle>
+                      <a:lvl1pPr marL="0" algn="l" defTabSz="4389120" rtl="0" eaLnBrk="1" latinLnBrk="0" hangingPunct="1">
+                        <a:defRPr sz="8640" b="1" kern="1200">
+                          <a:solidFill>
+                            <a:schemeClr val="lt1"/>
+                          </a:solidFill>
+                          <a:latin typeface="Calibri" panose="020F0502020204030204"/>
+                        </a:defRPr>
+                      </a:lvl1pPr>
+                      <a:lvl2pPr marL="2194560" algn="l" defTabSz="4389120" rtl="0" eaLnBrk="1" latinLnBrk="0" hangingPunct="1">
+                        <a:defRPr sz="8640" b="1" kern="1200">
+                          <a:solidFill>
+                            <a:schemeClr val="lt1"/>
+                          </a:solidFill>
+                          <a:latin typeface="Calibri" panose="020F0502020204030204"/>
+                        </a:defRPr>
+                      </a:lvl2pPr>
+                      <a:lvl3pPr marL="4389120" algn="l" defTabSz="4389120" rtl="0" eaLnBrk="1" latinLnBrk="0" hangingPunct="1">
+                        <a:defRPr sz="8640" b="1" kern="1200">
+                          <a:solidFill>
+                            <a:schemeClr val="lt1"/>
+                          </a:solidFill>
+                          <a:latin typeface="Calibri" panose="020F0502020204030204"/>
+                        </a:defRPr>
+                      </a:lvl3pPr>
+                      <a:lvl4pPr marL="6583680" algn="l" defTabSz="4389120" rtl="0" eaLnBrk="1" latinLnBrk="0" hangingPunct="1">
+                        <a:defRPr sz="8640" b="1" kern="1200">
+                          <a:solidFill>
+                            <a:schemeClr val="lt1"/>
+                          </a:solidFill>
+                          <a:latin typeface="Calibri" panose="020F0502020204030204"/>
+                        </a:defRPr>
+                      </a:lvl4pPr>
+                      <a:lvl5pPr marL="8778240" algn="l" defTabSz="4389120" rtl="0" eaLnBrk="1" latinLnBrk="0" hangingPunct="1">
+                        <a:defRPr sz="8640" b="1" kern="1200">
+                          <a:solidFill>
+                            <a:schemeClr val="lt1"/>
+                          </a:solidFill>
+                          <a:latin typeface="Calibri" panose="020F0502020204030204"/>
+                        </a:defRPr>
+                      </a:lvl5pPr>
+                      <a:lvl6pPr marL="10972800" algn="l" defTabSz="4389120" rtl="0" eaLnBrk="1" latinLnBrk="0" hangingPunct="1">
+                        <a:defRPr sz="8640" b="1" kern="1200">
+                          <a:solidFill>
+                            <a:schemeClr val="lt1"/>
+                          </a:solidFill>
+                          <a:latin typeface="Calibri" panose="020F0502020204030204"/>
+                        </a:defRPr>
+                      </a:lvl6pPr>
+                      <a:lvl7pPr marL="13167360" algn="l" defTabSz="4389120" rtl="0" eaLnBrk="1" latinLnBrk="0" hangingPunct="1">
+                        <a:defRPr sz="8640" b="1" kern="1200">
+                          <a:solidFill>
+                            <a:schemeClr val="lt1"/>
+                          </a:solidFill>
+                          <a:latin typeface="Calibri" panose="020F0502020204030204"/>
+                        </a:defRPr>
+                      </a:lvl7pPr>
+                      <a:lvl8pPr marL="15361920" algn="l" defTabSz="4389120" rtl="0" eaLnBrk="1" latinLnBrk="0" hangingPunct="1">
+                        <a:defRPr sz="8640" b="1" kern="1200">
+                          <a:solidFill>
+                            <a:schemeClr val="lt1"/>
+                          </a:solidFill>
+                          <a:latin typeface="Calibri" panose="020F0502020204030204"/>
+                        </a:defRPr>
+                      </a:lvl8pPr>
+                      <a:lvl9pPr marL="17556480" algn="l" defTabSz="4389120" rtl="0" eaLnBrk="1" latinLnBrk="0" hangingPunct="1">
+                        <a:defRPr sz="8640" b="1" kern="1200">
+                          <a:solidFill>
+                            <a:schemeClr val="lt1"/>
+                          </a:solidFill>
+                          <a:latin typeface="Calibri" panose="020F0502020204030204"/>
+                        </a:defRPr>
+                      </a:lvl9pPr>
+                    </a:lstStyle>
                     <a:p>
                       <a:endParaRPr lang="en-US" sz="1800" dirty="0"/>
                     </a:p>
                   </a:txBody>
                   <a:tcPr anchor="ctr">
+                    <a:lnL w="12700" cmpd="sng">
+                      <a:solidFill>
+                        <a:sysClr val="window" lastClr="FFFFFF"/>
+                      </a:solidFill>
+                    </a:lnL>
+                    <a:lnR w="12700" cmpd="sng">
+                      <a:solidFill>
+                        <a:sysClr val="window" lastClr="FFFFFF"/>
+                      </a:solidFill>
+                    </a:lnR>
+                    <a:lnT w="12700" cmpd="sng">
+                      <a:solidFill>
+                        <a:sysClr val="window" lastClr="FFFFFF"/>
+                      </a:solidFill>
+                    </a:lnT>
+                    <a:lnB w="38100" cmpd="sng">
+                      <a:solidFill>
+                        <a:sysClr val="window" lastClr="FFFFFF"/>
+                      </a:solidFill>
+                    </a:lnB>
+                    <a:lnTlToBr w="12700" cmpd="sng">
+                      <a:noFill/>
+                      <a:prstDash val="solid"/>
+                    </a:lnTlToBr>
+                    <a:lnBlToTr w="12700" cmpd="sng">
+                      <a:noFill/>
+                      <a:prstDash val="solid"/>
+                    </a:lnBlToTr>
                     <a:solidFill>
                       <a:srgbClr val="8E2344"/>
                     </a:solidFill>
@@ -4457,7 +6417,80 @@
                 <a:tc>
                   <a:txBody>
                     <a:bodyPr/>
-                    <a:lstStyle/>
+                    <a:lstStyle>
+                      <a:lvl1pPr marL="0" algn="l" defTabSz="4389120" rtl="0" eaLnBrk="1" latinLnBrk="0" hangingPunct="1">
+                        <a:defRPr sz="8640" b="1" kern="1200">
+                          <a:solidFill>
+                            <a:schemeClr val="lt1"/>
+                          </a:solidFill>
+                          <a:latin typeface="Calibri" panose="020F0502020204030204"/>
+                        </a:defRPr>
+                      </a:lvl1pPr>
+                      <a:lvl2pPr marL="2194560" algn="l" defTabSz="4389120" rtl="0" eaLnBrk="1" latinLnBrk="0" hangingPunct="1">
+                        <a:defRPr sz="8640" b="1" kern="1200">
+                          <a:solidFill>
+                            <a:schemeClr val="lt1"/>
+                          </a:solidFill>
+                          <a:latin typeface="Calibri" panose="020F0502020204030204"/>
+                        </a:defRPr>
+                      </a:lvl2pPr>
+                      <a:lvl3pPr marL="4389120" algn="l" defTabSz="4389120" rtl="0" eaLnBrk="1" latinLnBrk="0" hangingPunct="1">
+                        <a:defRPr sz="8640" b="1" kern="1200">
+                          <a:solidFill>
+                            <a:schemeClr val="lt1"/>
+                          </a:solidFill>
+                          <a:latin typeface="Calibri" panose="020F0502020204030204"/>
+                        </a:defRPr>
+                      </a:lvl3pPr>
+                      <a:lvl4pPr marL="6583680" algn="l" defTabSz="4389120" rtl="0" eaLnBrk="1" latinLnBrk="0" hangingPunct="1">
+                        <a:defRPr sz="8640" b="1" kern="1200">
+                          <a:solidFill>
+                            <a:schemeClr val="lt1"/>
+                          </a:solidFill>
+                          <a:latin typeface="Calibri" panose="020F0502020204030204"/>
+                        </a:defRPr>
+                      </a:lvl4pPr>
+                      <a:lvl5pPr marL="8778240" algn="l" defTabSz="4389120" rtl="0" eaLnBrk="1" latinLnBrk="0" hangingPunct="1">
+                        <a:defRPr sz="8640" b="1" kern="1200">
+                          <a:solidFill>
+                            <a:schemeClr val="lt1"/>
+                          </a:solidFill>
+                          <a:latin typeface="Calibri" panose="020F0502020204030204"/>
+                        </a:defRPr>
+                      </a:lvl5pPr>
+                      <a:lvl6pPr marL="10972800" algn="l" defTabSz="4389120" rtl="0" eaLnBrk="1" latinLnBrk="0" hangingPunct="1">
+                        <a:defRPr sz="8640" b="1" kern="1200">
+                          <a:solidFill>
+                            <a:schemeClr val="lt1"/>
+                          </a:solidFill>
+                          <a:latin typeface="Calibri" panose="020F0502020204030204"/>
+                        </a:defRPr>
+                      </a:lvl6pPr>
+                      <a:lvl7pPr marL="13167360" algn="l" defTabSz="4389120" rtl="0" eaLnBrk="1" latinLnBrk="0" hangingPunct="1">
+                        <a:defRPr sz="8640" b="1" kern="1200">
+                          <a:solidFill>
+                            <a:schemeClr val="lt1"/>
+                          </a:solidFill>
+                          <a:latin typeface="Calibri" panose="020F0502020204030204"/>
+                        </a:defRPr>
+                      </a:lvl7pPr>
+                      <a:lvl8pPr marL="15361920" algn="l" defTabSz="4389120" rtl="0" eaLnBrk="1" latinLnBrk="0" hangingPunct="1">
+                        <a:defRPr sz="8640" b="1" kern="1200">
+                          <a:solidFill>
+                            <a:schemeClr val="lt1"/>
+                          </a:solidFill>
+                          <a:latin typeface="Calibri" panose="020F0502020204030204"/>
+                        </a:defRPr>
+                      </a:lvl8pPr>
+                      <a:lvl9pPr marL="17556480" algn="l" defTabSz="4389120" rtl="0" eaLnBrk="1" latinLnBrk="0" hangingPunct="1">
+                        <a:defRPr sz="8640" b="1" kern="1200">
+                          <a:solidFill>
+                            <a:schemeClr val="lt1"/>
+                          </a:solidFill>
+                          <a:latin typeface="Calibri" panose="020F0502020204030204"/>
+                        </a:defRPr>
+                      </a:lvl9pPr>
+                    </a:lstStyle>
                     <a:p>
                       <a:pPr algn="ctr"/>
                       <a:r>
@@ -4467,6 +6500,34 @@
                     </a:p>
                   </a:txBody>
                   <a:tcPr anchor="ctr">
+                    <a:lnL w="12700" cmpd="sng">
+                      <a:solidFill>
+                        <a:sysClr val="window" lastClr="FFFFFF"/>
+                      </a:solidFill>
+                    </a:lnL>
+                    <a:lnR w="12700" cmpd="sng">
+                      <a:solidFill>
+                        <a:sysClr val="window" lastClr="FFFFFF"/>
+                      </a:solidFill>
+                    </a:lnR>
+                    <a:lnT w="12700" cmpd="sng">
+                      <a:solidFill>
+                        <a:sysClr val="window" lastClr="FFFFFF"/>
+                      </a:solidFill>
+                    </a:lnT>
+                    <a:lnB w="38100" cmpd="sng">
+                      <a:solidFill>
+                        <a:sysClr val="window" lastClr="FFFFFF"/>
+                      </a:solidFill>
+                    </a:lnB>
+                    <a:lnTlToBr w="12700" cmpd="sng">
+                      <a:noFill/>
+                      <a:prstDash val="solid"/>
+                    </a:lnTlToBr>
+                    <a:lnBlToTr w="12700" cmpd="sng">
+                      <a:noFill/>
+                      <a:prstDash val="solid"/>
+                    </a:lnBlToTr>
                     <a:solidFill>
                       <a:srgbClr val="8E2344"/>
                     </a:solidFill>
@@ -4475,7 +6536,80 @@
                 <a:tc>
                   <a:txBody>
                     <a:bodyPr/>
-                    <a:lstStyle/>
+                    <a:lstStyle>
+                      <a:lvl1pPr marL="0" algn="l" defTabSz="4389120" rtl="0" eaLnBrk="1" latinLnBrk="0" hangingPunct="1">
+                        <a:defRPr sz="8640" b="1" kern="1200">
+                          <a:solidFill>
+                            <a:schemeClr val="lt1"/>
+                          </a:solidFill>
+                          <a:latin typeface="Calibri" panose="020F0502020204030204"/>
+                        </a:defRPr>
+                      </a:lvl1pPr>
+                      <a:lvl2pPr marL="2194560" algn="l" defTabSz="4389120" rtl="0" eaLnBrk="1" latinLnBrk="0" hangingPunct="1">
+                        <a:defRPr sz="8640" b="1" kern="1200">
+                          <a:solidFill>
+                            <a:schemeClr val="lt1"/>
+                          </a:solidFill>
+                          <a:latin typeface="Calibri" panose="020F0502020204030204"/>
+                        </a:defRPr>
+                      </a:lvl2pPr>
+                      <a:lvl3pPr marL="4389120" algn="l" defTabSz="4389120" rtl="0" eaLnBrk="1" latinLnBrk="0" hangingPunct="1">
+                        <a:defRPr sz="8640" b="1" kern="1200">
+                          <a:solidFill>
+                            <a:schemeClr val="lt1"/>
+                          </a:solidFill>
+                          <a:latin typeface="Calibri" panose="020F0502020204030204"/>
+                        </a:defRPr>
+                      </a:lvl3pPr>
+                      <a:lvl4pPr marL="6583680" algn="l" defTabSz="4389120" rtl="0" eaLnBrk="1" latinLnBrk="0" hangingPunct="1">
+                        <a:defRPr sz="8640" b="1" kern="1200">
+                          <a:solidFill>
+                            <a:schemeClr val="lt1"/>
+                          </a:solidFill>
+                          <a:latin typeface="Calibri" panose="020F0502020204030204"/>
+                        </a:defRPr>
+                      </a:lvl4pPr>
+                      <a:lvl5pPr marL="8778240" algn="l" defTabSz="4389120" rtl="0" eaLnBrk="1" latinLnBrk="0" hangingPunct="1">
+                        <a:defRPr sz="8640" b="1" kern="1200">
+                          <a:solidFill>
+                            <a:schemeClr val="lt1"/>
+                          </a:solidFill>
+                          <a:latin typeface="Calibri" panose="020F0502020204030204"/>
+                        </a:defRPr>
+                      </a:lvl5pPr>
+                      <a:lvl6pPr marL="10972800" algn="l" defTabSz="4389120" rtl="0" eaLnBrk="1" latinLnBrk="0" hangingPunct="1">
+                        <a:defRPr sz="8640" b="1" kern="1200">
+                          <a:solidFill>
+                            <a:schemeClr val="lt1"/>
+                          </a:solidFill>
+                          <a:latin typeface="Calibri" panose="020F0502020204030204"/>
+                        </a:defRPr>
+                      </a:lvl6pPr>
+                      <a:lvl7pPr marL="13167360" algn="l" defTabSz="4389120" rtl="0" eaLnBrk="1" latinLnBrk="0" hangingPunct="1">
+                        <a:defRPr sz="8640" b="1" kern="1200">
+                          <a:solidFill>
+                            <a:schemeClr val="lt1"/>
+                          </a:solidFill>
+                          <a:latin typeface="Calibri" panose="020F0502020204030204"/>
+                        </a:defRPr>
+                      </a:lvl7pPr>
+                      <a:lvl8pPr marL="15361920" algn="l" defTabSz="4389120" rtl="0" eaLnBrk="1" latinLnBrk="0" hangingPunct="1">
+                        <a:defRPr sz="8640" b="1" kern="1200">
+                          <a:solidFill>
+                            <a:schemeClr val="lt1"/>
+                          </a:solidFill>
+                          <a:latin typeface="Calibri" panose="020F0502020204030204"/>
+                        </a:defRPr>
+                      </a:lvl8pPr>
+                      <a:lvl9pPr marL="17556480" algn="l" defTabSz="4389120" rtl="0" eaLnBrk="1" latinLnBrk="0" hangingPunct="1">
+                        <a:defRPr sz="8640" b="1" kern="1200">
+                          <a:solidFill>
+                            <a:schemeClr val="lt1"/>
+                          </a:solidFill>
+                          <a:latin typeface="Calibri" panose="020F0502020204030204"/>
+                        </a:defRPr>
+                      </a:lvl9pPr>
+                    </a:lstStyle>
                     <a:p>
                       <a:pPr algn="ctr"/>
                       <a:r>
@@ -4485,6 +6619,34 @@
                     </a:p>
                   </a:txBody>
                   <a:tcPr anchor="ctr">
+                    <a:lnL w="12700" cmpd="sng">
+                      <a:solidFill>
+                        <a:sysClr val="window" lastClr="FFFFFF"/>
+                      </a:solidFill>
+                    </a:lnL>
+                    <a:lnR w="12700" cmpd="sng">
+                      <a:solidFill>
+                        <a:sysClr val="window" lastClr="FFFFFF"/>
+                      </a:solidFill>
+                    </a:lnR>
+                    <a:lnT w="12700" cmpd="sng">
+                      <a:solidFill>
+                        <a:sysClr val="window" lastClr="FFFFFF"/>
+                      </a:solidFill>
+                    </a:lnT>
+                    <a:lnB w="38100" cmpd="sng">
+                      <a:solidFill>
+                        <a:sysClr val="window" lastClr="FFFFFF"/>
+                      </a:solidFill>
+                    </a:lnB>
+                    <a:lnTlToBr w="12700" cmpd="sng">
+                      <a:noFill/>
+                      <a:prstDash val="solid"/>
+                    </a:lnTlToBr>
+                    <a:lnBlToTr w="12700" cmpd="sng">
+                      <a:noFill/>
+                      <a:prstDash val="solid"/>
+                    </a:lnBlToTr>
                     <a:solidFill>
                       <a:srgbClr val="8E2344"/>
                     </a:solidFill>
@@ -4493,7 +6655,80 @@
                 <a:tc>
                   <a:txBody>
                     <a:bodyPr/>
-                    <a:lstStyle/>
+                    <a:lstStyle>
+                      <a:lvl1pPr marL="0" algn="l" defTabSz="4389120" rtl="0" eaLnBrk="1" latinLnBrk="0" hangingPunct="1">
+                        <a:defRPr sz="8640" b="1" kern="1200">
+                          <a:solidFill>
+                            <a:schemeClr val="lt1"/>
+                          </a:solidFill>
+                          <a:latin typeface="Calibri" panose="020F0502020204030204"/>
+                        </a:defRPr>
+                      </a:lvl1pPr>
+                      <a:lvl2pPr marL="2194560" algn="l" defTabSz="4389120" rtl="0" eaLnBrk="1" latinLnBrk="0" hangingPunct="1">
+                        <a:defRPr sz="8640" b="1" kern="1200">
+                          <a:solidFill>
+                            <a:schemeClr val="lt1"/>
+                          </a:solidFill>
+                          <a:latin typeface="Calibri" panose="020F0502020204030204"/>
+                        </a:defRPr>
+                      </a:lvl2pPr>
+                      <a:lvl3pPr marL="4389120" algn="l" defTabSz="4389120" rtl="0" eaLnBrk="1" latinLnBrk="0" hangingPunct="1">
+                        <a:defRPr sz="8640" b="1" kern="1200">
+                          <a:solidFill>
+                            <a:schemeClr val="lt1"/>
+                          </a:solidFill>
+                          <a:latin typeface="Calibri" panose="020F0502020204030204"/>
+                        </a:defRPr>
+                      </a:lvl3pPr>
+                      <a:lvl4pPr marL="6583680" algn="l" defTabSz="4389120" rtl="0" eaLnBrk="1" latinLnBrk="0" hangingPunct="1">
+                        <a:defRPr sz="8640" b="1" kern="1200">
+                          <a:solidFill>
+                            <a:schemeClr val="lt1"/>
+                          </a:solidFill>
+                          <a:latin typeface="Calibri" panose="020F0502020204030204"/>
+                        </a:defRPr>
+                      </a:lvl4pPr>
+                      <a:lvl5pPr marL="8778240" algn="l" defTabSz="4389120" rtl="0" eaLnBrk="1" latinLnBrk="0" hangingPunct="1">
+                        <a:defRPr sz="8640" b="1" kern="1200">
+                          <a:solidFill>
+                            <a:schemeClr val="lt1"/>
+                          </a:solidFill>
+                          <a:latin typeface="Calibri" panose="020F0502020204030204"/>
+                        </a:defRPr>
+                      </a:lvl5pPr>
+                      <a:lvl6pPr marL="10972800" algn="l" defTabSz="4389120" rtl="0" eaLnBrk="1" latinLnBrk="0" hangingPunct="1">
+                        <a:defRPr sz="8640" b="1" kern="1200">
+                          <a:solidFill>
+                            <a:schemeClr val="lt1"/>
+                          </a:solidFill>
+                          <a:latin typeface="Calibri" panose="020F0502020204030204"/>
+                        </a:defRPr>
+                      </a:lvl6pPr>
+                      <a:lvl7pPr marL="13167360" algn="l" defTabSz="4389120" rtl="0" eaLnBrk="1" latinLnBrk="0" hangingPunct="1">
+                        <a:defRPr sz="8640" b="1" kern="1200">
+                          <a:solidFill>
+                            <a:schemeClr val="lt1"/>
+                          </a:solidFill>
+                          <a:latin typeface="Calibri" panose="020F0502020204030204"/>
+                        </a:defRPr>
+                      </a:lvl7pPr>
+                      <a:lvl8pPr marL="15361920" algn="l" defTabSz="4389120" rtl="0" eaLnBrk="1" latinLnBrk="0" hangingPunct="1">
+                        <a:defRPr sz="8640" b="1" kern="1200">
+                          <a:solidFill>
+                            <a:schemeClr val="lt1"/>
+                          </a:solidFill>
+                          <a:latin typeface="Calibri" panose="020F0502020204030204"/>
+                        </a:defRPr>
+                      </a:lvl8pPr>
+                      <a:lvl9pPr marL="17556480" algn="l" defTabSz="4389120" rtl="0" eaLnBrk="1" latinLnBrk="0" hangingPunct="1">
+                        <a:defRPr sz="8640" b="1" kern="1200">
+                          <a:solidFill>
+                            <a:schemeClr val="lt1"/>
+                          </a:solidFill>
+                          <a:latin typeface="Calibri" panose="020F0502020204030204"/>
+                        </a:defRPr>
+                      </a:lvl9pPr>
+                    </a:lstStyle>
                     <a:p>
                       <a:pPr algn="ctr"/>
                       <a:r>
@@ -4503,6 +6738,34 @@
                     </a:p>
                   </a:txBody>
                   <a:tcPr anchor="ctr">
+                    <a:lnL w="12700" cmpd="sng">
+                      <a:solidFill>
+                        <a:sysClr val="window" lastClr="FFFFFF"/>
+                      </a:solidFill>
+                    </a:lnL>
+                    <a:lnR w="12700" cmpd="sng">
+                      <a:solidFill>
+                        <a:sysClr val="window" lastClr="FFFFFF"/>
+                      </a:solidFill>
+                    </a:lnR>
+                    <a:lnT w="12700" cmpd="sng">
+                      <a:solidFill>
+                        <a:sysClr val="window" lastClr="FFFFFF"/>
+                      </a:solidFill>
+                    </a:lnT>
+                    <a:lnB w="38100" cmpd="sng">
+                      <a:solidFill>
+                        <a:sysClr val="window" lastClr="FFFFFF"/>
+                      </a:solidFill>
+                    </a:lnB>
+                    <a:lnTlToBr w="12700" cmpd="sng">
+                      <a:noFill/>
+                      <a:prstDash val="solid"/>
+                    </a:lnTlToBr>
+                    <a:lnBlToTr w="12700" cmpd="sng">
+                      <a:noFill/>
+                      <a:prstDash val="solid"/>
+                    </a:lnBlToTr>
                     <a:solidFill>
                       <a:srgbClr val="8E2344"/>
                     </a:solidFill>
@@ -4510,15 +6773,88 @@
                 </a:tc>
                 <a:extLst>
                   <a:ext uri="{0D108BD9-81ED-4DB2-BD59-A6C34878D82A}">
-                    <a16:rowId xmlns:a16="http://schemas.microsoft.com/office/drawing/2014/main" val="2084501009"/>
+                    <a16:rowId xmlns:a16="http://schemas.microsoft.com/office/drawing/2014/main" xmlns="" val="2084501009"/>
                   </a:ext>
                 </a:extLst>
               </a:tr>
-              <a:tr h="429776">
+              <a:tr h="465015">
                 <a:tc>
                   <a:txBody>
                     <a:bodyPr/>
-                    <a:lstStyle/>
+                    <a:lstStyle>
+                      <a:lvl1pPr marL="0" algn="l" defTabSz="4389120" rtl="0" eaLnBrk="1" latinLnBrk="0" hangingPunct="1">
+                        <a:defRPr sz="8640" kern="1200">
+                          <a:solidFill>
+                            <a:schemeClr val="dk1"/>
+                          </a:solidFill>
+                          <a:latin typeface="Calibri" panose="020F0502020204030204"/>
+                        </a:defRPr>
+                      </a:lvl1pPr>
+                      <a:lvl2pPr marL="2194560" algn="l" defTabSz="4389120" rtl="0" eaLnBrk="1" latinLnBrk="0" hangingPunct="1">
+                        <a:defRPr sz="8640" kern="1200">
+                          <a:solidFill>
+                            <a:schemeClr val="dk1"/>
+                          </a:solidFill>
+                          <a:latin typeface="Calibri" panose="020F0502020204030204"/>
+                        </a:defRPr>
+                      </a:lvl2pPr>
+                      <a:lvl3pPr marL="4389120" algn="l" defTabSz="4389120" rtl="0" eaLnBrk="1" latinLnBrk="0" hangingPunct="1">
+                        <a:defRPr sz="8640" kern="1200">
+                          <a:solidFill>
+                            <a:schemeClr val="dk1"/>
+                          </a:solidFill>
+                          <a:latin typeface="Calibri" panose="020F0502020204030204"/>
+                        </a:defRPr>
+                      </a:lvl3pPr>
+                      <a:lvl4pPr marL="6583680" algn="l" defTabSz="4389120" rtl="0" eaLnBrk="1" latinLnBrk="0" hangingPunct="1">
+                        <a:defRPr sz="8640" kern="1200">
+                          <a:solidFill>
+                            <a:schemeClr val="dk1"/>
+                          </a:solidFill>
+                          <a:latin typeface="Calibri" panose="020F0502020204030204"/>
+                        </a:defRPr>
+                      </a:lvl4pPr>
+                      <a:lvl5pPr marL="8778240" algn="l" defTabSz="4389120" rtl="0" eaLnBrk="1" latinLnBrk="0" hangingPunct="1">
+                        <a:defRPr sz="8640" kern="1200">
+                          <a:solidFill>
+                            <a:schemeClr val="dk1"/>
+                          </a:solidFill>
+                          <a:latin typeface="Calibri" panose="020F0502020204030204"/>
+                        </a:defRPr>
+                      </a:lvl5pPr>
+                      <a:lvl6pPr marL="10972800" algn="l" defTabSz="4389120" rtl="0" eaLnBrk="1" latinLnBrk="0" hangingPunct="1">
+                        <a:defRPr sz="8640" kern="1200">
+                          <a:solidFill>
+                            <a:schemeClr val="dk1"/>
+                          </a:solidFill>
+                          <a:latin typeface="Calibri" panose="020F0502020204030204"/>
+                        </a:defRPr>
+                      </a:lvl6pPr>
+                      <a:lvl7pPr marL="13167360" algn="l" defTabSz="4389120" rtl="0" eaLnBrk="1" latinLnBrk="0" hangingPunct="1">
+                        <a:defRPr sz="8640" kern="1200">
+                          <a:solidFill>
+                            <a:schemeClr val="dk1"/>
+                          </a:solidFill>
+                          <a:latin typeface="Calibri" panose="020F0502020204030204"/>
+                        </a:defRPr>
+                      </a:lvl7pPr>
+                      <a:lvl8pPr marL="15361920" algn="l" defTabSz="4389120" rtl="0" eaLnBrk="1" latinLnBrk="0" hangingPunct="1">
+                        <a:defRPr sz="8640" kern="1200">
+                          <a:solidFill>
+                            <a:schemeClr val="dk1"/>
+                          </a:solidFill>
+                          <a:latin typeface="Calibri" panose="020F0502020204030204"/>
+                        </a:defRPr>
+                      </a:lvl8pPr>
+                      <a:lvl9pPr marL="17556480" algn="l" defTabSz="4389120" rtl="0" eaLnBrk="1" latinLnBrk="0" hangingPunct="1">
+                        <a:defRPr sz="8640" kern="1200">
+                          <a:solidFill>
+                            <a:schemeClr val="dk1"/>
+                          </a:solidFill>
+                          <a:latin typeface="Calibri" panose="020F0502020204030204"/>
+                        </a:defRPr>
+                      </a:lvl9pPr>
+                    </a:lstStyle>
                     <a:p>
                       <a:pPr algn="ctr"/>
                       <a:r>
@@ -4532,6 +6868,34 @@
                     </a:p>
                   </a:txBody>
                   <a:tcPr anchor="ctr">
+                    <a:lnL w="12700" cmpd="sng">
+                      <a:solidFill>
+                        <a:sysClr val="window" lastClr="FFFFFF"/>
+                      </a:solidFill>
+                    </a:lnL>
+                    <a:lnR w="12700" cmpd="sng">
+                      <a:solidFill>
+                        <a:sysClr val="window" lastClr="FFFFFF"/>
+                      </a:solidFill>
+                    </a:lnR>
+                    <a:lnT w="38100" cmpd="sng">
+                      <a:solidFill>
+                        <a:sysClr val="window" lastClr="FFFFFF"/>
+                      </a:solidFill>
+                    </a:lnT>
+                    <a:lnB w="12700" cmpd="sng">
+                      <a:solidFill>
+                        <a:sysClr val="window" lastClr="FFFFFF"/>
+                      </a:solidFill>
+                    </a:lnB>
+                    <a:lnTlToBr w="12700" cmpd="sng">
+                      <a:noFill/>
+                      <a:prstDash val="solid"/>
+                    </a:lnTlToBr>
+                    <a:lnBlToTr w="12700" cmpd="sng">
+                      <a:noFill/>
+                      <a:prstDash val="solid"/>
+                    </a:lnBlToTr>
                     <a:solidFill>
                       <a:srgbClr val="8E2344"/>
                     </a:solidFill>
@@ -4540,7 +6904,80 @@
                 <a:tc>
                   <a:txBody>
                     <a:bodyPr/>
-                    <a:lstStyle/>
+                    <a:lstStyle>
+                      <a:lvl1pPr marL="0" algn="l" defTabSz="4389120" rtl="0" eaLnBrk="1" latinLnBrk="0" hangingPunct="1">
+                        <a:defRPr sz="8640" kern="1200">
+                          <a:solidFill>
+                            <a:schemeClr val="dk1"/>
+                          </a:solidFill>
+                          <a:latin typeface="Calibri" panose="020F0502020204030204"/>
+                        </a:defRPr>
+                      </a:lvl1pPr>
+                      <a:lvl2pPr marL="2194560" algn="l" defTabSz="4389120" rtl="0" eaLnBrk="1" latinLnBrk="0" hangingPunct="1">
+                        <a:defRPr sz="8640" kern="1200">
+                          <a:solidFill>
+                            <a:schemeClr val="dk1"/>
+                          </a:solidFill>
+                          <a:latin typeface="Calibri" panose="020F0502020204030204"/>
+                        </a:defRPr>
+                      </a:lvl2pPr>
+                      <a:lvl3pPr marL="4389120" algn="l" defTabSz="4389120" rtl="0" eaLnBrk="1" latinLnBrk="0" hangingPunct="1">
+                        <a:defRPr sz="8640" kern="1200">
+                          <a:solidFill>
+                            <a:schemeClr val="dk1"/>
+                          </a:solidFill>
+                          <a:latin typeface="Calibri" panose="020F0502020204030204"/>
+                        </a:defRPr>
+                      </a:lvl3pPr>
+                      <a:lvl4pPr marL="6583680" algn="l" defTabSz="4389120" rtl="0" eaLnBrk="1" latinLnBrk="0" hangingPunct="1">
+                        <a:defRPr sz="8640" kern="1200">
+                          <a:solidFill>
+                            <a:schemeClr val="dk1"/>
+                          </a:solidFill>
+                          <a:latin typeface="Calibri" panose="020F0502020204030204"/>
+                        </a:defRPr>
+                      </a:lvl4pPr>
+                      <a:lvl5pPr marL="8778240" algn="l" defTabSz="4389120" rtl="0" eaLnBrk="1" latinLnBrk="0" hangingPunct="1">
+                        <a:defRPr sz="8640" kern="1200">
+                          <a:solidFill>
+                            <a:schemeClr val="dk1"/>
+                          </a:solidFill>
+                          <a:latin typeface="Calibri" panose="020F0502020204030204"/>
+                        </a:defRPr>
+                      </a:lvl5pPr>
+                      <a:lvl6pPr marL="10972800" algn="l" defTabSz="4389120" rtl="0" eaLnBrk="1" latinLnBrk="0" hangingPunct="1">
+                        <a:defRPr sz="8640" kern="1200">
+                          <a:solidFill>
+                            <a:schemeClr val="dk1"/>
+                          </a:solidFill>
+                          <a:latin typeface="Calibri" panose="020F0502020204030204"/>
+                        </a:defRPr>
+                      </a:lvl6pPr>
+                      <a:lvl7pPr marL="13167360" algn="l" defTabSz="4389120" rtl="0" eaLnBrk="1" latinLnBrk="0" hangingPunct="1">
+                        <a:defRPr sz="8640" kern="1200">
+                          <a:solidFill>
+                            <a:schemeClr val="dk1"/>
+                          </a:solidFill>
+                          <a:latin typeface="Calibri" panose="020F0502020204030204"/>
+                        </a:defRPr>
+                      </a:lvl7pPr>
+                      <a:lvl8pPr marL="15361920" algn="l" defTabSz="4389120" rtl="0" eaLnBrk="1" latinLnBrk="0" hangingPunct="1">
+                        <a:defRPr sz="8640" kern="1200">
+                          <a:solidFill>
+                            <a:schemeClr val="dk1"/>
+                          </a:solidFill>
+                          <a:latin typeface="Calibri" panose="020F0502020204030204"/>
+                        </a:defRPr>
+                      </a:lvl8pPr>
+                      <a:lvl9pPr marL="17556480" algn="l" defTabSz="4389120" rtl="0" eaLnBrk="1" latinLnBrk="0" hangingPunct="1">
+                        <a:defRPr sz="8640" kern="1200">
+                          <a:solidFill>
+                            <a:schemeClr val="dk1"/>
+                          </a:solidFill>
+                          <a:latin typeface="Calibri" panose="020F0502020204030204"/>
+                        </a:defRPr>
+                      </a:lvl9pPr>
+                    </a:lstStyle>
                     <a:p>
                       <a:pPr algn="ctr"/>
                       <a:r>
@@ -4549,12 +6986,119 @@
                       </a:r>
                     </a:p>
                   </a:txBody>
-                  <a:tcPr anchor="ctr"/>
+                  <a:tcPr anchor="ctr">
+                    <a:lnL w="12700" cmpd="sng">
+                      <a:solidFill>
+                        <a:sysClr val="window" lastClr="FFFFFF"/>
+                      </a:solidFill>
+                    </a:lnL>
+                    <a:lnR w="12700" cmpd="sng">
+                      <a:solidFill>
+                        <a:sysClr val="window" lastClr="FFFFFF"/>
+                      </a:solidFill>
+                    </a:lnR>
+                    <a:lnT w="38100" cmpd="sng">
+                      <a:solidFill>
+                        <a:sysClr val="window" lastClr="FFFFFF"/>
+                      </a:solidFill>
+                    </a:lnT>
+                    <a:lnB w="12700" cmpd="sng">
+                      <a:solidFill>
+                        <a:sysClr val="window" lastClr="FFFFFF"/>
+                      </a:solidFill>
+                    </a:lnB>
+                    <a:lnTlToBr w="12700" cmpd="sng">
+                      <a:noFill/>
+                      <a:prstDash val="solid"/>
+                    </a:lnTlToBr>
+                    <a:lnBlToTr w="12700" cmpd="sng">
+                      <a:noFill/>
+                      <a:prstDash val="solid"/>
+                    </a:lnBlToTr>
+                    <a:solidFill>
+                      <a:srgbClr val="4472C4">
+                        <a:tint val="40000"/>
+                      </a:srgbClr>
+                    </a:solidFill>
+                  </a:tcPr>
                 </a:tc>
                 <a:tc>
                   <a:txBody>
                     <a:bodyPr/>
-                    <a:lstStyle/>
+                    <a:lstStyle>
+                      <a:lvl1pPr marL="0" algn="l" defTabSz="4389120" rtl="0" eaLnBrk="1" latinLnBrk="0" hangingPunct="1">
+                        <a:defRPr sz="8640" kern="1200">
+                          <a:solidFill>
+                            <a:schemeClr val="dk1"/>
+                          </a:solidFill>
+                          <a:latin typeface="Calibri" panose="020F0502020204030204"/>
+                        </a:defRPr>
+                      </a:lvl1pPr>
+                      <a:lvl2pPr marL="2194560" algn="l" defTabSz="4389120" rtl="0" eaLnBrk="1" latinLnBrk="0" hangingPunct="1">
+                        <a:defRPr sz="8640" kern="1200">
+                          <a:solidFill>
+                            <a:schemeClr val="dk1"/>
+                          </a:solidFill>
+                          <a:latin typeface="Calibri" panose="020F0502020204030204"/>
+                        </a:defRPr>
+                      </a:lvl2pPr>
+                      <a:lvl3pPr marL="4389120" algn="l" defTabSz="4389120" rtl="0" eaLnBrk="1" latinLnBrk="0" hangingPunct="1">
+                        <a:defRPr sz="8640" kern="1200">
+                          <a:solidFill>
+                            <a:schemeClr val="dk1"/>
+                          </a:solidFill>
+                          <a:latin typeface="Calibri" panose="020F0502020204030204"/>
+                        </a:defRPr>
+                      </a:lvl3pPr>
+                      <a:lvl4pPr marL="6583680" algn="l" defTabSz="4389120" rtl="0" eaLnBrk="1" latinLnBrk="0" hangingPunct="1">
+                        <a:defRPr sz="8640" kern="1200">
+                          <a:solidFill>
+                            <a:schemeClr val="dk1"/>
+                          </a:solidFill>
+                          <a:latin typeface="Calibri" panose="020F0502020204030204"/>
+                        </a:defRPr>
+                      </a:lvl4pPr>
+                      <a:lvl5pPr marL="8778240" algn="l" defTabSz="4389120" rtl="0" eaLnBrk="1" latinLnBrk="0" hangingPunct="1">
+                        <a:defRPr sz="8640" kern="1200">
+                          <a:solidFill>
+                            <a:schemeClr val="dk1"/>
+                          </a:solidFill>
+                          <a:latin typeface="Calibri" panose="020F0502020204030204"/>
+                        </a:defRPr>
+                      </a:lvl5pPr>
+                      <a:lvl6pPr marL="10972800" algn="l" defTabSz="4389120" rtl="0" eaLnBrk="1" latinLnBrk="0" hangingPunct="1">
+                        <a:defRPr sz="8640" kern="1200">
+                          <a:solidFill>
+                            <a:schemeClr val="dk1"/>
+                          </a:solidFill>
+                          <a:latin typeface="Calibri" panose="020F0502020204030204"/>
+                        </a:defRPr>
+                      </a:lvl6pPr>
+                      <a:lvl7pPr marL="13167360" algn="l" defTabSz="4389120" rtl="0" eaLnBrk="1" latinLnBrk="0" hangingPunct="1">
+                        <a:defRPr sz="8640" kern="1200">
+                          <a:solidFill>
+                            <a:schemeClr val="dk1"/>
+                          </a:solidFill>
+                          <a:latin typeface="Calibri" panose="020F0502020204030204"/>
+                        </a:defRPr>
+                      </a:lvl7pPr>
+                      <a:lvl8pPr marL="15361920" algn="l" defTabSz="4389120" rtl="0" eaLnBrk="1" latinLnBrk="0" hangingPunct="1">
+                        <a:defRPr sz="8640" kern="1200">
+                          <a:solidFill>
+                            <a:schemeClr val="dk1"/>
+                          </a:solidFill>
+                          <a:latin typeface="Calibri" panose="020F0502020204030204"/>
+                        </a:defRPr>
+                      </a:lvl8pPr>
+                      <a:lvl9pPr marL="17556480" algn="l" defTabSz="4389120" rtl="0" eaLnBrk="1" latinLnBrk="0" hangingPunct="1">
+                        <a:defRPr sz="8640" kern="1200">
+                          <a:solidFill>
+                            <a:schemeClr val="dk1"/>
+                          </a:solidFill>
+                          <a:latin typeface="Calibri" panose="020F0502020204030204"/>
+                        </a:defRPr>
+                      </a:lvl9pPr>
+                    </a:lstStyle>
                     <a:p>
                       <a:pPr algn="ctr"/>
                       <a:r>
@@ -4563,12 +7107,119 @@
                       </a:r>
                     </a:p>
                   </a:txBody>
-                  <a:tcPr anchor="ctr"/>
+                  <a:tcPr anchor="ctr">
+                    <a:lnL w="12700" cmpd="sng">
+                      <a:solidFill>
+                        <a:sysClr val="window" lastClr="FFFFFF"/>
+                      </a:solidFill>
+                    </a:lnL>
+                    <a:lnR w="12700" cmpd="sng">
+                      <a:solidFill>
+                        <a:sysClr val="window" lastClr="FFFFFF"/>
+                      </a:solidFill>
+                    </a:lnR>
+                    <a:lnT w="38100" cmpd="sng">
+                      <a:solidFill>
+                        <a:sysClr val="window" lastClr="FFFFFF"/>
+                      </a:solidFill>
+                    </a:lnT>
+                    <a:lnB w="12700" cmpd="sng">
+                      <a:solidFill>
+                        <a:sysClr val="window" lastClr="FFFFFF"/>
+                      </a:solidFill>
+                    </a:lnB>
+                    <a:lnTlToBr w="12700" cmpd="sng">
+                      <a:noFill/>
+                      <a:prstDash val="solid"/>
+                    </a:lnTlToBr>
+                    <a:lnBlToTr w="12700" cmpd="sng">
+                      <a:noFill/>
+                      <a:prstDash val="solid"/>
+                    </a:lnBlToTr>
+                    <a:solidFill>
+                      <a:srgbClr val="4472C4">
+                        <a:tint val="40000"/>
+                      </a:srgbClr>
+                    </a:solidFill>
+                  </a:tcPr>
                 </a:tc>
                 <a:tc>
                   <a:txBody>
                     <a:bodyPr/>
-                    <a:lstStyle/>
+                    <a:lstStyle>
+                      <a:lvl1pPr marL="0" algn="l" defTabSz="4389120" rtl="0" eaLnBrk="1" latinLnBrk="0" hangingPunct="1">
+                        <a:defRPr sz="8640" kern="1200">
+                          <a:solidFill>
+                            <a:schemeClr val="dk1"/>
+                          </a:solidFill>
+                          <a:latin typeface="Calibri" panose="020F0502020204030204"/>
+                        </a:defRPr>
+                      </a:lvl1pPr>
+                      <a:lvl2pPr marL="2194560" algn="l" defTabSz="4389120" rtl="0" eaLnBrk="1" latinLnBrk="0" hangingPunct="1">
+                        <a:defRPr sz="8640" kern="1200">
+                          <a:solidFill>
+                            <a:schemeClr val="dk1"/>
+                          </a:solidFill>
+                          <a:latin typeface="Calibri" panose="020F0502020204030204"/>
+                        </a:defRPr>
+                      </a:lvl2pPr>
+                      <a:lvl3pPr marL="4389120" algn="l" defTabSz="4389120" rtl="0" eaLnBrk="1" latinLnBrk="0" hangingPunct="1">
+                        <a:defRPr sz="8640" kern="1200">
+                          <a:solidFill>
+                            <a:schemeClr val="dk1"/>
+                          </a:solidFill>
+                          <a:latin typeface="Calibri" panose="020F0502020204030204"/>
+                        </a:defRPr>
+                      </a:lvl3pPr>
+                      <a:lvl4pPr marL="6583680" algn="l" defTabSz="4389120" rtl="0" eaLnBrk="1" latinLnBrk="0" hangingPunct="1">
+                        <a:defRPr sz="8640" kern="1200">
+                          <a:solidFill>
+                            <a:schemeClr val="dk1"/>
+                          </a:solidFill>
+                          <a:latin typeface="Calibri" panose="020F0502020204030204"/>
+                        </a:defRPr>
+                      </a:lvl4pPr>
+                      <a:lvl5pPr marL="8778240" algn="l" defTabSz="4389120" rtl="0" eaLnBrk="1" latinLnBrk="0" hangingPunct="1">
+                        <a:defRPr sz="8640" kern="1200">
+                          <a:solidFill>
+                            <a:schemeClr val="dk1"/>
+                          </a:solidFill>
+                          <a:latin typeface="Calibri" panose="020F0502020204030204"/>
+                        </a:defRPr>
+                      </a:lvl5pPr>
+                      <a:lvl6pPr marL="10972800" algn="l" defTabSz="4389120" rtl="0" eaLnBrk="1" latinLnBrk="0" hangingPunct="1">
+                        <a:defRPr sz="8640" kern="1200">
+                          <a:solidFill>
+                            <a:schemeClr val="dk1"/>
+                          </a:solidFill>
+                          <a:latin typeface="Calibri" panose="020F0502020204030204"/>
+                        </a:defRPr>
+                      </a:lvl6pPr>
+                      <a:lvl7pPr marL="13167360" algn="l" defTabSz="4389120" rtl="0" eaLnBrk="1" latinLnBrk="0" hangingPunct="1">
+                        <a:defRPr sz="8640" kern="1200">
+                          <a:solidFill>
+                            <a:schemeClr val="dk1"/>
+                          </a:solidFill>
+                          <a:latin typeface="Calibri" panose="020F0502020204030204"/>
+                        </a:defRPr>
+                      </a:lvl7pPr>
+                      <a:lvl8pPr marL="15361920" algn="l" defTabSz="4389120" rtl="0" eaLnBrk="1" latinLnBrk="0" hangingPunct="1">
+                        <a:defRPr sz="8640" kern="1200">
+                          <a:solidFill>
+                            <a:schemeClr val="dk1"/>
+                          </a:solidFill>
+                          <a:latin typeface="Calibri" panose="020F0502020204030204"/>
+                        </a:defRPr>
+                      </a:lvl8pPr>
+                      <a:lvl9pPr marL="17556480" algn="l" defTabSz="4389120" rtl="0" eaLnBrk="1" latinLnBrk="0" hangingPunct="1">
+                        <a:defRPr sz="8640" kern="1200">
+                          <a:solidFill>
+                            <a:schemeClr val="dk1"/>
+                          </a:solidFill>
+                          <a:latin typeface="Calibri" panose="020F0502020204030204"/>
+                        </a:defRPr>
+                      </a:lvl9pPr>
+                    </a:lstStyle>
                     <a:p>
                       <a:pPr algn="ctr"/>
                       <a:r>
@@ -4577,19 +7228,126 @@
                       </a:r>
                     </a:p>
                   </a:txBody>
-                  <a:tcPr anchor="ctr"/>
+                  <a:tcPr anchor="ctr">
+                    <a:lnL w="12700" cmpd="sng">
+                      <a:solidFill>
+                        <a:sysClr val="window" lastClr="FFFFFF"/>
+                      </a:solidFill>
+                    </a:lnL>
+                    <a:lnR w="12700" cmpd="sng">
+                      <a:solidFill>
+                        <a:sysClr val="window" lastClr="FFFFFF"/>
+                      </a:solidFill>
+                    </a:lnR>
+                    <a:lnT w="38100" cmpd="sng">
+                      <a:solidFill>
+                        <a:sysClr val="window" lastClr="FFFFFF"/>
+                      </a:solidFill>
+                    </a:lnT>
+                    <a:lnB w="12700" cmpd="sng">
+                      <a:solidFill>
+                        <a:sysClr val="window" lastClr="FFFFFF"/>
+                      </a:solidFill>
+                    </a:lnB>
+                    <a:lnTlToBr w="12700" cmpd="sng">
+                      <a:noFill/>
+                      <a:prstDash val="solid"/>
+                    </a:lnTlToBr>
+                    <a:lnBlToTr w="12700" cmpd="sng">
+                      <a:noFill/>
+                      <a:prstDash val="solid"/>
+                    </a:lnBlToTr>
+                    <a:solidFill>
+                      <a:srgbClr val="4472C4">
+                        <a:tint val="40000"/>
+                      </a:srgbClr>
+                    </a:solidFill>
+                  </a:tcPr>
                 </a:tc>
                 <a:extLst>
                   <a:ext uri="{0D108BD9-81ED-4DB2-BD59-A6C34878D82A}">
-                    <a16:rowId xmlns:a16="http://schemas.microsoft.com/office/drawing/2014/main" val="2612314924"/>
+                    <a16:rowId xmlns:a16="http://schemas.microsoft.com/office/drawing/2014/main" xmlns="" val="2612314924"/>
                   </a:ext>
                 </a:extLst>
               </a:tr>
-              <a:tr h="429776">
+              <a:tr h="465015">
                 <a:tc>
                   <a:txBody>
                     <a:bodyPr/>
-                    <a:lstStyle/>
+                    <a:lstStyle>
+                      <a:lvl1pPr marL="0" algn="l" defTabSz="4389120" rtl="0" eaLnBrk="1" latinLnBrk="0" hangingPunct="1">
+                        <a:defRPr sz="8640" kern="1200">
+                          <a:solidFill>
+                            <a:schemeClr val="dk1"/>
+                          </a:solidFill>
+                          <a:latin typeface="Calibri" panose="020F0502020204030204"/>
+                        </a:defRPr>
+                      </a:lvl1pPr>
+                      <a:lvl2pPr marL="2194560" algn="l" defTabSz="4389120" rtl="0" eaLnBrk="1" latinLnBrk="0" hangingPunct="1">
+                        <a:defRPr sz="8640" kern="1200">
+                          <a:solidFill>
+                            <a:schemeClr val="dk1"/>
+                          </a:solidFill>
+                          <a:latin typeface="Calibri" panose="020F0502020204030204"/>
+                        </a:defRPr>
+                      </a:lvl2pPr>
+                      <a:lvl3pPr marL="4389120" algn="l" defTabSz="4389120" rtl="0" eaLnBrk="1" latinLnBrk="0" hangingPunct="1">
+                        <a:defRPr sz="8640" kern="1200">
+                          <a:solidFill>
+                            <a:schemeClr val="dk1"/>
+                          </a:solidFill>
+                          <a:latin typeface="Calibri" panose="020F0502020204030204"/>
+                        </a:defRPr>
+                      </a:lvl3pPr>
+                      <a:lvl4pPr marL="6583680" algn="l" defTabSz="4389120" rtl="0" eaLnBrk="1" latinLnBrk="0" hangingPunct="1">
+                        <a:defRPr sz="8640" kern="1200">
+                          <a:solidFill>
+                            <a:schemeClr val="dk1"/>
+                          </a:solidFill>
+                          <a:latin typeface="Calibri" panose="020F0502020204030204"/>
+                        </a:defRPr>
+                      </a:lvl4pPr>
+                      <a:lvl5pPr marL="8778240" algn="l" defTabSz="4389120" rtl="0" eaLnBrk="1" latinLnBrk="0" hangingPunct="1">
+                        <a:defRPr sz="8640" kern="1200">
+                          <a:solidFill>
+                            <a:schemeClr val="dk1"/>
+                          </a:solidFill>
+                          <a:latin typeface="Calibri" panose="020F0502020204030204"/>
+                        </a:defRPr>
+                      </a:lvl5pPr>
+                      <a:lvl6pPr marL="10972800" algn="l" defTabSz="4389120" rtl="0" eaLnBrk="1" latinLnBrk="0" hangingPunct="1">
+                        <a:defRPr sz="8640" kern="1200">
+                          <a:solidFill>
+                            <a:schemeClr val="dk1"/>
+                          </a:solidFill>
+                          <a:latin typeface="Calibri" panose="020F0502020204030204"/>
+                        </a:defRPr>
+                      </a:lvl6pPr>
+                      <a:lvl7pPr marL="13167360" algn="l" defTabSz="4389120" rtl="0" eaLnBrk="1" latinLnBrk="0" hangingPunct="1">
+                        <a:defRPr sz="8640" kern="1200">
+                          <a:solidFill>
+                            <a:schemeClr val="dk1"/>
+                          </a:solidFill>
+                          <a:latin typeface="Calibri" panose="020F0502020204030204"/>
+                        </a:defRPr>
+                      </a:lvl7pPr>
+                      <a:lvl8pPr marL="15361920" algn="l" defTabSz="4389120" rtl="0" eaLnBrk="1" latinLnBrk="0" hangingPunct="1">
+                        <a:defRPr sz="8640" kern="1200">
+                          <a:solidFill>
+                            <a:schemeClr val="dk1"/>
+                          </a:solidFill>
+                          <a:latin typeface="Calibri" panose="020F0502020204030204"/>
+                        </a:defRPr>
+                      </a:lvl8pPr>
+                      <a:lvl9pPr marL="17556480" algn="l" defTabSz="4389120" rtl="0" eaLnBrk="1" latinLnBrk="0" hangingPunct="1">
+                        <a:defRPr sz="8640" kern="1200">
+                          <a:solidFill>
+                            <a:schemeClr val="dk1"/>
+                          </a:solidFill>
+                          <a:latin typeface="Calibri" panose="020F0502020204030204"/>
+                        </a:defRPr>
+                      </a:lvl9pPr>
+                    </a:lstStyle>
                     <a:p>
                       <a:pPr algn="ctr"/>
                       <a:r>
@@ -4603,6 +7361,34 @@
                     </a:p>
                   </a:txBody>
                   <a:tcPr anchor="ctr">
+                    <a:lnL w="12700" cmpd="sng">
+                      <a:solidFill>
+                        <a:sysClr val="window" lastClr="FFFFFF"/>
+                      </a:solidFill>
+                    </a:lnL>
+                    <a:lnR w="12700" cmpd="sng">
+                      <a:solidFill>
+                        <a:sysClr val="window" lastClr="FFFFFF"/>
+                      </a:solidFill>
+                    </a:lnR>
+                    <a:lnT w="12700" cmpd="sng">
+                      <a:solidFill>
+                        <a:sysClr val="window" lastClr="FFFFFF"/>
+                      </a:solidFill>
+                    </a:lnT>
+                    <a:lnB w="12700" cmpd="sng">
+                      <a:solidFill>
+                        <a:sysClr val="window" lastClr="FFFFFF"/>
+                      </a:solidFill>
+                    </a:lnB>
+                    <a:lnTlToBr w="12700" cmpd="sng">
+                      <a:noFill/>
+                      <a:prstDash val="solid"/>
+                    </a:lnTlToBr>
+                    <a:lnBlToTr w="12700" cmpd="sng">
+                      <a:noFill/>
+                      <a:prstDash val="solid"/>
+                    </a:lnBlToTr>
                     <a:solidFill>
                       <a:srgbClr val="8E2344"/>
                     </a:solidFill>
@@ -4611,7 +7397,80 @@
                 <a:tc>
                   <a:txBody>
                     <a:bodyPr/>
-                    <a:lstStyle/>
+                    <a:lstStyle>
+                      <a:lvl1pPr marL="0" algn="l" defTabSz="4389120" rtl="0" eaLnBrk="1" latinLnBrk="0" hangingPunct="1">
+                        <a:defRPr sz="8640" kern="1200">
+                          <a:solidFill>
+                            <a:schemeClr val="dk1"/>
+                          </a:solidFill>
+                          <a:latin typeface="Calibri" panose="020F0502020204030204"/>
+                        </a:defRPr>
+                      </a:lvl1pPr>
+                      <a:lvl2pPr marL="2194560" algn="l" defTabSz="4389120" rtl="0" eaLnBrk="1" latinLnBrk="0" hangingPunct="1">
+                        <a:defRPr sz="8640" kern="1200">
+                          <a:solidFill>
+                            <a:schemeClr val="dk1"/>
+                          </a:solidFill>
+                          <a:latin typeface="Calibri" panose="020F0502020204030204"/>
+                        </a:defRPr>
+                      </a:lvl2pPr>
+                      <a:lvl3pPr marL="4389120" algn="l" defTabSz="4389120" rtl="0" eaLnBrk="1" latinLnBrk="0" hangingPunct="1">
+                        <a:defRPr sz="8640" kern="1200">
+                          <a:solidFill>
+                            <a:schemeClr val="dk1"/>
+                          </a:solidFill>
+                          <a:latin typeface="Calibri" panose="020F0502020204030204"/>
+                        </a:defRPr>
+                      </a:lvl3pPr>
+                      <a:lvl4pPr marL="6583680" algn="l" defTabSz="4389120" rtl="0" eaLnBrk="1" latinLnBrk="0" hangingPunct="1">
+                        <a:defRPr sz="8640" kern="1200">
+                          <a:solidFill>
+                            <a:schemeClr val="dk1"/>
+                          </a:solidFill>
+                          <a:latin typeface="Calibri" panose="020F0502020204030204"/>
+                        </a:defRPr>
+                      </a:lvl4pPr>
+                      <a:lvl5pPr marL="8778240" algn="l" defTabSz="4389120" rtl="0" eaLnBrk="1" latinLnBrk="0" hangingPunct="1">
+                        <a:defRPr sz="8640" kern="1200">
+                          <a:solidFill>
+                            <a:schemeClr val="dk1"/>
+                          </a:solidFill>
+                          <a:latin typeface="Calibri" panose="020F0502020204030204"/>
+                        </a:defRPr>
+                      </a:lvl5pPr>
+                      <a:lvl6pPr marL="10972800" algn="l" defTabSz="4389120" rtl="0" eaLnBrk="1" latinLnBrk="0" hangingPunct="1">
+                        <a:defRPr sz="8640" kern="1200">
+                          <a:solidFill>
+                            <a:schemeClr val="dk1"/>
+                          </a:solidFill>
+                          <a:latin typeface="Calibri" panose="020F0502020204030204"/>
+                        </a:defRPr>
+                      </a:lvl6pPr>
+                      <a:lvl7pPr marL="13167360" algn="l" defTabSz="4389120" rtl="0" eaLnBrk="1" latinLnBrk="0" hangingPunct="1">
+                        <a:defRPr sz="8640" kern="1200">
+                          <a:solidFill>
+                            <a:schemeClr val="dk1"/>
+                          </a:solidFill>
+                          <a:latin typeface="Calibri" panose="020F0502020204030204"/>
+                        </a:defRPr>
+                      </a:lvl7pPr>
+                      <a:lvl8pPr marL="15361920" algn="l" defTabSz="4389120" rtl="0" eaLnBrk="1" latinLnBrk="0" hangingPunct="1">
+                        <a:defRPr sz="8640" kern="1200">
+                          <a:solidFill>
+                            <a:schemeClr val="dk1"/>
+                          </a:solidFill>
+                          <a:latin typeface="Calibri" panose="020F0502020204030204"/>
+                        </a:defRPr>
+                      </a:lvl8pPr>
+                      <a:lvl9pPr marL="17556480" algn="l" defTabSz="4389120" rtl="0" eaLnBrk="1" latinLnBrk="0" hangingPunct="1">
+                        <a:defRPr sz="8640" kern="1200">
+                          <a:solidFill>
+                            <a:schemeClr val="dk1"/>
+                          </a:solidFill>
+                          <a:latin typeface="Calibri" panose="020F0502020204030204"/>
+                        </a:defRPr>
+                      </a:lvl9pPr>
+                    </a:lstStyle>
                     <a:p>
                       <a:pPr algn="ctr"/>
                       <a:r>
@@ -4620,12 +7479,119 @@
                       </a:r>
                     </a:p>
                   </a:txBody>
-                  <a:tcPr anchor="ctr"/>
+                  <a:tcPr anchor="ctr">
+                    <a:lnL w="12700" cmpd="sng">
+                      <a:solidFill>
+                        <a:sysClr val="window" lastClr="FFFFFF"/>
+                      </a:solidFill>
+                    </a:lnL>
+                    <a:lnR w="12700" cmpd="sng">
+                      <a:solidFill>
+                        <a:sysClr val="window" lastClr="FFFFFF"/>
+                      </a:solidFill>
+                    </a:lnR>
+                    <a:lnT w="12700" cmpd="sng">
+                      <a:solidFill>
+                        <a:sysClr val="window" lastClr="FFFFFF"/>
+                      </a:solidFill>
+                    </a:lnT>
+                    <a:lnB w="12700" cmpd="sng">
+                      <a:solidFill>
+                        <a:sysClr val="window" lastClr="FFFFFF"/>
+                      </a:solidFill>
+                    </a:lnB>
+                    <a:lnTlToBr w="12700" cmpd="sng">
+                      <a:noFill/>
+                      <a:prstDash val="solid"/>
+                    </a:lnTlToBr>
+                    <a:lnBlToTr w="12700" cmpd="sng">
+                      <a:noFill/>
+                      <a:prstDash val="solid"/>
+                    </a:lnBlToTr>
+                    <a:solidFill>
+                      <a:srgbClr val="4472C4">
+                        <a:tint val="20000"/>
+                      </a:srgbClr>
+                    </a:solidFill>
+                  </a:tcPr>
                 </a:tc>
                 <a:tc>
                   <a:txBody>
                     <a:bodyPr/>
-                    <a:lstStyle/>
+                    <a:lstStyle>
+                      <a:lvl1pPr marL="0" algn="l" defTabSz="4389120" rtl="0" eaLnBrk="1" latinLnBrk="0" hangingPunct="1">
+                        <a:defRPr sz="8640" kern="1200">
+                          <a:solidFill>
+                            <a:schemeClr val="dk1"/>
+                          </a:solidFill>
+                          <a:latin typeface="Calibri" panose="020F0502020204030204"/>
+                        </a:defRPr>
+                      </a:lvl1pPr>
+                      <a:lvl2pPr marL="2194560" algn="l" defTabSz="4389120" rtl="0" eaLnBrk="1" latinLnBrk="0" hangingPunct="1">
+                        <a:defRPr sz="8640" kern="1200">
+                          <a:solidFill>
+                            <a:schemeClr val="dk1"/>
+                          </a:solidFill>
+                          <a:latin typeface="Calibri" panose="020F0502020204030204"/>
+                        </a:defRPr>
+                      </a:lvl2pPr>
+                      <a:lvl3pPr marL="4389120" algn="l" defTabSz="4389120" rtl="0" eaLnBrk="1" latinLnBrk="0" hangingPunct="1">
+                        <a:defRPr sz="8640" kern="1200">
+                          <a:solidFill>
+                            <a:schemeClr val="dk1"/>
+                          </a:solidFill>
+                          <a:latin typeface="Calibri" panose="020F0502020204030204"/>
+                        </a:defRPr>
+                      </a:lvl3pPr>
+                      <a:lvl4pPr marL="6583680" algn="l" defTabSz="4389120" rtl="0" eaLnBrk="1" latinLnBrk="0" hangingPunct="1">
+                        <a:defRPr sz="8640" kern="1200">
+                          <a:solidFill>
+                            <a:schemeClr val="dk1"/>
+                          </a:solidFill>
+                          <a:latin typeface="Calibri" panose="020F0502020204030204"/>
+                        </a:defRPr>
+                      </a:lvl4pPr>
+                      <a:lvl5pPr marL="8778240" algn="l" defTabSz="4389120" rtl="0" eaLnBrk="1" latinLnBrk="0" hangingPunct="1">
+                        <a:defRPr sz="8640" kern="1200">
+                          <a:solidFill>
+                            <a:schemeClr val="dk1"/>
+                          </a:solidFill>
+                          <a:latin typeface="Calibri" panose="020F0502020204030204"/>
+                        </a:defRPr>
+                      </a:lvl5pPr>
+                      <a:lvl6pPr marL="10972800" algn="l" defTabSz="4389120" rtl="0" eaLnBrk="1" latinLnBrk="0" hangingPunct="1">
+                        <a:defRPr sz="8640" kern="1200">
+                          <a:solidFill>
+                            <a:schemeClr val="dk1"/>
+                          </a:solidFill>
+                          <a:latin typeface="Calibri" panose="020F0502020204030204"/>
+                        </a:defRPr>
+                      </a:lvl6pPr>
+                      <a:lvl7pPr marL="13167360" algn="l" defTabSz="4389120" rtl="0" eaLnBrk="1" latinLnBrk="0" hangingPunct="1">
+                        <a:defRPr sz="8640" kern="1200">
+                          <a:solidFill>
+                            <a:schemeClr val="dk1"/>
+                          </a:solidFill>
+                          <a:latin typeface="Calibri" panose="020F0502020204030204"/>
+                        </a:defRPr>
+                      </a:lvl7pPr>
+                      <a:lvl8pPr marL="15361920" algn="l" defTabSz="4389120" rtl="0" eaLnBrk="1" latinLnBrk="0" hangingPunct="1">
+                        <a:defRPr sz="8640" kern="1200">
+                          <a:solidFill>
+                            <a:schemeClr val="dk1"/>
+                          </a:solidFill>
+                          <a:latin typeface="Calibri" panose="020F0502020204030204"/>
+                        </a:defRPr>
+                      </a:lvl8pPr>
+                      <a:lvl9pPr marL="17556480" algn="l" defTabSz="4389120" rtl="0" eaLnBrk="1" latinLnBrk="0" hangingPunct="1">
+                        <a:defRPr sz="8640" kern="1200">
+                          <a:solidFill>
+                            <a:schemeClr val="dk1"/>
+                          </a:solidFill>
+                          <a:latin typeface="Calibri" panose="020F0502020204030204"/>
+                        </a:defRPr>
+                      </a:lvl9pPr>
+                    </a:lstStyle>
                     <a:p>
                       <a:pPr algn="ctr"/>
                       <a:r>
@@ -4634,12 +7600,119 @@
                       </a:r>
                     </a:p>
                   </a:txBody>
-                  <a:tcPr anchor="ctr"/>
+                  <a:tcPr anchor="ctr">
+                    <a:lnL w="12700" cmpd="sng">
+                      <a:solidFill>
+                        <a:sysClr val="window" lastClr="FFFFFF"/>
+                      </a:solidFill>
+                    </a:lnL>
+                    <a:lnR w="12700" cmpd="sng">
+                      <a:solidFill>
+                        <a:sysClr val="window" lastClr="FFFFFF"/>
+                      </a:solidFill>
+                    </a:lnR>
+                    <a:lnT w="12700" cmpd="sng">
+                      <a:solidFill>
+                        <a:sysClr val="window" lastClr="FFFFFF"/>
+                      </a:solidFill>
+                    </a:lnT>
+                    <a:lnB w="12700" cmpd="sng">
+                      <a:solidFill>
+                        <a:sysClr val="window" lastClr="FFFFFF"/>
+                      </a:solidFill>
+                    </a:lnB>
+                    <a:lnTlToBr w="12700" cmpd="sng">
+                      <a:noFill/>
+                      <a:prstDash val="solid"/>
+                    </a:lnTlToBr>
+                    <a:lnBlToTr w="12700" cmpd="sng">
+                      <a:noFill/>
+                      <a:prstDash val="solid"/>
+                    </a:lnBlToTr>
+                    <a:solidFill>
+                      <a:srgbClr val="4472C4">
+                        <a:tint val="20000"/>
+                      </a:srgbClr>
+                    </a:solidFill>
+                  </a:tcPr>
                 </a:tc>
                 <a:tc>
                   <a:txBody>
                     <a:bodyPr/>
-                    <a:lstStyle/>
+                    <a:lstStyle>
+                      <a:lvl1pPr marL="0" algn="l" defTabSz="4389120" rtl="0" eaLnBrk="1" latinLnBrk="0" hangingPunct="1">
+                        <a:defRPr sz="8640" kern="1200">
+                          <a:solidFill>
+                            <a:schemeClr val="dk1"/>
+                          </a:solidFill>
+                          <a:latin typeface="Calibri" panose="020F0502020204030204"/>
+                        </a:defRPr>
+                      </a:lvl1pPr>
+                      <a:lvl2pPr marL="2194560" algn="l" defTabSz="4389120" rtl="0" eaLnBrk="1" latinLnBrk="0" hangingPunct="1">
+                        <a:defRPr sz="8640" kern="1200">
+                          <a:solidFill>
+                            <a:schemeClr val="dk1"/>
+                          </a:solidFill>
+                          <a:latin typeface="Calibri" panose="020F0502020204030204"/>
+                        </a:defRPr>
+                      </a:lvl2pPr>
+                      <a:lvl3pPr marL="4389120" algn="l" defTabSz="4389120" rtl="0" eaLnBrk="1" latinLnBrk="0" hangingPunct="1">
+                        <a:defRPr sz="8640" kern="1200">
+                          <a:solidFill>
+                            <a:schemeClr val="dk1"/>
+                          </a:solidFill>
+                          <a:latin typeface="Calibri" panose="020F0502020204030204"/>
+                        </a:defRPr>
+                      </a:lvl3pPr>
+                      <a:lvl4pPr marL="6583680" algn="l" defTabSz="4389120" rtl="0" eaLnBrk="1" latinLnBrk="0" hangingPunct="1">
+                        <a:defRPr sz="8640" kern="1200">
+                          <a:solidFill>
+                            <a:schemeClr val="dk1"/>
+                          </a:solidFill>
+                          <a:latin typeface="Calibri" panose="020F0502020204030204"/>
+                        </a:defRPr>
+                      </a:lvl4pPr>
+                      <a:lvl5pPr marL="8778240" algn="l" defTabSz="4389120" rtl="0" eaLnBrk="1" latinLnBrk="0" hangingPunct="1">
+                        <a:defRPr sz="8640" kern="1200">
+                          <a:solidFill>
+                            <a:schemeClr val="dk1"/>
+                          </a:solidFill>
+                          <a:latin typeface="Calibri" panose="020F0502020204030204"/>
+                        </a:defRPr>
+                      </a:lvl5pPr>
+                      <a:lvl6pPr marL="10972800" algn="l" defTabSz="4389120" rtl="0" eaLnBrk="1" latinLnBrk="0" hangingPunct="1">
+                        <a:defRPr sz="8640" kern="1200">
+                          <a:solidFill>
+                            <a:schemeClr val="dk1"/>
+                          </a:solidFill>
+                          <a:latin typeface="Calibri" panose="020F0502020204030204"/>
+                        </a:defRPr>
+                      </a:lvl6pPr>
+                      <a:lvl7pPr marL="13167360" algn="l" defTabSz="4389120" rtl="0" eaLnBrk="1" latinLnBrk="0" hangingPunct="1">
+                        <a:defRPr sz="8640" kern="1200">
+                          <a:solidFill>
+                            <a:schemeClr val="dk1"/>
+                          </a:solidFill>
+                          <a:latin typeface="Calibri" panose="020F0502020204030204"/>
+                        </a:defRPr>
+                      </a:lvl7pPr>
+                      <a:lvl8pPr marL="15361920" algn="l" defTabSz="4389120" rtl="0" eaLnBrk="1" latinLnBrk="0" hangingPunct="1">
+                        <a:defRPr sz="8640" kern="1200">
+                          <a:solidFill>
+                            <a:schemeClr val="dk1"/>
+                          </a:solidFill>
+                          <a:latin typeface="Calibri" panose="020F0502020204030204"/>
+                        </a:defRPr>
+                      </a:lvl8pPr>
+                      <a:lvl9pPr marL="17556480" algn="l" defTabSz="4389120" rtl="0" eaLnBrk="1" latinLnBrk="0" hangingPunct="1">
+                        <a:defRPr sz="8640" kern="1200">
+                          <a:solidFill>
+                            <a:schemeClr val="dk1"/>
+                          </a:solidFill>
+                          <a:latin typeface="Calibri" panose="020F0502020204030204"/>
+                        </a:defRPr>
+                      </a:lvl9pPr>
+                    </a:lstStyle>
                     <a:p>
                       <a:pPr algn="ctr"/>
                       <a:r>
@@ -4648,19 +7721,126 @@
                       </a:r>
                     </a:p>
                   </a:txBody>
-                  <a:tcPr anchor="ctr"/>
+                  <a:tcPr anchor="ctr">
+                    <a:lnL w="12700" cmpd="sng">
+                      <a:solidFill>
+                        <a:sysClr val="window" lastClr="FFFFFF"/>
+                      </a:solidFill>
+                    </a:lnL>
+                    <a:lnR w="12700" cmpd="sng">
+                      <a:solidFill>
+                        <a:sysClr val="window" lastClr="FFFFFF"/>
+                      </a:solidFill>
+                    </a:lnR>
+                    <a:lnT w="12700" cmpd="sng">
+                      <a:solidFill>
+                        <a:sysClr val="window" lastClr="FFFFFF"/>
+                      </a:solidFill>
+                    </a:lnT>
+                    <a:lnB w="12700" cmpd="sng">
+                      <a:solidFill>
+                        <a:sysClr val="window" lastClr="FFFFFF"/>
+                      </a:solidFill>
+                    </a:lnB>
+                    <a:lnTlToBr w="12700" cmpd="sng">
+                      <a:noFill/>
+                      <a:prstDash val="solid"/>
+                    </a:lnTlToBr>
+                    <a:lnBlToTr w="12700" cmpd="sng">
+                      <a:noFill/>
+                      <a:prstDash val="solid"/>
+                    </a:lnBlToTr>
+                    <a:solidFill>
+                      <a:srgbClr val="4472C4">
+                        <a:tint val="20000"/>
+                      </a:srgbClr>
+                    </a:solidFill>
+                  </a:tcPr>
                 </a:tc>
                 <a:extLst>
                   <a:ext uri="{0D108BD9-81ED-4DB2-BD59-A6C34878D82A}">
-                    <a16:rowId xmlns:a16="http://schemas.microsoft.com/office/drawing/2014/main" val="685837746"/>
+                    <a16:rowId xmlns:a16="http://schemas.microsoft.com/office/drawing/2014/main" xmlns="" val="685837746"/>
                   </a:ext>
                 </a:extLst>
               </a:tr>
-              <a:tr h="393495">
+              <a:tr h="465015">
                 <a:tc>
                   <a:txBody>
                     <a:bodyPr/>
-                    <a:lstStyle/>
+                    <a:lstStyle>
+                      <a:lvl1pPr marL="0" algn="l" defTabSz="4389120" rtl="0" eaLnBrk="1" latinLnBrk="0" hangingPunct="1">
+                        <a:defRPr sz="8640" kern="1200">
+                          <a:solidFill>
+                            <a:schemeClr val="dk1"/>
+                          </a:solidFill>
+                          <a:latin typeface="Calibri" panose="020F0502020204030204"/>
+                        </a:defRPr>
+                      </a:lvl1pPr>
+                      <a:lvl2pPr marL="2194560" algn="l" defTabSz="4389120" rtl="0" eaLnBrk="1" latinLnBrk="0" hangingPunct="1">
+                        <a:defRPr sz="8640" kern="1200">
+                          <a:solidFill>
+                            <a:schemeClr val="dk1"/>
+                          </a:solidFill>
+                          <a:latin typeface="Calibri" panose="020F0502020204030204"/>
+                        </a:defRPr>
+                      </a:lvl2pPr>
+                      <a:lvl3pPr marL="4389120" algn="l" defTabSz="4389120" rtl="0" eaLnBrk="1" latinLnBrk="0" hangingPunct="1">
+                        <a:defRPr sz="8640" kern="1200">
+                          <a:solidFill>
+                            <a:schemeClr val="dk1"/>
+                          </a:solidFill>
+                          <a:latin typeface="Calibri" panose="020F0502020204030204"/>
+                        </a:defRPr>
+                      </a:lvl3pPr>
+                      <a:lvl4pPr marL="6583680" algn="l" defTabSz="4389120" rtl="0" eaLnBrk="1" latinLnBrk="0" hangingPunct="1">
+                        <a:defRPr sz="8640" kern="1200">
+                          <a:solidFill>
+                            <a:schemeClr val="dk1"/>
+                          </a:solidFill>
+                          <a:latin typeface="Calibri" panose="020F0502020204030204"/>
+                        </a:defRPr>
+                      </a:lvl4pPr>
+                      <a:lvl5pPr marL="8778240" algn="l" defTabSz="4389120" rtl="0" eaLnBrk="1" latinLnBrk="0" hangingPunct="1">
+                        <a:defRPr sz="8640" kern="1200">
+                          <a:solidFill>
+                            <a:schemeClr val="dk1"/>
+                          </a:solidFill>
+                          <a:latin typeface="Calibri" panose="020F0502020204030204"/>
+                        </a:defRPr>
+                      </a:lvl5pPr>
+                      <a:lvl6pPr marL="10972800" algn="l" defTabSz="4389120" rtl="0" eaLnBrk="1" latinLnBrk="0" hangingPunct="1">
+                        <a:defRPr sz="8640" kern="1200">
+                          <a:solidFill>
+                            <a:schemeClr val="dk1"/>
+                          </a:solidFill>
+                          <a:latin typeface="Calibri" panose="020F0502020204030204"/>
+                        </a:defRPr>
+                      </a:lvl6pPr>
+                      <a:lvl7pPr marL="13167360" algn="l" defTabSz="4389120" rtl="0" eaLnBrk="1" latinLnBrk="0" hangingPunct="1">
+                        <a:defRPr sz="8640" kern="1200">
+                          <a:solidFill>
+                            <a:schemeClr val="dk1"/>
+                          </a:solidFill>
+                          <a:latin typeface="Calibri" panose="020F0502020204030204"/>
+                        </a:defRPr>
+                      </a:lvl7pPr>
+                      <a:lvl8pPr marL="15361920" algn="l" defTabSz="4389120" rtl="0" eaLnBrk="1" latinLnBrk="0" hangingPunct="1">
+                        <a:defRPr sz="8640" kern="1200">
+                          <a:solidFill>
+                            <a:schemeClr val="dk1"/>
+                          </a:solidFill>
+                          <a:latin typeface="Calibri" panose="020F0502020204030204"/>
+                        </a:defRPr>
+                      </a:lvl8pPr>
+                      <a:lvl9pPr marL="17556480" algn="l" defTabSz="4389120" rtl="0" eaLnBrk="1" latinLnBrk="0" hangingPunct="1">
+                        <a:defRPr sz="8640" kern="1200">
+                          <a:solidFill>
+                            <a:schemeClr val="dk1"/>
+                          </a:solidFill>
+                          <a:latin typeface="Calibri" panose="020F0502020204030204"/>
+                        </a:defRPr>
+                      </a:lvl9pPr>
+                    </a:lstStyle>
                     <a:p>
                       <a:pPr algn="ctr"/>
                       <a:r>
@@ -4674,6 +7854,34 @@
                     </a:p>
                   </a:txBody>
                   <a:tcPr anchor="ctr">
+                    <a:lnL w="12700" cmpd="sng">
+                      <a:solidFill>
+                        <a:sysClr val="window" lastClr="FFFFFF"/>
+                      </a:solidFill>
+                    </a:lnL>
+                    <a:lnR w="12700" cmpd="sng">
+                      <a:solidFill>
+                        <a:sysClr val="window" lastClr="FFFFFF"/>
+                      </a:solidFill>
+                    </a:lnR>
+                    <a:lnT w="12700" cmpd="sng">
+                      <a:solidFill>
+                        <a:sysClr val="window" lastClr="FFFFFF"/>
+                      </a:solidFill>
+                    </a:lnT>
+                    <a:lnB w="12700" cmpd="sng">
+                      <a:solidFill>
+                        <a:sysClr val="window" lastClr="FFFFFF"/>
+                      </a:solidFill>
+                    </a:lnB>
+                    <a:lnTlToBr w="12700" cmpd="sng">
+                      <a:noFill/>
+                      <a:prstDash val="solid"/>
+                    </a:lnTlToBr>
+                    <a:lnBlToTr w="12700" cmpd="sng">
+                      <a:noFill/>
+                      <a:prstDash val="solid"/>
+                    </a:lnBlToTr>
                     <a:solidFill>
                       <a:srgbClr val="8E2344"/>
                     </a:solidFill>
@@ -4682,7 +7890,80 @@
                 <a:tc>
                   <a:txBody>
                     <a:bodyPr/>
-                    <a:lstStyle/>
+                    <a:lstStyle>
+                      <a:lvl1pPr marL="0" algn="l" defTabSz="4389120" rtl="0" eaLnBrk="1" latinLnBrk="0" hangingPunct="1">
+                        <a:defRPr sz="8640" kern="1200">
+                          <a:solidFill>
+                            <a:schemeClr val="dk1"/>
+                          </a:solidFill>
+                          <a:latin typeface="Calibri" panose="020F0502020204030204"/>
+                        </a:defRPr>
+                      </a:lvl1pPr>
+                      <a:lvl2pPr marL="2194560" algn="l" defTabSz="4389120" rtl="0" eaLnBrk="1" latinLnBrk="0" hangingPunct="1">
+                        <a:defRPr sz="8640" kern="1200">
+                          <a:solidFill>
+                            <a:schemeClr val="dk1"/>
+                          </a:solidFill>
+                          <a:latin typeface="Calibri" panose="020F0502020204030204"/>
+                        </a:defRPr>
+                      </a:lvl2pPr>
+                      <a:lvl3pPr marL="4389120" algn="l" defTabSz="4389120" rtl="0" eaLnBrk="1" latinLnBrk="0" hangingPunct="1">
+                        <a:defRPr sz="8640" kern="1200">
+                          <a:solidFill>
+                            <a:schemeClr val="dk1"/>
+                          </a:solidFill>
+                          <a:latin typeface="Calibri" panose="020F0502020204030204"/>
+                        </a:defRPr>
+                      </a:lvl3pPr>
+                      <a:lvl4pPr marL="6583680" algn="l" defTabSz="4389120" rtl="0" eaLnBrk="1" latinLnBrk="0" hangingPunct="1">
+                        <a:defRPr sz="8640" kern="1200">
+                          <a:solidFill>
+                            <a:schemeClr val="dk1"/>
+                          </a:solidFill>
+                          <a:latin typeface="Calibri" panose="020F0502020204030204"/>
+                        </a:defRPr>
+                      </a:lvl4pPr>
+                      <a:lvl5pPr marL="8778240" algn="l" defTabSz="4389120" rtl="0" eaLnBrk="1" latinLnBrk="0" hangingPunct="1">
+                        <a:defRPr sz="8640" kern="1200">
+                          <a:solidFill>
+                            <a:schemeClr val="dk1"/>
+                          </a:solidFill>
+                          <a:latin typeface="Calibri" panose="020F0502020204030204"/>
+                        </a:defRPr>
+                      </a:lvl5pPr>
+                      <a:lvl6pPr marL="10972800" algn="l" defTabSz="4389120" rtl="0" eaLnBrk="1" latinLnBrk="0" hangingPunct="1">
+                        <a:defRPr sz="8640" kern="1200">
+                          <a:solidFill>
+                            <a:schemeClr val="dk1"/>
+                          </a:solidFill>
+                          <a:latin typeface="Calibri" panose="020F0502020204030204"/>
+                        </a:defRPr>
+                      </a:lvl6pPr>
+                      <a:lvl7pPr marL="13167360" algn="l" defTabSz="4389120" rtl="0" eaLnBrk="1" latinLnBrk="0" hangingPunct="1">
+                        <a:defRPr sz="8640" kern="1200">
+                          <a:solidFill>
+                            <a:schemeClr val="dk1"/>
+                          </a:solidFill>
+                          <a:latin typeface="Calibri" panose="020F0502020204030204"/>
+                        </a:defRPr>
+                      </a:lvl7pPr>
+                      <a:lvl8pPr marL="15361920" algn="l" defTabSz="4389120" rtl="0" eaLnBrk="1" latinLnBrk="0" hangingPunct="1">
+                        <a:defRPr sz="8640" kern="1200">
+                          <a:solidFill>
+                            <a:schemeClr val="dk1"/>
+                          </a:solidFill>
+                          <a:latin typeface="Calibri" panose="020F0502020204030204"/>
+                        </a:defRPr>
+                      </a:lvl8pPr>
+                      <a:lvl9pPr marL="17556480" algn="l" defTabSz="4389120" rtl="0" eaLnBrk="1" latinLnBrk="0" hangingPunct="1">
+                        <a:defRPr sz="8640" kern="1200">
+                          <a:solidFill>
+                            <a:schemeClr val="dk1"/>
+                          </a:solidFill>
+                          <a:latin typeface="Calibri" panose="020F0502020204030204"/>
+                        </a:defRPr>
+                      </a:lvl9pPr>
+                    </a:lstStyle>
                     <a:p>
                       <a:pPr algn="ctr"/>
                       <a:r>
@@ -4691,12 +7972,119 @@
                       </a:r>
                     </a:p>
                   </a:txBody>
-                  <a:tcPr anchor="ctr"/>
+                  <a:tcPr anchor="ctr">
+                    <a:lnL w="12700" cmpd="sng">
+                      <a:solidFill>
+                        <a:sysClr val="window" lastClr="FFFFFF"/>
+                      </a:solidFill>
+                    </a:lnL>
+                    <a:lnR w="12700" cmpd="sng">
+                      <a:solidFill>
+                        <a:sysClr val="window" lastClr="FFFFFF"/>
+                      </a:solidFill>
+                    </a:lnR>
+                    <a:lnT w="12700" cmpd="sng">
+                      <a:solidFill>
+                        <a:sysClr val="window" lastClr="FFFFFF"/>
+                      </a:solidFill>
+                    </a:lnT>
+                    <a:lnB w="12700" cmpd="sng">
+                      <a:solidFill>
+                        <a:sysClr val="window" lastClr="FFFFFF"/>
+                      </a:solidFill>
+                    </a:lnB>
+                    <a:lnTlToBr w="12700" cmpd="sng">
+                      <a:noFill/>
+                      <a:prstDash val="solid"/>
+                    </a:lnTlToBr>
+                    <a:lnBlToTr w="12700" cmpd="sng">
+                      <a:noFill/>
+                      <a:prstDash val="solid"/>
+                    </a:lnBlToTr>
+                    <a:solidFill>
+                      <a:srgbClr val="4472C4">
+                        <a:tint val="40000"/>
+                      </a:srgbClr>
+                    </a:solidFill>
+                  </a:tcPr>
                 </a:tc>
                 <a:tc>
                   <a:txBody>
                     <a:bodyPr/>
-                    <a:lstStyle/>
+                    <a:lstStyle>
+                      <a:lvl1pPr marL="0" algn="l" defTabSz="4389120" rtl="0" eaLnBrk="1" latinLnBrk="0" hangingPunct="1">
+                        <a:defRPr sz="8640" kern="1200">
+                          <a:solidFill>
+                            <a:schemeClr val="dk1"/>
+                          </a:solidFill>
+                          <a:latin typeface="Calibri" panose="020F0502020204030204"/>
+                        </a:defRPr>
+                      </a:lvl1pPr>
+                      <a:lvl2pPr marL="2194560" algn="l" defTabSz="4389120" rtl="0" eaLnBrk="1" latinLnBrk="0" hangingPunct="1">
+                        <a:defRPr sz="8640" kern="1200">
+                          <a:solidFill>
+                            <a:schemeClr val="dk1"/>
+                          </a:solidFill>
+                          <a:latin typeface="Calibri" panose="020F0502020204030204"/>
+                        </a:defRPr>
+                      </a:lvl2pPr>
+                      <a:lvl3pPr marL="4389120" algn="l" defTabSz="4389120" rtl="0" eaLnBrk="1" latinLnBrk="0" hangingPunct="1">
+                        <a:defRPr sz="8640" kern="1200">
+                          <a:solidFill>
+                            <a:schemeClr val="dk1"/>
+                          </a:solidFill>
+                          <a:latin typeface="Calibri" panose="020F0502020204030204"/>
+                        </a:defRPr>
+                      </a:lvl3pPr>
+                      <a:lvl4pPr marL="6583680" algn="l" defTabSz="4389120" rtl="0" eaLnBrk="1" latinLnBrk="0" hangingPunct="1">
+                        <a:defRPr sz="8640" kern="1200">
+                          <a:solidFill>
+                            <a:schemeClr val="dk1"/>
+                          </a:solidFill>
+                          <a:latin typeface="Calibri" panose="020F0502020204030204"/>
+                        </a:defRPr>
+                      </a:lvl4pPr>
+                      <a:lvl5pPr marL="8778240" algn="l" defTabSz="4389120" rtl="0" eaLnBrk="1" latinLnBrk="0" hangingPunct="1">
+                        <a:defRPr sz="8640" kern="1200">
+                          <a:solidFill>
+                            <a:schemeClr val="dk1"/>
+                          </a:solidFill>
+                          <a:latin typeface="Calibri" panose="020F0502020204030204"/>
+                        </a:defRPr>
+                      </a:lvl5pPr>
+                      <a:lvl6pPr marL="10972800" algn="l" defTabSz="4389120" rtl="0" eaLnBrk="1" latinLnBrk="0" hangingPunct="1">
+                        <a:defRPr sz="8640" kern="1200">
+                          <a:solidFill>
+                            <a:schemeClr val="dk1"/>
+                          </a:solidFill>
+                          <a:latin typeface="Calibri" panose="020F0502020204030204"/>
+                        </a:defRPr>
+                      </a:lvl6pPr>
+                      <a:lvl7pPr marL="13167360" algn="l" defTabSz="4389120" rtl="0" eaLnBrk="1" latinLnBrk="0" hangingPunct="1">
+                        <a:defRPr sz="8640" kern="1200">
+                          <a:solidFill>
+                            <a:schemeClr val="dk1"/>
+                          </a:solidFill>
+                          <a:latin typeface="Calibri" panose="020F0502020204030204"/>
+                        </a:defRPr>
+                      </a:lvl7pPr>
+                      <a:lvl8pPr marL="15361920" algn="l" defTabSz="4389120" rtl="0" eaLnBrk="1" latinLnBrk="0" hangingPunct="1">
+                        <a:defRPr sz="8640" kern="1200">
+                          <a:solidFill>
+                            <a:schemeClr val="dk1"/>
+                          </a:solidFill>
+                          <a:latin typeface="Calibri" panose="020F0502020204030204"/>
+                        </a:defRPr>
+                      </a:lvl8pPr>
+                      <a:lvl9pPr marL="17556480" algn="l" defTabSz="4389120" rtl="0" eaLnBrk="1" latinLnBrk="0" hangingPunct="1">
+                        <a:defRPr sz="8640" kern="1200">
+                          <a:solidFill>
+                            <a:schemeClr val="dk1"/>
+                          </a:solidFill>
+                          <a:latin typeface="Calibri" panose="020F0502020204030204"/>
+                        </a:defRPr>
+                      </a:lvl9pPr>
+                    </a:lstStyle>
                     <a:p>
                       <a:pPr algn="ctr"/>
                       <a:r>
@@ -4705,21 +8093,162 @@
                       </a:r>
                     </a:p>
                   </a:txBody>
-                  <a:tcPr anchor="ctr"/>
+                  <a:tcPr anchor="ctr">
+                    <a:lnL w="12700" cmpd="sng">
+                      <a:solidFill>
+                        <a:sysClr val="window" lastClr="FFFFFF"/>
+                      </a:solidFill>
+                    </a:lnL>
+                    <a:lnR w="12700" cmpd="sng">
+                      <a:solidFill>
+                        <a:sysClr val="window" lastClr="FFFFFF"/>
+                      </a:solidFill>
+                    </a:lnR>
+                    <a:lnT w="12700" cmpd="sng">
+                      <a:solidFill>
+                        <a:sysClr val="window" lastClr="FFFFFF"/>
+                      </a:solidFill>
+                    </a:lnT>
+                    <a:lnB w="12700" cmpd="sng">
+                      <a:solidFill>
+                        <a:sysClr val="window" lastClr="FFFFFF"/>
+                      </a:solidFill>
+                    </a:lnB>
+                    <a:lnTlToBr w="12700" cmpd="sng">
+                      <a:noFill/>
+                      <a:prstDash val="solid"/>
+                    </a:lnTlToBr>
+                    <a:lnBlToTr w="12700" cmpd="sng">
+                      <a:noFill/>
+                      <a:prstDash val="solid"/>
+                    </a:lnBlToTr>
+                    <a:solidFill>
+                      <a:srgbClr val="4472C4">
+                        <a:tint val="40000"/>
+                      </a:srgbClr>
+                    </a:solidFill>
+                  </a:tcPr>
                 </a:tc>
                 <a:tc>
                   <a:txBody>
                     <a:bodyPr/>
-                    <a:lstStyle/>
+                    <a:lstStyle>
+                      <a:lvl1pPr marL="0" algn="l" defTabSz="4389120" rtl="0" eaLnBrk="1" latinLnBrk="0" hangingPunct="1">
+                        <a:defRPr sz="8640" kern="1200">
+                          <a:solidFill>
+                            <a:schemeClr val="dk1"/>
+                          </a:solidFill>
+                          <a:latin typeface="Calibri" panose="020F0502020204030204"/>
+                        </a:defRPr>
+                      </a:lvl1pPr>
+                      <a:lvl2pPr marL="2194560" algn="l" defTabSz="4389120" rtl="0" eaLnBrk="1" latinLnBrk="0" hangingPunct="1">
+                        <a:defRPr sz="8640" kern="1200">
+                          <a:solidFill>
+                            <a:schemeClr val="dk1"/>
+                          </a:solidFill>
+                          <a:latin typeface="Calibri" panose="020F0502020204030204"/>
+                        </a:defRPr>
+                      </a:lvl2pPr>
+                      <a:lvl3pPr marL="4389120" algn="l" defTabSz="4389120" rtl="0" eaLnBrk="1" latinLnBrk="0" hangingPunct="1">
+                        <a:defRPr sz="8640" kern="1200">
+                          <a:solidFill>
+                            <a:schemeClr val="dk1"/>
+                          </a:solidFill>
+                          <a:latin typeface="Calibri" panose="020F0502020204030204"/>
+                        </a:defRPr>
+                      </a:lvl3pPr>
+                      <a:lvl4pPr marL="6583680" algn="l" defTabSz="4389120" rtl="0" eaLnBrk="1" latinLnBrk="0" hangingPunct="1">
+                        <a:defRPr sz="8640" kern="1200">
+                          <a:solidFill>
+                            <a:schemeClr val="dk1"/>
+                          </a:solidFill>
+                          <a:latin typeface="Calibri" panose="020F0502020204030204"/>
+                        </a:defRPr>
+                      </a:lvl4pPr>
+                      <a:lvl5pPr marL="8778240" algn="l" defTabSz="4389120" rtl="0" eaLnBrk="1" latinLnBrk="0" hangingPunct="1">
+                        <a:defRPr sz="8640" kern="1200">
+                          <a:solidFill>
+                            <a:schemeClr val="dk1"/>
+                          </a:solidFill>
+                          <a:latin typeface="Calibri" panose="020F0502020204030204"/>
+                        </a:defRPr>
+                      </a:lvl5pPr>
+                      <a:lvl6pPr marL="10972800" algn="l" defTabSz="4389120" rtl="0" eaLnBrk="1" latinLnBrk="0" hangingPunct="1">
+                        <a:defRPr sz="8640" kern="1200">
+                          <a:solidFill>
+                            <a:schemeClr val="dk1"/>
+                          </a:solidFill>
+                          <a:latin typeface="Calibri" panose="020F0502020204030204"/>
+                        </a:defRPr>
+                      </a:lvl6pPr>
+                      <a:lvl7pPr marL="13167360" algn="l" defTabSz="4389120" rtl="0" eaLnBrk="1" latinLnBrk="0" hangingPunct="1">
+                        <a:defRPr sz="8640" kern="1200">
+                          <a:solidFill>
+                            <a:schemeClr val="dk1"/>
+                          </a:solidFill>
+                          <a:latin typeface="Calibri" panose="020F0502020204030204"/>
+                        </a:defRPr>
+                      </a:lvl7pPr>
+                      <a:lvl8pPr marL="15361920" algn="l" defTabSz="4389120" rtl="0" eaLnBrk="1" latinLnBrk="0" hangingPunct="1">
+                        <a:defRPr sz="8640" kern="1200">
+                          <a:solidFill>
+                            <a:schemeClr val="dk1"/>
+                          </a:solidFill>
+                          <a:latin typeface="Calibri" panose="020F0502020204030204"/>
+                        </a:defRPr>
+                      </a:lvl8pPr>
+                      <a:lvl9pPr marL="17556480" algn="l" defTabSz="4389120" rtl="0" eaLnBrk="1" latinLnBrk="0" hangingPunct="1">
+                        <a:defRPr sz="8640" kern="1200">
+                          <a:solidFill>
+                            <a:schemeClr val="dk1"/>
+                          </a:solidFill>
+                          <a:latin typeface="Calibri" panose="020F0502020204030204"/>
+                        </a:defRPr>
+                      </a:lvl9pPr>
+                    </a:lstStyle>
                     <a:p>
                       <a:endParaRPr lang="en-US" sz="2400" dirty="0"/>
                     </a:p>
                   </a:txBody>
-                  <a:tcPr anchor="ctr"/>
+                  <a:tcPr anchor="ctr">
+                    <a:lnL w="12700" cmpd="sng">
+                      <a:solidFill>
+                        <a:sysClr val="window" lastClr="FFFFFF"/>
+                      </a:solidFill>
+                    </a:lnL>
+                    <a:lnR w="12700" cmpd="sng">
+                      <a:solidFill>
+                        <a:sysClr val="window" lastClr="FFFFFF"/>
+                      </a:solidFill>
+                    </a:lnR>
+                    <a:lnT w="12700" cmpd="sng">
+                      <a:solidFill>
+                        <a:sysClr val="window" lastClr="FFFFFF"/>
+                      </a:solidFill>
+                    </a:lnT>
+                    <a:lnB w="12700" cmpd="sng">
+                      <a:solidFill>
+                        <a:sysClr val="window" lastClr="FFFFFF"/>
+                      </a:solidFill>
+                    </a:lnB>
+                    <a:lnTlToBr w="12700" cmpd="sng">
+                      <a:noFill/>
+                      <a:prstDash val="solid"/>
+                    </a:lnTlToBr>
+                    <a:lnBlToTr w="12700" cmpd="sng">
+                      <a:noFill/>
+                      <a:prstDash val="solid"/>
+                    </a:lnBlToTr>
+                    <a:solidFill>
+                      <a:srgbClr val="4472C4">
+                        <a:tint val="40000"/>
+                      </a:srgbClr>
+                    </a:solidFill>
+                  </a:tcPr>
                 </a:tc>
                 <a:extLst>
                   <a:ext uri="{0D108BD9-81ED-4DB2-BD59-A6C34878D82A}">
-                    <a16:rowId xmlns:a16="http://schemas.microsoft.com/office/drawing/2014/main" val="2484121680"/>
+                    <a16:rowId xmlns:a16="http://schemas.microsoft.com/office/drawing/2014/main" xmlns="" val="2484121680"/>
                   </a:ext>
                 </a:extLst>
               </a:tr>
@@ -4729,51 +8258,10 @@
       </p:graphicFrame>
       <p:pic>
         <p:nvPicPr>
-          <p:cNvPr id="22" name="Picture 21">
+          <p:cNvPr id="123" name="Picture 122">
             <a:extLst>
               <a:ext uri="{FF2B5EF4-FFF2-40B4-BE49-F238E27FC236}">
-                <a16:creationId xmlns:a16="http://schemas.microsoft.com/office/drawing/2014/main" id="{9A959213-3A41-4840-BFC2-AE43D8E90DA2}"/>
-              </a:ext>
-            </a:extLst>
-          </p:cNvPr>
-          <p:cNvPicPr>
-            <a:picLocks noChangeAspect="1"/>
-          </p:cNvPicPr>
-          <p:nvPr/>
-        </p:nvPicPr>
-        <p:blipFill>
-          <a:blip r:embed="rId2">
-            <a:extLst>
-              <a:ext uri="{28A0092B-C50C-407E-A947-70E740481C1C}">
-                <a14:useLocalDpi xmlns:a14="http://schemas.microsoft.com/office/drawing/2010/main" val="0"/>
-              </a:ext>
-            </a:extLst>
-          </a:blip>
-          <a:stretch>
-            <a:fillRect/>
-          </a:stretch>
-        </p:blipFill>
-        <p:spPr>
-          <a:xfrm>
-            <a:off x="13432743" y="9947998"/>
-            <a:ext cx="7209659" cy="5324535"/>
-          </a:xfrm>
-          <a:prstGeom prst="rect">
-            <a:avLst/>
-          </a:prstGeom>
-          <a:ln>
-            <a:solidFill>
-              <a:schemeClr val="tx1"/>
-            </a:solidFill>
-          </a:ln>
-        </p:spPr>
-      </p:pic>
-      <p:pic>
-        <p:nvPicPr>
-          <p:cNvPr id="24" name="Picture 23">
-            <a:extLst>
-              <a:ext uri="{FF2B5EF4-FFF2-40B4-BE49-F238E27FC236}">
-                <a16:creationId xmlns:a16="http://schemas.microsoft.com/office/drawing/2014/main" id="{F1216618-CF59-42BE-BE4B-DA00E879F3EB}"/>
+                <a16:creationId xmlns:a16="http://schemas.microsoft.com/office/drawing/2014/main" xmlns="" id="{067A03A5-035D-4368-84FE-0BB483B23EF2}"/>
               </a:ext>
             </a:extLst>
           </p:cNvPr>
@@ -4796,25 +8284,82 @@
         </p:blipFill>
         <p:spPr>
           <a:xfrm>
-            <a:off x="20858360" y="9947998"/>
-            <a:ext cx="9422220" cy="5324535"/>
+            <a:off x="1648253" y="23256323"/>
+            <a:ext cx="6845369" cy="3720009"/>
           </a:xfrm>
           <a:prstGeom prst="rect">
             <a:avLst/>
           </a:prstGeom>
-          <a:ln>
-            <a:solidFill>
-              <a:schemeClr val="tx1"/>
-            </a:solidFill>
-          </a:ln>
         </p:spPr>
       </p:pic>
+      <p:sp>
+        <p:nvSpPr>
+          <p:cNvPr id="124" name="TextBox 123">
+            <a:extLst>
+              <a:ext uri="{FF2B5EF4-FFF2-40B4-BE49-F238E27FC236}">
+                <a16:creationId xmlns:a16="http://schemas.microsoft.com/office/drawing/2014/main" xmlns="" id="{2D80E53B-7989-4195-BE0F-A62B442B49F5}"/>
+              </a:ext>
+            </a:extLst>
+          </p:cNvPr>
+          <p:cNvSpPr txBox="1"/>
+          <p:nvPr/>
+        </p:nvSpPr>
+        <p:spPr>
+          <a:xfrm>
+            <a:off x="2112330" y="22646526"/>
+            <a:ext cx="5905500" cy="646331"/>
+          </a:xfrm>
+          <a:prstGeom prst="rect">
+            <a:avLst/>
+          </a:prstGeom>
+          <a:noFill/>
+        </p:spPr>
+        <p:txBody>
+          <a:bodyPr wrap="square" rtlCol="0">
+            <a:spAutoFit/>
+          </a:bodyPr>
+          <a:lstStyle/>
+          <a:p>
+            <a:pPr marL="0" marR="0" lvl="0" indent="0" algn="ctr" defTabSz="457200" eaLnBrk="1" fontAlgn="auto" latinLnBrk="0" hangingPunct="1">
+              <a:lnSpc>
+                <a:spcPct val="100000"/>
+              </a:lnSpc>
+              <a:spcBef>
+                <a:spcPts val="0"/>
+              </a:spcBef>
+              <a:spcAft>
+                <a:spcPts val="0"/>
+              </a:spcAft>
+              <a:buClrTx/>
+              <a:buSzTx/>
+              <a:buFontTx/>
+              <a:buNone/>
+              <a:tabLst/>
+              <a:defRPr/>
+            </a:pPr>
+            <a:r>
+              <a:rPr kumimoji="0" lang="en-US" sz="1800" b="0" i="0" u="none" strike="noStrike" kern="0" cap="none" spc="0" normalizeH="0" baseline="0" noProof="0" dirty="0">
+                <a:ln>
+                  <a:noFill/>
+                </a:ln>
+                <a:solidFill>
+                  <a:prstClr val="black"/>
+                </a:solidFill>
+                <a:effectLst/>
+                <a:uLnTx/>
+                <a:uFillTx/>
+              </a:rPr>
+              <a:t>The addition of Worked Examples provided little to no gain on completion of hard problems</a:t>
+            </a:r>
+          </a:p>
+        </p:txBody>
+      </p:sp>
       <p:pic>
         <p:nvPicPr>
-          <p:cNvPr id="27" name="Picture 26">
+          <p:cNvPr id="125" name="Picture 124">
             <a:extLst>
               <a:ext uri="{FF2B5EF4-FFF2-40B4-BE49-F238E27FC236}">
-                <a16:creationId xmlns:a16="http://schemas.microsoft.com/office/drawing/2014/main" id="{97C19C54-47A4-4384-AE5D-0A0D2F87A8F6}"/>
+                <a16:creationId xmlns:a16="http://schemas.microsoft.com/office/drawing/2014/main" xmlns="" id="{72184C8D-25D2-4012-99BD-67A9AF4DA432}"/>
               </a:ext>
             </a:extLst>
           </p:cNvPr>
@@ -4837,78 +8382,6 @@
         </p:blipFill>
         <p:spPr>
           <a:xfrm>
-            <a:off x="1648253" y="23256323"/>
-            <a:ext cx="6845369" cy="3720009"/>
-          </a:xfrm>
-          <a:prstGeom prst="rect">
-            <a:avLst/>
-          </a:prstGeom>
-        </p:spPr>
-      </p:pic>
-      <p:sp>
-        <p:nvSpPr>
-          <p:cNvPr id="28" name="TextBox 27">
-            <a:extLst>
-              <a:ext uri="{FF2B5EF4-FFF2-40B4-BE49-F238E27FC236}">
-                <a16:creationId xmlns:a16="http://schemas.microsoft.com/office/drawing/2014/main" id="{7C418816-CE3A-4CBA-8B98-E6674AC875B1}"/>
-              </a:ext>
-            </a:extLst>
-          </p:cNvPr>
-          <p:cNvSpPr txBox="1"/>
-          <p:nvPr/>
-        </p:nvSpPr>
-        <p:spPr>
-          <a:xfrm>
-            <a:off x="2112330" y="22646526"/>
-            <a:ext cx="5905500" cy="646331"/>
-          </a:xfrm>
-          <a:prstGeom prst="rect">
-            <a:avLst/>
-          </a:prstGeom>
-          <a:noFill/>
-        </p:spPr>
-        <p:txBody>
-          <a:bodyPr wrap="square" rtlCol="0">
-            <a:spAutoFit/>
-          </a:bodyPr>
-          <a:lstStyle/>
-          <a:p>
-            <a:pPr algn="ctr"/>
-            <a:r>
-              <a:rPr lang="en-US" dirty="0"/>
-              <a:t>The addition of Worked Examples provided little to no gain on completion of hard problems</a:t>
-            </a:r>
-          </a:p>
-        </p:txBody>
-      </p:sp>
-      <p:pic>
-        <p:nvPicPr>
-          <p:cNvPr id="30" name="Picture 29">
-            <a:extLst>
-              <a:ext uri="{FF2B5EF4-FFF2-40B4-BE49-F238E27FC236}">
-                <a16:creationId xmlns:a16="http://schemas.microsoft.com/office/drawing/2014/main" id="{6F1AED26-7926-43E7-B15C-0BBD1420A894}"/>
-              </a:ext>
-            </a:extLst>
-          </p:cNvPr>
-          <p:cNvPicPr>
-            <a:picLocks noChangeAspect="1"/>
-          </p:cNvPicPr>
-          <p:nvPr/>
-        </p:nvPicPr>
-        <p:blipFill>
-          <a:blip r:embed="rId5">
-            <a:extLst>
-              <a:ext uri="{28A0092B-C50C-407E-A947-70E740481C1C}">
-                <a14:useLocalDpi xmlns:a14="http://schemas.microsoft.com/office/drawing/2010/main" val="0"/>
-              </a:ext>
-            </a:extLst>
-          </a:blip>
-          <a:stretch>
-            <a:fillRect/>
-          </a:stretch>
-        </p:blipFill>
-        <p:spPr>
-          <a:xfrm>
             <a:off x="9068366" y="23102076"/>
             <a:ext cx="3375054" cy="3949927"/>
           </a:xfrm>
@@ -4919,10 +8392,10 @@
       </p:pic>
       <p:sp>
         <p:nvSpPr>
-          <p:cNvPr id="31" name="TextBox 30">
+          <p:cNvPr id="126" name="TextBox 125">
             <a:extLst>
               <a:ext uri="{FF2B5EF4-FFF2-40B4-BE49-F238E27FC236}">
-                <a16:creationId xmlns:a16="http://schemas.microsoft.com/office/drawing/2014/main" id="{398CCCF6-E198-4B1C-B101-09E2ED674350}"/>
+                <a16:creationId xmlns:a16="http://schemas.microsoft.com/office/drawing/2014/main" xmlns="" id="{E563EFCB-9297-4A86-8A36-9A9336C7F492}"/>
               </a:ext>
             </a:extLst>
           </p:cNvPr>
@@ -4945,9 +8418,35 @@
           </a:bodyPr>
           <a:lstStyle/>
           <a:p>
-            <a:pPr algn="ctr"/>
-            <a:r>
-              <a:rPr lang="en-US" dirty="0"/>
+            <a:pPr marL="0" marR="0" lvl="0" indent="0" algn="ctr" defTabSz="457200" eaLnBrk="1" fontAlgn="auto" latinLnBrk="0" hangingPunct="1">
+              <a:lnSpc>
+                <a:spcPct val="100000"/>
+              </a:lnSpc>
+              <a:spcBef>
+                <a:spcPts val="0"/>
+              </a:spcBef>
+              <a:spcAft>
+                <a:spcPts val="0"/>
+              </a:spcAft>
+              <a:buClrTx/>
+              <a:buSzTx/>
+              <a:buFontTx/>
+              <a:buNone/>
+              <a:tabLst/>
+              <a:defRPr/>
+            </a:pPr>
+            <a:r>
+              <a:rPr kumimoji="0" lang="en-US" sz="1800" b="0" i="0" u="none" strike="noStrike" kern="0" cap="none" spc="0" normalizeH="0" baseline="0" noProof="0" dirty="0">
+                <a:ln>
+                  <a:noFill/>
+                </a:ln>
+                <a:solidFill>
+                  <a:prstClr val="black"/>
+                </a:solidFill>
+                <a:effectLst/>
+                <a:uLnTx/>
+                <a:uFillTx/>
+              </a:rPr>
               <a:t>Measured usage of WE varied widely by problem, with an average around 50</a:t>
             </a:r>
           </a:p>
@@ -4955,10 +8454,10 @@
       </p:sp>
       <p:graphicFrame>
         <p:nvGraphicFramePr>
-          <p:cNvPr id="33" name="Table 32">
+          <p:cNvPr id="127" name="Table 126">
             <a:extLst>
               <a:ext uri="{FF2B5EF4-FFF2-40B4-BE49-F238E27FC236}">
-                <a16:creationId xmlns:a16="http://schemas.microsoft.com/office/drawing/2014/main" id="{994531D4-9CD1-44D7-9A25-AB676A34C0B9}"/>
+                <a16:creationId xmlns:a16="http://schemas.microsoft.com/office/drawing/2014/main" xmlns="" id="{462D805C-5ABE-43C8-98EC-9D043D0DA052}"/>
               </a:ext>
             </a:extLst>
           </p:cNvPr>
@@ -4968,7 +8467,7 @@
           <p:nvPr>
             <p:extLst>
               <p:ext uri="{D42A27DB-BD31-4B8C-83A1-F6EECF244321}">
-                <p14:modId xmlns:p14="http://schemas.microsoft.com/office/powerpoint/2010/main" val="3607504728"/>
+                <p14:modId xmlns:p14="http://schemas.microsoft.com/office/powerpoint/2010/main" val="3852000626"/>
               </p:ext>
             </p:extLst>
           </p:nvPr>
@@ -4980,35 +8479,33 @@
         <a:graphic>
           <a:graphicData uri="http://schemas.openxmlformats.org/drawingml/2006/table">
             <a:tbl>
-              <a:tblPr firstRow="1" bandRow="1">
-                <a:tableStyleId>{5C22544A-7EE6-4342-B048-85BDC9FD1C3A}</a:tableStyleId>
-              </a:tblPr>
+              <a:tblPr firstRow="1" bandRow="1"/>
               <a:tblGrid>
                 <a:gridCol w="1224100">
                   <a:extLst>
                     <a:ext uri="{9D8B030D-6E8A-4147-A177-3AD203B41FA5}">
-                      <a16:colId xmlns:a16="http://schemas.microsoft.com/office/drawing/2014/main" val="1246494410"/>
+                      <a16:colId xmlns:a16="http://schemas.microsoft.com/office/drawing/2014/main" xmlns="" val="1246494410"/>
                     </a:ext>
                   </a:extLst>
                 </a:gridCol>
                 <a:gridCol w="1799396">
                   <a:extLst>
                     <a:ext uri="{9D8B030D-6E8A-4147-A177-3AD203B41FA5}">
-                      <a16:colId xmlns:a16="http://schemas.microsoft.com/office/drawing/2014/main" val="3707486989"/>
+                      <a16:colId xmlns:a16="http://schemas.microsoft.com/office/drawing/2014/main" xmlns="" val="3707486989"/>
                     </a:ext>
                   </a:extLst>
                 </a:gridCol>
                 <a:gridCol w="2212681">
                   <a:extLst>
                     <a:ext uri="{9D8B030D-6E8A-4147-A177-3AD203B41FA5}">
-                      <a16:colId xmlns:a16="http://schemas.microsoft.com/office/drawing/2014/main" val="2676852081"/>
+                      <a16:colId xmlns:a16="http://schemas.microsoft.com/office/drawing/2014/main" xmlns="" val="2676852081"/>
                     </a:ext>
                   </a:extLst>
                 </a:gridCol>
                 <a:gridCol w="919445">
                   <a:extLst>
                     <a:ext uri="{9D8B030D-6E8A-4147-A177-3AD203B41FA5}">
-                      <a16:colId xmlns:a16="http://schemas.microsoft.com/office/drawing/2014/main" val="3454277832"/>
+                      <a16:colId xmlns:a16="http://schemas.microsoft.com/office/drawing/2014/main" xmlns="" val="3454277832"/>
                     </a:ext>
                   </a:extLst>
                 </a:gridCol>
@@ -5017,12 +8514,113 @@
                 <a:tc>
                   <a:txBody>
                     <a:bodyPr/>
-                    <a:lstStyle/>
+                    <a:lstStyle>
+                      <a:lvl1pPr marL="0" algn="l" defTabSz="4389120" rtl="0" eaLnBrk="1" latinLnBrk="0" hangingPunct="1">
+                        <a:defRPr sz="8640" b="1" kern="1200">
+                          <a:solidFill>
+                            <a:schemeClr val="lt1"/>
+                          </a:solidFill>
+                          <a:latin typeface="Calibri" panose="020F0502020204030204"/>
+                        </a:defRPr>
+                      </a:lvl1pPr>
+                      <a:lvl2pPr marL="2194560" algn="l" defTabSz="4389120" rtl="0" eaLnBrk="1" latinLnBrk="0" hangingPunct="1">
+                        <a:defRPr sz="8640" b="1" kern="1200">
+                          <a:solidFill>
+                            <a:schemeClr val="lt1"/>
+                          </a:solidFill>
+                          <a:latin typeface="Calibri" panose="020F0502020204030204"/>
+                        </a:defRPr>
+                      </a:lvl2pPr>
+                      <a:lvl3pPr marL="4389120" algn="l" defTabSz="4389120" rtl="0" eaLnBrk="1" latinLnBrk="0" hangingPunct="1">
+                        <a:defRPr sz="8640" b="1" kern="1200">
+                          <a:solidFill>
+                            <a:schemeClr val="lt1"/>
+                          </a:solidFill>
+                          <a:latin typeface="Calibri" panose="020F0502020204030204"/>
+                        </a:defRPr>
+                      </a:lvl3pPr>
+                      <a:lvl4pPr marL="6583680" algn="l" defTabSz="4389120" rtl="0" eaLnBrk="1" latinLnBrk="0" hangingPunct="1">
+                        <a:defRPr sz="8640" b="1" kern="1200">
+                          <a:solidFill>
+                            <a:schemeClr val="lt1"/>
+                          </a:solidFill>
+                          <a:latin typeface="Calibri" panose="020F0502020204030204"/>
+                        </a:defRPr>
+                      </a:lvl4pPr>
+                      <a:lvl5pPr marL="8778240" algn="l" defTabSz="4389120" rtl="0" eaLnBrk="1" latinLnBrk="0" hangingPunct="1">
+                        <a:defRPr sz="8640" b="1" kern="1200">
+                          <a:solidFill>
+                            <a:schemeClr val="lt1"/>
+                          </a:solidFill>
+                          <a:latin typeface="Calibri" panose="020F0502020204030204"/>
+                        </a:defRPr>
+                      </a:lvl5pPr>
+                      <a:lvl6pPr marL="10972800" algn="l" defTabSz="4389120" rtl="0" eaLnBrk="1" latinLnBrk="0" hangingPunct="1">
+                        <a:defRPr sz="8640" b="1" kern="1200">
+                          <a:solidFill>
+                            <a:schemeClr val="lt1"/>
+                          </a:solidFill>
+                          <a:latin typeface="Calibri" panose="020F0502020204030204"/>
+                        </a:defRPr>
+                      </a:lvl6pPr>
+                      <a:lvl7pPr marL="13167360" algn="l" defTabSz="4389120" rtl="0" eaLnBrk="1" latinLnBrk="0" hangingPunct="1">
+                        <a:defRPr sz="8640" b="1" kern="1200">
+                          <a:solidFill>
+                            <a:schemeClr val="lt1"/>
+                          </a:solidFill>
+                          <a:latin typeface="Calibri" panose="020F0502020204030204"/>
+                        </a:defRPr>
+                      </a:lvl7pPr>
+                      <a:lvl8pPr marL="15361920" algn="l" defTabSz="4389120" rtl="0" eaLnBrk="1" latinLnBrk="0" hangingPunct="1">
+                        <a:defRPr sz="8640" b="1" kern="1200">
+                          <a:solidFill>
+                            <a:schemeClr val="lt1"/>
+                          </a:solidFill>
+                          <a:latin typeface="Calibri" panose="020F0502020204030204"/>
+                        </a:defRPr>
+                      </a:lvl8pPr>
+                      <a:lvl9pPr marL="17556480" algn="l" defTabSz="4389120" rtl="0" eaLnBrk="1" latinLnBrk="0" hangingPunct="1">
+                        <a:defRPr sz="8640" b="1" kern="1200">
+                          <a:solidFill>
+                            <a:schemeClr val="lt1"/>
+                          </a:solidFill>
+                          <a:latin typeface="Calibri" panose="020F0502020204030204"/>
+                        </a:defRPr>
+                      </a:lvl9pPr>
+                    </a:lstStyle>
                     <a:p>
                       <a:endParaRPr lang="en-US" sz="2400" dirty="0"/>
                     </a:p>
                   </a:txBody>
                   <a:tcPr anchor="ctr">
+                    <a:lnL w="12700" cmpd="sng">
+                      <a:solidFill>
+                        <a:sysClr val="window" lastClr="FFFFFF"/>
+                      </a:solidFill>
+                    </a:lnL>
+                    <a:lnR w="12700" cmpd="sng">
+                      <a:solidFill>
+                        <a:sysClr val="window" lastClr="FFFFFF"/>
+                      </a:solidFill>
+                    </a:lnR>
+                    <a:lnT w="12700" cmpd="sng">
+                      <a:solidFill>
+                        <a:sysClr val="window" lastClr="FFFFFF"/>
+                      </a:solidFill>
+                    </a:lnT>
+                    <a:lnB w="38100" cmpd="sng">
+                      <a:solidFill>
+                        <a:sysClr val="window" lastClr="FFFFFF"/>
+                      </a:solidFill>
+                    </a:lnB>
+                    <a:lnTlToBr w="12700" cmpd="sng">
+                      <a:noFill/>
+                      <a:prstDash val="solid"/>
+                    </a:lnTlToBr>
+                    <a:lnBlToTr w="12700" cmpd="sng">
+                      <a:noFill/>
+                      <a:prstDash val="solid"/>
+                    </a:lnBlToTr>
                     <a:solidFill>
                       <a:srgbClr val="8E2344"/>
                     </a:solidFill>
@@ -5031,7 +8629,80 @@
                 <a:tc>
                   <a:txBody>
                     <a:bodyPr/>
-                    <a:lstStyle/>
+                    <a:lstStyle>
+                      <a:lvl1pPr marL="0" algn="l" defTabSz="4389120" rtl="0" eaLnBrk="1" latinLnBrk="0" hangingPunct="1">
+                        <a:defRPr sz="8640" b="1" kern="1200">
+                          <a:solidFill>
+                            <a:schemeClr val="lt1"/>
+                          </a:solidFill>
+                          <a:latin typeface="Calibri" panose="020F0502020204030204"/>
+                        </a:defRPr>
+                      </a:lvl1pPr>
+                      <a:lvl2pPr marL="2194560" algn="l" defTabSz="4389120" rtl="0" eaLnBrk="1" latinLnBrk="0" hangingPunct="1">
+                        <a:defRPr sz="8640" b="1" kern="1200">
+                          <a:solidFill>
+                            <a:schemeClr val="lt1"/>
+                          </a:solidFill>
+                          <a:latin typeface="Calibri" panose="020F0502020204030204"/>
+                        </a:defRPr>
+                      </a:lvl2pPr>
+                      <a:lvl3pPr marL="4389120" algn="l" defTabSz="4389120" rtl="0" eaLnBrk="1" latinLnBrk="0" hangingPunct="1">
+                        <a:defRPr sz="8640" b="1" kern="1200">
+                          <a:solidFill>
+                            <a:schemeClr val="lt1"/>
+                          </a:solidFill>
+                          <a:latin typeface="Calibri" panose="020F0502020204030204"/>
+                        </a:defRPr>
+                      </a:lvl3pPr>
+                      <a:lvl4pPr marL="6583680" algn="l" defTabSz="4389120" rtl="0" eaLnBrk="1" latinLnBrk="0" hangingPunct="1">
+                        <a:defRPr sz="8640" b="1" kern="1200">
+                          <a:solidFill>
+                            <a:schemeClr val="lt1"/>
+                          </a:solidFill>
+                          <a:latin typeface="Calibri" panose="020F0502020204030204"/>
+                        </a:defRPr>
+                      </a:lvl4pPr>
+                      <a:lvl5pPr marL="8778240" algn="l" defTabSz="4389120" rtl="0" eaLnBrk="1" latinLnBrk="0" hangingPunct="1">
+                        <a:defRPr sz="8640" b="1" kern="1200">
+                          <a:solidFill>
+                            <a:schemeClr val="lt1"/>
+                          </a:solidFill>
+                          <a:latin typeface="Calibri" panose="020F0502020204030204"/>
+                        </a:defRPr>
+                      </a:lvl5pPr>
+                      <a:lvl6pPr marL="10972800" algn="l" defTabSz="4389120" rtl="0" eaLnBrk="1" latinLnBrk="0" hangingPunct="1">
+                        <a:defRPr sz="8640" b="1" kern="1200">
+                          <a:solidFill>
+                            <a:schemeClr val="lt1"/>
+                          </a:solidFill>
+                          <a:latin typeface="Calibri" panose="020F0502020204030204"/>
+                        </a:defRPr>
+                      </a:lvl6pPr>
+                      <a:lvl7pPr marL="13167360" algn="l" defTabSz="4389120" rtl="0" eaLnBrk="1" latinLnBrk="0" hangingPunct="1">
+                        <a:defRPr sz="8640" b="1" kern="1200">
+                          <a:solidFill>
+                            <a:schemeClr val="lt1"/>
+                          </a:solidFill>
+                          <a:latin typeface="Calibri" panose="020F0502020204030204"/>
+                        </a:defRPr>
+                      </a:lvl7pPr>
+                      <a:lvl8pPr marL="15361920" algn="l" defTabSz="4389120" rtl="0" eaLnBrk="1" latinLnBrk="0" hangingPunct="1">
+                        <a:defRPr sz="8640" b="1" kern="1200">
+                          <a:solidFill>
+                            <a:schemeClr val="lt1"/>
+                          </a:solidFill>
+                          <a:latin typeface="Calibri" panose="020F0502020204030204"/>
+                        </a:defRPr>
+                      </a:lvl8pPr>
+                      <a:lvl9pPr marL="17556480" algn="l" defTabSz="4389120" rtl="0" eaLnBrk="1" latinLnBrk="0" hangingPunct="1">
+                        <a:defRPr sz="8640" b="1" kern="1200">
+                          <a:solidFill>
+                            <a:schemeClr val="lt1"/>
+                          </a:solidFill>
+                          <a:latin typeface="Calibri" panose="020F0502020204030204"/>
+                        </a:defRPr>
+                      </a:lvl9pPr>
+                    </a:lstStyle>
                     <a:p>
                       <a:pPr algn="ctr"/>
                       <a:r>
@@ -5041,6 +8712,34 @@
                     </a:p>
                   </a:txBody>
                   <a:tcPr anchor="ctr">
+                    <a:lnL w="12700" cmpd="sng">
+                      <a:solidFill>
+                        <a:sysClr val="window" lastClr="FFFFFF"/>
+                      </a:solidFill>
+                    </a:lnL>
+                    <a:lnR w="12700" cmpd="sng">
+                      <a:solidFill>
+                        <a:sysClr val="window" lastClr="FFFFFF"/>
+                      </a:solidFill>
+                    </a:lnR>
+                    <a:lnT w="12700" cmpd="sng">
+                      <a:solidFill>
+                        <a:sysClr val="window" lastClr="FFFFFF"/>
+                      </a:solidFill>
+                    </a:lnT>
+                    <a:lnB w="38100" cmpd="sng">
+                      <a:solidFill>
+                        <a:sysClr val="window" lastClr="FFFFFF"/>
+                      </a:solidFill>
+                    </a:lnB>
+                    <a:lnTlToBr w="12700" cmpd="sng">
+                      <a:noFill/>
+                      <a:prstDash val="solid"/>
+                    </a:lnTlToBr>
+                    <a:lnBlToTr w="12700" cmpd="sng">
+                      <a:noFill/>
+                      <a:prstDash val="solid"/>
+                    </a:lnBlToTr>
                     <a:solidFill>
                       <a:srgbClr val="8E2344"/>
                     </a:solidFill>
@@ -5049,7 +8748,80 @@
                 <a:tc>
                   <a:txBody>
                     <a:bodyPr/>
-                    <a:lstStyle/>
+                    <a:lstStyle>
+                      <a:lvl1pPr marL="0" algn="l" defTabSz="4389120" rtl="0" eaLnBrk="1" latinLnBrk="0" hangingPunct="1">
+                        <a:defRPr sz="8640" b="1" kern="1200">
+                          <a:solidFill>
+                            <a:schemeClr val="lt1"/>
+                          </a:solidFill>
+                          <a:latin typeface="Calibri" panose="020F0502020204030204"/>
+                        </a:defRPr>
+                      </a:lvl1pPr>
+                      <a:lvl2pPr marL="2194560" algn="l" defTabSz="4389120" rtl="0" eaLnBrk="1" latinLnBrk="0" hangingPunct="1">
+                        <a:defRPr sz="8640" b="1" kern="1200">
+                          <a:solidFill>
+                            <a:schemeClr val="lt1"/>
+                          </a:solidFill>
+                          <a:latin typeface="Calibri" panose="020F0502020204030204"/>
+                        </a:defRPr>
+                      </a:lvl2pPr>
+                      <a:lvl3pPr marL="4389120" algn="l" defTabSz="4389120" rtl="0" eaLnBrk="1" latinLnBrk="0" hangingPunct="1">
+                        <a:defRPr sz="8640" b="1" kern="1200">
+                          <a:solidFill>
+                            <a:schemeClr val="lt1"/>
+                          </a:solidFill>
+                          <a:latin typeface="Calibri" panose="020F0502020204030204"/>
+                        </a:defRPr>
+                      </a:lvl3pPr>
+                      <a:lvl4pPr marL="6583680" algn="l" defTabSz="4389120" rtl="0" eaLnBrk="1" latinLnBrk="0" hangingPunct="1">
+                        <a:defRPr sz="8640" b="1" kern="1200">
+                          <a:solidFill>
+                            <a:schemeClr val="lt1"/>
+                          </a:solidFill>
+                          <a:latin typeface="Calibri" panose="020F0502020204030204"/>
+                        </a:defRPr>
+                      </a:lvl4pPr>
+                      <a:lvl5pPr marL="8778240" algn="l" defTabSz="4389120" rtl="0" eaLnBrk="1" latinLnBrk="0" hangingPunct="1">
+                        <a:defRPr sz="8640" b="1" kern="1200">
+                          <a:solidFill>
+                            <a:schemeClr val="lt1"/>
+                          </a:solidFill>
+                          <a:latin typeface="Calibri" panose="020F0502020204030204"/>
+                        </a:defRPr>
+                      </a:lvl5pPr>
+                      <a:lvl6pPr marL="10972800" algn="l" defTabSz="4389120" rtl="0" eaLnBrk="1" latinLnBrk="0" hangingPunct="1">
+                        <a:defRPr sz="8640" b="1" kern="1200">
+                          <a:solidFill>
+                            <a:schemeClr val="lt1"/>
+                          </a:solidFill>
+                          <a:latin typeface="Calibri" panose="020F0502020204030204"/>
+                        </a:defRPr>
+                      </a:lvl6pPr>
+                      <a:lvl7pPr marL="13167360" algn="l" defTabSz="4389120" rtl="0" eaLnBrk="1" latinLnBrk="0" hangingPunct="1">
+                        <a:defRPr sz="8640" b="1" kern="1200">
+                          <a:solidFill>
+                            <a:schemeClr val="lt1"/>
+                          </a:solidFill>
+                          <a:latin typeface="Calibri" panose="020F0502020204030204"/>
+                        </a:defRPr>
+                      </a:lvl7pPr>
+                      <a:lvl8pPr marL="15361920" algn="l" defTabSz="4389120" rtl="0" eaLnBrk="1" latinLnBrk="0" hangingPunct="1">
+                        <a:defRPr sz="8640" b="1" kern="1200">
+                          <a:solidFill>
+                            <a:schemeClr val="lt1"/>
+                          </a:solidFill>
+                          <a:latin typeface="Calibri" panose="020F0502020204030204"/>
+                        </a:defRPr>
+                      </a:lvl8pPr>
+                      <a:lvl9pPr marL="17556480" algn="l" defTabSz="4389120" rtl="0" eaLnBrk="1" latinLnBrk="0" hangingPunct="1">
+                        <a:defRPr sz="8640" b="1" kern="1200">
+                          <a:solidFill>
+                            <a:schemeClr val="lt1"/>
+                          </a:solidFill>
+                          <a:latin typeface="Calibri" panose="020F0502020204030204"/>
+                        </a:defRPr>
+                      </a:lvl9pPr>
+                    </a:lstStyle>
                     <a:p>
                       <a:pPr algn="ctr"/>
                       <a:r>
@@ -5059,6 +8831,34 @@
                     </a:p>
                   </a:txBody>
                   <a:tcPr anchor="ctr">
+                    <a:lnL w="12700" cmpd="sng">
+                      <a:solidFill>
+                        <a:sysClr val="window" lastClr="FFFFFF"/>
+                      </a:solidFill>
+                    </a:lnL>
+                    <a:lnR w="12700" cmpd="sng">
+                      <a:solidFill>
+                        <a:sysClr val="window" lastClr="FFFFFF"/>
+                      </a:solidFill>
+                    </a:lnR>
+                    <a:lnT w="12700" cmpd="sng">
+                      <a:solidFill>
+                        <a:sysClr val="window" lastClr="FFFFFF"/>
+                      </a:solidFill>
+                    </a:lnT>
+                    <a:lnB w="38100" cmpd="sng">
+                      <a:solidFill>
+                        <a:sysClr val="window" lastClr="FFFFFF"/>
+                      </a:solidFill>
+                    </a:lnB>
+                    <a:lnTlToBr w="12700" cmpd="sng">
+                      <a:noFill/>
+                      <a:prstDash val="solid"/>
+                    </a:lnTlToBr>
+                    <a:lnBlToTr w="12700" cmpd="sng">
+                      <a:noFill/>
+                      <a:prstDash val="solid"/>
+                    </a:lnBlToTr>
                     <a:solidFill>
                       <a:srgbClr val="8E2344"/>
                     </a:solidFill>
@@ -5067,7 +8867,80 @@
                 <a:tc>
                   <a:txBody>
                     <a:bodyPr/>
-                    <a:lstStyle/>
+                    <a:lstStyle>
+                      <a:lvl1pPr marL="0" algn="l" defTabSz="4389120" rtl="0" eaLnBrk="1" latinLnBrk="0" hangingPunct="1">
+                        <a:defRPr sz="8640" b="1" kern="1200">
+                          <a:solidFill>
+                            <a:schemeClr val="lt1"/>
+                          </a:solidFill>
+                          <a:latin typeface="Calibri" panose="020F0502020204030204"/>
+                        </a:defRPr>
+                      </a:lvl1pPr>
+                      <a:lvl2pPr marL="2194560" algn="l" defTabSz="4389120" rtl="0" eaLnBrk="1" latinLnBrk="0" hangingPunct="1">
+                        <a:defRPr sz="8640" b="1" kern="1200">
+                          <a:solidFill>
+                            <a:schemeClr val="lt1"/>
+                          </a:solidFill>
+                          <a:latin typeface="Calibri" panose="020F0502020204030204"/>
+                        </a:defRPr>
+                      </a:lvl2pPr>
+                      <a:lvl3pPr marL="4389120" algn="l" defTabSz="4389120" rtl="0" eaLnBrk="1" latinLnBrk="0" hangingPunct="1">
+                        <a:defRPr sz="8640" b="1" kern="1200">
+                          <a:solidFill>
+                            <a:schemeClr val="lt1"/>
+                          </a:solidFill>
+                          <a:latin typeface="Calibri" panose="020F0502020204030204"/>
+                        </a:defRPr>
+                      </a:lvl3pPr>
+                      <a:lvl4pPr marL="6583680" algn="l" defTabSz="4389120" rtl="0" eaLnBrk="1" latinLnBrk="0" hangingPunct="1">
+                        <a:defRPr sz="8640" b="1" kern="1200">
+                          <a:solidFill>
+                            <a:schemeClr val="lt1"/>
+                          </a:solidFill>
+                          <a:latin typeface="Calibri" panose="020F0502020204030204"/>
+                        </a:defRPr>
+                      </a:lvl4pPr>
+                      <a:lvl5pPr marL="8778240" algn="l" defTabSz="4389120" rtl="0" eaLnBrk="1" latinLnBrk="0" hangingPunct="1">
+                        <a:defRPr sz="8640" b="1" kern="1200">
+                          <a:solidFill>
+                            <a:schemeClr val="lt1"/>
+                          </a:solidFill>
+                          <a:latin typeface="Calibri" panose="020F0502020204030204"/>
+                        </a:defRPr>
+                      </a:lvl5pPr>
+                      <a:lvl6pPr marL="10972800" algn="l" defTabSz="4389120" rtl="0" eaLnBrk="1" latinLnBrk="0" hangingPunct="1">
+                        <a:defRPr sz="8640" b="1" kern="1200">
+                          <a:solidFill>
+                            <a:schemeClr val="lt1"/>
+                          </a:solidFill>
+                          <a:latin typeface="Calibri" panose="020F0502020204030204"/>
+                        </a:defRPr>
+                      </a:lvl6pPr>
+                      <a:lvl7pPr marL="13167360" algn="l" defTabSz="4389120" rtl="0" eaLnBrk="1" latinLnBrk="0" hangingPunct="1">
+                        <a:defRPr sz="8640" b="1" kern="1200">
+                          <a:solidFill>
+                            <a:schemeClr val="lt1"/>
+                          </a:solidFill>
+                          <a:latin typeface="Calibri" panose="020F0502020204030204"/>
+                        </a:defRPr>
+                      </a:lvl7pPr>
+                      <a:lvl8pPr marL="15361920" algn="l" defTabSz="4389120" rtl="0" eaLnBrk="1" latinLnBrk="0" hangingPunct="1">
+                        <a:defRPr sz="8640" b="1" kern="1200">
+                          <a:solidFill>
+                            <a:schemeClr val="lt1"/>
+                          </a:solidFill>
+                          <a:latin typeface="Calibri" panose="020F0502020204030204"/>
+                        </a:defRPr>
+                      </a:lvl8pPr>
+                      <a:lvl9pPr marL="17556480" algn="l" defTabSz="4389120" rtl="0" eaLnBrk="1" latinLnBrk="0" hangingPunct="1">
+                        <a:defRPr sz="8640" b="1" kern="1200">
+                          <a:solidFill>
+                            <a:schemeClr val="lt1"/>
+                          </a:solidFill>
+                          <a:latin typeface="Calibri" panose="020F0502020204030204"/>
+                        </a:defRPr>
+                      </a:lvl9pPr>
+                    </a:lstStyle>
                     <a:p>
                       <a:pPr algn="ctr"/>
                       <a:r>
@@ -5077,6 +8950,34 @@
                     </a:p>
                   </a:txBody>
                   <a:tcPr anchor="ctr">
+                    <a:lnL w="12700" cmpd="sng">
+                      <a:solidFill>
+                        <a:sysClr val="window" lastClr="FFFFFF"/>
+                      </a:solidFill>
+                    </a:lnL>
+                    <a:lnR w="12700" cmpd="sng">
+                      <a:solidFill>
+                        <a:sysClr val="window" lastClr="FFFFFF"/>
+                      </a:solidFill>
+                    </a:lnR>
+                    <a:lnT w="12700" cmpd="sng">
+                      <a:solidFill>
+                        <a:sysClr val="window" lastClr="FFFFFF"/>
+                      </a:solidFill>
+                    </a:lnT>
+                    <a:lnB w="38100" cmpd="sng">
+                      <a:solidFill>
+                        <a:sysClr val="window" lastClr="FFFFFF"/>
+                      </a:solidFill>
+                    </a:lnB>
+                    <a:lnTlToBr w="12700" cmpd="sng">
+                      <a:noFill/>
+                      <a:prstDash val="solid"/>
+                    </a:lnTlToBr>
+                    <a:lnBlToTr w="12700" cmpd="sng">
+                      <a:noFill/>
+                      <a:prstDash val="solid"/>
+                    </a:lnBlToTr>
                     <a:solidFill>
                       <a:srgbClr val="8E2344"/>
                     </a:solidFill>
@@ -5084,7 +8985,7 @@
                 </a:tc>
                 <a:extLst>
                   <a:ext uri="{0D108BD9-81ED-4DB2-BD59-A6C34878D82A}">
-                    <a16:rowId xmlns:a16="http://schemas.microsoft.com/office/drawing/2014/main" val="2084501009"/>
+                    <a16:rowId xmlns:a16="http://schemas.microsoft.com/office/drawing/2014/main" xmlns="" val="2084501009"/>
                   </a:ext>
                 </a:extLst>
               </a:tr>
@@ -5092,7 +8993,80 @@
                 <a:tc>
                   <a:txBody>
                     <a:bodyPr/>
-                    <a:lstStyle/>
+                    <a:lstStyle>
+                      <a:lvl1pPr marL="0" algn="l" defTabSz="4389120" rtl="0" eaLnBrk="1" latinLnBrk="0" hangingPunct="1">
+                        <a:defRPr sz="8640" kern="1200">
+                          <a:solidFill>
+                            <a:schemeClr val="dk1"/>
+                          </a:solidFill>
+                          <a:latin typeface="Calibri" panose="020F0502020204030204"/>
+                        </a:defRPr>
+                      </a:lvl1pPr>
+                      <a:lvl2pPr marL="2194560" algn="l" defTabSz="4389120" rtl="0" eaLnBrk="1" latinLnBrk="0" hangingPunct="1">
+                        <a:defRPr sz="8640" kern="1200">
+                          <a:solidFill>
+                            <a:schemeClr val="dk1"/>
+                          </a:solidFill>
+                          <a:latin typeface="Calibri" panose="020F0502020204030204"/>
+                        </a:defRPr>
+                      </a:lvl2pPr>
+                      <a:lvl3pPr marL="4389120" algn="l" defTabSz="4389120" rtl="0" eaLnBrk="1" latinLnBrk="0" hangingPunct="1">
+                        <a:defRPr sz="8640" kern="1200">
+                          <a:solidFill>
+                            <a:schemeClr val="dk1"/>
+                          </a:solidFill>
+                          <a:latin typeface="Calibri" panose="020F0502020204030204"/>
+                        </a:defRPr>
+                      </a:lvl3pPr>
+                      <a:lvl4pPr marL="6583680" algn="l" defTabSz="4389120" rtl="0" eaLnBrk="1" latinLnBrk="0" hangingPunct="1">
+                        <a:defRPr sz="8640" kern="1200">
+                          <a:solidFill>
+                            <a:schemeClr val="dk1"/>
+                          </a:solidFill>
+                          <a:latin typeface="Calibri" panose="020F0502020204030204"/>
+                        </a:defRPr>
+                      </a:lvl4pPr>
+                      <a:lvl5pPr marL="8778240" algn="l" defTabSz="4389120" rtl="0" eaLnBrk="1" latinLnBrk="0" hangingPunct="1">
+                        <a:defRPr sz="8640" kern="1200">
+                          <a:solidFill>
+                            <a:schemeClr val="dk1"/>
+                          </a:solidFill>
+                          <a:latin typeface="Calibri" panose="020F0502020204030204"/>
+                        </a:defRPr>
+                      </a:lvl5pPr>
+                      <a:lvl6pPr marL="10972800" algn="l" defTabSz="4389120" rtl="0" eaLnBrk="1" latinLnBrk="0" hangingPunct="1">
+                        <a:defRPr sz="8640" kern="1200">
+                          <a:solidFill>
+                            <a:schemeClr val="dk1"/>
+                          </a:solidFill>
+                          <a:latin typeface="Calibri" panose="020F0502020204030204"/>
+                        </a:defRPr>
+                      </a:lvl6pPr>
+                      <a:lvl7pPr marL="13167360" algn="l" defTabSz="4389120" rtl="0" eaLnBrk="1" latinLnBrk="0" hangingPunct="1">
+                        <a:defRPr sz="8640" kern="1200">
+                          <a:solidFill>
+                            <a:schemeClr val="dk1"/>
+                          </a:solidFill>
+                          <a:latin typeface="Calibri" panose="020F0502020204030204"/>
+                        </a:defRPr>
+                      </a:lvl7pPr>
+                      <a:lvl8pPr marL="15361920" algn="l" defTabSz="4389120" rtl="0" eaLnBrk="1" latinLnBrk="0" hangingPunct="1">
+                        <a:defRPr sz="8640" kern="1200">
+                          <a:solidFill>
+                            <a:schemeClr val="dk1"/>
+                          </a:solidFill>
+                          <a:latin typeface="Calibri" panose="020F0502020204030204"/>
+                        </a:defRPr>
+                      </a:lvl8pPr>
+                      <a:lvl9pPr marL="17556480" algn="l" defTabSz="4389120" rtl="0" eaLnBrk="1" latinLnBrk="0" hangingPunct="1">
+                        <a:defRPr sz="8640" kern="1200">
+                          <a:solidFill>
+                            <a:schemeClr val="dk1"/>
+                          </a:solidFill>
+                          <a:latin typeface="Calibri" panose="020F0502020204030204"/>
+                        </a:defRPr>
+                      </a:lvl9pPr>
+                    </a:lstStyle>
                     <a:p>
                       <a:pPr algn="ctr"/>
                       <a:r>
@@ -5106,6 +9080,34 @@
                     </a:p>
                   </a:txBody>
                   <a:tcPr anchor="ctr">
+                    <a:lnL w="12700" cmpd="sng">
+                      <a:solidFill>
+                        <a:sysClr val="window" lastClr="FFFFFF"/>
+                      </a:solidFill>
+                    </a:lnL>
+                    <a:lnR w="12700" cmpd="sng">
+                      <a:solidFill>
+                        <a:sysClr val="window" lastClr="FFFFFF"/>
+                      </a:solidFill>
+                    </a:lnR>
+                    <a:lnT w="38100" cmpd="sng">
+                      <a:solidFill>
+                        <a:sysClr val="window" lastClr="FFFFFF"/>
+                      </a:solidFill>
+                    </a:lnT>
+                    <a:lnB w="12700" cmpd="sng">
+                      <a:solidFill>
+                        <a:sysClr val="window" lastClr="FFFFFF"/>
+                      </a:solidFill>
+                    </a:lnB>
+                    <a:lnTlToBr w="12700" cmpd="sng">
+                      <a:noFill/>
+                      <a:prstDash val="solid"/>
+                    </a:lnTlToBr>
+                    <a:lnBlToTr w="12700" cmpd="sng">
+                      <a:noFill/>
+                      <a:prstDash val="solid"/>
+                    </a:lnBlToTr>
                     <a:solidFill>
                       <a:srgbClr val="8E2344"/>
                     </a:solidFill>
@@ -5114,7 +9116,80 @@
                 <a:tc>
                   <a:txBody>
                     <a:bodyPr/>
-                    <a:lstStyle/>
+                    <a:lstStyle>
+                      <a:lvl1pPr marL="0" algn="l" defTabSz="4389120" rtl="0" eaLnBrk="1" latinLnBrk="0" hangingPunct="1">
+                        <a:defRPr sz="8640" kern="1200">
+                          <a:solidFill>
+                            <a:schemeClr val="dk1"/>
+                          </a:solidFill>
+                          <a:latin typeface="Calibri" panose="020F0502020204030204"/>
+                        </a:defRPr>
+                      </a:lvl1pPr>
+                      <a:lvl2pPr marL="2194560" algn="l" defTabSz="4389120" rtl="0" eaLnBrk="1" latinLnBrk="0" hangingPunct="1">
+                        <a:defRPr sz="8640" kern="1200">
+                          <a:solidFill>
+                            <a:schemeClr val="dk1"/>
+                          </a:solidFill>
+                          <a:latin typeface="Calibri" panose="020F0502020204030204"/>
+                        </a:defRPr>
+                      </a:lvl2pPr>
+                      <a:lvl3pPr marL="4389120" algn="l" defTabSz="4389120" rtl="0" eaLnBrk="1" latinLnBrk="0" hangingPunct="1">
+                        <a:defRPr sz="8640" kern="1200">
+                          <a:solidFill>
+                            <a:schemeClr val="dk1"/>
+                          </a:solidFill>
+                          <a:latin typeface="Calibri" panose="020F0502020204030204"/>
+                        </a:defRPr>
+                      </a:lvl3pPr>
+                      <a:lvl4pPr marL="6583680" algn="l" defTabSz="4389120" rtl="0" eaLnBrk="1" latinLnBrk="0" hangingPunct="1">
+                        <a:defRPr sz="8640" kern="1200">
+                          <a:solidFill>
+                            <a:schemeClr val="dk1"/>
+                          </a:solidFill>
+                          <a:latin typeface="Calibri" panose="020F0502020204030204"/>
+                        </a:defRPr>
+                      </a:lvl4pPr>
+                      <a:lvl5pPr marL="8778240" algn="l" defTabSz="4389120" rtl="0" eaLnBrk="1" latinLnBrk="0" hangingPunct="1">
+                        <a:defRPr sz="8640" kern="1200">
+                          <a:solidFill>
+                            <a:schemeClr val="dk1"/>
+                          </a:solidFill>
+                          <a:latin typeface="Calibri" panose="020F0502020204030204"/>
+                        </a:defRPr>
+                      </a:lvl5pPr>
+                      <a:lvl6pPr marL="10972800" algn="l" defTabSz="4389120" rtl="0" eaLnBrk="1" latinLnBrk="0" hangingPunct="1">
+                        <a:defRPr sz="8640" kern="1200">
+                          <a:solidFill>
+                            <a:schemeClr val="dk1"/>
+                          </a:solidFill>
+                          <a:latin typeface="Calibri" panose="020F0502020204030204"/>
+                        </a:defRPr>
+                      </a:lvl6pPr>
+                      <a:lvl7pPr marL="13167360" algn="l" defTabSz="4389120" rtl="0" eaLnBrk="1" latinLnBrk="0" hangingPunct="1">
+                        <a:defRPr sz="8640" kern="1200">
+                          <a:solidFill>
+                            <a:schemeClr val="dk1"/>
+                          </a:solidFill>
+                          <a:latin typeface="Calibri" panose="020F0502020204030204"/>
+                        </a:defRPr>
+                      </a:lvl7pPr>
+                      <a:lvl8pPr marL="15361920" algn="l" defTabSz="4389120" rtl="0" eaLnBrk="1" latinLnBrk="0" hangingPunct="1">
+                        <a:defRPr sz="8640" kern="1200">
+                          <a:solidFill>
+                            <a:schemeClr val="dk1"/>
+                          </a:solidFill>
+                          <a:latin typeface="Calibri" panose="020F0502020204030204"/>
+                        </a:defRPr>
+                      </a:lvl8pPr>
+                      <a:lvl9pPr marL="17556480" algn="l" defTabSz="4389120" rtl="0" eaLnBrk="1" latinLnBrk="0" hangingPunct="1">
+                        <a:defRPr sz="8640" kern="1200">
+                          <a:solidFill>
+                            <a:schemeClr val="dk1"/>
+                          </a:solidFill>
+                          <a:latin typeface="Calibri" panose="020F0502020204030204"/>
+                        </a:defRPr>
+                      </a:lvl9pPr>
+                    </a:lstStyle>
                     <a:p>
                       <a:pPr algn="ctr"/>
                       <a:r>
@@ -5123,12 +9198,119 @@
                       </a:r>
                     </a:p>
                   </a:txBody>
-                  <a:tcPr anchor="ctr"/>
+                  <a:tcPr anchor="ctr">
+                    <a:lnL w="12700" cmpd="sng">
+                      <a:solidFill>
+                        <a:sysClr val="window" lastClr="FFFFFF"/>
+                      </a:solidFill>
+                    </a:lnL>
+                    <a:lnR w="12700" cmpd="sng">
+                      <a:solidFill>
+                        <a:sysClr val="window" lastClr="FFFFFF"/>
+                      </a:solidFill>
+                    </a:lnR>
+                    <a:lnT w="38100" cmpd="sng">
+                      <a:solidFill>
+                        <a:sysClr val="window" lastClr="FFFFFF"/>
+                      </a:solidFill>
+                    </a:lnT>
+                    <a:lnB w="12700" cmpd="sng">
+                      <a:solidFill>
+                        <a:sysClr val="window" lastClr="FFFFFF"/>
+                      </a:solidFill>
+                    </a:lnB>
+                    <a:lnTlToBr w="12700" cmpd="sng">
+                      <a:noFill/>
+                      <a:prstDash val="solid"/>
+                    </a:lnTlToBr>
+                    <a:lnBlToTr w="12700" cmpd="sng">
+                      <a:noFill/>
+                      <a:prstDash val="solid"/>
+                    </a:lnBlToTr>
+                    <a:solidFill>
+                      <a:srgbClr val="4472C4">
+                        <a:tint val="40000"/>
+                      </a:srgbClr>
+                    </a:solidFill>
+                  </a:tcPr>
                 </a:tc>
                 <a:tc>
                   <a:txBody>
                     <a:bodyPr/>
-                    <a:lstStyle/>
+                    <a:lstStyle>
+                      <a:lvl1pPr marL="0" algn="l" defTabSz="4389120" rtl="0" eaLnBrk="1" latinLnBrk="0" hangingPunct="1">
+                        <a:defRPr sz="8640" kern="1200">
+                          <a:solidFill>
+                            <a:schemeClr val="dk1"/>
+                          </a:solidFill>
+                          <a:latin typeface="Calibri" panose="020F0502020204030204"/>
+                        </a:defRPr>
+                      </a:lvl1pPr>
+                      <a:lvl2pPr marL="2194560" algn="l" defTabSz="4389120" rtl="0" eaLnBrk="1" latinLnBrk="0" hangingPunct="1">
+                        <a:defRPr sz="8640" kern="1200">
+                          <a:solidFill>
+                            <a:schemeClr val="dk1"/>
+                          </a:solidFill>
+                          <a:latin typeface="Calibri" panose="020F0502020204030204"/>
+                        </a:defRPr>
+                      </a:lvl2pPr>
+                      <a:lvl3pPr marL="4389120" algn="l" defTabSz="4389120" rtl="0" eaLnBrk="1" latinLnBrk="0" hangingPunct="1">
+                        <a:defRPr sz="8640" kern="1200">
+                          <a:solidFill>
+                            <a:schemeClr val="dk1"/>
+                          </a:solidFill>
+                          <a:latin typeface="Calibri" panose="020F0502020204030204"/>
+                        </a:defRPr>
+                      </a:lvl3pPr>
+                      <a:lvl4pPr marL="6583680" algn="l" defTabSz="4389120" rtl="0" eaLnBrk="1" latinLnBrk="0" hangingPunct="1">
+                        <a:defRPr sz="8640" kern="1200">
+                          <a:solidFill>
+                            <a:schemeClr val="dk1"/>
+                          </a:solidFill>
+                          <a:latin typeface="Calibri" panose="020F0502020204030204"/>
+                        </a:defRPr>
+                      </a:lvl4pPr>
+                      <a:lvl5pPr marL="8778240" algn="l" defTabSz="4389120" rtl="0" eaLnBrk="1" latinLnBrk="0" hangingPunct="1">
+                        <a:defRPr sz="8640" kern="1200">
+                          <a:solidFill>
+                            <a:schemeClr val="dk1"/>
+                          </a:solidFill>
+                          <a:latin typeface="Calibri" panose="020F0502020204030204"/>
+                        </a:defRPr>
+                      </a:lvl5pPr>
+                      <a:lvl6pPr marL="10972800" algn="l" defTabSz="4389120" rtl="0" eaLnBrk="1" latinLnBrk="0" hangingPunct="1">
+                        <a:defRPr sz="8640" kern="1200">
+                          <a:solidFill>
+                            <a:schemeClr val="dk1"/>
+                          </a:solidFill>
+                          <a:latin typeface="Calibri" panose="020F0502020204030204"/>
+                        </a:defRPr>
+                      </a:lvl6pPr>
+                      <a:lvl7pPr marL="13167360" algn="l" defTabSz="4389120" rtl="0" eaLnBrk="1" latinLnBrk="0" hangingPunct="1">
+                        <a:defRPr sz="8640" kern="1200">
+                          <a:solidFill>
+                            <a:schemeClr val="dk1"/>
+                          </a:solidFill>
+                          <a:latin typeface="Calibri" panose="020F0502020204030204"/>
+                        </a:defRPr>
+                      </a:lvl7pPr>
+                      <a:lvl8pPr marL="15361920" algn="l" defTabSz="4389120" rtl="0" eaLnBrk="1" latinLnBrk="0" hangingPunct="1">
+                        <a:defRPr sz="8640" kern="1200">
+                          <a:solidFill>
+                            <a:schemeClr val="dk1"/>
+                          </a:solidFill>
+                          <a:latin typeface="Calibri" panose="020F0502020204030204"/>
+                        </a:defRPr>
+                      </a:lvl8pPr>
+                      <a:lvl9pPr marL="17556480" algn="l" defTabSz="4389120" rtl="0" eaLnBrk="1" latinLnBrk="0" hangingPunct="1">
+                        <a:defRPr sz="8640" kern="1200">
+                          <a:solidFill>
+                            <a:schemeClr val="dk1"/>
+                          </a:solidFill>
+                          <a:latin typeface="Calibri" panose="020F0502020204030204"/>
+                        </a:defRPr>
+                      </a:lvl9pPr>
+                    </a:lstStyle>
                     <a:p>
                       <a:pPr algn="ctr"/>
                       <a:r>
@@ -5137,12 +9319,119 @@
                       </a:r>
                     </a:p>
                   </a:txBody>
-                  <a:tcPr anchor="ctr"/>
+                  <a:tcPr anchor="ctr">
+                    <a:lnL w="12700" cmpd="sng">
+                      <a:solidFill>
+                        <a:sysClr val="window" lastClr="FFFFFF"/>
+                      </a:solidFill>
+                    </a:lnL>
+                    <a:lnR w="12700" cmpd="sng">
+                      <a:solidFill>
+                        <a:sysClr val="window" lastClr="FFFFFF"/>
+                      </a:solidFill>
+                    </a:lnR>
+                    <a:lnT w="38100" cmpd="sng">
+                      <a:solidFill>
+                        <a:sysClr val="window" lastClr="FFFFFF"/>
+                      </a:solidFill>
+                    </a:lnT>
+                    <a:lnB w="12700" cmpd="sng">
+                      <a:solidFill>
+                        <a:sysClr val="window" lastClr="FFFFFF"/>
+                      </a:solidFill>
+                    </a:lnB>
+                    <a:lnTlToBr w="12700" cmpd="sng">
+                      <a:noFill/>
+                      <a:prstDash val="solid"/>
+                    </a:lnTlToBr>
+                    <a:lnBlToTr w="12700" cmpd="sng">
+                      <a:noFill/>
+                      <a:prstDash val="solid"/>
+                    </a:lnBlToTr>
+                    <a:solidFill>
+                      <a:srgbClr val="4472C4">
+                        <a:tint val="40000"/>
+                      </a:srgbClr>
+                    </a:solidFill>
+                  </a:tcPr>
                 </a:tc>
                 <a:tc>
                   <a:txBody>
                     <a:bodyPr/>
-                    <a:lstStyle/>
+                    <a:lstStyle>
+                      <a:lvl1pPr marL="0" algn="l" defTabSz="4389120" rtl="0" eaLnBrk="1" latinLnBrk="0" hangingPunct="1">
+                        <a:defRPr sz="8640" kern="1200">
+                          <a:solidFill>
+                            <a:schemeClr val="dk1"/>
+                          </a:solidFill>
+                          <a:latin typeface="Calibri" panose="020F0502020204030204"/>
+                        </a:defRPr>
+                      </a:lvl1pPr>
+                      <a:lvl2pPr marL="2194560" algn="l" defTabSz="4389120" rtl="0" eaLnBrk="1" latinLnBrk="0" hangingPunct="1">
+                        <a:defRPr sz="8640" kern="1200">
+                          <a:solidFill>
+                            <a:schemeClr val="dk1"/>
+                          </a:solidFill>
+                          <a:latin typeface="Calibri" panose="020F0502020204030204"/>
+                        </a:defRPr>
+                      </a:lvl2pPr>
+                      <a:lvl3pPr marL="4389120" algn="l" defTabSz="4389120" rtl="0" eaLnBrk="1" latinLnBrk="0" hangingPunct="1">
+                        <a:defRPr sz="8640" kern="1200">
+                          <a:solidFill>
+                            <a:schemeClr val="dk1"/>
+                          </a:solidFill>
+                          <a:latin typeface="Calibri" panose="020F0502020204030204"/>
+                        </a:defRPr>
+                      </a:lvl3pPr>
+                      <a:lvl4pPr marL="6583680" algn="l" defTabSz="4389120" rtl="0" eaLnBrk="1" latinLnBrk="0" hangingPunct="1">
+                        <a:defRPr sz="8640" kern="1200">
+                          <a:solidFill>
+                            <a:schemeClr val="dk1"/>
+                          </a:solidFill>
+                          <a:latin typeface="Calibri" panose="020F0502020204030204"/>
+                        </a:defRPr>
+                      </a:lvl4pPr>
+                      <a:lvl5pPr marL="8778240" algn="l" defTabSz="4389120" rtl="0" eaLnBrk="1" latinLnBrk="0" hangingPunct="1">
+                        <a:defRPr sz="8640" kern="1200">
+                          <a:solidFill>
+                            <a:schemeClr val="dk1"/>
+                          </a:solidFill>
+                          <a:latin typeface="Calibri" panose="020F0502020204030204"/>
+                        </a:defRPr>
+                      </a:lvl5pPr>
+                      <a:lvl6pPr marL="10972800" algn="l" defTabSz="4389120" rtl="0" eaLnBrk="1" latinLnBrk="0" hangingPunct="1">
+                        <a:defRPr sz="8640" kern="1200">
+                          <a:solidFill>
+                            <a:schemeClr val="dk1"/>
+                          </a:solidFill>
+                          <a:latin typeface="Calibri" panose="020F0502020204030204"/>
+                        </a:defRPr>
+                      </a:lvl6pPr>
+                      <a:lvl7pPr marL="13167360" algn="l" defTabSz="4389120" rtl="0" eaLnBrk="1" latinLnBrk="0" hangingPunct="1">
+                        <a:defRPr sz="8640" kern="1200">
+                          <a:solidFill>
+                            <a:schemeClr val="dk1"/>
+                          </a:solidFill>
+                          <a:latin typeface="Calibri" panose="020F0502020204030204"/>
+                        </a:defRPr>
+                      </a:lvl7pPr>
+                      <a:lvl8pPr marL="15361920" algn="l" defTabSz="4389120" rtl="0" eaLnBrk="1" latinLnBrk="0" hangingPunct="1">
+                        <a:defRPr sz="8640" kern="1200">
+                          <a:solidFill>
+                            <a:schemeClr val="dk1"/>
+                          </a:solidFill>
+                          <a:latin typeface="Calibri" panose="020F0502020204030204"/>
+                        </a:defRPr>
+                      </a:lvl8pPr>
+                      <a:lvl9pPr marL="17556480" algn="l" defTabSz="4389120" rtl="0" eaLnBrk="1" latinLnBrk="0" hangingPunct="1">
+                        <a:defRPr sz="8640" kern="1200">
+                          <a:solidFill>
+                            <a:schemeClr val="dk1"/>
+                          </a:solidFill>
+                          <a:latin typeface="Calibri" panose="020F0502020204030204"/>
+                        </a:defRPr>
+                      </a:lvl9pPr>
+                    </a:lstStyle>
                     <a:p>
                       <a:pPr algn="ctr"/>
                       <a:r>
@@ -5151,11 +9440,45 @@
                       </a:r>
                     </a:p>
                   </a:txBody>
-                  <a:tcPr anchor="ctr"/>
+                  <a:tcPr anchor="ctr">
+                    <a:lnL w="12700" cmpd="sng">
+                      <a:solidFill>
+                        <a:sysClr val="window" lastClr="FFFFFF"/>
+                      </a:solidFill>
+                    </a:lnL>
+                    <a:lnR w="12700" cmpd="sng">
+                      <a:solidFill>
+                        <a:sysClr val="window" lastClr="FFFFFF"/>
+                      </a:solidFill>
+                    </a:lnR>
+                    <a:lnT w="38100" cmpd="sng">
+                      <a:solidFill>
+                        <a:sysClr val="window" lastClr="FFFFFF"/>
+                      </a:solidFill>
+                    </a:lnT>
+                    <a:lnB w="12700" cmpd="sng">
+                      <a:solidFill>
+                        <a:sysClr val="window" lastClr="FFFFFF"/>
+                      </a:solidFill>
+                    </a:lnB>
+                    <a:lnTlToBr w="12700" cmpd="sng">
+                      <a:noFill/>
+                      <a:prstDash val="solid"/>
+                    </a:lnTlToBr>
+                    <a:lnBlToTr w="12700" cmpd="sng">
+                      <a:noFill/>
+                      <a:prstDash val="solid"/>
+                    </a:lnBlToTr>
+                    <a:solidFill>
+                      <a:srgbClr val="4472C4">
+                        <a:tint val="40000"/>
+                      </a:srgbClr>
+                    </a:solidFill>
+                  </a:tcPr>
                 </a:tc>
                 <a:extLst>
                   <a:ext uri="{0D108BD9-81ED-4DB2-BD59-A6C34878D82A}">
-                    <a16:rowId xmlns:a16="http://schemas.microsoft.com/office/drawing/2014/main" val="2612314924"/>
+                    <a16:rowId xmlns:a16="http://schemas.microsoft.com/office/drawing/2014/main" xmlns="" val="2612314924"/>
                   </a:ext>
                 </a:extLst>
               </a:tr>
@@ -5163,7 +9486,80 @@
                 <a:tc>
                   <a:txBody>
                     <a:bodyPr/>
-                    <a:lstStyle/>
+                    <a:lstStyle>
+                      <a:lvl1pPr marL="0" algn="l" defTabSz="4389120" rtl="0" eaLnBrk="1" latinLnBrk="0" hangingPunct="1">
+                        <a:defRPr sz="8640" kern="1200">
+                          <a:solidFill>
+                            <a:schemeClr val="dk1"/>
+                          </a:solidFill>
+                          <a:latin typeface="Calibri" panose="020F0502020204030204"/>
+                        </a:defRPr>
+                      </a:lvl1pPr>
+                      <a:lvl2pPr marL="2194560" algn="l" defTabSz="4389120" rtl="0" eaLnBrk="1" latinLnBrk="0" hangingPunct="1">
+                        <a:defRPr sz="8640" kern="1200">
+                          <a:solidFill>
+                            <a:schemeClr val="dk1"/>
+                          </a:solidFill>
+                          <a:latin typeface="Calibri" panose="020F0502020204030204"/>
+                        </a:defRPr>
+                      </a:lvl2pPr>
+                      <a:lvl3pPr marL="4389120" algn="l" defTabSz="4389120" rtl="0" eaLnBrk="1" latinLnBrk="0" hangingPunct="1">
+                        <a:defRPr sz="8640" kern="1200">
+                          <a:solidFill>
+                            <a:schemeClr val="dk1"/>
+                          </a:solidFill>
+                          <a:latin typeface="Calibri" panose="020F0502020204030204"/>
+                        </a:defRPr>
+                      </a:lvl3pPr>
+                      <a:lvl4pPr marL="6583680" algn="l" defTabSz="4389120" rtl="0" eaLnBrk="1" latinLnBrk="0" hangingPunct="1">
+                        <a:defRPr sz="8640" kern="1200">
+                          <a:solidFill>
+                            <a:schemeClr val="dk1"/>
+                          </a:solidFill>
+                          <a:latin typeface="Calibri" panose="020F0502020204030204"/>
+                        </a:defRPr>
+                      </a:lvl4pPr>
+                      <a:lvl5pPr marL="8778240" algn="l" defTabSz="4389120" rtl="0" eaLnBrk="1" latinLnBrk="0" hangingPunct="1">
+                        <a:defRPr sz="8640" kern="1200">
+                          <a:solidFill>
+                            <a:schemeClr val="dk1"/>
+                          </a:solidFill>
+                          <a:latin typeface="Calibri" panose="020F0502020204030204"/>
+                        </a:defRPr>
+                      </a:lvl5pPr>
+                      <a:lvl6pPr marL="10972800" algn="l" defTabSz="4389120" rtl="0" eaLnBrk="1" latinLnBrk="0" hangingPunct="1">
+                        <a:defRPr sz="8640" kern="1200">
+                          <a:solidFill>
+                            <a:schemeClr val="dk1"/>
+                          </a:solidFill>
+                          <a:latin typeface="Calibri" panose="020F0502020204030204"/>
+                        </a:defRPr>
+                      </a:lvl6pPr>
+                      <a:lvl7pPr marL="13167360" algn="l" defTabSz="4389120" rtl="0" eaLnBrk="1" latinLnBrk="0" hangingPunct="1">
+                        <a:defRPr sz="8640" kern="1200">
+                          <a:solidFill>
+                            <a:schemeClr val="dk1"/>
+                          </a:solidFill>
+                          <a:latin typeface="Calibri" panose="020F0502020204030204"/>
+                        </a:defRPr>
+                      </a:lvl7pPr>
+                      <a:lvl8pPr marL="15361920" algn="l" defTabSz="4389120" rtl="0" eaLnBrk="1" latinLnBrk="0" hangingPunct="1">
+                        <a:defRPr sz="8640" kern="1200">
+                          <a:solidFill>
+                            <a:schemeClr val="dk1"/>
+                          </a:solidFill>
+                          <a:latin typeface="Calibri" panose="020F0502020204030204"/>
+                        </a:defRPr>
+                      </a:lvl8pPr>
+                      <a:lvl9pPr marL="17556480" algn="l" defTabSz="4389120" rtl="0" eaLnBrk="1" latinLnBrk="0" hangingPunct="1">
+                        <a:defRPr sz="8640" kern="1200">
+                          <a:solidFill>
+                            <a:schemeClr val="dk1"/>
+                          </a:solidFill>
+                          <a:latin typeface="Calibri" panose="020F0502020204030204"/>
+                        </a:defRPr>
+                      </a:lvl9pPr>
+                    </a:lstStyle>
                     <a:p>
                       <a:pPr algn="ctr"/>
                       <a:r>
@@ -5177,6 +9573,34 @@
                     </a:p>
                   </a:txBody>
                   <a:tcPr anchor="ctr">
+                    <a:lnL w="12700" cmpd="sng">
+                      <a:solidFill>
+                        <a:sysClr val="window" lastClr="FFFFFF"/>
+                      </a:solidFill>
+                    </a:lnL>
+                    <a:lnR w="12700" cmpd="sng">
+                      <a:solidFill>
+                        <a:sysClr val="window" lastClr="FFFFFF"/>
+                      </a:solidFill>
+                    </a:lnR>
+                    <a:lnT w="12700" cmpd="sng">
+                      <a:solidFill>
+                        <a:sysClr val="window" lastClr="FFFFFF"/>
+                      </a:solidFill>
+                    </a:lnT>
+                    <a:lnB w="12700" cmpd="sng">
+                      <a:solidFill>
+                        <a:sysClr val="window" lastClr="FFFFFF"/>
+                      </a:solidFill>
+                    </a:lnB>
+                    <a:lnTlToBr w="12700" cmpd="sng">
+                      <a:noFill/>
+                      <a:prstDash val="solid"/>
+                    </a:lnTlToBr>
+                    <a:lnBlToTr w="12700" cmpd="sng">
+                      <a:noFill/>
+                      <a:prstDash val="solid"/>
+                    </a:lnBlToTr>
                     <a:solidFill>
                       <a:srgbClr val="8E2344"/>
                     </a:solidFill>
@@ -5185,7 +9609,80 @@
                 <a:tc>
                   <a:txBody>
                     <a:bodyPr/>
-                    <a:lstStyle/>
+                    <a:lstStyle>
+                      <a:lvl1pPr marL="0" algn="l" defTabSz="4389120" rtl="0" eaLnBrk="1" latinLnBrk="0" hangingPunct="1">
+                        <a:defRPr sz="8640" kern="1200">
+                          <a:solidFill>
+                            <a:schemeClr val="dk1"/>
+                          </a:solidFill>
+                          <a:latin typeface="Calibri" panose="020F0502020204030204"/>
+                        </a:defRPr>
+                      </a:lvl1pPr>
+                      <a:lvl2pPr marL="2194560" algn="l" defTabSz="4389120" rtl="0" eaLnBrk="1" latinLnBrk="0" hangingPunct="1">
+                        <a:defRPr sz="8640" kern="1200">
+                          <a:solidFill>
+                            <a:schemeClr val="dk1"/>
+                          </a:solidFill>
+                          <a:latin typeface="Calibri" panose="020F0502020204030204"/>
+                        </a:defRPr>
+                      </a:lvl2pPr>
+                      <a:lvl3pPr marL="4389120" algn="l" defTabSz="4389120" rtl="0" eaLnBrk="1" latinLnBrk="0" hangingPunct="1">
+                        <a:defRPr sz="8640" kern="1200">
+                          <a:solidFill>
+                            <a:schemeClr val="dk1"/>
+                          </a:solidFill>
+                          <a:latin typeface="Calibri" panose="020F0502020204030204"/>
+                        </a:defRPr>
+                      </a:lvl3pPr>
+                      <a:lvl4pPr marL="6583680" algn="l" defTabSz="4389120" rtl="0" eaLnBrk="1" latinLnBrk="0" hangingPunct="1">
+                        <a:defRPr sz="8640" kern="1200">
+                          <a:solidFill>
+                            <a:schemeClr val="dk1"/>
+                          </a:solidFill>
+                          <a:latin typeface="Calibri" panose="020F0502020204030204"/>
+                        </a:defRPr>
+                      </a:lvl4pPr>
+                      <a:lvl5pPr marL="8778240" algn="l" defTabSz="4389120" rtl="0" eaLnBrk="1" latinLnBrk="0" hangingPunct="1">
+                        <a:defRPr sz="8640" kern="1200">
+                          <a:solidFill>
+                            <a:schemeClr val="dk1"/>
+                          </a:solidFill>
+                          <a:latin typeface="Calibri" panose="020F0502020204030204"/>
+                        </a:defRPr>
+                      </a:lvl5pPr>
+                      <a:lvl6pPr marL="10972800" algn="l" defTabSz="4389120" rtl="0" eaLnBrk="1" latinLnBrk="0" hangingPunct="1">
+                        <a:defRPr sz="8640" kern="1200">
+                          <a:solidFill>
+                            <a:schemeClr val="dk1"/>
+                          </a:solidFill>
+                          <a:latin typeface="Calibri" panose="020F0502020204030204"/>
+                        </a:defRPr>
+                      </a:lvl6pPr>
+                      <a:lvl7pPr marL="13167360" algn="l" defTabSz="4389120" rtl="0" eaLnBrk="1" latinLnBrk="0" hangingPunct="1">
+                        <a:defRPr sz="8640" kern="1200">
+                          <a:solidFill>
+                            <a:schemeClr val="dk1"/>
+                          </a:solidFill>
+                          <a:latin typeface="Calibri" panose="020F0502020204030204"/>
+                        </a:defRPr>
+                      </a:lvl7pPr>
+                      <a:lvl8pPr marL="15361920" algn="l" defTabSz="4389120" rtl="0" eaLnBrk="1" latinLnBrk="0" hangingPunct="1">
+                        <a:defRPr sz="8640" kern="1200">
+                          <a:solidFill>
+                            <a:schemeClr val="dk1"/>
+                          </a:solidFill>
+                          <a:latin typeface="Calibri" panose="020F0502020204030204"/>
+                        </a:defRPr>
+                      </a:lvl8pPr>
+                      <a:lvl9pPr marL="17556480" algn="l" defTabSz="4389120" rtl="0" eaLnBrk="1" latinLnBrk="0" hangingPunct="1">
+                        <a:defRPr sz="8640" kern="1200">
+                          <a:solidFill>
+                            <a:schemeClr val="dk1"/>
+                          </a:solidFill>
+                          <a:latin typeface="Calibri" panose="020F0502020204030204"/>
+                        </a:defRPr>
+                      </a:lvl9pPr>
+                    </a:lstStyle>
                     <a:p>
                       <a:pPr algn="ctr"/>
                       <a:r>
@@ -5194,12 +9691,119 @@
                       </a:r>
                     </a:p>
                   </a:txBody>
-                  <a:tcPr anchor="ctr"/>
+                  <a:tcPr anchor="ctr">
+                    <a:lnL w="12700" cmpd="sng">
+                      <a:solidFill>
+                        <a:sysClr val="window" lastClr="FFFFFF"/>
+                      </a:solidFill>
+                    </a:lnL>
+                    <a:lnR w="12700" cmpd="sng">
+                      <a:solidFill>
+                        <a:sysClr val="window" lastClr="FFFFFF"/>
+                      </a:solidFill>
+                    </a:lnR>
+                    <a:lnT w="12700" cmpd="sng">
+                      <a:solidFill>
+                        <a:sysClr val="window" lastClr="FFFFFF"/>
+                      </a:solidFill>
+                    </a:lnT>
+                    <a:lnB w="12700" cmpd="sng">
+                      <a:solidFill>
+                        <a:sysClr val="window" lastClr="FFFFFF"/>
+                      </a:solidFill>
+                    </a:lnB>
+                    <a:lnTlToBr w="12700" cmpd="sng">
+                      <a:noFill/>
+                      <a:prstDash val="solid"/>
+                    </a:lnTlToBr>
+                    <a:lnBlToTr w="12700" cmpd="sng">
+                      <a:noFill/>
+                      <a:prstDash val="solid"/>
+                    </a:lnBlToTr>
+                    <a:solidFill>
+                      <a:srgbClr val="4472C4">
+                        <a:tint val="20000"/>
+                      </a:srgbClr>
+                    </a:solidFill>
+                  </a:tcPr>
                 </a:tc>
                 <a:tc>
                   <a:txBody>
                     <a:bodyPr/>
-                    <a:lstStyle/>
+                    <a:lstStyle>
+                      <a:lvl1pPr marL="0" algn="l" defTabSz="4389120" rtl="0" eaLnBrk="1" latinLnBrk="0" hangingPunct="1">
+                        <a:defRPr sz="8640" kern="1200">
+                          <a:solidFill>
+                            <a:schemeClr val="dk1"/>
+                          </a:solidFill>
+                          <a:latin typeface="Calibri" panose="020F0502020204030204"/>
+                        </a:defRPr>
+                      </a:lvl1pPr>
+                      <a:lvl2pPr marL="2194560" algn="l" defTabSz="4389120" rtl="0" eaLnBrk="1" latinLnBrk="0" hangingPunct="1">
+                        <a:defRPr sz="8640" kern="1200">
+                          <a:solidFill>
+                            <a:schemeClr val="dk1"/>
+                          </a:solidFill>
+                          <a:latin typeface="Calibri" panose="020F0502020204030204"/>
+                        </a:defRPr>
+                      </a:lvl2pPr>
+                      <a:lvl3pPr marL="4389120" algn="l" defTabSz="4389120" rtl="0" eaLnBrk="1" latinLnBrk="0" hangingPunct="1">
+                        <a:defRPr sz="8640" kern="1200">
+                          <a:solidFill>
+                            <a:schemeClr val="dk1"/>
+                          </a:solidFill>
+                          <a:latin typeface="Calibri" panose="020F0502020204030204"/>
+                        </a:defRPr>
+                      </a:lvl3pPr>
+                      <a:lvl4pPr marL="6583680" algn="l" defTabSz="4389120" rtl="0" eaLnBrk="1" latinLnBrk="0" hangingPunct="1">
+                        <a:defRPr sz="8640" kern="1200">
+                          <a:solidFill>
+                            <a:schemeClr val="dk1"/>
+                          </a:solidFill>
+                          <a:latin typeface="Calibri" panose="020F0502020204030204"/>
+                        </a:defRPr>
+                      </a:lvl4pPr>
+                      <a:lvl5pPr marL="8778240" algn="l" defTabSz="4389120" rtl="0" eaLnBrk="1" latinLnBrk="0" hangingPunct="1">
+                        <a:defRPr sz="8640" kern="1200">
+                          <a:solidFill>
+                            <a:schemeClr val="dk1"/>
+                          </a:solidFill>
+                          <a:latin typeface="Calibri" panose="020F0502020204030204"/>
+                        </a:defRPr>
+                      </a:lvl5pPr>
+                      <a:lvl6pPr marL="10972800" algn="l" defTabSz="4389120" rtl="0" eaLnBrk="1" latinLnBrk="0" hangingPunct="1">
+                        <a:defRPr sz="8640" kern="1200">
+                          <a:solidFill>
+                            <a:schemeClr val="dk1"/>
+                          </a:solidFill>
+                          <a:latin typeface="Calibri" panose="020F0502020204030204"/>
+                        </a:defRPr>
+                      </a:lvl6pPr>
+                      <a:lvl7pPr marL="13167360" algn="l" defTabSz="4389120" rtl="0" eaLnBrk="1" latinLnBrk="0" hangingPunct="1">
+                        <a:defRPr sz="8640" kern="1200">
+                          <a:solidFill>
+                            <a:schemeClr val="dk1"/>
+                          </a:solidFill>
+                          <a:latin typeface="Calibri" panose="020F0502020204030204"/>
+                        </a:defRPr>
+                      </a:lvl7pPr>
+                      <a:lvl8pPr marL="15361920" algn="l" defTabSz="4389120" rtl="0" eaLnBrk="1" latinLnBrk="0" hangingPunct="1">
+                        <a:defRPr sz="8640" kern="1200">
+                          <a:solidFill>
+                            <a:schemeClr val="dk1"/>
+                          </a:solidFill>
+                          <a:latin typeface="Calibri" panose="020F0502020204030204"/>
+                        </a:defRPr>
+                      </a:lvl8pPr>
+                      <a:lvl9pPr marL="17556480" algn="l" defTabSz="4389120" rtl="0" eaLnBrk="1" latinLnBrk="0" hangingPunct="1">
+                        <a:defRPr sz="8640" kern="1200">
+                          <a:solidFill>
+                            <a:schemeClr val="dk1"/>
+                          </a:solidFill>
+                          <a:latin typeface="Calibri" panose="020F0502020204030204"/>
+                        </a:defRPr>
+                      </a:lvl9pPr>
+                    </a:lstStyle>
                     <a:p>
                       <a:pPr algn="ctr"/>
                       <a:r>
@@ -5208,12 +9812,119 @@
                       </a:r>
                     </a:p>
                   </a:txBody>
-                  <a:tcPr anchor="ctr"/>
+                  <a:tcPr anchor="ctr">
+                    <a:lnL w="12700" cmpd="sng">
+                      <a:solidFill>
+                        <a:sysClr val="window" lastClr="FFFFFF"/>
+                      </a:solidFill>
+                    </a:lnL>
+                    <a:lnR w="12700" cmpd="sng">
+                      <a:solidFill>
+                        <a:sysClr val="window" lastClr="FFFFFF"/>
+                      </a:solidFill>
+                    </a:lnR>
+                    <a:lnT w="12700" cmpd="sng">
+                      <a:solidFill>
+                        <a:sysClr val="window" lastClr="FFFFFF"/>
+                      </a:solidFill>
+                    </a:lnT>
+                    <a:lnB w="12700" cmpd="sng">
+                      <a:solidFill>
+                        <a:sysClr val="window" lastClr="FFFFFF"/>
+                      </a:solidFill>
+                    </a:lnB>
+                    <a:lnTlToBr w="12700" cmpd="sng">
+                      <a:noFill/>
+                      <a:prstDash val="solid"/>
+                    </a:lnTlToBr>
+                    <a:lnBlToTr w="12700" cmpd="sng">
+                      <a:noFill/>
+                      <a:prstDash val="solid"/>
+                    </a:lnBlToTr>
+                    <a:solidFill>
+                      <a:srgbClr val="4472C4">
+                        <a:tint val="20000"/>
+                      </a:srgbClr>
+                    </a:solidFill>
+                  </a:tcPr>
                 </a:tc>
                 <a:tc>
                   <a:txBody>
                     <a:bodyPr/>
-                    <a:lstStyle/>
+                    <a:lstStyle>
+                      <a:lvl1pPr marL="0" algn="l" defTabSz="4389120" rtl="0" eaLnBrk="1" latinLnBrk="0" hangingPunct="1">
+                        <a:defRPr sz="8640" kern="1200">
+                          <a:solidFill>
+                            <a:schemeClr val="dk1"/>
+                          </a:solidFill>
+                          <a:latin typeface="Calibri" panose="020F0502020204030204"/>
+                        </a:defRPr>
+                      </a:lvl1pPr>
+                      <a:lvl2pPr marL="2194560" algn="l" defTabSz="4389120" rtl="0" eaLnBrk="1" latinLnBrk="0" hangingPunct="1">
+                        <a:defRPr sz="8640" kern="1200">
+                          <a:solidFill>
+                            <a:schemeClr val="dk1"/>
+                          </a:solidFill>
+                          <a:latin typeface="Calibri" panose="020F0502020204030204"/>
+                        </a:defRPr>
+                      </a:lvl2pPr>
+                      <a:lvl3pPr marL="4389120" algn="l" defTabSz="4389120" rtl="0" eaLnBrk="1" latinLnBrk="0" hangingPunct="1">
+                        <a:defRPr sz="8640" kern="1200">
+                          <a:solidFill>
+                            <a:schemeClr val="dk1"/>
+                          </a:solidFill>
+                          <a:latin typeface="Calibri" panose="020F0502020204030204"/>
+                        </a:defRPr>
+                      </a:lvl3pPr>
+                      <a:lvl4pPr marL="6583680" algn="l" defTabSz="4389120" rtl="0" eaLnBrk="1" latinLnBrk="0" hangingPunct="1">
+                        <a:defRPr sz="8640" kern="1200">
+                          <a:solidFill>
+                            <a:schemeClr val="dk1"/>
+                          </a:solidFill>
+                          <a:latin typeface="Calibri" panose="020F0502020204030204"/>
+                        </a:defRPr>
+                      </a:lvl4pPr>
+                      <a:lvl5pPr marL="8778240" algn="l" defTabSz="4389120" rtl="0" eaLnBrk="1" latinLnBrk="0" hangingPunct="1">
+                        <a:defRPr sz="8640" kern="1200">
+                          <a:solidFill>
+                            <a:schemeClr val="dk1"/>
+                          </a:solidFill>
+                          <a:latin typeface="Calibri" panose="020F0502020204030204"/>
+                        </a:defRPr>
+                      </a:lvl5pPr>
+                      <a:lvl6pPr marL="10972800" algn="l" defTabSz="4389120" rtl="0" eaLnBrk="1" latinLnBrk="0" hangingPunct="1">
+                        <a:defRPr sz="8640" kern="1200">
+                          <a:solidFill>
+                            <a:schemeClr val="dk1"/>
+                          </a:solidFill>
+                          <a:latin typeface="Calibri" panose="020F0502020204030204"/>
+                        </a:defRPr>
+                      </a:lvl6pPr>
+                      <a:lvl7pPr marL="13167360" algn="l" defTabSz="4389120" rtl="0" eaLnBrk="1" latinLnBrk="0" hangingPunct="1">
+                        <a:defRPr sz="8640" kern="1200">
+                          <a:solidFill>
+                            <a:schemeClr val="dk1"/>
+                          </a:solidFill>
+                          <a:latin typeface="Calibri" panose="020F0502020204030204"/>
+                        </a:defRPr>
+                      </a:lvl7pPr>
+                      <a:lvl8pPr marL="15361920" algn="l" defTabSz="4389120" rtl="0" eaLnBrk="1" latinLnBrk="0" hangingPunct="1">
+                        <a:defRPr sz="8640" kern="1200">
+                          <a:solidFill>
+                            <a:schemeClr val="dk1"/>
+                          </a:solidFill>
+                          <a:latin typeface="Calibri" panose="020F0502020204030204"/>
+                        </a:defRPr>
+                      </a:lvl8pPr>
+                      <a:lvl9pPr marL="17556480" algn="l" defTabSz="4389120" rtl="0" eaLnBrk="1" latinLnBrk="0" hangingPunct="1">
+                        <a:defRPr sz="8640" kern="1200">
+                          <a:solidFill>
+                            <a:schemeClr val="dk1"/>
+                          </a:solidFill>
+                          <a:latin typeface="Calibri" panose="020F0502020204030204"/>
+                        </a:defRPr>
+                      </a:lvl9pPr>
+                    </a:lstStyle>
                     <a:p>
                       <a:pPr algn="ctr"/>
                       <a:r>
@@ -5222,11 +9933,45 @@
                       </a:r>
                     </a:p>
                   </a:txBody>
-                  <a:tcPr anchor="ctr"/>
+                  <a:tcPr anchor="ctr">
+                    <a:lnL w="12700" cmpd="sng">
+                      <a:solidFill>
+                        <a:sysClr val="window" lastClr="FFFFFF"/>
+                      </a:solidFill>
+                    </a:lnL>
+                    <a:lnR w="12700" cmpd="sng">
+                      <a:solidFill>
+                        <a:sysClr val="window" lastClr="FFFFFF"/>
+                      </a:solidFill>
+                    </a:lnR>
+                    <a:lnT w="12700" cmpd="sng">
+                      <a:solidFill>
+                        <a:sysClr val="window" lastClr="FFFFFF"/>
+                      </a:solidFill>
+                    </a:lnT>
+                    <a:lnB w="12700" cmpd="sng">
+                      <a:solidFill>
+                        <a:sysClr val="window" lastClr="FFFFFF"/>
+                      </a:solidFill>
+                    </a:lnB>
+                    <a:lnTlToBr w="12700" cmpd="sng">
+                      <a:noFill/>
+                      <a:prstDash val="solid"/>
+                    </a:lnTlToBr>
+                    <a:lnBlToTr w="12700" cmpd="sng">
+                      <a:noFill/>
+                      <a:prstDash val="solid"/>
+                    </a:lnBlToTr>
+                    <a:solidFill>
+                      <a:srgbClr val="4472C4">
+                        <a:tint val="20000"/>
+                      </a:srgbClr>
+                    </a:solidFill>
+                  </a:tcPr>
                 </a:tc>
                 <a:extLst>
                   <a:ext uri="{0D108BD9-81ED-4DB2-BD59-A6C34878D82A}">
-                    <a16:rowId xmlns:a16="http://schemas.microsoft.com/office/drawing/2014/main" val="685837746"/>
+                    <a16:rowId xmlns:a16="http://schemas.microsoft.com/office/drawing/2014/main" xmlns="" val="685837746"/>
                   </a:ext>
                 </a:extLst>
               </a:tr>
@@ -5234,7 +9979,80 @@
                 <a:tc>
                   <a:txBody>
                     <a:bodyPr/>
-                    <a:lstStyle/>
+                    <a:lstStyle>
+                      <a:lvl1pPr marL="0" algn="l" defTabSz="4389120" rtl="0" eaLnBrk="1" latinLnBrk="0" hangingPunct="1">
+                        <a:defRPr sz="8640" kern="1200">
+                          <a:solidFill>
+                            <a:schemeClr val="dk1"/>
+                          </a:solidFill>
+                          <a:latin typeface="Calibri" panose="020F0502020204030204"/>
+                        </a:defRPr>
+                      </a:lvl1pPr>
+                      <a:lvl2pPr marL="2194560" algn="l" defTabSz="4389120" rtl="0" eaLnBrk="1" latinLnBrk="0" hangingPunct="1">
+                        <a:defRPr sz="8640" kern="1200">
+                          <a:solidFill>
+                            <a:schemeClr val="dk1"/>
+                          </a:solidFill>
+                          <a:latin typeface="Calibri" panose="020F0502020204030204"/>
+                        </a:defRPr>
+                      </a:lvl2pPr>
+                      <a:lvl3pPr marL="4389120" algn="l" defTabSz="4389120" rtl="0" eaLnBrk="1" latinLnBrk="0" hangingPunct="1">
+                        <a:defRPr sz="8640" kern="1200">
+                          <a:solidFill>
+                            <a:schemeClr val="dk1"/>
+                          </a:solidFill>
+                          <a:latin typeface="Calibri" panose="020F0502020204030204"/>
+                        </a:defRPr>
+                      </a:lvl3pPr>
+                      <a:lvl4pPr marL="6583680" algn="l" defTabSz="4389120" rtl="0" eaLnBrk="1" latinLnBrk="0" hangingPunct="1">
+                        <a:defRPr sz="8640" kern="1200">
+                          <a:solidFill>
+                            <a:schemeClr val="dk1"/>
+                          </a:solidFill>
+                          <a:latin typeface="Calibri" panose="020F0502020204030204"/>
+                        </a:defRPr>
+                      </a:lvl4pPr>
+                      <a:lvl5pPr marL="8778240" algn="l" defTabSz="4389120" rtl="0" eaLnBrk="1" latinLnBrk="0" hangingPunct="1">
+                        <a:defRPr sz="8640" kern="1200">
+                          <a:solidFill>
+                            <a:schemeClr val="dk1"/>
+                          </a:solidFill>
+                          <a:latin typeface="Calibri" panose="020F0502020204030204"/>
+                        </a:defRPr>
+                      </a:lvl5pPr>
+                      <a:lvl6pPr marL="10972800" algn="l" defTabSz="4389120" rtl="0" eaLnBrk="1" latinLnBrk="0" hangingPunct="1">
+                        <a:defRPr sz="8640" kern="1200">
+                          <a:solidFill>
+                            <a:schemeClr val="dk1"/>
+                          </a:solidFill>
+                          <a:latin typeface="Calibri" panose="020F0502020204030204"/>
+                        </a:defRPr>
+                      </a:lvl6pPr>
+                      <a:lvl7pPr marL="13167360" algn="l" defTabSz="4389120" rtl="0" eaLnBrk="1" latinLnBrk="0" hangingPunct="1">
+                        <a:defRPr sz="8640" kern="1200">
+                          <a:solidFill>
+                            <a:schemeClr val="dk1"/>
+                          </a:solidFill>
+                          <a:latin typeface="Calibri" panose="020F0502020204030204"/>
+                        </a:defRPr>
+                      </a:lvl7pPr>
+                      <a:lvl8pPr marL="15361920" algn="l" defTabSz="4389120" rtl="0" eaLnBrk="1" latinLnBrk="0" hangingPunct="1">
+                        <a:defRPr sz="8640" kern="1200">
+                          <a:solidFill>
+                            <a:schemeClr val="dk1"/>
+                          </a:solidFill>
+                          <a:latin typeface="Calibri" panose="020F0502020204030204"/>
+                        </a:defRPr>
+                      </a:lvl8pPr>
+                      <a:lvl9pPr marL="17556480" algn="l" defTabSz="4389120" rtl="0" eaLnBrk="1" latinLnBrk="0" hangingPunct="1">
+                        <a:defRPr sz="8640" kern="1200">
+                          <a:solidFill>
+                            <a:schemeClr val="dk1"/>
+                          </a:solidFill>
+                          <a:latin typeface="Calibri" panose="020F0502020204030204"/>
+                        </a:defRPr>
+                      </a:lvl9pPr>
+                    </a:lstStyle>
                     <a:p>
                       <a:pPr algn="ctr"/>
                       <a:r>
@@ -5248,6 +10066,34 @@
                     </a:p>
                   </a:txBody>
                   <a:tcPr anchor="ctr">
+                    <a:lnL w="12700" cmpd="sng">
+                      <a:solidFill>
+                        <a:sysClr val="window" lastClr="FFFFFF"/>
+                      </a:solidFill>
+                    </a:lnL>
+                    <a:lnR w="12700" cmpd="sng">
+                      <a:solidFill>
+                        <a:sysClr val="window" lastClr="FFFFFF"/>
+                      </a:solidFill>
+                    </a:lnR>
+                    <a:lnT w="12700" cmpd="sng">
+                      <a:solidFill>
+                        <a:sysClr val="window" lastClr="FFFFFF"/>
+                      </a:solidFill>
+                    </a:lnT>
+                    <a:lnB w="12700" cmpd="sng">
+                      <a:solidFill>
+                        <a:sysClr val="window" lastClr="FFFFFF"/>
+                      </a:solidFill>
+                    </a:lnB>
+                    <a:lnTlToBr w="12700" cmpd="sng">
+                      <a:noFill/>
+                      <a:prstDash val="solid"/>
+                    </a:lnTlToBr>
+                    <a:lnBlToTr w="12700" cmpd="sng">
+                      <a:noFill/>
+                      <a:prstDash val="solid"/>
+                    </a:lnBlToTr>
                     <a:solidFill>
                       <a:srgbClr val="8E2344"/>
                     </a:solidFill>
@@ -5256,7 +10102,80 @@
                 <a:tc>
                   <a:txBody>
                     <a:bodyPr/>
-                    <a:lstStyle/>
+                    <a:lstStyle>
+                      <a:lvl1pPr marL="0" algn="l" defTabSz="4389120" rtl="0" eaLnBrk="1" latinLnBrk="0" hangingPunct="1">
+                        <a:defRPr sz="8640" kern="1200">
+                          <a:solidFill>
+                            <a:schemeClr val="dk1"/>
+                          </a:solidFill>
+                          <a:latin typeface="Calibri" panose="020F0502020204030204"/>
+                        </a:defRPr>
+                      </a:lvl1pPr>
+                      <a:lvl2pPr marL="2194560" algn="l" defTabSz="4389120" rtl="0" eaLnBrk="1" latinLnBrk="0" hangingPunct="1">
+                        <a:defRPr sz="8640" kern="1200">
+                          <a:solidFill>
+                            <a:schemeClr val="dk1"/>
+                          </a:solidFill>
+                          <a:latin typeface="Calibri" panose="020F0502020204030204"/>
+                        </a:defRPr>
+                      </a:lvl2pPr>
+                      <a:lvl3pPr marL="4389120" algn="l" defTabSz="4389120" rtl="0" eaLnBrk="1" latinLnBrk="0" hangingPunct="1">
+                        <a:defRPr sz="8640" kern="1200">
+                          <a:solidFill>
+                            <a:schemeClr val="dk1"/>
+                          </a:solidFill>
+                          <a:latin typeface="Calibri" panose="020F0502020204030204"/>
+                        </a:defRPr>
+                      </a:lvl3pPr>
+                      <a:lvl4pPr marL="6583680" algn="l" defTabSz="4389120" rtl="0" eaLnBrk="1" latinLnBrk="0" hangingPunct="1">
+                        <a:defRPr sz="8640" kern="1200">
+                          <a:solidFill>
+                            <a:schemeClr val="dk1"/>
+                          </a:solidFill>
+                          <a:latin typeface="Calibri" panose="020F0502020204030204"/>
+                        </a:defRPr>
+                      </a:lvl4pPr>
+                      <a:lvl5pPr marL="8778240" algn="l" defTabSz="4389120" rtl="0" eaLnBrk="1" latinLnBrk="0" hangingPunct="1">
+                        <a:defRPr sz="8640" kern="1200">
+                          <a:solidFill>
+                            <a:schemeClr val="dk1"/>
+                          </a:solidFill>
+                          <a:latin typeface="Calibri" panose="020F0502020204030204"/>
+                        </a:defRPr>
+                      </a:lvl5pPr>
+                      <a:lvl6pPr marL="10972800" algn="l" defTabSz="4389120" rtl="0" eaLnBrk="1" latinLnBrk="0" hangingPunct="1">
+                        <a:defRPr sz="8640" kern="1200">
+                          <a:solidFill>
+                            <a:schemeClr val="dk1"/>
+                          </a:solidFill>
+                          <a:latin typeface="Calibri" panose="020F0502020204030204"/>
+                        </a:defRPr>
+                      </a:lvl6pPr>
+                      <a:lvl7pPr marL="13167360" algn="l" defTabSz="4389120" rtl="0" eaLnBrk="1" latinLnBrk="0" hangingPunct="1">
+                        <a:defRPr sz="8640" kern="1200">
+                          <a:solidFill>
+                            <a:schemeClr val="dk1"/>
+                          </a:solidFill>
+                          <a:latin typeface="Calibri" panose="020F0502020204030204"/>
+                        </a:defRPr>
+                      </a:lvl7pPr>
+                      <a:lvl8pPr marL="15361920" algn="l" defTabSz="4389120" rtl="0" eaLnBrk="1" latinLnBrk="0" hangingPunct="1">
+                        <a:defRPr sz="8640" kern="1200">
+                          <a:solidFill>
+                            <a:schemeClr val="dk1"/>
+                          </a:solidFill>
+                          <a:latin typeface="Calibri" panose="020F0502020204030204"/>
+                        </a:defRPr>
+                      </a:lvl8pPr>
+                      <a:lvl9pPr marL="17556480" algn="l" defTabSz="4389120" rtl="0" eaLnBrk="1" latinLnBrk="0" hangingPunct="1">
+                        <a:defRPr sz="8640" kern="1200">
+                          <a:solidFill>
+                            <a:schemeClr val="dk1"/>
+                          </a:solidFill>
+                          <a:latin typeface="Calibri" panose="020F0502020204030204"/>
+                        </a:defRPr>
+                      </a:lvl9pPr>
+                    </a:lstStyle>
                     <a:p>
                       <a:pPr algn="ctr"/>
                       <a:r>
@@ -5265,12 +10184,119 @@
                       </a:r>
                     </a:p>
                   </a:txBody>
-                  <a:tcPr anchor="ctr"/>
+                  <a:tcPr anchor="ctr">
+                    <a:lnL w="12700" cmpd="sng">
+                      <a:solidFill>
+                        <a:sysClr val="window" lastClr="FFFFFF"/>
+                      </a:solidFill>
+                    </a:lnL>
+                    <a:lnR w="12700" cmpd="sng">
+                      <a:solidFill>
+                        <a:sysClr val="window" lastClr="FFFFFF"/>
+                      </a:solidFill>
+                    </a:lnR>
+                    <a:lnT w="12700" cmpd="sng">
+                      <a:solidFill>
+                        <a:sysClr val="window" lastClr="FFFFFF"/>
+                      </a:solidFill>
+                    </a:lnT>
+                    <a:lnB w="12700" cmpd="sng">
+                      <a:solidFill>
+                        <a:sysClr val="window" lastClr="FFFFFF"/>
+                      </a:solidFill>
+                    </a:lnB>
+                    <a:lnTlToBr w="12700" cmpd="sng">
+                      <a:noFill/>
+                      <a:prstDash val="solid"/>
+                    </a:lnTlToBr>
+                    <a:lnBlToTr w="12700" cmpd="sng">
+                      <a:noFill/>
+                      <a:prstDash val="solid"/>
+                    </a:lnBlToTr>
+                    <a:solidFill>
+                      <a:srgbClr val="4472C4">
+                        <a:tint val="40000"/>
+                      </a:srgbClr>
+                    </a:solidFill>
+                  </a:tcPr>
                 </a:tc>
                 <a:tc>
                   <a:txBody>
                     <a:bodyPr/>
-                    <a:lstStyle/>
+                    <a:lstStyle>
+                      <a:lvl1pPr marL="0" algn="l" defTabSz="4389120" rtl="0" eaLnBrk="1" latinLnBrk="0" hangingPunct="1">
+                        <a:defRPr sz="8640" kern="1200">
+                          <a:solidFill>
+                            <a:schemeClr val="dk1"/>
+                          </a:solidFill>
+                          <a:latin typeface="Calibri" panose="020F0502020204030204"/>
+                        </a:defRPr>
+                      </a:lvl1pPr>
+                      <a:lvl2pPr marL="2194560" algn="l" defTabSz="4389120" rtl="0" eaLnBrk="1" latinLnBrk="0" hangingPunct="1">
+                        <a:defRPr sz="8640" kern="1200">
+                          <a:solidFill>
+                            <a:schemeClr val="dk1"/>
+                          </a:solidFill>
+                          <a:latin typeface="Calibri" panose="020F0502020204030204"/>
+                        </a:defRPr>
+                      </a:lvl2pPr>
+                      <a:lvl3pPr marL="4389120" algn="l" defTabSz="4389120" rtl="0" eaLnBrk="1" latinLnBrk="0" hangingPunct="1">
+                        <a:defRPr sz="8640" kern="1200">
+                          <a:solidFill>
+                            <a:schemeClr val="dk1"/>
+                          </a:solidFill>
+                          <a:latin typeface="Calibri" panose="020F0502020204030204"/>
+                        </a:defRPr>
+                      </a:lvl3pPr>
+                      <a:lvl4pPr marL="6583680" algn="l" defTabSz="4389120" rtl="0" eaLnBrk="1" latinLnBrk="0" hangingPunct="1">
+                        <a:defRPr sz="8640" kern="1200">
+                          <a:solidFill>
+                            <a:schemeClr val="dk1"/>
+                          </a:solidFill>
+                          <a:latin typeface="Calibri" panose="020F0502020204030204"/>
+                        </a:defRPr>
+                      </a:lvl4pPr>
+                      <a:lvl5pPr marL="8778240" algn="l" defTabSz="4389120" rtl="0" eaLnBrk="1" latinLnBrk="0" hangingPunct="1">
+                        <a:defRPr sz="8640" kern="1200">
+                          <a:solidFill>
+                            <a:schemeClr val="dk1"/>
+                          </a:solidFill>
+                          <a:latin typeface="Calibri" panose="020F0502020204030204"/>
+                        </a:defRPr>
+                      </a:lvl5pPr>
+                      <a:lvl6pPr marL="10972800" algn="l" defTabSz="4389120" rtl="0" eaLnBrk="1" latinLnBrk="0" hangingPunct="1">
+                        <a:defRPr sz="8640" kern="1200">
+                          <a:solidFill>
+                            <a:schemeClr val="dk1"/>
+                          </a:solidFill>
+                          <a:latin typeface="Calibri" panose="020F0502020204030204"/>
+                        </a:defRPr>
+                      </a:lvl6pPr>
+                      <a:lvl7pPr marL="13167360" algn="l" defTabSz="4389120" rtl="0" eaLnBrk="1" latinLnBrk="0" hangingPunct="1">
+                        <a:defRPr sz="8640" kern="1200">
+                          <a:solidFill>
+                            <a:schemeClr val="dk1"/>
+                          </a:solidFill>
+                          <a:latin typeface="Calibri" panose="020F0502020204030204"/>
+                        </a:defRPr>
+                      </a:lvl7pPr>
+                      <a:lvl8pPr marL="15361920" algn="l" defTabSz="4389120" rtl="0" eaLnBrk="1" latinLnBrk="0" hangingPunct="1">
+                        <a:defRPr sz="8640" kern="1200">
+                          <a:solidFill>
+                            <a:schemeClr val="dk1"/>
+                          </a:solidFill>
+                          <a:latin typeface="Calibri" panose="020F0502020204030204"/>
+                        </a:defRPr>
+                      </a:lvl8pPr>
+                      <a:lvl9pPr marL="17556480" algn="l" defTabSz="4389120" rtl="0" eaLnBrk="1" latinLnBrk="0" hangingPunct="1">
+                        <a:defRPr sz="8640" kern="1200">
+                          <a:solidFill>
+                            <a:schemeClr val="dk1"/>
+                          </a:solidFill>
+                          <a:latin typeface="Calibri" panose="020F0502020204030204"/>
+                        </a:defRPr>
+                      </a:lvl9pPr>
+                    </a:lstStyle>
                     <a:p>
                       <a:pPr algn="ctr"/>
                       <a:r>
@@ -5279,21 +10305,162 @@
                       </a:r>
                     </a:p>
                   </a:txBody>
-                  <a:tcPr anchor="ctr"/>
+                  <a:tcPr anchor="ctr">
+                    <a:lnL w="12700" cmpd="sng">
+                      <a:solidFill>
+                        <a:sysClr val="window" lastClr="FFFFFF"/>
+                      </a:solidFill>
+                    </a:lnL>
+                    <a:lnR w="12700" cmpd="sng">
+                      <a:solidFill>
+                        <a:sysClr val="window" lastClr="FFFFFF"/>
+                      </a:solidFill>
+                    </a:lnR>
+                    <a:lnT w="12700" cmpd="sng">
+                      <a:solidFill>
+                        <a:sysClr val="window" lastClr="FFFFFF"/>
+                      </a:solidFill>
+                    </a:lnT>
+                    <a:lnB w="12700" cmpd="sng">
+                      <a:solidFill>
+                        <a:sysClr val="window" lastClr="FFFFFF"/>
+                      </a:solidFill>
+                    </a:lnB>
+                    <a:lnTlToBr w="12700" cmpd="sng">
+                      <a:noFill/>
+                      <a:prstDash val="solid"/>
+                    </a:lnTlToBr>
+                    <a:lnBlToTr w="12700" cmpd="sng">
+                      <a:noFill/>
+                      <a:prstDash val="solid"/>
+                    </a:lnBlToTr>
+                    <a:solidFill>
+                      <a:srgbClr val="4472C4">
+                        <a:tint val="40000"/>
+                      </a:srgbClr>
+                    </a:solidFill>
+                  </a:tcPr>
                 </a:tc>
                 <a:tc>
                   <a:txBody>
                     <a:bodyPr/>
-                    <a:lstStyle/>
+                    <a:lstStyle>
+                      <a:lvl1pPr marL="0" algn="l" defTabSz="4389120" rtl="0" eaLnBrk="1" latinLnBrk="0" hangingPunct="1">
+                        <a:defRPr sz="8640" kern="1200">
+                          <a:solidFill>
+                            <a:schemeClr val="dk1"/>
+                          </a:solidFill>
+                          <a:latin typeface="Calibri" panose="020F0502020204030204"/>
+                        </a:defRPr>
+                      </a:lvl1pPr>
+                      <a:lvl2pPr marL="2194560" algn="l" defTabSz="4389120" rtl="0" eaLnBrk="1" latinLnBrk="0" hangingPunct="1">
+                        <a:defRPr sz="8640" kern="1200">
+                          <a:solidFill>
+                            <a:schemeClr val="dk1"/>
+                          </a:solidFill>
+                          <a:latin typeface="Calibri" panose="020F0502020204030204"/>
+                        </a:defRPr>
+                      </a:lvl2pPr>
+                      <a:lvl3pPr marL="4389120" algn="l" defTabSz="4389120" rtl="0" eaLnBrk="1" latinLnBrk="0" hangingPunct="1">
+                        <a:defRPr sz="8640" kern="1200">
+                          <a:solidFill>
+                            <a:schemeClr val="dk1"/>
+                          </a:solidFill>
+                          <a:latin typeface="Calibri" panose="020F0502020204030204"/>
+                        </a:defRPr>
+                      </a:lvl3pPr>
+                      <a:lvl4pPr marL="6583680" algn="l" defTabSz="4389120" rtl="0" eaLnBrk="1" latinLnBrk="0" hangingPunct="1">
+                        <a:defRPr sz="8640" kern="1200">
+                          <a:solidFill>
+                            <a:schemeClr val="dk1"/>
+                          </a:solidFill>
+                          <a:latin typeface="Calibri" panose="020F0502020204030204"/>
+                        </a:defRPr>
+                      </a:lvl4pPr>
+                      <a:lvl5pPr marL="8778240" algn="l" defTabSz="4389120" rtl="0" eaLnBrk="1" latinLnBrk="0" hangingPunct="1">
+                        <a:defRPr sz="8640" kern="1200">
+                          <a:solidFill>
+                            <a:schemeClr val="dk1"/>
+                          </a:solidFill>
+                          <a:latin typeface="Calibri" panose="020F0502020204030204"/>
+                        </a:defRPr>
+                      </a:lvl5pPr>
+                      <a:lvl6pPr marL="10972800" algn="l" defTabSz="4389120" rtl="0" eaLnBrk="1" latinLnBrk="0" hangingPunct="1">
+                        <a:defRPr sz="8640" kern="1200">
+                          <a:solidFill>
+                            <a:schemeClr val="dk1"/>
+                          </a:solidFill>
+                          <a:latin typeface="Calibri" panose="020F0502020204030204"/>
+                        </a:defRPr>
+                      </a:lvl6pPr>
+                      <a:lvl7pPr marL="13167360" algn="l" defTabSz="4389120" rtl="0" eaLnBrk="1" latinLnBrk="0" hangingPunct="1">
+                        <a:defRPr sz="8640" kern="1200">
+                          <a:solidFill>
+                            <a:schemeClr val="dk1"/>
+                          </a:solidFill>
+                          <a:latin typeface="Calibri" panose="020F0502020204030204"/>
+                        </a:defRPr>
+                      </a:lvl7pPr>
+                      <a:lvl8pPr marL="15361920" algn="l" defTabSz="4389120" rtl="0" eaLnBrk="1" latinLnBrk="0" hangingPunct="1">
+                        <a:defRPr sz="8640" kern="1200">
+                          <a:solidFill>
+                            <a:schemeClr val="dk1"/>
+                          </a:solidFill>
+                          <a:latin typeface="Calibri" panose="020F0502020204030204"/>
+                        </a:defRPr>
+                      </a:lvl8pPr>
+                      <a:lvl9pPr marL="17556480" algn="l" defTabSz="4389120" rtl="0" eaLnBrk="1" latinLnBrk="0" hangingPunct="1">
+                        <a:defRPr sz="8640" kern="1200">
+                          <a:solidFill>
+                            <a:schemeClr val="dk1"/>
+                          </a:solidFill>
+                          <a:latin typeface="Calibri" panose="020F0502020204030204"/>
+                        </a:defRPr>
+                      </a:lvl9pPr>
+                    </a:lstStyle>
                     <a:p>
                       <a:endParaRPr lang="en-US" sz="3000" dirty="0"/>
                     </a:p>
                   </a:txBody>
-                  <a:tcPr anchor="ctr"/>
+                  <a:tcPr anchor="ctr">
+                    <a:lnL w="12700" cmpd="sng">
+                      <a:solidFill>
+                        <a:sysClr val="window" lastClr="FFFFFF"/>
+                      </a:solidFill>
+                    </a:lnL>
+                    <a:lnR w="12700" cmpd="sng">
+                      <a:solidFill>
+                        <a:sysClr val="window" lastClr="FFFFFF"/>
+                      </a:solidFill>
+                    </a:lnR>
+                    <a:lnT w="12700" cmpd="sng">
+                      <a:solidFill>
+                        <a:sysClr val="window" lastClr="FFFFFF"/>
+                      </a:solidFill>
+                    </a:lnT>
+                    <a:lnB w="12700" cmpd="sng">
+                      <a:solidFill>
+                        <a:sysClr val="window" lastClr="FFFFFF"/>
+                      </a:solidFill>
+                    </a:lnB>
+                    <a:lnTlToBr w="12700" cmpd="sng">
+                      <a:noFill/>
+                      <a:prstDash val="solid"/>
+                    </a:lnTlToBr>
+                    <a:lnBlToTr w="12700" cmpd="sng">
+                      <a:noFill/>
+                      <a:prstDash val="solid"/>
+                    </a:lnBlToTr>
+                    <a:solidFill>
+                      <a:srgbClr val="4472C4">
+                        <a:tint val="40000"/>
+                      </a:srgbClr>
+                    </a:solidFill>
+                  </a:tcPr>
                 </a:tc>
                 <a:extLst>
                   <a:ext uri="{0D108BD9-81ED-4DB2-BD59-A6C34878D82A}">
-                    <a16:rowId xmlns:a16="http://schemas.microsoft.com/office/drawing/2014/main" val="2484121680"/>
+                    <a16:rowId xmlns:a16="http://schemas.microsoft.com/office/drawing/2014/main" xmlns="" val="2484121680"/>
                   </a:ext>
                 </a:extLst>
               </a:tr>
@@ -5303,10 +10470,10 @@
       </p:graphicFrame>
       <p:sp>
         <p:nvSpPr>
-          <p:cNvPr id="34" name="TextBox 33">
+          <p:cNvPr id="128" name="TextBox 127">
             <a:extLst>
               <a:ext uri="{FF2B5EF4-FFF2-40B4-BE49-F238E27FC236}">
-                <a16:creationId xmlns:a16="http://schemas.microsoft.com/office/drawing/2014/main" id="{1282BA7C-71C7-40B2-BA53-9FBA7D3FB2B1}"/>
+                <a16:creationId xmlns:a16="http://schemas.microsoft.com/office/drawing/2014/main" xmlns="" id="{85F38658-0C68-4DC8-8297-A8AFC8BA361A}"/>
               </a:ext>
             </a:extLst>
           </p:cNvPr>
@@ -5329,9 +10496,35 @@
           </a:bodyPr>
           <a:lstStyle/>
           <a:p>
-            <a:pPr algn="ctr"/>
-            <a:r>
-              <a:rPr lang="en-US" sz="3000" dirty="0"/>
+            <a:pPr marL="0" marR="0" lvl="0" indent="0" algn="ctr" defTabSz="457200" eaLnBrk="1" fontAlgn="auto" latinLnBrk="0" hangingPunct="1">
+              <a:lnSpc>
+                <a:spcPct val="100000"/>
+              </a:lnSpc>
+              <a:spcBef>
+                <a:spcPts val="0"/>
+              </a:spcBef>
+              <a:spcAft>
+                <a:spcPts val="0"/>
+              </a:spcAft>
+              <a:buClrTx/>
+              <a:buSzTx/>
+              <a:buFontTx/>
+              <a:buNone/>
+              <a:tabLst/>
+              <a:defRPr/>
+            </a:pPr>
+            <a:r>
+              <a:rPr kumimoji="0" lang="en-US" sz="3000" b="0" i="0" u="none" strike="noStrike" kern="0" cap="none" spc="0" normalizeH="0" baseline="0" noProof="0" dirty="0">
+                <a:ln>
+                  <a:noFill/>
+                </a:ln>
+                <a:solidFill>
+                  <a:prstClr val="black"/>
+                </a:solidFill>
+                <a:effectLst/>
+                <a:uLnTx/>
+                <a:uFillTx/>
+              </a:rPr>
               <a:t>64% of students found the Worked examples helpful. </a:t>
             </a:r>
           </a:p>
@@ -5339,67 +10532,10 @@
       </p:sp>
       <p:sp>
         <p:nvSpPr>
-          <p:cNvPr id="35" name="Rectangle 34">
+          <p:cNvPr id="130" name="TextBox 129">
             <a:extLst>
               <a:ext uri="{FF2B5EF4-FFF2-40B4-BE49-F238E27FC236}">
-                <a16:creationId xmlns:a16="http://schemas.microsoft.com/office/drawing/2014/main" id="{8AC9C610-38A4-43C2-A275-EF400C3DC3A3}"/>
-              </a:ext>
-            </a:extLst>
-          </p:cNvPr>
-          <p:cNvSpPr/>
-          <p:nvPr/>
-        </p:nvSpPr>
-        <p:spPr>
-          <a:xfrm>
-            <a:off x="12811002" y="21972003"/>
-            <a:ext cx="7213600" cy="5080000"/>
-          </a:xfrm>
-          <a:prstGeom prst="rect">
-            <a:avLst/>
-          </a:prstGeom>
-        </p:spPr>
-        <p:style>
-          <a:lnRef idx="2">
-            <a:schemeClr val="accent1">
-              <a:shade val="50000"/>
-            </a:schemeClr>
-          </a:lnRef>
-          <a:fillRef idx="1">
-            <a:schemeClr val="accent1"/>
-          </a:fillRef>
-          <a:effectRef idx="0">
-            <a:schemeClr val="accent1"/>
-          </a:effectRef>
-          <a:fontRef idx="minor">
-            <a:schemeClr val="lt1"/>
-          </a:fontRef>
-        </p:style>
-        <p:txBody>
-          <a:bodyPr rtlCol="0" anchor="ctr"/>
-          <a:lstStyle/>
-          <a:p>
-            <a:pPr algn="ctr"/>
-            <a:r>
-              <a:rPr lang="en-US" sz="3600" dirty="0"/>
-              <a:t>Super Nice Visual For filtered WE Use X Prior </a:t>
-            </a:r>
-            <a:r>
-              <a:rPr lang="en-US" sz="3600" dirty="0" err="1"/>
-              <a:t>Exp</a:t>
-            </a:r>
-            <a:r>
-              <a:rPr lang="en-US" sz="3600" dirty="0"/>
-              <a:t> vs Runs</a:t>
-            </a:r>
-          </a:p>
-        </p:txBody>
-      </p:sp>
-      <p:sp>
-        <p:nvSpPr>
-          <p:cNvPr id="37" name="TextBox 36">
-            <a:extLst>
-              <a:ext uri="{FF2B5EF4-FFF2-40B4-BE49-F238E27FC236}">
-                <a16:creationId xmlns:a16="http://schemas.microsoft.com/office/drawing/2014/main" id="{29CE260E-A26D-4023-A209-60CB3A8EA37F}"/>
+                <a16:creationId xmlns:a16="http://schemas.microsoft.com/office/drawing/2014/main" xmlns="" id="{DED9FAEB-E367-485E-A7FB-96A6CB500B67}"/>
               </a:ext>
             </a:extLst>
           </p:cNvPr>
@@ -5422,38 +10558,917 @@
           </a:bodyPr>
           <a:lstStyle/>
           <a:p>
-            <a:pPr algn="ctr"/>
-            <a:r>
-              <a:rPr lang="en-US" sz="3000" dirty="0"/>
-              <a:t>Students who used Wes actually completed the problem in more runs/time than those that didn’t</a:t>
+            <a:pPr marL="0" marR="0" lvl="0" indent="0" algn="ctr" defTabSz="457200" eaLnBrk="1" fontAlgn="auto" latinLnBrk="0" hangingPunct="1">
+              <a:lnSpc>
+                <a:spcPct val="100000"/>
+              </a:lnSpc>
+              <a:spcBef>
+                <a:spcPts val="0"/>
+              </a:spcBef>
+              <a:spcAft>
+                <a:spcPts val="0"/>
+              </a:spcAft>
+              <a:buClrTx/>
+              <a:buSzTx/>
+              <a:buFontTx/>
+              <a:buNone/>
+              <a:tabLst/>
+              <a:defRPr/>
+            </a:pPr>
+            <a:r>
+              <a:rPr kumimoji="0" lang="en-US" sz="3000" b="0" i="0" u="none" strike="noStrike" kern="0" cap="none" spc="0" normalizeH="0" baseline="0" noProof="0" dirty="0">
+                <a:ln>
+                  <a:noFill/>
+                </a:ln>
+                <a:solidFill>
+                  <a:prstClr val="black"/>
+                </a:solidFill>
+                <a:effectLst/>
+                <a:uLnTx/>
+                <a:uFillTx/>
+              </a:rPr>
+              <a:t>Students who used </a:t>
+            </a:r>
+            <a:r>
+              <a:rPr kumimoji="0" lang="en-US" sz="3000" b="0" i="0" u="none" strike="noStrike" kern="0" cap="none" spc="0" normalizeH="0" baseline="0" noProof="0" dirty="0" smtClean="0">
+                <a:ln>
+                  <a:noFill/>
+                </a:ln>
+                <a:solidFill>
+                  <a:prstClr val="black"/>
+                </a:solidFill>
+                <a:effectLst/>
+                <a:uLnTx/>
+                <a:uFillTx/>
+              </a:rPr>
+              <a:t>WEs </a:t>
+            </a:r>
+            <a:r>
+              <a:rPr kumimoji="0" lang="en-US" sz="3000" b="0" i="0" u="none" strike="noStrike" kern="0" cap="none" spc="0" normalizeH="0" baseline="0" noProof="0" dirty="0">
+                <a:ln>
+                  <a:noFill/>
+                </a:ln>
+                <a:solidFill>
+                  <a:prstClr val="black"/>
+                </a:solidFill>
+                <a:effectLst/>
+                <a:uLnTx/>
+                <a:uFillTx/>
+              </a:rPr>
+              <a:t>actually completed the problem in more runs/time than those that didn’t</a:t>
             </a:r>
           </a:p>
         </p:txBody>
       </p:sp>
+      <p:graphicFrame>
+        <p:nvGraphicFramePr>
+          <p:cNvPr id="4" name="Table 3"/>
+          <p:cNvGraphicFramePr>
+            <a:graphicFrameLocks noGrp="1"/>
+          </p:cNvGraphicFramePr>
+          <p:nvPr>
+            <p:extLst>
+              <p:ext uri="{D42A27DB-BD31-4B8C-83A1-F6EECF244321}">
+                <p14:modId xmlns:p14="http://schemas.microsoft.com/office/powerpoint/2010/main" val="3038976250"/>
+              </p:ext>
+            </p:extLst>
+          </p:nvPr>
+        </p:nvGraphicFramePr>
+        <p:xfrm>
+          <a:off x="13211768" y="22075810"/>
+          <a:ext cx="13078688" cy="5320558"/>
+        </p:xfrm>
+        <a:graphic>
+          <a:graphicData uri="http://schemas.openxmlformats.org/drawingml/2006/table">
+            <a:tbl>
+              <a:tblPr firstRow="1" bandRow="1">
+                <a:tableStyleId>{5C22544A-7EE6-4342-B048-85BDC9FD1C3A}</a:tableStyleId>
+              </a:tblPr>
+              <a:tblGrid>
+                <a:gridCol w="1868384"/>
+                <a:gridCol w="1868384"/>
+                <a:gridCol w="1868384"/>
+                <a:gridCol w="1868384"/>
+                <a:gridCol w="1868384"/>
+                <a:gridCol w="1868384"/>
+                <a:gridCol w="1868384"/>
+              </a:tblGrid>
+              <a:tr h="2028718">
+                <a:tc>
+                  <a:txBody>
+                    <a:bodyPr/>
+                    <a:lstStyle/>
+                    <a:p>
+                      <a:pPr algn="ctr"/>
+                      <a:r>
+                        <a:rPr lang="en-US" sz="3000" dirty="0" smtClean="0">
+                          <a:solidFill>
+                            <a:schemeClr val="bg1"/>
+                          </a:solidFill>
+                        </a:rPr>
+                        <a:t>Section</a:t>
+                      </a:r>
+                      <a:endParaRPr lang="en-US" sz="3000" dirty="0">
+                        <a:solidFill>
+                          <a:schemeClr val="bg1"/>
+                        </a:solidFill>
+                      </a:endParaRPr>
+                    </a:p>
+                  </a:txBody>
+                  <a:tcPr anchor="ctr">
+                    <a:solidFill>
+                      <a:srgbClr val="8E2344"/>
+                    </a:solidFill>
+                  </a:tcPr>
+                </a:tc>
+                <a:tc>
+                  <a:txBody>
+                    <a:bodyPr/>
+                    <a:lstStyle/>
+                    <a:p>
+                      <a:pPr algn="ctr"/>
+                      <a:r>
+                        <a:rPr lang="en-US" sz="3000" dirty="0" smtClean="0"/>
+                        <a:t>Used</a:t>
+                      </a:r>
+                      <a:r>
+                        <a:rPr lang="en-US" sz="3000" baseline="0" dirty="0" smtClean="0"/>
+                        <a:t> WE</a:t>
+                      </a:r>
+                      <a:endParaRPr lang="en-US" sz="3000" dirty="0"/>
+                    </a:p>
+                  </a:txBody>
+                  <a:tcPr anchor="ctr">
+                    <a:solidFill>
+                      <a:srgbClr val="8E2344"/>
+                    </a:solidFill>
+                  </a:tcPr>
+                </a:tc>
+                <a:tc>
+                  <a:txBody>
+                    <a:bodyPr/>
+                    <a:lstStyle/>
+                    <a:p>
+                      <a:pPr algn="ctr"/>
+                      <a:r>
+                        <a:rPr lang="en-US" sz="3000" dirty="0" smtClean="0"/>
+                        <a:t>Prior Experience</a:t>
+                      </a:r>
+                      <a:endParaRPr lang="en-US" sz="3000" dirty="0"/>
+                    </a:p>
+                  </a:txBody>
+                  <a:tcPr anchor="ctr">
+                    <a:solidFill>
+                      <a:srgbClr val="8E2344"/>
+                    </a:solidFill>
+                  </a:tcPr>
+                </a:tc>
+                <a:tc>
+                  <a:txBody>
+                    <a:bodyPr/>
+                    <a:lstStyle/>
+                    <a:p>
+                      <a:pPr algn="ctr"/>
+                      <a:r>
+                        <a:rPr lang="en-US" sz="3000" dirty="0" smtClean="0"/>
+                        <a:t>Average</a:t>
+                      </a:r>
+                      <a:r>
+                        <a:rPr lang="en-US" sz="3000" baseline="0" dirty="0" smtClean="0"/>
+                        <a:t> # Runs</a:t>
+                      </a:r>
+                      <a:endParaRPr lang="en-US" sz="3000" dirty="0"/>
+                    </a:p>
+                  </a:txBody>
+                  <a:tcPr anchor="ctr">
+                    <a:solidFill>
+                      <a:srgbClr val="8E2344"/>
+                    </a:solidFill>
+                  </a:tcPr>
+                </a:tc>
+                <a:tc>
+                  <a:txBody>
+                    <a:bodyPr/>
+                    <a:lstStyle/>
+                    <a:p>
+                      <a:pPr algn="ctr"/>
+                      <a:r>
+                        <a:rPr lang="en-US" sz="3000" dirty="0" smtClean="0"/>
+                        <a:t>Runs Standard</a:t>
+                      </a:r>
+                      <a:r>
+                        <a:rPr lang="en-US" sz="3000" baseline="0" dirty="0" smtClean="0"/>
+                        <a:t> Deviation</a:t>
+                      </a:r>
+                      <a:endParaRPr lang="en-US" sz="3000" dirty="0"/>
+                    </a:p>
+                  </a:txBody>
+                  <a:tcPr anchor="ctr">
+                    <a:solidFill>
+                      <a:srgbClr val="8E2344"/>
+                    </a:solidFill>
+                  </a:tcPr>
+                </a:tc>
+                <a:tc>
+                  <a:txBody>
+                    <a:bodyPr/>
+                    <a:lstStyle/>
+                    <a:p>
+                      <a:pPr algn="ctr"/>
+                      <a:r>
+                        <a:rPr lang="en-US" sz="3000" dirty="0" smtClean="0"/>
+                        <a:t>Average Time on Task</a:t>
+                      </a:r>
+                      <a:r>
+                        <a:rPr lang="en-US" sz="3000" baseline="0" dirty="0" smtClean="0"/>
+                        <a:t> (sec.)</a:t>
+                      </a:r>
+                      <a:endParaRPr lang="en-US" sz="3000" dirty="0"/>
+                    </a:p>
+                  </a:txBody>
+                  <a:tcPr anchor="ctr">
+                    <a:solidFill>
+                      <a:srgbClr val="8E2344"/>
+                    </a:solidFill>
+                  </a:tcPr>
+                </a:tc>
+                <a:tc>
+                  <a:txBody>
+                    <a:bodyPr/>
+                    <a:lstStyle/>
+                    <a:p>
+                      <a:pPr algn="ctr"/>
+                      <a:r>
+                        <a:rPr lang="en-US" sz="3000" baseline="0" dirty="0" smtClean="0"/>
+                        <a:t>Standard Deviation</a:t>
+                      </a:r>
+                      <a:endParaRPr lang="en-US" sz="3000" dirty="0"/>
+                    </a:p>
+                  </a:txBody>
+                  <a:tcPr anchor="ctr">
+                    <a:solidFill>
+                      <a:srgbClr val="8E2344"/>
+                    </a:solidFill>
+                  </a:tcPr>
+                </a:tc>
+              </a:tr>
+              <a:tr h="427976">
+                <a:tc rowSpan="2">
+                  <a:txBody>
+                    <a:bodyPr/>
+                    <a:lstStyle/>
+                    <a:p>
+                      <a:pPr algn="ctr"/>
+                      <a:r>
+                        <a:rPr lang="en-US" sz="3000" dirty="0" smtClean="0">
+                          <a:solidFill>
+                            <a:schemeClr val="bg1"/>
+                          </a:solidFill>
+                        </a:rPr>
+                        <a:t>F17</a:t>
+                      </a:r>
+                      <a:endParaRPr lang="en-US" sz="3000" dirty="0">
+                        <a:solidFill>
+                          <a:schemeClr val="bg1"/>
+                        </a:solidFill>
+                      </a:endParaRPr>
+                    </a:p>
+                  </a:txBody>
+                  <a:tcPr anchor="ctr">
+                    <a:solidFill>
+                      <a:srgbClr val="8E2344"/>
+                    </a:solidFill>
+                  </a:tcPr>
+                </a:tc>
+                <a:tc rowSpan="2">
+                  <a:txBody>
+                    <a:bodyPr/>
+                    <a:lstStyle/>
+                    <a:p>
+                      <a:pPr algn="ctr"/>
+                      <a:r>
+                        <a:rPr lang="en-US" sz="3000" dirty="0" smtClean="0"/>
+                        <a:t>False</a:t>
+                      </a:r>
+                      <a:endParaRPr lang="en-US" sz="3000" dirty="0"/>
+                    </a:p>
+                  </a:txBody>
+                  <a:tcPr anchor="ctr"/>
+                </a:tc>
+                <a:tc>
+                  <a:txBody>
+                    <a:bodyPr/>
+                    <a:lstStyle/>
+                    <a:p>
+                      <a:pPr algn="ctr"/>
+                      <a:r>
+                        <a:rPr lang="en-US" sz="3000" dirty="0" smtClean="0"/>
+                        <a:t>False</a:t>
+                      </a:r>
+                      <a:endParaRPr lang="en-US" sz="3000" dirty="0"/>
+                    </a:p>
+                  </a:txBody>
+                  <a:tcPr anchor="ctr"/>
+                </a:tc>
+                <a:tc>
+                  <a:txBody>
+                    <a:bodyPr/>
+                    <a:lstStyle/>
+                    <a:p>
+                      <a:pPr algn="ctr"/>
+                      <a:r>
+                        <a:rPr lang="en-US" sz="3000" dirty="0" smtClean="0"/>
+                        <a:t>19.5</a:t>
+                      </a:r>
+                      <a:endParaRPr lang="en-US" sz="3000" dirty="0"/>
+                    </a:p>
+                  </a:txBody>
+                  <a:tcPr anchor="ctr"/>
+                </a:tc>
+                <a:tc>
+                  <a:txBody>
+                    <a:bodyPr/>
+                    <a:lstStyle/>
+                    <a:p>
+                      <a:pPr algn="ctr"/>
+                      <a:r>
+                        <a:rPr lang="en-US" sz="3000" dirty="0" smtClean="0"/>
+                        <a:t>23.3</a:t>
+                      </a:r>
+                      <a:endParaRPr lang="en-US" sz="3000" dirty="0"/>
+                    </a:p>
+                  </a:txBody>
+                  <a:tcPr anchor="ctr"/>
+                </a:tc>
+                <a:tc>
+                  <a:txBody>
+                    <a:bodyPr/>
+                    <a:lstStyle/>
+                    <a:p>
+                      <a:pPr algn="ctr"/>
+                      <a:r>
+                        <a:rPr lang="en-US" sz="3000" dirty="0" smtClean="0"/>
+                        <a:t>574</a:t>
+                      </a:r>
+                      <a:endParaRPr lang="en-US" sz="3000" dirty="0"/>
+                    </a:p>
+                  </a:txBody>
+                  <a:tcPr anchor="ctr"/>
+                </a:tc>
+                <a:tc>
+                  <a:txBody>
+                    <a:bodyPr/>
+                    <a:lstStyle/>
+                    <a:p>
+                      <a:pPr algn="ctr"/>
+                      <a:r>
+                        <a:rPr lang="en-US" sz="3000" dirty="0" smtClean="0"/>
+                        <a:t>478</a:t>
+                      </a:r>
+                      <a:endParaRPr lang="en-US" sz="3000" dirty="0"/>
+                    </a:p>
+                  </a:txBody>
+                  <a:tcPr anchor="ctr"/>
+                </a:tc>
+              </a:tr>
+              <a:tr h="427976">
+                <a:tc vMerge="1">
+                  <a:txBody>
+                    <a:bodyPr/>
+                    <a:lstStyle/>
+                    <a:p>
+                      <a:pPr algn="ctr"/>
+                      <a:endParaRPr lang="en-US" dirty="0"/>
+                    </a:p>
+                  </a:txBody>
+                  <a:tcPr/>
+                </a:tc>
+                <a:tc vMerge="1">
+                  <a:txBody>
+                    <a:bodyPr/>
+                    <a:lstStyle/>
+                    <a:p>
+                      <a:pPr algn="ctr"/>
+                      <a:endParaRPr lang="en-US" dirty="0"/>
+                    </a:p>
+                  </a:txBody>
+                  <a:tcPr/>
+                </a:tc>
+                <a:tc>
+                  <a:txBody>
+                    <a:bodyPr/>
+                    <a:lstStyle/>
+                    <a:p>
+                      <a:pPr algn="ctr"/>
+                      <a:r>
+                        <a:rPr lang="en-US" sz="3000" dirty="0" smtClean="0"/>
+                        <a:t>True</a:t>
+                      </a:r>
+                      <a:endParaRPr lang="en-US" sz="3000" dirty="0"/>
+                    </a:p>
+                  </a:txBody>
+                  <a:tcPr anchor="ctr"/>
+                </a:tc>
+                <a:tc>
+                  <a:txBody>
+                    <a:bodyPr/>
+                    <a:lstStyle/>
+                    <a:p>
+                      <a:pPr algn="ctr"/>
+                      <a:r>
+                        <a:rPr lang="en-US" sz="3000" dirty="0" smtClean="0"/>
+                        <a:t>13.8</a:t>
+                      </a:r>
+                      <a:endParaRPr lang="en-US" sz="3000" dirty="0"/>
+                    </a:p>
+                  </a:txBody>
+                  <a:tcPr anchor="ctr"/>
+                </a:tc>
+                <a:tc>
+                  <a:txBody>
+                    <a:bodyPr/>
+                    <a:lstStyle/>
+                    <a:p>
+                      <a:pPr algn="ctr"/>
+                      <a:r>
+                        <a:rPr lang="en-US" sz="3000" dirty="0" smtClean="0"/>
+                        <a:t>20.1</a:t>
+                      </a:r>
+                      <a:endParaRPr lang="en-US" sz="3000" dirty="0"/>
+                    </a:p>
+                  </a:txBody>
+                  <a:tcPr anchor="ctr"/>
+                </a:tc>
+                <a:tc>
+                  <a:txBody>
+                    <a:bodyPr/>
+                    <a:lstStyle/>
+                    <a:p>
+                      <a:pPr algn="ctr"/>
+                      <a:r>
+                        <a:rPr lang="en-US" sz="3000" dirty="0" smtClean="0"/>
+                        <a:t>415</a:t>
+                      </a:r>
+                      <a:endParaRPr lang="en-US" sz="3000" dirty="0"/>
+                    </a:p>
+                  </a:txBody>
+                  <a:tcPr anchor="ctr"/>
+                </a:tc>
+                <a:tc>
+                  <a:txBody>
+                    <a:bodyPr/>
+                    <a:lstStyle/>
+                    <a:p>
+                      <a:pPr algn="ctr"/>
+                      <a:r>
+                        <a:rPr lang="en-US" sz="3000" dirty="0" smtClean="0"/>
+                        <a:t>393</a:t>
+                      </a:r>
+                      <a:endParaRPr lang="en-US" sz="3000" dirty="0"/>
+                    </a:p>
+                  </a:txBody>
+                  <a:tcPr anchor="ctr"/>
+                </a:tc>
+              </a:tr>
+              <a:tr h="427976">
+                <a:tc rowSpan="4">
+                  <a:txBody>
+                    <a:bodyPr/>
+                    <a:lstStyle/>
+                    <a:p>
+                      <a:pPr algn="ctr"/>
+                      <a:r>
+                        <a:rPr lang="en-US" sz="3000" dirty="0" smtClean="0">
+                          <a:solidFill>
+                            <a:schemeClr val="bg1"/>
+                          </a:solidFill>
+                        </a:rPr>
+                        <a:t>S18</a:t>
+                      </a:r>
+                      <a:endParaRPr lang="en-US" sz="3000" dirty="0">
+                        <a:solidFill>
+                          <a:schemeClr val="bg1"/>
+                        </a:solidFill>
+                      </a:endParaRPr>
+                    </a:p>
+                  </a:txBody>
+                  <a:tcPr anchor="ctr">
+                    <a:solidFill>
+                      <a:srgbClr val="8E2344"/>
+                    </a:solidFill>
+                  </a:tcPr>
+                </a:tc>
+                <a:tc rowSpan="2">
+                  <a:txBody>
+                    <a:bodyPr/>
+                    <a:lstStyle/>
+                    <a:p>
+                      <a:pPr algn="ctr"/>
+                      <a:r>
+                        <a:rPr lang="en-US" sz="3000" dirty="0" smtClean="0"/>
+                        <a:t>False</a:t>
+                      </a:r>
+                      <a:endParaRPr lang="en-US" sz="3000" dirty="0"/>
+                    </a:p>
+                  </a:txBody>
+                  <a:tcPr anchor="ctr"/>
+                </a:tc>
+                <a:tc>
+                  <a:txBody>
+                    <a:bodyPr/>
+                    <a:lstStyle/>
+                    <a:p>
+                      <a:pPr algn="ctr"/>
+                      <a:r>
+                        <a:rPr lang="en-US" sz="3000" dirty="0" smtClean="0"/>
+                        <a:t>False </a:t>
+                      </a:r>
+                      <a:endParaRPr lang="en-US" sz="3000" dirty="0"/>
+                    </a:p>
+                  </a:txBody>
+                  <a:tcPr anchor="ctr"/>
+                </a:tc>
+                <a:tc>
+                  <a:txBody>
+                    <a:bodyPr/>
+                    <a:lstStyle/>
+                    <a:p>
+                      <a:pPr algn="ctr"/>
+                      <a:r>
+                        <a:rPr lang="en-US" sz="3000" dirty="0" smtClean="0"/>
+                        <a:t>7.3</a:t>
+                      </a:r>
+                      <a:endParaRPr lang="en-US" sz="3000" dirty="0"/>
+                    </a:p>
+                  </a:txBody>
+                  <a:tcPr anchor="ctr"/>
+                </a:tc>
+                <a:tc>
+                  <a:txBody>
+                    <a:bodyPr/>
+                    <a:lstStyle/>
+                    <a:p>
+                      <a:pPr algn="ctr"/>
+                      <a:r>
+                        <a:rPr lang="en-US" sz="3000" dirty="0" smtClean="0"/>
+                        <a:t>7.8</a:t>
+                      </a:r>
+                      <a:endParaRPr lang="en-US" sz="3000" dirty="0"/>
+                    </a:p>
+                  </a:txBody>
+                  <a:tcPr anchor="ctr"/>
+                </a:tc>
+                <a:tc>
+                  <a:txBody>
+                    <a:bodyPr/>
+                    <a:lstStyle/>
+                    <a:p>
+                      <a:pPr algn="ctr"/>
+                      <a:r>
+                        <a:rPr lang="en-US" sz="3000" dirty="0" smtClean="0"/>
+                        <a:t>311</a:t>
+                      </a:r>
+                      <a:endParaRPr lang="en-US" sz="3000" dirty="0"/>
+                    </a:p>
+                  </a:txBody>
+                  <a:tcPr anchor="ctr"/>
+                </a:tc>
+                <a:tc>
+                  <a:txBody>
+                    <a:bodyPr/>
+                    <a:lstStyle/>
+                    <a:p>
+                      <a:pPr algn="ctr"/>
+                      <a:r>
+                        <a:rPr lang="en-US" sz="3000" dirty="0" smtClean="0"/>
+                        <a:t>191</a:t>
+                      </a:r>
+                      <a:endParaRPr lang="en-US" sz="3000" dirty="0"/>
+                    </a:p>
+                  </a:txBody>
+                  <a:tcPr anchor="ctr"/>
+                </a:tc>
+              </a:tr>
+              <a:tr h="427976">
+                <a:tc vMerge="1">
+                  <a:txBody>
+                    <a:bodyPr/>
+                    <a:lstStyle/>
+                    <a:p>
+                      <a:pPr algn="ctr"/>
+                      <a:endParaRPr lang="en-US" dirty="0"/>
+                    </a:p>
+                  </a:txBody>
+                  <a:tcPr anchor="ctr"/>
+                </a:tc>
+                <a:tc vMerge="1">
+                  <a:txBody>
+                    <a:bodyPr/>
+                    <a:lstStyle/>
+                    <a:p>
+                      <a:pPr algn="ctr"/>
+                      <a:endParaRPr lang="en-US" dirty="0"/>
+                    </a:p>
+                  </a:txBody>
+                  <a:tcPr anchor="ctr"/>
+                </a:tc>
+                <a:tc>
+                  <a:txBody>
+                    <a:bodyPr/>
+                    <a:lstStyle/>
+                    <a:p>
+                      <a:pPr algn="ctr"/>
+                      <a:r>
+                        <a:rPr lang="en-US" sz="3000" dirty="0" smtClean="0"/>
+                        <a:t>True</a:t>
+                      </a:r>
+                      <a:endParaRPr lang="en-US" sz="3000" dirty="0"/>
+                    </a:p>
+                  </a:txBody>
+                  <a:tcPr anchor="ctr"/>
+                </a:tc>
+                <a:tc>
+                  <a:txBody>
+                    <a:bodyPr/>
+                    <a:lstStyle/>
+                    <a:p>
+                      <a:pPr algn="ctr"/>
+                      <a:r>
+                        <a:rPr lang="en-US" sz="3000" dirty="0" smtClean="0"/>
+                        <a:t>6.6</a:t>
+                      </a:r>
+                      <a:endParaRPr lang="en-US" sz="3000" dirty="0"/>
+                    </a:p>
+                  </a:txBody>
+                  <a:tcPr anchor="ctr"/>
+                </a:tc>
+                <a:tc>
+                  <a:txBody>
+                    <a:bodyPr/>
+                    <a:lstStyle/>
+                    <a:p>
+                      <a:pPr algn="ctr"/>
+                      <a:r>
+                        <a:rPr lang="en-US" sz="3000" dirty="0" smtClean="0"/>
+                        <a:t>8.3</a:t>
+                      </a:r>
+                      <a:endParaRPr lang="en-US" sz="3000" dirty="0"/>
+                    </a:p>
+                  </a:txBody>
+                  <a:tcPr anchor="ctr"/>
+                </a:tc>
+                <a:tc>
+                  <a:txBody>
+                    <a:bodyPr/>
+                    <a:lstStyle/>
+                    <a:p>
+                      <a:pPr algn="ctr"/>
+                      <a:r>
+                        <a:rPr lang="en-US" sz="3000" dirty="0" smtClean="0"/>
+                        <a:t>274</a:t>
+                      </a:r>
+                      <a:endParaRPr lang="en-US" sz="3000" dirty="0"/>
+                    </a:p>
+                  </a:txBody>
+                  <a:tcPr anchor="ctr"/>
+                </a:tc>
+                <a:tc>
+                  <a:txBody>
+                    <a:bodyPr/>
+                    <a:lstStyle/>
+                    <a:p>
+                      <a:pPr algn="ctr"/>
+                      <a:r>
+                        <a:rPr lang="en-US" sz="3000" dirty="0" smtClean="0"/>
+                        <a:t>238</a:t>
+                      </a:r>
+                      <a:endParaRPr lang="en-US" sz="3000" dirty="0"/>
+                    </a:p>
+                  </a:txBody>
+                  <a:tcPr anchor="ctr"/>
+                </a:tc>
+              </a:tr>
+              <a:tr h="427976">
+                <a:tc vMerge="1">
+                  <a:txBody>
+                    <a:bodyPr/>
+                    <a:lstStyle/>
+                    <a:p>
+                      <a:pPr algn="ctr"/>
+                      <a:endParaRPr lang="en-US" dirty="0"/>
+                    </a:p>
+                  </a:txBody>
+                  <a:tcPr anchor="ctr"/>
+                </a:tc>
+                <a:tc rowSpan="2">
+                  <a:txBody>
+                    <a:bodyPr/>
+                    <a:lstStyle/>
+                    <a:p>
+                      <a:pPr algn="ctr"/>
+                      <a:r>
+                        <a:rPr lang="en-US" sz="3000" dirty="0" smtClean="0"/>
+                        <a:t>True</a:t>
+                      </a:r>
+                      <a:endParaRPr lang="en-US" sz="3000" dirty="0"/>
+                    </a:p>
+                  </a:txBody>
+                  <a:tcPr anchor="ctr"/>
+                </a:tc>
+                <a:tc>
+                  <a:txBody>
+                    <a:bodyPr/>
+                    <a:lstStyle/>
+                    <a:p>
+                      <a:pPr algn="ctr"/>
+                      <a:r>
+                        <a:rPr lang="en-US" sz="3000" dirty="0" smtClean="0"/>
+                        <a:t>False</a:t>
+                      </a:r>
+                      <a:endParaRPr lang="en-US" sz="3000" dirty="0"/>
+                    </a:p>
+                  </a:txBody>
+                  <a:tcPr anchor="ctr"/>
+                </a:tc>
+                <a:tc>
+                  <a:txBody>
+                    <a:bodyPr/>
+                    <a:lstStyle/>
+                    <a:p>
+                      <a:pPr algn="ctr"/>
+                      <a:r>
+                        <a:rPr lang="en-US" sz="3000" dirty="0" smtClean="0"/>
+                        <a:t>19.1</a:t>
+                      </a:r>
+                      <a:endParaRPr lang="en-US" sz="3000" dirty="0"/>
+                    </a:p>
+                  </a:txBody>
+                  <a:tcPr anchor="ctr"/>
+                </a:tc>
+                <a:tc>
+                  <a:txBody>
+                    <a:bodyPr/>
+                    <a:lstStyle/>
+                    <a:p>
+                      <a:pPr algn="ctr"/>
+                      <a:r>
+                        <a:rPr lang="en-US" sz="3000" dirty="0" smtClean="0"/>
+                        <a:t>18.0</a:t>
+                      </a:r>
+                      <a:endParaRPr lang="en-US" sz="3000" dirty="0"/>
+                    </a:p>
+                  </a:txBody>
+                  <a:tcPr anchor="ctr"/>
+                </a:tc>
+                <a:tc>
+                  <a:txBody>
+                    <a:bodyPr/>
+                    <a:lstStyle/>
+                    <a:p>
+                      <a:pPr algn="ctr"/>
+                      <a:r>
+                        <a:rPr lang="en-US" sz="3000" dirty="0" smtClean="0"/>
+                        <a:t>727</a:t>
+                      </a:r>
+                      <a:endParaRPr lang="en-US" sz="3000" dirty="0"/>
+                    </a:p>
+                  </a:txBody>
+                  <a:tcPr anchor="ctr"/>
+                </a:tc>
+                <a:tc>
+                  <a:txBody>
+                    <a:bodyPr/>
+                    <a:lstStyle/>
+                    <a:p>
+                      <a:pPr algn="ctr"/>
+                      <a:r>
+                        <a:rPr lang="en-US" sz="3000" dirty="0" smtClean="0"/>
+                        <a:t>476</a:t>
+                      </a:r>
+                      <a:endParaRPr lang="en-US" sz="3000" dirty="0"/>
+                    </a:p>
+                  </a:txBody>
+                  <a:tcPr anchor="ctr"/>
+                </a:tc>
+              </a:tr>
+              <a:tr h="427976">
+                <a:tc vMerge="1">
+                  <a:txBody>
+                    <a:bodyPr/>
+                    <a:lstStyle/>
+                    <a:p>
+                      <a:pPr algn="ctr"/>
+                      <a:endParaRPr lang="en-US" dirty="0"/>
+                    </a:p>
+                  </a:txBody>
+                  <a:tcPr anchor="ctr"/>
+                </a:tc>
+                <a:tc vMerge="1">
+                  <a:txBody>
+                    <a:bodyPr/>
+                    <a:lstStyle/>
+                    <a:p>
+                      <a:pPr algn="ctr"/>
+                      <a:endParaRPr lang="en-US" dirty="0"/>
+                    </a:p>
+                  </a:txBody>
+                  <a:tcPr anchor="ctr"/>
+                </a:tc>
+                <a:tc>
+                  <a:txBody>
+                    <a:bodyPr/>
+                    <a:lstStyle/>
+                    <a:p>
+                      <a:pPr algn="ctr"/>
+                      <a:r>
+                        <a:rPr lang="en-US" sz="3000" dirty="0" smtClean="0"/>
+                        <a:t>True</a:t>
+                      </a:r>
+                      <a:endParaRPr lang="en-US" sz="3000" dirty="0"/>
+                    </a:p>
+                  </a:txBody>
+                  <a:tcPr anchor="ctr"/>
+                </a:tc>
+                <a:tc>
+                  <a:txBody>
+                    <a:bodyPr/>
+                    <a:lstStyle/>
+                    <a:p>
+                      <a:pPr algn="ctr"/>
+                      <a:r>
+                        <a:rPr lang="en-US" sz="3000" dirty="0" smtClean="0"/>
+                        <a:t>17.4</a:t>
+                      </a:r>
+                      <a:endParaRPr lang="en-US" sz="3000" dirty="0"/>
+                    </a:p>
+                  </a:txBody>
+                  <a:tcPr anchor="ctr"/>
+                </a:tc>
+                <a:tc>
+                  <a:txBody>
+                    <a:bodyPr/>
+                    <a:lstStyle/>
+                    <a:p>
+                      <a:pPr algn="ctr"/>
+                      <a:r>
+                        <a:rPr lang="en-US" sz="3000" dirty="0" smtClean="0"/>
+                        <a:t>19.5</a:t>
+                      </a:r>
+                      <a:endParaRPr lang="en-US" sz="3000" dirty="0"/>
+                    </a:p>
+                  </a:txBody>
+                  <a:tcPr anchor="ctr"/>
+                </a:tc>
+                <a:tc>
+                  <a:txBody>
+                    <a:bodyPr/>
+                    <a:lstStyle/>
+                    <a:p>
+                      <a:pPr algn="ctr"/>
+                      <a:r>
+                        <a:rPr lang="en-US" sz="3000" dirty="0" smtClean="0"/>
+                        <a:t>707</a:t>
+                      </a:r>
+                      <a:endParaRPr lang="en-US" sz="3000" dirty="0"/>
+                    </a:p>
+                  </a:txBody>
+                  <a:tcPr anchor="ctr"/>
+                </a:tc>
+                <a:tc>
+                  <a:txBody>
+                    <a:bodyPr/>
+                    <a:lstStyle/>
+                    <a:p>
+                      <a:pPr algn="ctr"/>
+                      <a:r>
+                        <a:rPr lang="en-US" sz="3000" dirty="0" smtClean="0"/>
+                        <a:t>501</a:t>
+                      </a:r>
+                      <a:endParaRPr lang="en-US" sz="3000" dirty="0"/>
+                    </a:p>
+                  </a:txBody>
+                  <a:tcPr anchor="ctr"/>
+                </a:tc>
+              </a:tr>
+            </a:tbl>
+          </a:graphicData>
+        </a:graphic>
+      </p:graphicFrame>
       <p:sp>
         <p:nvSpPr>
-          <p:cNvPr id="38" name="TextBox 37">
-            <a:extLst>
-              <a:ext uri="{FF2B5EF4-FFF2-40B4-BE49-F238E27FC236}">
-                <a16:creationId xmlns:a16="http://schemas.microsoft.com/office/drawing/2014/main" id="{9FEFC9BD-B0DF-4D2E-8E43-0CA5197F3AC6}"/>
-              </a:ext>
-            </a:extLst>
-          </p:cNvPr>
+          <p:cNvPr id="5" name="TextBox 4"/>
           <p:cNvSpPr txBox="1"/>
           <p:nvPr/>
         </p:nvSpPr>
         <p:spPr>
           <a:xfrm>
-            <a:off x="13411982" y="9315540"/>
-            <a:ext cx="16868598" cy="553998"/>
+            <a:off x="20905159" y="9180381"/>
+            <a:ext cx="7057193" cy="6894195"/>
           </a:xfrm>
           <a:prstGeom prst="rect">
             <a:avLst/>
           </a:prstGeom>
           <a:noFill/>
-          <a:ln>
-            <a:noFill/>
-          </a:ln>
         </p:spPr>
         <p:txBody>
           <a:bodyPr wrap="square" rtlCol="0">
@@ -5461,18 +11476,161 @@
           </a:bodyPr>
           <a:lstStyle/>
           <a:p>
-            <a:pPr algn="ctr"/>
-            <a:r>
-              <a:rPr lang="en-US" sz="3000" dirty="0"/>
-              <a:t>Sample Worked Example</a:t>
-            </a:r>
+            <a:r>
+              <a:rPr lang="en-US" sz="5000" dirty="0" smtClean="0"/>
+              <a:t>Sample WE Text</a:t>
+            </a:r>
+            <a:endParaRPr lang="en-US" sz="3000" dirty="0" smtClean="0"/>
+          </a:p>
+          <a:p>
+            <a:r>
+              <a:rPr lang="en-US" sz="3600" dirty="0" smtClean="0"/>
+              <a:t>Worked Example: Pet Count </a:t>
+            </a:r>
+          </a:p>
+          <a:p>
+            <a:r>
+              <a:rPr lang="en-US" sz="3600" dirty="0" smtClean="0"/>
+              <a:t>0)  Read Problem</a:t>
+            </a:r>
+          </a:p>
+          <a:p>
+            <a:r>
+              <a:rPr lang="en-US" sz="3200" dirty="0"/>
+              <a:t>Write a function called </a:t>
+            </a:r>
+            <a:r>
+              <a:rPr lang="en-US" sz="3200" dirty="0" err="1"/>
+              <a:t>count_pets</a:t>
+            </a:r>
+            <a:r>
+              <a:rPr lang="en-US" sz="3200" dirty="0"/>
+              <a:t> that consumes a list of strings of pet types owned and returns the number of each type of pet as a dictionary. Use the Dictionary Counting pattern. Call your function with the following list to test it</a:t>
+            </a:r>
+            <a:r>
+              <a:rPr lang="en-US" sz="3200" dirty="0" smtClean="0"/>
+              <a:t>.</a:t>
+            </a:r>
+          </a:p>
+          <a:p>
+            <a:endParaRPr lang="en-US" sz="3200" dirty="0" smtClean="0"/>
+          </a:p>
+          <a:p>
+            <a:r>
+              <a:rPr lang="da-DK" sz="3200" dirty="0"/>
+              <a:t>["Dog", "cat", "Cat", "Snake", "mouse", "snake", "dog", "dog</a:t>
+            </a:r>
+            <a:r>
+              <a:rPr lang="da-DK" sz="3200" dirty="0" smtClean="0"/>
+              <a:t>"]</a:t>
+            </a:r>
+          </a:p>
+          <a:p>
+            <a:endParaRPr lang="da-DK" sz="3200" dirty="0" smtClean="0"/>
+          </a:p>
+        </p:txBody>
+      </p:sp>
+      <p:cxnSp>
+        <p:nvCxnSpPr>
+          <p:cNvPr id="11" name="Straight Connector 10"/>
+          <p:cNvCxnSpPr/>
+          <p:nvPr/>
+        </p:nvCxnSpPr>
+        <p:spPr>
+          <a:xfrm>
+            <a:off x="20416194" y="9660323"/>
+            <a:ext cx="0" cy="5925312"/>
+          </a:xfrm>
+          <a:prstGeom prst="line">
+            <a:avLst/>
+          </a:prstGeom>
+          <a:ln>
+            <a:solidFill>
+              <a:schemeClr val="tx1"/>
+            </a:solidFill>
+            <a:prstDash val="lgDashDotDot"/>
+          </a:ln>
+        </p:spPr>
+        <p:style>
+          <a:lnRef idx="1">
+            <a:schemeClr val="accent1"/>
+          </a:lnRef>
+          <a:fillRef idx="0">
+            <a:schemeClr val="accent1"/>
+          </a:fillRef>
+          <a:effectRef idx="0">
+            <a:schemeClr val="accent1"/>
+          </a:effectRef>
+          <a:fontRef idx="minor">
+            <a:schemeClr val="tx1"/>
+          </a:fontRef>
+        </p:style>
+      </p:cxnSp>
+      <p:sp>
+        <p:nvSpPr>
+          <p:cNvPr id="2" name="TextBox 1"/>
+          <p:cNvSpPr txBox="1"/>
+          <p:nvPr/>
+        </p:nvSpPr>
+        <p:spPr>
+          <a:xfrm>
+            <a:off x="28156643" y="9234423"/>
+            <a:ext cx="7395229" cy="6986528"/>
+          </a:xfrm>
+          <a:prstGeom prst="rect">
+            <a:avLst/>
+          </a:prstGeom>
+          <a:noFill/>
+        </p:spPr>
+        <p:txBody>
+          <a:bodyPr wrap="square" rtlCol="0">
+            <a:spAutoFit/>
+          </a:bodyPr>
+          <a:lstStyle/>
+          <a:p>
+            <a:pPr lvl="0"/>
+            <a:r>
+              <a:rPr lang="en-US" sz="3200" dirty="0">
+                <a:solidFill>
+                  <a:prstClr val="black"/>
+                </a:solidFill>
+              </a:rPr>
+              <a:t>Notice the list is written somewhat sloppy. The capitalization is inconsistent. Your function needs to be able to fix this so that "Dog" and "dog" go into the same dictionary entry.</a:t>
+            </a:r>
+          </a:p>
+          <a:p>
+            <a:pPr lvl="0"/>
+            <a:r>
+              <a:rPr lang="en-US" sz="3200" dirty="0">
+                <a:solidFill>
+                  <a:prstClr val="black"/>
+                </a:solidFill>
+              </a:rPr>
+              <a:t>1) Interpret the Problem</a:t>
+            </a:r>
+          </a:p>
+          <a:p>
+            <a:pPr lvl="0"/>
+            <a:r>
+              <a:rPr lang="en-US" sz="3200" dirty="0">
+                <a:solidFill>
+                  <a:prstClr val="black"/>
+                </a:solidFill>
+              </a:rPr>
+              <a:t>This problem requires us to write a function that uses the Dictionary Counting pattern to create a dictionary that maps pet type to number of pets of that type. The problem also says the words in the list can have inconsistent capitalization and our function has to treat two of the same word as one key in the dictionary.</a:t>
+            </a:r>
+            <a:endParaRPr lang="en-US" sz="3200" dirty="0">
+              <a:solidFill>
+                <a:prstClr val="black"/>
+              </a:solidFill>
+            </a:endParaRPr>
           </a:p>
         </p:txBody>
       </p:sp>
     </p:spTree>
     <p:extLst>
       <p:ext uri="{BB962C8B-B14F-4D97-AF65-F5344CB8AC3E}">
-        <p14:creationId xmlns:p14="http://schemas.microsoft.com/office/powerpoint/2010/main" val="3294148951"/>
+        <p14:creationId xmlns:p14="http://schemas.microsoft.com/office/powerpoint/2010/main" val="3204900302"/>
       </p:ext>
     </p:extLst>
   </p:cSld>
@@ -5499,7 +11657,7 @@
         <a:srgbClr val="E7E6E6"/>
       </a:lt2>
       <a:accent1>
-        <a:srgbClr val="4472C4"/>
+        <a:srgbClr val="5B9BD5"/>
       </a:accent1>
       <a:accent2>
         <a:srgbClr val="ED7D31"/>
@@ -5511,7 +11669,7 @@
         <a:srgbClr val="FFC000"/>
       </a:accent4>
       <a:accent5>
-        <a:srgbClr val="5B9BD5"/>
+        <a:srgbClr val="4472C4"/>
       </a:accent5>
       <a:accent6>
         <a:srgbClr val="70AD47"/>
@@ -5528,9 +11686,9 @@
         <a:latin typeface="Calibri Light" panose="020F0302020204030204"/>
         <a:ea typeface=""/>
         <a:cs typeface=""/>
-        <a:font script="Jpan" typeface="游ゴシック Light"/>
+        <a:font script="Jpan" typeface="ＭＳ Ｐゴシック"/>
         <a:font script="Hang" typeface="맑은 고딕"/>
-        <a:font script="Hans" typeface="等线 Light"/>
+        <a:font script="Hans" typeface="宋体"/>
         <a:font script="Hant" typeface="新細明體"/>
         <a:font script="Arab" typeface="Times New Roman"/>
         <a:font script="Hebr" typeface="Times New Roman"/>
@@ -5563,9 +11721,9 @@
         <a:latin typeface="Calibri" panose="020F0502020204030204"/>
         <a:ea typeface=""/>
         <a:cs typeface=""/>
-        <a:font script="Jpan" typeface="游ゴシック"/>
+        <a:font script="Jpan" typeface="ＭＳ Ｐゴシック"/>
         <a:font script="Hang" typeface="맑은 고딕"/>
-        <a:font script="Hans" typeface="等线"/>
+        <a:font script="Hans" typeface="宋体"/>
         <a:font script="Hant" typeface="新細明體"/>
         <a:font script="Arab" typeface="Arial"/>
         <a:font script="Hebr" typeface="Arial"/>
@@ -5760,7 +11918,7 @@
         <a:srgbClr val="E7E6E6"/>
       </a:lt2>
       <a:accent1>
-        <a:srgbClr val="4472C4"/>
+        <a:srgbClr val="5B9BD5"/>
       </a:accent1>
       <a:accent2>
         <a:srgbClr val="ED7D31"/>
@@ -5772,7 +11930,7 @@
         <a:srgbClr val="FFC000"/>
       </a:accent4>
       <a:accent5>
-        <a:srgbClr val="5B9BD5"/>
+        <a:srgbClr val="4472C4"/>
       </a:accent5>
       <a:accent6>
         <a:srgbClr val="70AD47"/>
@@ -5789,9 +11947,9 @@
         <a:latin typeface="Calibri Light" panose="020F0302020204030204"/>
         <a:ea typeface=""/>
         <a:cs typeface=""/>
-        <a:font script="Jpan" typeface="游ゴシック Light"/>
+        <a:font script="Jpan" typeface="ＭＳ Ｐゴシック"/>
         <a:font script="Hang" typeface="맑은 고딕"/>
-        <a:font script="Hans" typeface="等线 Light"/>
+        <a:font script="Hans" typeface="宋体"/>
         <a:font script="Hant" typeface="新細明體"/>
         <a:font script="Arab" typeface="Times New Roman"/>
         <a:font script="Hebr" typeface="Times New Roman"/>
@@ -5819,31 +11977,14 @@
         <a:font script="Viet" typeface="Times New Roman"/>
         <a:font script="Uigh" typeface="Microsoft Uighur"/>
         <a:font script="Geor" typeface="Sylfaen"/>
-        <a:font script="Armn" typeface="Arial"/>
-        <a:font script="Bugi" typeface="Leelawadee UI"/>
-        <a:font script="Bopo" typeface="Microsoft JhengHei"/>
-        <a:font script="Java" typeface="Javanese Text"/>
-        <a:font script="Lisu" typeface="Segoe UI"/>
-        <a:font script="Mymr" typeface="Myanmar Text"/>
-        <a:font script="Nkoo" typeface="Ebrima"/>
-        <a:font script="Olck" typeface="Nirmala UI"/>
-        <a:font script="Osma" typeface="Ebrima"/>
-        <a:font script="Phag" typeface="Phagspa"/>
-        <a:font script="Syrn" typeface="Estrangelo Edessa"/>
-        <a:font script="Syrj" typeface="Estrangelo Edessa"/>
-        <a:font script="Syre" typeface="Estrangelo Edessa"/>
-        <a:font script="Sora" typeface="Nirmala UI"/>
-        <a:font script="Tale" typeface="Microsoft Tai Le"/>
-        <a:font script="Talu" typeface="Microsoft New Tai Lue"/>
-        <a:font script="Tfng" typeface="Ebrima"/>
       </a:majorFont>
       <a:minorFont>
         <a:latin typeface="Calibri" panose="020F0502020204030204"/>
         <a:ea typeface=""/>
         <a:cs typeface=""/>
-        <a:font script="Jpan" typeface="游ゴシック"/>
+        <a:font script="Jpan" typeface="ＭＳ Ｐゴシック"/>
         <a:font script="Hang" typeface="맑은 고딕"/>
-        <a:font script="Hans" typeface="等线"/>
+        <a:font script="Hans" typeface="宋体"/>
         <a:font script="Hant" typeface="新細明體"/>
         <a:font script="Arab" typeface="Arial"/>
         <a:font script="Hebr" typeface="Arial"/>
@@ -5871,23 +12012,6 @@
         <a:font script="Viet" typeface="Arial"/>
         <a:font script="Uigh" typeface="Microsoft Uighur"/>
         <a:font script="Geor" typeface="Sylfaen"/>
-        <a:font script="Armn" typeface="Arial"/>
-        <a:font script="Bugi" typeface="Leelawadee UI"/>
-        <a:font script="Bopo" typeface="Microsoft JhengHei"/>
-        <a:font script="Java" typeface="Javanese Text"/>
-        <a:font script="Lisu" typeface="Segoe UI"/>
-        <a:font script="Mymr" typeface="Myanmar Text"/>
-        <a:font script="Nkoo" typeface="Ebrima"/>
-        <a:font script="Olck" typeface="Nirmala UI"/>
-        <a:font script="Osma" typeface="Ebrima"/>
-        <a:font script="Phag" typeface="Phagspa"/>
-        <a:font script="Syrn" typeface="Estrangelo Edessa"/>
-        <a:font script="Syrj" typeface="Estrangelo Edessa"/>
-        <a:font script="Syre" typeface="Estrangelo Edessa"/>
-        <a:font script="Sora" typeface="Nirmala UI"/>
-        <a:font script="Tale" typeface="Microsoft Tai Le"/>
-        <a:font script="Talu" typeface="Microsoft New Tai Lue"/>
-        <a:font script="Tfng" typeface="Ebrima"/>
       </a:minorFont>
     </a:fontScheme>
     <a:fmtScheme name="Office">

--- a/Administrative/VTURCS/VTURCS Poster.pptx
+++ b/Administrative/VTURCS/VTURCS Poster.pptx
@@ -115,7 +115,7 @@
             <a:srgbClr val="A4A3A4"/>
           </p15:clr>
         </p15:guide>
-        <p15:guide id="2" pos="13824" userDrawn="1">
+        <p15:guide id="2" pos="26784" userDrawn="1">
           <p15:clr>
             <a:srgbClr val="A4A3A4"/>
           </p15:clr>
@@ -124,6 +124,3094 @@
     </p:ext>
   </p:extLst>
 </p:presentation>
+</file>
+
+<file path=ppt/diagrams/colors1.xml><?xml version="1.0" encoding="utf-8"?>
+<dgm:colorsDef xmlns:dgm="http://schemas.openxmlformats.org/drawingml/2006/diagram" xmlns:a="http://schemas.openxmlformats.org/drawingml/2006/main" uniqueId="urn:microsoft.com/office/officeart/2005/8/colors/colorful1">
+  <dgm:title val=""/>
+  <dgm:desc val=""/>
+  <dgm:catLst>
+    <dgm:cat type="colorful" pri="10100"/>
+  </dgm:catLst>
+  <dgm:styleLbl name="node0">
+    <dgm:fillClrLst meth="repeat">
+      <a:schemeClr val="accent1"/>
+    </dgm:fillClrLst>
+    <dgm:linClrLst meth="repeat">
+      <a:schemeClr val="lt1"/>
+    </dgm:linClrLst>
+    <dgm:effectClrLst/>
+    <dgm:txLinClrLst/>
+    <dgm:txFillClrLst/>
+    <dgm:txEffectClrLst/>
+  </dgm:styleLbl>
+  <dgm:styleLbl name="node1">
+    <dgm:fillClrLst meth="repeat">
+      <a:schemeClr val="accent2"/>
+      <a:schemeClr val="accent3"/>
+      <a:schemeClr val="accent4"/>
+      <a:schemeClr val="accent5"/>
+      <a:schemeClr val="accent6"/>
+    </dgm:fillClrLst>
+    <dgm:linClrLst meth="repeat">
+      <a:schemeClr val="lt1"/>
+    </dgm:linClrLst>
+    <dgm:effectClrLst/>
+    <dgm:txLinClrLst/>
+    <dgm:txFillClrLst/>
+    <dgm:txEffectClrLst/>
+  </dgm:styleLbl>
+  <dgm:styleLbl name="alignNode1">
+    <dgm:fillClrLst meth="repeat">
+      <a:schemeClr val="accent2"/>
+      <a:schemeClr val="accent3"/>
+      <a:schemeClr val="accent4"/>
+      <a:schemeClr val="accent5"/>
+      <a:schemeClr val="accent6"/>
+    </dgm:fillClrLst>
+    <dgm:linClrLst meth="repeat">
+      <a:schemeClr val="accent2"/>
+      <a:schemeClr val="accent3"/>
+      <a:schemeClr val="accent4"/>
+      <a:schemeClr val="accent5"/>
+      <a:schemeClr val="accent6"/>
+    </dgm:linClrLst>
+    <dgm:effectClrLst/>
+    <dgm:txLinClrLst/>
+    <dgm:txFillClrLst/>
+    <dgm:txEffectClrLst/>
+  </dgm:styleLbl>
+  <dgm:styleLbl name="lnNode1">
+    <dgm:fillClrLst meth="repeat">
+      <a:schemeClr val="accent2"/>
+      <a:schemeClr val="accent3"/>
+      <a:schemeClr val="accent4"/>
+      <a:schemeClr val="accent5"/>
+      <a:schemeClr val="accent6"/>
+    </dgm:fillClrLst>
+    <dgm:linClrLst meth="repeat">
+      <a:schemeClr val="lt1"/>
+    </dgm:linClrLst>
+    <dgm:effectClrLst/>
+    <dgm:txLinClrLst/>
+    <dgm:txFillClrLst/>
+    <dgm:txEffectClrLst/>
+  </dgm:styleLbl>
+  <dgm:styleLbl name="vennNode1">
+    <dgm:fillClrLst meth="repeat">
+      <a:schemeClr val="accent2">
+        <a:alpha val="50000"/>
+      </a:schemeClr>
+      <a:schemeClr val="accent3">
+        <a:alpha val="50000"/>
+      </a:schemeClr>
+      <a:schemeClr val="accent4">
+        <a:alpha val="50000"/>
+      </a:schemeClr>
+      <a:schemeClr val="accent5">
+        <a:alpha val="50000"/>
+      </a:schemeClr>
+      <a:schemeClr val="accent6">
+        <a:alpha val="50000"/>
+      </a:schemeClr>
+    </dgm:fillClrLst>
+    <dgm:linClrLst meth="repeat">
+      <a:schemeClr val="lt1"/>
+    </dgm:linClrLst>
+    <dgm:effectClrLst/>
+    <dgm:txLinClrLst/>
+    <dgm:txFillClrLst/>
+    <dgm:txEffectClrLst/>
+  </dgm:styleLbl>
+  <dgm:styleLbl name="node2">
+    <dgm:fillClrLst>
+      <a:schemeClr val="accent2"/>
+    </dgm:fillClrLst>
+    <dgm:linClrLst meth="repeat">
+      <a:schemeClr val="lt1"/>
+    </dgm:linClrLst>
+    <dgm:effectClrLst/>
+    <dgm:txLinClrLst/>
+    <dgm:txFillClrLst/>
+    <dgm:txEffectClrLst/>
+  </dgm:styleLbl>
+  <dgm:styleLbl name="node3">
+    <dgm:fillClrLst>
+      <a:schemeClr val="accent3"/>
+    </dgm:fillClrLst>
+    <dgm:linClrLst meth="repeat">
+      <a:schemeClr val="lt1"/>
+    </dgm:linClrLst>
+    <dgm:effectClrLst/>
+    <dgm:txLinClrLst/>
+    <dgm:txFillClrLst/>
+    <dgm:txEffectClrLst/>
+  </dgm:styleLbl>
+  <dgm:styleLbl name="node4">
+    <dgm:fillClrLst>
+      <a:schemeClr val="accent4"/>
+    </dgm:fillClrLst>
+    <dgm:linClrLst meth="repeat">
+      <a:schemeClr val="lt1"/>
+    </dgm:linClrLst>
+    <dgm:effectClrLst/>
+    <dgm:txLinClrLst/>
+    <dgm:txFillClrLst/>
+    <dgm:txEffectClrLst/>
+  </dgm:styleLbl>
+  <dgm:styleLbl name="fgImgPlace1">
+    <dgm:fillClrLst meth="repeat">
+      <a:schemeClr val="accent2">
+        <a:tint val="50000"/>
+      </a:schemeClr>
+      <a:schemeClr val="accent3">
+        <a:tint val="50000"/>
+      </a:schemeClr>
+      <a:schemeClr val="accent4">
+        <a:tint val="50000"/>
+      </a:schemeClr>
+      <a:schemeClr val="accent5">
+        <a:tint val="50000"/>
+      </a:schemeClr>
+      <a:schemeClr val="accent6">
+        <a:tint val="50000"/>
+      </a:schemeClr>
+    </dgm:fillClrLst>
+    <dgm:linClrLst meth="repeat">
+      <a:schemeClr val="lt1"/>
+    </dgm:linClrLst>
+    <dgm:effectClrLst/>
+    <dgm:txLinClrLst/>
+    <dgm:txFillClrLst meth="repeat">
+      <a:schemeClr val="lt1"/>
+    </dgm:txFillClrLst>
+    <dgm:txEffectClrLst/>
+  </dgm:styleLbl>
+  <dgm:styleLbl name="alignImgPlace1">
+    <dgm:fillClrLst>
+      <a:schemeClr val="accent1">
+        <a:tint val="50000"/>
+      </a:schemeClr>
+      <a:schemeClr val="accent2">
+        <a:tint val="20000"/>
+      </a:schemeClr>
+    </dgm:fillClrLst>
+    <dgm:linClrLst meth="repeat">
+      <a:schemeClr val="lt1"/>
+    </dgm:linClrLst>
+    <dgm:effectClrLst/>
+    <dgm:txLinClrLst/>
+    <dgm:txFillClrLst meth="repeat">
+      <a:schemeClr val="lt1"/>
+    </dgm:txFillClrLst>
+    <dgm:txEffectClrLst/>
+  </dgm:styleLbl>
+  <dgm:styleLbl name="bgImgPlace1">
+    <dgm:fillClrLst>
+      <a:schemeClr val="accent1">
+        <a:tint val="50000"/>
+      </a:schemeClr>
+      <a:schemeClr val="accent2">
+        <a:tint val="20000"/>
+      </a:schemeClr>
+    </dgm:fillClrLst>
+    <dgm:linClrLst meth="repeat">
+      <a:schemeClr val="lt1"/>
+    </dgm:linClrLst>
+    <dgm:effectClrLst/>
+    <dgm:txLinClrLst/>
+    <dgm:txFillClrLst meth="repeat">
+      <a:schemeClr val="lt1"/>
+    </dgm:txFillClrLst>
+    <dgm:txEffectClrLst/>
+  </dgm:styleLbl>
+  <dgm:styleLbl name="sibTrans2D1">
+    <dgm:fillClrLst meth="repeat">
+      <a:schemeClr val="accent2"/>
+      <a:schemeClr val="accent3"/>
+      <a:schemeClr val="accent4"/>
+      <a:schemeClr val="accent5"/>
+      <a:schemeClr val="accent6"/>
+    </dgm:fillClrLst>
+    <dgm:linClrLst meth="cycle">
+      <a:schemeClr val="lt1"/>
+    </dgm:linClrLst>
+    <dgm:effectClrLst/>
+    <dgm:txLinClrLst/>
+    <dgm:txFillClrLst/>
+    <dgm:txEffectClrLst/>
+  </dgm:styleLbl>
+  <dgm:styleLbl name="fgSibTrans2D1">
+    <dgm:fillClrLst meth="repeat">
+      <a:schemeClr val="accent2"/>
+      <a:schemeClr val="accent3"/>
+      <a:schemeClr val="accent4"/>
+      <a:schemeClr val="accent5"/>
+      <a:schemeClr val="accent6"/>
+    </dgm:fillClrLst>
+    <dgm:linClrLst meth="cycle">
+      <a:schemeClr val="lt1"/>
+    </dgm:linClrLst>
+    <dgm:effectClrLst/>
+    <dgm:txLinClrLst/>
+    <dgm:txFillClrLst meth="repeat">
+      <a:schemeClr val="lt1"/>
+    </dgm:txFillClrLst>
+    <dgm:txEffectClrLst/>
+  </dgm:styleLbl>
+  <dgm:styleLbl name="bgSibTrans2D1">
+    <dgm:fillClrLst meth="repeat">
+      <a:schemeClr val="accent2"/>
+      <a:schemeClr val="accent3"/>
+      <a:schemeClr val="accent4"/>
+      <a:schemeClr val="accent5"/>
+      <a:schemeClr val="accent6"/>
+    </dgm:fillClrLst>
+    <dgm:linClrLst meth="cycle">
+      <a:schemeClr val="lt1"/>
+    </dgm:linClrLst>
+    <dgm:effectClrLst/>
+    <dgm:txLinClrLst/>
+    <dgm:txFillClrLst meth="repeat">
+      <a:schemeClr val="lt1"/>
+    </dgm:txFillClrLst>
+    <dgm:txEffectClrLst/>
+  </dgm:styleLbl>
+  <dgm:styleLbl name="sibTrans1D1">
+    <dgm:fillClrLst meth="repeat">
+      <a:schemeClr val="accent2"/>
+      <a:schemeClr val="accent3"/>
+      <a:schemeClr val="accent4"/>
+      <a:schemeClr val="accent5"/>
+      <a:schemeClr val="accent6"/>
+    </dgm:fillClrLst>
+    <dgm:linClrLst meth="repeat">
+      <a:schemeClr val="accent2"/>
+      <a:schemeClr val="accent3"/>
+      <a:schemeClr val="accent4"/>
+      <a:schemeClr val="accent5"/>
+      <a:schemeClr val="accent6"/>
+    </dgm:linClrLst>
+    <dgm:effectClrLst/>
+    <dgm:txLinClrLst/>
+    <dgm:txFillClrLst meth="repeat">
+      <a:schemeClr val="tx1"/>
+    </dgm:txFillClrLst>
+    <dgm:txEffectClrLst/>
+  </dgm:styleLbl>
+  <dgm:styleLbl name="callout">
+    <dgm:fillClrLst meth="repeat">
+      <a:schemeClr val="accent2"/>
+    </dgm:fillClrLst>
+    <dgm:linClrLst meth="repeat">
+      <a:schemeClr val="accent2">
+        <a:tint val="50000"/>
+      </a:schemeClr>
+    </dgm:linClrLst>
+    <dgm:effectClrLst/>
+    <dgm:txLinClrLst/>
+    <dgm:txFillClrLst meth="repeat">
+      <a:schemeClr val="tx1"/>
+    </dgm:txFillClrLst>
+    <dgm:txEffectClrLst/>
+  </dgm:styleLbl>
+  <dgm:styleLbl name="asst0">
+    <dgm:fillClrLst meth="repeat">
+      <a:schemeClr val="accent1"/>
+    </dgm:fillClrLst>
+    <dgm:linClrLst meth="repeat">
+      <a:schemeClr val="lt1"/>
+    </dgm:linClrLst>
+    <dgm:effectClrLst/>
+    <dgm:txLinClrLst/>
+    <dgm:txFillClrLst/>
+    <dgm:txEffectClrLst/>
+  </dgm:styleLbl>
+  <dgm:styleLbl name="asst1">
+    <dgm:fillClrLst meth="repeat">
+      <a:schemeClr val="accent2"/>
+    </dgm:fillClrLst>
+    <dgm:linClrLst meth="repeat">
+      <a:schemeClr val="lt1"/>
+    </dgm:linClrLst>
+    <dgm:effectClrLst/>
+    <dgm:txLinClrLst/>
+    <dgm:txFillClrLst/>
+    <dgm:txEffectClrLst/>
+  </dgm:styleLbl>
+  <dgm:styleLbl name="asst2">
+    <dgm:fillClrLst>
+      <a:schemeClr val="accent3"/>
+    </dgm:fillClrLst>
+    <dgm:linClrLst meth="repeat">
+      <a:schemeClr val="lt1"/>
+    </dgm:linClrLst>
+    <dgm:effectClrLst/>
+    <dgm:txLinClrLst/>
+    <dgm:txFillClrLst/>
+    <dgm:txEffectClrLst/>
+  </dgm:styleLbl>
+  <dgm:styleLbl name="asst3">
+    <dgm:fillClrLst>
+      <a:schemeClr val="accent4"/>
+    </dgm:fillClrLst>
+    <dgm:linClrLst meth="repeat">
+      <a:schemeClr val="lt1"/>
+    </dgm:linClrLst>
+    <dgm:effectClrLst/>
+    <dgm:txLinClrLst/>
+    <dgm:txFillClrLst/>
+    <dgm:txEffectClrLst/>
+  </dgm:styleLbl>
+  <dgm:styleLbl name="asst4">
+    <dgm:fillClrLst>
+      <a:schemeClr val="accent5"/>
+    </dgm:fillClrLst>
+    <dgm:linClrLst meth="repeat">
+      <a:schemeClr val="lt1"/>
+    </dgm:linClrLst>
+    <dgm:effectClrLst/>
+    <dgm:txLinClrLst/>
+    <dgm:txFillClrLst/>
+    <dgm:txEffectClrLst/>
+  </dgm:styleLbl>
+  <dgm:styleLbl name="parChTrans2D1">
+    <dgm:fillClrLst meth="repeat">
+      <a:schemeClr val="accent2"/>
+    </dgm:fillClrLst>
+    <dgm:linClrLst meth="repeat">
+      <a:schemeClr val="lt1"/>
+    </dgm:linClrLst>
+    <dgm:effectClrLst/>
+    <dgm:txLinClrLst/>
+    <dgm:txFillClrLst meth="repeat">
+      <a:schemeClr val="lt1"/>
+    </dgm:txFillClrLst>
+    <dgm:txEffectClrLst/>
+  </dgm:styleLbl>
+  <dgm:styleLbl name="parChTrans2D2">
+    <dgm:fillClrLst meth="repeat">
+      <a:schemeClr val="accent3"/>
+    </dgm:fillClrLst>
+    <dgm:linClrLst meth="repeat">
+      <a:schemeClr val="lt1"/>
+    </dgm:linClrLst>
+    <dgm:effectClrLst/>
+    <dgm:txLinClrLst/>
+    <dgm:txFillClrLst/>
+    <dgm:txEffectClrLst/>
+  </dgm:styleLbl>
+  <dgm:styleLbl name="parChTrans2D3">
+    <dgm:fillClrLst meth="repeat">
+      <a:schemeClr val="accent4"/>
+    </dgm:fillClrLst>
+    <dgm:linClrLst meth="repeat">
+      <a:schemeClr val="lt1"/>
+    </dgm:linClrLst>
+    <dgm:effectClrLst/>
+    <dgm:txLinClrLst/>
+    <dgm:txFillClrLst/>
+    <dgm:txEffectClrLst/>
+  </dgm:styleLbl>
+  <dgm:styleLbl name="parChTrans2D4">
+    <dgm:fillClrLst meth="repeat">
+      <a:schemeClr val="accent5"/>
+    </dgm:fillClrLst>
+    <dgm:linClrLst meth="repeat">
+      <a:schemeClr val="lt1"/>
+    </dgm:linClrLst>
+    <dgm:effectClrLst/>
+    <dgm:txLinClrLst/>
+    <dgm:txFillClrLst meth="repeat">
+      <a:schemeClr val="lt1"/>
+    </dgm:txFillClrLst>
+    <dgm:txEffectClrLst/>
+  </dgm:styleLbl>
+  <dgm:styleLbl name="parChTrans1D1">
+    <dgm:fillClrLst meth="repeat">
+      <a:schemeClr val="accent2"/>
+    </dgm:fillClrLst>
+    <dgm:linClrLst meth="repeat">
+      <a:schemeClr val="accent1"/>
+    </dgm:linClrLst>
+    <dgm:effectClrLst/>
+    <dgm:txLinClrLst/>
+    <dgm:txFillClrLst meth="repeat">
+      <a:schemeClr val="tx1"/>
+    </dgm:txFillClrLst>
+    <dgm:txEffectClrLst/>
+  </dgm:styleLbl>
+  <dgm:styleLbl name="parChTrans1D2">
+    <dgm:fillClrLst meth="repeat">
+      <a:schemeClr val="accent3">
+        <a:tint val="90000"/>
+      </a:schemeClr>
+    </dgm:fillClrLst>
+    <dgm:linClrLst meth="repeat">
+      <a:schemeClr val="accent2"/>
+    </dgm:linClrLst>
+    <dgm:effectClrLst/>
+    <dgm:txLinClrLst/>
+    <dgm:txFillClrLst meth="repeat">
+      <a:schemeClr val="tx1"/>
+    </dgm:txFillClrLst>
+    <dgm:txEffectClrLst/>
+  </dgm:styleLbl>
+  <dgm:styleLbl name="parChTrans1D3">
+    <dgm:fillClrLst meth="repeat">
+      <a:schemeClr val="accent4">
+        <a:tint val="70000"/>
+      </a:schemeClr>
+    </dgm:fillClrLst>
+    <dgm:linClrLst meth="repeat">
+      <a:schemeClr val="accent3"/>
+    </dgm:linClrLst>
+    <dgm:effectClrLst/>
+    <dgm:txLinClrLst/>
+    <dgm:txFillClrLst meth="repeat">
+      <a:schemeClr val="tx1"/>
+    </dgm:txFillClrLst>
+    <dgm:txEffectClrLst/>
+  </dgm:styleLbl>
+  <dgm:styleLbl name="parChTrans1D4">
+    <dgm:fillClrLst meth="repeat">
+      <a:schemeClr val="accent5">
+        <a:tint val="50000"/>
+      </a:schemeClr>
+    </dgm:fillClrLst>
+    <dgm:linClrLst meth="repeat">
+      <a:schemeClr val="accent4"/>
+    </dgm:linClrLst>
+    <dgm:effectClrLst/>
+    <dgm:txLinClrLst/>
+    <dgm:txFillClrLst meth="repeat">
+      <a:schemeClr val="tx1"/>
+    </dgm:txFillClrLst>
+    <dgm:txEffectClrLst/>
+  </dgm:styleLbl>
+  <dgm:styleLbl name="fgAcc1">
+    <dgm:fillClrLst meth="repeat">
+      <a:schemeClr val="lt1">
+        <a:alpha val="90000"/>
+      </a:schemeClr>
+    </dgm:fillClrLst>
+    <dgm:linClrLst meth="repeat">
+      <a:schemeClr val="accent2"/>
+      <a:schemeClr val="accent3"/>
+      <a:schemeClr val="accent4"/>
+      <a:schemeClr val="accent5"/>
+      <a:schemeClr val="accent6"/>
+    </dgm:linClrLst>
+    <dgm:effectClrLst/>
+    <dgm:txLinClrLst/>
+    <dgm:txFillClrLst meth="repeat">
+      <a:schemeClr val="dk1"/>
+    </dgm:txFillClrLst>
+    <dgm:txEffectClrLst/>
+  </dgm:styleLbl>
+  <dgm:styleLbl name="conFgAcc1">
+    <dgm:fillClrLst meth="repeat">
+      <a:schemeClr val="lt1">
+        <a:alpha val="90000"/>
+      </a:schemeClr>
+    </dgm:fillClrLst>
+    <dgm:linClrLst meth="repeat">
+      <a:schemeClr val="accent2"/>
+      <a:schemeClr val="accent3"/>
+      <a:schemeClr val="accent4"/>
+      <a:schemeClr val="accent5"/>
+      <a:schemeClr val="accent6"/>
+    </dgm:linClrLst>
+    <dgm:effectClrLst/>
+    <dgm:txLinClrLst/>
+    <dgm:txFillClrLst meth="repeat">
+      <a:schemeClr val="dk1"/>
+    </dgm:txFillClrLst>
+    <dgm:txEffectClrLst/>
+  </dgm:styleLbl>
+  <dgm:styleLbl name="alignAcc1">
+    <dgm:fillClrLst meth="repeat">
+      <a:schemeClr val="lt1">
+        <a:alpha val="90000"/>
+      </a:schemeClr>
+    </dgm:fillClrLst>
+    <dgm:linClrLst meth="repeat">
+      <a:schemeClr val="accent2"/>
+      <a:schemeClr val="accent3"/>
+      <a:schemeClr val="accent4"/>
+      <a:schemeClr val="accent5"/>
+      <a:schemeClr val="accent6"/>
+    </dgm:linClrLst>
+    <dgm:effectClrLst/>
+    <dgm:txLinClrLst/>
+    <dgm:txFillClrLst meth="repeat">
+      <a:schemeClr val="dk1"/>
+    </dgm:txFillClrLst>
+    <dgm:txEffectClrLst/>
+  </dgm:styleLbl>
+  <dgm:styleLbl name="trAlignAcc1">
+    <dgm:fillClrLst meth="repeat">
+      <a:schemeClr val="lt1">
+        <a:alpha val="40000"/>
+      </a:schemeClr>
+    </dgm:fillClrLst>
+    <dgm:linClrLst meth="repeat">
+      <a:schemeClr val="accent1"/>
+    </dgm:linClrLst>
+    <dgm:effectClrLst/>
+    <dgm:txLinClrLst/>
+    <dgm:txFillClrLst meth="repeat">
+      <a:schemeClr val="dk1"/>
+    </dgm:txFillClrLst>
+    <dgm:txEffectClrLst/>
+  </dgm:styleLbl>
+  <dgm:styleLbl name="bgAcc1">
+    <dgm:fillClrLst meth="repeat">
+      <a:schemeClr val="lt1">
+        <a:alpha val="90000"/>
+      </a:schemeClr>
+    </dgm:fillClrLst>
+    <dgm:linClrLst meth="repeat">
+      <a:schemeClr val="accent2"/>
+      <a:schemeClr val="accent3"/>
+      <a:schemeClr val="accent4"/>
+      <a:schemeClr val="accent5"/>
+      <a:schemeClr val="accent6"/>
+    </dgm:linClrLst>
+    <dgm:effectClrLst/>
+    <dgm:txLinClrLst/>
+    <dgm:txFillClrLst meth="repeat">
+      <a:schemeClr val="dk1"/>
+    </dgm:txFillClrLst>
+    <dgm:txEffectClrLst/>
+  </dgm:styleLbl>
+  <dgm:styleLbl name="solidFgAcc1">
+    <dgm:fillClrLst meth="repeat">
+      <a:schemeClr val="lt1"/>
+    </dgm:fillClrLst>
+    <dgm:linClrLst meth="repeat">
+      <a:schemeClr val="accent2"/>
+      <a:schemeClr val="accent3"/>
+      <a:schemeClr val="accent4"/>
+      <a:schemeClr val="accent5"/>
+      <a:schemeClr val="accent6"/>
+    </dgm:linClrLst>
+    <dgm:effectClrLst/>
+    <dgm:txLinClrLst/>
+    <dgm:txFillClrLst meth="repeat">
+      <a:schemeClr val="dk1"/>
+    </dgm:txFillClrLst>
+    <dgm:txEffectClrLst/>
+  </dgm:styleLbl>
+  <dgm:styleLbl name="solidAlignAcc1">
+    <dgm:fillClrLst meth="repeat">
+      <a:schemeClr val="lt1"/>
+    </dgm:fillClrLst>
+    <dgm:linClrLst meth="repeat">
+      <a:schemeClr val="accent2"/>
+      <a:schemeClr val="accent3"/>
+      <a:schemeClr val="accent4"/>
+      <a:schemeClr val="accent5"/>
+      <a:schemeClr val="accent6"/>
+    </dgm:linClrLst>
+    <dgm:effectClrLst/>
+    <dgm:txLinClrLst/>
+    <dgm:txFillClrLst meth="repeat">
+      <a:schemeClr val="dk1"/>
+    </dgm:txFillClrLst>
+    <dgm:txEffectClrLst/>
+  </dgm:styleLbl>
+  <dgm:styleLbl name="solidBgAcc1">
+    <dgm:fillClrLst meth="repeat">
+      <a:schemeClr val="lt1"/>
+    </dgm:fillClrLst>
+    <dgm:linClrLst meth="repeat">
+      <a:schemeClr val="accent2"/>
+      <a:schemeClr val="accent3"/>
+      <a:schemeClr val="accent4"/>
+      <a:schemeClr val="accent5"/>
+      <a:schemeClr val="accent6"/>
+    </dgm:linClrLst>
+    <dgm:effectClrLst/>
+    <dgm:txLinClrLst/>
+    <dgm:txFillClrLst meth="repeat">
+      <a:schemeClr val="dk1"/>
+    </dgm:txFillClrLst>
+    <dgm:txEffectClrLst/>
+  </dgm:styleLbl>
+  <dgm:styleLbl name="fgAccFollowNode1">
+    <dgm:fillClrLst meth="repeat">
+      <a:schemeClr val="accent2">
+        <a:tint val="40000"/>
+        <a:alpha val="90000"/>
+      </a:schemeClr>
+      <a:schemeClr val="accent3">
+        <a:tint val="40000"/>
+        <a:alpha val="90000"/>
+      </a:schemeClr>
+      <a:schemeClr val="accent4">
+        <a:tint val="40000"/>
+        <a:alpha val="90000"/>
+      </a:schemeClr>
+      <a:schemeClr val="accent5">
+        <a:tint val="40000"/>
+        <a:alpha val="90000"/>
+      </a:schemeClr>
+      <a:schemeClr val="accent6">
+        <a:tint val="40000"/>
+        <a:alpha val="90000"/>
+      </a:schemeClr>
+    </dgm:fillClrLst>
+    <dgm:linClrLst meth="repeat">
+      <a:schemeClr val="accent2">
+        <a:tint val="40000"/>
+        <a:alpha val="90000"/>
+      </a:schemeClr>
+      <a:schemeClr val="accent3">
+        <a:tint val="40000"/>
+        <a:alpha val="90000"/>
+      </a:schemeClr>
+      <a:schemeClr val="accent4">
+        <a:tint val="40000"/>
+        <a:alpha val="90000"/>
+      </a:schemeClr>
+      <a:schemeClr val="accent5">
+        <a:tint val="40000"/>
+        <a:alpha val="90000"/>
+      </a:schemeClr>
+      <a:schemeClr val="accent6">
+        <a:tint val="40000"/>
+        <a:alpha val="90000"/>
+      </a:schemeClr>
+    </dgm:linClrLst>
+    <dgm:effectClrLst/>
+    <dgm:txLinClrLst/>
+    <dgm:txFillClrLst meth="repeat">
+      <a:schemeClr val="dk1"/>
+    </dgm:txFillClrLst>
+    <dgm:txEffectClrLst/>
+  </dgm:styleLbl>
+  <dgm:styleLbl name="alignAccFollowNode1">
+    <dgm:fillClrLst meth="repeat">
+      <a:schemeClr val="accent2">
+        <a:tint val="40000"/>
+        <a:alpha val="90000"/>
+      </a:schemeClr>
+      <a:schemeClr val="accent3">
+        <a:tint val="40000"/>
+        <a:alpha val="90000"/>
+      </a:schemeClr>
+      <a:schemeClr val="accent4">
+        <a:tint val="40000"/>
+        <a:alpha val="90000"/>
+      </a:schemeClr>
+      <a:schemeClr val="accent5">
+        <a:tint val="40000"/>
+        <a:alpha val="90000"/>
+      </a:schemeClr>
+      <a:schemeClr val="accent6">
+        <a:tint val="40000"/>
+        <a:alpha val="90000"/>
+      </a:schemeClr>
+    </dgm:fillClrLst>
+    <dgm:linClrLst meth="repeat">
+      <a:schemeClr val="accent2">
+        <a:tint val="40000"/>
+        <a:alpha val="90000"/>
+      </a:schemeClr>
+      <a:schemeClr val="accent3">
+        <a:tint val="40000"/>
+        <a:alpha val="90000"/>
+      </a:schemeClr>
+      <a:schemeClr val="accent4">
+        <a:tint val="40000"/>
+        <a:alpha val="90000"/>
+      </a:schemeClr>
+      <a:schemeClr val="accent5">
+        <a:tint val="40000"/>
+        <a:alpha val="90000"/>
+      </a:schemeClr>
+      <a:schemeClr val="accent6">
+        <a:tint val="40000"/>
+        <a:alpha val="90000"/>
+      </a:schemeClr>
+    </dgm:linClrLst>
+    <dgm:effectClrLst/>
+    <dgm:txLinClrLst/>
+    <dgm:txFillClrLst meth="repeat">
+      <a:schemeClr val="dk1"/>
+    </dgm:txFillClrLst>
+    <dgm:txEffectClrLst/>
+  </dgm:styleLbl>
+  <dgm:styleLbl name="bgAccFollowNode1">
+    <dgm:fillClrLst meth="repeat">
+      <a:schemeClr val="accent2">
+        <a:tint val="40000"/>
+        <a:alpha val="90000"/>
+      </a:schemeClr>
+      <a:schemeClr val="accent3">
+        <a:tint val="40000"/>
+        <a:alpha val="90000"/>
+      </a:schemeClr>
+      <a:schemeClr val="accent4">
+        <a:tint val="40000"/>
+        <a:alpha val="90000"/>
+      </a:schemeClr>
+      <a:schemeClr val="accent5">
+        <a:tint val="40000"/>
+        <a:alpha val="90000"/>
+      </a:schemeClr>
+      <a:schemeClr val="accent6">
+        <a:tint val="40000"/>
+        <a:alpha val="90000"/>
+      </a:schemeClr>
+    </dgm:fillClrLst>
+    <dgm:linClrLst meth="repeat">
+      <a:schemeClr val="accent2">
+        <a:tint val="40000"/>
+        <a:alpha val="90000"/>
+      </a:schemeClr>
+      <a:schemeClr val="accent3">
+        <a:tint val="40000"/>
+        <a:alpha val="90000"/>
+      </a:schemeClr>
+      <a:schemeClr val="accent4">
+        <a:tint val="40000"/>
+        <a:alpha val="90000"/>
+      </a:schemeClr>
+      <a:schemeClr val="accent5">
+        <a:tint val="40000"/>
+        <a:alpha val="90000"/>
+      </a:schemeClr>
+      <a:schemeClr val="accent6">
+        <a:tint val="40000"/>
+        <a:alpha val="90000"/>
+      </a:schemeClr>
+    </dgm:linClrLst>
+    <dgm:effectClrLst/>
+    <dgm:txLinClrLst/>
+    <dgm:txFillClrLst meth="repeat">
+      <a:schemeClr val="dk1"/>
+    </dgm:txFillClrLst>
+    <dgm:txEffectClrLst/>
+  </dgm:styleLbl>
+  <dgm:styleLbl name="fgAcc0">
+    <dgm:fillClrLst meth="repeat">
+      <a:schemeClr val="lt1">
+        <a:alpha val="90000"/>
+      </a:schemeClr>
+    </dgm:fillClrLst>
+    <dgm:linClrLst>
+      <a:schemeClr val="accent1"/>
+    </dgm:linClrLst>
+    <dgm:effectClrLst/>
+    <dgm:txLinClrLst/>
+    <dgm:txFillClrLst meth="repeat">
+      <a:schemeClr val="dk1"/>
+    </dgm:txFillClrLst>
+    <dgm:txEffectClrLst/>
+  </dgm:styleLbl>
+  <dgm:styleLbl name="fgAcc2">
+    <dgm:fillClrLst meth="repeat">
+      <a:schemeClr val="lt1">
+        <a:alpha val="90000"/>
+      </a:schemeClr>
+    </dgm:fillClrLst>
+    <dgm:linClrLst>
+      <a:schemeClr val="accent2"/>
+    </dgm:linClrLst>
+    <dgm:effectClrLst/>
+    <dgm:txLinClrLst/>
+    <dgm:txFillClrLst meth="repeat">
+      <a:schemeClr val="dk1"/>
+    </dgm:txFillClrLst>
+    <dgm:txEffectClrLst/>
+  </dgm:styleLbl>
+  <dgm:styleLbl name="fgAcc3">
+    <dgm:fillClrLst meth="repeat">
+      <a:schemeClr val="lt1">
+        <a:alpha val="90000"/>
+      </a:schemeClr>
+    </dgm:fillClrLst>
+    <dgm:linClrLst>
+      <a:schemeClr val="accent3"/>
+    </dgm:linClrLst>
+    <dgm:effectClrLst/>
+    <dgm:txLinClrLst/>
+    <dgm:txFillClrLst meth="repeat">
+      <a:schemeClr val="dk1"/>
+    </dgm:txFillClrLst>
+    <dgm:txEffectClrLst/>
+  </dgm:styleLbl>
+  <dgm:styleLbl name="fgAcc4">
+    <dgm:fillClrLst meth="repeat">
+      <a:schemeClr val="lt1">
+        <a:alpha val="90000"/>
+      </a:schemeClr>
+    </dgm:fillClrLst>
+    <dgm:linClrLst>
+      <a:schemeClr val="accent4"/>
+    </dgm:linClrLst>
+    <dgm:effectClrLst/>
+    <dgm:txLinClrLst/>
+    <dgm:txFillClrLst meth="repeat">
+      <a:schemeClr val="dk1"/>
+    </dgm:txFillClrLst>
+    <dgm:txEffectClrLst/>
+  </dgm:styleLbl>
+  <dgm:styleLbl name="bgShp">
+    <dgm:fillClrLst meth="repeat">
+      <a:schemeClr val="accent2">
+        <a:tint val="40000"/>
+      </a:schemeClr>
+    </dgm:fillClrLst>
+    <dgm:linClrLst meth="repeat">
+      <a:schemeClr val="dk1"/>
+    </dgm:linClrLst>
+    <dgm:effectClrLst/>
+    <dgm:txLinClrLst/>
+    <dgm:txFillClrLst meth="repeat">
+      <a:schemeClr val="dk1"/>
+    </dgm:txFillClrLst>
+    <dgm:txEffectClrLst/>
+  </dgm:styleLbl>
+  <dgm:styleLbl name="dkBgShp">
+    <dgm:fillClrLst meth="repeat">
+      <a:schemeClr val="accent2">
+        <a:shade val="90000"/>
+      </a:schemeClr>
+    </dgm:fillClrLst>
+    <dgm:linClrLst meth="repeat">
+      <a:schemeClr val="dk1"/>
+    </dgm:linClrLst>
+    <dgm:effectClrLst/>
+    <dgm:txLinClrLst/>
+    <dgm:txFillClrLst meth="repeat">
+      <a:schemeClr val="lt1"/>
+    </dgm:txFillClrLst>
+    <dgm:txEffectClrLst/>
+  </dgm:styleLbl>
+  <dgm:styleLbl name="trBgShp">
+    <dgm:fillClrLst meth="repeat">
+      <a:schemeClr val="accent1">
+        <a:tint val="50000"/>
+        <a:alpha val="40000"/>
+      </a:schemeClr>
+    </dgm:fillClrLst>
+    <dgm:linClrLst meth="repeat">
+      <a:schemeClr val="accent2"/>
+    </dgm:linClrLst>
+    <dgm:effectClrLst/>
+    <dgm:txLinClrLst/>
+    <dgm:txFillClrLst meth="repeat">
+      <a:schemeClr val="lt1"/>
+    </dgm:txFillClrLst>
+    <dgm:txEffectClrLst/>
+  </dgm:styleLbl>
+  <dgm:styleLbl name="fgShp">
+    <dgm:fillClrLst meth="repeat">
+      <a:schemeClr val="accent2">
+        <a:tint val="40000"/>
+      </a:schemeClr>
+    </dgm:fillClrLst>
+    <dgm:linClrLst meth="repeat">
+      <a:schemeClr val="lt1"/>
+    </dgm:linClrLst>
+    <dgm:effectClrLst/>
+    <dgm:txLinClrLst/>
+    <dgm:txFillClrLst meth="repeat">
+      <a:schemeClr val="dk1"/>
+    </dgm:txFillClrLst>
+    <dgm:txEffectClrLst/>
+  </dgm:styleLbl>
+  <dgm:styleLbl name="revTx">
+    <dgm:fillClrLst meth="repeat">
+      <a:schemeClr val="lt1">
+        <a:alpha val="0"/>
+      </a:schemeClr>
+    </dgm:fillClrLst>
+    <dgm:linClrLst meth="repeat">
+      <a:schemeClr val="dk1">
+        <a:alpha val="0"/>
+      </a:schemeClr>
+    </dgm:linClrLst>
+    <dgm:effectClrLst/>
+    <dgm:txLinClrLst/>
+    <dgm:txFillClrLst meth="repeat">
+      <a:schemeClr val="tx1"/>
+    </dgm:txFillClrLst>
+    <dgm:txEffectClrLst/>
+  </dgm:styleLbl>
+</dgm:colorsDef>
+</file>
+
+<file path=ppt/diagrams/data1.xml><?xml version="1.0" encoding="utf-8"?>
+<dgm:dataModel xmlns:dgm="http://schemas.openxmlformats.org/drawingml/2006/diagram" xmlns:a="http://schemas.openxmlformats.org/drawingml/2006/main">
+  <dgm:ptLst>
+    <dgm:pt modelId="{A2FA15A0-34FA-4933-B1D3-3DFBFEC7EDAB}" type="doc">
+      <dgm:prSet loTypeId="urn:microsoft.com/office/officeart/2005/8/layout/process1" loCatId="process" qsTypeId="urn:microsoft.com/office/officeart/2005/8/quickstyle/simple1" qsCatId="simple" csTypeId="urn:microsoft.com/office/officeart/2005/8/colors/colorful1" csCatId="colorful" phldr="1"/>
+      <dgm:spPr/>
+      <dgm:t>
+        <a:bodyPr/>
+        <a:lstStyle/>
+        <a:p>
+          <a:endParaRPr lang="en-US"/>
+        </a:p>
+      </dgm:t>
+    </dgm:pt>
+    <dgm:pt modelId="{216E2E2E-99F6-4299-8305-AB1CAF32D37F}">
+      <dgm:prSet phldrT="[Text]" custT="1"/>
+      <dgm:spPr/>
+      <dgm:t>
+        <a:bodyPr/>
+        <a:lstStyle/>
+        <a:p>
+          <a:r>
+            <a:rPr kumimoji="0" lang="en-US" sz="2800" b="0" i="0" u="none" strike="noStrike" cap="none" spc="0" normalizeH="0" baseline="0" noProof="0" dirty="0" smtClean="0">
+              <a:ln/>
+              <a:effectLst/>
+              <a:uLnTx/>
+              <a:uFillTx/>
+            </a:rPr>
+            <a:t>Manual inspection of prior semester used to determine “hard” problems</a:t>
+          </a:r>
+          <a:endParaRPr lang="en-US" sz="2800" dirty="0"/>
+        </a:p>
+      </dgm:t>
+    </dgm:pt>
+    <dgm:pt modelId="{FDAAA76C-5013-455B-B0F8-B74F45350911}" type="parTrans" cxnId="{0DD87C4F-7D57-4B54-8E96-A5890EC413D0}">
+      <dgm:prSet/>
+      <dgm:spPr/>
+      <dgm:t>
+        <a:bodyPr/>
+        <a:lstStyle/>
+        <a:p>
+          <a:endParaRPr lang="en-US"/>
+        </a:p>
+      </dgm:t>
+    </dgm:pt>
+    <dgm:pt modelId="{7D83ECB4-3294-4CEE-91D8-F471D79CAC82}" type="sibTrans" cxnId="{0DD87C4F-7D57-4B54-8E96-A5890EC413D0}">
+      <dgm:prSet/>
+      <dgm:spPr/>
+      <dgm:t>
+        <a:bodyPr/>
+        <a:lstStyle/>
+        <a:p>
+          <a:endParaRPr lang="en-US"/>
+        </a:p>
+      </dgm:t>
+    </dgm:pt>
+    <dgm:pt modelId="{FEC35CF5-A5CB-42F9-9D3B-A6FFF9F7E060}">
+      <dgm:prSet custT="1"/>
+      <dgm:spPr/>
+      <dgm:t>
+        <a:bodyPr/>
+        <a:lstStyle/>
+        <a:p>
+          <a:r>
+            <a:rPr kumimoji="0" lang="en-US" sz="2000" b="0" i="0" u="none" strike="noStrike" cap="none" spc="0" normalizeH="0" baseline="0" noProof="0" dirty="0" smtClean="0">
+              <a:ln/>
+              <a:effectLst/>
+              <a:uLnTx/>
+              <a:uFillTx/>
+            </a:rPr>
+            <a:t>“Hard” problems were those that took most students more than 20 edits to complete</a:t>
+          </a:r>
+          <a:endParaRPr kumimoji="0" lang="en-US" sz="2000" b="0" i="0" u="none" strike="noStrike" cap="none" spc="0" normalizeH="0" baseline="0" noProof="0" dirty="0">
+            <a:ln/>
+            <a:effectLst/>
+            <a:uLnTx/>
+            <a:uFillTx/>
+          </a:endParaRPr>
+        </a:p>
+      </dgm:t>
+    </dgm:pt>
+    <dgm:pt modelId="{33A38DC1-1B2B-4A82-BDD1-040D45954DC2}" type="parTrans" cxnId="{E95A78CC-3B7B-4DCA-825D-83CB6D623ADF}">
+      <dgm:prSet/>
+      <dgm:spPr/>
+      <dgm:t>
+        <a:bodyPr/>
+        <a:lstStyle/>
+        <a:p>
+          <a:endParaRPr lang="en-US"/>
+        </a:p>
+      </dgm:t>
+    </dgm:pt>
+    <dgm:pt modelId="{14395F03-99A0-4232-8A0A-529B500DECBF}" type="sibTrans" cxnId="{E95A78CC-3B7B-4DCA-825D-83CB6D623ADF}">
+      <dgm:prSet/>
+      <dgm:spPr/>
+      <dgm:t>
+        <a:bodyPr/>
+        <a:lstStyle/>
+        <a:p>
+          <a:endParaRPr lang="en-US"/>
+        </a:p>
+      </dgm:t>
+    </dgm:pt>
+    <dgm:pt modelId="{CF460BEC-70BA-44D1-9010-758D2AD1190C}">
+      <dgm:prSet custT="1"/>
+      <dgm:spPr/>
+      <dgm:t>
+        <a:bodyPr/>
+        <a:lstStyle/>
+        <a:p>
+          <a:r>
+            <a:rPr kumimoji="0" lang="en-US" sz="2800" b="0" i="0" u="none" strike="noStrike" cap="none" spc="0" normalizeH="0" baseline="0" noProof="0" dirty="0" smtClean="0">
+              <a:ln/>
+              <a:effectLst/>
+              <a:uLnTx/>
+              <a:uFillTx/>
+            </a:rPr>
+            <a:t>Worked examples developed for the 8 hardest problems to help students </a:t>
+          </a:r>
+        </a:p>
+      </dgm:t>
+    </dgm:pt>
+    <dgm:pt modelId="{40A070AB-F842-4CD2-A3B0-254F01414B6D}" type="parTrans" cxnId="{CDFF015D-5A15-4362-9444-7F2765BE2DC7}">
+      <dgm:prSet/>
+      <dgm:spPr/>
+      <dgm:t>
+        <a:bodyPr/>
+        <a:lstStyle/>
+        <a:p>
+          <a:endParaRPr lang="en-US"/>
+        </a:p>
+      </dgm:t>
+    </dgm:pt>
+    <dgm:pt modelId="{2A9A1935-56FC-4DC5-BF83-10BEB00C59E4}" type="sibTrans" cxnId="{CDFF015D-5A15-4362-9444-7F2765BE2DC7}">
+      <dgm:prSet/>
+      <dgm:spPr/>
+      <dgm:t>
+        <a:bodyPr/>
+        <a:lstStyle/>
+        <a:p>
+          <a:endParaRPr lang="en-US"/>
+        </a:p>
+      </dgm:t>
+    </dgm:pt>
+    <dgm:pt modelId="{E3C9E231-0AFA-4085-85BC-4B00EC17FC66}">
+      <dgm:prSet custT="1"/>
+      <dgm:spPr>
+        <a:solidFill>
+          <a:srgbClr val="9DC3E6"/>
+        </a:solidFill>
+      </dgm:spPr>
+      <dgm:t>
+        <a:bodyPr/>
+        <a:lstStyle/>
+        <a:p>
+          <a:r>
+            <a:rPr lang="en-US" sz="2800" dirty="0" smtClean="0"/>
+            <a:t>Links to relevant worked example provide on targeted problems</a:t>
+          </a:r>
+          <a:endParaRPr kumimoji="0" lang="en-US" sz="2800" b="0" i="0" u="none" strike="noStrike" cap="none" spc="0" normalizeH="0" baseline="0" noProof="0" dirty="0" smtClean="0">
+            <a:ln/>
+            <a:effectLst/>
+            <a:uLnTx/>
+            <a:uFillTx/>
+          </a:endParaRPr>
+        </a:p>
+      </dgm:t>
+    </dgm:pt>
+    <dgm:pt modelId="{4B3AC0BA-7DC7-4562-90C4-D7C0152794A8}" type="parTrans" cxnId="{4B7E4814-7657-4EF0-BA84-5D06E154D237}">
+      <dgm:prSet/>
+      <dgm:spPr/>
+      <dgm:t>
+        <a:bodyPr/>
+        <a:lstStyle/>
+        <a:p>
+          <a:endParaRPr lang="en-US"/>
+        </a:p>
+      </dgm:t>
+    </dgm:pt>
+    <dgm:pt modelId="{AF06F404-4D59-4F5C-AFBE-B64DEB34819C}" type="sibTrans" cxnId="{4B7E4814-7657-4EF0-BA84-5D06E154D237}">
+      <dgm:prSet/>
+      <dgm:spPr>
+        <a:solidFill>
+          <a:srgbClr val="9DC3E6"/>
+        </a:solidFill>
+      </dgm:spPr>
+      <dgm:t>
+        <a:bodyPr/>
+        <a:lstStyle/>
+        <a:p>
+          <a:endParaRPr lang="en-US"/>
+        </a:p>
+      </dgm:t>
+    </dgm:pt>
+    <dgm:pt modelId="{96A88FCE-D286-434A-B6C0-22F943261FC6}">
+      <dgm:prSet custT="1"/>
+      <dgm:spPr/>
+      <dgm:t>
+        <a:bodyPr/>
+        <a:lstStyle/>
+        <a:p>
+          <a:r>
+            <a:rPr lang="en-US" sz="2800" dirty="0" smtClean="0"/>
+            <a:t>Performance and usage data collected for problems with worked examples</a:t>
+          </a:r>
+          <a:endParaRPr lang="en-US" sz="2800" dirty="0"/>
+        </a:p>
+      </dgm:t>
+    </dgm:pt>
+    <dgm:pt modelId="{9B3DA30F-3A12-4911-A786-9ED5881C2721}" type="parTrans" cxnId="{957A3D57-3635-4B2D-86EF-544C67672D16}">
+      <dgm:prSet/>
+      <dgm:spPr/>
+      <dgm:t>
+        <a:bodyPr/>
+        <a:lstStyle/>
+        <a:p>
+          <a:endParaRPr lang="en-US"/>
+        </a:p>
+      </dgm:t>
+    </dgm:pt>
+    <dgm:pt modelId="{1AB8D0AB-A054-407F-9FD4-C0660F7A1BCE}" type="sibTrans" cxnId="{957A3D57-3635-4B2D-86EF-544C67672D16}">
+      <dgm:prSet/>
+      <dgm:spPr/>
+      <dgm:t>
+        <a:bodyPr/>
+        <a:lstStyle/>
+        <a:p>
+          <a:endParaRPr lang="en-US"/>
+        </a:p>
+      </dgm:t>
+    </dgm:pt>
+    <dgm:pt modelId="{82A116FE-309C-4B42-814D-35D0B709C7CB}" type="pres">
+      <dgm:prSet presAssocID="{A2FA15A0-34FA-4933-B1D3-3DFBFEC7EDAB}" presName="Name0" presStyleCnt="0">
+        <dgm:presLayoutVars>
+          <dgm:dir/>
+          <dgm:resizeHandles val="exact"/>
+        </dgm:presLayoutVars>
+      </dgm:prSet>
+      <dgm:spPr/>
+      <dgm:t>
+        <a:bodyPr/>
+        <a:lstStyle/>
+        <a:p>
+          <a:endParaRPr lang="en-US"/>
+        </a:p>
+      </dgm:t>
+    </dgm:pt>
+    <dgm:pt modelId="{31B5AB8B-4633-4337-A449-D9EB44FE2E4E}" type="pres">
+      <dgm:prSet presAssocID="{216E2E2E-99F6-4299-8305-AB1CAF32D37F}" presName="node" presStyleLbl="node1" presStyleIdx="0" presStyleCnt="4">
+        <dgm:presLayoutVars>
+          <dgm:bulletEnabled val="1"/>
+        </dgm:presLayoutVars>
+      </dgm:prSet>
+      <dgm:spPr/>
+      <dgm:t>
+        <a:bodyPr/>
+        <a:lstStyle/>
+        <a:p>
+          <a:endParaRPr lang="en-US"/>
+        </a:p>
+      </dgm:t>
+    </dgm:pt>
+    <dgm:pt modelId="{AB1D93CB-CD41-465C-B55C-7B35181D9934}" type="pres">
+      <dgm:prSet presAssocID="{7D83ECB4-3294-4CEE-91D8-F471D79CAC82}" presName="sibTrans" presStyleLbl="sibTrans2D1" presStyleIdx="0" presStyleCnt="3"/>
+      <dgm:spPr/>
+      <dgm:t>
+        <a:bodyPr/>
+        <a:lstStyle/>
+        <a:p>
+          <a:endParaRPr lang="en-US"/>
+        </a:p>
+      </dgm:t>
+    </dgm:pt>
+    <dgm:pt modelId="{4407706D-C126-4D24-B6B0-212995FFB281}" type="pres">
+      <dgm:prSet presAssocID="{7D83ECB4-3294-4CEE-91D8-F471D79CAC82}" presName="connectorText" presStyleLbl="sibTrans2D1" presStyleIdx="0" presStyleCnt="3"/>
+      <dgm:spPr/>
+      <dgm:t>
+        <a:bodyPr/>
+        <a:lstStyle/>
+        <a:p>
+          <a:endParaRPr lang="en-US"/>
+        </a:p>
+      </dgm:t>
+    </dgm:pt>
+    <dgm:pt modelId="{4F287CB1-CF9B-42FE-BA2C-D187A694FBCF}" type="pres">
+      <dgm:prSet presAssocID="{CF460BEC-70BA-44D1-9010-758D2AD1190C}" presName="node" presStyleLbl="node1" presStyleIdx="1" presStyleCnt="4">
+        <dgm:presLayoutVars>
+          <dgm:bulletEnabled val="1"/>
+        </dgm:presLayoutVars>
+      </dgm:prSet>
+      <dgm:spPr/>
+      <dgm:t>
+        <a:bodyPr/>
+        <a:lstStyle/>
+        <a:p>
+          <a:endParaRPr lang="en-US"/>
+        </a:p>
+      </dgm:t>
+    </dgm:pt>
+    <dgm:pt modelId="{FFC23FD0-62F0-4E2D-8DB0-0B86CBA02E98}" type="pres">
+      <dgm:prSet presAssocID="{2A9A1935-56FC-4DC5-BF83-10BEB00C59E4}" presName="sibTrans" presStyleLbl="sibTrans2D1" presStyleIdx="1" presStyleCnt="3"/>
+      <dgm:spPr/>
+      <dgm:t>
+        <a:bodyPr/>
+        <a:lstStyle/>
+        <a:p>
+          <a:endParaRPr lang="en-US"/>
+        </a:p>
+      </dgm:t>
+    </dgm:pt>
+    <dgm:pt modelId="{D68139DB-4209-42A6-80E6-D5DC36EFD136}" type="pres">
+      <dgm:prSet presAssocID="{2A9A1935-56FC-4DC5-BF83-10BEB00C59E4}" presName="connectorText" presStyleLbl="sibTrans2D1" presStyleIdx="1" presStyleCnt="3"/>
+      <dgm:spPr/>
+      <dgm:t>
+        <a:bodyPr/>
+        <a:lstStyle/>
+        <a:p>
+          <a:endParaRPr lang="en-US"/>
+        </a:p>
+      </dgm:t>
+    </dgm:pt>
+    <dgm:pt modelId="{5ADED0C6-A197-44F5-B110-DBE80B9442D5}" type="pres">
+      <dgm:prSet presAssocID="{E3C9E231-0AFA-4085-85BC-4B00EC17FC66}" presName="node" presStyleLbl="node1" presStyleIdx="2" presStyleCnt="4">
+        <dgm:presLayoutVars>
+          <dgm:bulletEnabled val="1"/>
+        </dgm:presLayoutVars>
+      </dgm:prSet>
+      <dgm:spPr/>
+      <dgm:t>
+        <a:bodyPr/>
+        <a:lstStyle/>
+        <a:p>
+          <a:endParaRPr lang="en-US"/>
+        </a:p>
+      </dgm:t>
+    </dgm:pt>
+    <dgm:pt modelId="{3F659EEB-4936-4CF7-BC07-C678A90060D3}" type="pres">
+      <dgm:prSet presAssocID="{AF06F404-4D59-4F5C-AFBE-B64DEB34819C}" presName="sibTrans" presStyleLbl="sibTrans2D1" presStyleIdx="2" presStyleCnt="3"/>
+      <dgm:spPr/>
+      <dgm:t>
+        <a:bodyPr/>
+        <a:lstStyle/>
+        <a:p>
+          <a:endParaRPr lang="en-US"/>
+        </a:p>
+      </dgm:t>
+    </dgm:pt>
+    <dgm:pt modelId="{3066C7A5-EB97-424C-B988-6A72BF78AE05}" type="pres">
+      <dgm:prSet presAssocID="{AF06F404-4D59-4F5C-AFBE-B64DEB34819C}" presName="connectorText" presStyleLbl="sibTrans2D1" presStyleIdx="2" presStyleCnt="3"/>
+      <dgm:spPr/>
+      <dgm:t>
+        <a:bodyPr/>
+        <a:lstStyle/>
+        <a:p>
+          <a:endParaRPr lang="en-US"/>
+        </a:p>
+      </dgm:t>
+    </dgm:pt>
+    <dgm:pt modelId="{CBF7EBAE-6EBE-44FD-9A36-8024741F79F7}" type="pres">
+      <dgm:prSet presAssocID="{96A88FCE-D286-434A-B6C0-22F943261FC6}" presName="node" presStyleLbl="node1" presStyleIdx="3" presStyleCnt="4">
+        <dgm:presLayoutVars>
+          <dgm:bulletEnabled val="1"/>
+        </dgm:presLayoutVars>
+      </dgm:prSet>
+      <dgm:spPr/>
+      <dgm:t>
+        <a:bodyPr/>
+        <a:lstStyle/>
+        <a:p>
+          <a:endParaRPr lang="en-US"/>
+        </a:p>
+      </dgm:t>
+    </dgm:pt>
+  </dgm:ptLst>
+  <dgm:cxnLst>
+    <dgm:cxn modelId="{85B2EF9B-51C1-4A5A-8A27-C0DB53C4A6BB}" type="presOf" srcId="{AF06F404-4D59-4F5C-AFBE-B64DEB34819C}" destId="{3F659EEB-4936-4CF7-BC07-C678A90060D3}" srcOrd="0" destOrd="0" presId="urn:microsoft.com/office/officeart/2005/8/layout/process1"/>
+    <dgm:cxn modelId="{C80A67DF-D9CC-499C-BB9C-0488DA1CD6DA}" type="presOf" srcId="{7D83ECB4-3294-4CEE-91D8-F471D79CAC82}" destId="{AB1D93CB-CD41-465C-B55C-7B35181D9934}" srcOrd="0" destOrd="0" presId="urn:microsoft.com/office/officeart/2005/8/layout/process1"/>
+    <dgm:cxn modelId="{846AD13E-41BC-46A3-A026-A88B4FF6D932}" type="presOf" srcId="{E3C9E231-0AFA-4085-85BC-4B00EC17FC66}" destId="{5ADED0C6-A197-44F5-B110-DBE80B9442D5}" srcOrd="0" destOrd="0" presId="urn:microsoft.com/office/officeart/2005/8/layout/process1"/>
+    <dgm:cxn modelId="{4B7E4814-7657-4EF0-BA84-5D06E154D237}" srcId="{A2FA15A0-34FA-4933-B1D3-3DFBFEC7EDAB}" destId="{E3C9E231-0AFA-4085-85BC-4B00EC17FC66}" srcOrd="2" destOrd="0" parTransId="{4B3AC0BA-7DC7-4562-90C4-D7C0152794A8}" sibTransId="{AF06F404-4D59-4F5C-AFBE-B64DEB34819C}"/>
+    <dgm:cxn modelId="{E95A78CC-3B7B-4DCA-825D-83CB6D623ADF}" srcId="{216E2E2E-99F6-4299-8305-AB1CAF32D37F}" destId="{FEC35CF5-A5CB-42F9-9D3B-A6FFF9F7E060}" srcOrd="0" destOrd="0" parTransId="{33A38DC1-1B2B-4A82-BDD1-040D45954DC2}" sibTransId="{14395F03-99A0-4232-8A0A-529B500DECBF}"/>
+    <dgm:cxn modelId="{957A3D57-3635-4B2D-86EF-544C67672D16}" srcId="{A2FA15A0-34FA-4933-B1D3-3DFBFEC7EDAB}" destId="{96A88FCE-D286-434A-B6C0-22F943261FC6}" srcOrd="3" destOrd="0" parTransId="{9B3DA30F-3A12-4911-A786-9ED5881C2721}" sibTransId="{1AB8D0AB-A054-407F-9FD4-C0660F7A1BCE}"/>
+    <dgm:cxn modelId="{1F63FC3E-BCA2-4147-BF15-F371071CC48B}" type="presOf" srcId="{7D83ECB4-3294-4CEE-91D8-F471D79CAC82}" destId="{4407706D-C126-4D24-B6B0-212995FFB281}" srcOrd="1" destOrd="0" presId="urn:microsoft.com/office/officeart/2005/8/layout/process1"/>
+    <dgm:cxn modelId="{477D232B-0C19-4093-B635-7C536E6ED76A}" type="presOf" srcId="{FEC35CF5-A5CB-42F9-9D3B-A6FFF9F7E060}" destId="{31B5AB8B-4633-4337-A449-D9EB44FE2E4E}" srcOrd="0" destOrd="1" presId="urn:microsoft.com/office/officeart/2005/8/layout/process1"/>
+    <dgm:cxn modelId="{D161391C-E31B-4B5F-96B7-0A7E002BFD38}" type="presOf" srcId="{A2FA15A0-34FA-4933-B1D3-3DFBFEC7EDAB}" destId="{82A116FE-309C-4B42-814D-35D0B709C7CB}" srcOrd="0" destOrd="0" presId="urn:microsoft.com/office/officeart/2005/8/layout/process1"/>
+    <dgm:cxn modelId="{0C504BD3-64CC-4F41-8F0E-01A8AADC0FD7}" type="presOf" srcId="{2A9A1935-56FC-4DC5-BF83-10BEB00C59E4}" destId="{FFC23FD0-62F0-4E2D-8DB0-0B86CBA02E98}" srcOrd="0" destOrd="0" presId="urn:microsoft.com/office/officeart/2005/8/layout/process1"/>
+    <dgm:cxn modelId="{BFD6F823-B500-44B9-BCC7-2EFCB34558BB}" type="presOf" srcId="{CF460BEC-70BA-44D1-9010-758D2AD1190C}" destId="{4F287CB1-CF9B-42FE-BA2C-D187A694FBCF}" srcOrd="0" destOrd="0" presId="urn:microsoft.com/office/officeart/2005/8/layout/process1"/>
+    <dgm:cxn modelId="{CDFF015D-5A15-4362-9444-7F2765BE2DC7}" srcId="{A2FA15A0-34FA-4933-B1D3-3DFBFEC7EDAB}" destId="{CF460BEC-70BA-44D1-9010-758D2AD1190C}" srcOrd="1" destOrd="0" parTransId="{40A070AB-F842-4CD2-A3B0-254F01414B6D}" sibTransId="{2A9A1935-56FC-4DC5-BF83-10BEB00C59E4}"/>
+    <dgm:cxn modelId="{799DC658-535C-4E44-B77C-A9F1F869B31D}" type="presOf" srcId="{2A9A1935-56FC-4DC5-BF83-10BEB00C59E4}" destId="{D68139DB-4209-42A6-80E6-D5DC36EFD136}" srcOrd="1" destOrd="0" presId="urn:microsoft.com/office/officeart/2005/8/layout/process1"/>
+    <dgm:cxn modelId="{62EEB83E-7461-46D1-9F5E-3C5F368D9F4D}" type="presOf" srcId="{96A88FCE-D286-434A-B6C0-22F943261FC6}" destId="{CBF7EBAE-6EBE-44FD-9A36-8024741F79F7}" srcOrd="0" destOrd="0" presId="urn:microsoft.com/office/officeart/2005/8/layout/process1"/>
+    <dgm:cxn modelId="{0DD87C4F-7D57-4B54-8E96-A5890EC413D0}" srcId="{A2FA15A0-34FA-4933-B1D3-3DFBFEC7EDAB}" destId="{216E2E2E-99F6-4299-8305-AB1CAF32D37F}" srcOrd="0" destOrd="0" parTransId="{FDAAA76C-5013-455B-B0F8-B74F45350911}" sibTransId="{7D83ECB4-3294-4CEE-91D8-F471D79CAC82}"/>
+    <dgm:cxn modelId="{B69DBB3C-870E-4AE2-BB32-AC1D88815D8E}" type="presOf" srcId="{216E2E2E-99F6-4299-8305-AB1CAF32D37F}" destId="{31B5AB8B-4633-4337-A449-D9EB44FE2E4E}" srcOrd="0" destOrd="0" presId="urn:microsoft.com/office/officeart/2005/8/layout/process1"/>
+    <dgm:cxn modelId="{E2EE74EF-1CBF-4C1E-B618-77C0FABE3205}" type="presOf" srcId="{AF06F404-4D59-4F5C-AFBE-B64DEB34819C}" destId="{3066C7A5-EB97-424C-B988-6A72BF78AE05}" srcOrd="1" destOrd="0" presId="urn:microsoft.com/office/officeart/2005/8/layout/process1"/>
+    <dgm:cxn modelId="{BAA4D2B9-7ED8-4E81-9A8F-608E0F579C26}" type="presParOf" srcId="{82A116FE-309C-4B42-814D-35D0B709C7CB}" destId="{31B5AB8B-4633-4337-A449-D9EB44FE2E4E}" srcOrd="0" destOrd="0" presId="urn:microsoft.com/office/officeart/2005/8/layout/process1"/>
+    <dgm:cxn modelId="{2156C161-0957-44B3-9CEF-8E3A5638B57E}" type="presParOf" srcId="{82A116FE-309C-4B42-814D-35D0B709C7CB}" destId="{AB1D93CB-CD41-465C-B55C-7B35181D9934}" srcOrd="1" destOrd="0" presId="urn:microsoft.com/office/officeart/2005/8/layout/process1"/>
+    <dgm:cxn modelId="{9E42A847-FF2A-496D-BE8F-FD63DA70024D}" type="presParOf" srcId="{AB1D93CB-CD41-465C-B55C-7B35181D9934}" destId="{4407706D-C126-4D24-B6B0-212995FFB281}" srcOrd="0" destOrd="0" presId="urn:microsoft.com/office/officeart/2005/8/layout/process1"/>
+    <dgm:cxn modelId="{1BF1BCFF-9F1E-433F-9776-88A2D3BAD0E8}" type="presParOf" srcId="{82A116FE-309C-4B42-814D-35D0B709C7CB}" destId="{4F287CB1-CF9B-42FE-BA2C-D187A694FBCF}" srcOrd="2" destOrd="0" presId="urn:microsoft.com/office/officeart/2005/8/layout/process1"/>
+    <dgm:cxn modelId="{6E0F4A8E-75A6-4663-8C06-A350F900DDC5}" type="presParOf" srcId="{82A116FE-309C-4B42-814D-35D0B709C7CB}" destId="{FFC23FD0-62F0-4E2D-8DB0-0B86CBA02E98}" srcOrd="3" destOrd="0" presId="urn:microsoft.com/office/officeart/2005/8/layout/process1"/>
+    <dgm:cxn modelId="{75E7A97A-F2B9-459A-B566-9C4F33A61307}" type="presParOf" srcId="{FFC23FD0-62F0-4E2D-8DB0-0B86CBA02E98}" destId="{D68139DB-4209-42A6-80E6-D5DC36EFD136}" srcOrd="0" destOrd="0" presId="urn:microsoft.com/office/officeart/2005/8/layout/process1"/>
+    <dgm:cxn modelId="{E0E38BDC-1E5F-450C-8ACF-CFDDEE330CFD}" type="presParOf" srcId="{82A116FE-309C-4B42-814D-35D0B709C7CB}" destId="{5ADED0C6-A197-44F5-B110-DBE80B9442D5}" srcOrd="4" destOrd="0" presId="urn:microsoft.com/office/officeart/2005/8/layout/process1"/>
+    <dgm:cxn modelId="{6D6FDB44-FE05-4C5E-965C-A8CA4381BE00}" type="presParOf" srcId="{82A116FE-309C-4B42-814D-35D0B709C7CB}" destId="{3F659EEB-4936-4CF7-BC07-C678A90060D3}" srcOrd="5" destOrd="0" presId="urn:microsoft.com/office/officeart/2005/8/layout/process1"/>
+    <dgm:cxn modelId="{D2F91ED9-663C-42EC-ABB4-110584D0DDD6}" type="presParOf" srcId="{3F659EEB-4936-4CF7-BC07-C678A90060D3}" destId="{3066C7A5-EB97-424C-B988-6A72BF78AE05}" srcOrd="0" destOrd="0" presId="urn:microsoft.com/office/officeart/2005/8/layout/process1"/>
+    <dgm:cxn modelId="{B5929912-6B56-4E98-88D4-5AF4A6C9F83C}" type="presParOf" srcId="{82A116FE-309C-4B42-814D-35D0B709C7CB}" destId="{CBF7EBAE-6EBE-44FD-9A36-8024741F79F7}" srcOrd="6" destOrd="0" presId="urn:microsoft.com/office/officeart/2005/8/layout/process1"/>
+  </dgm:cxnLst>
+  <dgm:bg>
+    <a:solidFill>
+      <a:schemeClr val="accent4">
+        <a:lumMod val="60000"/>
+        <a:lumOff val="40000"/>
+      </a:schemeClr>
+    </a:solidFill>
+  </dgm:bg>
+  <dgm:whole/>
+  <dgm:extLst>
+    <a:ext uri="http://schemas.microsoft.com/office/drawing/2008/diagram">
+      <dsp:dataModelExt xmlns:dsp="http://schemas.microsoft.com/office/drawing/2008/diagram" relId="rId7" minVer="http://schemas.openxmlformats.org/drawingml/2006/diagram"/>
+    </a:ext>
+  </dgm:extLst>
+</dgm:dataModel>
+</file>
+
+<file path=ppt/diagrams/drawing1.xml><?xml version="1.0" encoding="utf-8"?>
+<dsp:drawing xmlns:dgm="http://schemas.openxmlformats.org/drawingml/2006/diagram" xmlns:dsp="http://schemas.microsoft.com/office/drawing/2008/diagram" xmlns:a="http://schemas.openxmlformats.org/drawingml/2006/main">
+  <dsp:spTree>
+    <dsp:nvGrpSpPr>
+      <dsp:cNvPr id="0" name=""/>
+      <dsp:cNvGrpSpPr/>
+    </dsp:nvGrpSpPr>
+    <dsp:grpSpPr/>
+    <dsp:sp modelId="{31B5AB8B-4633-4337-A449-D9EB44FE2E4E}">
+      <dsp:nvSpPr>
+        <dsp:cNvPr id="0" name=""/>
+        <dsp:cNvSpPr/>
+      </dsp:nvSpPr>
+      <dsp:spPr>
+        <a:xfrm>
+          <a:off x="7159" y="1504806"/>
+          <a:ext cx="3130221" cy="3286732"/>
+        </a:xfrm>
+        <a:prstGeom prst="roundRect">
+          <a:avLst>
+            <a:gd name="adj" fmla="val 10000"/>
+          </a:avLst>
+        </a:prstGeom>
+        <a:solidFill>
+          <a:schemeClr val="accent2">
+            <a:hueOff val="0"/>
+            <a:satOff val="0"/>
+            <a:lumOff val="0"/>
+            <a:alphaOff val="0"/>
+          </a:schemeClr>
+        </a:solidFill>
+        <a:ln w="12700" cap="flat" cmpd="sng" algn="ctr">
+          <a:solidFill>
+            <a:schemeClr val="lt1">
+              <a:hueOff val="0"/>
+              <a:satOff val="0"/>
+              <a:lumOff val="0"/>
+              <a:alphaOff val="0"/>
+            </a:schemeClr>
+          </a:solidFill>
+          <a:prstDash val="solid"/>
+          <a:miter lim="800000"/>
+        </a:ln>
+        <a:effectLst/>
+      </dsp:spPr>
+      <dsp:style>
+        <a:lnRef idx="2">
+          <a:scrgbClr r="0" g="0" b="0"/>
+        </a:lnRef>
+        <a:fillRef idx="1">
+          <a:scrgbClr r="0" g="0" b="0"/>
+        </a:fillRef>
+        <a:effectRef idx="0">
+          <a:scrgbClr r="0" g="0" b="0"/>
+        </a:effectRef>
+        <a:fontRef idx="minor">
+          <a:schemeClr val="lt1"/>
+        </a:fontRef>
+      </dsp:style>
+      <dsp:txBody>
+        <a:bodyPr spcFirstLastPara="0" vert="horz" wrap="square" lIns="106680" tIns="106680" rIns="106680" bIns="106680" numCol="1" spcCol="1270" anchor="t" anchorCtr="0">
+          <a:noAutofit/>
+        </a:bodyPr>
+        <a:lstStyle/>
+        <a:p>
+          <a:pPr lvl="0" algn="l" defTabSz="1244600">
+            <a:lnSpc>
+              <a:spcPct val="90000"/>
+            </a:lnSpc>
+            <a:spcBef>
+              <a:spcPct val="0"/>
+            </a:spcBef>
+            <a:spcAft>
+              <a:spcPct val="35000"/>
+            </a:spcAft>
+          </a:pPr>
+          <a:r>
+            <a:rPr kumimoji="0" lang="en-US" sz="2800" b="0" i="0" u="none" strike="noStrike" kern="1200" cap="none" spc="0" normalizeH="0" baseline="0" noProof="0" dirty="0" smtClean="0">
+              <a:ln/>
+              <a:effectLst/>
+              <a:uLnTx/>
+              <a:uFillTx/>
+            </a:rPr>
+            <a:t>Manual inspection of prior semester used to determine “hard” problems</a:t>
+          </a:r>
+          <a:endParaRPr lang="en-US" sz="2800" kern="1200" dirty="0"/>
+        </a:p>
+        <a:p>
+          <a:pPr marL="228600" lvl="1" indent="-228600" algn="l" defTabSz="889000">
+            <a:lnSpc>
+              <a:spcPct val="90000"/>
+            </a:lnSpc>
+            <a:spcBef>
+              <a:spcPct val="0"/>
+            </a:spcBef>
+            <a:spcAft>
+              <a:spcPct val="15000"/>
+            </a:spcAft>
+            <a:buChar char="••"/>
+          </a:pPr>
+          <a:r>
+            <a:rPr kumimoji="0" lang="en-US" sz="2000" b="0" i="0" u="none" strike="noStrike" kern="1200" cap="none" spc="0" normalizeH="0" baseline="0" noProof="0" dirty="0" smtClean="0">
+              <a:ln/>
+              <a:effectLst/>
+              <a:uLnTx/>
+              <a:uFillTx/>
+            </a:rPr>
+            <a:t>“Hard” problems were those that took most students more than 20 edits to complete</a:t>
+          </a:r>
+          <a:endParaRPr kumimoji="0" lang="en-US" sz="2000" b="0" i="0" u="none" strike="noStrike" kern="1200" cap="none" spc="0" normalizeH="0" baseline="0" noProof="0" dirty="0">
+            <a:ln/>
+            <a:effectLst/>
+            <a:uLnTx/>
+            <a:uFillTx/>
+          </a:endParaRPr>
+        </a:p>
+      </dsp:txBody>
+      <dsp:txXfrm>
+        <a:off x="98840" y="1596487"/>
+        <a:ext cx="2946859" cy="3103370"/>
+      </dsp:txXfrm>
+    </dsp:sp>
+    <dsp:sp modelId="{AB1D93CB-CD41-465C-B55C-7B35181D9934}">
+      <dsp:nvSpPr>
+        <dsp:cNvPr id="0" name=""/>
+        <dsp:cNvSpPr/>
+      </dsp:nvSpPr>
+      <dsp:spPr>
+        <a:xfrm>
+          <a:off x="3450403" y="2760025"/>
+          <a:ext cx="663606" cy="776294"/>
+        </a:xfrm>
+        <a:prstGeom prst="rightArrow">
+          <a:avLst>
+            <a:gd name="adj1" fmla="val 60000"/>
+            <a:gd name="adj2" fmla="val 50000"/>
+          </a:avLst>
+        </a:prstGeom>
+        <a:solidFill>
+          <a:schemeClr val="accent2">
+            <a:hueOff val="0"/>
+            <a:satOff val="0"/>
+            <a:lumOff val="0"/>
+            <a:alphaOff val="0"/>
+          </a:schemeClr>
+        </a:solidFill>
+        <a:ln>
+          <a:noFill/>
+        </a:ln>
+        <a:effectLst/>
+      </dsp:spPr>
+      <dsp:style>
+        <a:lnRef idx="0">
+          <a:scrgbClr r="0" g="0" b="0"/>
+        </a:lnRef>
+        <a:fillRef idx="1">
+          <a:scrgbClr r="0" g="0" b="0"/>
+        </a:fillRef>
+        <a:effectRef idx="0">
+          <a:scrgbClr r="0" g="0" b="0"/>
+        </a:effectRef>
+        <a:fontRef idx="minor">
+          <a:schemeClr val="lt1"/>
+        </a:fontRef>
+      </dsp:style>
+      <dsp:txBody>
+        <a:bodyPr spcFirstLastPara="0" vert="horz" wrap="square" lIns="0" tIns="0" rIns="0" bIns="0" numCol="1" spcCol="1270" anchor="ctr" anchorCtr="0">
+          <a:noAutofit/>
+        </a:bodyPr>
+        <a:lstStyle/>
+        <a:p>
+          <a:pPr lvl="0" algn="ctr" defTabSz="1466850">
+            <a:lnSpc>
+              <a:spcPct val="90000"/>
+            </a:lnSpc>
+            <a:spcBef>
+              <a:spcPct val="0"/>
+            </a:spcBef>
+            <a:spcAft>
+              <a:spcPct val="35000"/>
+            </a:spcAft>
+          </a:pPr>
+          <a:endParaRPr lang="en-US" sz="3300" kern="1200"/>
+        </a:p>
+      </dsp:txBody>
+      <dsp:txXfrm>
+        <a:off x="3450403" y="2915284"/>
+        <a:ext cx="464524" cy="465776"/>
+      </dsp:txXfrm>
+    </dsp:sp>
+    <dsp:sp modelId="{4F287CB1-CF9B-42FE-BA2C-D187A694FBCF}">
+      <dsp:nvSpPr>
+        <dsp:cNvPr id="0" name=""/>
+        <dsp:cNvSpPr/>
+      </dsp:nvSpPr>
+      <dsp:spPr>
+        <a:xfrm>
+          <a:off x="4389469" y="1504806"/>
+          <a:ext cx="3130221" cy="3286732"/>
+        </a:xfrm>
+        <a:prstGeom prst="roundRect">
+          <a:avLst>
+            <a:gd name="adj" fmla="val 10000"/>
+          </a:avLst>
+        </a:prstGeom>
+        <a:solidFill>
+          <a:schemeClr val="accent3">
+            <a:hueOff val="0"/>
+            <a:satOff val="0"/>
+            <a:lumOff val="0"/>
+            <a:alphaOff val="0"/>
+          </a:schemeClr>
+        </a:solidFill>
+        <a:ln w="12700" cap="flat" cmpd="sng" algn="ctr">
+          <a:solidFill>
+            <a:schemeClr val="lt1">
+              <a:hueOff val="0"/>
+              <a:satOff val="0"/>
+              <a:lumOff val="0"/>
+              <a:alphaOff val="0"/>
+            </a:schemeClr>
+          </a:solidFill>
+          <a:prstDash val="solid"/>
+          <a:miter lim="800000"/>
+        </a:ln>
+        <a:effectLst/>
+      </dsp:spPr>
+      <dsp:style>
+        <a:lnRef idx="2">
+          <a:scrgbClr r="0" g="0" b="0"/>
+        </a:lnRef>
+        <a:fillRef idx="1">
+          <a:scrgbClr r="0" g="0" b="0"/>
+        </a:fillRef>
+        <a:effectRef idx="0">
+          <a:scrgbClr r="0" g="0" b="0"/>
+        </a:effectRef>
+        <a:fontRef idx="minor">
+          <a:schemeClr val="lt1"/>
+        </a:fontRef>
+      </dsp:style>
+      <dsp:txBody>
+        <a:bodyPr spcFirstLastPara="0" vert="horz" wrap="square" lIns="106680" tIns="106680" rIns="106680" bIns="106680" numCol="1" spcCol="1270" anchor="ctr" anchorCtr="0">
+          <a:noAutofit/>
+        </a:bodyPr>
+        <a:lstStyle/>
+        <a:p>
+          <a:pPr lvl="0" algn="ctr" defTabSz="1244600">
+            <a:lnSpc>
+              <a:spcPct val="90000"/>
+            </a:lnSpc>
+            <a:spcBef>
+              <a:spcPct val="0"/>
+            </a:spcBef>
+            <a:spcAft>
+              <a:spcPct val="35000"/>
+            </a:spcAft>
+          </a:pPr>
+          <a:r>
+            <a:rPr kumimoji="0" lang="en-US" sz="2800" b="0" i="0" u="none" strike="noStrike" kern="1200" cap="none" spc="0" normalizeH="0" baseline="0" noProof="0" dirty="0" smtClean="0">
+              <a:ln/>
+              <a:effectLst/>
+              <a:uLnTx/>
+              <a:uFillTx/>
+            </a:rPr>
+            <a:t>Worked examples developed for the 8 hardest problems to help students </a:t>
+          </a:r>
+        </a:p>
+      </dsp:txBody>
+      <dsp:txXfrm>
+        <a:off x="4481150" y="1596487"/>
+        <a:ext cx="2946859" cy="3103370"/>
+      </dsp:txXfrm>
+    </dsp:sp>
+    <dsp:sp modelId="{FFC23FD0-62F0-4E2D-8DB0-0B86CBA02E98}">
+      <dsp:nvSpPr>
+        <dsp:cNvPr id="0" name=""/>
+        <dsp:cNvSpPr/>
+      </dsp:nvSpPr>
+      <dsp:spPr>
+        <a:xfrm>
+          <a:off x="7832713" y="2760025"/>
+          <a:ext cx="663606" cy="776294"/>
+        </a:xfrm>
+        <a:prstGeom prst="rightArrow">
+          <a:avLst>
+            <a:gd name="adj1" fmla="val 60000"/>
+            <a:gd name="adj2" fmla="val 50000"/>
+          </a:avLst>
+        </a:prstGeom>
+        <a:solidFill>
+          <a:schemeClr val="accent3">
+            <a:hueOff val="0"/>
+            <a:satOff val="0"/>
+            <a:lumOff val="0"/>
+            <a:alphaOff val="0"/>
+          </a:schemeClr>
+        </a:solidFill>
+        <a:ln>
+          <a:noFill/>
+        </a:ln>
+        <a:effectLst/>
+      </dsp:spPr>
+      <dsp:style>
+        <a:lnRef idx="0">
+          <a:scrgbClr r="0" g="0" b="0"/>
+        </a:lnRef>
+        <a:fillRef idx="1">
+          <a:scrgbClr r="0" g="0" b="0"/>
+        </a:fillRef>
+        <a:effectRef idx="0">
+          <a:scrgbClr r="0" g="0" b="0"/>
+        </a:effectRef>
+        <a:fontRef idx="minor">
+          <a:schemeClr val="lt1"/>
+        </a:fontRef>
+      </dsp:style>
+      <dsp:txBody>
+        <a:bodyPr spcFirstLastPara="0" vert="horz" wrap="square" lIns="0" tIns="0" rIns="0" bIns="0" numCol="1" spcCol="1270" anchor="ctr" anchorCtr="0">
+          <a:noAutofit/>
+        </a:bodyPr>
+        <a:lstStyle/>
+        <a:p>
+          <a:pPr lvl="0" algn="ctr" defTabSz="1466850">
+            <a:lnSpc>
+              <a:spcPct val="90000"/>
+            </a:lnSpc>
+            <a:spcBef>
+              <a:spcPct val="0"/>
+            </a:spcBef>
+            <a:spcAft>
+              <a:spcPct val="35000"/>
+            </a:spcAft>
+          </a:pPr>
+          <a:endParaRPr lang="en-US" sz="3300" kern="1200"/>
+        </a:p>
+      </dsp:txBody>
+      <dsp:txXfrm>
+        <a:off x="7832713" y="2915284"/>
+        <a:ext cx="464524" cy="465776"/>
+      </dsp:txXfrm>
+    </dsp:sp>
+    <dsp:sp modelId="{5ADED0C6-A197-44F5-B110-DBE80B9442D5}">
+      <dsp:nvSpPr>
+        <dsp:cNvPr id="0" name=""/>
+        <dsp:cNvSpPr/>
+      </dsp:nvSpPr>
+      <dsp:spPr>
+        <a:xfrm>
+          <a:off x="8771779" y="1504806"/>
+          <a:ext cx="3130221" cy="3286732"/>
+        </a:xfrm>
+        <a:prstGeom prst="roundRect">
+          <a:avLst>
+            <a:gd name="adj" fmla="val 10000"/>
+          </a:avLst>
+        </a:prstGeom>
+        <a:solidFill>
+          <a:srgbClr val="9DC3E6"/>
+        </a:solidFill>
+        <a:ln w="12700" cap="flat" cmpd="sng" algn="ctr">
+          <a:solidFill>
+            <a:schemeClr val="lt1">
+              <a:hueOff val="0"/>
+              <a:satOff val="0"/>
+              <a:lumOff val="0"/>
+              <a:alphaOff val="0"/>
+            </a:schemeClr>
+          </a:solidFill>
+          <a:prstDash val="solid"/>
+          <a:miter lim="800000"/>
+        </a:ln>
+        <a:effectLst/>
+      </dsp:spPr>
+      <dsp:style>
+        <a:lnRef idx="2">
+          <a:scrgbClr r="0" g="0" b="0"/>
+        </a:lnRef>
+        <a:fillRef idx="1">
+          <a:scrgbClr r="0" g="0" b="0"/>
+        </a:fillRef>
+        <a:effectRef idx="0">
+          <a:scrgbClr r="0" g="0" b="0"/>
+        </a:effectRef>
+        <a:fontRef idx="minor">
+          <a:schemeClr val="lt1"/>
+        </a:fontRef>
+      </dsp:style>
+      <dsp:txBody>
+        <a:bodyPr spcFirstLastPara="0" vert="horz" wrap="square" lIns="106680" tIns="106680" rIns="106680" bIns="106680" numCol="1" spcCol="1270" anchor="ctr" anchorCtr="0">
+          <a:noAutofit/>
+        </a:bodyPr>
+        <a:lstStyle/>
+        <a:p>
+          <a:pPr lvl="0" algn="ctr" defTabSz="1244600">
+            <a:lnSpc>
+              <a:spcPct val="90000"/>
+            </a:lnSpc>
+            <a:spcBef>
+              <a:spcPct val="0"/>
+            </a:spcBef>
+            <a:spcAft>
+              <a:spcPct val="35000"/>
+            </a:spcAft>
+          </a:pPr>
+          <a:r>
+            <a:rPr lang="en-US" sz="2800" kern="1200" dirty="0" smtClean="0"/>
+            <a:t>Links to relevant worked example provide on targeted problems</a:t>
+          </a:r>
+          <a:endParaRPr kumimoji="0" lang="en-US" sz="2800" b="0" i="0" u="none" strike="noStrike" kern="1200" cap="none" spc="0" normalizeH="0" baseline="0" noProof="0" dirty="0" smtClean="0">
+            <a:ln/>
+            <a:effectLst/>
+            <a:uLnTx/>
+            <a:uFillTx/>
+          </a:endParaRPr>
+        </a:p>
+      </dsp:txBody>
+      <dsp:txXfrm>
+        <a:off x="8863460" y="1596487"/>
+        <a:ext cx="2946859" cy="3103370"/>
+      </dsp:txXfrm>
+    </dsp:sp>
+    <dsp:sp modelId="{3F659EEB-4936-4CF7-BC07-C678A90060D3}">
+      <dsp:nvSpPr>
+        <dsp:cNvPr id="0" name=""/>
+        <dsp:cNvSpPr/>
+      </dsp:nvSpPr>
+      <dsp:spPr>
+        <a:xfrm>
+          <a:off x="12215023" y="2760025"/>
+          <a:ext cx="663606" cy="776294"/>
+        </a:xfrm>
+        <a:prstGeom prst="rightArrow">
+          <a:avLst>
+            <a:gd name="adj1" fmla="val 60000"/>
+            <a:gd name="adj2" fmla="val 50000"/>
+          </a:avLst>
+        </a:prstGeom>
+        <a:solidFill>
+          <a:srgbClr val="9DC3E6"/>
+        </a:solidFill>
+        <a:ln>
+          <a:noFill/>
+        </a:ln>
+        <a:effectLst/>
+      </dsp:spPr>
+      <dsp:style>
+        <a:lnRef idx="0">
+          <a:scrgbClr r="0" g="0" b="0"/>
+        </a:lnRef>
+        <a:fillRef idx="1">
+          <a:scrgbClr r="0" g="0" b="0"/>
+        </a:fillRef>
+        <a:effectRef idx="0">
+          <a:scrgbClr r="0" g="0" b="0"/>
+        </a:effectRef>
+        <a:fontRef idx="minor">
+          <a:schemeClr val="lt1"/>
+        </a:fontRef>
+      </dsp:style>
+      <dsp:txBody>
+        <a:bodyPr spcFirstLastPara="0" vert="horz" wrap="square" lIns="0" tIns="0" rIns="0" bIns="0" numCol="1" spcCol="1270" anchor="ctr" anchorCtr="0">
+          <a:noAutofit/>
+        </a:bodyPr>
+        <a:lstStyle/>
+        <a:p>
+          <a:pPr lvl="0" algn="ctr" defTabSz="1466850">
+            <a:lnSpc>
+              <a:spcPct val="90000"/>
+            </a:lnSpc>
+            <a:spcBef>
+              <a:spcPct val="0"/>
+            </a:spcBef>
+            <a:spcAft>
+              <a:spcPct val="35000"/>
+            </a:spcAft>
+          </a:pPr>
+          <a:endParaRPr lang="en-US" sz="3300" kern="1200"/>
+        </a:p>
+      </dsp:txBody>
+      <dsp:txXfrm>
+        <a:off x="12215023" y="2915284"/>
+        <a:ext cx="464524" cy="465776"/>
+      </dsp:txXfrm>
+    </dsp:sp>
+    <dsp:sp modelId="{CBF7EBAE-6EBE-44FD-9A36-8024741F79F7}">
+      <dsp:nvSpPr>
+        <dsp:cNvPr id="0" name=""/>
+        <dsp:cNvSpPr/>
+      </dsp:nvSpPr>
+      <dsp:spPr>
+        <a:xfrm>
+          <a:off x="13154090" y="1504806"/>
+          <a:ext cx="3130221" cy="3286732"/>
+        </a:xfrm>
+        <a:prstGeom prst="roundRect">
+          <a:avLst>
+            <a:gd name="adj" fmla="val 10000"/>
+          </a:avLst>
+        </a:prstGeom>
+        <a:solidFill>
+          <a:schemeClr val="accent5">
+            <a:hueOff val="0"/>
+            <a:satOff val="0"/>
+            <a:lumOff val="0"/>
+            <a:alphaOff val="0"/>
+          </a:schemeClr>
+        </a:solidFill>
+        <a:ln w="12700" cap="flat" cmpd="sng" algn="ctr">
+          <a:solidFill>
+            <a:schemeClr val="lt1">
+              <a:hueOff val="0"/>
+              <a:satOff val="0"/>
+              <a:lumOff val="0"/>
+              <a:alphaOff val="0"/>
+            </a:schemeClr>
+          </a:solidFill>
+          <a:prstDash val="solid"/>
+          <a:miter lim="800000"/>
+        </a:ln>
+        <a:effectLst/>
+      </dsp:spPr>
+      <dsp:style>
+        <a:lnRef idx="2">
+          <a:scrgbClr r="0" g="0" b="0"/>
+        </a:lnRef>
+        <a:fillRef idx="1">
+          <a:scrgbClr r="0" g="0" b="0"/>
+        </a:fillRef>
+        <a:effectRef idx="0">
+          <a:scrgbClr r="0" g="0" b="0"/>
+        </a:effectRef>
+        <a:fontRef idx="minor">
+          <a:schemeClr val="lt1"/>
+        </a:fontRef>
+      </dsp:style>
+      <dsp:txBody>
+        <a:bodyPr spcFirstLastPara="0" vert="horz" wrap="square" lIns="106680" tIns="106680" rIns="106680" bIns="106680" numCol="1" spcCol="1270" anchor="ctr" anchorCtr="0">
+          <a:noAutofit/>
+        </a:bodyPr>
+        <a:lstStyle/>
+        <a:p>
+          <a:pPr lvl="0" algn="ctr" defTabSz="1244600">
+            <a:lnSpc>
+              <a:spcPct val="90000"/>
+            </a:lnSpc>
+            <a:spcBef>
+              <a:spcPct val="0"/>
+            </a:spcBef>
+            <a:spcAft>
+              <a:spcPct val="35000"/>
+            </a:spcAft>
+          </a:pPr>
+          <a:r>
+            <a:rPr lang="en-US" sz="2800" kern="1200" dirty="0" smtClean="0"/>
+            <a:t>Performance and usage data collected for problems with worked examples</a:t>
+          </a:r>
+          <a:endParaRPr lang="en-US" sz="2800" kern="1200" dirty="0"/>
+        </a:p>
+      </dsp:txBody>
+      <dsp:txXfrm>
+        <a:off x="13245771" y="1596487"/>
+        <a:ext cx="2946859" cy="3103370"/>
+      </dsp:txXfrm>
+    </dsp:sp>
+  </dsp:spTree>
+</dsp:drawing>
+</file>
+
+<file path=ppt/diagrams/layout1.xml><?xml version="1.0" encoding="utf-8"?>
+<dgm:layoutDef xmlns:dgm="http://schemas.openxmlformats.org/drawingml/2006/diagram" xmlns:a="http://schemas.openxmlformats.org/drawingml/2006/main" uniqueId="urn:microsoft.com/office/officeart/2005/8/layout/process1">
+  <dgm:title val=""/>
+  <dgm:desc val=""/>
+  <dgm:catLst>
+    <dgm:cat type="process" pri="1000"/>
+    <dgm:cat type="convert" pri="15000"/>
+  </dgm:catLst>
+  <dgm:sampData useDef="1">
+    <dgm:dataModel>
+      <dgm:ptLst/>
+      <dgm:bg/>
+      <dgm:whole/>
+    </dgm:dataModel>
+  </dgm:sampData>
+  <dgm:styleData>
+    <dgm:dataModel>
+      <dgm:ptLst>
+        <dgm:pt modelId="0" type="doc"/>
+        <dgm:pt modelId="1"/>
+        <dgm:pt modelId="2"/>
+      </dgm:ptLst>
+      <dgm:cxnLst>
+        <dgm:cxn modelId="3" srcId="0" destId="1" srcOrd="0" destOrd="0"/>
+        <dgm:cxn modelId="4" srcId="0" destId="2" srcOrd="1" destOrd="0"/>
+      </dgm:cxnLst>
+      <dgm:bg/>
+      <dgm:whole/>
+    </dgm:dataModel>
+  </dgm:styleData>
+  <dgm:clrData>
+    <dgm:dataModel>
+      <dgm:ptLst>
+        <dgm:pt modelId="0" type="doc"/>
+        <dgm:pt modelId="1"/>
+        <dgm:pt modelId="2"/>
+        <dgm:pt modelId="3"/>
+        <dgm:pt modelId="4"/>
+      </dgm:ptLst>
+      <dgm:cxnLst>
+        <dgm:cxn modelId="5" srcId="0" destId="1" srcOrd="0" destOrd="0"/>
+        <dgm:cxn modelId="6" srcId="0" destId="2" srcOrd="1" destOrd="0"/>
+        <dgm:cxn modelId="7" srcId="0" destId="3" srcOrd="2" destOrd="0"/>
+        <dgm:cxn modelId="8" srcId="0" destId="4" srcOrd="3" destOrd="0"/>
+      </dgm:cxnLst>
+      <dgm:bg/>
+      <dgm:whole/>
+    </dgm:dataModel>
+  </dgm:clrData>
+  <dgm:layoutNode name="Name0">
+    <dgm:varLst>
+      <dgm:dir/>
+      <dgm:resizeHandles val="exact"/>
+    </dgm:varLst>
+    <dgm:choose name="Name1">
+      <dgm:if name="Name2" func="var" arg="dir" op="equ" val="norm">
+        <dgm:alg type="lin"/>
+      </dgm:if>
+      <dgm:else name="Name3">
+        <dgm:alg type="lin">
+          <dgm:param type="linDir" val="fromR"/>
+        </dgm:alg>
+      </dgm:else>
+    </dgm:choose>
+    <dgm:shape xmlns:r="http://schemas.openxmlformats.org/officeDocument/2006/relationships" r:blip="">
+      <dgm:adjLst/>
+    </dgm:shape>
+    <dgm:presOf/>
+    <dgm:constrLst>
+      <dgm:constr type="w" for="ch" ptType="node" refType="w"/>
+      <dgm:constr type="h" for="ch" ptType="node" op="equ"/>
+      <dgm:constr type="primFontSz" for="ch" ptType="node" op="equ" val="65"/>
+      <dgm:constr type="w" for="ch" ptType="sibTrans" refType="w" refFor="ch" refPtType="node" op="equ" fact="0.4"/>
+      <dgm:constr type="h" for="ch" ptType="sibTrans" op="equ"/>
+      <dgm:constr type="primFontSz" for="des" forName="connectorText" op="equ" val="55"/>
+      <dgm:constr type="primFontSz" for="des" forName="connectorText" refType="primFontSz" refFor="ch" refPtType="node" op="lte" fact="0.8"/>
+    </dgm:constrLst>
+    <dgm:ruleLst/>
+    <dgm:forEach name="nodesForEach" axis="ch" ptType="node">
+      <dgm:layoutNode name="node">
+        <dgm:varLst>
+          <dgm:bulletEnabled val="1"/>
+        </dgm:varLst>
+        <dgm:alg type="tx"/>
+        <dgm:shape xmlns:r="http://schemas.openxmlformats.org/officeDocument/2006/relationships" type="roundRect" r:blip="">
+          <dgm:adjLst>
+            <dgm:adj idx="1" val="0.1"/>
+          </dgm:adjLst>
+        </dgm:shape>
+        <dgm:presOf axis="desOrSelf" ptType="node"/>
+        <dgm:constrLst>
+          <dgm:constr type="h" refType="w" fact="0.6"/>
+          <dgm:constr type="tMarg" refType="primFontSz" fact="0.3"/>
+          <dgm:constr type="bMarg" refType="primFontSz" fact="0.3"/>
+          <dgm:constr type="lMarg" refType="primFontSz" fact="0.3"/>
+          <dgm:constr type="rMarg" refType="primFontSz" fact="0.3"/>
+        </dgm:constrLst>
+        <dgm:ruleLst>
+          <dgm:rule type="primFontSz" val="18" fact="NaN" max="NaN"/>
+          <dgm:rule type="h" val="NaN" fact="1.5" max="NaN"/>
+          <dgm:rule type="primFontSz" val="5" fact="NaN" max="NaN"/>
+          <dgm:rule type="h" val="INF" fact="NaN" max="NaN"/>
+        </dgm:ruleLst>
+      </dgm:layoutNode>
+      <dgm:forEach name="sibTransForEach" axis="followSib" ptType="sibTrans" cnt="1">
+        <dgm:layoutNode name="sibTrans">
+          <dgm:alg type="conn">
+            <dgm:param type="begPts" val="auto"/>
+            <dgm:param type="endPts" val="auto"/>
+          </dgm:alg>
+          <dgm:shape xmlns:r="http://schemas.openxmlformats.org/officeDocument/2006/relationships" type="conn" r:blip="">
+            <dgm:adjLst/>
+          </dgm:shape>
+          <dgm:presOf axis="self"/>
+          <dgm:constrLst>
+            <dgm:constr type="h" refType="w" fact="0.62"/>
+            <dgm:constr type="connDist"/>
+            <dgm:constr type="begPad" refType="connDist" fact="0.25"/>
+            <dgm:constr type="endPad" refType="connDist" fact="0.22"/>
+          </dgm:constrLst>
+          <dgm:ruleLst/>
+          <dgm:layoutNode name="connectorText">
+            <dgm:alg type="tx">
+              <dgm:param type="autoTxRot" val="grav"/>
+            </dgm:alg>
+            <dgm:shape xmlns:r="http://schemas.openxmlformats.org/officeDocument/2006/relationships" type="conn" r:blip="" hideGeom="1">
+              <dgm:adjLst/>
+            </dgm:shape>
+            <dgm:presOf axis="self"/>
+            <dgm:constrLst>
+              <dgm:constr type="lMarg"/>
+              <dgm:constr type="rMarg"/>
+              <dgm:constr type="tMarg"/>
+              <dgm:constr type="bMarg"/>
+            </dgm:constrLst>
+            <dgm:ruleLst>
+              <dgm:rule type="primFontSz" val="5" fact="NaN" max="NaN"/>
+            </dgm:ruleLst>
+          </dgm:layoutNode>
+        </dgm:layoutNode>
+      </dgm:forEach>
+    </dgm:forEach>
+  </dgm:layoutNode>
+</dgm:layoutDef>
+</file>
+
+<file path=ppt/diagrams/quickStyle1.xml><?xml version="1.0" encoding="utf-8"?>
+<dgm:styleDef xmlns:dgm="http://schemas.openxmlformats.org/drawingml/2006/diagram" xmlns:a="http://schemas.openxmlformats.org/drawingml/2006/main" uniqueId="urn:microsoft.com/office/officeart/2005/8/quickstyle/simple1">
+  <dgm:title val=""/>
+  <dgm:desc val=""/>
+  <dgm:catLst>
+    <dgm:cat type="simple" pri="10100"/>
+  </dgm:catLst>
+  <dgm:scene3d>
+    <a:camera prst="orthographicFront"/>
+    <a:lightRig rig="threePt" dir="t"/>
+  </dgm:scene3d>
+  <dgm:styleLbl name="node0">
+    <dgm:scene3d>
+      <a:camera prst="orthographicFront"/>
+      <a:lightRig rig="threePt" dir="t"/>
+    </dgm:scene3d>
+    <dgm:sp3d/>
+    <dgm:txPr/>
+    <dgm:style>
+      <a:lnRef idx="2">
+        <a:scrgbClr r="0" g="0" b="0"/>
+      </a:lnRef>
+      <a:fillRef idx="1">
+        <a:scrgbClr r="0" g="0" b="0"/>
+      </a:fillRef>
+      <a:effectRef idx="0">
+        <a:scrgbClr r="0" g="0" b="0"/>
+      </a:effectRef>
+      <a:fontRef idx="minor">
+        <a:schemeClr val="lt1"/>
+      </a:fontRef>
+    </dgm:style>
+  </dgm:styleLbl>
+  <dgm:styleLbl name="lnNode1">
+    <dgm:scene3d>
+      <a:camera prst="orthographicFront"/>
+      <a:lightRig rig="threePt" dir="t"/>
+    </dgm:scene3d>
+    <dgm:sp3d/>
+    <dgm:txPr/>
+    <dgm:style>
+      <a:lnRef idx="2">
+        <a:scrgbClr r="0" g="0" b="0"/>
+      </a:lnRef>
+      <a:fillRef idx="1">
+        <a:scrgbClr r="0" g="0" b="0"/>
+      </a:fillRef>
+      <a:effectRef idx="0">
+        <a:scrgbClr r="0" g="0" b="0"/>
+      </a:effectRef>
+      <a:fontRef idx="minor">
+        <a:schemeClr val="lt1"/>
+      </a:fontRef>
+    </dgm:style>
+  </dgm:styleLbl>
+  <dgm:styleLbl name="vennNode1">
+    <dgm:scene3d>
+      <a:camera prst="orthographicFront"/>
+      <a:lightRig rig="threePt" dir="t"/>
+    </dgm:scene3d>
+    <dgm:sp3d/>
+    <dgm:txPr/>
+    <dgm:style>
+      <a:lnRef idx="2">
+        <a:scrgbClr r="0" g="0" b="0"/>
+      </a:lnRef>
+      <a:fillRef idx="1">
+        <a:scrgbClr r="0" g="0" b="0"/>
+      </a:fillRef>
+      <a:effectRef idx="0">
+        <a:scrgbClr r="0" g="0" b="0"/>
+      </a:effectRef>
+      <a:fontRef idx="minor">
+        <a:schemeClr val="tx1"/>
+      </a:fontRef>
+    </dgm:style>
+  </dgm:styleLbl>
+  <dgm:styleLbl name="alignNode1">
+    <dgm:scene3d>
+      <a:camera prst="orthographicFront"/>
+      <a:lightRig rig="threePt" dir="t"/>
+    </dgm:scene3d>
+    <dgm:sp3d/>
+    <dgm:txPr/>
+    <dgm:style>
+      <a:lnRef idx="2">
+        <a:scrgbClr r="0" g="0" b="0"/>
+      </a:lnRef>
+      <a:fillRef idx="1">
+        <a:scrgbClr r="0" g="0" b="0"/>
+      </a:fillRef>
+      <a:effectRef idx="0">
+        <a:scrgbClr r="0" g="0" b="0"/>
+      </a:effectRef>
+      <a:fontRef idx="minor">
+        <a:schemeClr val="lt1"/>
+      </a:fontRef>
+    </dgm:style>
+  </dgm:styleLbl>
+  <dgm:styleLbl name="node1">
+    <dgm:scene3d>
+      <a:camera prst="orthographicFront"/>
+      <a:lightRig rig="threePt" dir="t"/>
+    </dgm:scene3d>
+    <dgm:sp3d/>
+    <dgm:txPr/>
+    <dgm:style>
+      <a:lnRef idx="2">
+        <a:scrgbClr r="0" g="0" b="0"/>
+      </a:lnRef>
+      <a:fillRef idx="1">
+        <a:scrgbClr r="0" g="0" b="0"/>
+      </a:fillRef>
+      <a:effectRef idx="0">
+        <a:scrgbClr r="0" g="0" b="0"/>
+      </a:effectRef>
+      <a:fontRef idx="minor">
+        <a:schemeClr val="lt1"/>
+      </a:fontRef>
+    </dgm:style>
+  </dgm:styleLbl>
+  <dgm:styleLbl name="node2">
+    <dgm:scene3d>
+      <a:camera prst="orthographicFront"/>
+      <a:lightRig rig="threePt" dir="t"/>
+    </dgm:scene3d>
+    <dgm:sp3d/>
+    <dgm:txPr/>
+    <dgm:style>
+      <a:lnRef idx="2">
+        <a:scrgbClr r="0" g="0" b="0"/>
+      </a:lnRef>
+      <a:fillRef idx="1">
+        <a:scrgbClr r="0" g="0" b="0"/>
+      </a:fillRef>
+      <a:effectRef idx="0">
+        <a:scrgbClr r="0" g="0" b="0"/>
+      </a:effectRef>
+      <a:fontRef idx="minor">
+        <a:schemeClr val="lt1"/>
+      </a:fontRef>
+    </dgm:style>
+  </dgm:styleLbl>
+  <dgm:styleLbl name="node3">
+    <dgm:scene3d>
+      <a:camera prst="orthographicFront"/>
+      <a:lightRig rig="threePt" dir="t"/>
+    </dgm:scene3d>
+    <dgm:sp3d/>
+    <dgm:txPr/>
+    <dgm:style>
+      <a:lnRef idx="2">
+        <a:scrgbClr r="0" g="0" b="0"/>
+      </a:lnRef>
+      <a:fillRef idx="1">
+        <a:scrgbClr r="0" g="0" b="0"/>
+      </a:fillRef>
+      <a:effectRef idx="0">
+        <a:scrgbClr r="0" g="0" b="0"/>
+      </a:effectRef>
+      <a:fontRef idx="minor">
+        <a:schemeClr val="lt1"/>
+      </a:fontRef>
+    </dgm:style>
+  </dgm:styleLbl>
+  <dgm:styleLbl name="node4">
+    <dgm:scene3d>
+      <a:camera prst="orthographicFront"/>
+      <a:lightRig rig="threePt" dir="t"/>
+    </dgm:scene3d>
+    <dgm:sp3d/>
+    <dgm:txPr/>
+    <dgm:style>
+      <a:lnRef idx="2">
+        <a:scrgbClr r="0" g="0" b="0"/>
+      </a:lnRef>
+      <a:fillRef idx="1">
+        <a:scrgbClr r="0" g="0" b="0"/>
+      </a:fillRef>
+      <a:effectRef idx="0">
+        <a:scrgbClr r="0" g="0" b="0"/>
+      </a:effectRef>
+      <a:fontRef idx="minor">
+        <a:schemeClr val="lt1"/>
+      </a:fontRef>
+    </dgm:style>
+  </dgm:styleLbl>
+  <dgm:styleLbl name="fgImgPlace1">
+    <dgm:scene3d>
+      <a:camera prst="orthographicFront"/>
+      <a:lightRig rig="threePt" dir="t"/>
+    </dgm:scene3d>
+    <dgm:sp3d/>
+    <dgm:txPr/>
+    <dgm:style>
+      <a:lnRef idx="2">
+        <a:scrgbClr r="0" g="0" b="0"/>
+      </a:lnRef>
+      <a:fillRef idx="1">
+        <a:scrgbClr r="0" g="0" b="0"/>
+      </a:fillRef>
+      <a:effectRef idx="0">
+        <a:scrgbClr r="0" g="0" b="0"/>
+      </a:effectRef>
+      <a:fontRef idx="minor"/>
+    </dgm:style>
+  </dgm:styleLbl>
+  <dgm:styleLbl name="alignImgPlace1">
+    <dgm:scene3d>
+      <a:camera prst="orthographicFront"/>
+      <a:lightRig rig="threePt" dir="t"/>
+    </dgm:scene3d>
+    <dgm:sp3d/>
+    <dgm:txPr/>
+    <dgm:style>
+      <a:lnRef idx="2">
+        <a:scrgbClr r="0" g="0" b="0"/>
+      </a:lnRef>
+      <a:fillRef idx="1">
+        <a:scrgbClr r="0" g="0" b="0"/>
+      </a:fillRef>
+      <a:effectRef idx="0">
+        <a:scrgbClr r="0" g="0" b="0"/>
+      </a:effectRef>
+      <a:fontRef idx="minor"/>
+    </dgm:style>
+  </dgm:styleLbl>
+  <dgm:styleLbl name="bgImgPlace1">
+    <dgm:scene3d>
+      <a:camera prst="orthographicFront"/>
+      <a:lightRig rig="threePt" dir="t"/>
+    </dgm:scene3d>
+    <dgm:sp3d/>
+    <dgm:txPr/>
+    <dgm:style>
+      <a:lnRef idx="2">
+        <a:scrgbClr r="0" g="0" b="0"/>
+      </a:lnRef>
+      <a:fillRef idx="1">
+        <a:scrgbClr r="0" g="0" b="0"/>
+      </a:fillRef>
+      <a:effectRef idx="0">
+        <a:scrgbClr r="0" g="0" b="0"/>
+      </a:effectRef>
+      <a:fontRef idx="minor"/>
+    </dgm:style>
+  </dgm:styleLbl>
+  <dgm:styleLbl name="sibTrans2D1">
+    <dgm:scene3d>
+      <a:camera prst="orthographicFront"/>
+      <a:lightRig rig="threePt" dir="t"/>
+    </dgm:scene3d>
+    <dgm:sp3d/>
+    <dgm:txPr/>
+    <dgm:style>
+      <a:lnRef idx="0">
+        <a:scrgbClr r="0" g="0" b="0"/>
+      </a:lnRef>
+      <a:fillRef idx="1">
+        <a:scrgbClr r="0" g="0" b="0"/>
+      </a:fillRef>
+      <a:effectRef idx="0">
+        <a:scrgbClr r="0" g="0" b="0"/>
+      </a:effectRef>
+      <a:fontRef idx="minor">
+        <a:schemeClr val="lt1"/>
+      </a:fontRef>
+    </dgm:style>
+  </dgm:styleLbl>
+  <dgm:styleLbl name="fgSibTrans2D1">
+    <dgm:scene3d>
+      <a:camera prst="orthographicFront"/>
+      <a:lightRig rig="threePt" dir="t"/>
+    </dgm:scene3d>
+    <dgm:sp3d/>
+    <dgm:txPr/>
+    <dgm:style>
+      <a:lnRef idx="0">
+        <a:scrgbClr r="0" g="0" b="0"/>
+      </a:lnRef>
+      <a:fillRef idx="1">
+        <a:scrgbClr r="0" g="0" b="0"/>
+      </a:fillRef>
+      <a:effectRef idx="0">
+        <a:scrgbClr r="0" g="0" b="0"/>
+      </a:effectRef>
+      <a:fontRef idx="minor">
+        <a:schemeClr val="lt1"/>
+      </a:fontRef>
+    </dgm:style>
+  </dgm:styleLbl>
+  <dgm:styleLbl name="bgSibTrans2D1">
+    <dgm:scene3d>
+      <a:camera prst="orthographicFront"/>
+      <a:lightRig rig="threePt" dir="t"/>
+    </dgm:scene3d>
+    <dgm:sp3d/>
+    <dgm:txPr/>
+    <dgm:style>
+      <a:lnRef idx="0">
+        <a:scrgbClr r="0" g="0" b="0"/>
+      </a:lnRef>
+      <a:fillRef idx="1">
+        <a:scrgbClr r="0" g="0" b="0"/>
+      </a:fillRef>
+      <a:effectRef idx="0">
+        <a:scrgbClr r="0" g="0" b="0"/>
+      </a:effectRef>
+      <a:fontRef idx="minor">
+        <a:schemeClr val="lt1"/>
+      </a:fontRef>
+    </dgm:style>
+  </dgm:styleLbl>
+  <dgm:styleLbl name="sibTrans1D1">
+    <dgm:scene3d>
+      <a:camera prst="orthographicFront"/>
+      <a:lightRig rig="threePt" dir="t"/>
+    </dgm:scene3d>
+    <dgm:sp3d/>
+    <dgm:txPr/>
+    <dgm:style>
+      <a:lnRef idx="1">
+        <a:scrgbClr r="0" g="0" b="0"/>
+      </a:lnRef>
+      <a:fillRef idx="0">
+        <a:scrgbClr r="0" g="0" b="0"/>
+      </a:fillRef>
+      <a:effectRef idx="0">
+        <a:scrgbClr r="0" g="0" b="0"/>
+      </a:effectRef>
+      <a:fontRef idx="minor"/>
+    </dgm:style>
+  </dgm:styleLbl>
+  <dgm:styleLbl name="callout">
+    <dgm:scene3d>
+      <a:camera prst="orthographicFront"/>
+      <a:lightRig rig="threePt" dir="t"/>
+    </dgm:scene3d>
+    <dgm:sp3d/>
+    <dgm:txPr/>
+    <dgm:style>
+      <a:lnRef idx="2">
+        <a:scrgbClr r="0" g="0" b="0"/>
+      </a:lnRef>
+      <a:fillRef idx="1">
+        <a:scrgbClr r="0" g="0" b="0"/>
+      </a:fillRef>
+      <a:effectRef idx="0">
+        <a:scrgbClr r="0" g="0" b="0"/>
+      </a:effectRef>
+      <a:fontRef idx="minor"/>
+    </dgm:style>
+  </dgm:styleLbl>
+  <dgm:styleLbl name="asst0">
+    <dgm:scene3d>
+      <a:camera prst="orthographicFront"/>
+      <a:lightRig rig="threePt" dir="t"/>
+    </dgm:scene3d>
+    <dgm:sp3d/>
+    <dgm:txPr/>
+    <dgm:style>
+      <a:lnRef idx="2">
+        <a:scrgbClr r="0" g="0" b="0"/>
+      </a:lnRef>
+      <a:fillRef idx="1">
+        <a:scrgbClr r="0" g="0" b="0"/>
+      </a:fillRef>
+      <a:effectRef idx="0">
+        <a:scrgbClr r="0" g="0" b="0"/>
+      </a:effectRef>
+      <a:fontRef idx="minor">
+        <a:schemeClr val="lt1"/>
+      </a:fontRef>
+    </dgm:style>
+  </dgm:styleLbl>
+  <dgm:styleLbl name="asst1">
+    <dgm:scene3d>
+      <a:camera prst="orthographicFront"/>
+      <a:lightRig rig="threePt" dir="t"/>
+    </dgm:scene3d>
+    <dgm:sp3d/>
+    <dgm:txPr/>
+    <dgm:style>
+      <a:lnRef idx="2">
+        <a:scrgbClr r="0" g="0" b="0"/>
+      </a:lnRef>
+      <a:fillRef idx="1">
+        <a:scrgbClr r="0" g="0" b="0"/>
+      </a:fillRef>
+      <a:effectRef idx="0">
+        <a:scrgbClr r="0" g="0" b="0"/>
+      </a:effectRef>
+      <a:fontRef idx="minor">
+        <a:schemeClr val="lt1"/>
+      </a:fontRef>
+    </dgm:style>
+  </dgm:styleLbl>
+  <dgm:styleLbl name="asst2">
+    <dgm:scene3d>
+      <a:camera prst="orthographicFront"/>
+      <a:lightRig rig="threePt" dir="t"/>
+    </dgm:scene3d>
+    <dgm:sp3d/>
+    <dgm:txPr/>
+    <dgm:style>
+      <a:lnRef idx="2">
+        <a:scrgbClr r="0" g="0" b="0"/>
+      </a:lnRef>
+      <a:fillRef idx="1">
+        <a:scrgbClr r="0" g="0" b="0"/>
+      </a:fillRef>
+      <a:effectRef idx="0">
+        <a:scrgbClr r="0" g="0" b="0"/>
+      </a:effectRef>
+      <a:fontRef idx="minor">
+        <a:schemeClr val="lt1"/>
+      </a:fontRef>
+    </dgm:style>
+  </dgm:styleLbl>
+  <dgm:styleLbl name="asst3">
+    <dgm:scene3d>
+      <a:camera prst="orthographicFront"/>
+      <a:lightRig rig="threePt" dir="t"/>
+    </dgm:scene3d>
+    <dgm:sp3d/>
+    <dgm:txPr/>
+    <dgm:style>
+      <a:lnRef idx="2">
+        <a:scrgbClr r="0" g="0" b="0"/>
+      </a:lnRef>
+      <a:fillRef idx="1">
+        <a:scrgbClr r="0" g="0" b="0"/>
+      </a:fillRef>
+      <a:effectRef idx="0">
+        <a:scrgbClr r="0" g="0" b="0"/>
+      </a:effectRef>
+      <a:fontRef idx="minor">
+        <a:schemeClr val="lt1"/>
+      </a:fontRef>
+    </dgm:style>
+  </dgm:styleLbl>
+  <dgm:styleLbl name="asst4">
+    <dgm:scene3d>
+      <a:camera prst="orthographicFront"/>
+      <a:lightRig rig="threePt" dir="t"/>
+    </dgm:scene3d>
+    <dgm:sp3d/>
+    <dgm:txPr/>
+    <dgm:style>
+      <a:lnRef idx="2">
+        <a:scrgbClr r="0" g="0" b="0"/>
+      </a:lnRef>
+      <a:fillRef idx="1">
+        <a:scrgbClr r="0" g="0" b="0"/>
+      </a:fillRef>
+      <a:effectRef idx="0">
+        <a:scrgbClr r="0" g="0" b="0"/>
+      </a:effectRef>
+      <a:fontRef idx="minor">
+        <a:schemeClr val="lt1"/>
+      </a:fontRef>
+    </dgm:style>
+  </dgm:styleLbl>
+  <dgm:styleLbl name="parChTrans2D1">
+    <dgm:scene3d>
+      <a:camera prst="orthographicFront"/>
+      <a:lightRig rig="threePt" dir="t"/>
+    </dgm:scene3d>
+    <dgm:sp3d/>
+    <dgm:txPr/>
+    <dgm:style>
+      <a:lnRef idx="2">
+        <a:scrgbClr r="0" g="0" b="0"/>
+      </a:lnRef>
+      <a:fillRef idx="1">
+        <a:scrgbClr r="0" g="0" b="0"/>
+      </a:fillRef>
+      <a:effectRef idx="0">
+        <a:scrgbClr r="0" g="0" b="0"/>
+      </a:effectRef>
+      <a:fontRef idx="minor">
+        <a:schemeClr val="lt1"/>
+      </a:fontRef>
+    </dgm:style>
+  </dgm:styleLbl>
+  <dgm:styleLbl name="parChTrans2D2">
+    <dgm:scene3d>
+      <a:camera prst="orthographicFront"/>
+      <a:lightRig rig="threePt" dir="t"/>
+    </dgm:scene3d>
+    <dgm:sp3d/>
+    <dgm:txPr/>
+    <dgm:style>
+      <a:lnRef idx="2">
+        <a:scrgbClr r="0" g="0" b="0"/>
+      </a:lnRef>
+      <a:fillRef idx="1">
+        <a:scrgbClr r="0" g="0" b="0"/>
+      </a:fillRef>
+      <a:effectRef idx="0">
+        <a:scrgbClr r="0" g="0" b="0"/>
+      </a:effectRef>
+      <a:fontRef idx="minor">
+        <a:schemeClr val="lt1"/>
+      </a:fontRef>
+    </dgm:style>
+  </dgm:styleLbl>
+  <dgm:styleLbl name="parChTrans2D3">
+    <dgm:scene3d>
+      <a:camera prst="orthographicFront"/>
+      <a:lightRig rig="threePt" dir="t"/>
+    </dgm:scene3d>
+    <dgm:sp3d/>
+    <dgm:txPr/>
+    <dgm:style>
+      <a:lnRef idx="2">
+        <a:scrgbClr r="0" g="0" b="0"/>
+      </a:lnRef>
+      <a:fillRef idx="1">
+        <a:scrgbClr r="0" g="0" b="0"/>
+      </a:fillRef>
+      <a:effectRef idx="0">
+        <a:scrgbClr r="0" g="0" b="0"/>
+      </a:effectRef>
+      <a:fontRef idx="minor">
+        <a:schemeClr val="lt1"/>
+      </a:fontRef>
+    </dgm:style>
+  </dgm:styleLbl>
+  <dgm:styleLbl name="parChTrans2D4">
+    <dgm:scene3d>
+      <a:camera prst="orthographicFront"/>
+      <a:lightRig rig="threePt" dir="t"/>
+    </dgm:scene3d>
+    <dgm:sp3d/>
+    <dgm:txPr/>
+    <dgm:style>
+      <a:lnRef idx="2">
+        <a:scrgbClr r="0" g="0" b="0"/>
+      </a:lnRef>
+      <a:fillRef idx="1">
+        <a:scrgbClr r="0" g="0" b="0"/>
+      </a:fillRef>
+      <a:effectRef idx="0">
+        <a:scrgbClr r="0" g="0" b="0"/>
+      </a:effectRef>
+      <a:fontRef idx="minor">
+        <a:schemeClr val="lt1"/>
+      </a:fontRef>
+    </dgm:style>
+  </dgm:styleLbl>
+  <dgm:styleLbl name="parChTrans1D1">
+    <dgm:scene3d>
+      <a:camera prst="orthographicFront"/>
+      <a:lightRig rig="threePt" dir="t"/>
+    </dgm:scene3d>
+    <dgm:sp3d/>
+    <dgm:txPr/>
+    <dgm:style>
+      <a:lnRef idx="2">
+        <a:scrgbClr r="0" g="0" b="0"/>
+      </a:lnRef>
+      <a:fillRef idx="0">
+        <a:scrgbClr r="0" g="0" b="0"/>
+      </a:fillRef>
+      <a:effectRef idx="0">
+        <a:scrgbClr r="0" g="0" b="0"/>
+      </a:effectRef>
+      <a:fontRef idx="minor"/>
+    </dgm:style>
+  </dgm:styleLbl>
+  <dgm:styleLbl name="parChTrans1D2">
+    <dgm:scene3d>
+      <a:camera prst="orthographicFront"/>
+      <a:lightRig rig="threePt" dir="t"/>
+    </dgm:scene3d>
+    <dgm:sp3d/>
+    <dgm:txPr/>
+    <dgm:style>
+      <a:lnRef idx="2">
+        <a:scrgbClr r="0" g="0" b="0"/>
+      </a:lnRef>
+      <a:fillRef idx="0">
+        <a:scrgbClr r="0" g="0" b="0"/>
+      </a:fillRef>
+      <a:effectRef idx="0">
+        <a:scrgbClr r="0" g="0" b="0"/>
+      </a:effectRef>
+      <a:fontRef idx="minor"/>
+    </dgm:style>
+  </dgm:styleLbl>
+  <dgm:styleLbl name="parChTrans1D3">
+    <dgm:scene3d>
+      <a:camera prst="orthographicFront"/>
+      <a:lightRig rig="threePt" dir="t"/>
+    </dgm:scene3d>
+    <dgm:sp3d/>
+    <dgm:txPr/>
+    <dgm:style>
+      <a:lnRef idx="2">
+        <a:scrgbClr r="0" g="0" b="0"/>
+      </a:lnRef>
+      <a:fillRef idx="0">
+        <a:scrgbClr r="0" g="0" b="0"/>
+      </a:fillRef>
+      <a:effectRef idx="0">
+        <a:scrgbClr r="0" g="0" b="0"/>
+      </a:effectRef>
+      <a:fontRef idx="minor"/>
+    </dgm:style>
+  </dgm:styleLbl>
+  <dgm:styleLbl name="parChTrans1D4">
+    <dgm:scene3d>
+      <a:camera prst="orthographicFront"/>
+      <a:lightRig rig="threePt" dir="t"/>
+    </dgm:scene3d>
+    <dgm:sp3d/>
+    <dgm:txPr/>
+    <dgm:style>
+      <a:lnRef idx="2">
+        <a:scrgbClr r="0" g="0" b="0"/>
+      </a:lnRef>
+      <a:fillRef idx="0">
+        <a:scrgbClr r="0" g="0" b="0"/>
+      </a:fillRef>
+      <a:effectRef idx="0">
+        <a:scrgbClr r="0" g="0" b="0"/>
+      </a:effectRef>
+      <a:fontRef idx="minor"/>
+    </dgm:style>
+  </dgm:styleLbl>
+  <dgm:styleLbl name="fgAcc1">
+    <dgm:scene3d>
+      <a:camera prst="orthographicFront"/>
+      <a:lightRig rig="threePt" dir="t"/>
+    </dgm:scene3d>
+    <dgm:sp3d/>
+    <dgm:txPr/>
+    <dgm:style>
+      <a:lnRef idx="2">
+        <a:scrgbClr r="0" g="0" b="0"/>
+      </a:lnRef>
+      <a:fillRef idx="1">
+        <a:scrgbClr r="0" g="0" b="0"/>
+      </a:fillRef>
+      <a:effectRef idx="0">
+        <a:scrgbClr r="0" g="0" b="0"/>
+      </a:effectRef>
+      <a:fontRef idx="minor"/>
+    </dgm:style>
+  </dgm:styleLbl>
+  <dgm:styleLbl name="conFgAcc1">
+    <dgm:scene3d>
+      <a:camera prst="orthographicFront"/>
+      <a:lightRig rig="threePt" dir="t"/>
+    </dgm:scene3d>
+    <dgm:sp3d/>
+    <dgm:txPr/>
+    <dgm:style>
+      <a:lnRef idx="2">
+        <a:scrgbClr r="0" g="0" b="0"/>
+      </a:lnRef>
+      <a:fillRef idx="1">
+        <a:scrgbClr r="0" g="0" b="0"/>
+      </a:fillRef>
+      <a:effectRef idx="0">
+        <a:scrgbClr r="0" g="0" b="0"/>
+      </a:effectRef>
+      <a:fontRef idx="minor"/>
+    </dgm:style>
+  </dgm:styleLbl>
+  <dgm:styleLbl name="alignAcc1">
+    <dgm:scene3d>
+      <a:camera prst="orthographicFront"/>
+      <a:lightRig rig="threePt" dir="t"/>
+    </dgm:scene3d>
+    <dgm:sp3d/>
+    <dgm:txPr/>
+    <dgm:style>
+      <a:lnRef idx="2">
+        <a:scrgbClr r="0" g="0" b="0"/>
+      </a:lnRef>
+      <a:fillRef idx="1">
+        <a:scrgbClr r="0" g="0" b="0"/>
+      </a:fillRef>
+      <a:effectRef idx="0">
+        <a:scrgbClr r="0" g="0" b="0"/>
+      </a:effectRef>
+      <a:fontRef idx="minor"/>
+    </dgm:style>
+  </dgm:styleLbl>
+  <dgm:styleLbl name="trAlignAcc1">
+    <dgm:scene3d>
+      <a:camera prst="orthographicFront"/>
+      <a:lightRig rig="threePt" dir="t"/>
+    </dgm:scene3d>
+    <dgm:sp3d/>
+    <dgm:txPr/>
+    <dgm:style>
+      <a:lnRef idx="1">
+        <a:scrgbClr r="0" g="0" b="0"/>
+      </a:lnRef>
+      <a:fillRef idx="1">
+        <a:scrgbClr r="0" g="0" b="0"/>
+      </a:fillRef>
+      <a:effectRef idx="0">
+        <a:scrgbClr r="0" g="0" b="0"/>
+      </a:effectRef>
+      <a:fontRef idx="minor"/>
+    </dgm:style>
+  </dgm:styleLbl>
+  <dgm:styleLbl name="bgAcc1">
+    <dgm:scene3d>
+      <a:camera prst="orthographicFront"/>
+      <a:lightRig rig="threePt" dir="t"/>
+    </dgm:scene3d>
+    <dgm:sp3d/>
+    <dgm:txPr/>
+    <dgm:style>
+      <a:lnRef idx="2">
+        <a:scrgbClr r="0" g="0" b="0"/>
+      </a:lnRef>
+      <a:fillRef idx="1">
+        <a:scrgbClr r="0" g="0" b="0"/>
+      </a:fillRef>
+      <a:effectRef idx="0">
+        <a:scrgbClr r="0" g="0" b="0"/>
+      </a:effectRef>
+      <a:fontRef idx="minor"/>
+    </dgm:style>
+  </dgm:styleLbl>
+  <dgm:styleLbl name="solidFgAcc1">
+    <dgm:scene3d>
+      <a:camera prst="orthographicFront"/>
+      <a:lightRig rig="threePt" dir="t"/>
+    </dgm:scene3d>
+    <dgm:sp3d/>
+    <dgm:txPr/>
+    <dgm:style>
+      <a:lnRef idx="2">
+        <a:scrgbClr r="0" g="0" b="0"/>
+      </a:lnRef>
+      <a:fillRef idx="1">
+        <a:scrgbClr r="0" g="0" b="0"/>
+      </a:fillRef>
+      <a:effectRef idx="0">
+        <a:scrgbClr r="0" g="0" b="0"/>
+      </a:effectRef>
+      <a:fontRef idx="minor"/>
+    </dgm:style>
+  </dgm:styleLbl>
+  <dgm:styleLbl name="solidAlignAcc1">
+    <dgm:scene3d>
+      <a:camera prst="orthographicFront"/>
+      <a:lightRig rig="threePt" dir="t"/>
+    </dgm:scene3d>
+    <dgm:sp3d/>
+    <dgm:txPr/>
+    <dgm:style>
+      <a:lnRef idx="2">
+        <a:scrgbClr r="0" g="0" b="0"/>
+      </a:lnRef>
+      <a:fillRef idx="1">
+        <a:scrgbClr r="0" g="0" b="0"/>
+      </a:fillRef>
+      <a:effectRef idx="0">
+        <a:scrgbClr r="0" g="0" b="0"/>
+      </a:effectRef>
+      <a:fontRef idx="minor"/>
+    </dgm:style>
+  </dgm:styleLbl>
+  <dgm:styleLbl name="solidBgAcc1">
+    <dgm:scene3d>
+      <a:camera prst="orthographicFront"/>
+      <a:lightRig rig="threePt" dir="t"/>
+    </dgm:scene3d>
+    <dgm:sp3d/>
+    <dgm:txPr/>
+    <dgm:style>
+      <a:lnRef idx="2">
+        <a:scrgbClr r="0" g="0" b="0"/>
+      </a:lnRef>
+      <a:fillRef idx="1">
+        <a:scrgbClr r="0" g="0" b="0"/>
+      </a:fillRef>
+      <a:effectRef idx="0">
+        <a:scrgbClr r="0" g="0" b="0"/>
+      </a:effectRef>
+      <a:fontRef idx="minor"/>
+    </dgm:style>
+  </dgm:styleLbl>
+  <dgm:styleLbl name="fgAccFollowNode1">
+    <dgm:scene3d>
+      <a:camera prst="orthographicFront"/>
+      <a:lightRig rig="threePt" dir="t"/>
+    </dgm:scene3d>
+    <dgm:sp3d/>
+    <dgm:txPr/>
+    <dgm:style>
+      <a:lnRef idx="2">
+        <a:scrgbClr r="0" g="0" b="0"/>
+      </a:lnRef>
+      <a:fillRef idx="1">
+        <a:scrgbClr r="0" g="0" b="0"/>
+      </a:fillRef>
+      <a:effectRef idx="0">
+        <a:scrgbClr r="0" g="0" b="0"/>
+      </a:effectRef>
+      <a:fontRef idx="minor"/>
+    </dgm:style>
+  </dgm:styleLbl>
+  <dgm:styleLbl name="alignAccFollowNode1">
+    <dgm:scene3d>
+      <a:camera prst="orthographicFront"/>
+      <a:lightRig rig="threePt" dir="t"/>
+    </dgm:scene3d>
+    <dgm:sp3d/>
+    <dgm:txPr/>
+    <dgm:style>
+      <a:lnRef idx="2">
+        <a:scrgbClr r="0" g="0" b="0"/>
+      </a:lnRef>
+      <a:fillRef idx="1">
+        <a:scrgbClr r="0" g="0" b="0"/>
+      </a:fillRef>
+      <a:effectRef idx="0">
+        <a:scrgbClr r="0" g="0" b="0"/>
+      </a:effectRef>
+      <a:fontRef idx="minor"/>
+    </dgm:style>
+  </dgm:styleLbl>
+  <dgm:styleLbl name="bgAccFollowNode1">
+    <dgm:scene3d>
+      <a:camera prst="orthographicFront"/>
+      <a:lightRig rig="threePt" dir="t"/>
+    </dgm:scene3d>
+    <dgm:sp3d/>
+    <dgm:txPr/>
+    <dgm:style>
+      <a:lnRef idx="2">
+        <a:scrgbClr r="0" g="0" b="0"/>
+      </a:lnRef>
+      <a:fillRef idx="1">
+        <a:scrgbClr r="0" g="0" b="0"/>
+      </a:fillRef>
+      <a:effectRef idx="0">
+        <a:scrgbClr r="0" g="0" b="0"/>
+      </a:effectRef>
+      <a:fontRef idx="minor"/>
+    </dgm:style>
+  </dgm:styleLbl>
+  <dgm:styleLbl name="fgAcc0">
+    <dgm:scene3d>
+      <a:camera prst="orthographicFront"/>
+      <a:lightRig rig="threePt" dir="t"/>
+    </dgm:scene3d>
+    <dgm:sp3d/>
+    <dgm:txPr/>
+    <dgm:style>
+      <a:lnRef idx="2">
+        <a:scrgbClr r="0" g="0" b="0"/>
+      </a:lnRef>
+      <a:fillRef idx="1">
+        <a:scrgbClr r="0" g="0" b="0"/>
+      </a:fillRef>
+      <a:effectRef idx="0">
+        <a:scrgbClr r="0" g="0" b="0"/>
+      </a:effectRef>
+      <a:fontRef idx="minor"/>
+    </dgm:style>
+  </dgm:styleLbl>
+  <dgm:styleLbl name="fgAcc2">
+    <dgm:scene3d>
+      <a:camera prst="orthographicFront"/>
+      <a:lightRig rig="threePt" dir="t"/>
+    </dgm:scene3d>
+    <dgm:sp3d/>
+    <dgm:txPr/>
+    <dgm:style>
+      <a:lnRef idx="2">
+        <a:scrgbClr r="0" g="0" b="0"/>
+      </a:lnRef>
+      <a:fillRef idx="1">
+        <a:scrgbClr r="0" g="0" b="0"/>
+      </a:fillRef>
+      <a:effectRef idx="0">
+        <a:scrgbClr r="0" g="0" b="0"/>
+      </a:effectRef>
+      <a:fontRef idx="minor"/>
+    </dgm:style>
+  </dgm:styleLbl>
+  <dgm:styleLbl name="fgAcc3">
+    <dgm:scene3d>
+      <a:camera prst="orthographicFront"/>
+      <a:lightRig rig="threePt" dir="t"/>
+    </dgm:scene3d>
+    <dgm:sp3d/>
+    <dgm:txPr/>
+    <dgm:style>
+      <a:lnRef idx="2">
+        <a:scrgbClr r="0" g="0" b="0"/>
+      </a:lnRef>
+      <a:fillRef idx="1">
+        <a:scrgbClr r="0" g="0" b="0"/>
+      </a:fillRef>
+      <a:effectRef idx="0">
+        <a:scrgbClr r="0" g="0" b="0"/>
+      </a:effectRef>
+      <a:fontRef idx="minor"/>
+    </dgm:style>
+  </dgm:styleLbl>
+  <dgm:styleLbl name="fgAcc4">
+    <dgm:scene3d>
+      <a:camera prst="orthographicFront"/>
+      <a:lightRig rig="threePt" dir="t"/>
+    </dgm:scene3d>
+    <dgm:sp3d/>
+    <dgm:txPr/>
+    <dgm:style>
+      <a:lnRef idx="2">
+        <a:scrgbClr r="0" g="0" b="0"/>
+      </a:lnRef>
+      <a:fillRef idx="1">
+        <a:scrgbClr r="0" g="0" b="0"/>
+      </a:fillRef>
+      <a:effectRef idx="0">
+        <a:scrgbClr r="0" g="0" b="0"/>
+      </a:effectRef>
+      <a:fontRef idx="minor"/>
+    </dgm:style>
+  </dgm:styleLbl>
+  <dgm:styleLbl name="bgShp">
+    <dgm:scene3d>
+      <a:camera prst="orthographicFront"/>
+      <a:lightRig rig="threePt" dir="t"/>
+    </dgm:scene3d>
+    <dgm:sp3d/>
+    <dgm:txPr/>
+    <dgm:style>
+      <a:lnRef idx="0">
+        <a:scrgbClr r="0" g="0" b="0"/>
+      </a:lnRef>
+      <a:fillRef idx="1">
+        <a:scrgbClr r="0" g="0" b="0"/>
+      </a:fillRef>
+      <a:effectRef idx="0">
+        <a:scrgbClr r="0" g="0" b="0"/>
+      </a:effectRef>
+      <a:fontRef idx="minor"/>
+    </dgm:style>
+  </dgm:styleLbl>
+  <dgm:styleLbl name="dkBgShp">
+    <dgm:scene3d>
+      <a:camera prst="orthographicFront"/>
+      <a:lightRig rig="threePt" dir="t"/>
+    </dgm:scene3d>
+    <dgm:sp3d/>
+    <dgm:txPr/>
+    <dgm:style>
+      <a:lnRef idx="0">
+        <a:scrgbClr r="0" g="0" b="0"/>
+      </a:lnRef>
+      <a:fillRef idx="1">
+        <a:scrgbClr r="0" g="0" b="0"/>
+      </a:fillRef>
+      <a:effectRef idx="0">
+        <a:scrgbClr r="0" g="0" b="0"/>
+      </a:effectRef>
+      <a:fontRef idx="minor"/>
+    </dgm:style>
+  </dgm:styleLbl>
+  <dgm:styleLbl name="trBgShp">
+    <dgm:scene3d>
+      <a:camera prst="orthographicFront"/>
+      <a:lightRig rig="threePt" dir="t"/>
+    </dgm:scene3d>
+    <dgm:sp3d/>
+    <dgm:txPr/>
+    <dgm:style>
+      <a:lnRef idx="0">
+        <a:scrgbClr r="0" g="0" b="0"/>
+      </a:lnRef>
+      <a:fillRef idx="1">
+        <a:scrgbClr r="0" g="0" b="0"/>
+      </a:fillRef>
+      <a:effectRef idx="0">
+        <a:scrgbClr r="0" g="0" b="0"/>
+      </a:effectRef>
+      <a:fontRef idx="minor"/>
+    </dgm:style>
+  </dgm:styleLbl>
+  <dgm:styleLbl name="fgShp">
+    <dgm:scene3d>
+      <a:camera prst="orthographicFront"/>
+      <a:lightRig rig="threePt" dir="t"/>
+    </dgm:scene3d>
+    <dgm:sp3d/>
+    <dgm:txPr/>
+    <dgm:style>
+      <a:lnRef idx="2">
+        <a:scrgbClr r="0" g="0" b="0"/>
+      </a:lnRef>
+      <a:fillRef idx="1">
+        <a:scrgbClr r="0" g="0" b="0"/>
+      </a:fillRef>
+      <a:effectRef idx="0">
+        <a:scrgbClr r="0" g="0" b="0"/>
+      </a:effectRef>
+      <a:fontRef idx="minor"/>
+    </dgm:style>
+  </dgm:styleLbl>
+  <dgm:styleLbl name="revTx">
+    <dgm:scene3d>
+      <a:camera prst="orthographicFront"/>
+      <a:lightRig rig="threePt" dir="t"/>
+    </dgm:scene3d>
+    <dgm:sp3d/>
+    <dgm:txPr/>
+    <dgm:style>
+      <a:lnRef idx="0">
+        <a:scrgbClr r="0" g="0" b="0"/>
+      </a:lnRef>
+      <a:fillRef idx="0">
+        <a:scrgbClr r="0" g="0" b="0"/>
+      </a:fillRef>
+      <a:effectRef idx="0">
+        <a:scrgbClr r="0" g="0" b="0"/>
+      </a:effectRef>
+      <a:fontRef idx="minor"/>
+    </dgm:style>
+  </dgm:styleLbl>
+</dgm:styleDef>
 </file>
 
 <file path=ppt/notesMasters/notesMaster1.xml><?xml version="1.0" encoding="utf-8"?>
@@ -520,7 +3608,7 @@
           <a:bodyPr/>
           <a:lstStyle/>
           <a:p>
-            <a:endParaRPr lang="en-US"/>
+            <a:endParaRPr lang="en-US" dirty="0"/>
           </a:p>
         </p:txBody>
       </p:sp>
@@ -3421,6 +6509,237 @@
       </p:grpSpPr>
       <p:sp>
         <p:nvSpPr>
+          <p:cNvPr id="107" name="Rectangle 106">
+            <a:extLst>
+              <a:ext uri="{FF2B5EF4-FFF2-40B4-BE49-F238E27FC236}">
+                <a16:creationId xmlns:a16="http://schemas.microsoft.com/office/drawing/2014/main" xmlns="" id="{AAC209A6-BCC5-4773-ABFB-6ECBD44BCA8D}"/>
+              </a:ext>
+            </a:extLst>
+          </p:cNvPr>
+          <p:cNvSpPr/>
+          <p:nvPr/>
+        </p:nvSpPr>
+        <p:spPr>
+          <a:xfrm>
+            <a:off x="17987749" y="9899786"/>
+            <a:ext cx="17933158" cy="6321166"/>
+          </a:xfrm>
+          <a:prstGeom prst="rect">
+            <a:avLst/>
+          </a:prstGeom>
+          <a:solidFill>
+            <a:srgbClr val="ED7D31">
+              <a:lumMod val="40000"/>
+              <a:lumOff val="60000"/>
+            </a:srgbClr>
+          </a:solidFill>
+          <a:ln w="12700" cap="flat" cmpd="sng" algn="ctr">
+            <a:solidFill>
+              <a:srgbClr val="5B9BD5">
+                <a:shade val="50000"/>
+              </a:srgbClr>
+            </a:solidFill>
+            <a:prstDash val="solid"/>
+            <a:miter lim="800000"/>
+          </a:ln>
+          <a:effectLst/>
+        </p:spPr>
+        <p:txBody>
+          <a:bodyPr rtlCol="0" anchor="ctr"/>
+          <a:lstStyle/>
+          <a:p>
+            <a:pPr marL="0" marR="0" lvl="0" indent="0" algn="ctr" defTabSz="457200" eaLnBrk="1" fontAlgn="auto" latinLnBrk="0" hangingPunct="1">
+              <a:lnSpc>
+                <a:spcPct val="100000"/>
+              </a:lnSpc>
+              <a:spcBef>
+                <a:spcPts val="0"/>
+              </a:spcBef>
+              <a:spcAft>
+                <a:spcPts val="0"/>
+              </a:spcAft>
+              <a:buClrTx/>
+              <a:buSzTx/>
+              <a:buFontTx/>
+              <a:buNone/>
+              <a:tabLst/>
+              <a:defRPr/>
+            </a:pPr>
+            <a:endParaRPr kumimoji="0" lang="en-US" sz="1800" b="0" i="0" u="none" strike="noStrike" kern="0" cap="none" spc="0" normalizeH="0" baseline="0" noProof="0" dirty="0">
+              <a:ln>
+                <a:noFill/>
+              </a:ln>
+              <a:solidFill>
+                <a:prstClr val="white"/>
+              </a:solidFill>
+              <a:effectLst/>
+              <a:uLnTx/>
+              <a:uFillTx/>
+              <a:latin typeface="Calibri" panose="020F0502020204030204"/>
+              <a:ea typeface="+mn-ea"/>
+              <a:cs typeface="+mn-cs"/>
+            </a:endParaRPr>
+          </a:p>
+        </p:txBody>
+      </p:sp>
+      <p:graphicFrame>
+        <p:nvGraphicFramePr>
+          <p:cNvPr id="14" name="Diagram 13"/>
+          <p:cNvGraphicFramePr/>
+          <p:nvPr>
+            <p:extLst>
+              <p:ext uri="{D42A27DB-BD31-4B8C-83A1-F6EECF244321}">
+                <p14:modId xmlns:p14="http://schemas.microsoft.com/office/powerpoint/2010/main" val="2509145340"/>
+              </p:ext>
+            </p:extLst>
+          </p:nvPr>
+        </p:nvGraphicFramePr>
+        <p:xfrm>
+          <a:off x="1358241" y="9924606"/>
+          <a:ext cx="16291471" cy="6296345"/>
+        </p:xfrm>
+        <a:graphic>
+          <a:graphicData uri="http://schemas.openxmlformats.org/drawingml/2006/diagram">
+            <dgm:relIds xmlns:dgm="http://schemas.openxmlformats.org/drawingml/2006/diagram" xmlns:r="http://schemas.openxmlformats.org/officeDocument/2006/relationships" r:dm="rId3" r:lo="rId4" r:qs="rId5" r:cs="rId6"/>
+          </a:graphicData>
+        </a:graphic>
+      </p:graphicFrame>
+      <p:sp>
+        <p:nvSpPr>
+          <p:cNvPr id="9" name="Rectangle 8"/>
+          <p:cNvSpPr/>
+          <p:nvPr/>
+        </p:nvSpPr>
+        <p:spPr>
+          <a:xfrm>
+            <a:off x="26236387" y="24295709"/>
+            <a:ext cx="16356366" cy="7182124"/>
+          </a:xfrm>
+          <a:prstGeom prst="rect">
+            <a:avLst/>
+          </a:prstGeom>
+          <a:solidFill>
+            <a:srgbClr val="F8CBAD"/>
+          </a:solidFill>
+        </p:spPr>
+        <p:style>
+          <a:lnRef idx="2">
+            <a:schemeClr val="accent1">
+              <a:shade val="50000"/>
+            </a:schemeClr>
+          </a:lnRef>
+          <a:fillRef idx="1">
+            <a:schemeClr val="accent1"/>
+          </a:fillRef>
+          <a:effectRef idx="0">
+            <a:schemeClr val="accent1"/>
+          </a:effectRef>
+          <a:fontRef idx="minor">
+            <a:schemeClr val="lt1"/>
+          </a:fontRef>
+        </p:style>
+        <p:txBody>
+          <a:bodyPr rtlCol="0" anchor="ctr"/>
+          <a:lstStyle/>
+          <a:p>
+            <a:pPr algn="ctr"/>
+            <a:endParaRPr lang="en-US"/>
+          </a:p>
+        </p:txBody>
+      </p:sp>
+      <p:sp>
+        <p:nvSpPr>
+          <p:cNvPr id="8" name="Rectangle 7"/>
+          <p:cNvSpPr/>
+          <p:nvPr/>
+        </p:nvSpPr>
+        <p:spPr>
+          <a:xfrm>
+            <a:off x="26236387" y="16733789"/>
+            <a:ext cx="16281992" cy="7149794"/>
+          </a:xfrm>
+          <a:prstGeom prst="rect">
+            <a:avLst/>
+          </a:prstGeom>
+          <a:solidFill>
+            <a:schemeClr val="bg2">
+              <a:lumMod val="90000"/>
+            </a:schemeClr>
+          </a:solidFill>
+        </p:spPr>
+        <p:style>
+          <a:lnRef idx="2">
+            <a:schemeClr val="accent1">
+              <a:shade val="50000"/>
+            </a:schemeClr>
+          </a:lnRef>
+          <a:fillRef idx="1">
+            <a:schemeClr val="accent1"/>
+          </a:fillRef>
+          <a:effectRef idx="0">
+            <a:schemeClr val="accent1"/>
+          </a:effectRef>
+          <a:fontRef idx="minor">
+            <a:schemeClr val="lt1"/>
+          </a:fontRef>
+        </p:style>
+        <p:txBody>
+          <a:bodyPr rtlCol="0" anchor="ctr"/>
+          <a:lstStyle/>
+          <a:p>
+            <a:pPr algn="ctr"/>
+            <a:endParaRPr lang="en-US"/>
+          </a:p>
+        </p:txBody>
+      </p:sp>
+      <p:sp>
+        <p:nvSpPr>
+          <p:cNvPr id="7" name="Rectangle 6"/>
+          <p:cNvSpPr/>
+          <p:nvPr/>
+        </p:nvSpPr>
+        <p:spPr>
+          <a:xfrm>
+            <a:off x="1467101" y="16796628"/>
+            <a:ext cx="24219226" cy="14681205"/>
+          </a:xfrm>
+          <a:prstGeom prst="rect">
+            <a:avLst/>
+          </a:prstGeom>
+          <a:solidFill>
+            <a:srgbClr val="9DC3E6"/>
+          </a:solidFill>
+          <a:ln>
+            <a:noFill/>
+          </a:ln>
+        </p:spPr>
+        <p:style>
+          <a:lnRef idx="2">
+            <a:schemeClr val="accent1">
+              <a:shade val="50000"/>
+            </a:schemeClr>
+          </a:lnRef>
+          <a:fillRef idx="1">
+            <a:schemeClr val="accent1"/>
+          </a:fillRef>
+          <a:effectRef idx="0">
+            <a:schemeClr val="accent1"/>
+          </a:effectRef>
+          <a:fontRef idx="minor">
+            <a:schemeClr val="lt1"/>
+          </a:fontRef>
+        </p:style>
+        <p:txBody>
+          <a:bodyPr rtlCol="0" anchor="ctr"/>
+          <a:lstStyle/>
+          <a:p>
+            <a:pPr algn="ctr"/>
+            <a:endParaRPr lang="en-US"/>
+          </a:p>
+        </p:txBody>
+      </p:sp>
+      <p:sp>
+        <p:nvSpPr>
           <p:cNvPr id="104" name="Rectangle 103">
             <a:extLst>
               <a:ext uri="{FF2B5EF4-FFF2-40B4-BE49-F238E27FC236}">
@@ -3433,21 +6752,20 @@
         </p:nvSpPr>
         <p:spPr>
           <a:xfrm>
-            <a:off x="36178322" y="9234424"/>
-            <a:ext cx="7008916" cy="6986527"/>
+            <a:off x="36178322" y="9924606"/>
+            <a:ext cx="6341278" cy="6296345"/>
           </a:xfrm>
           <a:prstGeom prst="rect">
             <a:avLst/>
           </a:prstGeom>
           <a:solidFill>
-            <a:srgbClr val="4472C4"/>
+            <a:schemeClr val="accent6">
+              <a:lumMod val="40000"/>
+              <a:lumOff val="60000"/>
+            </a:schemeClr>
           </a:solidFill>
           <a:ln w="12700" cap="flat" cmpd="sng" algn="ctr">
-            <a:solidFill>
-              <a:srgbClr val="4472C4">
-                <a:shade val="50000"/>
-              </a:srgbClr>
-            </a:solidFill>
+            <a:noFill/>
             <a:prstDash val="solid"/>
             <a:miter lim="800000"/>
           </a:ln>
@@ -3505,21 +6823,20 @@
         </p:nvSpPr>
         <p:spPr>
           <a:xfrm>
-            <a:off x="23494571" y="3952754"/>
-            <a:ext cx="7209659" cy="4864458"/>
+            <a:off x="19600718" y="3927180"/>
+            <a:ext cx="9081006" cy="5307243"/>
           </a:xfrm>
           <a:prstGeom prst="rect">
             <a:avLst/>
           </a:prstGeom>
           <a:solidFill>
-            <a:srgbClr val="4472C4"/>
+            <a:schemeClr val="accent1">
+              <a:lumMod val="60000"/>
+              <a:lumOff val="40000"/>
+            </a:schemeClr>
           </a:solidFill>
           <a:ln w="12700" cap="flat" cmpd="sng" algn="ctr">
-            <a:solidFill>
-              <a:srgbClr val="4472C4">
-                <a:shade val="50000"/>
-              </a:srgbClr>
-            </a:solidFill>
+            <a:noFill/>
             <a:prstDash val="solid"/>
             <a:miter lim="800000"/>
           </a:ln>
@@ -3577,21 +6894,20 @@
         </p:nvSpPr>
         <p:spPr>
           <a:xfrm>
-            <a:off x="13211768" y="3923566"/>
-            <a:ext cx="9987186" cy="4893646"/>
+            <a:off x="10825719" y="3923565"/>
+            <a:ext cx="8485525" cy="5310858"/>
           </a:xfrm>
           <a:prstGeom prst="rect">
             <a:avLst/>
           </a:prstGeom>
           <a:solidFill>
-            <a:srgbClr val="92D050"/>
+            <a:schemeClr val="accent6">
+              <a:lumMod val="40000"/>
+              <a:lumOff val="60000"/>
+            </a:schemeClr>
           </a:solidFill>
           <a:ln w="12700" cap="flat" cmpd="sng" algn="ctr">
-            <a:solidFill>
-              <a:srgbClr val="4472C4">
-                <a:shade val="50000"/>
-              </a:srgbClr>
-            </a:solidFill>
+            <a:noFill/>
             <a:prstDash val="solid"/>
             <a:miter lim="800000"/>
           </a:ln>
@@ -3637,98 +6953,6 @@
       </p:sp>
       <p:sp>
         <p:nvSpPr>
-          <p:cNvPr id="107" name="Rectangle 106">
-            <a:extLst>
-              <a:ext uri="{FF2B5EF4-FFF2-40B4-BE49-F238E27FC236}">
-                <a16:creationId xmlns:a16="http://schemas.microsoft.com/office/drawing/2014/main" xmlns="" id="{AAC209A6-BCC5-4773-ABFB-6ECBD44BCA8D}"/>
-              </a:ext>
-            </a:extLst>
-          </p:cNvPr>
-          <p:cNvSpPr/>
-          <p:nvPr/>
-        </p:nvSpPr>
-        <p:spPr>
-          <a:xfrm>
-            <a:off x="12437542" y="9189126"/>
-            <a:ext cx="23242346" cy="7031825"/>
-          </a:xfrm>
-          <a:prstGeom prst="rect">
-            <a:avLst/>
-          </a:prstGeom>
-          <a:solidFill>
-            <a:srgbClr val="ED7D31">
-              <a:lumMod val="40000"/>
-              <a:lumOff val="60000"/>
-            </a:srgbClr>
-          </a:solidFill>
-          <a:ln w="12700" cap="flat" cmpd="sng" algn="ctr">
-            <a:solidFill>
-              <a:srgbClr val="5B9BD5">
-                <a:shade val="50000"/>
-              </a:srgbClr>
-            </a:solidFill>
-            <a:prstDash val="solid"/>
-            <a:miter lim="800000"/>
-          </a:ln>
-          <a:effectLst/>
-        </p:spPr>
-        <p:txBody>
-          <a:bodyPr rtlCol="0" anchor="ctr"/>
-          <a:lstStyle/>
-          <a:p>
-            <a:pPr marL="0" marR="0" lvl="0" indent="0" algn="ctr" defTabSz="457200" eaLnBrk="1" fontAlgn="auto" latinLnBrk="0" hangingPunct="1">
-              <a:lnSpc>
-                <a:spcPct val="100000"/>
-              </a:lnSpc>
-              <a:spcBef>
-                <a:spcPts val="0"/>
-              </a:spcBef>
-              <a:spcAft>
-                <a:spcPts val="0"/>
-              </a:spcAft>
-              <a:buClrTx/>
-              <a:buSzTx/>
-              <a:buFontTx/>
-              <a:buNone/>
-              <a:tabLst/>
-              <a:defRPr/>
-            </a:pPr>
-            <a:r>
-              <a:rPr kumimoji="0" lang="en-US" sz="1800" b="0" i="0" u="none" strike="noStrike" kern="0" cap="none" spc="0" normalizeH="0" baseline="0" noProof="0" dirty="0" err="1" smtClean="0">
-                <a:ln>
-                  <a:noFill/>
-                </a:ln>
-                <a:solidFill>
-                  <a:prstClr val="white"/>
-                </a:solidFill>
-                <a:effectLst/>
-                <a:uLnTx/>
-                <a:uFillTx/>
-                <a:latin typeface="Calibri" panose="020F0502020204030204"/>
-                <a:ea typeface="+mn-ea"/>
-                <a:cs typeface="+mn-cs"/>
-              </a:rPr>
-              <a:t>fd</a:t>
-            </a:r>
-            <a:endParaRPr kumimoji="0" lang="en-US" sz="1800" b="0" i="0" u="none" strike="noStrike" kern="0" cap="none" spc="0" normalizeH="0" baseline="0" noProof="0" dirty="0">
-              <a:ln>
-                <a:noFill/>
-              </a:ln>
-              <a:solidFill>
-                <a:prstClr val="white"/>
-              </a:solidFill>
-              <a:effectLst/>
-              <a:uLnTx/>
-              <a:uFillTx/>
-              <a:latin typeface="Calibri" panose="020F0502020204030204"/>
-              <a:ea typeface="+mn-ea"/>
-              <a:cs typeface="+mn-cs"/>
-            </a:endParaRPr>
-          </a:p>
-        </p:txBody>
-      </p:sp>
-      <p:sp>
-        <p:nvSpPr>
           <p:cNvPr id="108" name="Rectangle 107">
             <a:extLst>
               <a:ext uri="{FF2B5EF4-FFF2-40B4-BE49-F238E27FC236}">
@@ -3741,14 +6965,16 @@
         </p:nvSpPr>
         <p:spPr>
           <a:xfrm>
-            <a:off x="1301938" y="9189126"/>
-            <a:ext cx="10637171" cy="7094728"/>
+            <a:off x="28971196" y="3981525"/>
+            <a:ext cx="13548404" cy="5192349"/>
           </a:xfrm>
           <a:prstGeom prst="rect">
             <a:avLst/>
           </a:prstGeom>
           <a:solidFill>
-            <a:srgbClr val="A5A5A5"/>
+            <a:schemeClr val="bg2">
+              <a:lumMod val="90000"/>
+            </a:schemeClr>
           </a:solidFill>
           <a:ln w="12700" cap="flat" cmpd="sng" algn="ctr">
             <a:solidFill>
@@ -3814,7 +7040,7 @@
         <p:spPr>
           <a:xfrm>
             <a:off x="1467102" y="3923568"/>
-            <a:ext cx="11449050" cy="4893647"/>
+            <a:ext cx="9063004" cy="5310855"/>
           </a:xfrm>
           <a:prstGeom prst="rect">
             <a:avLst/>
@@ -3853,7 +7079,7 @@
               <a:defRPr/>
             </a:pPr>
             <a:r>
-              <a:rPr kumimoji="0" lang="en-US" sz="5000" b="0" i="0" u="none" strike="noStrike" kern="0" cap="none" spc="0" normalizeH="0" baseline="0" noProof="0" dirty="0">
+              <a:rPr kumimoji="0" lang="en-US" sz="5000" b="0" i="0" u="sng" strike="noStrike" kern="0" cap="none" spc="0" normalizeH="0" baseline="0" noProof="0" dirty="0">
                 <a:ln>
                   <a:noFill/>
                 </a:ln>
@@ -3867,7 +7093,7 @@
               <a:t>Problem</a:t>
             </a:r>
             <a:r>
-              <a:rPr kumimoji="0" lang="en-US" sz="7200" b="0" i="0" u="none" strike="noStrike" kern="0" cap="none" spc="0" normalizeH="0" baseline="0" noProof="0" dirty="0">
+              <a:rPr kumimoji="0" lang="en-US" sz="7200" b="0" i="0" u="sng" strike="noStrike" kern="0" cap="none" spc="0" normalizeH="0" baseline="0" noProof="0" dirty="0">
                 <a:ln>
                   <a:noFill/>
                 </a:ln>
@@ -3880,7 +7106,7 @@
               </a:rPr>
               <a:t> </a:t>
             </a:r>
-            <a:endParaRPr kumimoji="0" lang="en-US" sz="3000" b="0" i="0" u="none" strike="noStrike" kern="0" cap="none" spc="0" normalizeH="0" baseline="0" noProof="0" dirty="0">
+            <a:endParaRPr kumimoji="0" lang="en-US" sz="3000" b="0" i="0" u="sng" strike="noStrike" kern="0" cap="none" spc="0" normalizeH="0" baseline="0" noProof="0" dirty="0">
               <a:ln>
                 <a:noFill/>
               </a:ln>
@@ -4068,7 +7294,7 @@
         </p:nvSpPr>
         <p:spPr>
           <a:xfrm>
-            <a:off x="5416550" y="962649"/>
+            <a:off x="5343398" y="962649"/>
             <a:ext cx="32346900" cy="2246769"/>
           </a:xfrm>
           <a:prstGeom prst="rect">
@@ -4076,9 +7302,7 @@
           </a:prstGeom>
           <a:noFill/>
           <a:ln>
-            <a:solidFill>
-              <a:srgbClr val="44546A"/>
-            </a:solidFill>
+            <a:noFill/>
           </a:ln>
         </p:spPr>
         <p:txBody>
@@ -4179,8 +7403,8 @@
         </p:nvSpPr>
         <p:spPr>
           <a:xfrm>
-            <a:off x="13211768" y="3923566"/>
-            <a:ext cx="9987186" cy="4739759"/>
+            <a:off x="10825719" y="3923565"/>
+            <a:ext cx="8485525" cy="4739759"/>
           </a:xfrm>
           <a:prstGeom prst="rect">
             <a:avLst/>
@@ -4195,6 +7419,53 @@
             <a:spAutoFit/>
           </a:bodyPr>
           <a:lstStyle/>
+          <a:p>
+            <a:pPr marL="0" marR="0" lvl="0" indent="0" defTabSz="457200" eaLnBrk="1" fontAlgn="auto" latinLnBrk="0" hangingPunct="1">
+              <a:lnSpc>
+                <a:spcPct val="100000"/>
+              </a:lnSpc>
+              <a:spcBef>
+                <a:spcPts val="0"/>
+              </a:spcBef>
+              <a:spcAft>
+                <a:spcPts val="0"/>
+              </a:spcAft>
+              <a:buClrTx/>
+              <a:buSzTx/>
+              <a:buFontTx/>
+              <a:buNone/>
+              <a:tabLst/>
+              <a:defRPr/>
+            </a:pPr>
+            <a:r>
+              <a:rPr kumimoji="0" lang="en-US" sz="5000" b="0" i="0" u="sng" strike="noStrike" kern="0" cap="none" spc="0" normalizeH="0" baseline="0" noProof="0" dirty="0">
+                <a:ln>
+                  <a:noFill/>
+                </a:ln>
+                <a:solidFill>
+                  <a:prstClr val="black"/>
+                </a:solidFill>
+                <a:effectLst/>
+                <a:uLnTx/>
+                <a:uFillTx/>
+              </a:rPr>
+              <a:t>Hypothesis</a:t>
+            </a:r>
+            <a:r>
+              <a:rPr kumimoji="0" lang="en-US" sz="7200" b="0" i="0" u="none" strike="noStrike" kern="0" cap="none" spc="0" normalizeH="0" baseline="0" noProof="0" dirty="0">
+                <a:ln>
+                  <a:noFill/>
+                </a:ln>
+                <a:solidFill>
+                  <a:prstClr val="black"/>
+                </a:solidFill>
+                <a:effectLst/>
+                <a:uLnTx/>
+                <a:uFillTx/>
+              </a:rPr>
+              <a:t> </a:t>
+            </a:r>
+          </a:p>
           <a:p>
             <a:pPr marL="0" marR="0" lvl="0" indent="0" algn="ctr" defTabSz="457200" eaLnBrk="1" fontAlgn="auto" latinLnBrk="0" hangingPunct="1">
               <a:lnSpc>
@@ -4214,53 +7485,6 @@
               <a:defRPr/>
             </a:pPr>
             <a:r>
-              <a:rPr kumimoji="0" lang="en-US" sz="5000" b="0" i="0" u="sng" strike="noStrike" kern="0" cap="none" spc="0" normalizeH="0" baseline="0" noProof="0" dirty="0">
-                <a:ln>
-                  <a:noFill/>
-                </a:ln>
-                <a:solidFill>
-                  <a:prstClr val="black"/>
-                </a:solidFill>
-                <a:effectLst/>
-                <a:uLnTx/>
-                <a:uFillTx/>
-              </a:rPr>
-              <a:t>Hypothesis</a:t>
-            </a:r>
-            <a:r>
-              <a:rPr kumimoji="0" lang="en-US" sz="7200" b="0" i="0" u="none" strike="noStrike" kern="0" cap="none" spc="0" normalizeH="0" baseline="0" noProof="0" dirty="0">
-                <a:ln>
-                  <a:noFill/>
-                </a:ln>
-                <a:solidFill>
-                  <a:prstClr val="black"/>
-                </a:solidFill>
-                <a:effectLst/>
-                <a:uLnTx/>
-                <a:uFillTx/>
-              </a:rPr>
-              <a:t> </a:t>
-            </a:r>
-          </a:p>
-          <a:p>
-            <a:pPr marL="0" marR="0" lvl="0" indent="0" algn="ctr" defTabSz="457200" eaLnBrk="1" fontAlgn="auto" latinLnBrk="0" hangingPunct="1">
-              <a:lnSpc>
-                <a:spcPct val="100000"/>
-              </a:lnSpc>
-              <a:spcBef>
-                <a:spcPts val="0"/>
-              </a:spcBef>
-              <a:spcAft>
-                <a:spcPts val="0"/>
-              </a:spcAft>
-              <a:buClrTx/>
-              <a:buSzTx/>
-              <a:buFontTx/>
-              <a:buNone/>
-              <a:tabLst/>
-              <a:defRPr/>
-            </a:pPr>
-            <a:r>
               <a:rPr kumimoji="0" lang="en-US" sz="3000" b="0" i="0" u="none" strike="noStrike" kern="0" cap="none" spc="0" normalizeH="0" baseline="0" noProof="0" dirty="0">
                 <a:ln>
                   <a:noFill/>
@@ -4276,7 +7500,7 @@
             </a:r>
           </a:p>
           <a:p>
-            <a:pPr marL="0" marR="0" lvl="0" indent="0" algn="ctr" defTabSz="457200" eaLnBrk="1" fontAlgn="auto" latinLnBrk="0" hangingPunct="1">
+            <a:pPr marL="0" marR="0" lvl="0" indent="0" defTabSz="457200" eaLnBrk="1" fontAlgn="auto" latinLnBrk="0" hangingPunct="1">
               <a:lnSpc>
                 <a:spcPct val="100000"/>
               </a:lnSpc>
@@ -4423,8 +7647,8 @@
         </p:nvSpPr>
         <p:spPr>
           <a:xfrm>
-            <a:off x="23494569" y="3923566"/>
-            <a:ext cx="7209659" cy="4862870"/>
+            <a:off x="19612997" y="3802288"/>
+            <a:ext cx="9068727" cy="4862870"/>
           </a:xfrm>
           <a:prstGeom prst="rect">
             <a:avLst/>
@@ -4458,7 +7682,7 @@
               <a:defRPr/>
             </a:pPr>
             <a:r>
-              <a:rPr kumimoji="0" lang="en-US" sz="5000" b="0" i="0" u="none" strike="noStrike" kern="0" cap="none" spc="0" normalizeH="0" baseline="0" noProof="0" dirty="0">
+              <a:rPr kumimoji="0" lang="en-US" sz="5000" b="0" i="0" u="sng" strike="noStrike" kern="0" cap="none" spc="0" normalizeH="0" baseline="0" noProof="0" dirty="0">
                 <a:ln>
                   <a:noFill/>
                 </a:ln>
@@ -4530,8 +7754,33 @@
                 <a:uLnTx/>
                 <a:uFillTx/>
               </a:rPr>
-              <a:t> labels help students deconstruct problems. [Morrison]</a:t>
-            </a:r>
+              <a:t> labels help students deconstruct problems. </a:t>
+            </a:r>
+            <a:r>
+              <a:rPr kumimoji="0" lang="en-US" sz="3000" b="0" i="0" u="none" strike="noStrike" kern="0" cap="none" spc="0" normalizeH="0" baseline="0" noProof="0" dirty="0" smtClean="0">
+                <a:ln>
+                  <a:noFill/>
+                </a:ln>
+                <a:solidFill>
+                  <a:prstClr val="black"/>
+                </a:solidFill>
+                <a:effectLst/>
+                <a:uLnTx/>
+                <a:uFillTx/>
+              </a:rPr>
+              <a:t>[2]</a:t>
+            </a:r>
+            <a:endParaRPr kumimoji="0" lang="en-US" sz="3000" b="0" i="0" u="none" strike="noStrike" kern="0" cap="none" spc="0" normalizeH="0" baseline="0" noProof="0" dirty="0">
+              <a:ln>
+                <a:noFill/>
+              </a:ln>
+              <a:solidFill>
+                <a:prstClr val="black"/>
+              </a:solidFill>
+              <a:effectLst/>
+              <a:uLnTx/>
+              <a:uFillTx/>
+            </a:endParaRPr>
           </a:p>
           <a:p>
             <a:pPr marL="457200" marR="0" lvl="0" indent="-457200" defTabSz="457200" eaLnBrk="1" fontAlgn="auto" latinLnBrk="0" hangingPunct="1">
@@ -4565,6 +7814,87 @@
               </a:rPr>
               <a:t> </a:t>
             </a:r>
+            <a:r>
+              <a:rPr kumimoji="0" lang="en-US" sz="3000" b="0" i="0" u="none" strike="noStrike" kern="0" cap="none" spc="0" normalizeH="0" baseline="0" noProof="0" dirty="0" err="1" smtClean="0">
+                <a:ln>
+                  <a:noFill/>
+                </a:ln>
+                <a:solidFill>
+                  <a:prstClr val="black"/>
+                </a:solidFill>
+                <a:effectLst/>
+                <a:uLnTx/>
+                <a:uFillTx/>
+              </a:rPr>
+              <a:t>Subgoal</a:t>
+            </a:r>
+            <a:r>
+              <a:rPr kumimoji="0" lang="en-US" sz="3000" b="0" i="0" u="none" strike="noStrike" kern="0" cap="none" spc="0" normalizeH="0" baseline="0" noProof="0" dirty="0" smtClean="0">
+                <a:ln>
+                  <a:noFill/>
+                </a:ln>
+                <a:solidFill>
+                  <a:prstClr val="black"/>
+                </a:solidFill>
+                <a:effectLst/>
+                <a:uLnTx/>
+                <a:uFillTx/>
+              </a:rPr>
+              <a:t> labeled instructional text paired with </a:t>
+            </a:r>
+            <a:r>
+              <a:rPr kumimoji="0" lang="en-US" sz="3000" b="0" i="0" u="none" strike="noStrike" kern="0" cap="none" spc="0" normalizeH="0" baseline="0" noProof="0" dirty="0" err="1" smtClean="0">
+                <a:ln>
+                  <a:noFill/>
+                </a:ln>
+                <a:solidFill>
+                  <a:prstClr val="black"/>
+                </a:solidFill>
+                <a:effectLst/>
+                <a:uLnTx/>
+                <a:uFillTx/>
+              </a:rPr>
+              <a:t>subgoal</a:t>
+            </a:r>
+            <a:r>
+              <a:rPr kumimoji="0" lang="en-US" sz="3000" b="0" i="0" u="none" strike="noStrike" kern="0" cap="none" spc="0" normalizeH="0" baseline="0" noProof="0" dirty="0" smtClean="0">
+                <a:ln>
+                  <a:noFill/>
+                </a:ln>
+                <a:solidFill>
+                  <a:prstClr val="black"/>
+                </a:solidFill>
+                <a:effectLst/>
+                <a:uLnTx/>
+                <a:uFillTx/>
+              </a:rPr>
+              <a:t> labeled examples can improve performance </a:t>
+            </a:r>
+            <a:r>
+              <a:rPr kumimoji="0" lang="en-US" sz="3000" b="0" i="0" u="none" strike="noStrike" kern="0" cap="none" spc="0" normalizeH="0" baseline="0" noProof="0" dirty="0" smtClean="0">
+                <a:ln>
+                  <a:noFill/>
+                </a:ln>
+                <a:solidFill>
+                  <a:prstClr val="black"/>
+                </a:solidFill>
+                <a:effectLst/>
+                <a:uLnTx/>
+                <a:uFillTx/>
+              </a:rPr>
+              <a:t>[1]</a:t>
+            </a:r>
+            <a:endParaRPr kumimoji="0" lang="en-US" sz="3000" b="0" i="0" u="none" strike="noStrike" kern="0" cap="none" spc="0" normalizeH="0" baseline="0" noProof="0" dirty="0">
+              <a:ln>
+                <a:noFill/>
+              </a:ln>
+              <a:solidFill>
+                <a:prstClr val="black"/>
+              </a:solidFill>
+              <a:effectLst/>
+              <a:uLnTx/>
+              <a:uFillTx/>
+            </a:endParaRPr>
           </a:p>
           <a:p>
             <a:pPr marL="0" marR="0" lvl="0" indent="0" defTabSz="457200" eaLnBrk="1" fontAlgn="auto" latinLnBrk="0" hangingPunct="1">
@@ -4585,7 +7915,7 @@
               <a:defRPr/>
             </a:pPr>
             <a:r>
-              <a:rPr kumimoji="0" lang="en-US" sz="5000" b="0" i="0" u="none" strike="noStrike" kern="0" cap="none" spc="0" normalizeH="0" baseline="0" noProof="0" dirty="0">
+              <a:rPr kumimoji="0" lang="en-US" sz="5000" b="0" i="0" u="sng" strike="noStrike" kern="0" cap="none" spc="0" normalizeH="0" baseline="0" noProof="0" dirty="0">
                 <a:ln>
                   <a:noFill/>
                 </a:ln>
@@ -4629,10 +7959,10 @@
                 <a:uLnTx/>
                 <a:uFillTx/>
               </a:rPr>
-              <a:t>Worked Examples[</a:t>
-            </a:r>
-            <a:r>
-              <a:rPr kumimoji="0" lang="en-US" sz="3000" b="0" i="0" u="none" strike="noStrike" kern="0" cap="none" spc="0" normalizeH="0" baseline="0" noProof="0" dirty="0" err="1">
+              <a:t>Worked </a:t>
+            </a:r>
+            <a:r>
+              <a:rPr kumimoji="0" lang="en-US" sz="3000" b="0" i="0" u="none" strike="noStrike" kern="0" cap="none" spc="0" normalizeH="0" baseline="0" noProof="0" dirty="0" smtClean="0">
                 <a:ln>
                   <a:noFill/>
                 </a:ln>
@@ -4643,50 +7973,19 @@
                 <a:uLnTx/>
                 <a:uFillTx/>
               </a:rPr>
-              <a:t>Renkl</a:t>
-            </a:r>
-            <a:r>
-              <a:rPr kumimoji="0" lang="en-US" sz="3000" b="0" i="0" u="none" strike="noStrike" kern="0" cap="none" spc="0" normalizeH="0" baseline="0" noProof="0" dirty="0">
-                <a:ln>
-                  <a:noFill/>
-                </a:ln>
-                <a:solidFill>
-                  <a:prstClr val="black"/>
-                </a:solidFill>
-                <a:effectLst/>
-                <a:uLnTx/>
-                <a:uFillTx/>
-              </a:rPr>
-              <a:t>][</a:t>
-            </a:r>
-            <a:r>
-              <a:rPr kumimoji="0" lang="en-US" sz="3000" b="0" i="0" u="none" strike="noStrike" kern="0" cap="none" spc="0" normalizeH="0" baseline="0" noProof="0" dirty="0" err="1">
-                <a:ln>
-                  <a:noFill/>
-                </a:ln>
-                <a:solidFill>
-                  <a:prstClr val="black"/>
-                </a:solidFill>
-                <a:effectLst/>
-                <a:uLnTx/>
-                <a:uFillTx/>
-              </a:rPr>
-              <a:t>Sweller</a:t>
-            </a:r>
-            <a:r>
-              <a:rPr kumimoji="0" lang="en-US" sz="3000" b="0" i="0" u="none" strike="noStrike" kern="0" cap="none" spc="0" normalizeH="0" baseline="0" noProof="0" dirty="0">
-                <a:ln>
-                  <a:noFill/>
-                </a:ln>
-                <a:solidFill>
-                  <a:prstClr val="black"/>
-                </a:solidFill>
-                <a:effectLst/>
-                <a:uLnTx/>
-                <a:uFillTx/>
-              </a:rPr>
-              <a:t>]</a:t>
-            </a:r>
+              <a:t>Examples [5][6]</a:t>
+            </a:r>
+            <a:endParaRPr kumimoji="0" lang="en-US" sz="3000" b="0" i="0" u="none" strike="noStrike" kern="0" cap="none" spc="0" normalizeH="0" baseline="0" noProof="0" dirty="0">
+              <a:ln>
+                <a:noFill/>
+              </a:ln>
+              <a:solidFill>
+                <a:prstClr val="black"/>
+              </a:solidFill>
+              <a:effectLst/>
+              <a:uLnTx/>
+              <a:uFillTx/>
+            </a:endParaRPr>
           </a:p>
           <a:p>
             <a:pPr marL="457200" marR="0" lvl="0" indent="-457200" defTabSz="457200" eaLnBrk="1" fontAlgn="auto" latinLnBrk="0" hangingPunct="1">
@@ -4718,10 +8017,10 @@
                 <a:uLnTx/>
                 <a:uFillTx/>
               </a:rPr>
-              <a:t>Example-Problem Pairs[</a:t>
-            </a:r>
-            <a:r>
-              <a:rPr kumimoji="0" lang="en-US" sz="3000" b="0" i="0" u="none" strike="noStrike" kern="0" cap="none" spc="0" normalizeH="0" baseline="0" noProof="0" dirty="0" err="1">
+              <a:t>Example-Problem </a:t>
+            </a:r>
+            <a:r>
+              <a:rPr kumimoji="0" lang="en-US" sz="3000" b="0" i="0" u="none" strike="noStrike" kern="0" cap="none" spc="0" normalizeH="0" baseline="0" noProof="0" dirty="0" smtClean="0">
                 <a:ln>
                   <a:noFill/>
                 </a:ln>
@@ -4732,22 +8031,19 @@
                 <a:uLnTx/>
                 <a:uFillTx/>
               </a:rPr>
-              <a:t>Skudder</a:t>
-            </a:r>
-            <a:r>
-              <a:rPr kumimoji="0" lang="en-US" sz="3000" b="0" i="0" u="none" strike="noStrike" kern="0" cap="none" spc="0" normalizeH="0" baseline="0" noProof="0" dirty="0">
-                <a:ln>
-                  <a:noFill/>
-                </a:ln>
-                <a:solidFill>
-                  <a:prstClr val="black"/>
-                </a:solidFill>
-                <a:effectLst/>
-                <a:uLnTx/>
-                <a:uFillTx/>
-              </a:rPr>
-              <a:t>]</a:t>
-            </a:r>
+              <a:t>Pairs [4]</a:t>
+            </a:r>
+            <a:endParaRPr kumimoji="0" lang="en-US" sz="3000" b="0" i="0" u="none" strike="noStrike" kern="0" cap="none" spc="0" normalizeH="0" baseline="0" noProof="0" dirty="0">
+              <a:ln>
+                <a:noFill/>
+              </a:ln>
+              <a:solidFill>
+                <a:prstClr val="black"/>
+              </a:solidFill>
+              <a:effectLst/>
+              <a:uLnTx/>
+              <a:uFillTx/>
+            </a:endParaRPr>
           </a:p>
           <a:p>
             <a:pPr marL="457200" marR="0" lvl="0" indent="-457200" defTabSz="457200" eaLnBrk="1" fontAlgn="auto" latinLnBrk="0" hangingPunct="1">
@@ -4793,8 +8089,33 @@
                 <a:uLnTx/>
                 <a:uFillTx/>
               </a:rPr>
-              <a:t> Learning [Morrison]</a:t>
-            </a:r>
+              <a:t> Learning </a:t>
+            </a:r>
+            <a:r>
+              <a:rPr kumimoji="0" lang="en-US" sz="3000" b="0" i="0" u="none" strike="noStrike" kern="0" cap="none" spc="0" normalizeH="0" baseline="0" noProof="0" dirty="0" smtClean="0">
+                <a:ln>
+                  <a:noFill/>
+                </a:ln>
+                <a:solidFill>
+                  <a:prstClr val="black"/>
+                </a:solidFill>
+                <a:effectLst/>
+                <a:uLnTx/>
+                <a:uFillTx/>
+              </a:rPr>
+              <a:t>[2]</a:t>
+            </a:r>
+            <a:endParaRPr kumimoji="0" lang="en-US" sz="3000" b="0" i="0" u="none" strike="noStrike" kern="0" cap="none" spc="0" normalizeH="0" baseline="0" noProof="0" dirty="0">
+              <a:ln>
+                <a:noFill/>
+              </a:ln>
+              <a:solidFill>
+                <a:prstClr val="black"/>
+              </a:solidFill>
+              <a:effectLst/>
+              <a:uLnTx/>
+              <a:uFillTx/>
+            </a:endParaRPr>
           </a:p>
         </p:txBody>
       </p:sp>
@@ -4812,8 +8133,8 @@
         </p:nvSpPr>
         <p:spPr>
           <a:xfrm>
-            <a:off x="1467102" y="9180381"/>
-            <a:ext cx="6694260" cy="6740307"/>
+            <a:off x="29279087" y="3646113"/>
+            <a:ext cx="8694267" cy="5816977"/>
           </a:xfrm>
           <a:prstGeom prst="rect">
             <a:avLst/>
@@ -4847,7 +8168,7 @@
               <a:defRPr/>
             </a:pPr>
             <a:r>
-              <a:rPr kumimoji="0" lang="en-US" sz="5000" b="0" i="0" u="none" strike="noStrike" kern="0" cap="none" spc="0" normalizeH="0" baseline="0" noProof="0" dirty="0">
+              <a:rPr kumimoji="0" lang="en-US" sz="5000" b="0" i="0" u="sng" strike="noStrike" kern="0" cap="none" spc="0" normalizeH="0" baseline="0" noProof="0" dirty="0">
                 <a:ln>
                   <a:noFill/>
                 </a:ln>
@@ -4861,7 +8182,7 @@
               <a:t>Context</a:t>
             </a:r>
             <a:r>
-              <a:rPr kumimoji="0" lang="en-US" sz="7200" b="0" i="0" u="none" strike="noStrike" kern="0" cap="none" spc="0" normalizeH="0" baseline="0" noProof="0" dirty="0">
+              <a:rPr kumimoji="0" lang="en-US" sz="7200" b="0" i="0" u="sng" strike="noStrike" kern="0" cap="none" spc="0" normalizeH="0" baseline="0" noProof="0" dirty="0">
                 <a:ln>
                   <a:noFill/>
                 </a:ln>
@@ -5122,8 +8443,8 @@
         </p:nvSpPr>
         <p:spPr>
           <a:xfrm>
-            <a:off x="36372614" y="9417001"/>
-            <a:ext cx="6814624" cy="5478423"/>
+            <a:off x="36372613" y="9958201"/>
+            <a:ext cx="6165493" cy="5478423"/>
           </a:xfrm>
           <a:prstGeom prst="rect">
             <a:avLst/>
@@ -5302,10 +8623,10 @@
       </p:sp>
       <p:sp>
         <p:nvSpPr>
-          <p:cNvPr id="115" name="TextBox 114">
+          <p:cNvPr id="116" name="TextBox 115">
             <a:extLst>
               <a:ext uri="{FF2B5EF4-FFF2-40B4-BE49-F238E27FC236}">
-                <a16:creationId xmlns:a16="http://schemas.microsoft.com/office/drawing/2014/main" xmlns="" id="{21D9E8B7-F208-45FD-AE05-E5324B2CE627}"/>
+                <a16:creationId xmlns:a16="http://schemas.microsoft.com/office/drawing/2014/main" xmlns="" id="{8627D187-FAAE-4FF1-B9A8-F7755A06D48D}"/>
               </a:ext>
             </a:extLst>
           </p:cNvPr>
@@ -5314,8 +8635,8 @@
         </p:nvSpPr>
         <p:spPr>
           <a:xfrm>
-            <a:off x="12437543" y="9350530"/>
-            <a:ext cx="7841490" cy="5355312"/>
+            <a:off x="26236386" y="24352765"/>
+            <a:ext cx="16523888" cy="7894469"/>
           </a:xfrm>
           <a:prstGeom prst="rect">
             <a:avLst/>
@@ -5349,7 +8670,7 @@
               <a:defRPr/>
             </a:pPr>
             <a:r>
-              <a:rPr kumimoji="0" lang="en-US" sz="5000" b="0" i="0" u="none" strike="noStrike" kern="0" cap="none" spc="0" normalizeH="0" baseline="0" noProof="0" dirty="0">
+              <a:rPr kumimoji="0" lang="en-US" sz="5000" b="0" i="0" u="sng" strike="noStrike" kern="0" cap="none" spc="0" normalizeH="0" baseline="0" noProof="0" dirty="0">
                 <a:ln>
                   <a:noFill/>
                 </a:ln>
@@ -5360,10 +8681,10 @@
                 <a:uLnTx/>
                 <a:uFillTx/>
               </a:rPr>
-              <a:t>Methodology</a:t>
-            </a:r>
-            <a:r>
-              <a:rPr kumimoji="0" lang="en-US" sz="7200" b="0" i="0" u="none" strike="noStrike" kern="0" cap="none" spc="0" normalizeH="0" baseline="0" noProof="0" dirty="0">
+              <a:t>References</a:t>
+            </a:r>
+            <a:r>
+              <a:rPr kumimoji="0" lang="en-US" sz="7200" b="0" i="0" u="sng" strike="noStrike" kern="0" cap="none" spc="0" normalizeH="0" baseline="0" noProof="0" dirty="0">
                 <a:ln>
                   <a:noFill/>
                 </a:ln>
@@ -5376,9 +8697,20 @@
               </a:rPr>
               <a:t> </a:t>
             </a:r>
-          </a:p>
-          <a:p>
-            <a:pPr marL="857250" marR="0" lvl="0" indent="-857250" defTabSz="457200" eaLnBrk="1" fontAlgn="auto" latinLnBrk="0" hangingPunct="1">
+            <a:endParaRPr kumimoji="0" lang="en-US" sz="7200" b="0" i="0" u="sng" strike="noStrike" kern="0" cap="none" spc="0" normalizeH="0" baseline="0" noProof="0" dirty="0" smtClean="0">
+              <a:ln>
+                <a:noFill/>
+              </a:ln>
+              <a:solidFill>
+                <a:prstClr val="black"/>
+              </a:solidFill>
+              <a:effectLst/>
+              <a:uLnTx/>
+              <a:uFillTx/>
+            </a:endParaRPr>
+          </a:p>
+          <a:p>
+            <a:pPr marL="457200" marR="0" lvl="0" indent="-457200" defTabSz="457200" eaLnBrk="1" fontAlgn="auto" latinLnBrk="0" hangingPunct="1">
               <a:lnSpc>
                 <a:spcPct val="100000"/>
               </a:lnSpc>
@@ -5390,13 +8722,21 @@
               </a:spcAft>
               <a:buClrTx/>
               <a:buSzTx/>
-              <a:buFont typeface="Arial" panose="020B0604020202020204" pitchFamily="34" charset="0"/>
-              <a:buChar char="•"/>
+              <a:buFontTx/>
+              <a:buNone/>
               <a:tabLst/>
               <a:defRPr/>
             </a:pPr>
             <a:r>
-              <a:rPr kumimoji="0" lang="en-US" sz="3000" b="0" i="0" u="none" strike="noStrike" kern="0" cap="none" spc="0" normalizeH="0" baseline="0" noProof="0" dirty="0">
+              <a:rPr lang="en-US" sz="2500" kern="0" dirty="0" smtClean="0">
+                <a:solidFill>
+                  <a:prstClr val="black"/>
+                </a:solidFill>
+              </a:rPr>
+              <a:t>[1]</a:t>
+            </a:r>
+            <a:r>
+              <a:rPr kumimoji="0" lang="en-US" sz="2500" strike="noStrike" kern="0" cap="none" spc="0" normalizeH="0" noProof="0" dirty="0" smtClean="0">
                 <a:ln>
                   <a:noFill/>
                 </a:ln>
@@ -5407,11 +8747,123 @@
                 <a:uLnTx/>
                 <a:uFillTx/>
               </a:rPr>
-              <a:t>Manual inspection of prior student was used to determine “hard” problems</a:t>
-            </a:r>
-          </a:p>
-          <a:p>
-            <a:pPr marL="857250" marR="0" lvl="0" indent="-857250" defTabSz="457200" eaLnBrk="1" fontAlgn="auto" latinLnBrk="0" hangingPunct="1">
+              <a:t>	</a:t>
+            </a:r>
+            <a:r>
+              <a:rPr kumimoji="0" lang="en-US" sz="2500" strike="noStrike" kern="0" cap="none" spc="0" normalizeH="0" noProof="0" dirty="0" err="1" smtClean="0">
+                <a:ln>
+                  <a:noFill/>
+                </a:ln>
+                <a:solidFill>
+                  <a:prstClr val="black"/>
+                </a:solidFill>
+                <a:effectLst/>
+                <a:uLnTx/>
+                <a:uFillTx/>
+              </a:rPr>
+              <a:t>Margulieux</a:t>
+            </a:r>
+            <a:r>
+              <a:rPr kumimoji="0" lang="en-US" sz="2500" strike="noStrike" kern="0" cap="none" spc="0" normalizeH="0" noProof="0" dirty="0" smtClean="0">
+                <a:ln>
+                  <a:noFill/>
+                </a:ln>
+                <a:solidFill>
+                  <a:prstClr val="black"/>
+                </a:solidFill>
+                <a:effectLst/>
+                <a:uLnTx/>
+                <a:uFillTx/>
+              </a:rPr>
+              <a:t>, L. E.; </a:t>
+            </a:r>
+            <a:r>
+              <a:rPr kumimoji="0" lang="en-US" sz="2500" strike="noStrike" kern="0" cap="none" spc="0" normalizeH="0" noProof="0" dirty="0" err="1" smtClean="0">
+                <a:ln>
+                  <a:noFill/>
+                </a:ln>
+                <a:solidFill>
+                  <a:prstClr val="black"/>
+                </a:solidFill>
+                <a:effectLst/>
+                <a:uLnTx/>
+                <a:uFillTx/>
+              </a:rPr>
+              <a:t>Catrambone</a:t>
+            </a:r>
+            <a:r>
+              <a:rPr kumimoji="0" lang="en-US" sz="2500" strike="noStrike" kern="0" cap="none" spc="0" normalizeH="0" noProof="0" dirty="0" smtClean="0">
+                <a:ln>
+                  <a:noFill/>
+                </a:ln>
+                <a:solidFill>
+                  <a:prstClr val="black"/>
+                </a:solidFill>
+                <a:effectLst/>
+                <a:uLnTx/>
+                <a:uFillTx/>
+              </a:rPr>
+              <a:t>, R., Improving problem solving performance in computer-based learning environments through </a:t>
+            </a:r>
+            <a:r>
+              <a:rPr kumimoji="0" lang="en-US" sz="2500" strike="noStrike" kern="0" cap="none" spc="0" normalizeH="0" noProof="0" dirty="0" err="1" smtClean="0">
+                <a:ln>
+                  <a:noFill/>
+                </a:ln>
+                <a:solidFill>
+                  <a:prstClr val="black"/>
+                </a:solidFill>
+                <a:effectLst/>
+                <a:uLnTx/>
+                <a:uFillTx/>
+              </a:rPr>
+              <a:t>subgoal</a:t>
+            </a:r>
+            <a:r>
+              <a:rPr kumimoji="0" lang="en-US" sz="2500" strike="noStrike" kern="0" cap="none" spc="0" normalizeH="0" noProof="0" dirty="0" smtClean="0">
+                <a:ln>
+                  <a:noFill/>
+                </a:ln>
+                <a:solidFill>
+                  <a:prstClr val="black"/>
+                </a:solidFill>
+                <a:effectLst/>
+                <a:uLnTx/>
+                <a:uFillTx/>
+              </a:rPr>
+              <a:t> labels. In </a:t>
+            </a:r>
+            <a:r>
+              <a:rPr kumimoji="0" lang="en-US" sz="2500" i="1" strike="noStrike" kern="0" cap="none" spc="0" normalizeH="0" noProof="0" dirty="0" smtClean="0">
+                <a:ln>
+                  <a:noFill/>
+                </a:ln>
+                <a:solidFill>
+                  <a:prstClr val="black"/>
+                </a:solidFill>
+                <a:effectLst/>
+                <a:uLnTx/>
+                <a:uFillTx/>
+              </a:rPr>
+              <a:t>Proceedings of the first ACM conference on Learning @ scale conference</a:t>
+            </a:r>
+            <a:r>
+              <a:rPr kumimoji="0" lang="en-US" sz="2500" strike="noStrike" kern="0" cap="none" spc="0" normalizeH="0" noProof="0" dirty="0" smtClean="0">
+                <a:ln>
+                  <a:noFill/>
+                </a:ln>
+                <a:solidFill>
+                  <a:prstClr val="black"/>
+                </a:solidFill>
+                <a:effectLst/>
+                <a:uLnTx/>
+                <a:uFillTx/>
+              </a:rPr>
+              <a:t>, ACM: Atlanta, Georgia, USA, 2014; pp 149-150.</a:t>
+            </a:r>
+          </a:p>
+          <a:p>
+            <a:pPr marL="457200" marR="0" lvl="0" indent="-457200" defTabSz="457200" eaLnBrk="1" fontAlgn="auto" latinLnBrk="0" hangingPunct="1">
               <a:lnSpc>
                 <a:spcPct val="100000"/>
               </a:lnSpc>
@@ -5423,13 +8875,21 @@
               </a:spcAft>
               <a:buClrTx/>
               <a:buSzTx/>
-              <a:buFont typeface="Arial" panose="020B0604020202020204" pitchFamily="34" charset="0"/>
-              <a:buChar char="•"/>
+              <a:buFontTx/>
+              <a:buNone/>
               <a:tabLst/>
               <a:defRPr/>
             </a:pPr>
             <a:r>
-              <a:rPr kumimoji="0" lang="en-US" sz="3000" b="0" i="0" u="none" strike="noStrike" kern="0" cap="none" spc="0" normalizeH="0" baseline="0" noProof="0" dirty="0">
+              <a:rPr lang="en-US" sz="2500" kern="0" dirty="0" smtClean="0">
+                <a:solidFill>
+                  <a:prstClr val="black"/>
+                </a:solidFill>
+              </a:rPr>
+              <a:t>[2]</a:t>
+            </a:r>
+            <a:r>
+              <a:rPr kumimoji="0" lang="en-US" sz="2500" strike="noStrike" kern="0" cap="none" spc="0" normalizeH="0" noProof="0" dirty="0" smtClean="0">
                 <a:ln>
                   <a:noFill/>
                 </a:ln>
@@ -5440,11 +8900,123 @@
                 <a:uLnTx/>
                 <a:uFillTx/>
               </a:rPr>
-              <a:t>“Hard” problems were those that took most students more than 20 edits to complete</a:t>
-            </a:r>
-          </a:p>
-          <a:p>
-            <a:pPr marL="857250" marR="0" lvl="0" indent="-857250" defTabSz="457200" eaLnBrk="1" fontAlgn="auto" latinLnBrk="0" hangingPunct="1">
+              <a:t>	Morrison, B. B.; </a:t>
+            </a:r>
+            <a:r>
+              <a:rPr kumimoji="0" lang="en-US" sz="2500" strike="noStrike" kern="0" cap="none" spc="0" normalizeH="0" noProof="0" dirty="0" err="1" smtClean="0">
+                <a:ln>
+                  <a:noFill/>
+                </a:ln>
+                <a:solidFill>
+                  <a:prstClr val="black"/>
+                </a:solidFill>
+                <a:effectLst/>
+                <a:uLnTx/>
+                <a:uFillTx/>
+              </a:rPr>
+              <a:t>Margulieux</a:t>
+            </a:r>
+            <a:r>
+              <a:rPr kumimoji="0" lang="en-US" sz="2500" strike="noStrike" kern="0" cap="none" spc="0" normalizeH="0" noProof="0" dirty="0" smtClean="0">
+                <a:ln>
+                  <a:noFill/>
+                </a:ln>
+                <a:solidFill>
+                  <a:prstClr val="black"/>
+                </a:solidFill>
+                <a:effectLst/>
+                <a:uLnTx/>
+                <a:uFillTx/>
+              </a:rPr>
+              <a:t>, L. E.; </a:t>
+            </a:r>
+            <a:r>
+              <a:rPr kumimoji="0" lang="en-US" sz="2500" strike="noStrike" kern="0" cap="none" spc="0" normalizeH="0" noProof="0" dirty="0" err="1" smtClean="0">
+                <a:ln>
+                  <a:noFill/>
+                </a:ln>
+                <a:solidFill>
+                  <a:prstClr val="black"/>
+                </a:solidFill>
+                <a:effectLst/>
+                <a:uLnTx/>
+                <a:uFillTx/>
+              </a:rPr>
+              <a:t>Guzdial</a:t>
+            </a:r>
+            <a:r>
+              <a:rPr kumimoji="0" lang="en-US" sz="2500" strike="noStrike" kern="0" cap="none" spc="0" normalizeH="0" noProof="0" dirty="0" smtClean="0">
+                <a:ln>
+                  <a:noFill/>
+                </a:ln>
+                <a:solidFill>
+                  <a:prstClr val="black"/>
+                </a:solidFill>
+                <a:effectLst/>
+                <a:uLnTx/>
+                <a:uFillTx/>
+              </a:rPr>
+              <a:t>, M., </a:t>
+            </a:r>
+            <a:r>
+              <a:rPr kumimoji="0" lang="en-US" sz="2500" strike="noStrike" kern="0" cap="none" spc="0" normalizeH="0" noProof="0" dirty="0" err="1" smtClean="0">
+                <a:ln>
+                  <a:noFill/>
+                </a:ln>
+                <a:solidFill>
+                  <a:prstClr val="black"/>
+                </a:solidFill>
+                <a:effectLst/>
+                <a:uLnTx/>
+                <a:uFillTx/>
+              </a:rPr>
+              <a:t>Subgoals</a:t>
+            </a:r>
+            <a:r>
+              <a:rPr kumimoji="0" lang="en-US" sz="2500" strike="noStrike" kern="0" cap="none" spc="0" normalizeH="0" noProof="0" dirty="0" smtClean="0">
+                <a:ln>
+                  <a:noFill/>
+                </a:ln>
+                <a:solidFill>
+                  <a:prstClr val="black"/>
+                </a:solidFill>
+                <a:effectLst/>
+                <a:uLnTx/>
+                <a:uFillTx/>
+              </a:rPr>
+              <a:t>, Context, and Worked Examples in Learning Computing Problem Solving. In </a:t>
+            </a:r>
+            <a:r>
+              <a:rPr kumimoji="0" lang="en-US" sz="2500" i="1" strike="noStrike" kern="0" cap="none" spc="0" normalizeH="0" noProof="0" dirty="0" smtClean="0">
+                <a:ln>
+                  <a:noFill/>
+                </a:ln>
+                <a:solidFill>
+                  <a:prstClr val="black"/>
+                </a:solidFill>
+                <a:effectLst/>
+                <a:uLnTx/>
+                <a:uFillTx/>
+              </a:rPr>
+              <a:t>Proceedings of the eleventh annual International Conference on International Computing Education Research</a:t>
+            </a:r>
+            <a:r>
+              <a:rPr kumimoji="0" lang="sv-SE" sz="2500" strike="noStrike" kern="0" cap="none" spc="0" normalizeH="0" noProof="0" dirty="0" smtClean="0">
+                <a:ln>
+                  <a:noFill/>
+                </a:ln>
+                <a:solidFill>
+                  <a:prstClr val="black"/>
+                </a:solidFill>
+                <a:effectLst/>
+                <a:uLnTx/>
+                <a:uFillTx/>
+              </a:rPr>
+              <a:t>, ACM: Omaha, Nebraska, USA, 2015; pp 21-29.</a:t>
+            </a:r>
+          </a:p>
+          <a:p>
+            <a:pPr marL="457200" marR="0" lvl="0" indent="-457200" defTabSz="457200" eaLnBrk="1" fontAlgn="auto" latinLnBrk="0" hangingPunct="1">
               <a:lnSpc>
                 <a:spcPct val="100000"/>
               </a:lnSpc>
@@ -5456,13 +9028,21 @@
               </a:spcAft>
               <a:buClrTx/>
               <a:buSzTx/>
-              <a:buFont typeface="Arial" panose="020B0604020202020204" pitchFamily="34" charset="0"/>
-              <a:buChar char="•"/>
+              <a:buFontTx/>
+              <a:buNone/>
               <a:tabLst/>
               <a:defRPr/>
             </a:pPr>
             <a:r>
-              <a:rPr kumimoji="0" lang="en-US" sz="3000" b="0" i="0" u="none" strike="noStrike" kern="0" cap="none" spc="0" normalizeH="0" baseline="0" noProof="0" dirty="0">
+              <a:rPr lang="en-US" sz="2500" kern="0" noProof="0" dirty="0" smtClean="0">
+                <a:solidFill>
+                  <a:prstClr val="black"/>
+                </a:solidFill>
+              </a:rPr>
+              <a:t>[3]</a:t>
+            </a:r>
+            <a:r>
+              <a:rPr kumimoji="0" lang="en-US" sz="2500" strike="noStrike" kern="0" cap="none" spc="0" normalizeH="0" noProof="0" dirty="0" smtClean="0">
                 <a:ln>
                   <a:noFill/>
                 </a:ln>
@@ -5473,10 +9053,10 @@
                 <a:uLnTx/>
                 <a:uFillTx/>
               </a:rPr>
-              <a:t>Worked examples were developed </a:t>
-            </a:r>
-            <a:r>
-              <a:rPr kumimoji="0" lang="en-US" sz="3000" b="0" i="0" u="none" strike="noStrike" kern="0" cap="none" spc="0" normalizeH="0" baseline="0" noProof="0" dirty="0" smtClean="0">
+              <a:t>	National Academies of Sciences, E.; Medicine, </a:t>
+            </a:r>
+            <a:r>
+              <a:rPr kumimoji="0" lang="en-US" sz="2500" i="1" strike="noStrike" kern="0" cap="none" spc="0" normalizeH="0" noProof="0" dirty="0" smtClean="0">
                 <a:ln>
                   <a:noFill/>
                 </a:ln>
@@ -5487,10 +9067,10 @@
                 <a:uLnTx/>
                 <a:uFillTx/>
               </a:rPr>
-              <a:t>for the 8 hardest </a:t>
-            </a:r>
-            <a:r>
-              <a:rPr kumimoji="0" lang="en-US" sz="3000" b="0" i="0" u="none" strike="noStrike" kern="0" cap="none" spc="0" normalizeH="0" baseline="0" noProof="0" dirty="0">
+              <a:t>Assessing and Responding to the Growth of Computer Science Undergraduate Enrollments</a:t>
+            </a:r>
+            <a:r>
+              <a:rPr kumimoji="0" lang="en-US" sz="2500" strike="noStrike" kern="0" cap="none" spc="0" normalizeH="0" noProof="0" dirty="0" smtClean="0">
                 <a:ln>
                   <a:noFill/>
                 </a:ln>
@@ -5501,22 +9081,11 @@
                 <a:uLnTx/>
                 <a:uFillTx/>
               </a:rPr>
-              <a:t>problems to help students </a:t>
-            </a:r>
-            <a:endParaRPr kumimoji="0" lang="en-US" sz="3000" b="0" i="0" u="none" strike="noStrike" kern="0" cap="none" spc="0" normalizeH="0" baseline="0" noProof="0" dirty="0" smtClean="0">
-              <a:ln>
-                <a:noFill/>
-              </a:ln>
-              <a:solidFill>
-                <a:prstClr val="black"/>
-              </a:solidFill>
-              <a:effectLst/>
-              <a:uLnTx/>
-              <a:uFillTx/>
-            </a:endParaRPr>
-          </a:p>
-          <a:p>
-            <a:pPr marL="857250" marR="0" lvl="0" indent="-857250" defTabSz="457200" eaLnBrk="1" fontAlgn="auto" latinLnBrk="0" hangingPunct="1">
+              <a:t>. The National Academies Press: Washington, DC, 2018; p 252.</a:t>
+            </a:r>
+          </a:p>
+          <a:p>
+            <a:pPr marL="457200" marR="0" lvl="0" indent="-457200" defTabSz="457200" eaLnBrk="1" fontAlgn="auto" latinLnBrk="0" hangingPunct="1">
               <a:lnSpc>
                 <a:spcPct val="100000"/>
               </a:lnSpc>
@@ -5528,20 +9097,283 @@
               </a:spcAft>
               <a:buClrTx/>
               <a:buSzTx/>
-              <a:buFont typeface="Arial" panose="020B0604020202020204" pitchFamily="34" charset="0"/>
-              <a:buChar char="•"/>
               <a:tabLst/>
               <a:defRPr/>
             </a:pPr>
             <a:r>
-              <a:rPr lang="en-US" sz="3000" kern="0" dirty="0" smtClean="0">
+              <a:rPr kumimoji="0" lang="en-US" sz="2500" strike="noStrike" kern="0" cap="none" spc="0" normalizeH="0" noProof="0" dirty="0" smtClean="0">
+                <a:ln>
+                  <a:noFill/>
+                </a:ln>
+                <a:solidFill>
+                  <a:prstClr val="black"/>
+                </a:solidFill>
+                <a:effectLst/>
+                <a:uLnTx/>
+                <a:uFillTx/>
+              </a:rPr>
+              <a:t>[4] </a:t>
+            </a:r>
+            <a:r>
+              <a:rPr kumimoji="0" lang="en-US" sz="2500" strike="noStrike" kern="0" cap="none" spc="0" normalizeH="0" noProof="0" dirty="0" err="1" smtClean="0">
+                <a:ln>
+                  <a:noFill/>
+                </a:ln>
+                <a:solidFill>
+                  <a:prstClr val="black"/>
+                </a:solidFill>
+                <a:effectLst/>
+                <a:uLnTx/>
+                <a:uFillTx/>
+              </a:rPr>
+              <a:t>Skudder</a:t>
+            </a:r>
+            <a:r>
+              <a:rPr kumimoji="0" lang="en-US" sz="2500" strike="noStrike" kern="0" cap="none" spc="0" normalizeH="0" noProof="0" dirty="0" smtClean="0">
+                <a:ln>
+                  <a:noFill/>
+                </a:ln>
+                <a:solidFill>
+                  <a:prstClr val="black"/>
+                </a:solidFill>
+                <a:effectLst/>
+                <a:uLnTx/>
+                <a:uFillTx/>
+              </a:rPr>
+              <a:t>, B.; </a:t>
+            </a:r>
+            <a:r>
+              <a:rPr kumimoji="0" lang="en-US" sz="2500" strike="noStrike" kern="0" cap="none" spc="0" normalizeH="0" noProof="0" dirty="0" err="1" smtClean="0">
+                <a:ln>
+                  <a:noFill/>
+                </a:ln>
+                <a:solidFill>
+                  <a:prstClr val="black"/>
+                </a:solidFill>
+                <a:effectLst/>
+                <a:uLnTx/>
+                <a:uFillTx/>
+              </a:rPr>
+              <a:t>Luxton</a:t>
+            </a:r>
+            <a:r>
+              <a:rPr kumimoji="0" lang="en-US" sz="2500" strike="noStrike" kern="0" cap="none" spc="0" normalizeH="0" noProof="0" dirty="0" smtClean="0">
+                <a:ln>
+                  <a:noFill/>
+                </a:ln>
+                <a:solidFill>
+                  <a:prstClr val="black"/>
+                </a:solidFill>
+                <a:effectLst/>
+                <a:uLnTx/>
+                <a:uFillTx/>
+              </a:rPr>
+              <a:t>-Reilly, A., Worked examples in computer science. In </a:t>
+            </a:r>
+            <a:r>
+              <a:rPr kumimoji="0" lang="en-US" sz="2500" i="1" strike="noStrike" kern="0" cap="none" spc="0" normalizeH="0" noProof="0" dirty="0" smtClean="0">
+                <a:ln>
+                  <a:noFill/>
+                </a:ln>
+                <a:solidFill>
+                  <a:prstClr val="black"/>
+                </a:solidFill>
+                <a:effectLst/>
+                <a:uLnTx/>
+                <a:uFillTx/>
+              </a:rPr>
+              <a:t>Proceedings of the Sixteenth Australasian Computing Education Conference - Volume 148</a:t>
+            </a:r>
+            <a:r>
+              <a:rPr kumimoji="0" lang="en-US" sz="2500" strike="noStrike" kern="0" cap="none" spc="0" normalizeH="0" noProof="0" dirty="0" smtClean="0">
+                <a:ln>
+                  <a:noFill/>
+                </a:ln>
+                <a:solidFill>
+                  <a:prstClr val="black"/>
+                </a:solidFill>
+                <a:effectLst/>
+                <a:uLnTx/>
+                <a:uFillTx/>
+              </a:rPr>
+              <a:t>, Australian Computer Society, Inc.: Auckland, New Zealand, 2014; pp 59-64.</a:t>
+            </a:r>
+          </a:p>
+          <a:p>
+            <a:pPr marL="457200" lvl="0" indent="-457200" defTabSz="457200">
+              <a:defRPr/>
+            </a:pPr>
+            <a:r>
+              <a:rPr lang="en-US" sz="2500" dirty="0" smtClean="0"/>
+              <a:t>[5] </a:t>
+            </a:r>
+            <a:r>
+              <a:rPr lang="en-US" sz="2500" dirty="0" err="1" smtClean="0"/>
+              <a:t>Renkl</a:t>
+            </a:r>
+            <a:r>
+              <a:rPr lang="en-US" sz="2500" dirty="0"/>
+              <a:t>, A. (2005). The Worked-Out Examples Principle in Multimedia Learning. In R. Mayer (Ed.), </a:t>
+            </a:r>
+            <a:r>
+              <a:rPr lang="en-US" sz="2500" i="1" dirty="0"/>
+              <a:t>The Cambridge Handbook of Multimedia Learning</a:t>
+            </a:r>
+            <a:r>
+              <a:rPr lang="en-US" sz="2500" dirty="0"/>
+              <a:t> (Cambridge Handbooks in Psychology, pp. 229-246). Cambridge: Cambridge University Press. </a:t>
+            </a:r>
+            <a:r>
+              <a:rPr lang="en-US" sz="2500" dirty="0" smtClean="0"/>
+              <a:t>doi:10.1017/CBO9780511816819.016</a:t>
+            </a:r>
+          </a:p>
+          <a:p>
+            <a:pPr marL="457200" lvl="0" indent="-457200" defTabSz="457200">
+              <a:defRPr/>
+            </a:pPr>
+            <a:r>
+              <a:rPr kumimoji="0" lang="en-US" sz="2500" strike="noStrike" kern="0" cap="none" spc="0" normalizeH="0" noProof="0" dirty="0" smtClean="0">
+                <a:ln>
+                  <a:noFill/>
+                </a:ln>
+                <a:solidFill>
+                  <a:prstClr val="black"/>
+                </a:solidFill>
+                <a:effectLst/>
+                <a:uLnTx/>
+                <a:uFillTx/>
+              </a:rPr>
+              <a:t>[</a:t>
+            </a:r>
+            <a:r>
+              <a:rPr lang="en-US" sz="2500" kern="0" dirty="0">
                 <a:solidFill>
                   <a:prstClr val="black"/>
                 </a:solidFill>
               </a:rPr>
-              <a:t>On targeted problems, links were provided to relevant worked example</a:t>
-            </a:r>
-            <a:endParaRPr kumimoji="0" lang="en-US" sz="3000" b="0" i="0" u="none" strike="noStrike" kern="0" cap="none" spc="0" normalizeH="0" baseline="0" noProof="0" dirty="0" smtClean="0">
+              <a:t>6</a:t>
+            </a:r>
+            <a:r>
+              <a:rPr kumimoji="0" lang="en-US" sz="2500" strike="noStrike" kern="0" cap="none" spc="0" normalizeH="0" noProof="0" dirty="0" smtClean="0">
+                <a:ln>
+                  <a:noFill/>
+                </a:ln>
+                <a:solidFill>
+                  <a:prstClr val="black"/>
+                </a:solidFill>
+                <a:effectLst/>
+                <a:uLnTx/>
+                <a:uFillTx/>
+              </a:rPr>
+              <a:t>] </a:t>
+            </a:r>
+            <a:r>
+              <a:rPr kumimoji="0" lang="en-US" sz="2500" strike="noStrike" kern="0" cap="none" spc="0" normalizeH="0" noProof="0" dirty="0" err="1" smtClean="0">
+                <a:ln>
+                  <a:noFill/>
+                </a:ln>
+                <a:solidFill>
+                  <a:prstClr val="black"/>
+                </a:solidFill>
+                <a:effectLst/>
+                <a:uLnTx/>
+                <a:uFillTx/>
+              </a:rPr>
+              <a:t>Sweller</a:t>
+            </a:r>
+            <a:r>
+              <a:rPr kumimoji="0" lang="en-US" sz="2500" strike="noStrike" kern="0" cap="none" spc="0" normalizeH="0" noProof="0" dirty="0" smtClean="0">
+                <a:ln>
+                  <a:noFill/>
+                </a:ln>
+                <a:solidFill>
+                  <a:prstClr val="black"/>
+                </a:solidFill>
+                <a:effectLst/>
+                <a:uLnTx/>
+                <a:uFillTx/>
+              </a:rPr>
+              <a:t>, J.; Cooper, G. A., The Use of Worked Examples as a Substitute for Problem Solving in Learning Algebra. </a:t>
+            </a:r>
+            <a:r>
+              <a:rPr kumimoji="0" lang="en-US" sz="2500" i="1" strike="noStrike" kern="0" cap="none" spc="0" normalizeH="0" noProof="0" dirty="0" smtClean="0">
+                <a:ln>
+                  <a:noFill/>
+                </a:ln>
+                <a:solidFill>
+                  <a:prstClr val="black"/>
+                </a:solidFill>
+                <a:effectLst/>
+                <a:uLnTx/>
+                <a:uFillTx/>
+              </a:rPr>
+              <a:t>Cognition and Instruction </a:t>
+            </a:r>
+            <a:r>
+              <a:rPr kumimoji="0" lang="en-US" sz="2500" b="1" strike="noStrike" kern="0" cap="none" spc="0" normalizeH="0" noProof="0" dirty="0" smtClean="0">
+                <a:ln>
+                  <a:noFill/>
+                </a:ln>
+                <a:solidFill>
+                  <a:prstClr val="black"/>
+                </a:solidFill>
+                <a:effectLst/>
+                <a:uLnTx/>
+                <a:uFillTx/>
+              </a:rPr>
+              <a:t>1985,</a:t>
+            </a:r>
+            <a:r>
+              <a:rPr kumimoji="0" lang="en-US" sz="2500" strike="noStrike" kern="0" cap="none" spc="0" normalizeH="0" noProof="0" dirty="0" smtClean="0">
+                <a:ln>
+                  <a:noFill/>
+                </a:ln>
+                <a:solidFill>
+                  <a:prstClr val="black"/>
+                </a:solidFill>
+                <a:effectLst/>
+                <a:uLnTx/>
+                <a:uFillTx/>
+              </a:rPr>
+              <a:t> </a:t>
+            </a:r>
+            <a:r>
+              <a:rPr kumimoji="0" lang="en-US" sz="2500" i="1" strike="noStrike" kern="0" cap="none" spc="0" normalizeH="0" noProof="0" dirty="0" smtClean="0">
+                <a:ln>
+                  <a:noFill/>
+                </a:ln>
+                <a:solidFill>
+                  <a:prstClr val="black"/>
+                </a:solidFill>
+                <a:effectLst/>
+                <a:uLnTx/>
+                <a:uFillTx/>
+              </a:rPr>
+              <a:t>2</a:t>
+            </a:r>
+            <a:r>
+              <a:rPr kumimoji="0" lang="en-US" sz="2500" strike="noStrike" kern="0" cap="none" spc="0" normalizeH="0" noProof="0" dirty="0" smtClean="0">
+                <a:ln>
+                  <a:noFill/>
+                </a:ln>
+                <a:solidFill>
+                  <a:prstClr val="black"/>
+                </a:solidFill>
+                <a:effectLst/>
+                <a:uLnTx/>
+                <a:uFillTx/>
+              </a:rPr>
+              <a:t> (1), 59-89.</a:t>
+            </a:r>
+          </a:p>
+          <a:p>
+            <a:pPr marL="514350" lvl="0" indent="-514350" defTabSz="457200">
+              <a:buFontTx/>
+              <a:buAutoNum type="arabicPeriod" startAt="4"/>
+              <a:defRPr/>
+            </a:pPr>
+            <a:endParaRPr kumimoji="0" lang="en-US" sz="3000" i="1" strike="noStrike" kern="0" cap="none" spc="0" normalizeH="0" noProof="0" dirty="0" smtClean="0">
               <a:ln>
                 <a:noFill/>
               </a:ln>
@@ -5553,40 +9385,6 @@
               <a:uFillTx/>
             </a:endParaRPr>
           </a:p>
-        </p:txBody>
-      </p:sp>
-      <p:sp>
-        <p:nvSpPr>
-          <p:cNvPr id="116" name="TextBox 115">
-            <a:extLst>
-              <a:ext uri="{FF2B5EF4-FFF2-40B4-BE49-F238E27FC236}">
-                <a16:creationId xmlns:a16="http://schemas.microsoft.com/office/drawing/2014/main" xmlns="" id="{8627D187-FAAE-4FF1-B9A8-F7755A06D48D}"/>
-              </a:ext>
-            </a:extLst>
-          </p:cNvPr>
-          <p:cNvSpPr txBox="1"/>
-          <p:nvPr/>
-        </p:nvSpPr>
-        <p:spPr>
-          <a:xfrm>
-            <a:off x="29758743" y="29140661"/>
-            <a:ext cx="11327873" cy="2215991"/>
-          </a:xfrm>
-          <a:prstGeom prst="rect">
-            <a:avLst/>
-          </a:prstGeom>
-          <a:noFill/>
-          <a:ln>
-            <a:solidFill>
-              <a:sysClr val="windowText" lastClr="000000"/>
-            </a:solidFill>
-          </a:ln>
-        </p:spPr>
-        <p:txBody>
-          <a:bodyPr wrap="square" rtlCol="0">
-            <a:spAutoFit/>
-          </a:bodyPr>
-          <a:lstStyle/>
           <a:p>
             <a:pPr marL="0" marR="0" lvl="0" indent="0" defTabSz="457200" eaLnBrk="1" fontAlgn="auto" latinLnBrk="0" hangingPunct="1">
               <a:lnSpc>
@@ -5605,35 +9403,50 @@
               <a:tabLst/>
               <a:defRPr/>
             </a:pPr>
-            <a:r>
-              <a:rPr kumimoji="0" lang="en-US" sz="5000" b="0" i="0" u="none" strike="noStrike" kern="0" cap="none" spc="0" normalizeH="0" baseline="0" noProof="0" dirty="0">
-                <a:ln>
-                  <a:noFill/>
-                </a:ln>
-                <a:solidFill>
-                  <a:prstClr val="black"/>
-                </a:solidFill>
-                <a:effectLst/>
-                <a:uLnTx/>
-                <a:uFillTx/>
-              </a:rPr>
-              <a:t>References</a:t>
-            </a:r>
-            <a:r>
-              <a:rPr kumimoji="0" lang="en-US" sz="7200" b="0" i="0" u="none" strike="noStrike" kern="0" cap="none" spc="0" normalizeH="0" baseline="0" noProof="0" dirty="0">
-                <a:ln>
-                  <a:noFill/>
-                </a:ln>
-                <a:solidFill>
-                  <a:prstClr val="black"/>
-                </a:solidFill>
-                <a:effectLst/>
-                <a:uLnTx/>
-                <a:uFillTx/>
-              </a:rPr>
-              <a:t> </a:t>
-            </a:r>
-          </a:p>
+            <a:endParaRPr kumimoji="0" lang="en-US" sz="3000" i="1" strike="noStrike" kern="0" cap="none" spc="0" normalizeH="0" noProof="0" dirty="0" smtClean="0">
+              <a:ln>
+                <a:noFill/>
+              </a:ln>
+              <a:solidFill>
+                <a:prstClr val="black"/>
+              </a:solidFill>
+              <a:effectLst/>
+              <a:uLnTx/>
+              <a:uFillTx/>
+            </a:endParaRPr>
+          </a:p>
+        </p:txBody>
+      </p:sp>
+      <p:sp>
+        <p:nvSpPr>
+          <p:cNvPr id="117" name="TextBox 116">
+            <a:extLst>
+              <a:ext uri="{FF2B5EF4-FFF2-40B4-BE49-F238E27FC236}">
+                <a16:creationId xmlns:a16="http://schemas.microsoft.com/office/drawing/2014/main" xmlns="" id="{67554E3C-1588-4343-AE5D-2C4088772181}"/>
+              </a:ext>
+            </a:extLst>
+          </p:cNvPr>
+          <p:cNvSpPr txBox="1"/>
+          <p:nvPr/>
+        </p:nvSpPr>
+        <p:spPr>
+          <a:xfrm>
+            <a:off x="26267338" y="16804005"/>
+            <a:ext cx="16252261" cy="6709529"/>
+          </a:xfrm>
+          <a:prstGeom prst="rect">
+            <a:avLst/>
+          </a:prstGeom>
+          <a:noFill/>
+          <a:ln>
+            <a:noFill/>
+          </a:ln>
+        </p:spPr>
+        <p:txBody>
+          <a:bodyPr wrap="square" rtlCol="0">
+            <a:spAutoFit/>
+          </a:bodyPr>
+          <a:lstStyle/>
           <a:p>
             <a:pPr marL="0" marR="0" lvl="0" indent="0" defTabSz="457200" eaLnBrk="1" fontAlgn="auto" latinLnBrk="0" hangingPunct="1">
               <a:lnSpc>
@@ -5653,7 +9466,7 @@
               <a:defRPr/>
             </a:pPr>
             <a:r>
-              <a:rPr kumimoji="0" lang="en-US" sz="6600" b="0" i="0" u="none" strike="noStrike" kern="0" cap="none" spc="0" normalizeH="0" baseline="0" noProof="0" dirty="0">
+              <a:rPr kumimoji="0" lang="en-US" sz="5000" b="0" i="0" u="sng" strike="noStrike" kern="0" cap="none" spc="0" normalizeH="0" baseline="0" noProof="0" dirty="0">
                 <a:ln>
                   <a:noFill/>
                 </a:ln>
@@ -5664,43 +9477,9 @@
                 <a:uLnTx/>
                 <a:uFillTx/>
               </a:rPr>
-              <a:t>TODO</a:t>
-            </a:r>
-          </a:p>
-        </p:txBody>
-      </p:sp>
-      <p:sp>
-        <p:nvSpPr>
-          <p:cNvPr id="117" name="TextBox 116">
-            <a:extLst>
-              <a:ext uri="{FF2B5EF4-FFF2-40B4-BE49-F238E27FC236}">
-                <a16:creationId xmlns:a16="http://schemas.microsoft.com/office/drawing/2014/main" xmlns="" id="{67554E3C-1588-4343-AE5D-2C4088772181}"/>
-              </a:ext>
-            </a:extLst>
-          </p:cNvPr>
-          <p:cNvSpPr txBox="1"/>
-          <p:nvPr/>
-        </p:nvSpPr>
-        <p:spPr>
-          <a:xfrm>
-            <a:off x="32573631" y="18599264"/>
-            <a:ext cx="10018186" cy="8094524"/>
-          </a:xfrm>
-          <a:prstGeom prst="rect">
-            <a:avLst/>
-          </a:prstGeom>
-          <a:noFill/>
-          <a:ln>
-            <a:solidFill>
-              <a:sysClr val="windowText" lastClr="000000"/>
-            </a:solidFill>
-          </a:ln>
-        </p:spPr>
-        <p:txBody>
-          <a:bodyPr wrap="square" rtlCol="0">
-            <a:spAutoFit/>
-          </a:bodyPr>
-          <a:lstStyle/>
+              <a:t>Conclusions</a:t>
+            </a:r>
+          </a:p>
           <a:p>
             <a:pPr marL="0" marR="0" lvl="0" indent="0" defTabSz="457200" eaLnBrk="1" fontAlgn="auto" latinLnBrk="0" hangingPunct="1">
               <a:lnSpc>
@@ -5720,7 +9499,7 @@
               <a:defRPr/>
             </a:pPr>
             <a:r>
-              <a:rPr kumimoji="0" lang="en-US" sz="5000" b="0" i="0" u="none" strike="noStrike" kern="0" cap="none" spc="0" normalizeH="0" baseline="0" noProof="0" dirty="0">
+              <a:rPr kumimoji="0" lang="en-US" sz="3000" b="0" i="0" u="none" strike="noStrike" kern="0" cap="none" spc="0" normalizeH="0" baseline="0" noProof="0" dirty="0">
                 <a:ln>
                   <a:noFill/>
                 </a:ln>
@@ -5731,7 +9510,77 @@
                 <a:uLnTx/>
                 <a:uFillTx/>
               </a:rPr>
-              <a:t>Conclusions</a:t>
+              <a:t>	The Worked Example strategy we </a:t>
+            </a:r>
+            <a:r>
+              <a:rPr kumimoji="0" lang="en-US" sz="3000" b="0" i="0" u="none" strike="noStrike" kern="0" cap="none" spc="0" normalizeH="0" baseline="0" noProof="0" dirty="0" smtClean="0">
+                <a:ln>
+                  <a:noFill/>
+                </a:ln>
+                <a:solidFill>
+                  <a:prstClr val="black"/>
+                </a:solidFill>
+                <a:effectLst/>
+                <a:uLnTx/>
+                <a:uFillTx/>
+              </a:rPr>
+              <a:t>had minimal</a:t>
+            </a:r>
+            <a:r>
+              <a:rPr kumimoji="0" lang="en-US" sz="3000" b="0" i="0" u="none" strike="noStrike" kern="0" cap="none" spc="0" normalizeH="0" noProof="0" dirty="0" smtClean="0">
+                <a:ln>
+                  <a:noFill/>
+                </a:ln>
+                <a:solidFill>
+                  <a:prstClr val="black"/>
+                </a:solidFill>
+                <a:effectLst/>
+                <a:uLnTx/>
+                <a:uFillTx/>
+              </a:rPr>
+              <a:t> </a:t>
+            </a:r>
+            <a:r>
+              <a:rPr kumimoji="0" lang="en-US" sz="3000" b="0" i="0" u="none" strike="noStrike" kern="0" cap="none" spc="0" normalizeH="0" baseline="0" noProof="0" dirty="0" smtClean="0">
+                <a:ln>
+                  <a:noFill/>
+                </a:ln>
+                <a:solidFill>
+                  <a:prstClr val="black"/>
+                </a:solidFill>
+                <a:effectLst/>
+                <a:uLnTx/>
+                <a:uFillTx/>
+              </a:rPr>
+              <a:t>effect </a:t>
+            </a:r>
+            <a:r>
+              <a:rPr kumimoji="0" lang="en-US" sz="3000" b="0" i="0" u="none" strike="noStrike" kern="0" cap="none" spc="0" normalizeH="0" baseline="0" noProof="0" dirty="0">
+                <a:ln>
+                  <a:noFill/>
+                </a:ln>
+                <a:solidFill>
+                  <a:prstClr val="black"/>
+                </a:solidFill>
+                <a:effectLst/>
+                <a:uLnTx/>
+                <a:uFillTx/>
+              </a:rPr>
+              <a:t>on the completion rate of </a:t>
+            </a:r>
+            <a:r>
+              <a:rPr kumimoji="0" lang="en-US" sz="3000" b="0" i="0" u="none" strike="noStrike" kern="0" cap="none" spc="0" normalizeH="0" baseline="0" noProof="0" dirty="0" smtClean="0">
+                <a:ln>
+                  <a:noFill/>
+                </a:ln>
+                <a:solidFill>
+                  <a:prstClr val="black"/>
+                </a:solidFill>
+                <a:effectLst/>
+                <a:uLnTx/>
+                <a:uFillTx/>
+              </a:rPr>
+              <a:t>problems.</a:t>
             </a:r>
           </a:p>
           <a:p>
@@ -5753,6 +9602,20 @@
               <a:defRPr/>
             </a:pPr>
             <a:r>
+              <a:rPr kumimoji="0" lang="en-US" sz="3000" b="0" i="0" u="none" strike="noStrike" kern="0" cap="none" spc="0" normalizeH="0" baseline="0" noProof="0" dirty="0" smtClean="0">
+                <a:ln>
+                  <a:noFill/>
+                </a:ln>
+                <a:solidFill>
+                  <a:prstClr val="black"/>
+                </a:solidFill>
+                <a:effectLst/>
+                <a:uLnTx/>
+                <a:uFillTx/>
+              </a:rPr>
+              <a:t> </a:t>
+            </a:r>
+            <a:r>
               <a:rPr kumimoji="0" lang="en-US" sz="3000" b="0" i="0" u="none" strike="noStrike" kern="0" cap="none" spc="0" normalizeH="0" baseline="0" noProof="0" dirty="0">
                 <a:ln>
                   <a:noFill/>
@@ -5764,77 +9627,7 @@
                 <a:uLnTx/>
                 <a:uFillTx/>
               </a:rPr>
-              <a:t>	The Worked Example strategy we </a:t>
-            </a:r>
-            <a:r>
-              <a:rPr kumimoji="0" lang="en-US" sz="3000" b="0" i="0" u="none" strike="noStrike" kern="0" cap="none" spc="0" normalizeH="0" baseline="0" noProof="0" dirty="0" smtClean="0">
-                <a:ln>
-                  <a:noFill/>
-                </a:ln>
-                <a:solidFill>
-                  <a:prstClr val="black"/>
-                </a:solidFill>
-                <a:effectLst/>
-                <a:uLnTx/>
-                <a:uFillTx/>
-              </a:rPr>
-              <a:t>had minimal</a:t>
-            </a:r>
-            <a:r>
-              <a:rPr kumimoji="0" lang="en-US" sz="3000" b="0" i="0" u="none" strike="noStrike" kern="0" cap="none" spc="0" normalizeH="0" noProof="0" dirty="0" smtClean="0">
-                <a:ln>
-                  <a:noFill/>
-                </a:ln>
-                <a:solidFill>
-                  <a:prstClr val="black"/>
-                </a:solidFill>
-                <a:effectLst/>
-                <a:uLnTx/>
-                <a:uFillTx/>
-              </a:rPr>
-              <a:t> </a:t>
-            </a:r>
-            <a:r>
-              <a:rPr kumimoji="0" lang="en-US" sz="3000" b="0" i="0" u="none" strike="noStrike" kern="0" cap="none" spc="0" normalizeH="0" baseline="0" noProof="0" dirty="0" smtClean="0">
-                <a:ln>
-                  <a:noFill/>
-                </a:ln>
-                <a:solidFill>
-                  <a:prstClr val="black"/>
-                </a:solidFill>
-                <a:effectLst/>
-                <a:uLnTx/>
-                <a:uFillTx/>
-              </a:rPr>
-              <a:t>effect </a:t>
-            </a:r>
-            <a:r>
-              <a:rPr kumimoji="0" lang="en-US" sz="3000" b="0" i="0" u="none" strike="noStrike" kern="0" cap="none" spc="0" normalizeH="0" baseline="0" noProof="0" dirty="0">
-                <a:ln>
-                  <a:noFill/>
-                </a:ln>
-                <a:solidFill>
-                  <a:prstClr val="black"/>
-                </a:solidFill>
-                <a:effectLst/>
-                <a:uLnTx/>
-                <a:uFillTx/>
-              </a:rPr>
-              <a:t>on the completion rate of </a:t>
-            </a:r>
-            <a:r>
-              <a:rPr kumimoji="0" lang="en-US" sz="3000" b="0" i="0" u="none" strike="noStrike" kern="0" cap="none" spc="0" normalizeH="0" baseline="0" noProof="0" dirty="0" smtClean="0">
-                <a:ln>
-                  <a:noFill/>
-                </a:ln>
-                <a:solidFill>
-                  <a:prstClr val="black"/>
-                </a:solidFill>
-                <a:effectLst/>
-                <a:uLnTx/>
-                <a:uFillTx/>
-              </a:rPr>
-              <a:t>problems.</a:t>
+              <a:t>However, many students used them and found them helpful.</a:t>
             </a:r>
           </a:p>
           <a:p>
@@ -5856,20 +9649,6 @@
               <a:defRPr/>
             </a:pPr>
             <a:r>
-              <a:rPr kumimoji="0" lang="en-US" sz="3000" b="0" i="0" u="none" strike="noStrike" kern="0" cap="none" spc="0" normalizeH="0" baseline="0" noProof="0" dirty="0" smtClean="0">
-                <a:ln>
-                  <a:noFill/>
-                </a:ln>
-                <a:solidFill>
-                  <a:prstClr val="black"/>
-                </a:solidFill>
-                <a:effectLst/>
-                <a:uLnTx/>
-                <a:uFillTx/>
-              </a:rPr>
-              <a:t> </a:t>
-            </a:r>
-            <a:r>
               <a:rPr kumimoji="0" lang="en-US" sz="3000" b="0" i="0" u="none" strike="noStrike" kern="0" cap="none" spc="0" normalizeH="0" baseline="0" noProof="0" dirty="0">
                 <a:ln>
                   <a:noFill/>
@@ -5881,7 +9660,7 @@
                 <a:uLnTx/>
                 <a:uFillTx/>
               </a:rPr>
-              <a:t>However, many students used them and found them helpful.</a:t>
+              <a:t>	Methods of selection “hard’ problems may have been flawed. All problems had high completion rates (80-90%) before introducing WEs.</a:t>
             </a:r>
           </a:p>
           <a:p>
@@ -5914,7 +9693,7 @@
                 <a:uLnTx/>
                 <a:uFillTx/>
               </a:rPr>
-              <a:t>	Methods of selection “hard’ problems may have been flawed. All problems had high completion rates (80-90%) before introducing WEs.</a:t>
+              <a:t>	The correlation between WE use and increased number of runs may suggest our implementation had no quantitative benefit. It may also simply show that students are more likely to use the WE if they have been working on the problem for longer. More analysis of event log is required to support this.</a:t>
             </a:r>
           </a:p>
           <a:p>
@@ -5936,6 +9715,174 @@
               <a:defRPr/>
             </a:pPr>
             <a:r>
+              <a:rPr kumimoji="0" lang="en-US" sz="5000" b="0" i="0" u="sng" strike="noStrike" kern="0" cap="none" spc="0" normalizeH="0" baseline="0" noProof="0" dirty="0">
+                <a:ln>
+                  <a:noFill/>
+                </a:ln>
+                <a:solidFill>
+                  <a:prstClr val="black"/>
+                </a:solidFill>
+                <a:effectLst/>
+                <a:uLnTx/>
+                <a:uFillTx/>
+              </a:rPr>
+              <a:t>Future </a:t>
+            </a:r>
+            <a:r>
+              <a:rPr kumimoji="0" lang="en-US" sz="5000" b="0" i="0" u="sng" strike="noStrike" kern="0" cap="none" spc="0" normalizeH="0" baseline="0" noProof="0" dirty="0" smtClean="0">
+                <a:ln>
+                  <a:noFill/>
+                </a:ln>
+                <a:solidFill>
+                  <a:prstClr val="black"/>
+                </a:solidFill>
+                <a:effectLst/>
+                <a:uLnTx/>
+                <a:uFillTx/>
+              </a:rPr>
+              <a:t>work</a:t>
+            </a:r>
+            <a:endParaRPr kumimoji="0" lang="en-US" sz="5000" b="0" i="0" u="sng" strike="noStrike" kern="0" cap="none" spc="0" normalizeH="0" baseline="0" noProof="0" dirty="0">
+              <a:ln>
+                <a:noFill/>
+              </a:ln>
+              <a:solidFill>
+                <a:prstClr val="black"/>
+              </a:solidFill>
+              <a:effectLst/>
+              <a:uLnTx/>
+              <a:uFillTx/>
+            </a:endParaRPr>
+          </a:p>
+          <a:p>
+            <a:pPr marL="685800" marR="0" lvl="0" indent="-685800" defTabSz="457200" eaLnBrk="1" fontAlgn="auto" latinLnBrk="0" hangingPunct="1">
+              <a:lnSpc>
+                <a:spcPct val="100000"/>
+              </a:lnSpc>
+              <a:spcBef>
+                <a:spcPts val="0"/>
+              </a:spcBef>
+              <a:spcAft>
+                <a:spcPts val="0"/>
+              </a:spcAft>
+              <a:buClrTx/>
+              <a:buSzTx/>
+              <a:buFont typeface="Arial" panose="020B0604020202020204" pitchFamily="34" charset="0"/>
+              <a:buChar char="•"/>
+              <a:tabLst/>
+              <a:defRPr/>
+            </a:pPr>
+            <a:r>
+              <a:rPr kumimoji="0" lang="en-US" sz="3000" b="0" i="0" u="none" strike="noStrike" kern="0" cap="none" spc="0" normalizeH="0" baseline="0" noProof="0" dirty="0" smtClean="0">
+                <a:ln>
+                  <a:noFill/>
+                </a:ln>
+                <a:solidFill>
+                  <a:prstClr val="black"/>
+                </a:solidFill>
+                <a:effectLst/>
+                <a:uLnTx/>
+                <a:uFillTx/>
+              </a:rPr>
+              <a:t>Further</a:t>
+            </a:r>
+            <a:r>
+              <a:rPr kumimoji="0" lang="en-US" sz="3000" b="0" i="0" u="none" strike="noStrike" kern="0" cap="none" spc="0" normalizeH="0" noProof="0" dirty="0" smtClean="0">
+                <a:ln>
+                  <a:noFill/>
+                </a:ln>
+                <a:solidFill>
+                  <a:prstClr val="black"/>
+                </a:solidFill>
+                <a:effectLst/>
+                <a:uLnTx/>
+                <a:uFillTx/>
+              </a:rPr>
+              <a:t> analysis of WE usage via event logs </a:t>
+            </a:r>
+            <a:endParaRPr kumimoji="0" lang="en-US" sz="3000" b="0" i="0" u="none" strike="noStrike" kern="0" cap="none" spc="0" normalizeH="0" baseline="0" noProof="0" dirty="0" smtClean="0">
+              <a:ln>
+                <a:noFill/>
+              </a:ln>
+              <a:solidFill>
+                <a:prstClr val="black"/>
+              </a:solidFill>
+              <a:effectLst/>
+              <a:uLnTx/>
+              <a:uFillTx/>
+            </a:endParaRPr>
+          </a:p>
+          <a:p>
+            <a:pPr marL="685800" marR="0" lvl="0" indent="-685800" defTabSz="457200" eaLnBrk="1" fontAlgn="auto" latinLnBrk="0" hangingPunct="1">
+              <a:lnSpc>
+                <a:spcPct val="100000"/>
+              </a:lnSpc>
+              <a:spcBef>
+                <a:spcPts val="0"/>
+              </a:spcBef>
+              <a:spcAft>
+                <a:spcPts val="0"/>
+              </a:spcAft>
+              <a:buClrTx/>
+              <a:buSzTx/>
+              <a:buFont typeface="Arial" panose="020B0604020202020204" pitchFamily="34" charset="0"/>
+              <a:buChar char="•"/>
+              <a:tabLst/>
+              <a:defRPr/>
+            </a:pPr>
+            <a:r>
+              <a:rPr lang="en-US" sz="3000" kern="0" dirty="0" smtClean="0">
+                <a:solidFill>
+                  <a:prstClr val="black"/>
+                </a:solidFill>
+              </a:rPr>
+              <a:t>Interactive Worked Examples</a:t>
+            </a:r>
+            <a:endParaRPr kumimoji="0" lang="en-US" sz="3000" b="0" i="0" u="none" strike="noStrike" kern="0" cap="none" spc="0" normalizeH="0" baseline="0" noProof="0" dirty="0">
+              <a:ln>
+                <a:noFill/>
+              </a:ln>
+              <a:solidFill>
+                <a:prstClr val="black"/>
+              </a:solidFill>
+              <a:effectLst/>
+              <a:uLnTx/>
+              <a:uFillTx/>
+            </a:endParaRPr>
+          </a:p>
+          <a:p>
+            <a:pPr marL="685800" marR="0" lvl="0" indent="-685800" defTabSz="457200" eaLnBrk="1" fontAlgn="auto" latinLnBrk="0" hangingPunct="1">
+              <a:lnSpc>
+                <a:spcPct val="100000"/>
+              </a:lnSpc>
+              <a:spcBef>
+                <a:spcPts val="0"/>
+              </a:spcBef>
+              <a:spcAft>
+                <a:spcPts val="0"/>
+              </a:spcAft>
+              <a:buClrTx/>
+              <a:buSzTx/>
+              <a:buFont typeface="Arial" panose="020B0604020202020204" pitchFamily="34" charset="0"/>
+              <a:buChar char="•"/>
+              <a:tabLst/>
+              <a:defRPr/>
+            </a:pPr>
+            <a:r>
+              <a:rPr kumimoji="0" lang="en-US" sz="3000" b="0" i="0" u="none" strike="noStrike" kern="0" cap="none" spc="0" normalizeH="0" baseline="0" noProof="0" dirty="0" err="1">
+                <a:ln>
+                  <a:noFill/>
+                </a:ln>
+                <a:solidFill>
+                  <a:prstClr val="black"/>
+                </a:solidFill>
+                <a:effectLst/>
+                <a:uLnTx/>
+                <a:uFillTx/>
+              </a:rPr>
+              <a:t>Subgoal</a:t>
+            </a:r>
+            <a:r>
               <a:rPr kumimoji="0" lang="en-US" sz="3000" b="0" i="0" u="none" strike="noStrike" kern="0" cap="none" spc="0" normalizeH="0" baseline="0" noProof="0" dirty="0">
                 <a:ln>
                   <a:noFill/>
@@ -5947,9 +9894,88 @@
                 <a:uLnTx/>
                 <a:uFillTx/>
               </a:rPr>
-              <a:t>	The correlation between WE use and increased number of runs may suggest our implementation had no quantitative benefit. It may also simply show that students are more likely to use the WE if they have been working on the problem for longer. More analysis of event log is required to support this.</a:t>
-            </a:r>
-          </a:p>
+              <a:t> only Worked Examples </a:t>
+            </a:r>
+          </a:p>
+          <a:p>
+            <a:pPr marL="685800" marR="0" lvl="0" indent="-685800" defTabSz="457200" eaLnBrk="1" fontAlgn="auto" latinLnBrk="0" hangingPunct="1">
+              <a:lnSpc>
+                <a:spcPct val="100000"/>
+              </a:lnSpc>
+              <a:spcBef>
+                <a:spcPts val="0"/>
+              </a:spcBef>
+              <a:spcAft>
+                <a:spcPts val="0"/>
+              </a:spcAft>
+              <a:buClrTx/>
+              <a:buSzTx/>
+              <a:buFont typeface="Arial" panose="020B0604020202020204" pitchFamily="34" charset="0"/>
+              <a:buChar char="•"/>
+              <a:tabLst/>
+              <a:defRPr/>
+            </a:pPr>
+            <a:r>
+              <a:rPr kumimoji="0" lang="en-US" sz="3000" b="0" i="0" u="none" strike="noStrike" kern="0" cap="none" spc="0" normalizeH="0" baseline="0" noProof="0" dirty="0">
+                <a:ln>
+                  <a:noFill/>
+                </a:ln>
+                <a:solidFill>
+                  <a:prstClr val="black"/>
+                </a:solidFill>
+                <a:effectLst/>
+                <a:uLnTx/>
+                <a:uFillTx/>
+              </a:rPr>
+              <a:t>Alternative supplements material in large intro </a:t>
+            </a:r>
+            <a:r>
+              <a:rPr kumimoji="0" lang="en-US" sz="3000" b="0" i="0" u="none" strike="noStrike" kern="0" cap="none" spc="0" normalizeH="0" baseline="0" noProof="0" dirty="0" smtClean="0">
+                <a:ln>
+                  <a:noFill/>
+                </a:ln>
+                <a:solidFill>
+                  <a:prstClr val="black"/>
+                </a:solidFill>
+                <a:effectLst/>
+                <a:uLnTx/>
+                <a:uFillTx/>
+              </a:rPr>
+              <a:t>classes</a:t>
+            </a:r>
+          </a:p>
+        </p:txBody>
+      </p:sp>
+      <p:sp>
+        <p:nvSpPr>
+          <p:cNvPr id="118" name="TextBox 117">
+            <a:extLst>
+              <a:ext uri="{FF2B5EF4-FFF2-40B4-BE49-F238E27FC236}">
+                <a16:creationId xmlns:a16="http://schemas.microsoft.com/office/drawing/2014/main" xmlns="" id="{639AF7D8-0BFC-4E1B-B1C5-8A026516C1F6}"/>
+              </a:ext>
+            </a:extLst>
+          </p:cNvPr>
+          <p:cNvSpPr txBox="1"/>
+          <p:nvPr/>
+        </p:nvSpPr>
+        <p:spPr>
+          <a:xfrm>
+            <a:off x="1467101" y="16804005"/>
+            <a:ext cx="2040374" cy="861774"/>
+          </a:xfrm>
+          <a:prstGeom prst="rect">
+            <a:avLst/>
+          </a:prstGeom>
+          <a:noFill/>
+          <a:ln>
+            <a:noFill/>
+          </a:ln>
+        </p:spPr>
+        <p:txBody>
+          <a:bodyPr wrap="square" rtlCol="0">
+            <a:spAutoFit/>
+          </a:bodyPr>
+          <a:lstStyle/>
           <a:p>
             <a:pPr marL="0" marR="0" lvl="0" indent="0" defTabSz="457200" eaLnBrk="1" fontAlgn="auto" latinLnBrk="0" hangingPunct="1">
               <a:lnSpc>
@@ -5969,187 +9995,7 @@
               <a:defRPr/>
             </a:pPr>
             <a:r>
-              <a:rPr kumimoji="0" lang="en-US" sz="5000" b="0" i="0" u="none" strike="noStrike" kern="0" cap="none" spc="0" normalizeH="0" baseline="0" noProof="0" dirty="0">
-                <a:ln>
-                  <a:noFill/>
-                </a:ln>
-                <a:solidFill>
-                  <a:prstClr val="black"/>
-                </a:solidFill>
-                <a:effectLst/>
-                <a:uLnTx/>
-                <a:uFillTx/>
-              </a:rPr>
-              <a:t>Future work</a:t>
-            </a:r>
-          </a:p>
-          <a:p>
-            <a:pPr marL="685800" marR="0" lvl="0" indent="-685800" defTabSz="457200" eaLnBrk="1" fontAlgn="auto" latinLnBrk="0" hangingPunct="1">
-              <a:lnSpc>
-                <a:spcPct val="100000"/>
-              </a:lnSpc>
-              <a:spcBef>
-                <a:spcPts val="0"/>
-              </a:spcBef>
-              <a:spcAft>
-                <a:spcPts val="0"/>
-              </a:spcAft>
-              <a:buClrTx/>
-              <a:buSzTx/>
-              <a:buFont typeface="Arial" panose="020B0604020202020204" pitchFamily="34" charset="0"/>
-              <a:buChar char="•"/>
-              <a:tabLst/>
-              <a:defRPr/>
-            </a:pPr>
-            <a:r>
-              <a:rPr kumimoji="0" lang="en-US" sz="3000" b="0" i="0" u="none" strike="noStrike" kern="0" cap="none" spc="0" normalizeH="0" baseline="0" noProof="0" dirty="0">
-                <a:ln>
-                  <a:noFill/>
-                </a:ln>
-                <a:solidFill>
-                  <a:prstClr val="black"/>
-                </a:solidFill>
-                <a:effectLst/>
-                <a:uLnTx/>
-                <a:uFillTx/>
-              </a:rPr>
-              <a:t>Interactive Worked Examples </a:t>
-            </a:r>
-          </a:p>
-          <a:p>
-            <a:pPr marL="685800" marR="0" lvl="0" indent="-685800" defTabSz="457200" eaLnBrk="1" fontAlgn="auto" latinLnBrk="0" hangingPunct="1">
-              <a:lnSpc>
-                <a:spcPct val="100000"/>
-              </a:lnSpc>
-              <a:spcBef>
-                <a:spcPts val="0"/>
-              </a:spcBef>
-              <a:spcAft>
-                <a:spcPts val="0"/>
-              </a:spcAft>
-              <a:buClrTx/>
-              <a:buSzTx/>
-              <a:buFont typeface="Arial" panose="020B0604020202020204" pitchFamily="34" charset="0"/>
-              <a:buChar char="•"/>
-              <a:tabLst/>
-              <a:defRPr/>
-            </a:pPr>
-            <a:r>
-              <a:rPr kumimoji="0" lang="en-US" sz="3000" b="0" i="0" u="none" strike="noStrike" kern="0" cap="none" spc="0" normalizeH="0" baseline="0" noProof="0" dirty="0" err="1">
-                <a:ln>
-                  <a:noFill/>
-                </a:ln>
-                <a:solidFill>
-                  <a:prstClr val="black"/>
-                </a:solidFill>
-                <a:effectLst/>
-                <a:uLnTx/>
-                <a:uFillTx/>
-              </a:rPr>
-              <a:t>Subgoal</a:t>
-            </a:r>
-            <a:r>
-              <a:rPr kumimoji="0" lang="en-US" sz="3000" b="0" i="0" u="none" strike="noStrike" kern="0" cap="none" spc="0" normalizeH="0" baseline="0" noProof="0" dirty="0">
-                <a:ln>
-                  <a:noFill/>
-                </a:ln>
-                <a:solidFill>
-                  <a:prstClr val="black"/>
-                </a:solidFill>
-                <a:effectLst/>
-                <a:uLnTx/>
-                <a:uFillTx/>
-              </a:rPr>
-              <a:t> only Worked Examples </a:t>
-            </a:r>
-          </a:p>
-          <a:p>
-            <a:pPr marL="685800" marR="0" lvl="0" indent="-685800" defTabSz="457200" eaLnBrk="1" fontAlgn="auto" latinLnBrk="0" hangingPunct="1">
-              <a:lnSpc>
-                <a:spcPct val="100000"/>
-              </a:lnSpc>
-              <a:spcBef>
-                <a:spcPts val="0"/>
-              </a:spcBef>
-              <a:spcAft>
-                <a:spcPts val="0"/>
-              </a:spcAft>
-              <a:buClrTx/>
-              <a:buSzTx/>
-              <a:buFont typeface="Arial" panose="020B0604020202020204" pitchFamily="34" charset="0"/>
-              <a:buChar char="•"/>
-              <a:tabLst/>
-              <a:defRPr/>
-            </a:pPr>
-            <a:r>
-              <a:rPr kumimoji="0" lang="en-US" sz="3000" b="0" i="0" u="none" strike="noStrike" kern="0" cap="none" spc="0" normalizeH="0" baseline="0" noProof="0" dirty="0">
-                <a:ln>
-                  <a:noFill/>
-                </a:ln>
-                <a:solidFill>
-                  <a:prstClr val="black"/>
-                </a:solidFill>
-                <a:effectLst/>
-                <a:uLnTx/>
-                <a:uFillTx/>
-              </a:rPr>
-              <a:t>Alternative supplements material in large intro classes</a:t>
-            </a:r>
-          </a:p>
-        </p:txBody>
-      </p:sp>
-      <p:sp>
-        <p:nvSpPr>
-          <p:cNvPr id="118" name="TextBox 117">
-            <a:extLst>
-              <a:ext uri="{FF2B5EF4-FFF2-40B4-BE49-F238E27FC236}">
-                <a16:creationId xmlns:a16="http://schemas.microsoft.com/office/drawing/2014/main" xmlns="" id="{639AF7D8-0BFC-4E1B-B1C5-8A026516C1F6}"/>
-              </a:ext>
-            </a:extLst>
-          </p:cNvPr>
-          <p:cNvSpPr txBox="1"/>
-          <p:nvPr/>
-        </p:nvSpPr>
-        <p:spPr>
-          <a:xfrm>
-            <a:off x="1257196" y="16731412"/>
-            <a:ext cx="11049000" cy="861774"/>
-          </a:xfrm>
-          <a:prstGeom prst="rect">
-            <a:avLst/>
-          </a:prstGeom>
-          <a:noFill/>
-          <a:ln>
-            <a:solidFill>
-              <a:sysClr val="windowText" lastClr="000000"/>
-            </a:solidFill>
-          </a:ln>
-        </p:spPr>
-        <p:txBody>
-          <a:bodyPr wrap="square" rtlCol="0">
-            <a:spAutoFit/>
-          </a:bodyPr>
-          <a:lstStyle/>
-          <a:p>
-            <a:pPr marL="0" marR="0" lvl="0" indent="0" defTabSz="457200" eaLnBrk="1" fontAlgn="auto" latinLnBrk="0" hangingPunct="1">
-              <a:lnSpc>
-                <a:spcPct val="100000"/>
-              </a:lnSpc>
-              <a:spcBef>
-                <a:spcPts val="0"/>
-              </a:spcBef>
-              <a:spcAft>
-                <a:spcPts val="0"/>
-              </a:spcAft>
-              <a:buClrTx/>
-              <a:buSzTx/>
-              <a:buFontTx/>
-              <a:buNone/>
-              <a:tabLst/>
-              <a:defRPr/>
-            </a:pPr>
-            <a:r>
-              <a:rPr kumimoji="0" lang="en-US" sz="5000" b="0" i="0" u="none" strike="noStrike" kern="0" cap="none" spc="0" normalizeH="0" baseline="0" noProof="0" dirty="0">
+              <a:rPr kumimoji="0" lang="en-US" sz="5000" b="0" i="0" u="sng" strike="noStrike" kern="0" cap="none" spc="0" normalizeH="0" baseline="0" noProof="0" dirty="0">
                 <a:ln>
                   <a:noFill/>
                 </a:ln>
@@ -6161,81 +10007,6 @@
                 <a:uFillTx/>
               </a:rPr>
               <a:t>Results</a:t>
-            </a:r>
-          </a:p>
-        </p:txBody>
-      </p:sp>
-      <p:sp>
-        <p:nvSpPr>
-          <p:cNvPr id="119" name="Rectangle 118">
-            <a:extLst>
-              <a:ext uri="{FF2B5EF4-FFF2-40B4-BE49-F238E27FC236}">
-                <a16:creationId xmlns:a16="http://schemas.microsoft.com/office/drawing/2014/main" xmlns="" id="{CA0774C0-07A2-44D6-AE01-341DE8DCE919}"/>
-              </a:ext>
-            </a:extLst>
-          </p:cNvPr>
-          <p:cNvSpPr/>
-          <p:nvPr/>
-        </p:nvSpPr>
-        <p:spPr>
-          <a:xfrm>
-            <a:off x="38231233" y="353695"/>
-            <a:ext cx="4703232" cy="2937720"/>
-          </a:xfrm>
-          <a:prstGeom prst="rect">
-            <a:avLst/>
-          </a:prstGeom>
-          <a:solidFill>
-            <a:srgbClr val="ED7D31"/>
-          </a:solidFill>
-          <a:ln w="12700" cap="flat" cmpd="sng" algn="ctr">
-            <a:solidFill>
-              <a:srgbClr val="4472C4">
-                <a:shade val="50000"/>
-              </a:srgbClr>
-            </a:solidFill>
-            <a:prstDash val="solid"/>
-            <a:miter lim="800000"/>
-          </a:ln>
-          <a:effectLst/>
-        </p:spPr>
-        <p:txBody>
-          <a:bodyPr rtlCol="0" anchor="ctr"/>
-          <a:lstStyle/>
-          <a:p>
-            <a:pPr marL="0" marR="0" lvl="0" indent="0" algn="ctr" defTabSz="457200" eaLnBrk="1" fontAlgn="auto" latinLnBrk="0" hangingPunct="1">
-              <a:lnSpc>
-                <a:spcPct val="100000"/>
-              </a:lnSpc>
-              <a:spcBef>
-                <a:spcPts val="0"/>
-              </a:spcBef>
-              <a:spcAft>
-                <a:spcPts val="0"/>
-              </a:spcAft>
-              <a:buClrTx/>
-              <a:buSzTx/>
-              <a:buFontTx/>
-              <a:buNone/>
-              <a:tabLst/>
-              <a:defRPr/>
-            </a:pPr>
-            <a:r>
-              <a:rPr kumimoji="0" lang="en-US" sz="4800" b="0" i="0" u="none" strike="noStrike" kern="0" cap="none" spc="0" normalizeH="0" baseline="0" noProof="0" dirty="0">
-                <a:ln>
-                  <a:noFill/>
-                </a:ln>
-                <a:solidFill>
-                  <a:prstClr val="white"/>
-                </a:solidFill>
-                <a:effectLst/>
-                <a:uLnTx/>
-                <a:uFillTx/>
-                <a:latin typeface="Calibri" panose="020F0502020204030204"/>
-                <a:ea typeface="+mn-ea"/>
-                <a:cs typeface="+mn-cs"/>
-              </a:rPr>
-              <a:t>VT Logo</a:t>
             </a:r>
           </a:p>
         </p:txBody>
@@ -6255,42 +10026,42 @@
           <p:nvPr>
             <p:extLst>
               <p:ext uri="{D42A27DB-BD31-4B8C-83A1-F6EECF244321}">
-                <p14:modId xmlns:p14="http://schemas.microsoft.com/office/powerpoint/2010/main" val="762071447"/>
+                <p14:modId xmlns:p14="http://schemas.microsoft.com/office/powerpoint/2010/main" val="1366076002"/>
               </p:ext>
             </p:extLst>
           </p:nvPr>
         </p:nvGraphicFramePr>
         <p:xfrm>
-          <a:off x="7263515" y="9572743"/>
-          <a:ext cx="4550935" cy="2046067"/>
+          <a:off x="37677908" y="5317012"/>
+          <a:ext cx="4406408" cy="2011680"/>
         </p:xfrm>
         <a:graphic>
           <a:graphicData uri="http://schemas.openxmlformats.org/drawingml/2006/table">
             <a:tbl>
               <a:tblPr firstRow="1" bandRow="1"/>
               <a:tblGrid>
-                <a:gridCol w="679760">
+                <a:gridCol w="658172">
                   <a:extLst>
                     <a:ext uri="{9D8B030D-6E8A-4147-A177-3AD203B41FA5}">
                       <a16:colId xmlns:a16="http://schemas.microsoft.com/office/drawing/2014/main" xmlns="" val="1246494410"/>
                     </a:ext>
                   </a:extLst>
                 </a:gridCol>
-                <a:gridCol w="1555552">
+                <a:gridCol w="1506152">
                   <a:extLst>
                     <a:ext uri="{9D8B030D-6E8A-4147-A177-3AD203B41FA5}">
                       <a16:colId xmlns:a16="http://schemas.microsoft.com/office/drawing/2014/main" xmlns="" val="3707486989"/>
                     </a:ext>
                   </a:extLst>
                 </a:gridCol>
-                <a:gridCol w="1635865">
+                <a:gridCol w="1583914">
                   <a:extLst>
                     <a:ext uri="{9D8B030D-6E8A-4147-A177-3AD203B41FA5}">
                       <a16:colId xmlns:a16="http://schemas.microsoft.com/office/drawing/2014/main" xmlns="" val="2676852081"/>
                     </a:ext>
                   </a:extLst>
                 </a:gridCol>
-                <a:gridCol w="679758">
+                <a:gridCol w="658170">
                   <a:extLst>
                     <a:ext uri="{9D8B030D-6E8A-4147-A177-3AD203B41FA5}">
                       <a16:colId xmlns:a16="http://schemas.microsoft.com/office/drawing/2014/main" xmlns="" val="3454277832"/>
@@ -6298,7 +10069,7 @@
                   </a:extLst>
                 </a:gridCol>
               </a:tblGrid>
-              <a:tr h="651022">
+              <a:tr h="519770">
                 <a:tc>
                   <a:txBody>
                     <a:bodyPr/>
@@ -6777,7 +10548,7 @@
                   </a:ext>
                 </a:extLst>
               </a:tr>
-              <a:tr h="465015">
+              <a:tr h="371264">
                 <a:tc>
                   <a:txBody>
                     <a:bodyPr/>
@@ -7270,7 +11041,7 @@
                   </a:ext>
                 </a:extLst>
               </a:tr>
-              <a:tr h="465015">
+              <a:tr h="371264">
                 <a:tc>
                   <a:txBody>
                     <a:bodyPr/>
@@ -7763,7 +11534,7 @@
                   </a:ext>
                 </a:extLst>
               </a:tr>
-              <a:tr h="465015">
+              <a:tr h="371264">
                 <a:tc>
                   <a:txBody>
                     <a:bodyPr/>
@@ -8271,7 +12042,7 @@
           <p:nvPr/>
         </p:nvPicPr>
         <p:blipFill>
-          <a:blip r:embed="rId3">
+          <a:blip r:embed="rId8">
             <a:extLst>
               <a:ext uri="{28A0092B-C50C-407E-A947-70E740481C1C}">
                 <a14:useLocalDpi xmlns:a14="http://schemas.microsoft.com/office/drawing/2010/main" val="0"/>
@@ -8284,8 +12055,8 @@
         </p:blipFill>
         <p:spPr>
           <a:xfrm>
-            <a:off x="1648253" y="23256323"/>
-            <a:ext cx="6845369" cy="3720009"/>
+            <a:off x="8839501" y="18388256"/>
+            <a:ext cx="8186528" cy="4448841"/>
           </a:xfrm>
           <a:prstGeom prst="rect">
             <a:avLst/>
@@ -8306,8 +12077,8 @@
         </p:nvSpPr>
         <p:spPr>
           <a:xfrm>
-            <a:off x="2112330" y="22646526"/>
-            <a:ext cx="5905500" cy="646331"/>
+            <a:off x="8839501" y="17362688"/>
+            <a:ext cx="8186528" cy="1015663"/>
           </a:xfrm>
           <a:prstGeom prst="rect">
             <a:avLst/>
@@ -8338,7 +12109,7 @@
               <a:defRPr/>
             </a:pPr>
             <a:r>
-              <a:rPr kumimoji="0" lang="en-US" sz="1800" b="0" i="0" u="none" strike="noStrike" kern="0" cap="none" spc="0" normalizeH="0" baseline="0" noProof="0" dirty="0">
+              <a:rPr kumimoji="0" lang="en-US" sz="3000" b="0" i="0" u="none" strike="noStrike" kern="0" cap="none" spc="0" normalizeH="0" baseline="0" noProof="0" dirty="0">
                 <a:ln>
                   <a:noFill/>
                 </a:ln>
@@ -8354,42 +12125,6 @@
           </a:p>
         </p:txBody>
       </p:sp>
-      <p:pic>
-        <p:nvPicPr>
-          <p:cNvPr id="125" name="Picture 124">
-            <a:extLst>
-              <a:ext uri="{FF2B5EF4-FFF2-40B4-BE49-F238E27FC236}">
-                <a16:creationId xmlns:a16="http://schemas.microsoft.com/office/drawing/2014/main" xmlns="" id="{72184C8D-25D2-4012-99BD-67A9AF4DA432}"/>
-              </a:ext>
-            </a:extLst>
-          </p:cNvPr>
-          <p:cNvPicPr>
-            <a:picLocks noChangeAspect="1"/>
-          </p:cNvPicPr>
-          <p:nvPr/>
-        </p:nvPicPr>
-        <p:blipFill>
-          <a:blip r:embed="rId4">
-            <a:extLst>
-              <a:ext uri="{28A0092B-C50C-407E-A947-70E740481C1C}">
-                <a14:useLocalDpi xmlns:a14="http://schemas.microsoft.com/office/drawing/2010/main" val="0"/>
-              </a:ext>
-            </a:extLst>
-          </a:blip>
-          <a:stretch>
-            <a:fillRect/>
-          </a:stretch>
-        </p:blipFill>
-        <p:spPr>
-          <a:xfrm>
-            <a:off x="9068366" y="23102076"/>
-            <a:ext cx="3375054" cy="3949927"/>
-          </a:xfrm>
-          <a:prstGeom prst="rect">
-            <a:avLst/>
-          </a:prstGeom>
-        </p:spPr>
-      </p:pic>
       <p:sp>
         <p:nvSpPr>
           <p:cNvPr id="126" name="TextBox 125">
@@ -8404,13 +12139,16 @@
         </p:nvSpPr>
         <p:spPr>
           <a:xfrm>
-            <a:off x="8946933" y="22332993"/>
-            <a:ext cx="3490610" cy="923330"/>
+            <a:off x="17649712" y="17348490"/>
+            <a:ext cx="6388755" cy="1042439"/>
           </a:xfrm>
           <a:prstGeom prst="rect">
             <a:avLst/>
           </a:prstGeom>
           <a:noFill/>
+          <a:ln>
+            <a:noFill/>
+          </a:ln>
         </p:spPr>
         <p:txBody>
           <a:bodyPr wrap="square" rtlCol="0">
@@ -8436,7 +12174,7 @@
               <a:defRPr/>
             </a:pPr>
             <a:r>
-              <a:rPr kumimoji="0" lang="en-US" sz="1800" b="0" i="0" u="none" strike="noStrike" kern="0" cap="none" spc="0" normalizeH="0" baseline="0" noProof="0" dirty="0">
+              <a:rPr kumimoji="0" lang="en-US" sz="3000" b="0" i="0" u="none" strike="noStrike" kern="0" cap="none" spc="0" normalizeH="0" baseline="0" noProof="0" dirty="0">
                 <a:ln>
                   <a:noFill/>
                 </a:ln>
@@ -8467,14 +12205,14 @@
           <p:nvPr>
             <p:extLst>
               <p:ext uri="{D42A27DB-BD31-4B8C-83A1-F6EECF244321}">
-                <p14:modId xmlns:p14="http://schemas.microsoft.com/office/powerpoint/2010/main" val="3852000626"/>
+                <p14:modId xmlns:p14="http://schemas.microsoft.com/office/powerpoint/2010/main" val="353294786"/>
               </p:ext>
             </p:extLst>
           </p:nvPr>
         </p:nvGraphicFramePr>
         <p:xfrm>
-          <a:off x="2461684" y="18403743"/>
-          <a:ext cx="6155622" cy="3152625"/>
+          <a:off x="2048112" y="18848388"/>
+          <a:ext cx="5444509" cy="3152625"/>
         </p:xfrm>
         <a:graphic>
           <a:graphicData uri="http://schemas.openxmlformats.org/drawingml/2006/table">
@@ -8488,21 +12226,21 @@
                     </a:ext>
                   </a:extLst>
                 </a:gridCol>
-                <a:gridCol w="1799396">
+                <a:gridCol w="1613687">
                   <a:extLst>
                     <a:ext uri="{9D8B030D-6E8A-4147-A177-3AD203B41FA5}">
                       <a16:colId xmlns:a16="http://schemas.microsoft.com/office/drawing/2014/main" xmlns="" val="3707486989"/>
                     </a:ext>
                   </a:extLst>
                 </a:gridCol>
-                <a:gridCol w="2212681">
+                <a:gridCol w="1678674">
                   <a:extLst>
                     <a:ext uri="{9D8B030D-6E8A-4147-A177-3AD203B41FA5}">
                       <a16:colId xmlns:a16="http://schemas.microsoft.com/office/drawing/2014/main" xmlns="" val="2676852081"/>
                     </a:ext>
                   </a:extLst>
                 </a:gridCol>
-                <a:gridCol w="919445">
+                <a:gridCol w="928048">
                   <a:extLst>
                     <a:ext uri="{9D8B030D-6E8A-4147-A177-3AD203B41FA5}">
                       <a16:colId xmlns:a16="http://schemas.microsoft.com/office/drawing/2014/main" xmlns="" val="3454277832"/>
@@ -10482,7 +14220,7 @@
         </p:nvSpPr>
         <p:spPr>
           <a:xfrm>
-            <a:off x="2461684" y="17530721"/>
+            <a:off x="2048113" y="17805949"/>
             <a:ext cx="6155622" cy="1015663"/>
           </a:xfrm>
           <a:prstGeom prst="rect">
@@ -10544,8 +14282,8 @@
         </p:nvSpPr>
         <p:spPr>
           <a:xfrm>
-            <a:off x="12716529" y="20416215"/>
-            <a:ext cx="7209659" cy="1477328"/>
+            <a:off x="6712881" y="24378024"/>
+            <a:ext cx="12147171" cy="1015663"/>
           </a:xfrm>
           <a:prstGeom prst="rect">
             <a:avLst/>
@@ -10629,14 +14367,14 @@
           <p:nvPr>
             <p:extLst>
               <p:ext uri="{D42A27DB-BD31-4B8C-83A1-F6EECF244321}">
-                <p14:modId xmlns:p14="http://schemas.microsoft.com/office/powerpoint/2010/main" val="3038976250"/>
+                <p14:modId xmlns:p14="http://schemas.microsoft.com/office/powerpoint/2010/main" val="3345018761"/>
               </p:ext>
             </p:extLst>
           </p:nvPr>
         </p:nvGraphicFramePr>
         <p:xfrm>
-          <a:off x="13211768" y="22075810"/>
-          <a:ext cx="13078688" cy="5320558"/>
+          <a:off x="6744987" y="25328038"/>
+          <a:ext cx="12198953" cy="4754880"/>
         </p:xfrm>
         <a:graphic>
           <a:graphicData uri="http://schemas.openxmlformats.org/drawingml/2006/table">
@@ -10645,15 +14383,15 @@
                 <a:tableStyleId>{5C22544A-7EE6-4342-B048-85BDC9FD1C3A}</a:tableStyleId>
               </a:tblPr>
               <a:tblGrid>
-                <a:gridCol w="1868384"/>
-                <a:gridCol w="1868384"/>
-                <a:gridCol w="1868384"/>
-                <a:gridCol w="1868384"/>
-                <a:gridCol w="1868384"/>
-                <a:gridCol w="1868384"/>
-                <a:gridCol w="1868384"/>
+                <a:gridCol w="1398904"/>
+                <a:gridCol w="1481878"/>
+                <a:gridCol w="2035628"/>
+                <a:gridCol w="1687286"/>
+                <a:gridCol w="1752600"/>
+                <a:gridCol w="2024743"/>
+                <a:gridCol w="1817914"/>
               </a:tblGrid>
-              <a:tr h="2028718">
+              <a:tr h="1403319">
                 <a:tc>
                   <a:txBody>
                     <a:bodyPr/>
@@ -10754,7 +14492,7 @@
                       <a:pPr algn="ctr"/>
                       <a:r>
                         <a:rPr lang="en-US" sz="3000" dirty="0" smtClean="0"/>
-                        <a:t>Runs Standard</a:t>
+                        <a:t>Standard</a:t>
                       </a:r>
                       <a:r>
                         <a:rPr lang="en-US" sz="3000" baseline="0" dirty="0" smtClean="0"/>
@@ -10812,7 +14550,7 @@
                   </a:tcPr>
                 </a:tc>
               </a:tr>
-              <a:tr h="427976">
+              <a:tr h="379509">
                 <a:tc rowSpan="2">
                   <a:txBody>
                     <a:bodyPr/>
@@ -10931,7 +14669,7 @@
                   <a:tcPr anchor="ctr"/>
                 </a:tc>
               </a:tr>
-              <a:tr h="427976">
+              <a:tr h="379509">
                 <a:tc vMerge="1">
                   <a:txBody>
                     <a:bodyPr/>
@@ -11030,7 +14768,7 @@
                   <a:tcPr anchor="ctr"/>
                 </a:tc>
               </a:tr>
-              <a:tr h="427976">
+              <a:tr h="379509">
                 <a:tc rowSpan="4">
                   <a:txBody>
                     <a:bodyPr/>
@@ -11149,7 +14887,7 @@
                   <a:tcPr anchor="ctr"/>
                 </a:tc>
               </a:tr>
-              <a:tr h="427976">
+              <a:tr h="379509">
                 <a:tc vMerge="1">
                   <a:txBody>
                     <a:bodyPr/>
@@ -11248,7 +14986,7 @@
                   <a:tcPr anchor="ctr"/>
                 </a:tc>
               </a:tr>
-              <a:tr h="427976">
+              <a:tr h="379509">
                 <a:tc vMerge="1">
                   <a:txBody>
                     <a:bodyPr/>
@@ -11351,7 +15089,7 @@
                   <a:tcPr anchor="ctr"/>
                 </a:tc>
               </a:tr>
-              <a:tr h="427976">
+              <a:tr h="379509">
                 <a:tc vMerge="1">
                   <a:txBody>
                     <a:bodyPr/>
@@ -11462,8 +15200,8 @@
         </p:nvSpPr>
         <p:spPr>
           <a:xfrm>
-            <a:off x="20905159" y="9180381"/>
-            <a:ext cx="7057193" cy="6894195"/>
+            <a:off x="18043230" y="9827293"/>
+            <a:ext cx="8541933" cy="6955750"/>
           </a:xfrm>
           <a:prstGeom prst="rect">
             <a:avLst/>
@@ -11477,10 +15215,10 @@
           <a:lstStyle/>
           <a:p>
             <a:r>
-              <a:rPr lang="en-US" sz="5000" dirty="0" smtClean="0"/>
+              <a:rPr lang="en-US" sz="5000" u="sng" dirty="0" smtClean="0"/>
               <a:t>Sample WE Text</a:t>
             </a:r>
-            <a:endParaRPr lang="en-US" sz="3000" dirty="0" smtClean="0"/>
+            <a:endParaRPr lang="en-US" sz="3000" u="sng" dirty="0" smtClean="0"/>
           </a:p>
           <a:p>
             <a:r>
@@ -11489,6 +15227,9 @@
             </a:r>
           </a:p>
           <a:p>
+            <a:endParaRPr lang="en-US" sz="3600" dirty="0" smtClean="0"/>
+          </a:p>
+          <a:p>
             <a:r>
               <a:rPr lang="en-US" sz="3600" dirty="0" smtClean="0"/>
               <a:t>0)  Read Problem</a:t>
@@ -11530,42 +15271,6 @@
           </a:p>
         </p:txBody>
       </p:sp>
-      <p:cxnSp>
-        <p:nvCxnSpPr>
-          <p:cNvPr id="11" name="Straight Connector 10"/>
-          <p:cNvCxnSpPr/>
-          <p:nvPr/>
-        </p:nvCxnSpPr>
-        <p:spPr>
-          <a:xfrm>
-            <a:off x="20416194" y="9660323"/>
-            <a:ext cx="0" cy="5925312"/>
-          </a:xfrm>
-          <a:prstGeom prst="line">
-            <a:avLst/>
-          </a:prstGeom>
-          <a:ln>
-            <a:solidFill>
-              <a:schemeClr val="tx1"/>
-            </a:solidFill>
-            <a:prstDash val="lgDashDotDot"/>
-          </a:ln>
-        </p:spPr>
-        <p:style>
-          <a:lnRef idx="1">
-            <a:schemeClr val="accent1"/>
-          </a:lnRef>
-          <a:fillRef idx="0">
-            <a:schemeClr val="accent1"/>
-          </a:fillRef>
-          <a:effectRef idx="0">
-            <a:schemeClr val="accent1"/>
-          </a:effectRef>
-          <a:fontRef idx="minor">
-            <a:schemeClr val="tx1"/>
-          </a:fontRef>
-        </p:style>
-      </p:cxnSp>
       <p:sp>
         <p:nvSpPr>
           <p:cNvPr id="2" name="TextBox 1"/>
@@ -11574,8 +15279,8 @@
         </p:nvSpPr>
         <p:spPr>
           <a:xfrm>
-            <a:off x="28156643" y="9234423"/>
-            <a:ext cx="7395229" cy="6986528"/>
+            <a:off x="26923200" y="9988615"/>
+            <a:ext cx="8746220" cy="6232336"/>
           </a:xfrm>
           <a:prstGeom prst="rect">
             <a:avLst/>
@@ -11619,11 +15324,414 @@
               </a:rPr>
               <a:t>This problem requires us to write a function that uses the Dictionary Counting pattern to create a dictionary that maps pet type to number of pets of that type. The problem also says the words in the list can have inconsistent capitalization and our function has to treat two of the same word as one key in the dictionary.</a:t>
             </a:r>
-            <a:endParaRPr lang="en-US" sz="3200" dirty="0">
-              <a:solidFill>
-                <a:prstClr val="black"/>
-              </a:solidFill>
-            </a:endParaRPr>
+          </a:p>
+        </p:txBody>
+      </p:sp>
+      <p:pic>
+        <p:nvPicPr>
+          <p:cNvPr id="6" name="Picture 5"/>
+          <p:cNvPicPr>
+            <a:picLocks noChangeAspect="1"/>
+          </p:cNvPicPr>
+          <p:nvPr/>
+        </p:nvPicPr>
+        <p:blipFill>
+          <a:blip r:embed="rId9" cstate="print">
+            <a:extLst>
+              <a:ext uri="{28A0092B-C50C-407E-A947-70E740481C1C}">
+                <a14:useLocalDpi xmlns:a14="http://schemas.microsoft.com/office/drawing/2010/main" val="0"/>
+              </a:ext>
+            </a:extLst>
+          </a:blip>
+          <a:stretch>
+            <a:fillRect/>
+          </a:stretch>
+        </p:blipFill>
+        <p:spPr>
+          <a:xfrm>
+            <a:off x="38183621" y="962650"/>
+            <a:ext cx="3991556" cy="2246768"/>
+          </a:xfrm>
+          <a:prstGeom prst="rect">
+            <a:avLst/>
+          </a:prstGeom>
+        </p:spPr>
+      </p:pic>
+      <p:graphicFrame>
+        <p:nvGraphicFramePr>
+          <p:cNvPr id="10" name="Table 9"/>
+          <p:cNvGraphicFramePr>
+            <a:graphicFrameLocks noGrp="1"/>
+          </p:cNvGraphicFramePr>
+          <p:nvPr>
+            <p:extLst>
+              <p:ext uri="{D42A27DB-BD31-4B8C-83A1-F6EECF244321}">
+                <p14:modId xmlns:p14="http://schemas.microsoft.com/office/powerpoint/2010/main" val="3762989631"/>
+              </p:ext>
+            </p:extLst>
+          </p:nvPr>
+        </p:nvGraphicFramePr>
+        <p:xfrm>
+          <a:off x="18535720" y="18349095"/>
+          <a:ext cx="4274113" cy="4846320"/>
+        </p:xfrm>
+        <a:graphic>
+          <a:graphicData uri="http://schemas.openxmlformats.org/drawingml/2006/table">
+            <a:tbl>
+              <a:tblPr firstRow="1" bandRow="1">
+                <a:tableStyleId>{5C22544A-7EE6-4342-B048-85BDC9FD1C3A}</a:tableStyleId>
+              </a:tblPr>
+              <a:tblGrid>
+                <a:gridCol w="2772859"/>
+                <a:gridCol w="1501254"/>
+              </a:tblGrid>
+              <a:tr h="0">
+                <a:tc>
+                  <a:txBody>
+                    <a:bodyPr/>
+                    <a:lstStyle/>
+                    <a:p>
+                      <a:pPr algn="ctr"/>
+                      <a:r>
+                        <a:rPr lang="en-US" sz="3000" dirty="0" smtClean="0"/>
+                        <a:t>Problem</a:t>
+                      </a:r>
+                      <a:endParaRPr lang="en-US" sz="3000" dirty="0"/>
+                    </a:p>
+                  </a:txBody>
+                  <a:tcPr anchor="ctr">
+                    <a:solidFill>
+                      <a:srgbClr val="8E2344"/>
+                    </a:solidFill>
+                  </a:tcPr>
+                </a:tc>
+                <a:tc>
+                  <a:txBody>
+                    <a:bodyPr/>
+                    <a:lstStyle/>
+                    <a:p>
+                      <a:pPr algn="ctr"/>
+                      <a:r>
+                        <a:rPr lang="en-US" sz="3000" dirty="0" smtClean="0"/>
+                        <a:t>Percent Usage</a:t>
+                      </a:r>
+                      <a:endParaRPr lang="en-US" sz="3000" dirty="0"/>
+                    </a:p>
+                  </a:txBody>
+                  <a:tcPr anchor="ctr">
+                    <a:solidFill>
+                      <a:srgbClr val="8E2344"/>
+                    </a:solidFill>
+                  </a:tcPr>
+                </a:tc>
+              </a:tr>
+              <a:tr h="314814">
+                <a:tc>
+                  <a:txBody>
+                    <a:bodyPr/>
+                    <a:lstStyle/>
+                    <a:p>
+                      <a:pPr algn="ctr"/>
+                      <a:r>
+                        <a:rPr lang="en-US" sz="3000" dirty="0" smtClean="0"/>
+                        <a:t>Cube</a:t>
+                      </a:r>
+                      <a:r>
+                        <a:rPr lang="en-US" sz="3000" baseline="0" dirty="0" smtClean="0"/>
+                        <a:t> Elements</a:t>
+                      </a:r>
+                      <a:endParaRPr lang="en-US" sz="3000" dirty="0"/>
+                    </a:p>
+                  </a:txBody>
+                  <a:tcPr anchor="ctr"/>
+                </a:tc>
+                <a:tc>
+                  <a:txBody>
+                    <a:bodyPr/>
+                    <a:lstStyle/>
+                    <a:p>
+                      <a:pPr algn="ctr"/>
+                      <a:r>
+                        <a:rPr lang="en-US" sz="3000" dirty="0" smtClean="0"/>
+                        <a:t>29.4</a:t>
+                      </a:r>
+                      <a:endParaRPr lang="en-US" sz="3000" dirty="0"/>
+                    </a:p>
+                  </a:txBody>
+                  <a:tcPr anchor="ctr"/>
+                </a:tc>
+              </a:tr>
+              <a:tr h="314814">
+                <a:tc>
+                  <a:txBody>
+                    <a:bodyPr/>
+                    <a:lstStyle/>
+                    <a:p>
+                      <a:pPr algn="ctr"/>
+                      <a:r>
+                        <a:rPr lang="en-US" sz="3000" dirty="0" smtClean="0"/>
+                        <a:t>Default Name</a:t>
+                      </a:r>
+                      <a:endParaRPr lang="en-US" sz="3000" dirty="0"/>
+                    </a:p>
+                  </a:txBody>
+                  <a:tcPr anchor="ctr"/>
+                </a:tc>
+                <a:tc>
+                  <a:txBody>
+                    <a:bodyPr/>
+                    <a:lstStyle/>
+                    <a:p>
+                      <a:pPr algn="ctr"/>
+                      <a:r>
+                        <a:rPr lang="en-US" sz="3000" dirty="0" smtClean="0"/>
+                        <a:t>54.7</a:t>
+                      </a:r>
+                      <a:endParaRPr lang="en-US" sz="3000" dirty="0"/>
+                    </a:p>
+                  </a:txBody>
+                  <a:tcPr anchor="ctr"/>
+                </a:tc>
+              </a:tr>
+              <a:tr h="314814">
+                <a:tc>
+                  <a:txBody>
+                    <a:bodyPr/>
+                    <a:lstStyle/>
+                    <a:p>
+                      <a:pPr algn="ctr"/>
+                      <a:r>
+                        <a:rPr lang="en-US" sz="3000" dirty="0" smtClean="0"/>
+                        <a:t>Word Frequency</a:t>
+                      </a:r>
+                      <a:endParaRPr lang="en-US" sz="3000" dirty="0"/>
+                    </a:p>
+                  </a:txBody>
+                  <a:tcPr anchor="ctr"/>
+                </a:tc>
+                <a:tc>
+                  <a:txBody>
+                    <a:bodyPr/>
+                    <a:lstStyle/>
+                    <a:p>
+                      <a:pPr algn="ctr"/>
+                      <a:r>
+                        <a:rPr lang="en-US" sz="3000" dirty="0" smtClean="0"/>
+                        <a:t>59.0</a:t>
+                      </a:r>
+                      <a:endParaRPr lang="en-US" sz="3000" dirty="0"/>
+                    </a:p>
+                  </a:txBody>
+                  <a:tcPr anchor="ctr"/>
+                </a:tc>
+              </a:tr>
+              <a:tr h="314814">
+                <a:tc>
+                  <a:txBody>
+                    <a:bodyPr/>
+                    <a:lstStyle/>
+                    <a:p>
+                      <a:pPr algn="ctr"/>
+                      <a:r>
+                        <a:rPr lang="en-US" sz="3000" dirty="0" smtClean="0"/>
+                        <a:t>Adding Up</a:t>
+                      </a:r>
+                      <a:endParaRPr lang="en-US" sz="3000" dirty="0"/>
+                    </a:p>
+                  </a:txBody>
+                  <a:tcPr anchor="ctr"/>
+                </a:tc>
+                <a:tc>
+                  <a:txBody>
+                    <a:bodyPr/>
+                    <a:lstStyle/>
+                    <a:p>
+                      <a:pPr algn="ctr"/>
+                      <a:r>
+                        <a:rPr lang="en-US" sz="3000" dirty="0" smtClean="0"/>
+                        <a:t>33.3</a:t>
+                      </a:r>
+                      <a:endParaRPr lang="en-US" sz="3000" dirty="0"/>
+                    </a:p>
+                  </a:txBody>
+                  <a:tcPr anchor="ctr"/>
+                </a:tc>
+              </a:tr>
+              <a:tr h="314814">
+                <a:tc>
+                  <a:txBody>
+                    <a:bodyPr/>
+                    <a:lstStyle/>
+                    <a:p>
+                      <a:pPr algn="ctr"/>
+                      <a:r>
+                        <a:rPr lang="en-US" sz="3000" dirty="0" smtClean="0"/>
+                        <a:t>Plus or Minus</a:t>
+                      </a:r>
+                      <a:endParaRPr lang="en-US" sz="3000" dirty="0"/>
+                    </a:p>
+                  </a:txBody>
+                  <a:tcPr anchor="ctr"/>
+                </a:tc>
+                <a:tc>
+                  <a:txBody>
+                    <a:bodyPr/>
+                    <a:lstStyle/>
+                    <a:p>
+                      <a:pPr algn="ctr"/>
+                      <a:r>
+                        <a:rPr lang="en-US" sz="3000" dirty="0" smtClean="0"/>
+                        <a:t>60.1</a:t>
+                      </a:r>
+                      <a:endParaRPr lang="en-US" sz="3000" dirty="0"/>
+                    </a:p>
+                  </a:txBody>
+                  <a:tcPr anchor="ctr"/>
+                </a:tc>
+              </a:tr>
+              <a:tr h="314814">
+                <a:tc>
+                  <a:txBody>
+                    <a:bodyPr/>
+                    <a:lstStyle/>
+                    <a:p>
+                      <a:pPr algn="ctr"/>
+                      <a:r>
+                        <a:rPr lang="en-US" sz="3000" dirty="0" smtClean="0"/>
+                        <a:t>Fix</a:t>
+                      </a:r>
+                      <a:r>
+                        <a:rPr lang="en-US" sz="3000" baseline="0" dirty="0" smtClean="0"/>
+                        <a:t> Names</a:t>
+                      </a:r>
+                      <a:endParaRPr lang="en-US" sz="3000" dirty="0"/>
+                    </a:p>
+                  </a:txBody>
+                  <a:tcPr anchor="ctr"/>
+                </a:tc>
+                <a:tc>
+                  <a:txBody>
+                    <a:bodyPr/>
+                    <a:lstStyle/>
+                    <a:p>
+                      <a:pPr algn="ctr"/>
+                      <a:r>
+                        <a:rPr lang="en-US" sz="3000" dirty="0" smtClean="0"/>
+                        <a:t>60.5</a:t>
+                      </a:r>
+                      <a:endParaRPr lang="en-US" sz="3000" dirty="0"/>
+                    </a:p>
+                  </a:txBody>
+                  <a:tcPr anchor="ctr"/>
+                </a:tc>
+              </a:tr>
+              <a:tr h="314814">
+                <a:tc>
+                  <a:txBody>
+                    <a:bodyPr/>
+                    <a:lstStyle/>
+                    <a:p>
+                      <a:pPr algn="ctr"/>
+                      <a:r>
+                        <a:rPr lang="en-US" sz="3000" dirty="0" smtClean="0"/>
+                        <a:t>File Size</a:t>
+                      </a:r>
+                      <a:endParaRPr lang="en-US" sz="3000" dirty="0"/>
+                    </a:p>
+                  </a:txBody>
+                  <a:tcPr anchor="ctr"/>
+                </a:tc>
+                <a:tc>
+                  <a:txBody>
+                    <a:bodyPr/>
+                    <a:lstStyle/>
+                    <a:p>
+                      <a:pPr algn="ctr"/>
+                      <a:r>
+                        <a:rPr lang="en-US" sz="3000" dirty="0" smtClean="0"/>
+                        <a:t>41.2</a:t>
+                      </a:r>
+                      <a:endParaRPr lang="en-US" sz="3000" dirty="0"/>
+                    </a:p>
+                  </a:txBody>
+                  <a:tcPr anchor="ctr"/>
+                </a:tc>
+              </a:tr>
+            </a:tbl>
+          </a:graphicData>
+        </a:graphic>
+      </p:graphicFrame>
+      <p:sp>
+        <p:nvSpPr>
+          <p:cNvPr id="16" name="TextBox 15"/>
+          <p:cNvSpPr txBox="1"/>
+          <p:nvPr/>
+        </p:nvSpPr>
+        <p:spPr>
+          <a:xfrm>
+            <a:off x="1467101" y="9988615"/>
+            <a:ext cx="5613084" cy="861774"/>
+          </a:xfrm>
+          <a:prstGeom prst="rect">
+            <a:avLst/>
+          </a:prstGeom>
+          <a:noFill/>
+        </p:spPr>
+        <p:txBody>
+          <a:bodyPr wrap="square" rtlCol="0">
+            <a:spAutoFit/>
+          </a:bodyPr>
+          <a:lstStyle/>
+          <a:p>
+            <a:r>
+              <a:rPr lang="en-US" sz="5000" u="sng" dirty="0" smtClean="0"/>
+              <a:t>Methodology </a:t>
+            </a:r>
+            <a:endParaRPr lang="en-US" sz="5000" u="sng" dirty="0"/>
+          </a:p>
+        </p:txBody>
+      </p:sp>
+      <p:sp>
+        <p:nvSpPr>
+          <p:cNvPr id="11" name="TextBox 10"/>
+          <p:cNvSpPr txBox="1"/>
+          <p:nvPr/>
+        </p:nvSpPr>
+        <p:spPr>
+          <a:xfrm>
+            <a:off x="19245693" y="25328038"/>
+            <a:ext cx="4792774" cy="4708981"/>
+          </a:xfrm>
+          <a:prstGeom prst="rect">
+            <a:avLst/>
+          </a:prstGeom>
+          <a:noFill/>
+        </p:spPr>
+        <p:txBody>
+          <a:bodyPr wrap="square" rtlCol="0">
+            <a:spAutoFit/>
+          </a:bodyPr>
+          <a:lstStyle/>
+          <a:p>
+            <a:pPr marL="457200" indent="-457200">
+              <a:buFont typeface="Arial" panose="020B0604020202020204" pitchFamily="34" charset="0"/>
+              <a:buChar char="•"/>
+            </a:pPr>
+            <a:r>
+              <a:rPr lang="en-US" sz="3000" dirty="0" smtClean="0"/>
+              <a:t>Focusing on the values for S18 students with no prior experience, we see those that used the WE actually took over twice the time and runs as those who didn’t. </a:t>
+            </a:r>
+          </a:p>
+          <a:p>
+            <a:pPr marL="457200" indent="-457200">
+              <a:buFont typeface="Arial" panose="020B0604020202020204" pitchFamily="34" charset="0"/>
+              <a:buChar char="•"/>
+            </a:pPr>
+            <a:r>
+              <a:rPr lang="en-US" sz="3000" dirty="0" smtClean="0"/>
+              <a:t>A Cohen’s D test gives a large effect size for both measures (p=0.8, p=1.1)</a:t>
+            </a:r>
+            <a:endParaRPr lang="en-US" sz="3000" dirty="0"/>
           </a:p>
         </p:txBody>
       </p:sp>
@@ -11637,6 +15745,13 @@
   <p:clrMapOvr>
     <a:masterClrMapping/>
   </p:clrMapOvr>
+  <p:timing>
+    <p:tnLst>
+      <p:par>
+        <p:cTn id="1" dur="indefinite" restart="never" nodeType="tmRoot"/>
+      </p:par>
+    </p:tnLst>
+  </p:timing>
 </p:sld>
 </file>
 

--- a/Administrative/VTURCS/VTURCS Poster.pptx
+++ b/Administrative/VTURCS/VTURCS Poster.pptx
@@ -126,3094 +126,6 @@
 </p:presentation>
 </file>
 
-<file path=ppt/diagrams/colors1.xml><?xml version="1.0" encoding="utf-8"?>
-<dgm:colorsDef xmlns:dgm="http://schemas.openxmlformats.org/drawingml/2006/diagram" xmlns:a="http://schemas.openxmlformats.org/drawingml/2006/main" uniqueId="urn:microsoft.com/office/officeart/2005/8/colors/colorful1">
-  <dgm:title val=""/>
-  <dgm:desc val=""/>
-  <dgm:catLst>
-    <dgm:cat type="colorful" pri="10100"/>
-  </dgm:catLst>
-  <dgm:styleLbl name="node0">
-    <dgm:fillClrLst meth="repeat">
-      <a:schemeClr val="accent1"/>
-    </dgm:fillClrLst>
-    <dgm:linClrLst meth="repeat">
-      <a:schemeClr val="lt1"/>
-    </dgm:linClrLst>
-    <dgm:effectClrLst/>
-    <dgm:txLinClrLst/>
-    <dgm:txFillClrLst/>
-    <dgm:txEffectClrLst/>
-  </dgm:styleLbl>
-  <dgm:styleLbl name="node1">
-    <dgm:fillClrLst meth="repeat">
-      <a:schemeClr val="accent2"/>
-      <a:schemeClr val="accent3"/>
-      <a:schemeClr val="accent4"/>
-      <a:schemeClr val="accent5"/>
-      <a:schemeClr val="accent6"/>
-    </dgm:fillClrLst>
-    <dgm:linClrLst meth="repeat">
-      <a:schemeClr val="lt1"/>
-    </dgm:linClrLst>
-    <dgm:effectClrLst/>
-    <dgm:txLinClrLst/>
-    <dgm:txFillClrLst/>
-    <dgm:txEffectClrLst/>
-  </dgm:styleLbl>
-  <dgm:styleLbl name="alignNode1">
-    <dgm:fillClrLst meth="repeat">
-      <a:schemeClr val="accent2"/>
-      <a:schemeClr val="accent3"/>
-      <a:schemeClr val="accent4"/>
-      <a:schemeClr val="accent5"/>
-      <a:schemeClr val="accent6"/>
-    </dgm:fillClrLst>
-    <dgm:linClrLst meth="repeat">
-      <a:schemeClr val="accent2"/>
-      <a:schemeClr val="accent3"/>
-      <a:schemeClr val="accent4"/>
-      <a:schemeClr val="accent5"/>
-      <a:schemeClr val="accent6"/>
-    </dgm:linClrLst>
-    <dgm:effectClrLst/>
-    <dgm:txLinClrLst/>
-    <dgm:txFillClrLst/>
-    <dgm:txEffectClrLst/>
-  </dgm:styleLbl>
-  <dgm:styleLbl name="lnNode1">
-    <dgm:fillClrLst meth="repeat">
-      <a:schemeClr val="accent2"/>
-      <a:schemeClr val="accent3"/>
-      <a:schemeClr val="accent4"/>
-      <a:schemeClr val="accent5"/>
-      <a:schemeClr val="accent6"/>
-    </dgm:fillClrLst>
-    <dgm:linClrLst meth="repeat">
-      <a:schemeClr val="lt1"/>
-    </dgm:linClrLst>
-    <dgm:effectClrLst/>
-    <dgm:txLinClrLst/>
-    <dgm:txFillClrLst/>
-    <dgm:txEffectClrLst/>
-  </dgm:styleLbl>
-  <dgm:styleLbl name="vennNode1">
-    <dgm:fillClrLst meth="repeat">
-      <a:schemeClr val="accent2">
-        <a:alpha val="50000"/>
-      </a:schemeClr>
-      <a:schemeClr val="accent3">
-        <a:alpha val="50000"/>
-      </a:schemeClr>
-      <a:schemeClr val="accent4">
-        <a:alpha val="50000"/>
-      </a:schemeClr>
-      <a:schemeClr val="accent5">
-        <a:alpha val="50000"/>
-      </a:schemeClr>
-      <a:schemeClr val="accent6">
-        <a:alpha val="50000"/>
-      </a:schemeClr>
-    </dgm:fillClrLst>
-    <dgm:linClrLst meth="repeat">
-      <a:schemeClr val="lt1"/>
-    </dgm:linClrLst>
-    <dgm:effectClrLst/>
-    <dgm:txLinClrLst/>
-    <dgm:txFillClrLst/>
-    <dgm:txEffectClrLst/>
-  </dgm:styleLbl>
-  <dgm:styleLbl name="node2">
-    <dgm:fillClrLst>
-      <a:schemeClr val="accent2"/>
-    </dgm:fillClrLst>
-    <dgm:linClrLst meth="repeat">
-      <a:schemeClr val="lt1"/>
-    </dgm:linClrLst>
-    <dgm:effectClrLst/>
-    <dgm:txLinClrLst/>
-    <dgm:txFillClrLst/>
-    <dgm:txEffectClrLst/>
-  </dgm:styleLbl>
-  <dgm:styleLbl name="node3">
-    <dgm:fillClrLst>
-      <a:schemeClr val="accent3"/>
-    </dgm:fillClrLst>
-    <dgm:linClrLst meth="repeat">
-      <a:schemeClr val="lt1"/>
-    </dgm:linClrLst>
-    <dgm:effectClrLst/>
-    <dgm:txLinClrLst/>
-    <dgm:txFillClrLst/>
-    <dgm:txEffectClrLst/>
-  </dgm:styleLbl>
-  <dgm:styleLbl name="node4">
-    <dgm:fillClrLst>
-      <a:schemeClr val="accent4"/>
-    </dgm:fillClrLst>
-    <dgm:linClrLst meth="repeat">
-      <a:schemeClr val="lt1"/>
-    </dgm:linClrLst>
-    <dgm:effectClrLst/>
-    <dgm:txLinClrLst/>
-    <dgm:txFillClrLst/>
-    <dgm:txEffectClrLst/>
-  </dgm:styleLbl>
-  <dgm:styleLbl name="fgImgPlace1">
-    <dgm:fillClrLst meth="repeat">
-      <a:schemeClr val="accent2">
-        <a:tint val="50000"/>
-      </a:schemeClr>
-      <a:schemeClr val="accent3">
-        <a:tint val="50000"/>
-      </a:schemeClr>
-      <a:schemeClr val="accent4">
-        <a:tint val="50000"/>
-      </a:schemeClr>
-      <a:schemeClr val="accent5">
-        <a:tint val="50000"/>
-      </a:schemeClr>
-      <a:schemeClr val="accent6">
-        <a:tint val="50000"/>
-      </a:schemeClr>
-    </dgm:fillClrLst>
-    <dgm:linClrLst meth="repeat">
-      <a:schemeClr val="lt1"/>
-    </dgm:linClrLst>
-    <dgm:effectClrLst/>
-    <dgm:txLinClrLst/>
-    <dgm:txFillClrLst meth="repeat">
-      <a:schemeClr val="lt1"/>
-    </dgm:txFillClrLst>
-    <dgm:txEffectClrLst/>
-  </dgm:styleLbl>
-  <dgm:styleLbl name="alignImgPlace1">
-    <dgm:fillClrLst>
-      <a:schemeClr val="accent1">
-        <a:tint val="50000"/>
-      </a:schemeClr>
-      <a:schemeClr val="accent2">
-        <a:tint val="20000"/>
-      </a:schemeClr>
-    </dgm:fillClrLst>
-    <dgm:linClrLst meth="repeat">
-      <a:schemeClr val="lt1"/>
-    </dgm:linClrLst>
-    <dgm:effectClrLst/>
-    <dgm:txLinClrLst/>
-    <dgm:txFillClrLst meth="repeat">
-      <a:schemeClr val="lt1"/>
-    </dgm:txFillClrLst>
-    <dgm:txEffectClrLst/>
-  </dgm:styleLbl>
-  <dgm:styleLbl name="bgImgPlace1">
-    <dgm:fillClrLst>
-      <a:schemeClr val="accent1">
-        <a:tint val="50000"/>
-      </a:schemeClr>
-      <a:schemeClr val="accent2">
-        <a:tint val="20000"/>
-      </a:schemeClr>
-    </dgm:fillClrLst>
-    <dgm:linClrLst meth="repeat">
-      <a:schemeClr val="lt1"/>
-    </dgm:linClrLst>
-    <dgm:effectClrLst/>
-    <dgm:txLinClrLst/>
-    <dgm:txFillClrLst meth="repeat">
-      <a:schemeClr val="lt1"/>
-    </dgm:txFillClrLst>
-    <dgm:txEffectClrLst/>
-  </dgm:styleLbl>
-  <dgm:styleLbl name="sibTrans2D1">
-    <dgm:fillClrLst meth="repeat">
-      <a:schemeClr val="accent2"/>
-      <a:schemeClr val="accent3"/>
-      <a:schemeClr val="accent4"/>
-      <a:schemeClr val="accent5"/>
-      <a:schemeClr val="accent6"/>
-    </dgm:fillClrLst>
-    <dgm:linClrLst meth="cycle">
-      <a:schemeClr val="lt1"/>
-    </dgm:linClrLst>
-    <dgm:effectClrLst/>
-    <dgm:txLinClrLst/>
-    <dgm:txFillClrLst/>
-    <dgm:txEffectClrLst/>
-  </dgm:styleLbl>
-  <dgm:styleLbl name="fgSibTrans2D1">
-    <dgm:fillClrLst meth="repeat">
-      <a:schemeClr val="accent2"/>
-      <a:schemeClr val="accent3"/>
-      <a:schemeClr val="accent4"/>
-      <a:schemeClr val="accent5"/>
-      <a:schemeClr val="accent6"/>
-    </dgm:fillClrLst>
-    <dgm:linClrLst meth="cycle">
-      <a:schemeClr val="lt1"/>
-    </dgm:linClrLst>
-    <dgm:effectClrLst/>
-    <dgm:txLinClrLst/>
-    <dgm:txFillClrLst meth="repeat">
-      <a:schemeClr val="lt1"/>
-    </dgm:txFillClrLst>
-    <dgm:txEffectClrLst/>
-  </dgm:styleLbl>
-  <dgm:styleLbl name="bgSibTrans2D1">
-    <dgm:fillClrLst meth="repeat">
-      <a:schemeClr val="accent2"/>
-      <a:schemeClr val="accent3"/>
-      <a:schemeClr val="accent4"/>
-      <a:schemeClr val="accent5"/>
-      <a:schemeClr val="accent6"/>
-    </dgm:fillClrLst>
-    <dgm:linClrLst meth="cycle">
-      <a:schemeClr val="lt1"/>
-    </dgm:linClrLst>
-    <dgm:effectClrLst/>
-    <dgm:txLinClrLst/>
-    <dgm:txFillClrLst meth="repeat">
-      <a:schemeClr val="lt1"/>
-    </dgm:txFillClrLst>
-    <dgm:txEffectClrLst/>
-  </dgm:styleLbl>
-  <dgm:styleLbl name="sibTrans1D1">
-    <dgm:fillClrLst meth="repeat">
-      <a:schemeClr val="accent2"/>
-      <a:schemeClr val="accent3"/>
-      <a:schemeClr val="accent4"/>
-      <a:schemeClr val="accent5"/>
-      <a:schemeClr val="accent6"/>
-    </dgm:fillClrLst>
-    <dgm:linClrLst meth="repeat">
-      <a:schemeClr val="accent2"/>
-      <a:schemeClr val="accent3"/>
-      <a:schemeClr val="accent4"/>
-      <a:schemeClr val="accent5"/>
-      <a:schemeClr val="accent6"/>
-    </dgm:linClrLst>
-    <dgm:effectClrLst/>
-    <dgm:txLinClrLst/>
-    <dgm:txFillClrLst meth="repeat">
-      <a:schemeClr val="tx1"/>
-    </dgm:txFillClrLst>
-    <dgm:txEffectClrLst/>
-  </dgm:styleLbl>
-  <dgm:styleLbl name="callout">
-    <dgm:fillClrLst meth="repeat">
-      <a:schemeClr val="accent2"/>
-    </dgm:fillClrLst>
-    <dgm:linClrLst meth="repeat">
-      <a:schemeClr val="accent2">
-        <a:tint val="50000"/>
-      </a:schemeClr>
-    </dgm:linClrLst>
-    <dgm:effectClrLst/>
-    <dgm:txLinClrLst/>
-    <dgm:txFillClrLst meth="repeat">
-      <a:schemeClr val="tx1"/>
-    </dgm:txFillClrLst>
-    <dgm:txEffectClrLst/>
-  </dgm:styleLbl>
-  <dgm:styleLbl name="asst0">
-    <dgm:fillClrLst meth="repeat">
-      <a:schemeClr val="accent1"/>
-    </dgm:fillClrLst>
-    <dgm:linClrLst meth="repeat">
-      <a:schemeClr val="lt1"/>
-    </dgm:linClrLst>
-    <dgm:effectClrLst/>
-    <dgm:txLinClrLst/>
-    <dgm:txFillClrLst/>
-    <dgm:txEffectClrLst/>
-  </dgm:styleLbl>
-  <dgm:styleLbl name="asst1">
-    <dgm:fillClrLst meth="repeat">
-      <a:schemeClr val="accent2"/>
-    </dgm:fillClrLst>
-    <dgm:linClrLst meth="repeat">
-      <a:schemeClr val="lt1"/>
-    </dgm:linClrLst>
-    <dgm:effectClrLst/>
-    <dgm:txLinClrLst/>
-    <dgm:txFillClrLst/>
-    <dgm:txEffectClrLst/>
-  </dgm:styleLbl>
-  <dgm:styleLbl name="asst2">
-    <dgm:fillClrLst>
-      <a:schemeClr val="accent3"/>
-    </dgm:fillClrLst>
-    <dgm:linClrLst meth="repeat">
-      <a:schemeClr val="lt1"/>
-    </dgm:linClrLst>
-    <dgm:effectClrLst/>
-    <dgm:txLinClrLst/>
-    <dgm:txFillClrLst/>
-    <dgm:txEffectClrLst/>
-  </dgm:styleLbl>
-  <dgm:styleLbl name="asst3">
-    <dgm:fillClrLst>
-      <a:schemeClr val="accent4"/>
-    </dgm:fillClrLst>
-    <dgm:linClrLst meth="repeat">
-      <a:schemeClr val="lt1"/>
-    </dgm:linClrLst>
-    <dgm:effectClrLst/>
-    <dgm:txLinClrLst/>
-    <dgm:txFillClrLst/>
-    <dgm:txEffectClrLst/>
-  </dgm:styleLbl>
-  <dgm:styleLbl name="asst4">
-    <dgm:fillClrLst>
-      <a:schemeClr val="accent5"/>
-    </dgm:fillClrLst>
-    <dgm:linClrLst meth="repeat">
-      <a:schemeClr val="lt1"/>
-    </dgm:linClrLst>
-    <dgm:effectClrLst/>
-    <dgm:txLinClrLst/>
-    <dgm:txFillClrLst/>
-    <dgm:txEffectClrLst/>
-  </dgm:styleLbl>
-  <dgm:styleLbl name="parChTrans2D1">
-    <dgm:fillClrLst meth="repeat">
-      <a:schemeClr val="accent2"/>
-    </dgm:fillClrLst>
-    <dgm:linClrLst meth="repeat">
-      <a:schemeClr val="lt1"/>
-    </dgm:linClrLst>
-    <dgm:effectClrLst/>
-    <dgm:txLinClrLst/>
-    <dgm:txFillClrLst meth="repeat">
-      <a:schemeClr val="lt1"/>
-    </dgm:txFillClrLst>
-    <dgm:txEffectClrLst/>
-  </dgm:styleLbl>
-  <dgm:styleLbl name="parChTrans2D2">
-    <dgm:fillClrLst meth="repeat">
-      <a:schemeClr val="accent3"/>
-    </dgm:fillClrLst>
-    <dgm:linClrLst meth="repeat">
-      <a:schemeClr val="lt1"/>
-    </dgm:linClrLst>
-    <dgm:effectClrLst/>
-    <dgm:txLinClrLst/>
-    <dgm:txFillClrLst/>
-    <dgm:txEffectClrLst/>
-  </dgm:styleLbl>
-  <dgm:styleLbl name="parChTrans2D3">
-    <dgm:fillClrLst meth="repeat">
-      <a:schemeClr val="accent4"/>
-    </dgm:fillClrLst>
-    <dgm:linClrLst meth="repeat">
-      <a:schemeClr val="lt1"/>
-    </dgm:linClrLst>
-    <dgm:effectClrLst/>
-    <dgm:txLinClrLst/>
-    <dgm:txFillClrLst/>
-    <dgm:txEffectClrLst/>
-  </dgm:styleLbl>
-  <dgm:styleLbl name="parChTrans2D4">
-    <dgm:fillClrLst meth="repeat">
-      <a:schemeClr val="accent5"/>
-    </dgm:fillClrLst>
-    <dgm:linClrLst meth="repeat">
-      <a:schemeClr val="lt1"/>
-    </dgm:linClrLst>
-    <dgm:effectClrLst/>
-    <dgm:txLinClrLst/>
-    <dgm:txFillClrLst meth="repeat">
-      <a:schemeClr val="lt1"/>
-    </dgm:txFillClrLst>
-    <dgm:txEffectClrLst/>
-  </dgm:styleLbl>
-  <dgm:styleLbl name="parChTrans1D1">
-    <dgm:fillClrLst meth="repeat">
-      <a:schemeClr val="accent2"/>
-    </dgm:fillClrLst>
-    <dgm:linClrLst meth="repeat">
-      <a:schemeClr val="accent1"/>
-    </dgm:linClrLst>
-    <dgm:effectClrLst/>
-    <dgm:txLinClrLst/>
-    <dgm:txFillClrLst meth="repeat">
-      <a:schemeClr val="tx1"/>
-    </dgm:txFillClrLst>
-    <dgm:txEffectClrLst/>
-  </dgm:styleLbl>
-  <dgm:styleLbl name="parChTrans1D2">
-    <dgm:fillClrLst meth="repeat">
-      <a:schemeClr val="accent3">
-        <a:tint val="90000"/>
-      </a:schemeClr>
-    </dgm:fillClrLst>
-    <dgm:linClrLst meth="repeat">
-      <a:schemeClr val="accent2"/>
-    </dgm:linClrLst>
-    <dgm:effectClrLst/>
-    <dgm:txLinClrLst/>
-    <dgm:txFillClrLst meth="repeat">
-      <a:schemeClr val="tx1"/>
-    </dgm:txFillClrLst>
-    <dgm:txEffectClrLst/>
-  </dgm:styleLbl>
-  <dgm:styleLbl name="parChTrans1D3">
-    <dgm:fillClrLst meth="repeat">
-      <a:schemeClr val="accent4">
-        <a:tint val="70000"/>
-      </a:schemeClr>
-    </dgm:fillClrLst>
-    <dgm:linClrLst meth="repeat">
-      <a:schemeClr val="accent3"/>
-    </dgm:linClrLst>
-    <dgm:effectClrLst/>
-    <dgm:txLinClrLst/>
-    <dgm:txFillClrLst meth="repeat">
-      <a:schemeClr val="tx1"/>
-    </dgm:txFillClrLst>
-    <dgm:txEffectClrLst/>
-  </dgm:styleLbl>
-  <dgm:styleLbl name="parChTrans1D4">
-    <dgm:fillClrLst meth="repeat">
-      <a:schemeClr val="accent5">
-        <a:tint val="50000"/>
-      </a:schemeClr>
-    </dgm:fillClrLst>
-    <dgm:linClrLst meth="repeat">
-      <a:schemeClr val="accent4"/>
-    </dgm:linClrLst>
-    <dgm:effectClrLst/>
-    <dgm:txLinClrLst/>
-    <dgm:txFillClrLst meth="repeat">
-      <a:schemeClr val="tx1"/>
-    </dgm:txFillClrLst>
-    <dgm:txEffectClrLst/>
-  </dgm:styleLbl>
-  <dgm:styleLbl name="fgAcc1">
-    <dgm:fillClrLst meth="repeat">
-      <a:schemeClr val="lt1">
-        <a:alpha val="90000"/>
-      </a:schemeClr>
-    </dgm:fillClrLst>
-    <dgm:linClrLst meth="repeat">
-      <a:schemeClr val="accent2"/>
-      <a:schemeClr val="accent3"/>
-      <a:schemeClr val="accent4"/>
-      <a:schemeClr val="accent5"/>
-      <a:schemeClr val="accent6"/>
-    </dgm:linClrLst>
-    <dgm:effectClrLst/>
-    <dgm:txLinClrLst/>
-    <dgm:txFillClrLst meth="repeat">
-      <a:schemeClr val="dk1"/>
-    </dgm:txFillClrLst>
-    <dgm:txEffectClrLst/>
-  </dgm:styleLbl>
-  <dgm:styleLbl name="conFgAcc1">
-    <dgm:fillClrLst meth="repeat">
-      <a:schemeClr val="lt1">
-        <a:alpha val="90000"/>
-      </a:schemeClr>
-    </dgm:fillClrLst>
-    <dgm:linClrLst meth="repeat">
-      <a:schemeClr val="accent2"/>
-      <a:schemeClr val="accent3"/>
-      <a:schemeClr val="accent4"/>
-      <a:schemeClr val="accent5"/>
-      <a:schemeClr val="accent6"/>
-    </dgm:linClrLst>
-    <dgm:effectClrLst/>
-    <dgm:txLinClrLst/>
-    <dgm:txFillClrLst meth="repeat">
-      <a:schemeClr val="dk1"/>
-    </dgm:txFillClrLst>
-    <dgm:txEffectClrLst/>
-  </dgm:styleLbl>
-  <dgm:styleLbl name="alignAcc1">
-    <dgm:fillClrLst meth="repeat">
-      <a:schemeClr val="lt1">
-        <a:alpha val="90000"/>
-      </a:schemeClr>
-    </dgm:fillClrLst>
-    <dgm:linClrLst meth="repeat">
-      <a:schemeClr val="accent2"/>
-      <a:schemeClr val="accent3"/>
-      <a:schemeClr val="accent4"/>
-      <a:schemeClr val="accent5"/>
-      <a:schemeClr val="accent6"/>
-    </dgm:linClrLst>
-    <dgm:effectClrLst/>
-    <dgm:txLinClrLst/>
-    <dgm:txFillClrLst meth="repeat">
-      <a:schemeClr val="dk1"/>
-    </dgm:txFillClrLst>
-    <dgm:txEffectClrLst/>
-  </dgm:styleLbl>
-  <dgm:styleLbl name="trAlignAcc1">
-    <dgm:fillClrLst meth="repeat">
-      <a:schemeClr val="lt1">
-        <a:alpha val="40000"/>
-      </a:schemeClr>
-    </dgm:fillClrLst>
-    <dgm:linClrLst meth="repeat">
-      <a:schemeClr val="accent1"/>
-    </dgm:linClrLst>
-    <dgm:effectClrLst/>
-    <dgm:txLinClrLst/>
-    <dgm:txFillClrLst meth="repeat">
-      <a:schemeClr val="dk1"/>
-    </dgm:txFillClrLst>
-    <dgm:txEffectClrLst/>
-  </dgm:styleLbl>
-  <dgm:styleLbl name="bgAcc1">
-    <dgm:fillClrLst meth="repeat">
-      <a:schemeClr val="lt1">
-        <a:alpha val="90000"/>
-      </a:schemeClr>
-    </dgm:fillClrLst>
-    <dgm:linClrLst meth="repeat">
-      <a:schemeClr val="accent2"/>
-      <a:schemeClr val="accent3"/>
-      <a:schemeClr val="accent4"/>
-      <a:schemeClr val="accent5"/>
-      <a:schemeClr val="accent6"/>
-    </dgm:linClrLst>
-    <dgm:effectClrLst/>
-    <dgm:txLinClrLst/>
-    <dgm:txFillClrLst meth="repeat">
-      <a:schemeClr val="dk1"/>
-    </dgm:txFillClrLst>
-    <dgm:txEffectClrLst/>
-  </dgm:styleLbl>
-  <dgm:styleLbl name="solidFgAcc1">
-    <dgm:fillClrLst meth="repeat">
-      <a:schemeClr val="lt1"/>
-    </dgm:fillClrLst>
-    <dgm:linClrLst meth="repeat">
-      <a:schemeClr val="accent2"/>
-      <a:schemeClr val="accent3"/>
-      <a:schemeClr val="accent4"/>
-      <a:schemeClr val="accent5"/>
-      <a:schemeClr val="accent6"/>
-    </dgm:linClrLst>
-    <dgm:effectClrLst/>
-    <dgm:txLinClrLst/>
-    <dgm:txFillClrLst meth="repeat">
-      <a:schemeClr val="dk1"/>
-    </dgm:txFillClrLst>
-    <dgm:txEffectClrLst/>
-  </dgm:styleLbl>
-  <dgm:styleLbl name="solidAlignAcc1">
-    <dgm:fillClrLst meth="repeat">
-      <a:schemeClr val="lt1"/>
-    </dgm:fillClrLst>
-    <dgm:linClrLst meth="repeat">
-      <a:schemeClr val="accent2"/>
-      <a:schemeClr val="accent3"/>
-      <a:schemeClr val="accent4"/>
-      <a:schemeClr val="accent5"/>
-      <a:schemeClr val="accent6"/>
-    </dgm:linClrLst>
-    <dgm:effectClrLst/>
-    <dgm:txLinClrLst/>
-    <dgm:txFillClrLst meth="repeat">
-      <a:schemeClr val="dk1"/>
-    </dgm:txFillClrLst>
-    <dgm:txEffectClrLst/>
-  </dgm:styleLbl>
-  <dgm:styleLbl name="solidBgAcc1">
-    <dgm:fillClrLst meth="repeat">
-      <a:schemeClr val="lt1"/>
-    </dgm:fillClrLst>
-    <dgm:linClrLst meth="repeat">
-      <a:schemeClr val="accent2"/>
-      <a:schemeClr val="accent3"/>
-      <a:schemeClr val="accent4"/>
-      <a:schemeClr val="accent5"/>
-      <a:schemeClr val="accent6"/>
-    </dgm:linClrLst>
-    <dgm:effectClrLst/>
-    <dgm:txLinClrLst/>
-    <dgm:txFillClrLst meth="repeat">
-      <a:schemeClr val="dk1"/>
-    </dgm:txFillClrLst>
-    <dgm:txEffectClrLst/>
-  </dgm:styleLbl>
-  <dgm:styleLbl name="fgAccFollowNode1">
-    <dgm:fillClrLst meth="repeat">
-      <a:schemeClr val="accent2">
-        <a:tint val="40000"/>
-        <a:alpha val="90000"/>
-      </a:schemeClr>
-      <a:schemeClr val="accent3">
-        <a:tint val="40000"/>
-        <a:alpha val="90000"/>
-      </a:schemeClr>
-      <a:schemeClr val="accent4">
-        <a:tint val="40000"/>
-        <a:alpha val="90000"/>
-      </a:schemeClr>
-      <a:schemeClr val="accent5">
-        <a:tint val="40000"/>
-        <a:alpha val="90000"/>
-      </a:schemeClr>
-      <a:schemeClr val="accent6">
-        <a:tint val="40000"/>
-        <a:alpha val="90000"/>
-      </a:schemeClr>
-    </dgm:fillClrLst>
-    <dgm:linClrLst meth="repeat">
-      <a:schemeClr val="accent2">
-        <a:tint val="40000"/>
-        <a:alpha val="90000"/>
-      </a:schemeClr>
-      <a:schemeClr val="accent3">
-        <a:tint val="40000"/>
-        <a:alpha val="90000"/>
-      </a:schemeClr>
-      <a:schemeClr val="accent4">
-        <a:tint val="40000"/>
-        <a:alpha val="90000"/>
-      </a:schemeClr>
-      <a:schemeClr val="accent5">
-        <a:tint val="40000"/>
-        <a:alpha val="90000"/>
-      </a:schemeClr>
-      <a:schemeClr val="accent6">
-        <a:tint val="40000"/>
-        <a:alpha val="90000"/>
-      </a:schemeClr>
-    </dgm:linClrLst>
-    <dgm:effectClrLst/>
-    <dgm:txLinClrLst/>
-    <dgm:txFillClrLst meth="repeat">
-      <a:schemeClr val="dk1"/>
-    </dgm:txFillClrLst>
-    <dgm:txEffectClrLst/>
-  </dgm:styleLbl>
-  <dgm:styleLbl name="alignAccFollowNode1">
-    <dgm:fillClrLst meth="repeat">
-      <a:schemeClr val="accent2">
-        <a:tint val="40000"/>
-        <a:alpha val="90000"/>
-      </a:schemeClr>
-      <a:schemeClr val="accent3">
-        <a:tint val="40000"/>
-        <a:alpha val="90000"/>
-      </a:schemeClr>
-      <a:schemeClr val="accent4">
-        <a:tint val="40000"/>
-        <a:alpha val="90000"/>
-      </a:schemeClr>
-      <a:schemeClr val="accent5">
-        <a:tint val="40000"/>
-        <a:alpha val="90000"/>
-      </a:schemeClr>
-      <a:schemeClr val="accent6">
-        <a:tint val="40000"/>
-        <a:alpha val="90000"/>
-      </a:schemeClr>
-    </dgm:fillClrLst>
-    <dgm:linClrLst meth="repeat">
-      <a:schemeClr val="accent2">
-        <a:tint val="40000"/>
-        <a:alpha val="90000"/>
-      </a:schemeClr>
-      <a:schemeClr val="accent3">
-        <a:tint val="40000"/>
-        <a:alpha val="90000"/>
-      </a:schemeClr>
-      <a:schemeClr val="accent4">
-        <a:tint val="40000"/>
-        <a:alpha val="90000"/>
-      </a:schemeClr>
-      <a:schemeClr val="accent5">
-        <a:tint val="40000"/>
-        <a:alpha val="90000"/>
-      </a:schemeClr>
-      <a:schemeClr val="accent6">
-        <a:tint val="40000"/>
-        <a:alpha val="90000"/>
-      </a:schemeClr>
-    </dgm:linClrLst>
-    <dgm:effectClrLst/>
-    <dgm:txLinClrLst/>
-    <dgm:txFillClrLst meth="repeat">
-      <a:schemeClr val="dk1"/>
-    </dgm:txFillClrLst>
-    <dgm:txEffectClrLst/>
-  </dgm:styleLbl>
-  <dgm:styleLbl name="bgAccFollowNode1">
-    <dgm:fillClrLst meth="repeat">
-      <a:schemeClr val="accent2">
-        <a:tint val="40000"/>
-        <a:alpha val="90000"/>
-      </a:schemeClr>
-      <a:schemeClr val="accent3">
-        <a:tint val="40000"/>
-        <a:alpha val="90000"/>
-      </a:schemeClr>
-      <a:schemeClr val="accent4">
-        <a:tint val="40000"/>
-        <a:alpha val="90000"/>
-      </a:schemeClr>
-      <a:schemeClr val="accent5">
-        <a:tint val="40000"/>
-        <a:alpha val="90000"/>
-      </a:schemeClr>
-      <a:schemeClr val="accent6">
-        <a:tint val="40000"/>
-        <a:alpha val="90000"/>
-      </a:schemeClr>
-    </dgm:fillClrLst>
-    <dgm:linClrLst meth="repeat">
-      <a:schemeClr val="accent2">
-        <a:tint val="40000"/>
-        <a:alpha val="90000"/>
-      </a:schemeClr>
-      <a:schemeClr val="accent3">
-        <a:tint val="40000"/>
-        <a:alpha val="90000"/>
-      </a:schemeClr>
-      <a:schemeClr val="accent4">
-        <a:tint val="40000"/>
-        <a:alpha val="90000"/>
-      </a:schemeClr>
-      <a:schemeClr val="accent5">
-        <a:tint val="40000"/>
-        <a:alpha val="90000"/>
-      </a:schemeClr>
-      <a:schemeClr val="accent6">
-        <a:tint val="40000"/>
-        <a:alpha val="90000"/>
-      </a:schemeClr>
-    </dgm:linClrLst>
-    <dgm:effectClrLst/>
-    <dgm:txLinClrLst/>
-    <dgm:txFillClrLst meth="repeat">
-      <a:schemeClr val="dk1"/>
-    </dgm:txFillClrLst>
-    <dgm:txEffectClrLst/>
-  </dgm:styleLbl>
-  <dgm:styleLbl name="fgAcc0">
-    <dgm:fillClrLst meth="repeat">
-      <a:schemeClr val="lt1">
-        <a:alpha val="90000"/>
-      </a:schemeClr>
-    </dgm:fillClrLst>
-    <dgm:linClrLst>
-      <a:schemeClr val="accent1"/>
-    </dgm:linClrLst>
-    <dgm:effectClrLst/>
-    <dgm:txLinClrLst/>
-    <dgm:txFillClrLst meth="repeat">
-      <a:schemeClr val="dk1"/>
-    </dgm:txFillClrLst>
-    <dgm:txEffectClrLst/>
-  </dgm:styleLbl>
-  <dgm:styleLbl name="fgAcc2">
-    <dgm:fillClrLst meth="repeat">
-      <a:schemeClr val="lt1">
-        <a:alpha val="90000"/>
-      </a:schemeClr>
-    </dgm:fillClrLst>
-    <dgm:linClrLst>
-      <a:schemeClr val="accent2"/>
-    </dgm:linClrLst>
-    <dgm:effectClrLst/>
-    <dgm:txLinClrLst/>
-    <dgm:txFillClrLst meth="repeat">
-      <a:schemeClr val="dk1"/>
-    </dgm:txFillClrLst>
-    <dgm:txEffectClrLst/>
-  </dgm:styleLbl>
-  <dgm:styleLbl name="fgAcc3">
-    <dgm:fillClrLst meth="repeat">
-      <a:schemeClr val="lt1">
-        <a:alpha val="90000"/>
-      </a:schemeClr>
-    </dgm:fillClrLst>
-    <dgm:linClrLst>
-      <a:schemeClr val="accent3"/>
-    </dgm:linClrLst>
-    <dgm:effectClrLst/>
-    <dgm:txLinClrLst/>
-    <dgm:txFillClrLst meth="repeat">
-      <a:schemeClr val="dk1"/>
-    </dgm:txFillClrLst>
-    <dgm:txEffectClrLst/>
-  </dgm:styleLbl>
-  <dgm:styleLbl name="fgAcc4">
-    <dgm:fillClrLst meth="repeat">
-      <a:schemeClr val="lt1">
-        <a:alpha val="90000"/>
-      </a:schemeClr>
-    </dgm:fillClrLst>
-    <dgm:linClrLst>
-      <a:schemeClr val="accent4"/>
-    </dgm:linClrLst>
-    <dgm:effectClrLst/>
-    <dgm:txLinClrLst/>
-    <dgm:txFillClrLst meth="repeat">
-      <a:schemeClr val="dk1"/>
-    </dgm:txFillClrLst>
-    <dgm:txEffectClrLst/>
-  </dgm:styleLbl>
-  <dgm:styleLbl name="bgShp">
-    <dgm:fillClrLst meth="repeat">
-      <a:schemeClr val="accent2">
-        <a:tint val="40000"/>
-      </a:schemeClr>
-    </dgm:fillClrLst>
-    <dgm:linClrLst meth="repeat">
-      <a:schemeClr val="dk1"/>
-    </dgm:linClrLst>
-    <dgm:effectClrLst/>
-    <dgm:txLinClrLst/>
-    <dgm:txFillClrLst meth="repeat">
-      <a:schemeClr val="dk1"/>
-    </dgm:txFillClrLst>
-    <dgm:txEffectClrLst/>
-  </dgm:styleLbl>
-  <dgm:styleLbl name="dkBgShp">
-    <dgm:fillClrLst meth="repeat">
-      <a:schemeClr val="accent2">
-        <a:shade val="90000"/>
-      </a:schemeClr>
-    </dgm:fillClrLst>
-    <dgm:linClrLst meth="repeat">
-      <a:schemeClr val="dk1"/>
-    </dgm:linClrLst>
-    <dgm:effectClrLst/>
-    <dgm:txLinClrLst/>
-    <dgm:txFillClrLst meth="repeat">
-      <a:schemeClr val="lt1"/>
-    </dgm:txFillClrLst>
-    <dgm:txEffectClrLst/>
-  </dgm:styleLbl>
-  <dgm:styleLbl name="trBgShp">
-    <dgm:fillClrLst meth="repeat">
-      <a:schemeClr val="accent1">
-        <a:tint val="50000"/>
-        <a:alpha val="40000"/>
-      </a:schemeClr>
-    </dgm:fillClrLst>
-    <dgm:linClrLst meth="repeat">
-      <a:schemeClr val="accent2"/>
-    </dgm:linClrLst>
-    <dgm:effectClrLst/>
-    <dgm:txLinClrLst/>
-    <dgm:txFillClrLst meth="repeat">
-      <a:schemeClr val="lt1"/>
-    </dgm:txFillClrLst>
-    <dgm:txEffectClrLst/>
-  </dgm:styleLbl>
-  <dgm:styleLbl name="fgShp">
-    <dgm:fillClrLst meth="repeat">
-      <a:schemeClr val="accent2">
-        <a:tint val="40000"/>
-      </a:schemeClr>
-    </dgm:fillClrLst>
-    <dgm:linClrLst meth="repeat">
-      <a:schemeClr val="lt1"/>
-    </dgm:linClrLst>
-    <dgm:effectClrLst/>
-    <dgm:txLinClrLst/>
-    <dgm:txFillClrLst meth="repeat">
-      <a:schemeClr val="dk1"/>
-    </dgm:txFillClrLst>
-    <dgm:txEffectClrLst/>
-  </dgm:styleLbl>
-  <dgm:styleLbl name="revTx">
-    <dgm:fillClrLst meth="repeat">
-      <a:schemeClr val="lt1">
-        <a:alpha val="0"/>
-      </a:schemeClr>
-    </dgm:fillClrLst>
-    <dgm:linClrLst meth="repeat">
-      <a:schemeClr val="dk1">
-        <a:alpha val="0"/>
-      </a:schemeClr>
-    </dgm:linClrLst>
-    <dgm:effectClrLst/>
-    <dgm:txLinClrLst/>
-    <dgm:txFillClrLst meth="repeat">
-      <a:schemeClr val="tx1"/>
-    </dgm:txFillClrLst>
-    <dgm:txEffectClrLst/>
-  </dgm:styleLbl>
-</dgm:colorsDef>
-</file>
-
-<file path=ppt/diagrams/data1.xml><?xml version="1.0" encoding="utf-8"?>
-<dgm:dataModel xmlns:dgm="http://schemas.openxmlformats.org/drawingml/2006/diagram" xmlns:a="http://schemas.openxmlformats.org/drawingml/2006/main">
-  <dgm:ptLst>
-    <dgm:pt modelId="{A2FA15A0-34FA-4933-B1D3-3DFBFEC7EDAB}" type="doc">
-      <dgm:prSet loTypeId="urn:microsoft.com/office/officeart/2005/8/layout/process1" loCatId="process" qsTypeId="urn:microsoft.com/office/officeart/2005/8/quickstyle/simple1" qsCatId="simple" csTypeId="urn:microsoft.com/office/officeart/2005/8/colors/colorful1" csCatId="colorful" phldr="1"/>
-      <dgm:spPr/>
-      <dgm:t>
-        <a:bodyPr/>
-        <a:lstStyle/>
-        <a:p>
-          <a:endParaRPr lang="en-US"/>
-        </a:p>
-      </dgm:t>
-    </dgm:pt>
-    <dgm:pt modelId="{216E2E2E-99F6-4299-8305-AB1CAF32D37F}">
-      <dgm:prSet phldrT="[Text]" custT="1"/>
-      <dgm:spPr/>
-      <dgm:t>
-        <a:bodyPr/>
-        <a:lstStyle/>
-        <a:p>
-          <a:r>
-            <a:rPr kumimoji="0" lang="en-US" sz="2800" b="0" i="0" u="none" strike="noStrike" cap="none" spc="0" normalizeH="0" baseline="0" noProof="0" dirty="0" smtClean="0">
-              <a:ln/>
-              <a:effectLst/>
-              <a:uLnTx/>
-              <a:uFillTx/>
-            </a:rPr>
-            <a:t>Manual inspection of prior semester used to determine “hard” problems</a:t>
-          </a:r>
-          <a:endParaRPr lang="en-US" sz="2800" dirty="0"/>
-        </a:p>
-      </dgm:t>
-    </dgm:pt>
-    <dgm:pt modelId="{FDAAA76C-5013-455B-B0F8-B74F45350911}" type="parTrans" cxnId="{0DD87C4F-7D57-4B54-8E96-A5890EC413D0}">
-      <dgm:prSet/>
-      <dgm:spPr/>
-      <dgm:t>
-        <a:bodyPr/>
-        <a:lstStyle/>
-        <a:p>
-          <a:endParaRPr lang="en-US"/>
-        </a:p>
-      </dgm:t>
-    </dgm:pt>
-    <dgm:pt modelId="{7D83ECB4-3294-4CEE-91D8-F471D79CAC82}" type="sibTrans" cxnId="{0DD87C4F-7D57-4B54-8E96-A5890EC413D0}">
-      <dgm:prSet/>
-      <dgm:spPr/>
-      <dgm:t>
-        <a:bodyPr/>
-        <a:lstStyle/>
-        <a:p>
-          <a:endParaRPr lang="en-US"/>
-        </a:p>
-      </dgm:t>
-    </dgm:pt>
-    <dgm:pt modelId="{FEC35CF5-A5CB-42F9-9D3B-A6FFF9F7E060}">
-      <dgm:prSet custT="1"/>
-      <dgm:spPr/>
-      <dgm:t>
-        <a:bodyPr/>
-        <a:lstStyle/>
-        <a:p>
-          <a:r>
-            <a:rPr kumimoji="0" lang="en-US" sz="2000" b="0" i="0" u="none" strike="noStrike" cap="none" spc="0" normalizeH="0" baseline="0" noProof="0" dirty="0" smtClean="0">
-              <a:ln/>
-              <a:effectLst/>
-              <a:uLnTx/>
-              <a:uFillTx/>
-            </a:rPr>
-            <a:t>“Hard” problems were those that took most students more than 20 edits to complete</a:t>
-          </a:r>
-          <a:endParaRPr kumimoji="0" lang="en-US" sz="2000" b="0" i="0" u="none" strike="noStrike" cap="none" spc="0" normalizeH="0" baseline="0" noProof="0" dirty="0">
-            <a:ln/>
-            <a:effectLst/>
-            <a:uLnTx/>
-            <a:uFillTx/>
-          </a:endParaRPr>
-        </a:p>
-      </dgm:t>
-    </dgm:pt>
-    <dgm:pt modelId="{33A38DC1-1B2B-4A82-BDD1-040D45954DC2}" type="parTrans" cxnId="{E95A78CC-3B7B-4DCA-825D-83CB6D623ADF}">
-      <dgm:prSet/>
-      <dgm:spPr/>
-      <dgm:t>
-        <a:bodyPr/>
-        <a:lstStyle/>
-        <a:p>
-          <a:endParaRPr lang="en-US"/>
-        </a:p>
-      </dgm:t>
-    </dgm:pt>
-    <dgm:pt modelId="{14395F03-99A0-4232-8A0A-529B500DECBF}" type="sibTrans" cxnId="{E95A78CC-3B7B-4DCA-825D-83CB6D623ADF}">
-      <dgm:prSet/>
-      <dgm:spPr/>
-      <dgm:t>
-        <a:bodyPr/>
-        <a:lstStyle/>
-        <a:p>
-          <a:endParaRPr lang="en-US"/>
-        </a:p>
-      </dgm:t>
-    </dgm:pt>
-    <dgm:pt modelId="{CF460BEC-70BA-44D1-9010-758D2AD1190C}">
-      <dgm:prSet custT="1"/>
-      <dgm:spPr/>
-      <dgm:t>
-        <a:bodyPr/>
-        <a:lstStyle/>
-        <a:p>
-          <a:r>
-            <a:rPr kumimoji="0" lang="en-US" sz="2800" b="0" i="0" u="none" strike="noStrike" cap="none" spc="0" normalizeH="0" baseline="0" noProof="0" dirty="0" smtClean="0">
-              <a:ln/>
-              <a:effectLst/>
-              <a:uLnTx/>
-              <a:uFillTx/>
-            </a:rPr>
-            <a:t>Worked examples developed for the 8 hardest problems to help students </a:t>
-          </a:r>
-        </a:p>
-      </dgm:t>
-    </dgm:pt>
-    <dgm:pt modelId="{40A070AB-F842-4CD2-A3B0-254F01414B6D}" type="parTrans" cxnId="{CDFF015D-5A15-4362-9444-7F2765BE2DC7}">
-      <dgm:prSet/>
-      <dgm:spPr/>
-      <dgm:t>
-        <a:bodyPr/>
-        <a:lstStyle/>
-        <a:p>
-          <a:endParaRPr lang="en-US"/>
-        </a:p>
-      </dgm:t>
-    </dgm:pt>
-    <dgm:pt modelId="{2A9A1935-56FC-4DC5-BF83-10BEB00C59E4}" type="sibTrans" cxnId="{CDFF015D-5A15-4362-9444-7F2765BE2DC7}">
-      <dgm:prSet/>
-      <dgm:spPr/>
-      <dgm:t>
-        <a:bodyPr/>
-        <a:lstStyle/>
-        <a:p>
-          <a:endParaRPr lang="en-US"/>
-        </a:p>
-      </dgm:t>
-    </dgm:pt>
-    <dgm:pt modelId="{E3C9E231-0AFA-4085-85BC-4B00EC17FC66}">
-      <dgm:prSet custT="1"/>
-      <dgm:spPr>
-        <a:solidFill>
-          <a:srgbClr val="9DC3E6"/>
-        </a:solidFill>
-      </dgm:spPr>
-      <dgm:t>
-        <a:bodyPr/>
-        <a:lstStyle/>
-        <a:p>
-          <a:r>
-            <a:rPr lang="en-US" sz="2800" dirty="0" smtClean="0"/>
-            <a:t>Links to relevant worked example provide on targeted problems</a:t>
-          </a:r>
-          <a:endParaRPr kumimoji="0" lang="en-US" sz="2800" b="0" i="0" u="none" strike="noStrike" cap="none" spc="0" normalizeH="0" baseline="0" noProof="0" dirty="0" smtClean="0">
-            <a:ln/>
-            <a:effectLst/>
-            <a:uLnTx/>
-            <a:uFillTx/>
-          </a:endParaRPr>
-        </a:p>
-      </dgm:t>
-    </dgm:pt>
-    <dgm:pt modelId="{4B3AC0BA-7DC7-4562-90C4-D7C0152794A8}" type="parTrans" cxnId="{4B7E4814-7657-4EF0-BA84-5D06E154D237}">
-      <dgm:prSet/>
-      <dgm:spPr/>
-      <dgm:t>
-        <a:bodyPr/>
-        <a:lstStyle/>
-        <a:p>
-          <a:endParaRPr lang="en-US"/>
-        </a:p>
-      </dgm:t>
-    </dgm:pt>
-    <dgm:pt modelId="{AF06F404-4D59-4F5C-AFBE-B64DEB34819C}" type="sibTrans" cxnId="{4B7E4814-7657-4EF0-BA84-5D06E154D237}">
-      <dgm:prSet/>
-      <dgm:spPr>
-        <a:solidFill>
-          <a:srgbClr val="9DC3E6"/>
-        </a:solidFill>
-      </dgm:spPr>
-      <dgm:t>
-        <a:bodyPr/>
-        <a:lstStyle/>
-        <a:p>
-          <a:endParaRPr lang="en-US"/>
-        </a:p>
-      </dgm:t>
-    </dgm:pt>
-    <dgm:pt modelId="{96A88FCE-D286-434A-B6C0-22F943261FC6}">
-      <dgm:prSet custT="1"/>
-      <dgm:spPr/>
-      <dgm:t>
-        <a:bodyPr/>
-        <a:lstStyle/>
-        <a:p>
-          <a:r>
-            <a:rPr lang="en-US" sz="2800" dirty="0" smtClean="0"/>
-            <a:t>Performance and usage data collected for problems with worked examples</a:t>
-          </a:r>
-          <a:endParaRPr lang="en-US" sz="2800" dirty="0"/>
-        </a:p>
-      </dgm:t>
-    </dgm:pt>
-    <dgm:pt modelId="{9B3DA30F-3A12-4911-A786-9ED5881C2721}" type="parTrans" cxnId="{957A3D57-3635-4B2D-86EF-544C67672D16}">
-      <dgm:prSet/>
-      <dgm:spPr/>
-      <dgm:t>
-        <a:bodyPr/>
-        <a:lstStyle/>
-        <a:p>
-          <a:endParaRPr lang="en-US"/>
-        </a:p>
-      </dgm:t>
-    </dgm:pt>
-    <dgm:pt modelId="{1AB8D0AB-A054-407F-9FD4-C0660F7A1BCE}" type="sibTrans" cxnId="{957A3D57-3635-4B2D-86EF-544C67672D16}">
-      <dgm:prSet/>
-      <dgm:spPr/>
-      <dgm:t>
-        <a:bodyPr/>
-        <a:lstStyle/>
-        <a:p>
-          <a:endParaRPr lang="en-US"/>
-        </a:p>
-      </dgm:t>
-    </dgm:pt>
-    <dgm:pt modelId="{82A116FE-309C-4B42-814D-35D0B709C7CB}" type="pres">
-      <dgm:prSet presAssocID="{A2FA15A0-34FA-4933-B1D3-3DFBFEC7EDAB}" presName="Name0" presStyleCnt="0">
-        <dgm:presLayoutVars>
-          <dgm:dir/>
-          <dgm:resizeHandles val="exact"/>
-        </dgm:presLayoutVars>
-      </dgm:prSet>
-      <dgm:spPr/>
-      <dgm:t>
-        <a:bodyPr/>
-        <a:lstStyle/>
-        <a:p>
-          <a:endParaRPr lang="en-US"/>
-        </a:p>
-      </dgm:t>
-    </dgm:pt>
-    <dgm:pt modelId="{31B5AB8B-4633-4337-A449-D9EB44FE2E4E}" type="pres">
-      <dgm:prSet presAssocID="{216E2E2E-99F6-4299-8305-AB1CAF32D37F}" presName="node" presStyleLbl="node1" presStyleIdx="0" presStyleCnt="4">
-        <dgm:presLayoutVars>
-          <dgm:bulletEnabled val="1"/>
-        </dgm:presLayoutVars>
-      </dgm:prSet>
-      <dgm:spPr/>
-      <dgm:t>
-        <a:bodyPr/>
-        <a:lstStyle/>
-        <a:p>
-          <a:endParaRPr lang="en-US"/>
-        </a:p>
-      </dgm:t>
-    </dgm:pt>
-    <dgm:pt modelId="{AB1D93CB-CD41-465C-B55C-7B35181D9934}" type="pres">
-      <dgm:prSet presAssocID="{7D83ECB4-3294-4CEE-91D8-F471D79CAC82}" presName="sibTrans" presStyleLbl="sibTrans2D1" presStyleIdx="0" presStyleCnt="3"/>
-      <dgm:spPr/>
-      <dgm:t>
-        <a:bodyPr/>
-        <a:lstStyle/>
-        <a:p>
-          <a:endParaRPr lang="en-US"/>
-        </a:p>
-      </dgm:t>
-    </dgm:pt>
-    <dgm:pt modelId="{4407706D-C126-4D24-B6B0-212995FFB281}" type="pres">
-      <dgm:prSet presAssocID="{7D83ECB4-3294-4CEE-91D8-F471D79CAC82}" presName="connectorText" presStyleLbl="sibTrans2D1" presStyleIdx="0" presStyleCnt="3"/>
-      <dgm:spPr/>
-      <dgm:t>
-        <a:bodyPr/>
-        <a:lstStyle/>
-        <a:p>
-          <a:endParaRPr lang="en-US"/>
-        </a:p>
-      </dgm:t>
-    </dgm:pt>
-    <dgm:pt modelId="{4F287CB1-CF9B-42FE-BA2C-D187A694FBCF}" type="pres">
-      <dgm:prSet presAssocID="{CF460BEC-70BA-44D1-9010-758D2AD1190C}" presName="node" presStyleLbl="node1" presStyleIdx="1" presStyleCnt="4">
-        <dgm:presLayoutVars>
-          <dgm:bulletEnabled val="1"/>
-        </dgm:presLayoutVars>
-      </dgm:prSet>
-      <dgm:spPr/>
-      <dgm:t>
-        <a:bodyPr/>
-        <a:lstStyle/>
-        <a:p>
-          <a:endParaRPr lang="en-US"/>
-        </a:p>
-      </dgm:t>
-    </dgm:pt>
-    <dgm:pt modelId="{FFC23FD0-62F0-4E2D-8DB0-0B86CBA02E98}" type="pres">
-      <dgm:prSet presAssocID="{2A9A1935-56FC-4DC5-BF83-10BEB00C59E4}" presName="sibTrans" presStyleLbl="sibTrans2D1" presStyleIdx="1" presStyleCnt="3"/>
-      <dgm:spPr/>
-      <dgm:t>
-        <a:bodyPr/>
-        <a:lstStyle/>
-        <a:p>
-          <a:endParaRPr lang="en-US"/>
-        </a:p>
-      </dgm:t>
-    </dgm:pt>
-    <dgm:pt modelId="{D68139DB-4209-42A6-80E6-D5DC36EFD136}" type="pres">
-      <dgm:prSet presAssocID="{2A9A1935-56FC-4DC5-BF83-10BEB00C59E4}" presName="connectorText" presStyleLbl="sibTrans2D1" presStyleIdx="1" presStyleCnt="3"/>
-      <dgm:spPr/>
-      <dgm:t>
-        <a:bodyPr/>
-        <a:lstStyle/>
-        <a:p>
-          <a:endParaRPr lang="en-US"/>
-        </a:p>
-      </dgm:t>
-    </dgm:pt>
-    <dgm:pt modelId="{5ADED0C6-A197-44F5-B110-DBE80B9442D5}" type="pres">
-      <dgm:prSet presAssocID="{E3C9E231-0AFA-4085-85BC-4B00EC17FC66}" presName="node" presStyleLbl="node1" presStyleIdx="2" presStyleCnt="4">
-        <dgm:presLayoutVars>
-          <dgm:bulletEnabled val="1"/>
-        </dgm:presLayoutVars>
-      </dgm:prSet>
-      <dgm:spPr/>
-      <dgm:t>
-        <a:bodyPr/>
-        <a:lstStyle/>
-        <a:p>
-          <a:endParaRPr lang="en-US"/>
-        </a:p>
-      </dgm:t>
-    </dgm:pt>
-    <dgm:pt modelId="{3F659EEB-4936-4CF7-BC07-C678A90060D3}" type="pres">
-      <dgm:prSet presAssocID="{AF06F404-4D59-4F5C-AFBE-B64DEB34819C}" presName="sibTrans" presStyleLbl="sibTrans2D1" presStyleIdx="2" presStyleCnt="3"/>
-      <dgm:spPr/>
-      <dgm:t>
-        <a:bodyPr/>
-        <a:lstStyle/>
-        <a:p>
-          <a:endParaRPr lang="en-US"/>
-        </a:p>
-      </dgm:t>
-    </dgm:pt>
-    <dgm:pt modelId="{3066C7A5-EB97-424C-B988-6A72BF78AE05}" type="pres">
-      <dgm:prSet presAssocID="{AF06F404-4D59-4F5C-AFBE-B64DEB34819C}" presName="connectorText" presStyleLbl="sibTrans2D1" presStyleIdx="2" presStyleCnt="3"/>
-      <dgm:spPr/>
-      <dgm:t>
-        <a:bodyPr/>
-        <a:lstStyle/>
-        <a:p>
-          <a:endParaRPr lang="en-US"/>
-        </a:p>
-      </dgm:t>
-    </dgm:pt>
-    <dgm:pt modelId="{CBF7EBAE-6EBE-44FD-9A36-8024741F79F7}" type="pres">
-      <dgm:prSet presAssocID="{96A88FCE-D286-434A-B6C0-22F943261FC6}" presName="node" presStyleLbl="node1" presStyleIdx="3" presStyleCnt="4">
-        <dgm:presLayoutVars>
-          <dgm:bulletEnabled val="1"/>
-        </dgm:presLayoutVars>
-      </dgm:prSet>
-      <dgm:spPr/>
-      <dgm:t>
-        <a:bodyPr/>
-        <a:lstStyle/>
-        <a:p>
-          <a:endParaRPr lang="en-US"/>
-        </a:p>
-      </dgm:t>
-    </dgm:pt>
-  </dgm:ptLst>
-  <dgm:cxnLst>
-    <dgm:cxn modelId="{85B2EF9B-51C1-4A5A-8A27-C0DB53C4A6BB}" type="presOf" srcId="{AF06F404-4D59-4F5C-AFBE-B64DEB34819C}" destId="{3F659EEB-4936-4CF7-BC07-C678A90060D3}" srcOrd="0" destOrd="0" presId="urn:microsoft.com/office/officeart/2005/8/layout/process1"/>
-    <dgm:cxn modelId="{C80A67DF-D9CC-499C-BB9C-0488DA1CD6DA}" type="presOf" srcId="{7D83ECB4-3294-4CEE-91D8-F471D79CAC82}" destId="{AB1D93CB-CD41-465C-B55C-7B35181D9934}" srcOrd="0" destOrd="0" presId="urn:microsoft.com/office/officeart/2005/8/layout/process1"/>
-    <dgm:cxn modelId="{846AD13E-41BC-46A3-A026-A88B4FF6D932}" type="presOf" srcId="{E3C9E231-0AFA-4085-85BC-4B00EC17FC66}" destId="{5ADED0C6-A197-44F5-B110-DBE80B9442D5}" srcOrd="0" destOrd="0" presId="urn:microsoft.com/office/officeart/2005/8/layout/process1"/>
-    <dgm:cxn modelId="{4B7E4814-7657-4EF0-BA84-5D06E154D237}" srcId="{A2FA15A0-34FA-4933-B1D3-3DFBFEC7EDAB}" destId="{E3C9E231-0AFA-4085-85BC-4B00EC17FC66}" srcOrd="2" destOrd="0" parTransId="{4B3AC0BA-7DC7-4562-90C4-D7C0152794A8}" sibTransId="{AF06F404-4D59-4F5C-AFBE-B64DEB34819C}"/>
-    <dgm:cxn modelId="{E95A78CC-3B7B-4DCA-825D-83CB6D623ADF}" srcId="{216E2E2E-99F6-4299-8305-AB1CAF32D37F}" destId="{FEC35CF5-A5CB-42F9-9D3B-A6FFF9F7E060}" srcOrd="0" destOrd="0" parTransId="{33A38DC1-1B2B-4A82-BDD1-040D45954DC2}" sibTransId="{14395F03-99A0-4232-8A0A-529B500DECBF}"/>
-    <dgm:cxn modelId="{957A3D57-3635-4B2D-86EF-544C67672D16}" srcId="{A2FA15A0-34FA-4933-B1D3-3DFBFEC7EDAB}" destId="{96A88FCE-D286-434A-B6C0-22F943261FC6}" srcOrd="3" destOrd="0" parTransId="{9B3DA30F-3A12-4911-A786-9ED5881C2721}" sibTransId="{1AB8D0AB-A054-407F-9FD4-C0660F7A1BCE}"/>
-    <dgm:cxn modelId="{1F63FC3E-BCA2-4147-BF15-F371071CC48B}" type="presOf" srcId="{7D83ECB4-3294-4CEE-91D8-F471D79CAC82}" destId="{4407706D-C126-4D24-B6B0-212995FFB281}" srcOrd="1" destOrd="0" presId="urn:microsoft.com/office/officeart/2005/8/layout/process1"/>
-    <dgm:cxn modelId="{477D232B-0C19-4093-B635-7C536E6ED76A}" type="presOf" srcId="{FEC35CF5-A5CB-42F9-9D3B-A6FFF9F7E060}" destId="{31B5AB8B-4633-4337-A449-D9EB44FE2E4E}" srcOrd="0" destOrd="1" presId="urn:microsoft.com/office/officeart/2005/8/layout/process1"/>
-    <dgm:cxn modelId="{D161391C-E31B-4B5F-96B7-0A7E002BFD38}" type="presOf" srcId="{A2FA15A0-34FA-4933-B1D3-3DFBFEC7EDAB}" destId="{82A116FE-309C-4B42-814D-35D0B709C7CB}" srcOrd="0" destOrd="0" presId="urn:microsoft.com/office/officeart/2005/8/layout/process1"/>
-    <dgm:cxn modelId="{0C504BD3-64CC-4F41-8F0E-01A8AADC0FD7}" type="presOf" srcId="{2A9A1935-56FC-4DC5-BF83-10BEB00C59E4}" destId="{FFC23FD0-62F0-4E2D-8DB0-0B86CBA02E98}" srcOrd="0" destOrd="0" presId="urn:microsoft.com/office/officeart/2005/8/layout/process1"/>
-    <dgm:cxn modelId="{BFD6F823-B500-44B9-BCC7-2EFCB34558BB}" type="presOf" srcId="{CF460BEC-70BA-44D1-9010-758D2AD1190C}" destId="{4F287CB1-CF9B-42FE-BA2C-D187A694FBCF}" srcOrd="0" destOrd="0" presId="urn:microsoft.com/office/officeart/2005/8/layout/process1"/>
-    <dgm:cxn modelId="{CDFF015D-5A15-4362-9444-7F2765BE2DC7}" srcId="{A2FA15A0-34FA-4933-B1D3-3DFBFEC7EDAB}" destId="{CF460BEC-70BA-44D1-9010-758D2AD1190C}" srcOrd="1" destOrd="0" parTransId="{40A070AB-F842-4CD2-A3B0-254F01414B6D}" sibTransId="{2A9A1935-56FC-4DC5-BF83-10BEB00C59E4}"/>
-    <dgm:cxn modelId="{799DC658-535C-4E44-B77C-A9F1F869B31D}" type="presOf" srcId="{2A9A1935-56FC-4DC5-BF83-10BEB00C59E4}" destId="{D68139DB-4209-42A6-80E6-D5DC36EFD136}" srcOrd="1" destOrd="0" presId="urn:microsoft.com/office/officeart/2005/8/layout/process1"/>
-    <dgm:cxn modelId="{62EEB83E-7461-46D1-9F5E-3C5F368D9F4D}" type="presOf" srcId="{96A88FCE-D286-434A-B6C0-22F943261FC6}" destId="{CBF7EBAE-6EBE-44FD-9A36-8024741F79F7}" srcOrd="0" destOrd="0" presId="urn:microsoft.com/office/officeart/2005/8/layout/process1"/>
-    <dgm:cxn modelId="{0DD87C4F-7D57-4B54-8E96-A5890EC413D0}" srcId="{A2FA15A0-34FA-4933-B1D3-3DFBFEC7EDAB}" destId="{216E2E2E-99F6-4299-8305-AB1CAF32D37F}" srcOrd="0" destOrd="0" parTransId="{FDAAA76C-5013-455B-B0F8-B74F45350911}" sibTransId="{7D83ECB4-3294-4CEE-91D8-F471D79CAC82}"/>
-    <dgm:cxn modelId="{B69DBB3C-870E-4AE2-BB32-AC1D88815D8E}" type="presOf" srcId="{216E2E2E-99F6-4299-8305-AB1CAF32D37F}" destId="{31B5AB8B-4633-4337-A449-D9EB44FE2E4E}" srcOrd="0" destOrd="0" presId="urn:microsoft.com/office/officeart/2005/8/layout/process1"/>
-    <dgm:cxn modelId="{E2EE74EF-1CBF-4C1E-B618-77C0FABE3205}" type="presOf" srcId="{AF06F404-4D59-4F5C-AFBE-B64DEB34819C}" destId="{3066C7A5-EB97-424C-B988-6A72BF78AE05}" srcOrd="1" destOrd="0" presId="urn:microsoft.com/office/officeart/2005/8/layout/process1"/>
-    <dgm:cxn modelId="{BAA4D2B9-7ED8-4E81-9A8F-608E0F579C26}" type="presParOf" srcId="{82A116FE-309C-4B42-814D-35D0B709C7CB}" destId="{31B5AB8B-4633-4337-A449-D9EB44FE2E4E}" srcOrd="0" destOrd="0" presId="urn:microsoft.com/office/officeart/2005/8/layout/process1"/>
-    <dgm:cxn modelId="{2156C161-0957-44B3-9CEF-8E3A5638B57E}" type="presParOf" srcId="{82A116FE-309C-4B42-814D-35D0B709C7CB}" destId="{AB1D93CB-CD41-465C-B55C-7B35181D9934}" srcOrd="1" destOrd="0" presId="urn:microsoft.com/office/officeart/2005/8/layout/process1"/>
-    <dgm:cxn modelId="{9E42A847-FF2A-496D-BE8F-FD63DA70024D}" type="presParOf" srcId="{AB1D93CB-CD41-465C-B55C-7B35181D9934}" destId="{4407706D-C126-4D24-B6B0-212995FFB281}" srcOrd="0" destOrd="0" presId="urn:microsoft.com/office/officeart/2005/8/layout/process1"/>
-    <dgm:cxn modelId="{1BF1BCFF-9F1E-433F-9776-88A2D3BAD0E8}" type="presParOf" srcId="{82A116FE-309C-4B42-814D-35D0B709C7CB}" destId="{4F287CB1-CF9B-42FE-BA2C-D187A694FBCF}" srcOrd="2" destOrd="0" presId="urn:microsoft.com/office/officeart/2005/8/layout/process1"/>
-    <dgm:cxn modelId="{6E0F4A8E-75A6-4663-8C06-A350F900DDC5}" type="presParOf" srcId="{82A116FE-309C-4B42-814D-35D0B709C7CB}" destId="{FFC23FD0-62F0-4E2D-8DB0-0B86CBA02E98}" srcOrd="3" destOrd="0" presId="urn:microsoft.com/office/officeart/2005/8/layout/process1"/>
-    <dgm:cxn modelId="{75E7A97A-F2B9-459A-B566-9C4F33A61307}" type="presParOf" srcId="{FFC23FD0-62F0-4E2D-8DB0-0B86CBA02E98}" destId="{D68139DB-4209-42A6-80E6-D5DC36EFD136}" srcOrd="0" destOrd="0" presId="urn:microsoft.com/office/officeart/2005/8/layout/process1"/>
-    <dgm:cxn modelId="{E0E38BDC-1E5F-450C-8ACF-CFDDEE330CFD}" type="presParOf" srcId="{82A116FE-309C-4B42-814D-35D0B709C7CB}" destId="{5ADED0C6-A197-44F5-B110-DBE80B9442D5}" srcOrd="4" destOrd="0" presId="urn:microsoft.com/office/officeart/2005/8/layout/process1"/>
-    <dgm:cxn modelId="{6D6FDB44-FE05-4C5E-965C-A8CA4381BE00}" type="presParOf" srcId="{82A116FE-309C-4B42-814D-35D0B709C7CB}" destId="{3F659EEB-4936-4CF7-BC07-C678A90060D3}" srcOrd="5" destOrd="0" presId="urn:microsoft.com/office/officeart/2005/8/layout/process1"/>
-    <dgm:cxn modelId="{D2F91ED9-663C-42EC-ABB4-110584D0DDD6}" type="presParOf" srcId="{3F659EEB-4936-4CF7-BC07-C678A90060D3}" destId="{3066C7A5-EB97-424C-B988-6A72BF78AE05}" srcOrd="0" destOrd="0" presId="urn:microsoft.com/office/officeart/2005/8/layout/process1"/>
-    <dgm:cxn modelId="{B5929912-6B56-4E98-88D4-5AF4A6C9F83C}" type="presParOf" srcId="{82A116FE-309C-4B42-814D-35D0B709C7CB}" destId="{CBF7EBAE-6EBE-44FD-9A36-8024741F79F7}" srcOrd="6" destOrd="0" presId="urn:microsoft.com/office/officeart/2005/8/layout/process1"/>
-  </dgm:cxnLst>
-  <dgm:bg>
-    <a:solidFill>
-      <a:schemeClr val="accent4">
-        <a:lumMod val="60000"/>
-        <a:lumOff val="40000"/>
-      </a:schemeClr>
-    </a:solidFill>
-  </dgm:bg>
-  <dgm:whole/>
-  <dgm:extLst>
-    <a:ext uri="http://schemas.microsoft.com/office/drawing/2008/diagram">
-      <dsp:dataModelExt xmlns:dsp="http://schemas.microsoft.com/office/drawing/2008/diagram" relId="rId7" minVer="http://schemas.openxmlformats.org/drawingml/2006/diagram"/>
-    </a:ext>
-  </dgm:extLst>
-</dgm:dataModel>
-</file>
-
-<file path=ppt/diagrams/drawing1.xml><?xml version="1.0" encoding="utf-8"?>
-<dsp:drawing xmlns:dgm="http://schemas.openxmlformats.org/drawingml/2006/diagram" xmlns:dsp="http://schemas.microsoft.com/office/drawing/2008/diagram" xmlns:a="http://schemas.openxmlformats.org/drawingml/2006/main">
-  <dsp:spTree>
-    <dsp:nvGrpSpPr>
-      <dsp:cNvPr id="0" name=""/>
-      <dsp:cNvGrpSpPr/>
-    </dsp:nvGrpSpPr>
-    <dsp:grpSpPr/>
-    <dsp:sp modelId="{31B5AB8B-4633-4337-A449-D9EB44FE2E4E}">
-      <dsp:nvSpPr>
-        <dsp:cNvPr id="0" name=""/>
-        <dsp:cNvSpPr/>
-      </dsp:nvSpPr>
-      <dsp:spPr>
-        <a:xfrm>
-          <a:off x="7159" y="1504806"/>
-          <a:ext cx="3130221" cy="3286732"/>
-        </a:xfrm>
-        <a:prstGeom prst="roundRect">
-          <a:avLst>
-            <a:gd name="adj" fmla="val 10000"/>
-          </a:avLst>
-        </a:prstGeom>
-        <a:solidFill>
-          <a:schemeClr val="accent2">
-            <a:hueOff val="0"/>
-            <a:satOff val="0"/>
-            <a:lumOff val="0"/>
-            <a:alphaOff val="0"/>
-          </a:schemeClr>
-        </a:solidFill>
-        <a:ln w="12700" cap="flat" cmpd="sng" algn="ctr">
-          <a:solidFill>
-            <a:schemeClr val="lt1">
-              <a:hueOff val="0"/>
-              <a:satOff val="0"/>
-              <a:lumOff val="0"/>
-              <a:alphaOff val="0"/>
-            </a:schemeClr>
-          </a:solidFill>
-          <a:prstDash val="solid"/>
-          <a:miter lim="800000"/>
-        </a:ln>
-        <a:effectLst/>
-      </dsp:spPr>
-      <dsp:style>
-        <a:lnRef idx="2">
-          <a:scrgbClr r="0" g="0" b="0"/>
-        </a:lnRef>
-        <a:fillRef idx="1">
-          <a:scrgbClr r="0" g="0" b="0"/>
-        </a:fillRef>
-        <a:effectRef idx="0">
-          <a:scrgbClr r="0" g="0" b="0"/>
-        </a:effectRef>
-        <a:fontRef idx="minor">
-          <a:schemeClr val="lt1"/>
-        </a:fontRef>
-      </dsp:style>
-      <dsp:txBody>
-        <a:bodyPr spcFirstLastPara="0" vert="horz" wrap="square" lIns="106680" tIns="106680" rIns="106680" bIns="106680" numCol="1" spcCol="1270" anchor="t" anchorCtr="0">
-          <a:noAutofit/>
-        </a:bodyPr>
-        <a:lstStyle/>
-        <a:p>
-          <a:pPr lvl="0" algn="l" defTabSz="1244600">
-            <a:lnSpc>
-              <a:spcPct val="90000"/>
-            </a:lnSpc>
-            <a:spcBef>
-              <a:spcPct val="0"/>
-            </a:spcBef>
-            <a:spcAft>
-              <a:spcPct val="35000"/>
-            </a:spcAft>
-          </a:pPr>
-          <a:r>
-            <a:rPr kumimoji="0" lang="en-US" sz="2800" b="0" i="0" u="none" strike="noStrike" kern="1200" cap="none" spc="0" normalizeH="0" baseline="0" noProof="0" dirty="0" smtClean="0">
-              <a:ln/>
-              <a:effectLst/>
-              <a:uLnTx/>
-              <a:uFillTx/>
-            </a:rPr>
-            <a:t>Manual inspection of prior semester used to determine “hard” problems</a:t>
-          </a:r>
-          <a:endParaRPr lang="en-US" sz="2800" kern="1200" dirty="0"/>
-        </a:p>
-        <a:p>
-          <a:pPr marL="228600" lvl="1" indent="-228600" algn="l" defTabSz="889000">
-            <a:lnSpc>
-              <a:spcPct val="90000"/>
-            </a:lnSpc>
-            <a:spcBef>
-              <a:spcPct val="0"/>
-            </a:spcBef>
-            <a:spcAft>
-              <a:spcPct val="15000"/>
-            </a:spcAft>
-            <a:buChar char="••"/>
-          </a:pPr>
-          <a:r>
-            <a:rPr kumimoji="0" lang="en-US" sz="2000" b="0" i="0" u="none" strike="noStrike" kern="1200" cap="none" spc="0" normalizeH="0" baseline="0" noProof="0" dirty="0" smtClean="0">
-              <a:ln/>
-              <a:effectLst/>
-              <a:uLnTx/>
-              <a:uFillTx/>
-            </a:rPr>
-            <a:t>“Hard” problems were those that took most students more than 20 edits to complete</a:t>
-          </a:r>
-          <a:endParaRPr kumimoji="0" lang="en-US" sz="2000" b="0" i="0" u="none" strike="noStrike" kern="1200" cap="none" spc="0" normalizeH="0" baseline="0" noProof="0" dirty="0">
-            <a:ln/>
-            <a:effectLst/>
-            <a:uLnTx/>
-            <a:uFillTx/>
-          </a:endParaRPr>
-        </a:p>
-      </dsp:txBody>
-      <dsp:txXfrm>
-        <a:off x="98840" y="1596487"/>
-        <a:ext cx="2946859" cy="3103370"/>
-      </dsp:txXfrm>
-    </dsp:sp>
-    <dsp:sp modelId="{AB1D93CB-CD41-465C-B55C-7B35181D9934}">
-      <dsp:nvSpPr>
-        <dsp:cNvPr id="0" name=""/>
-        <dsp:cNvSpPr/>
-      </dsp:nvSpPr>
-      <dsp:spPr>
-        <a:xfrm>
-          <a:off x="3450403" y="2760025"/>
-          <a:ext cx="663606" cy="776294"/>
-        </a:xfrm>
-        <a:prstGeom prst="rightArrow">
-          <a:avLst>
-            <a:gd name="adj1" fmla="val 60000"/>
-            <a:gd name="adj2" fmla="val 50000"/>
-          </a:avLst>
-        </a:prstGeom>
-        <a:solidFill>
-          <a:schemeClr val="accent2">
-            <a:hueOff val="0"/>
-            <a:satOff val="0"/>
-            <a:lumOff val="0"/>
-            <a:alphaOff val="0"/>
-          </a:schemeClr>
-        </a:solidFill>
-        <a:ln>
-          <a:noFill/>
-        </a:ln>
-        <a:effectLst/>
-      </dsp:spPr>
-      <dsp:style>
-        <a:lnRef idx="0">
-          <a:scrgbClr r="0" g="0" b="0"/>
-        </a:lnRef>
-        <a:fillRef idx="1">
-          <a:scrgbClr r="0" g="0" b="0"/>
-        </a:fillRef>
-        <a:effectRef idx="0">
-          <a:scrgbClr r="0" g="0" b="0"/>
-        </a:effectRef>
-        <a:fontRef idx="minor">
-          <a:schemeClr val="lt1"/>
-        </a:fontRef>
-      </dsp:style>
-      <dsp:txBody>
-        <a:bodyPr spcFirstLastPara="0" vert="horz" wrap="square" lIns="0" tIns="0" rIns="0" bIns="0" numCol="1" spcCol="1270" anchor="ctr" anchorCtr="0">
-          <a:noAutofit/>
-        </a:bodyPr>
-        <a:lstStyle/>
-        <a:p>
-          <a:pPr lvl="0" algn="ctr" defTabSz="1466850">
-            <a:lnSpc>
-              <a:spcPct val="90000"/>
-            </a:lnSpc>
-            <a:spcBef>
-              <a:spcPct val="0"/>
-            </a:spcBef>
-            <a:spcAft>
-              <a:spcPct val="35000"/>
-            </a:spcAft>
-          </a:pPr>
-          <a:endParaRPr lang="en-US" sz="3300" kern="1200"/>
-        </a:p>
-      </dsp:txBody>
-      <dsp:txXfrm>
-        <a:off x="3450403" y="2915284"/>
-        <a:ext cx="464524" cy="465776"/>
-      </dsp:txXfrm>
-    </dsp:sp>
-    <dsp:sp modelId="{4F287CB1-CF9B-42FE-BA2C-D187A694FBCF}">
-      <dsp:nvSpPr>
-        <dsp:cNvPr id="0" name=""/>
-        <dsp:cNvSpPr/>
-      </dsp:nvSpPr>
-      <dsp:spPr>
-        <a:xfrm>
-          <a:off x="4389469" y="1504806"/>
-          <a:ext cx="3130221" cy="3286732"/>
-        </a:xfrm>
-        <a:prstGeom prst="roundRect">
-          <a:avLst>
-            <a:gd name="adj" fmla="val 10000"/>
-          </a:avLst>
-        </a:prstGeom>
-        <a:solidFill>
-          <a:schemeClr val="accent3">
-            <a:hueOff val="0"/>
-            <a:satOff val="0"/>
-            <a:lumOff val="0"/>
-            <a:alphaOff val="0"/>
-          </a:schemeClr>
-        </a:solidFill>
-        <a:ln w="12700" cap="flat" cmpd="sng" algn="ctr">
-          <a:solidFill>
-            <a:schemeClr val="lt1">
-              <a:hueOff val="0"/>
-              <a:satOff val="0"/>
-              <a:lumOff val="0"/>
-              <a:alphaOff val="0"/>
-            </a:schemeClr>
-          </a:solidFill>
-          <a:prstDash val="solid"/>
-          <a:miter lim="800000"/>
-        </a:ln>
-        <a:effectLst/>
-      </dsp:spPr>
-      <dsp:style>
-        <a:lnRef idx="2">
-          <a:scrgbClr r="0" g="0" b="0"/>
-        </a:lnRef>
-        <a:fillRef idx="1">
-          <a:scrgbClr r="0" g="0" b="0"/>
-        </a:fillRef>
-        <a:effectRef idx="0">
-          <a:scrgbClr r="0" g="0" b="0"/>
-        </a:effectRef>
-        <a:fontRef idx="minor">
-          <a:schemeClr val="lt1"/>
-        </a:fontRef>
-      </dsp:style>
-      <dsp:txBody>
-        <a:bodyPr spcFirstLastPara="0" vert="horz" wrap="square" lIns="106680" tIns="106680" rIns="106680" bIns="106680" numCol="1" spcCol="1270" anchor="ctr" anchorCtr="0">
-          <a:noAutofit/>
-        </a:bodyPr>
-        <a:lstStyle/>
-        <a:p>
-          <a:pPr lvl="0" algn="ctr" defTabSz="1244600">
-            <a:lnSpc>
-              <a:spcPct val="90000"/>
-            </a:lnSpc>
-            <a:spcBef>
-              <a:spcPct val="0"/>
-            </a:spcBef>
-            <a:spcAft>
-              <a:spcPct val="35000"/>
-            </a:spcAft>
-          </a:pPr>
-          <a:r>
-            <a:rPr kumimoji="0" lang="en-US" sz="2800" b="0" i="0" u="none" strike="noStrike" kern="1200" cap="none" spc="0" normalizeH="0" baseline="0" noProof="0" dirty="0" smtClean="0">
-              <a:ln/>
-              <a:effectLst/>
-              <a:uLnTx/>
-              <a:uFillTx/>
-            </a:rPr>
-            <a:t>Worked examples developed for the 8 hardest problems to help students </a:t>
-          </a:r>
-        </a:p>
-      </dsp:txBody>
-      <dsp:txXfrm>
-        <a:off x="4481150" y="1596487"/>
-        <a:ext cx="2946859" cy="3103370"/>
-      </dsp:txXfrm>
-    </dsp:sp>
-    <dsp:sp modelId="{FFC23FD0-62F0-4E2D-8DB0-0B86CBA02E98}">
-      <dsp:nvSpPr>
-        <dsp:cNvPr id="0" name=""/>
-        <dsp:cNvSpPr/>
-      </dsp:nvSpPr>
-      <dsp:spPr>
-        <a:xfrm>
-          <a:off x="7832713" y="2760025"/>
-          <a:ext cx="663606" cy="776294"/>
-        </a:xfrm>
-        <a:prstGeom prst="rightArrow">
-          <a:avLst>
-            <a:gd name="adj1" fmla="val 60000"/>
-            <a:gd name="adj2" fmla="val 50000"/>
-          </a:avLst>
-        </a:prstGeom>
-        <a:solidFill>
-          <a:schemeClr val="accent3">
-            <a:hueOff val="0"/>
-            <a:satOff val="0"/>
-            <a:lumOff val="0"/>
-            <a:alphaOff val="0"/>
-          </a:schemeClr>
-        </a:solidFill>
-        <a:ln>
-          <a:noFill/>
-        </a:ln>
-        <a:effectLst/>
-      </dsp:spPr>
-      <dsp:style>
-        <a:lnRef idx="0">
-          <a:scrgbClr r="0" g="0" b="0"/>
-        </a:lnRef>
-        <a:fillRef idx="1">
-          <a:scrgbClr r="0" g="0" b="0"/>
-        </a:fillRef>
-        <a:effectRef idx="0">
-          <a:scrgbClr r="0" g="0" b="0"/>
-        </a:effectRef>
-        <a:fontRef idx="minor">
-          <a:schemeClr val="lt1"/>
-        </a:fontRef>
-      </dsp:style>
-      <dsp:txBody>
-        <a:bodyPr spcFirstLastPara="0" vert="horz" wrap="square" lIns="0" tIns="0" rIns="0" bIns="0" numCol="1" spcCol="1270" anchor="ctr" anchorCtr="0">
-          <a:noAutofit/>
-        </a:bodyPr>
-        <a:lstStyle/>
-        <a:p>
-          <a:pPr lvl="0" algn="ctr" defTabSz="1466850">
-            <a:lnSpc>
-              <a:spcPct val="90000"/>
-            </a:lnSpc>
-            <a:spcBef>
-              <a:spcPct val="0"/>
-            </a:spcBef>
-            <a:spcAft>
-              <a:spcPct val="35000"/>
-            </a:spcAft>
-          </a:pPr>
-          <a:endParaRPr lang="en-US" sz="3300" kern="1200"/>
-        </a:p>
-      </dsp:txBody>
-      <dsp:txXfrm>
-        <a:off x="7832713" y="2915284"/>
-        <a:ext cx="464524" cy="465776"/>
-      </dsp:txXfrm>
-    </dsp:sp>
-    <dsp:sp modelId="{5ADED0C6-A197-44F5-B110-DBE80B9442D5}">
-      <dsp:nvSpPr>
-        <dsp:cNvPr id="0" name=""/>
-        <dsp:cNvSpPr/>
-      </dsp:nvSpPr>
-      <dsp:spPr>
-        <a:xfrm>
-          <a:off x="8771779" y="1504806"/>
-          <a:ext cx="3130221" cy="3286732"/>
-        </a:xfrm>
-        <a:prstGeom prst="roundRect">
-          <a:avLst>
-            <a:gd name="adj" fmla="val 10000"/>
-          </a:avLst>
-        </a:prstGeom>
-        <a:solidFill>
-          <a:srgbClr val="9DC3E6"/>
-        </a:solidFill>
-        <a:ln w="12700" cap="flat" cmpd="sng" algn="ctr">
-          <a:solidFill>
-            <a:schemeClr val="lt1">
-              <a:hueOff val="0"/>
-              <a:satOff val="0"/>
-              <a:lumOff val="0"/>
-              <a:alphaOff val="0"/>
-            </a:schemeClr>
-          </a:solidFill>
-          <a:prstDash val="solid"/>
-          <a:miter lim="800000"/>
-        </a:ln>
-        <a:effectLst/>
-      </dsp:spPr>
-      <dsp:style>
-        <a:lnRef idx="2">
-          <a:scrgbClr r="0" g="0" b="0"/>
-        </a:lnRef>
-        <a:fillRef idx="1">
-          <a:scrgbClr r="0" g="0" b="0"/>
-        </a:fillRef>
-        <a:effectRef idx="0">
-          <a:scrgbClr r="0" g="0" b="0"/>
-        </a:effectRef>
-        <a:fontRef idx="minor">
-          <a:schemeClr val="lt1"/>
-        </a:fontRef>
-      </dsp:style>
-      <dsp:txBody>
-        <a:bodyPr spcFirstLastPara="0" vert="horz" wrap="square" lIns="106680" tIns="106680" rIns="106680" bIns="106680" numCol="1" spcCol="1270" anchor="ctr" anchorCtr="0">
-          <a:noAutofit/>
-        </a:bodyPr>
-        <a:lstStyle/>
-        <a:p>
-          <a:pPr lvl="0" algn="ctr" defTabSz="1244600">
-            <a:lnSpc>
-              <a:spcPct val="90000"/>
-            </a:lnSpc>
-            <a:spcBef>
-              <a:spcPct val="0"/>
-            </a:spcBef>
-            <a:spcAft>
-              <a:spcPct val="35000"/>
-            </a:spcAft>
-          </a:pPr>
-          <a:r>
-            <a:rPr lang="en-US" sz="2800" kern="1200" dirty="0" smtClean="0"/>
-            <a:t>Links to relevant worked example provide on targeted problems</a:t>
-          </a:r>
-          <a:endParaRPr kumimoji="0" lang="en-US" sz="2800" b="0" i="0" u="none" strike="noStrike" kern="1200" cap="none" spc="0" normalizeH="0" baseline="0" noProof="0" dirty="0" smtClean="0">
-            <a:ln/>
-            <a:effectLst/>
-            <a:uLnTx/>
-            <a:uFillTx/>
-          </a:endParaRPr>
-        </a:p>
-      </dsp:txBody>
-      <dsp:txXfrm>
-        <a:off x="8863460" y="1596487"/>
-        <a:ext cx="2946859" cy="3103370"/>
-      </dsp:txXfrm>
-    </dsp:sp>
-    <dsp:sp modelId="{3F659EEB-4936-4CF7-BC07-C678A90060D3}">
-      <dsp:nvSpPr>
-        <dsp:cNvPr id="0" name=""/>
-        <dsp:cNvSpPr/>
-      </dsp:nvSpPr>
-      <dsp:spPr>
-        <a:xfrm>
-          <a:off x="12215023" y="2760025"/>
-          <a:ext cx="663606" cy="776294"/>
-        </a:xfrm>
-        <a:prstGeom prst="rightArrow">
-          <a:avLst>
-            <a:gd name="adj1" fmla="val 60000"/>
-            <a:gd name="adj2" fmla="val 50000"/>
-          </a:avLst>
-        </a:prstGeom>
-        <a:solidFill>
-          <a:srgbClr val="9DC3E6"/>
-        </a:solidFill>
-        <a:ln>
-          <a:noFill/>
-        </a:ln>
-        <a:effectLst/>
-      </dsp:spPr>
-      <dsp:style>
-        <a:lnRef idx="0">
-          <a:scrgbClr r="0" g="0" b="0"/>
-        </a:lnRef>
-        <a:fillRef idx="1">
-          <a:scrgbClr r="0" g="0" b="0"/>
-        </a:fillRef>
-        <a:effectRef idx="0">
-          <a:scrgbClr r="0" g="0" b="0"/>
-        </a:effectRef>
-        <a:fontRef idx="minor">
-          <a:schemeClr val="lt1"/>
-        </a:fontRef>
-      </dsp:style>
-      <dsp:txBody>
-        <a:bodyPr spcFirstLastPara="0" vert="horz" wrap="square" lIns="0" tIns="0" rIns="0" bIns="0" numCol="1" spcCol="1270" anchor="ctr" anchorCtr="0">
-          <a:noAutofit/>
-        </a:bodyPr>
-        <a:lstStyle/>
-        <a:p>
-          <a:pPr lvl="0" algn="ctr" defTabSz="1466850">
-            <a:lnSpc>
-              <a:spcPct val="90000"/>
-            </a:lnSpc>
-            <a:spcBef>
-              <a:spcPct val="0"/>
-            </a:spcBef>
-            <a:spcAft>
-              <a:spcPct val="35000"/>
-            </a:spcAft>
-          </a:pPr>
-          <a:endParaRPr lang="en-US" sz="3300" kern="1200"/>
-        </a:p>
-      </dsp:txBody>
-      <dsp:txXfrm>
-        <a:off x="12215023" y="2915284"/>
-        <a:ext cx="464524" cy="465776"/>
-      </dsp:txXfrm>
-    </dsp:sp>
-    <dsp:sp modelId="{CBF7EBAE-6EBE-44FD-9A36-8024741F79F7}">
-      <dsp:nvSpPr>
-        <dsp:cNvPr id="0" name=""/>
-        <dsp:cNvSpPr/>
-      </dsp:nvSpPr>
-      <dsp:spPr>
-        <a:xfrm>
-          <a:off x="13154090" y="1504806"/>
-          <a:ext cx="3130221" cy="3286732"/>
-        </a:xfrm>
-        <a:prstGeom prst="roundRect">
-          <a:avLst>
-            <a:gd name="adj" fmla="val 10000"/>
-          </a:avLst>
-        </a:prstGeom>
-        <a:solidFill>
-          <a:schemeClr val="accent5">
-            <a:hueOff val="0"/>
-            <a:satOff val="0"/>
-            <a:lumOff val="0"/>
-            <a:alphaOff val="0"/>
-          </a:schemeClr>
-        </a:solidFill>
-        <a:ln w="12700" cap="flat" cmpd="sng" algn="ctr">
-          <a:solidFill>
-            <a:schemeClr val="lt1">
-              <a:hueOff val="0"/>
-              <a:satOff val="0"/>
-              <a:lumOff val="0"/>
-              <a:alphaOff val="0"/>
-            </a:schemeClr>
-          </a:solidFill>
-          <a:prstDash val="solid"/>
-          <a:miter lim="800000"/>
-        </a:ln>
-        <a:effectLst/>
-      </dsp:spPr>
-      <dsp:style>
-        <a:lnRef idx="2">
-          <a:scrgbClr r="0" g="0" b="0"/>
-        </a:lnRef>
-        <a:fillRef idx="1">
-          <a:scrgbClr r="0" g="0" b="0"/>
-        </a:fillRef>
-        <a:effectRef idx="0">
-          <a:scrgbClr r="0" g="0" b="0"/>
-        </a:effectRef>
-        <a:fontRef idx="minor">
-          <a:schemeClr val="lt1"/>
-        </a:fontRef>
-      </dsp:style>
-      <dsp:txBody>
-        <a:bodyPr spcFirstLastPara="0" vert="horz" wrap="square" lIns="106680" tIns="106680" rIns="106680" bIns="106680" numCol="1" spcCol="1270" anchor="ctr" anchorCtr="0">
-          <a:noAutofit/>
-        </a:bodyPr>
-        <a:lstStyle/>
-        <a:p>
-          <a:pPr lvl="0" algn="ctr" defTabSz="1244600">
-            <a:lnSpc>
-              <a:spcPct val="90000"/>
-            </a:lnSpc>
-            <a:spcBef>
-              <a:spcPct val="0"/>
-            </a:spcBef>
-            <a:spcAft>
-              <a:spcPct val="35000"/>
-            </a:spcAft>
-          </a:pPr>
-          <a:r>
-            <a:rPr lang="en-US" sz="2800" kern="1200" dirty="0" smtClean="0"/>
-            <a:t>Performance and usage data collected for problems with worked examples</a:t>
-          </a:r>
-          <a:endParaRPr lang="en-US" sz="2800" kern="1200" dirty="0"/>
-        </a:p>
-      </dsp:txBody>
-      <dsp:txXfrm>
-        <a:off x="13245771" y="1596487"/>
-        <a:ext cx="2946859" cy="3103370"/>
-      </dsp:txXfrm>
-    </dsp:sp>
-  </dsp:spTree>
-</dsp:drawing>
-</file>
-
-<file path=ppt/diagrams/layout1.xml><?xml version="1.0" encoding="utf-8"?>
-<dgm:layoutDef xmlns:dgm="http://schemas.openxmlformats.org/drawingml/2006/diagram" xmlns:a="http://schemas.openxmlformats.org/drawingml/2006/main" uniqueId="urn:microsoft.com/office/officeart/2005/8/layout/process1">
-  <dgm:title val=""/>
-  <dgm:desc val=""/>
-  <dgm:catLst>
-    <dgm:cat type="process" pri="1000"/>
-    <dgm:cat type="convert" pri="15000"/>
-  </dgm:catLst>
-  <dgm:sampData useDef="1">
-    <dgm:dataModel>
-      <dgm:ptLst/>
-      <dgm:bg/>
-      <dgm:whole/>
-    </dgm:dataModel>
-  </dgm:sampData>
-  <dgm:styleData>
-    <dgm:dataModel>
-      <dgm:ptLst>
-        <dgm:pt modelId="0" type="doc"/>
-        <dgm:pt modelId="1"/>
-        <dgm:pt modelId="2"/>
-      </dgm:ptLst>
-      <dgm:cxnLst>
-        <dgm:cxn modelId="3" srcId="0" destId="1" srcOrd="0" destOrd="0"/>
-        <dgm:cxn modelId="4" srcId="0" destId="2" srcOrd="1" destOrd="0"/>
-      </dgm:cxnLst>
-      <dgm:bg/>
-      <dgm:whole/>
-    </dgm:dataModel>
-  </dgm:styleData>
-  <dgm:clrData>
-    <dgm:dataModel>
-      <dgm:ptLst>
-        <dgm:pt modelId="0" type="doc"/>
-        <dgm:pt modelId="1"/>
-        <dgm:pt modelId="2"/>
-        <dgm:pt modelId="3"/>
-        <dgm:pt modelId="4"/>
-      </dgm:ptLst>
-      <dgm:cxnLst>
-        <dgm:cxn modelId="5" srcId="0" destId="1" srcOrd="0" destOrd="0"/>
-        <dgm:cxn modelId="6" srcId="0" destId="2" srcOrd="1" destOrd="0"/>
-        <dgm:cxn modelId="7" srcId="0" destId="3" srcOrd="2" destOrd="0"/>
-        <dgm:cxn modelId="8" srcId="0" destId="4" srcOrd="3" destOrd="0"/>
-      </dgm:cxnLst>
-      <dgm:bg/>
-      <dgm:whole/>
-    </dgm:dataModel>
-  </dgm:clrData>
-  <dgm:layoutNode name="Name0">
-    <dgm:varLst>
-      <dgm:dir/>
-      <dgm:resizeHandles val="exact"/>
-    </dgm:varLst>
-    <dgm:choose name="Name1">
-      <dgm:if name="Name2" func="var" arg="dir" op="equ" val="norm">
-        <dgm:alg type="lin"/>
-      </dgm:if>
-      <dgm:else name="Name3">
-        <dgm:alg type="lin">
-          <dgm:param type="linDir" val="fromR"/>
-        </dgm:alg>
-      </dgm:else>
-    </dgm:choose>
-    <dgm:shape xmlns:r="http://schemas.openxmlformats.org/officeDocument/2006/relationships" r:blip="">
-      <dgm:adjLst/>
-    </dgm:shape>
-    <dgm:presOf/>
-    <dgm:constrLst>
-      <dgm:constr type="w" for="ch" ptType="node" refType="w"/>
-      <dgm:constr type="h" for="ch" ptType="node" op="equ"/>
-      <dgm:constr type="primFontSz" for="ch" ptType="node" op="equ" val="65"/>
-      <dgm:constr type="w" for="ch" ptType="sibTrans" refType="w" refFor="ch" refPtType="node" op="equ" fact="0.4"/>
-      <dgm:constr type="h" for="ch" ptType="sibTrans" op="equ"/>
-      <dgm:constr type="primFontSz" for="des" forName="connectorText" op="equ" val="55"/>
-      <dgm:constr type="primFontSz" for="des" forName="connectorText" refType="primFontSz" refFor="ch" refPtType="node" op="lte" fact="0.8"/>
-    </dgm:constrLst>
-    <dgm:ruleLst/>
-    <dgm:forEach name="nodesForEach" axis="ch" ptType="node">
-      <dgm:layoutNode name="node">
-        <dgm:varLst>
-          <dgm:bulletEnabled val="1"/>
-        </dgm:varLst>
-        <dgm:alg type="tx"/>
-        <dgm:shape xmlns:r="http://schemas.openxmlformats.org/officeDocument/2006/relationships" type="roundRect" r:blip="">
-          <dgm:adjLst>
-            <dgm:adj idx="1" val="0.1"/>
-          </dgm:adjLst>
-        </dgm:shape>
-        <dgm:presOf axis="desOrSelf" ptType="node"/>
-        <dgm:constrLst>
-          <dgm:constr type="h" refType="w" fact="0.6"/>
-          <dgm:constr type="tMarg" refType="primFontSz" fact="0.3"/>
-          <dgm:constr type="bMarg" refType="primFontSz" fact="0.3"/>
-          <dgm:constr type="lMarg" refType="primFontSz" fact="0.3"/>
-          <dgm:constr type="rMarg" refType="primFontSz" fact="0.3"/>
-        </dgm:constrLst>
-        <dgm:ruleLst>
-          <dgm:rule type="primFontSz" val="18" fact="NaN" max="NaN"/>
-          <dgm:rule type="h" val="NaN" fact="1.5" max="NaN"/>
-          <dgm:rule type="primFontSz" val="5" fact="NaN" max="NaN"/>
-          <dgm:rule type="h" val="INF" fact="NaN" max="NaN"/>
-        </dgm:ruleLst>
-      </dgm:layoutNode>
-      <dgm:forEach name="sibTransForEach" axis="followSib" ptType="sibTrans" cnt="1">
-        <dgm:layoutNode name="sibTrans">
-          <dgm:alg type="conn">
-            <dgm:param type="begPts" val="auto"/>
-            <dgm:param type="endPts" val="auto"/>
-          </dgm:alg>
-          <dgm:shape xmlns:r="http://schemas.openxmlformats.org/officeDocument/2006/relationships" type="conn" r:blip="">
-            <dgm:adjLst/>
-          </dgm:shape>
-          <dgm:presOf axis="self"/>
-          <dgm:constrLst>
-            <dgm:constr type="h" refType="w" fact="0.62"/>
-            <dgm:constr type="connDist"/>
-            <dgm:constr type="begPad" refType="connDist" fact="0.25"/>
-            <dgm:constr type="endPad" refType="connDist" fact="0.22"/>
-          </dgm:constrLst>
-          <dgm:ruleLst/>
-          <dgm:layoutNode name="connectorText">
-            <dgm:alg type="tx">
-              <dgm:param type="autoTxRot" val="grav"/>
-            </dgm:alg>
-            <dgm:shape xmlns:r="http://schemas.openxmlformats.org/officeDocument/2006/relationships" type="conn" r:blip="" hideGeom="1">
-              <dgm:adjLst/>
-            </dgm:shape>
-            <dgm:presOf axis="self"/>
-            <dgm:constrLst>
-              <dgm:constr type="lMarg"/>
-              <dgm:constr type="rMarg"/>
-              <dgm:constr type="tMarg"/>
-              <dgm:constr type="bMarg"/>
-            </dgm:constrLst>
-            <dgm:ruleLst>
-              <dgm:rule type="primFontSz" val="5" fact="NaN" max="NaN"/>
-            </dgm:ruleLst>
-          </dgm:layoutNode>
-        </dgm:layoutNode>
-      </dgm:forEach>
-    </dgm:forEach>
-  </dgm:layoutNode>
-</dgm:layoutDef>
-</file>
-
-<file path=ppt/diagrams/quickStyle1.xml><?xml version="1.0" encoding="utf-8"?>
-<dgm:styleDef xmlns:dgm="http://schemas.openxmlformats.org/drawingml/2006/diagram" xmlns:a="http://schemas.openxmlformats.org/drawingml/2006/main" uniqueId="urn:microsoft.com/office/officeart/2005/8/quickstyle/simple1">
-  <dgm:title val=""/>
-  <dgm:desc val=""/>
-  <dgm:catLst>
-    <dgm:cat type="simple" pri="10100"/>
-  </dgm:catLst>
-  <dgm:scene3d>
-    <a:camera prst="orthographicFront"/>
-    <a:lightRig rig="threePt" dir="t"/>
-  </dgm:scene3d>
-  <dgm:styleLbl name="node0">
-    <dgm:scene3d>
-      <a:camera prst="orthographicFront"/>
-      <a:lightRig rig="threePt" dir="t"/>
-    </dgm:scene3d>
-    <dgm:sp3d/>
-    <dgm:txPr/>
-    <dgm:style>
-      <a:lnRef idx="2">
-        <a:scrgbClr r="0" g="0" b="0"/>
-      </a:lnRef>
-      <a:fillRef idx="1">
-        <a:scrgbClr r="0" g="0" b="0"/>
-      </a:fillRef>
-      <a:effectRef idx="0">
-        <a:scrgbClr r="0" g="0" b="0"/>
-      </a:effectRef>
-      <a:fontRef idx="minor">
-        <a:schemeClr val="lt1"/>
-      </a:fontRef>
-    </dgm:style>
-  </dgm:styleLbl>
-  <dgm:styleLbl name="lnNode1">
-    <dgm:scene3d>
-      <a:camera prst="orthographicFront"/>
-      <a:lightRig rig="threePt" dir="t"/>
-    </dgm:scene3d>
-    <dgm:sp3d/>
-    <dgm:txPr/>
-    <dgm:style>
-      <a:lnRef idx="2">
-        <a:scrgbClr r="0" g="0" b="0"/>
-      </a:lnRef>
-      <a:fillRef idx="1">
-        <a:scrgbClr r="0" g="0" b="0"/>
-      </a:fillRef>
-      <a:effectRef idx="0">
-        <a:scrgbClr r="0" g="0" b="0"/>
-      </a:effectRef>
-      <a:fontRef idx="minor">
-        <a:schemeClr val="lt1"/>
-      </a:fontRef>
-    </dgm:style>
-  </dgm:styleLbl>
-  <dgm:styleLbl name="vennNode1">
-    <dgm:scene3d>
-      <a:camera prst="orthographicFront"/>
-      <a:lightRig rig="threePt" dir="t"/>
-    </dgm:scene3d>
-    <dgm:sp3d/>
-    <dgm:txPr/>
-    <dgm:style>
-      <a:lnRef idx="2">
-        <a:scrgbClr r="0" g="0" b="0"/>
-      </a:lnRef>
-      <a:fillRef idx="1">
-        <a:scrgbClr r="0" g="0" b="0"/>
-      </a:fillRef>
-      <a:effectRef idx="0">
-        <a:scrgbClr r="0" g="0" b="0"/>
-      </a:effectRef>
-      <a:fontRef idx="minor">
-        <a:schemeClr val="tx1"/>
-      </a:fontRef>
-    </dgm:style>
-  </dgm:styleLbl>
-  <dgm:styleLbl name="alignNode1">
-    <dgm:scene3d>
-      <a:camera prst="orthographicFront"/>
-      <a:lightRig rig="threePt" dir="t"/>
-    </dgm:scene3d>
-    <dgm:sp3d/>
-    <dgm:txPr/>
-    <dgm:style>
-      <a:lnRef idx="2">
-        <a:scrgbClr r="0" g="0" b="0"/>
-      </a:lnRef>
-      <a:fillRef idx="1">
-        <a:scrgbClr r="0" g="0" b="0"/>
-      </a:fillRef>
-      <a:effectRef idx="0">
-        <a:scrgbClr r="0" g="0" b="0"/>
-      </a:effectRef>
-      <a:fontRef idx="minor">
-        <a:schemeClr val="lt1"/>
-      </a:fontRef>
-    </dgm:style>
-  </dgm:styleLbl>
-  <dgm:styleLbl name="node1">
-    <dgm:scene3d>
-      <a:camera prst="orthographicFront"/>
-      <a:lightRig rig="threePt" dir="t"/>
-    </dgm:scene3d>
-    <dgm:sp3d/>
-    <dgm:txPr/>
-    <dgm:style>
-      <a:lnRef idx="2">
-        <a:scrgbClr r="0" g="0" b="0"/>
-      </a:lnRef>
-      <a:fillRef idx="1">
-        <a:scrgbClr r="0" g="0" b="0"/>
-      </a:fillRef>
-      <a:effectRef idx="0">
-        <a:scrgbClr r="0" g="0" b="0"/>
-      </a:effectRef>
-      <a:fontRef idx="minor">
-        <a:schemeClr val="lt1"/>
-      </a:fontRef>
-    </dgm:style>
-  </dgm:styleLbl>
-  <dgm:styleLbl name="node2">
-    <dgm:scene3d>
-      <a:camera prst="orthographicFront"/>
-      <a:lightRig rig="threePt" dir="t"/>
-    </dgm:scene3d>
-    <dgm:sp3d/>
-    <dgm:txPr/>
-    <dgm:style>
-      <a:lnRef idx="2">
-        <a:scrgbClr r="0" g="0" b="0"/>
-      </a:lnRef>
-      <a:fillRef idx="1">
-        <a:scrgbClr r="0" g="0" b="0"/>
-      </a:fillRef>
-      <a:effectRef idx="0">
-        <a:scrgbClr r="0" g="0" b="0"/>
-      </a:effectRef>
-      <a:fontRef idx="minor">
-        <a:schemeClr val="lt1"/>
-      </a:fontRef>
-    </dgm:style>
-  </dgm:styleLbl>
-  <dgm:styleLbl name="node3">
-    <dgm:scene3d>
-      <a:camera prst="orthographicFront"/>
-      <a:lightRig rig="threePt" dir="t"/>
-    </dgm:scene3d>
-    <dgm:sp3d/>
-    <dgm:txPr/>
-    <dgm:style>
-      <a:lnRef idx="2">
-        <a:scrgbClr r="0" g="0" b="0"/>
-      </a:lnRef>
-      <a:fillRef idx="1">
-        <a:scrgbClr r="0" g="0" b="0"/>
-      </a:fillRef>
-      <a:effectRef idx="0">
-        <a:scrgbClr r="0" g="0" b="0"/>
-      </a:effectRef>
-      <a:fontRef idx="minor">
-        <a:schemeClr val="lt1"/>
-      </a:fontRef>
-    </dgm:style>
-  </dgm:styleLbl>
-  <dgm:styleLbl name="node4">
-    <dgm:scene3d>
-      <a:camera prst="orthographicFront"/>
-      <a:lightRig rig="threePt" dir="t"/>
-    </dgm:scene3d>
-    <dgm:sp3d/>
-    <dgm:txPr/>
-    <dgm:style>
-      <a:lnRef idx="2">
-        <a:scrgbClr r="0" g="0" b="0"/>
-      </a:lnRef>
-      <a:fillRef idx="1">
-        <a:scrgbClr r="0" g="0" b="0"/>
-      </a:fillRef>
-      <a:effectRef idx="0">
-        <a:scrgbClr r="0" g="0" b="0"/>
-      </a:effectRef>
-      <a:fontRef idx="minor">
-        <a:schemeClr val="lt1"/>
-      </a:fontRef>
-    </dgm:style>
-  </dgm:styleLbl>
-  <dgm:styleLbl name="fgImgPlace1">
-    <dgm:scene3d>
-      <a:camera prst="orthographicFront"/>
-      <a:lightRig rig="threePt" dir="t"/>
-    </dgm:scene3d>
-    <dgm:sp3d/>
-    <dgm:txPr/>
-    <dgm:style>
-      <a:lnRef idx="2">
-        <a:scrgbClr r="0" g="0" b="0"/>
-      </a:lnRef>
-      <a:fillRef idx="1">
-        <a:scrgbClr r="0" g="0" b="0"/>
-      </a:fillRef>
-      <a:effectRef idx="0">
-        <a:scrgbClr r="0" g="0" b="0"/>
-      </a:effectRef>
-      <a:fontRef idx="minor"/>
-    </dgm:style>
-  </dgm:styleLbl>
-  <dgm:styleLbl name="alignImgPlace1">
-    <dgm:scene3d>
-      <a:camera prst="orthographicFront"/>
-      <a:lightRig rig="threePt" dir="t"/>
-    </dgm:scene3d>
-    <dgm:sp3d/>
-    <dgm:txPr/>
-    <dgm:style>
-      <a:lnRef idx="2">
-        <a:scrgbClr r="0" g="0" b="0"/>
-      </a:lnRef>
-      <a:fillRef idx="1">
-        <a:scrgbClr r="0" g="0" b="0"/>
-      </a:fillRef>
-      <a:effectRef idx="0">
-        <a:scrgbClr r="0" g="0" b="0"/>
-      </a:effectRef>
-      <a:fontRef idx="minor"/>
-    </dgm:style>
-  </dgm:styleLbl>
-  <dgm:styleLbl name="bgImgPlace1">
-    <dgm:scene3d>
-      <a:camera prst="orthographicFront"/>
-      <a:lightRig rig="threePt" dir="t"/>
-    </dgm:scene3d>
-    <dgm:sp3d/>
-    <dgm:txPr/>
-    <dgm:style>
-      <a:lnRef idx="2">
-        <a:scrgbClr r="0" g="0" b="0"/>
-      </a:lnRef>
-      <a:fillRef idx="1">
-        <a:scrgbClr r="0" g="0" b="0"/>
-      </a:fillRef>
-      <a:effectRef idx="0">
-        <a:scrgbClr r="0" g="0" b="0"/>
-      </a:effectRef>
-      <a:fontRef idx="minor"/>
-    </dgm:style>
-  </dgm:styleLbl>
-  <dgm:styleLbl name="sibTrans2D1">
-    <dgm:scene3d>
-      <a:camera prst="orthographicFront"/>
-      <a:lightRig rig="threePt" dir="t"/>
-    </dgm:scene3d>
-    <dgm:sp3d/>
-    <dgm:txPr/>
-    <dgm:style>
-      <a:lnRef idx="0">
-        <a:scrgbClr r="0" g="0" b="0"/>
-      </a:lnRef>
-      <a:fillRef idx="1">
-        <a:scrgbClr r="0" g="0" b="0"/>
-      </a:fillRef>
-      <a:effectRef idx="0">
-        <a:scrgbClr r="0" g="0" b="0"/>
-      </a:effectRef>
-      <a:fontRef idx="minor">
-        <a:schemeClr val="lt1"/>
-      </a:fontRef>
-    </dgm:style>
-  </dgm:styleLbl>
-  <dgm:styleLbl name="fgSibTrans2D1">
-    <dgm:scene3d>
-      <a:camera prst="orthographicFront"/>
-      <a:lightRig rig="threePt" dir="t"/>
-    </dgm:scene3d>
-    <dgm:sp3d/>
-    <dgm:txPr/>
-    <dgm:style>
-      <a:lnRef idx="0">
-        <a:scrgbClr r="0" g="0" b="0"/>
-      </a:lnRef>
-      <a:fillRef idx="1">
-        <a:scrgbClr r="0" g="0" b="0"/>
-      </a:fillRef>
-      <a:effectRef idx="0">
-        <a:scrgbClr r="0" g="0" b="0"/>
-      </a:effectRef>
-      <a:fontRef idx="minor">
-        <a:schemeClr val="lt1"/>
-      </a:fontRef>
-    </dgm:style>
-  </dgm:styleLbl>
-  <dgm:styleLbl name="bgSibTrans2D1">
-    <dgm:scene3d>
-      <a:camera prst="orthographicFront"/>
-      <a:lightRig rig="threePt" dir="t"/>
-    </dgm:scene3d>
-    <dgm:sp3d/>
-    <dgm:txPr/>
-    <dgm:style>
-      <a:lnRef idx="0">
-        <a:scrgbClr r="0" g="0" b="0"/>
-      </a:lnRef>
-      <a:fillRef idx="1">
-        <a:scrgbClr r="0" g="0" b="0"/>
-      </a:fillRef>
-      <a:effectRef idx="0">
-        <a:scrgbClr r="0" g="0" b="0"/>
-      </a:effectRef>
-      <a:fontRef idx="minor">
-        <a:schemeClr val="lt1"/>
-      </a:fontRef>
-    </dgm:style>
-  </dgm:styleLbl>
-  <dgm:styleLbl name="sibTrans1D1">
-    <dgm:scene3d>
-      <a:camera prst="orthographicFront"/>
-      <a:lightRig rig="threePt" dir="t"/>
-    </dgm:scene3d>
-    <dgm:sp3d/>
-    <dgm:txPr/>
-    <dgm:style>
-      <a:lnRef idx="1">
-        <a:scrgbClr r="0" g="0" b="0"/>
-      </a:lnRef>
-      <a:fillRef idx="0">
-        <a:scrgbClr r="0" g="0" b="0"/>
-      </a:fillRef>
-      <a:effectRef idx="0">
-        <a:scrgbClr r="0" g="0" b="0"/>
-      </a:effectRef>
-      <a:fontRef idx="minor"/>
-    </dgm:style>
-  </dgm:styleLbl>
-  <dgm:styleLbl name="callout">
-    <dgm:scene3d>
-      <a:camera prst="orthographicFront"/>
-      <a:lightRig rig="threePt" dir="t"/>
-    </dgm:scene3d>
-    <dgm:sp3d/>
-    <dgm:txPr/>
-    <dgm:style>
-      <a:lnRef idx="2">
-        <a:scrgbClr r="0" g="0" b="0"/>
-      </a:lnRef>
-      <a:fillRef idx="1">
-        <a:scrgbClr r="0" g="0" b="0"/>
-      </a:fillRef>
-      <a:effectRef idx="0">
-        <a:scrgbClr r="0" g="0" b="0"/>
-      </a:effectRef>
-      <a:fontRef idx="minor"/>
-    </dgm:style>
-  </dgm:styleLbl>
-  <dgm:styleLbl name="asst0">
-    <dgm:scene3d>
-      <a:camera prst="orthographicFront"/>
-      <a:lightRig rig="threePt" dir="t"/>
-    </dgm:scene3d>
-    <dgm:sp3d/>
-    <dgm:txPr/>
-    <dgm:style>
-      <a:lnRef idx="2">
-        <a:scrgbClr r="0" g="0" b="0"/>
-      </a:lnRef>
-      <a:fillRef idx="1">
-        <a:scrgbClr r="0" g="0" b="0"/>
-      </a:fillRef>
-      <a:effectRef idx="0">
-        <a:scrgbClr r="0" g="0" b="0"/>
-      </a:effectRef>
-      <a:fontRef idx="minor">
-        <a:schemeClr val="lt1"/>
-      </a:fontRef>
-    </dgm:style>
-  </dgm:styleLbl>
-  <dgm:styleLbl name="asst1">
-    <dgm:scene3d>
-      <a:camera prst="orthographicFront"/>
-      <a:lightRig rig="threePt" dir="t"/>
-    </dgm:scene3d>
-    <dgm:sp3d/>
-    <dgm:txPr/>
-    <dgm:style>
-      <a:lnRef idx="2">
-        <a:scrgbClr r="0" g="0" b="0"/>
-      </a:lnRef>
-      <a:fillRef idx="1">
-        <a:scrgbClr r="0" g="0" b="0"/>
-      </a:fillRef>
-      <a:effectRef idx="0">
-        <a:scrgbClr r="0" g="0" b="0"/>
-      </a:effectRef>
-      <a:fontRef idx="minor">
-        <a:schemeClr val="lt1"/>
-      </a:fontRef>
-    </dgm:style>
-  </dgm:styleLbl>
-  <dgm:styleLbl name="asst2">
-    <dgm:scene3d>
-      <a:camera prst="orthographicFront"/>
-      <a:lightRig rig="threePt" dir="t"/>
-    </dgm:scene3d>
-    <dgm:sp3d/>
-    <dgm:txPr/>
-    <dgm:style>
-      <a:lnRef idx="2">
-        <a:scrgbClr r="0" g="0" b="0"/>
-      </a:lnRef>
-      <a:fillRef idx="1">
-        <a:scrgbClr r="0" g="0" b="0"/>
-      </a:fillRef>
-      <a:effectRef idx="0">
-        <a:scrgbClr r="0" g="0" b="0"/>
-      </a:effectRef>
-      <a:fontRef idx="minor">
-        <a:schemeClr val="lt1"/>
-      </a:fontRef>
-    </dgm:style>
-  </dgm:styleLbl>
-  <dgm:styleLbl name="asst3">
-    <dgm:scene3d>
-      <a:camera prst="orthographicFront"/>
-      <a:lightRig rig="threePt" dir="t"/>
-    </dgm:scene3d>
-    <dgm:sp3d/>
-    <dgm:txPr/>
-    <dgm:style>
-      <a:lnRef idx="2">
-        <a:scrgbClr r="0" g="0" b="0"/>
-      </a:lnRef>
-      <a:fillRef idx="1">
-        <a:scrgbClr r="0" g="0" b="0"/>
-      </a:fillRef>
-      <a:effectRef idx="0">
-        <a:scrgbClr r="0" g="0" b="0"/>
-      </a:effectRef>
-      <a:fontRef idx="minor">
-        <a:schemeClr val="lt1"/>
-      </a:fontRef>
-    </dgm:style>
-  </dgm:styleLbl>
-  <dgm:styleLbl name="asst4">
-    <dgm:scene3d>
-      <a:camera prst="orthographicFront"/>
-      <a:lightRig rig="threePt" dir="t"/>
-    </dgm:scene3d>
-    <dgm:sp3d/>
-    <dgm:txPr/>
-    <dgm:style>
-      <a:lnRef idx="2">
-        <a:scrgbClr r="0" g="0" b="0"/>
-      </a:lnRef>
-      <a:fillRef idx="1">
-        <a:scrgbClr r="0" g="0" b="0"/>
-      </a:fillRef>
-      <a:effectRef idx="0">
-        <a:scrgbClr r="0" g="0" b="0"/>
-      </a:effectRef>
-      <a:fontRef idx="minor">
-        <a:schemeClr val="lt1"/>
-      </a:fontRef>
-    </dgm:style>
-  </dgm:styleLbl>
-  <dgm:styleLbl name="parChTrans2D1">
-    <dgm:scene3d>
-      <a:camera prst="orthographicFront"/>
-      <a:lightRig rig="threePt" dir="t"/>
-    </dgm:scene3d>
-    <dgm:sp3d/>
-    <dgm:txPr/>
-    <dgm:style>
-      <a:lnRef idx="2">
-        <a:scrgbClr r="0" g="0" b="0"/>
-      </a:lnRef>
-      <a:fillRef idx="1">
-        <a:scrgbClr r="0" g="0" b="0"/>
-      </a:fillRef>
-      <a:effectRef idx="0">
-        <a:scrgbClr r="0" g="0" b="0"/>
-      </a:effectRef>
-      <a:fontRef idx="minor">
-        <a:schemeClr val="lt1"/>
-      </a:fontRef>
-    </dgm:style>
-  </dgm:styleLbl>
-  <dgm:styleLbl name="parChTrans2D2">
-    <dgm:scene3d>
-      <a:camera prst="orthographicFront"/>
-      <a:lightRig rig="threePt" dir="t"/>
-    </dgm:scene3d>
-    <dgm:sp3d/>
-    <dgm:txPr/>
-    <dgm:style>
-      <a:lnRef idx="2">
-        <a:scrgbClr r="0" g="0" b="0"/>
-      </a:lnRef>
-      <a:fillRef idx="1">
-        <a:scrgbClr r="0" g="0" b="0"/>
-      </a:fillRef>
-      <a:effectRef idx="0">
-        <a:scrgbClr r="0" g="0" b="0"/>
-      </a:effectRef>
-      <a:fontRef idx="minor">
-        <a:schemeClr val="lt1"/>
-      </a:fontRef>
-    </dgm:style>
-  </dgm:styleLbl>
-  <dgm:styleLbl name="parChTrans2D3">
-    <dgm:scene3d>
-      <a:camera prst="orthographicFront"/>
-      <a:lightRig rig="threePt" dir="t"/>
-    </dgm:scene3d>
-    <dgm:sp3d/>
-    <dgm:txPr/>
-    <dgm:style>
-      <a:lnRef idx="2">
-        <a:scrgbClr r="0" g="0" b="0"/>
-      </a:lnRef>
-      <a:fillRef idx="1">
-        <a:scrgbClr r="0" g="0" b="0"/>
-      </a:fillRef>
-      <a:effectRef idx="0">
-        <a:scrgbClr r="0" g="0" b="0"/>
-      </a:effectRef>
-      <a:fontRef idx="minor">
-        <a:schemeClr val="lt1"/>
-      </a:fontRef>
-    </dgm:style>
-  </dgm:styleLbl>
-  <dgm:styleLbl name="parChTrans2D4">
-    <dgm:scene3d>
-      <a:camera prst="orthographicFront"/>
-      <a:lightRig rig="threePt" dir="t"/>
-    </dgm:scene3d>
-    <dgm:sp3d/>
-    <dgm:txPr/>
-    <dgm:style>
-      <a:lnRef idx="2">
-        <a:scrgbClr r="0" g="0" b="0"/>
-      </a:lnRef>
-      <a:fillRef idx="1">
-        <a:scrgbClr r="0" g="0" b="0"/>
-      </a:fillRef>
-      <a:effectRef idx="0">
-        <a:scrgbClr r="0" g="0" b="0"/>
-      </a:effectRef>
-      <a:fontRef idx="minor">
-        <a:schemeClr val="lt1"/>
-      </a:fontRef>
-    </dgm:style>
-  </dgm:styleLbl>
-  <dgm:styleLbl name="parChTrans1D1">
-    <dgm:scene3d>
-      <a:camera prst="orthographicFront"/>
-      <a:lightRig rig="threePt" dir="t"/>
-    </dgm:scene3d>
-    <dgm:sp3d/>
-    <dgm:txPr/>
-    <dgm:style>
-      <a:lnRef idx="2">
-        <a:scrgbClr r="0" g="0" b="0"/>
-      </a:lnRef>
-      <a:fillRef idx="0">
-        <a:scrgbClr r="0" g="0" b="0"/>
-      </a:fillRef>
-      <a:effectRef idx="0">
-        <a:scrgbClr r="0" g="0" b="0"/>
-      </a:effectRef>
-      <a:fontRef idx="minor"/>
-    </dgm:style>
-  </dgm:styleLbl>
-  <dgm:styleLbl name="parChTrans1D2">
-    <dgm:scene3d>
-      <a:camera prst="orthographicFront"/>
-      <a:lightRig rig="threePt" dir="t"/>
-    </dgm:scene3d>
-    <dgm:sp3d/>
-    <dgm:txPr/>
-    <dgm:style>
-      <a:lnRef idx="2">
-        <a:scrgbClr r="0" g="0" b="0"/>
-      </a:lnRef>
-      <a:fillRef idx="0">
-        <a:scrgbClr r="0" g="0" b="0"/>
-      </a:fillRef>
-      <a:effectRef idx="0">
-        <a:scrgbClr r="0" g="0" b="0"/>
-      </a:effectRef>
-      <a:fontRef idx="minor"/>
-    </dgm:style>
-  </dgm:styleLbl>
-  <dgm:styleLbl name="parChTrans1D3">
-    <dgm:scene3d>
-      <a:camera prst="orthographicFront"/>
-      <a:lightRig rig="threePt" dir="t"/>
-    </dgm:scene3d>
-    <dgm:sp3d/>
-    <dgm:txPr/>
-    <dgm:style>
-      <a:lnRef idx="2">
-        <a:scrgbClr r="0" g="0" b="0"/>
-      </a:lnRef>
-      <a:fillRef idx="0">
-        <a:scrgbClr r="0" g="0" b="0"/>
-      </a:fillRef>
-      <a:effectRef idx="0">
-        <a:scrgbClr r="0" g="0" b="0"/>
-      </a:effectRef>
-      <a:fontRef idx="minor"/>
-    </dgm:style>
-  </dgm:styleLbl>
-  <dgm:styleLbl name="parChTrans1D4">
-    <dgm:scene3d>
-      <a:camera prst="orthographicFront"/>
-      <a:lightRig rig="threePt" dir="t"/>
-    </dgm:scene3d>
-    <dgm:sp3d/>
-    <dgm:txPr/>
-    <dgm:style>
-      <a:lnRef idx="2">
-        <a:scrgbClr r="0" g="0" b="0"/>
-      </a:lnRef>
-      <a:fillRef idx="0">
-        <a:scrgbClr r="0" g="0" b="0"/>
-      </a:fillRef>
-      <a:effectRef idx="0">
-        <a:scrgbClr r="0" g="0" b="0"/>
-      </a:effectRef>
-      <a:fontRef idx="minor"/>
-    </dgm:style>
-  </dgm:styleLbl>
-  <dgm:styleLbl name="fgAcc1">
-    <dgm:scene3d>
-      <a:camera prst="orthographicFront"/>
-      <a:lightRig rig="threePt" dir="t"/>
-    </dgm:scene3d>
-    <dgm:sp3d/>
-    <dgm:txPr/>
-    <dgm:style>
-      <a:lnRef idx="2">
-        <a:scrgbClr r="0" g="0" b="0"/>
-      </a:lnRef>
-      <a:fillRef idx="1">
-        <a:scrgbClr r="0" g="0" b="0"/>
-      </a:fillRef>
-      <a:effectRef idx="0">
-        <a:scrgbClr r="0" g="0" b="0"/>
-      </a:effectRef>
-      <a:fontRef idx="minor"/>
-    </dgm:style>
-  </dgm:styleLbl>
-  <dgm:styleLbl name="conFgAcc1">
-    <dgm:scene3d>
-      <a:camera prst="orthographicFront"/>
-      <a:lightRig rig="threePt" dir="t"/>
-    </dgm:scene3d>
-    <dgm:sp3d/>
-    <dgm:txPr/>
-    <dgm:style>
-      <a:lnRef idx="2">
-        <a:scrgbClr r="0" g="0" b="0"/>
-      </a:lnRef>
-      <a:fillRef idx="1">
-        <a:scrgbClr r="0" g="0" b="0"/>
-      </a:fillRef>
-      <a:effectRef idx="0">
-        <a:scrgbClr r="0" g="0" b="0"/>
-      </a:effectRef>
-      <a:fontRef idx="minor"/>
-    </dgm:style>
-  </dgm:styleLbl>
-  <dgm:styleLbl name="alignAcc1">
-    <dgm:scene3d>
-      <a:camera prst="orthographicFront"/>
-      <a:lightRig rig="threePt" dir="t"/>
-    </dgm:scene3d>
-    <dgm:sp3d/>
-    <dgm:txPr/>
-    <dgm:style>
-      <a:lnRef idx="2">
-        <a:scrgbClr r="0" g="0" b="0"/>
-      </a:lnRef>
-      <a:fillRef idx="1">
-        <a:scrgbClr r="0" g="0" b="0"/>
-      </a:fillRef>
-      <a:effectRef idx="0">
-        <a:scrgbClr r="0" g="0" b="0"/>
-      </a:effectRef>
-      <a:fontRef idx="minor"/>
-    </dgm:style>
-  </dgm:styleLbl>
-  <dgm:styleLbl name="trAlignAcc1">
-    <dgm:scene3d>
-      <a:camera prst="orthographicFront"/>
-      <a:lightRig rig="threePt" dir="t"/>
-    </dgm:scene3d>
-    <dgm:sp3d/>
-    <dgm:txPr/>
-    <dgm:style>
-      <a:lnRef idx="1">
-        <a:scrgbClr r="0" g="0" b="0"/>
-      </a:lnRef>
-      <a:fillRef idx="1">
-        <a:scrgbClr r="0" g="0" b="0"/>
-      </a:fillRef>
-      <a:effectRef idx="0">
-        <a:scrgbClr r="0" g="0" b="0"/>
-      </a:effectRef>
-      <a:fontRef idx="minor"/>
-    </dgm:style>
-  </dgm:styleLbl>
-  <dgm:styleLbl name="bgAcc1">
-    <dgm:scene3d>
-      <a:camera prst="orthographicFront"/>
-      <a:lightRig rig="threePt" dir="t"/>
-    </dgm:scene3d>
-    <dgm:sp3d/>
-    <dgm:txPr/>
-    <dgm:style>
-      <a:lnRef idx="2">
-        <a:scrgbClr r="0" g="0" b="0"/>
-      </a:lnRef>
-      <a:fillRef idx="1">
-        <a:scrgbClr r="0" g="0" b="0"/>
-      </a:fillRef>
-      <a:effectRef idx="0">
-        <a:scrgbClr r="0" g="0" b="0"/>
-      </a:effectRef>
-      <a:fontRef idx="minor"/>
-    </dgm:style>
-  </dgm:styleLbl>
-  <dgm:styleLbl name="solidFgAcc1">
-    <dgm:scene3d>
-      <a:camera prst="orthographicFront"/>
-      <a:lightRig rig="threePt" dir="t"/>
-    </dgm:scene3d>
-    <dgm:sp3d/>
-    <dgm:txPr/>
-    <dgm:style>
-      <a:lnRef idx="2">
-        <a:scrgbClr r="0" g="0" b="0"/>
-      </a:lnRef>
-      <a:fillRef idx="1">
-        <a:scrgbClr r="0" g="0" b="0"/>
-      </a:fillRef>
-      <a:effectRef idx="0">
-        <a:scrgbClr r="0" g="0" b="0"/>
-      </a:effectRef>
-      <a:fontRef idx="minor"/>
-    </dgm:style>
-  </dgm:styleLbl>
-  <dgm:styleLbl name="solidAlignAcc1">
-    <dgm:scene3d>
-      <a:camera prst="orthographicFront"/>
-      <a:lightRig rig="threePt" dir="t"/>
-    </dgm:scene3d>
-    <dgm:sp3d/>
-    <dgm:txPr/>
-    <dgm:style>
-      <a:lnRef idx="2">
-        <a:scrgbClr r="0" g="0" b="0"/>
-      </a:lnRef>
-      <a:fillRef idx="1">
-        <a:scrgbClr r="0" g="0" b="0"/>
-      </a:fillRef>
-      <a:effectRef idx="0">
-        <a:scrgbClr r="0" g="0" b="0"/>
-      </a:effectRef>
-      <a:fontRef idx="minor"/>
-    </dgm:style>
-  </dgm:styleLbl>
-  <dgm:styleLbl name="solidBgAcc1">
-    <dgm:scene3d>
-      <a:camera prst="orthographicFront"/>
-      <a:lightRig rig="threePt" dir="t"/>
-    </dgm:scene3d>
-    <dgm:sp3d/>
-    <dgm:txPr/>
-    <dgm:style>
-      <a:lnRef idx="2">
-        <a:scrgbClr r="0" g="0" b="0"/>
-      </a:lnRef>
-      <a:fillRef idx="1">
-        <a:scrgbClr r="0" g="0" b="0"/>
-      </a:fillRef>
-      <a:effectRef idx="0">
-        <a:scrgbClr r="0" g="0" b="0"/>
-      </a:effectRef>
-      <a:fontRef idx="minor"/>
-    </dgm:style>
-  </dgm:styleLbl>
-  <dgm:styleLbl name="fgAccFollowNode1">
-    <dgm:scene3d>
-      <a:camera prst="orthographicFront"/>
-      <a:lightRig rig="threePt" dir="t"/>
-    </dgm:scene3d>
-    <dgm:sp3d/>
-    <dgm:txPr/>
-    <dgm:style>
-      <a:lnRef idx="2">
-        <a:scrgbClr r="0" g="0" b="0"/>
-      </a:lnRef>
-      <a:fillRef idx="1">
-        <a:scrgbClr r="0" g="0" b="0"/>
-      </a:fillRef>
-      <a:effectRef idx="0">
-        <a:scrgbClr r="0" g="0" b="0"/>
-      </a:effectRef>
-      <a:fontRef idx="minor"/>
-    </dgm:style>
-  </dgm:styleLbl>
-  <dgm:styleLbl name="alignAccFollowNode1">
-    <dgm:scene3d>
-      <a:camera prst="orthographicFront"/>
-      <a:lightRig rig="threePt" dir="t"/>
-    </dgm:scene3d>
-    <dgm:sp3d/>
-    <dgm:txPr/>
-    <dgm:style>
-      <a:lnRef idx="2">
-        <a:scrgbClr r="0" g="0" b="0"/>
-      </a:lnRef>
-      <a:fillRef idx="1">
-        <a:scrgbClr r="0" g="0" b="0"/>
-      </a:fillRef>
-      <a:effectRef idx="0">
-        <a:scrgbClr r="0" g="0" b="0"/>
-      </a:effectRef>
-      <a:fontRef idx="minor"/>
-    </dgm:style>
-  </dgm:styleLbl>
-  <dgm:styleLbl name="bgAccFollowNode1">
-    <dgm:scene3d>
-      <a:camera prst="orthographicFront"/>
-      <a:lightRig rig="threePt" dir="t"/>
-    </dgm:scene3d>
-    <dgm:sp3d/>
-    <dgm:txPr/>
-    <dgm:style>
-      <a:lnRef idx="2">
-        <a:scrgbClr r="0" g="0" b="0"/>
-      </a:lnRef>
-      <a:fillRef idx="1">
-        <a:scrgbClr r="0" g="0" b="0"/>
-      </a:fillRef>
-      <a:effectRef idx="0">
-        <a:scrgbClr r="0" g="0" b="0"/>
-      </a:effectRef>
-      <a:fontRef idx="minor"/>
-    </dgm:style>
-  </dgm:styleLbl>
-  <dgm:styleLbl name="fgAcc0">
-    <dgm:scene3d>
-      <a:camera prst="orthographicFront"/>
-      <a:lightRig rig="threePt" dir="t"/>
-    </dgm:scene3d>
-    <dgm:sp3d/>
-    <dgm:txPr/>
-    <dgm:style>
-      <a:lnRef idx="2">
-        <a:scrgbClr r="0" g="0" b="0"/>
-      </a:lnRef>
-      <a:fillRef idx="1">
-        <a:scrgbClr r="0" g="0" b="0"/>
-      </a:fillRef>
-      <a:effectRef idx="0">
-        <a:scrgbClr r="0" g="0" b="0"/>
-      </a:effectRef>
-      <a:fontRef idx="minor"/>
-    </dgm:style>
-  </dgm:styleLbl>
-  <dgm:styleLbl name="fgAcc2">
-    <dgm:scene3d>
-      <a:camera prst="orthographicFront"/>
-      <a:lightRig rig="threePt" dir="t"/>
-    </dgm:scene3d>
-    <dgm:sp3d/>
-    <dgm:txPr/>
-    <dgm:style>
-      <a:lnRef idx="2">
-        <a:scrgbClr r="0" g="0" b="0"/>
-      </a:lnRef>
-      <a:fillRef idx="1">
-        <a:scrgbClr r="0" g="0" b="0"/>
-      </a:fillRef>
-      <a:effectRef idx="0">
-        <a:scrgbClr r="0" g="0" b="0"/>
-      </a:effectRef>
-      <a:fontRef idx="minor"/>
-    </dgm:style>
-  </dgm:styleLbl>
-  <dgm:styleLbl name="fgAcc3">
-    <dgm:scene3d>
-      <a:camera prst="orthographicFront"/>
-      <a:lightRig rig="threePt" dir="t"/>
-    </dgm:scene3d>
-    <dgm:sp3d/>
-    <dgm:txPr/>
-    <dgm:style>
-      <a:lnRef idx="2">
-        <a:scrgbClr r="0" g="0" b="0"/>
-      </a:lnRef>
-      <a:fillRef idx="1">
-        <a:scrgbClr r="0" g="0" b="0"/>
-      </a:fillRef>
-      <a:effectRef idx="0">
-        <a:scrgbClr r="0" g="0" b="0"/>
-      </a:effectRef>
-      <a:fontRef idx="minor"/>
-    </dgm:style>
-  </dgm:styleLbl>
-  <dgm:styleLbl name="fgAcc4">
-    <dgm:scene3d>
-      <a:camera prst="orthographicFront"/>
-      <a:lightRig rig="threePt" dir="t"/>
-    </dgm:scene3d>
-    <dgm:sp3d/>
-    <dgm:txPr/>
-    <dgm:style>
-      <a:lnRef idx="2">
-        <a:scrgbClr r="0" g="0" b="0"/>
-      </a:lnRef>
-      <a:fillRef idx="1">
-        <a:scrgbClr r="0" g="0" b="0"/>
-      </a:fillRef>
-      <a:effectRef idx="0">
-        <a:scrgbClr r="0" g="0" b="0"/>
-      </a:effectRef>
-      <a:fontRef idx="minor"/>
-    </dgm:style>
-  </dgm:styleLbl>
-  <dgm:styleLbl name="bgShp">
-    <dgm:scene3d>
-      <a:camera prst="orthographicFront"/>
-      <a:lightRig rig="threePt" dir="t"/>
-    </dgm:scene3d>
-    <dgm:sp3d/>
-    <dgm:txPr/>
-    <dgm:style>
-      <a:lnRef idx="0">
-        <a:scrgbClr r="0" g="0" b="0"/>
-      </a:lnRef>
-      <a:fillRef idx="1">
-        <a:scrgbClr r="0" g="0" b="0"/>
-      </a:fillRef>
-      <a:effectRef idx="0">
-        <a:scrgbClr r="0" g="0" b="0"/>
-      </a:effectRef>
-      <a:fontRef idx="minor"/>
-    </dgm:style>
-  </dgm:styleLbl>
-  <dgm:styleLbl name="dkBgShp">
-    <dgm:scene3d>
-      <a:camera prst="orthographicFront"/>
-      <a:lightRig rig="threePt" dir="t"/>
-    </dgm:scene3d>
-    <dgm:sp3d/>
-    <dgm:txPr/>
-    <dgm:style>
-      <a:lnRef idx="0">
-        <a:scrgbClr r="0" g="0" b="0"/>
-      </a:lnRef>
-      <a:fillRef idx="1">
-        <a:scrgbClr r="0" g="0" b="0"/>
-      </a:fillRef>
-      <a:effectRef idx="0">
-        <a:scrgbClr r="0" g="0" b="0"/>
-      </a:effectRef>
-      <a:fontRef idx="minor"/>
-    </dgm:style>
-  </dgm:styleLbl>
-  <dgm:styleLbl name="trBgShp">
-    <dgm:scene3d>
-      <a:camera prst="orthographicFront"/>
-      <a:lightRig rig="threePt" dir="t"/>
-    </dgm:scene3d>
-    <dgm:sp3d/>
-    <dgm:txPr/>
-    <dgm:style>
-      <a:lnRef idx="0">
-        <a:scrgbClr r="0" g="0" b="0"/>
-      </a:lnRef>
-      <a:fillRef idx="1">
-        <a:scrgbClr r="0" g="0" b="0"/>
-      </a:fillRef>
-      <a:effectRef idx="0">
-        <a:scrgbClr r="0" g="0" b="0"/>
-      </a:effectRef>
-      <a:fontRef idx="minor"/>
-    </dgm:style>
-  </dgm:styleLbl>
-  <dgm:styleLbl name="fgShp">
-    <dgm:scene3d>
-      <a:camera prst="orthographicFront"/>
-      <a:lightRig rig="threePt" dir="t"/>
-    </dgm:scene3d>
-    <dgm:sp3d/>
-    <dgm:txPr/>
-    <dgm:style>
-      <a:lnRef idx="2">
-        <a:scrgbClr r="0" g="0" b="0"/>
-      </a:lnRef>
-      <a:fillRef idx="1">
-        <a:scrgbClr r="0" g="0" b="0"/>
-      </a:fillRef>
-      <a:effectRef idx="0">
-        <a:scrgbClr r="0" g="0" b="0"/>
-      </a:effectRef>
-      <a:fontRef idx="minor"/>
-    </dgm:style>
-  </dgm:styleLbl>
-  <dgm:styleLbl name="revTx">
-    <dgm:scene3d>
-      <a:camera prst="orthographicFront"/>
-      <a:lightRig rig="threePt" dir="t"/>
-    </dgm:scene3d>
-    <dgm:sp3d/>
-    <dgm:txPr/>
-    <dgm:style>
-      <a:lnRef idx="0">
-        <a:scrgbClr r="0" g="0" b="0"/>
-      </a:lnRef>
-      <a:fillRef idx="0">
-        <a:scrgbClr r="0" g="0" b="0"/>
-      </a:fillRef>
-      <a:effectRef idx="0">
-        <a:scrgbClr r="0" g="0" b="0"/>
-      </a:effectRef>
-      <a:fontRef idx="minor"/>
-    </dgm:style>
-  </dgm:styleLbl>
-</dgm:styleDef>
-</file>
-
 <file path=ppt/notesMasters/notesMaster1.xml><?xml version="1.0" encoding="utf-8"?>
 <p:notesMaster xmlns:a="http://schemas.openxmlformats.org/drawingml/2006/main" xmlns:r="http://schemas.openxmlformats.org/officeDocument/2006/relationships" xmlns:p="http://schemas.openxmlformats.org/presentationml/2006/main">
   <p:cSld>
@@ -3296,7 +208,7 @@
           <a:p>
             <a:fld id="{89EBFAA3-F819-45C3-88C6-762A2CB61316}" type="datetimeFigureOut">
               <a:rPr lang="en-US" smtClean="0"/>
-              <a:t>4/22/2018</a:t>
+              <a:t>4/23/2018</a:t>
             </a:fld>
             <a:endParaRPr lang="en-US"/>
           </a:p>
@@ -3779,7 +691,7 @@
           <a:p>
             <a:fld id="{81247C1A-AFD6-4C99-B8A3-BBCBE95880A9}" type="datetimeFigureOut">
               <a:rPr lang="en-US" smtClean="0"/>
-              <a:t>4/22/2018</a:t>
+              <a:t>4/23/2018</a:t>
             </a:fld>
             <a:endParaRPr lang="en-US"/>
           </a:p>
@@ -3949,7 +861,7 @@
           <a:p>
             <a:fld id="{81247C1A-AFD6-4C99-B8A3-BBCBE95880A9}" type="datetimeFigureOut">
               <a:rPr lang="en-US" smtClean="0"/>
-              <a:t>4/22/2018</a:t>
+              <a:t>4/23/2018</a:t>
             </a:fld>
             <a:endParaRPr lang="en-US"/>
           </a:p>
@@ -4129,7 +1041,7 @@
           <a:p>
             <a:fld id="{81247C1A-AFD6-4C99-B8A3-BBCBE95880A9}" type="datetimeFigureOut">
               <a:rPr lang="en-US" smtClean="0"/>
-              <a:t>4/22/2018</a:t>
+              <a:t>4/23/2018</a:t>
             </a:fld>
             <a:endParaRPr lang="en-US"/>
           </a:p>
@@ -4299,7 +1211,7 @@
           <a:p>
             <a:fld id="{81247C1A-AFD6-4C99-B8A3-BBCBE95880A9}" type="datetimeFigureOut">
               <a:rPr lang="en-US" smtClean="0"/>
-              <a:t>4/22/2018</a:t>
+              <a:t>4/23/2018</a:t>
             </a:fld>
             <a:endParaRPr lang="en-US"/>
           </a:p>
@@ -4543,7 +1455,7 @@
           <a:p>
             <a:fld id="{81247C1A-AFD6-4C99-B8A3-BBCBE95880A9}" type="datetimeFigureOut">
               <a:rPr lang="en-US" smtClean="0"/>
-              <a:t>4/22/2018</a:t>
+              <a:t>4/23/2018</a:t>
             </a:fld>
             <a:endParaRPr lang="en-US"/>
           </a:p>
@@ -4775,7 +1687,7 @@
           <a:p>
             <a:fld id="{81247C1A-AFD6-4C99-B8A3-BBCBE95880A9}" type="datetimeFigureOut">
               <a:rPr lang="en-US" smtClean="0"/>
-              <a:t>4/22/2018</a:t>
+              <a:t>4/23/2018</a:t>
             </a:fld>
             <a:endParaRPr lang="en-US"/>
           </a:p>
@@ -5142,7 +2054,7 @@
           <a:p>
             <a:fld id="{81247C1A-AFD6-4C99-B8A3-BBCBE95880A9}" type="datetimeFigureOut">
               <a:rPr lang="en-US" smtClean="0"/>
-              <a:t>4/22/2018</a:t>
+              <a:t>4/23/2018</a:t>
             </a:fld>
             <a:endParaRPr lang="en-US"/>
           </a:p>
@@ -5260,7 +2172,7 @@
           <a:p>
             <a:fld id="{81247C1A-AFD6-4C99-B8A3-BBCBE95880A9}" type="datetimeFigureOut">
               <a:rPr lang="en-US" smtClean="0"/>
-              <a:t>4/22/2018</a:t>
+              <a:t>4/23/2018</a:t>
             </a:fld>
             <a:endParaRPr lang="en-US"/>
           </a:p>
@@ -5355,7 +2267,7 @@
           <a:p>
             <a:fld id="{81247C1A-AFD6-4C99-B8A3-BBCBE95880A9}" type="datetimeFigureOut">
               <a:rPr lang="en-US" smtClean="0"/>
-              <a:t>4/22/2018</a:t>
+              <a:t>4/23/2018</a:t>
             </a:fld>
             <a:endParaRPr lang="en-US"/>
           </a:p>
@@ -5632,7 +2544,7 @@
           <a:p>
             <a:fld id="{81247C1A-AFD6-4C99-B8A3-BBCBE95880A9}" type="datetimeFigureOut">
               <a:rPr lang="en-US" smtClean="0"/>
-              <a:t>4/22/2018</a:t>
+              <a:t>4/23/2018</a:t>
             </a:fld>
             <a:endParaRPr lang="en-US"/>
           </a:p>
@@ -5889,7 +2801,7 @@
           <a:p>
             <a:fld id="{81247C1A-AFD6-4C99-B8A3-BBCBE95880A9}" type="datetimeFigureOut">
               <a:rPr lang="en-US" smtClean="0"/>
-              <a:t>4/22/2018</a:t>
+              <a:t>4/23/2018</a:t>
             </a:fld>
             <a:endParaRPr lang="en-US"/>
           </a:p>
@@ -6102,7 +3014,7 @@
           <a:p>
             <a:fld id="{81247C1A-AFD6-4C99-B8A3-BBCBE95880A9}" type="datetimeFigureOut">
               <a:rPr lang="en-US" smtClean="0"/>
-              <a:t>4/22/2018</a:t>
+              <a:t>4/23/2018</a:t>
             </a:fld>
             <a:endParaRPr lang="en-US"/>
           </a:p>
@@ -6512,7 +3424,7 @@
           <p:cNvPr id="107" name="Rectangle 106">
             <a:extLst>
               <a:ext uri="{FF2B5EF4-FFF2-40B4-BE49-F238E27FC236}">
-                <a16:creationId xmlns:a16="http://schemas.microsoft.com/office/drawing/2014/main" xmlns="" id="{AAC209A6-BCC5-4773-ABFB-6ECBD44BCA8D}"/>
+                <a16:creationId xmlns="" xmlns:a16="http://schemas.microsoft.com/office/drawing/2014/main" id="{AAC209A6-BCC5-4773-ABFB-6ECBD44BCA8D}"/>
               </a:ext>
             </a:extLst>
           </p:cNvPr>
@@ -6582,28 +3494,1142 @@
           </a:p>
         </p:txBody>
       </p:sp>
-      <p:graphicFrame>
-        <p:nvGraphicFramePr>
-          <p:cNvPr id="14" name="Diagram 13"/>
-          <p:cNvGraphicFramePr/>
-          <p:nvPr>
-            <p:extLst>
-              <p:ext uri="{D42A27DB-BD31-4B8C-83A1-F6EECF244321}">
-                <p14:modId xmlns:p14="http://schemas.microsoft.com/office/powerpoint/2010/main" val="2509145340"/>
-              </p:ext>
-            </p:extLst>
-          </p:nvPr>
-        </p:nvGraphicFramePr>
-        <p:xfrm>
-          <a:off x="1358241" y="9924606"/>
-          <a:ext cx="16291471" cy="6296345"/>
-        </p:xfrm>
-        <a:graphic>
-          <a:graphicData uri="http://schemas.openxmlformats.org/drawingml/2006/diagram">
-            <dgm:relIds xmlns:dgm="http://schemas.openxmlformats.org/drawingml/2006/diagram" xmlns:r="http://schemas.openxmlformats.org/officeDocument/2006/relationships" r:dm="rId3" r:lo="rId4" r:qs="rId5" r:cs="rId6"/>
-          </a:graphicData>
-        </a:graphic>
-      </p:graphicFrame>
+      <p:grpSp>
+        <p:nvGrpSpPr>
+          <p:cNvPr id="3" name="Group 2"/>
+          <p:cNvGrpSpPr/>
+          <p:nvPr/>
+        </p:nvGrpSpPr>
+        <p:grpSpPr>
+          <a:xfrm>
+            <a:off x="1365400" y="9908978"/>
+            <a:ext cx="16304822" cy="6296345"/>
+            <a:chOff x="1365400" y="9908978"/>
+            <a:chExt cx="16304822" cy="6296345"/>
+          </a:xfrm>
+        </p:grpSpPr>
+        <p:sp>
+          <p:nvSpPr>
+            <p:cNvPr id="12" name="Rectangle 11"/>
+            <p:cNvSpPr/>
+            <p:nvPr/>
+          </p:nvSpPr>
+          <p:spPr>
+            <a:xfrm>
+              <a:off x="1378751" y="9908978"/>
+              <a:ext cx="16291471" cy="6296345"/>
+            </a:xfrm>
+            <a:prstGeom prst="rect">
+              <a:avLst/>
+            </a:prstGeom>
+            <a:solidFill>
+              <a:schemeClr val="accent4">
+                <a:lumMod val="60000"/>
+                <a:lumOff val="40000"/>
+              </a:schemeClr>
+            </a:solidFill>
+          </p:spPr>
+        </p:sp>
+        <p:sp>
+          <p:nvSpPr>
+            <p:cNvPr id="13" name="Freeform 12"/>
+            <p:cNvSpPr/>
+            <p:nvPr/>
+          </p:nvSpPr>
+          <p:spPr>
+            <a:xfrm>
+              <a:off x="1365400" y="11429412"/>
+              <a:ext cx="3130221" cy="3286732"/>
+            </a:xfrm>
+            <a:custGeom>
+              <a:avLst/>
+              <a:gdLst>
+                <a:gd name="connsiteX0" fmla="*/ 0 w 3130221"/>
+                <a:gd name="connsiteY0" fmla="*/ 313022 h 3286732"/>
+                <a:gd name="connsiteX1" fmla="*/ 313022 w 3130221"/>
+                <a:gd name="connsiteY1" fmla="*/ 0 h 3286732"/>
+                <a:gd name="connsiteX2" fmla="*/ 2817199 w 3130221"/>
+                <a:gd name="connsiteY2" fmla="*/ 0 h 3286732"/>
+                <a:gd name="connsiteX3" fmla="*/ 3130221 w 3130221"/>
+                <a:gd name="connsiteY3" fmla="*/ 313022 h 3286732"/>
+                <a:gd name="connsiteX4" fmla="*/ 3130221 w 3130221"/>
+                <a:gd name="connsiteY4" fmla="*/ 2973710 h 3286732"/>
+                <a:gd name="connsiteX5" fmla="*/ 2817199 w 3130221"/>
+                <a:gd name="connsiteY5" fmla="*/ 3286732 h 3286732"/>
+                <a:gd name="connsiteX6" fmla="*/ 313022 w 3130221"/>
+                <a:gd name="connsiteY6" fmla="*/ 3286732 h 3286732"/>
+                <a:gd name="connsiteX7" fmla="*/ 0 w 3130221"/>
+                <a:gd name="connsiteY7" fmla="*/ 2973710 h 3286732"/>
+                <a:gd name="connsiteX8" fmla="*/ 0 w 3130221"/>
+                <a:gd name="connsiteY8" fmla="*/ 313022 h 3286732"/>
+              </a:gdLst>
+              <a:ahLst/>
+              <a:cxnLst>
+                <a:cxn ang="0">
+                  <a:pos x="connsiteX0" y="connsiteY0"/>
+                </a:cxn>
+                <a:cxn ang="0">
+                  <a:pos x="connsiteX1" y="connsiteY1"/>
+                </a:cxn>
+                <a:cxn ang="0">
+                  <a:pos x="connsiteX2" y="connsiteY2"/>
+                </a:cxn>
+                <a:cxn ang="0">
+                  <a:pos x="connsiteX3" y="connsiteY3"/>
+                </a:cxn>
+                <a:cxn ang="0">
+                  <a:pos x="connsiteX4" y="connsiteY4"/>
+                </a:cxn>
+                <a:cxn ang="0">
+                  <a:pos x="connsiteX5" y="connsiteY5"/>
+                </a:cxn>
+                <a:cxn ang="0">
+                  <a:pos x="connsiteX6" y="connsiteY6"/>
+                </a:cxn>
+                <a:cxn ang="0">
+                  <a:pos x="connsiteX7" y="connsiteY7"/>
+                </a:cxn>
+                <a:cxn ang="0">
+                  <a:pos x="connsiteX8" y="connsiteY8"/>
+                </a:cxn>
+              </a:cxnLst>
+              <a:rect l="l" t="t" r="r" b="b"/>
+              <a:pathLst>
+                <a:path w="3130221" h="3286732">
+                  <a:moveTo>
+                    <a:pt x="0" y="313022"/>
+                  </a:moveTo>
+                  <a:cubicBezTo>
+                    <a:pt x="0" y="140145"/>
+                    <a:pt x="140145" y="0"/>
+                    <a:pt x="313022" y="0"/>
+                  </a:cubicBezTo>
+                  <a:lnTo>
+                    <a:pt x="2817199" y="0"/>
+                  </a:lnTo>
+                  <a:cubicBezTo>
+                    <a:pt x="2990076" y="0"/>
+                    <a:pt x="3130221" y="140145"/>
+                    <a:pt x="3130221" y="313022"/>
+                  </a:cubicBezTo>
+                  <a:lnTo>
+                    <a:pt x="3130221" y="2973710"/>
+                  </a:lnTo>
+                  <a:cubicBezTo>
+                    <a:pt x="3130221" y="3146587"/>
+                    <a:pt x="2990076" y="3286732"/>
+                    <a:pt x="2817199" y="3286732"/>
+                  </a:cubicBezTo>
+                  <a:lnTo>
+                    <a:pt x="313022" y="3286732"/>
+                  </a:lnTo>
+                  <a:cubicBezTo>
+                    <a:pt x="140145" y="3286732"/>
+                    <a:pt x="0" y="3146587"/>
+                    <a:pt x="0" y="2973710"/>
+                  </a:cubicBezTo>
+                  <a:lnTo>
+                    <a:pt x="0" y="313022"/>
+                  </a:lnTo>
+                  <a:close/>
+                </a:path>
+              </a:pathLst>
+            </a:custGeom>
+          </p:spPr>
+          <p:style>
+            <a:lnRef idx="2">
+              <a:schemeClr val="lt1">
+                <a:hueOff val="0"/>
+                <a:satOff val="0"/>
+                <a:lumOff val="0"/>
+                <a:alphaOff val="0"/>
+              </a:schemeClr>
+            </a:lnRef>
+            <a:fillRef idx="1">
+              <a:schemeClr val="accent2">
+                <a:hueOff val="0"/>
+                <a:satOff val="0"/>
+                <a:lumOff val="0"/>
+                <a:alphaOff val="0"/>
+              </a:schemeClr>
+            </a:fillRef>
+            <a:effectRef idx="0">
+              <a:schemeClr val="accent2">
+                <a:hueOff val="0"/>
+                <a:satOff val="0"/>
+                <a:lumOff val="0"/>
+                <a:alphaOff val="0"/>
+              </a:schemeClr>
+            </a:effectRef>
+            <a:fontRef idx="minor">
+              <a:schemeClr val="lt1"/>
+            </a:fontRef>
+          </p:style>
+          <p:txBody>
+            <a:bodyPr spcFirstLastPara="0" vert="horz" wrap="square" lIns="198361" tIns="198361" rIns="198361" bIns="198361" numCol="1" spcCol="1270" anchor="t" anchorCtr="0">
+              <a:noAutofit/>
+            </a:bodyPr>
+            <a:lstStyle/>
+            <a:p>
+              <a:pPr lvl="0" algn="l" defTabSz="1244600">
+                <a:lnSpc>
+                  <a:spcPct val="90000"/>
+                </a:lnSpc>
+                <a:spcBef>
+                  <a:spcPct val="0"/>
+                </a:spcBef>
+                <a:spcAft>
+                  <a:spcPct val="35000"/>
+                </a:spcAft>
+              </a:pPr>
+              <a:r>
+                <a:rPr kumimoji="0" lang="en-US" sz="2800" b="0" i="0" u="none" strike="noStrike" kern="1200" cap="none" spc="0" normalizeH="0" baseline="0" noProof="0" dirty="0" smtClean="0">
+                  <a:ln/>
+                  <a:effectLst/>
+                  <a:uLnTx/>
+                  <a:uFillTx/>
+                </a:rPr>
+                <a:t>Manual inspection of prior semester used to determine “hard” problems</a:t>
+              </a:r>
+              <a:endParaRPr lang="en-US" sz="2800" kern="1200" dirty="0"/>
+            </a:p>
+            <a:p>
+              <a:pPr marL="228600" lvl="1" indent="-228600" algn="l" defTabSz="889000">
+                <a:lnSpc>
+                  <a:spcPct val="90000"/>
+                </a:lnSpc>
+                <a:spcBef>
+                  <a:spcPct val="0"/>
+                </a:spcBef>
+                <a:spcAft>
+                  <a:spcPct val="15000"/>
+                </a:spcAft>
+                <a:buChar char="••"/>
+              </a:pPr>
+              <a:r>
+                <a:rPr kumimoji="0" lang="en-US" sz="2000" b="0" i="0" u="none" strike="noStrike" kern="1200" cap="none" spc="0" normalizeH="0" baseline="0" noProof="0" dirty="0" smtClean="0">
+                  <a:ln/>
+                  <a:effectLst/>
+                  <a:uLnTx/>
+                  <a:uFillTx/>
+                </a:rPr>
+                <a:t>“Hard” problems were those that took most students more than 20 edits to complete</a:t>
+              </a:r>
+              <a:endParaRPr kumimoji="0" lang="en-US" sz="2000" b="0" i="0" u="none" strike="noStrike" kern="1200" cap="none" spc="0" normalizeH="0" baseline="0" noProof="0" dirty="0">
+                <a:ln/>
+                <a:effectLst/>
+                <a:uLnTx/>
+                <a:uFillTx/>
+              </a:endParaRPr>
+            </a:p>
+          </p:txBody>
+        </p:sp>
+        <p:sp>
+          <p:nvSpPr>
+            <p:cNvPr id="15" name="Freeform 14"/>
+            <p:cNvSpPr/>
+            <p:nvPr/>
+          </p:nvSpPr>
+          <p:spPr>
+            <a:xfrm>
+              <a:off x="4808644" y="12684631"/>
+              <a:ext cx="663606" cy="776294"/>
+            </a:xfrm>
+            <a:custGeom>
+              <a:avLst/>
+              <a:gdLst>
+                <a:gd name="connsiteX0" fmla="*/ 0 w 663606"/>
+                <a:gd name="connsiteY0" fmla="*/ 155259 h 776294"/>
+                <a:gd name="connsiteX1" fmla="*/ 331803 w 663606"/>
+                <a:gd name="connsiteY1" fmla="*/ 155259 h 776294"/>
+                <a:gd name="connsiteX2" fmla="*/ 331803 w 663606"/>
+                <a:gd name="connsiteY2" fmla="*/ 0 h 776294"/>
+                <a:gd name="connsiteX3" fmla="*/ 663606 w 663606"/>
+                <a:gd name="connsiteY3" fmla="*/ 388147 h 776294"/>
+                <a:gd name="connsiteX4" fmla="*/ 331803 w 663606"/>
+                <a:gd name="connsiteY4" fmla="*/ 776294 h 776294"/>
+                <a:gd name="connsiteX5" fmla="*/ 331803 w 663606"/>
+                <a:gd name="connsiteY5" fmla="*/ 621035 h 776294"/>
+                <a:gd name="connsiteX6" fmla="*/ 0 w 663606"/>
+                <a:gd name="connsiteY6" fmla="*/ 621035 h 776294"/>
+                <a:gd name="connsiteX7" fmla="*/ 0 w 663606"/>
+                <a:gd name="connsiteY7" fmla="*/ 155259 h 776294"/>
+              </a:gdLst>
+              <a:ahLst/>
+              <a:cxnLst>
+                <a:cxn ang="0">
+                  <a:pos x="connsiteX0" y="connsiteY0"/>
+                </a:cxn>
+                <a:cxn ang="0">
+                  <a:pos x="connsiteX1" y="connsiteY1"/>
+                </a:cxn>
+                <a:cxn ang="0">
+                  <a:pos x="connsiteX2" y="connsiteY2"/>
+                </a:cxn>
+                <a:cxn ang="0">
+                  <a:pos x="connsiteX3" y="connsiteY3"/>
+                </a:cxn>
+                <a:cxn ang="0">
+                  <a:pos x="connsiteX4" y="connsiteY4"/>
+                </a:cxn>
+                <a:cxn ang="0">
+                  <a:pos x="connsiteX5" y="connsiteY5"/>
+                </a:cxn>
+                <a:cxn ang="0">
+                  <a:pos x="connsiteX6" y="connsiteY6"/>
+                </a:cxn>
+                <a:cxn ang="0">
+                  <a:pos x="connsiteX7" y="connsiteY7"/>
+                </a:cxn>
+              </a:cxnLst>
+              <a:rect l="l" t="t" r="r" b="b"/>
+              <a:pathLst>
+                <a:path w="663606" h="776294">
+                  <a:moveTo>
+                    <a:pt x="0" y="155259"/>
+                  </a:moveTo>
+                  <a:lnTo>
+                    <a:pt x="331803" y="155259"/>
+                  </a:lnTo>
+                  <a:lnTo>
+                    <a:pt x="331803" y="0"/>
+                  </a:lnTo>
+                  <a:lnTo>
+                    <a:pt x="663606" y="388147"/>
+                  </a:lnTo>
+                  <a:lnTo>
+                    <a:pt x="331803" y="776294"/>
+                  </a:lnTo>
+                  <a:lnTo>
+                    <a:pt x="331803" y="621035"/>
+                  </a:lnTo>
+                  <a:lnTo>
+                    <a:pt x="0" y="621035"/>
+                  </a:lnTo>
+                  <a:lnTo>
+                    <a:pt x="0" y="155259"/>
+                  </a:lnTo>
+                  <a:close/>
+                </a:path>
+              </a:pathLst>
+            </a:custGeom>
+          </p:spPr>
+          <p:style>
+            <a:lnRef idx="0">
+              <a:schemeClr val="lt1">
+                <a:hueOff val="0"/>
+                <a:satOff val="0"/>
+                <a:lumOff val="0"/>
+                <a:alphaOff val="0"/>
+              </a:schemeClr>
+            </a:lnRef>
+            <a:fillRef idx="1">
+              <a:schemeClr val="accent2">
+                <a:hueOff val="0"/>
+                <a:satOff val="0"/>
+                <a:lumOff val="0"/>
+                <a:alphaOff val="0"/>
+              </a:schemeClr>
+            </a:fillRef>
+            <a:effectRef idx="0">
+              <a:schemeClr val="accent2">
+                <a:hueOff val="0"/>
+                <a:satOff val="0"/>
+                <a:lumOff val="0"/>
+                <a:alphaOff val="0"/>
+              </a:schemeClr>
+            </a:effectRef>
+            <a:fontRef idx="minor">
+              <a:schemeClr val="lt1"/>
+            </a:fontRef>
+          </p:style>
+          <p:txBody>
+            <a:bodyPr spcFirstLastPara="0" vert="horz" wrap="square" lIns="0" tIns="155259" rIns="199082" bIns="155259" numCol="1" spcCol="1270" anchor="ctr" anchorCtr="0">
+              <a:noAutofit/>
+            </a:bodyPr>
+            <a:lstStyle/>
+            <a:p>
+              <a:pPr lvl="0" algn="ctr" defTabSz="1466850">
+                <a:lnSpc>
+                  <a:spcPct val="90000"/>
+                </a:lnSpc>
+                <a:spcBef>
+                  <a:spcPct val="0"/>
+                </a:spcBef>
+                <a:spcAft>
+                  <a:spcPct val="35000"/>
+                </a:spcAft>
+              </a:pPr>
+              <a:endParaRPr lang="en-US" sz="3300" kern="1200"/>
+            </a:p>
+          </p:txBody>
+        </p:sp>
+        <p:sp>
+          <p:nvSpPr>
+            <p:cNvPr id="17" name="Freeform 16"/>
+            <p:cNvSpPr/>
+            <p:nvPr/>
+          </p:nvSpPr>
+          <p:spPr>
+            <a:xfrm>
+              <a:off x="5747710" y="11429412"/>
+              <a:ext cx="3130221" cy="3286732"/>
+            </a:xfrm>
+            <a:custGeom>
+              <a:avLst/>
+              <a:gdLst>
+                <a:gd name="connsiteX0" fmla="*/ 0 w 3130221"/>
+                <a:gd name="connsiteY0" fmla="*/ 313022 h 3286732"/>
+                <a:gd name="connsiteX1" fmla="*/ 313022 w 3130221"/>
+                <a:gd name="connsiteY1" fmla="*/ 0 h 3286732"/>
+                <a:gd name="connsiteX2" fmla="*/ 2817199 w 3130221"/>
+                <a:gd name="connsiteY2" fmla="*/ 0 h 3286732"/>
+                <a:gd name="connsiteX3" fmla="*/ 3130221 w 3130221"/>
+                <a:gd name="connsiteY3" fmla="*/ 313022 h 3286732"/>
+                <a:gd name="connsiteX4" fmla="*/ 3130221 w 3130221"/>
+                <a:gd name="connsiteY4" fmla="*/ 2973710 h 3286732"/>
+                <a:gd name="connsiteX5" fmla="*/ 2817199 w 3130221"/>
+                <a:gd name="connsiteY5" fmla="*/ 3286732 h 3286732"/>
+                <a:gd name="connsiteX6" fmla="*/ 313022 w 3130221"/>
+                <a:gd name="connsiteY6" fmla="*/ 3286732 h 3286732"/>
+                <a:gd name="connsiteX7" fmla="*/ 0 w 3130221"/>
+                <a:gd name="connsiteY7" fmla="*/ 2973710 h 3286732"/>
+                <a:gd name="connsiteX8" fmla="*/ 0 w 3130221"/>
+                <a:gd name="connsiteY8" fmla="*/ 313022 h 3286732"/>
+              </a:gdLst>
+              <a:ahLst/>
+              <a:cxnLst>
+                <a:cxn ang="0">
+                  <a:pos x="connsiteX0" y="connsiteY0"/>
+                </a:cxn>
+                <a:cxn ang="0">
+                  <a:pos x="connsiteX1" y="connsiteY1"/>
+                </a:cxn>
+                <a:cxn ang="0">
+                  <a:pos x="connsiteX2" y="connsiteY2"/>
+                </a:cxn>
+                <a:cxn ang="0">
+                  <a:pos x="connsiteX3" y="connsiteY3"/>
+                </a:cxn>
+                <a:cxn ang="0">
+                  <a:pos x="connsiteX4" y="connsiteY4"/>
+                </a:cxn>
+                <a:cxn ang="0">
+                  <a:pos x="connsiteX5" y="connsiteY5"/>
+                </a:cxn>
+                <a:cxn ang="0">
+                  <a:pos x="connsiteX6" y="connsiteY6"/>
+                </a:cxn>
+                <a:cxn ang="0">
+                  <a:pos x="connsiteX7" y="connsiteY7"/>
+                </a:cxn>
+                <a:cxn ang="0">
+                  <a:pos x="connsiteX8" y="connsiteY8"/>
+                </a:cxn>
+              </a:cxnLst>
+              <a:rect l="l" t="t" r="r" b="b"/>
+              <a:pathLst>
+                <a:path w="3130221" h="3286732">
+                  <a:moveTo>
+                    <a:pt x="0" y="313022"/>
+                  </a:moveTo>
+                  <a:cubicBezTo>
+                    <a:pt x="0" y="140145"/>
+                    <a:pt x="140145" y="0"/>
+                    <a:pt x="313022" y="0"/>
+                  </a:cubicBezTo>
+                  <a:lnTo>
+                    <a:pt x="2817199" y="0"/>
+                  </a:lnTo>
+                  <a:cubicBezTo>
+                    <a:pt x="2990076" y="0"/>
+                    <a:pt x="3130221" y="140145"/>
+                    <a:pt x="3130221" y="313022"/>
+                  </a:cubicBezTo>
+                  <a:lnTo>
+                    <a:pt x="3130221" y="2973710"/>
+                  </a:lnTo>
+                  <a:cubicBezTo>
+                    <a:pt x="3130221" y="3146587"/>
+                    <a:pt x="2990076" y="3286732"/>
+                    <a:pt x="2817199" y="3286732"/>
+                  </a:cubicBezTo>
+                  <a:lnTo>
+                    <a:pt x="313022" y="3286732"/>
+                  </a:lnTo>
+                  <a:cubicBezTo>
+                    <a:pt x="140145" y="3286732"/>
+                    <a:pt x="0" y="3146587"/>
+                    <a:pt x="0" y="2973710"/>
+                  </a:cubicBezTo>
+                  <a:lnTo>
+                    <a:pt x="0" y="313022"/>
+                  </a:lnTo>
+                  <a:close/>
+                </a:path>
+              </a:pathLst>
+            </a:custGeom>
+          </p:spPr>
+          <p:style>
+            <a:lnRef idx="2">
+              <a:schemeClr val="lt1">
+                <a:hueOff val="0"/>
+                <a:satOff val="0"/>
+                <a:lumOff val="0"/>
+                <a:alphaOff val="0"/>
+              </a:schemeClr>
+            </a:lnRef>
+            <a:fillRef idx="1">
+              <a:schemeClr val="accent3">
+                <a:hueOff val="0"/>
+                <a:satOff val="0"/>
+                <a:lumOff val="0"/>
+                <a:alphaOff val="0"/>
+              </a:schemeClr>
+            </a:fillRef>
+            <a:effectRef idx="0">
+              <a:schemeClr val="accent3">
+                <a:hueOff val="0"/>
+                <a:satOff val="0"/>
+                <a:lumOff val="0"/>
+                <a:alphaOff val="0"/>
+              </a:schemeClr>
+            </a:effectRef>
+            <a:fontRef idx="minor">
+              <a:schemeClr val="lt1"/>
+            </a:fontRef>
+          </p:style>
+          <p:txBody>
+            <a:bodyPr spcFirstLastPara="0" vert="horz" wrap="square" lIns="198361" tIns="198361" rIns="198361" bIns="198361" numCol="1" spcCol="1270" anchor="ctr" anchorCtr="0">
+              <a:noAutofit/>
+            </a:bodyPr>
+            <a:lstStyle/>
+            <a:p>
+              <a:pPr lvl="0" algn="ctr" defTabSz="1244600">
+                <a:lnSpc>
+                  <a:spcPct val="90000"/>
+                </a:lnSpc>
+                <a:spcBef>
+                  <a:spcPct val="0"/>
+                </a:spcBef>
+                <a:spcAft>
+                  <a:spcPct val="35000"/>
+                </a:spcAft>
+              </a:pPr>
+              <a:r>
+                <a:rPr kumimoji="0" lang="en-US" sz="2800" b="0" i="0" u="none" strike="noStrike" kern="1200" cap="none" spc="0" normalizeH="0" baseline="0" noProof="0" dirty="0" smtClean="0">
+                  <a:ln/>
+                  <a:effectLst/>
+                  <a:uLnTx/>
+                  <a:uFillTx/>
+                </a:rPr>
+                <a:t>Worked examples developed for the 8 hardest problems to help students </a:t>
+              </a:r>
+            </a:p>
+          </p:txBody>
+        </p:sp>
+        <p:sp>
+          <p:nvSpPr>
+            <p:cNvPr id="18" name="Freeform 17"/>
+            <p:cNvSpPr/>
+            <p:nvPr/>
+          </p:nvSpPr>
+          <p:spPr>
+            <a:xfrm>
+              <a:off x="9190954" y="12684631"/>
+              <a:ext cx="663606" cy="776294"/>
+            </a:xfrm>
+            <a:custGeom>
+              <a:avLst/>
+              <a:gdLst>
+                <a:gd name="connsiteX0" fmla="*/ 0 w 663606"/>
+                <a:gd name="connsiteY0" fmla="*/ 155259 h 776294"/>
+                <a:gd name="connsiteX1" fmla="*/ 331803 w 663606"/>
+                <a:gd name="connsiteY1" fmla="*/ 155259 h 776294"/>
+                <a:gd name="connsiteX2" fmla="*/ 331803 w 663606"/>
+                <a:gd name="connsiteY2" fmla="*/ 0 h 776294"/>
+                <a:gd name="connsiteX3" fmla="*/ 663606 w 663606"/>
+                <a:gd name="connsiteY3" fmla="*/ 388147 h 776294"/>
+                <a:gd name="connsiteX4" fmla="*/ 331803 w 663606"/>
+                <a:gd name="connsiteY4" fmla="*/ 776294 h 776294"/>
+                <a:gd name="connsiteX5" fmla="*/ 331803 w 663606"/>
+                <a:gd name="connsiteY5" fmla="*/ 621035 h 776294"/>
+                <a:gd name="connsiteX6" fmla="*/ 0 w 663606"/>
+                <a:gd name="connsiteY6" fmla="*/ 621035 h 776294"/>
+                <a:gd name="connsiteX7" fmla="*/ 0 w 663606"/>
+                <a:gd name="connsiteY7" fmla="*/ 155259 h 776294"/>
+              </a:gdLst>
+              <a:ahLst/>
+              <a:cxnLst>
+                <a:cxn ang="0">
+                  <a:pos x="connsiteX0" y="connsiteY0"/>
+                </a:cxn>
+                <a:cxn ang="0">
+                  <a:pos x="connsiteX1" y="connsiteY1"/>
+                </a:cxn>
+                <a:cxn ang="0">
+                  <a:pos x="connsiteX2" y="connsiteY2"/>
+                </a:cxn>
+                <a:cxn ang="0">
+                  <a:pos x="connsiteX3" y="connsiteY3"/>
+                </a:cxn>
+                <a:cxn ang="0">
+                  <a:pos x="connsiteX4" y="connsiteY4"/>
+                </a:cxn>
+                <a:cxn ang="0">
+                  <a:pos x="connsiteX5" y="connsiteY5"/>
+                </a:cxn>
+                <a:cxn ang="0">
+                  <a:pos x="connsiteX6" y="connsiteY6"/>
+                </a:cxn>
+                <a:cxn ang="0">
+                  <a:pos x="connsiteX7" y="connsiteY7"/>
+                </a:cxn>
+              </a:cxnLst>
+              <a:rect l="l" t="t" r="r" b="b"/>
+              <a:pathLst>
+                <a:path w="663606" h="776294">
+                  <a:moveTo>
+                    <a:pt x="0" y="155259"/>
+                  </a:moveTo>
+                  <a:lnTo>
+                    <a:pt x="331803" y="155259"/>
+                  </a:lnTo>
+                  <a:lnTo>
+                    <a:pt x="331803" y="0"/>
+                  </a:lnTo>
+                  <a:lnTo>
+                    <a:pt x="663606" y="388147"/>
+                  </a:lnTo>
+                  <a:lnTo>
+                    <a:pt x="331803" y="776294"/>
+                  </a:lnTo>
+                  <a:lnTo>
+                    <a:pt x="331803" y="621035"/>
+                  </a:lnTo>
+                  <a:lnTo>
+                    <a:pt x="0" y="621035"/>
+                  </a:lnTo>
+                  <a:lnTo>
+                    <a:pt x="0" y="155259"/>
+                  </a:lnTo>
+                  <a:close/>
+                </a:path>
+              </a:pathLst>
+            </a:custGeom>
+          </p:spPr>
+          <p:style>
+            <a:lnRef idx="0">
+              <a:schemeClr val="lt1">
+                <a:hueOff val="0"/>
+                <a:satOff val="0"/>
+                <a:lumOff val="0"/>
+                <a:alphaOff val="0"/>
+              </a:schemeClr>
+            </a:lnRef>
+            <a:fillRef idx="1">
+              <a:schemeClr val="accent3">
+                <a:hueOff val="0"/>
+                <a:satOff val="0"/>
+                <a:lumOff val="0"/>
+                <a:alphaOff val="0"/>
+              </a:schemeClr>
+            </a:fillRef>
+            <a:effectRef idx="0">
+              <a:schemeClr val="accent3">
+                <a:hueOff val="0"/>
+                <a:satOff val="0"/>
+                <a:lumOff val="0"/>
+                <a:alphaOff val="0"/>
+              </a:schemeClr>
+            </a:effectRef>
+            <a:fontRef idx="minor">
+              <a:schemeClr val="lt1"/>
+            </a:fontRef>
+          </p:style>
+          <p:txBody>
+            <a:bodyPr spcFirstLastPara="0" vert="horz" wrap="square" lIns="0" tIns="155259" rIns="199082" bIns="155259" numCol="1" spcCol="1270" anchor="ctr" anchorCtr="0">
+              <a:noAutofit/>
+            </a:bodyPr>
+            <a:lstStyle/>
+            <a:p>
+              <a:pPr lvl="0" algn="ctr" defTabSz="1466850">
+                <a:lnSpc>
+                  <a:spcPct val="90000"/>
+                </a:lnSpc>
+                <a:spcBef>
+                  <a:spcPct val="0"/>
+                </a:spcBef>
+                <a:spcAft>
+                  <a:spcPct val="35000"/>
+                </a:spcAft>
+              </a:pPr>
+              <a:endParaRPr lang="en-US" sz="3300" kern="1200"/>
+            </a:p>
+          </p:txBody>
+        </p:sp>
+        <p:sp>
+          <p:nvSpPr>
+            <p:cNvPr id="19" name="Freeform 18"/>
+            <p:cNvSpPr/>
+            <p:nvPr/>
+          </p:nvSpPr>
+          <p:spPr>
+            <a:xfrm>
+              <a:off x="10130020" y="11429412"/>
+              <a:ext cx="3130221" cy="3286732"/>
+            </a:xfrm>
+            <a:custGeom>
+              <a:avLst/>
+              <a:gdLst>
+                <a:gd name="connsiteX0" fmla="*/ 0 w 3130221"/>
+                <a:gd name="connsiteY0" fmla="*/ 313022 h 3286732"/>
+                <a:gd name="connsiteX1" fmla="*/ 313022 w 3130221"/>
+                <a:gd name="connsiteY1" fmla="*/ 0 h 3286732"/>
+                <a:gd name="connsiteX2" fmla="*/ 2817199 w 3130221"/>
+                <a:gd name="connsiteY2" fmla="*/ 0 h 3286732"/>
+                <a:gd name="connsiteX3" fmla="*/ 3130221 w 3130221"/>
+                <a:gd name="connsiteY3" fmla="*/ 313022 h 3286732"/>
+                <a:gd name="connsiteX4" fmla="*/ 3130221 w 3130221"/>
+                <a:gd name="connsiteY4" fmla="*/ 2973710 h 3286732"/>
+                <a:gd name="connsiteX5" fmla="*/ 2817199 w 3130221"/>
+                <a:gd name="connsiteY5" fmla="*/ 3286732 h 3286732"/>
+                <a:gd name="connsiteX6" fmla="*/ 313022 w 3130221"/>
+                <a:gd name="connsiteY6" fmla="*/ 3286732 h 3286732"/>
+                <a:gd name="connsiteX7" fmla="*/ 0 w 3130221"/>
+                <a:gd name="connsiteY7" fmla="*/ 2973710 h 3286732"/>
+                <a:gd name="connsiteX8" fmla="*/ 0 w 3130221"/>
+                <a:gd name="connsiteY8" fmla="*/ 313022 h 3286732"/>
+              </a:gdLst>
+              <a:ahLst/>
+              <a:cxnLst>
+                <a:cxn ang="0">
+                  <a:pos x="connsiteX0" y="connsiteY0"/>
+                </a:cxn>
+                <a:cxn ang="0">
+                  <a:pos x="connsiteX1" y="connsiteY1"/>
+                </a:cxn>
+                <a:cxn ang="0">
+                  <a:pos x="connsiteX2" y="connsiteY2"/>
+                </a:cxn>
+                <a:cxn ang="0">
+                  <a:pos x="connsiteX3" y="connsiteY3"/>
+                </a:cxn>
+                <a:cxn ang="0">
+                  <a:pos x="connsiteX4" y="connsiteY4"/>
+                </a:cxn>
+                <a:cxn ang="0">
+                  <a:pos x="connsiteX5" y="connsiteY5"/>
+                </a:cxn>
+                <a:cxn ang="0">
+                  <a:pos x="connsiteX6" y="connsiteY6"/>
+                </a:cxn>
+                <a:cxn ang="0">
+                  <a:pos x="connsiteX7" y="connsiteY7"/>
+                </a:cxn>
+                <a:cxn ang="0">
+                  <a:pos x="connsiteX8" y="connsiteY8"/>
+                </a:cxn>
+              </a:cxnLst>
+              <a:rect l="l" t="t" r="r" b="b"/>
+              <a:pathLst>
+                <a:path w="3130221" h="3286732">
+                  <a:moveTo>
+                    <a:pt x="0" y="313022"/>
+                  </a:moveTo>
+                  <a:cubicBezTo>
+                    <a:pt x="0" y="140145"/>
+                    <a:pt x="140145" y="0"/>
+                    <a:pt x="313022" y="0"/>
+                  </a:cubicBezTo>
+                  <a:lnTo>
+                    <a:pt x="2817199" y="0"/>
+                  </a:lnTo>
+                  <a:cubicBezTo>
+                    <a:pt x="2990076" y="0"/>
+                    <a:pt x="3130221" y="140145"/>
+                    <a:pt x="3130221" y="313022"/>
+                  </a:cubicBezTo>
+                  <a:lnTo>
+                    <a:pt x="3130221" y="2973710"/>
+                  </a:lnTo>
+                  <a:cubicBezTo>
+                    <a:pt x="3130221" y="3146587"/>
+                    <a:pt x="2990076" y="3286732"/>
+                    <a:pt x="2817199" y="3286732"/>
+                  </a:cubicBezTo>
+                  <a:lnTo>
+                    <a:pt x="313022" y="3286732"/>
+                  </a:lnTo>
+                  <a:cubicBezTo>
+                    <a:pt x="140145" y="3286732"/>
+                    <a:pt x="0" y="3146587"/>
+                    <a:pt x="0" y="2973710"/>
+                  </a:cubicBezTo>
+                  <a:lnTo>
+                    <a:pt x="0" y="313022"/>
+                  </a:lnTo>
+                  <a:close/>
+                </a:path>
+              </a:pathLst>
+            </a:custGeom>
+            <a:solidFill>
+              <a:srgbClr val="9DC3E6"/>
+            </a:solidFill>
+          </p:spPr>
+          <p:style>
+            <a:lnRef idx="2">
+              <a:schemeClr val="lt1">
+                <a:hueOff val="0"/>
+                <a:satOff val="0"/>
+                <a:lumOff val="0"/>
+                <a:alphaOff val="0"/>
+              </a:schemeClr>
+            </a:lnRef>
+            <a:fillRef idx="1">
+              <a:scrgbClr r="0" g="0" b="0"/>
+            </a:fillRef>
+            <a:effectRef idx="0">
+              <a:schemeClr val="accent4">
+                <a:hueOff val="0"/>
+                <a:satOff val="0"/>
+                <a:lumOff val="0"/>
+                <a:alphaOff val="0"/>
+              </a:schemeClr>
+            </a:effectRef>
+            <a:fontRef idx="minor">
+              <a:schemeClr val="lt1"/>
+            </a:fontRef>
+          </p:style>
+          <p:txBody>
+            <a:bodyPr spcFirstLastPara="0" vert="horz" wrap="square" lIns="198361" tIns="198361" rIns="198361" bIns="198361" numCol="1" spcCol="1270" anchor="ctr" anchorCtr="0">
+              <a:noAutofit/>
+            </a:bodyPr>
+            <a:lstStyle/>
+            <a:p>
+              <a:pPr lvl="0" algn="ctr" defTabSz="1244600">
+                <a:lnSpc>
+                  <a:spcPct val="90000"/>
+                </a:lnSpc>
+                <a:spcBef>
+                  <a:spcPct val="0"/>
+                </a:spcBef>
+                <a:spcAft>
+                  <a:spcPct val="35000"/>
+                </a:spcAft>
+              </a:pPr>
+              <a:r>
+                <a:rPr lang="en-US" sz="2800" kern="1200" dirty="0" smtClean="0"/>
+                <a:t>Links to relevant worked example provide on targeted problems</a:t>
+              </a:r>
+              <a:endParaRPr kumimoji="0" lang="en-US" sz="2800" b="0" i="0" u="none" strike="noStrike" kern="1200" cap="none" spc="0" normalizeH="0" baseline="0" noProof="0" dirty="0" smtClean="0">
+                <a:ln/>
+                <a:effectLst/>
+                <a:uLnTx/>
+                <a:uFillTx/>
+              </a:endParaRPr>
+            </a:p>
+          </p:txBody>
+        </p:sp>
+        <p:sp>
+          <p:nvSpPr>
+            <p:cNvPr id="20" name="Freeform 19"/>
+            <p:cNvSpPr/>
+            <p:nvPr/>
+          </p:nvSpPr>
+          <p:spPr>
+            <a:xfrm>
+              <a:off x="13573264" y="12684631"/>
+              <a:ext cx="663606" cy="776294"/>
+            </a:xfrm>
+            <a:custGeom>
+              <a:avLst/>
+              <a:gdLst>
+                <a:gd name="connsiteX0" fmla="*/ 0 w 663606"/>
+                <a:gd name="connsiteY0" fmla="*/ 155259 h 776294"/>
+                <a:gd name="connsiteX1" fmla="*/ 331803 w 663606"/>
+                <a:gd name="connsiteY1" fmla="*/ 155259 h 776294"/>
+                <a:gd name="connsiteX2" fmla="*/ 331803 w 663606"/>
+                <a:gd name="connsiteY2" fmla="*/ 0 h 776294"/>
+                <a:gd name="connsiteX3" fmla="*/ 663606 w 663606"/>
+                <a:gd name="connsiteY3" fmla="*/ 388147 h 776294"/>
+                <a:gd name="connsiteX4" fmla="*/ 331803 w 663606"/>
+                <a:gd name="connsiteY4" fmla="*/ 776294 h 776294"/>
+                <a:gd name="connsiteX5" fmla="*/ 331803 w 663606"/>
+                <a:gd name="connsiteY5" fmla="*/ 621035 h 776294"/>
+                <a:gd name="connsiteX6" fmla="*/ 0 w 663606"/>
+                <a:gd name="connsiteY6" fmla="*/ 621035 h 776294"/>
+                <a:gd name="connsiteX7" fmla="*/ 0 w 663606"/>
+                <a:gd name="connsiteY7" fmla="*/ 155259 h 776294"/>
+              </a:gdLst>
+              <a:ahLst/>
+              <a:cxnLst>
+                <a:cxn ang="0">
+                  <a:pos x="connsiteX0" y="connsiteY0"/>
+                </a:cxn>
+                <a:cxn ang="0">
+                  <a:pos x="connsiteX1" y="connsiteY1"/>
+                </a:cxn>
+                <a:cxn ang="0">
+                  <a:pos x="connsiteX2" y="connsiteY2"/>
+                </a:cxn>
+                <a:cxn ang="0">
+                  <a:pos x="connsiteX3" y="connsiteY3"/>
+                </a:cxn>
+                <a:cxn ang="0">
+                  <a:pos x="connsiteX4" y="connsiteY4"/>
+                </a:cxn>
+                <a:cxn ang="0">
+                  <a:pos x="connsiteX5" y="connsiteY5"/>
+                </a:cxn>
+                <a:cxn ang="0">
+                  <a:pos x="connsiteX6" y="connsiteY6"/>
+                </a:cxn>
+                <a:cxn ang="0">
+                  <a:pos x="connsiteX7" y="connsiteY7"/>
+                </a:cxn>
+              </a:cxnLst>
+              <a:rect l="l" t="t" r="r" b="b"/>
+              <a:pathLst>
+                <a:path w="663606" h="776294">
+                  <a:moveTo>
+                    <a:pt x="0" y="155259"/>
+                  </a:moveTo>
+                  <a:lnTo>
+                    <a:pt x="331803" y="155259"/>
+                  </a:lnTo>
+                  <a:lnTo>
+                    <a:pt x="331803" y="0"/>
+                  </a:lnTo>
+                  <a:lnTo>
+                    <a:pt x="663606" y="388147"/>
+                  </a:lnTo>
+                  <a:lnTo>
+                    <a:pt x="331803" y="776294"/>
+                  </a:lnTo>
+                  <a:lnTo>
+                    <a:pt x="331803" y="621035"/>
+                  </a:lnTo>
+                  <a:lnTo>
+                    <a:pt x="0" y="621035"/>
+                  </a:lnTo>
+                  <a:lnTo>
+                    <a:pt x="0" y="155259"/>
+                  </a:lnTo>
+                  <a:close/>
+                </a:path>
+              </a:pathLst>
+            </a:custGeom>
+            <a:solidFill>
+              <a:srgbClr val="9DC3E6"/>
+            </a:solidFill>
+          </p:spPr>
+          <p:style>
+            <a:lnRef idx="0">
+              <a:schemeClr val="lt1">
+                <a:hueOff val="0"/>
+                <a:satOff val="0"/>
+                <a:lumOff val="0"/>
+                <a:alphaOff val="0"/>
+              </a:schemeClr>
+            </a:lnRef>
+            <a:fillRef idx="1">
+              <a:scrgbClr r="0" g="0" b="0"/>
+            </a:fillRef>
+            <a:effectRef idx="0">
+              <a:schemeClr val="accent4">
+                <a:hueOff val="0"/>
+                <a:satOff val="0"/>
+                <a:lumOff val="0"/>
+                <a:alphaOff val="0"/>
+              </a:schemeClr>
+            </a:effectRef>
+            <a:fontRef idx="minor">
+              <a:schemeClr val="lt1"/>
+            </a:fontRef>
+          </p:style>
+          <p:txBody>
+            <a:bodyPr spcFirstLastPara="0" vert="horz" wrap="square" lIns="0" tIns="155259" rIns="199082" bIns="155259" numCol="1" spcCol="1270" anchor="ctr" anchorCtr="0">
+              <a:noAutofit/>
+            </a:bodyPr>
+            <a:lstStyle/>
+            <a:p>
+              <a:pPr lvl="0" algn="ctr" defTabSz="1466850">
+                <a:lnSpc>
+                  <a:spcPct val="90000"/>
+                </a:lnSpc>
+                <a:spcBef>
+                  <a:spcPct val="0"/>
+                </a:spcBef>
+                <a:spcAft>
+                  <a:spcPct val="35000"/>
+                </a:spcAft>
+              </a:pPr>
+              <a:endParaRPr lang="en-US" sz="3300" kern="1200"/>
+            </a:p>
+          </p:txBody>
+        </p:sp>
+        <p:sp>
+          <p:nvSpPr>
+            <p:cNvPr id="21" name="Freeform 20"/>
+            <p:cNvSpPr/>
+            <p:nvPr/>
+          </p:nvSpPr>
+          <p:spPr>
+            <a:xfrm>
+              <a:off x="14512331" y="11429412"/>
+              <a:ext cx="3130221" cy="3286732"/>
+            </a:xfrm>
+            <a:custGeom>
+              <a:avLst/>
+              <a:gdLst>
+                <a:gd name="connsiteX0" fmla="*/ 0 w 3130221"/>
+                <a:gd name="connsiteY0" fmla="*/ 313022 h 3286732"/>
+                <a:gd name="connsiteX1" fmla="*/ 313022 w 3130221"/>
+                <a:gd name="connsiteY1" fmla="*/ 0 h 3286732"/>
+                <a:gd name="connsiteX2" fmla="*/ 2817199 w 3130221"/>
+                <a:gd name="connsiteY2" fmla="*/ 0 h 3286732"/>
+                <a:gd name="connsiteX3" fmla="*/ 3130221 w 3130221"/>
+                <a:gd name="connsiteY3" fmla="*/ 313022 h 3286732"/>
+                <a:gd name="connsiteX4" fmla="*/ 3130221 w 3130221"/>
+                <a:gd name="connsiteY4" fmla="*/ 2973710 h 3286732"/>
+                <a:gd name="connsiteX5" fmla="*/ 2817199 w 3130221"/>
+                <a:gd name="connsiteY5" fmla="*/ 3286732 h 3286732"/>
+                <a:gd name="connsiteX6" fmla="*/ 313022 w 3130221"/>
+                <a:gd name="connsiteY6" fmla="*/ 3286732 h 3286732"/>
+                <a:gd name="connsiteX7" fmla="*/ 0 w 3130221"/>
+                <a:gd name="connsiteY7" fmla="*/ 2973710 h 3286732"/>
+                <a:gd name="connsiteX8" fmla="*/ 0 w 3130221"/>
+                <a:gd name="connsiteY8" fmla="*/ 313022 h 3286732"/>
+              </a:gdLst>
+              <a:ahLst/>
+              <a:cxnLst>
+                <a:cxn ang="0">
+                  <a:pos x="connsiteX0" y="connsiteY0"/>
+                </a:cxn>
+                <a:cxn ang="0">
+                  <a:pos x="connsiteX1" y="connsiteY1"/>
+                </a:cxn>
+                <a:cxn ang="0">
+                  <a:pos x="connsiteX2" y="connsiteY2"/>
+                </a:cxn>
+                <a:cxn ang="0">
+                  <a:pos x="connsiteX3" y="connsiteY3"/>
+                </a:cxn>
+                <a:cxn ang="0">
+                  <a:pos x="connsiteX4" y="connsiteY4"/>
+                </a:cxn>
+                <a:cxn ang="0">
+                  <a:pos x="connsiteX5" y="connsiteY5"/>
+                </a:cxn>
+                <a:cxn ang="0">
+                  <a:pos x="connsiteX6" y="connsiteY6"/>
+                </a:cxn>
+                <a:cxn ang="0">
+                  <a:pos x="connsiteX7" y="connsiteY7"/>
+                </a:cxn>
+                <a:cxn ang="0">
+                  <a:pos x="connsiteX8" y="connsiteY8"/>
+                </a:cxn>
+              </a:cxnLst>
+              <a:rect l="l" t="t" r="r" b="b"/>
+              <a:pathLst>
+                <a:path w="3130221" h="3286732">
+                  <a:moveTo>
+                    <a:pt x="0" y="313022"/>
+                  </a:moveTo>
+                  <a:cubicBezTo>
+                    <a:pt x="0" y="140145"/>
+                    <a:pt x="140145" y="0"/>
+                    <a:pt x="313022" y="0"/>
+                  </a:cubicBezTo>
+                  <a:lnTo>
+                    <a:pt x="2817199" y="0"/>
+                  </a:lnTo>
+                  <a:cubicBezTo>
+                    <a:pt x="2990076" y="0"/>
+                    <a:pt x="3130221" y="140145"/>
+                    <a:pt x="3130221" y="313022"/>
+                  </a:cubicBezTo>
+                  <a:lnTo>
+                    <a:pt x="3130221" y="2973710"/>
+                  </a:lnTo>
+                  <a:cubicBezTo>
+                    <a:pt x="3130221" y="3146587"/>
+                    <a:pt x="2990076" y="3286732"/>
+                    <a:pt x="2817199" y="3286732"/>
+                  </a:cubicBezTo>
+                  <a:lnTo>
+                    <a:pt x="313022" y="3286732"/>
+                  </a:lnTo>
+                  <a:cubicBezTo>
+                    <a:pt x="140145" y="3286732"/>
+                    <a:pt x="0" y="3146587"/>
+                    <a:pt x="0" y="2973710"/>
+                  </a:cubicBezTo>
+                  <a:lnTo>
+                    <a:pt x="0" y="313022"/>
+                  </a:lnTo>
+                  <a:close/>
+                </a:path>
+              </a:pathLst>
+            </a:custGeom>
+          </p:spPr>
+          <p:style>
+            <a:lnRef idx="2">
+              <a:schemeClr val="lt1">
+                <a:hueOff val="0"/>
+                <a:satOff val="0"/>
+                <a:lumOff val="0"/>
+                <a:alphaOff val="0"/>
+              </a:schemeClr>
+            </a:lnRef>
+            <a:fillRef idx="1">
+              <a:schemeClr val="accent5">
+                <a:hueOff val="0"/>
+                <a:satOff val="0"/>
+                <a:lumOff val="0"/>
+                <a:alphaOff val="0"/>
+              </a:schemeClr>
+            </a:fillRef>
+            <a:effectRef idx="0">
+              <a:schemeClr val="accent5">
+                <a:hueOff val="0"/>
+                <a:satOff val="0"/>
+                <a:lumOff val="0"/>
+                <a:alphaOff val="0"/>
+              </a:schemeClr>
+            </a:effectRef>
+            <a:fontRef idx="minor">
+              <a:schemeClr val="lt1"/>
+            </a:fontRef>
+          </p:style>
+          <p:txBody>
+            <a:bodyPr spcFirstLastPara="0" vert="horz" wrap="square" lIns="198361" tIns="198361" rIns="198361" bIns="198361" numCol="1" spcCol="1270" anchor="ctr" anchorCtr="0">
+              <a:noAutofit/>
+            </a:bodyPr>
+            <a:lstStyle/>
+            <a:p>
+              <a:pPr lvl="0" algn="ctr" defTabSz="1244600">
+                <a:lnSpc>
+                  <a:spcPct val="90000"/>
+                </a:lnSpc>
+                <a:spcBef>
+                  <a:spcPct val="0"/>
+                </a:spcBef>
+                <a:spcAft>
+                  <a:spcPct val="35000"/>
+                </a:spcAft>
+              </a:pPr>
+              <a:r>
+                <a:rPr lang="en-US" sz="2800" kern="1200" dirty="0" smtClean="0"/>
+                <a:t>Performance and usage data collected for problems with worked examples</a:t>
+              </a:r>
+              <a:endParaRPr lang="en-US" sz="2800" kern="1200" dirty="0"/>
+            </a:p>
+          </p:txBody>
+        </p:sp>
+      </p:grpSp>
       <p:sp>
         <p:nvSpPr>
           <p:cNvPr id="9" name="Rectangle 8"/>
@@ -6743,7 +4769,7 @@
           <p:cNvPr id="104" name="Rectangle 103">
             <a:extLst>
               <a:ext uri="{FF2B5EF4-FFF2-40B4-BE49-F238E27FC236}">
-                <a16:creationId xmlns:a16="http://schemas.microsoft.com/office/drawing/2014/main" xmlns="" id="{E51E88F7-F65B-470C-87CB-D43E19950A9A}"/>
+                <a16:creationId xmlns="" xmlns:a16="http://schemas.microsoft.com/office/drawing/2014/main" id="{E51E88F7-F65B-470C-87CB-D43E19950A9A}"/>
               </a:ext>
             </a:extLst>
           </p:cNvPr>
@@ -6814,7 +4840,7 @@
           <p:cNvPr id="105" name="Rectangle 104">
             <a:extLst>
               <a:ext uri="{FF2B5EF4-FFF2-40B4-BE49-F238E27FC236}">
-                <a16:creationId xmlns:a16="http://schemas.microsoft.com/office/drawing/2014/main" xmlns="" id="{2E2BA1EF-B6C2-431A-92F4-0886DB4B80C1}"/>
+                <a16:creationId xmlns="" xmlns:a16="http://schemas.microsoft.com/office/drawing/2014/main" id="{2E2BA1EF-B6C2-431A-92F4-0886DB4B80C1}"/>
               </a:ext>
             </a:extLst>
           </p:cNvPr>
@@ -6885,7 +4911,7 @@
           <p:cNvPr id="106" name="Rectangle 105">
             <a:extLst>
               <a:ext uri="{FF2B5EF4-FFF2-40B4-BE49-F238E27FC236}">
-                <a16:creationId xmlns:a16="http://schemas.microsoft.com/office/drawing/2014/main" xmlns="" id="{1C78FB0C-4742-487A-A5CE-D41534C72408}"/>
+                <a16:creationId xmlns="" xmlns:a16="http://schemas.microsoft.com/office/drawing/2014/main" id="{1C78FB0C-4742-487A-A5CE-D41534C72408}"/>
               </a:ext>
             </a:extLst>
           </p:cNvPr>
@@ -6956,7 +4982,7 @@
           <p:cNvPr id="108" name="Rectangle 107">
             <a:extLst>
               <a:ext uri="{FF2B5EF4-FFF2-40B4-BE49-F238E27FC236}">
-                <a16:creationId xmlns:a16="http://schemas.microsoft.com/office/drawing/2014/main" xmlns="" id="{B3DF5761-9DC0-4F21-95BE-C6B53773E6E7}"/>
+                <a16:creationId xmlns="" xmlns:a16="http://schemas.microsoft.com/office/drawing/2014/main" id="{B3DF5761-9DC0-4F21-95BE-C6B53773E6E7}"/>
               </a:ext>
             </a:extLst>
           </p:cNvPr>
@@ -7030,7 +5056,7 @@
           <p:cNvPr id="109" name="TextBox 108">
             <a:extLst>
               <a:ext uri="{FF2B5EF4-FFF2-40B4-BE49-F238E27FC236}">
-                <a16:creationId xmlns:a16="http://schemas.microsoft.com/office/drawing/2014/main" xmlns="" id="{BBB59D62-EC52-41A7-9D3D-648045BC0B01}"/>
+                <a16:creationId xmlns="" xmlns:a16="http://schemas.microsoft.com/office/drawing/2014/main" id="{BBB59D62-EC52-41A7-9D3D-648045BC0B01}"/>
               </a:ext>
             </a:extLst>
           </p:cNvPr>
@@ -7285,7 +5311,7 @@
           <p:cNvPr id="110" name="TextBox 109">
             <a:extLst>
               <a:ext uri="{FF2B5EF4-FFF2-40B4-BE49-F238E27FC236}">
-                <a16:creationId xmlns:a16="http://schemas.microsoft.com/office/drawing/2014/main" xmlns="" id="{71592788-53EC-4EEF-AA5A-CE75DA837C00}"/>
+                <a16:creationId xmlns="" xmlns:a16="http://schemas.microsoft.com/office/drawing/2014/main" id="{71592788-53EC-4EEF-AA5A-CE75DA837C00}"/>
               </a:ext>
             </a:extLst>
           </p:cNvPr>
@@ -7394,7 +5420,7 @@
           <p:cNvPr id="111" name="TextBox 110">
             <a:extLst>
               <a:ext uri="{FF2B5EF4-FFF2-40B4-BE49-F238E27FC236}">
-                <a16:creationId xmlns:a16="http://schemas.microsoft.com/office/drawing/2014/main" xmlns="" id="{EF11A923-CF9B-4045-8A10-E4093ED6558D}"/>
+                <a16:creationId xmlns="" xmlns:a16="http://schemas.microsoft.com/office/drawing/2014/main" id="{EF11A923-CF9B-4045-8A10-E4093ED6558D}"/>
               </a:ext>
             </a:extLst>
           </p:cNvPr>
@@ -7638,7 +5664,7 @@
           <p:cNvPr id="112" name="TextBox 111">
             <a:extLst>
               <a:ext uri="{FF2B5EF4-FFF2-40B4-BE49-F238E27FC236}">
-                <a16:creationId xmlns:a16="http://schemas.microsoft.com/office/drawing/2014/main" xmlns="" id="{43A9AF3C-287E-4781-983F-09E0D213D149}"/>
+                <a16:creationId xmlns="" xmlns:a16="http://schemas.microsoft.com/office/drawing/2014/main" id="{43A9AF3C-287E-4781-983F-09E0D213D149}"/>
               </a:ext>
             </a:extLst>
           </p:cNvPr>
@@ -7868,21 +5894,7 @@
                 <a:uLnTx/>
                 <a:uFillTx/>
               </a:rPr>
-              <a:t> labeled examples can improve performance </a:t>
-            </a:r>
-            <a:r>
-              <a:rPr kumimoji="0" lang="en-US" sz="3000" b="0" i="0" u="none" strike="noStrike" kern="0" cap="none" spc="0" normalizeH="0" baseline="0" noProof="0" dirty="0" smtClean="0">
-                <a:ln>
-                  <a:noFill/>
-                </a:ln>
-                <a:solidFill>
-                  <a:prstClr val="black"/>
-                </a:solidFill>
-                <a:effectLst/>
-                <a:uLnTx/>
-                <a:uFillTx/>
-              </a:rPr>
-              <a:t>[1]</a:t>
+              <a:t> labeled examples can improve performance [1]</a:t>
             </a:r>
             <a:endParaRPr kumimoji="0" lang="en-US" sz="3000" b="0" i="0" u="none" strike="noStrike" kern="0" cap="none" spc="0" normalizeH="0" baseline="0" noProof="0" dirty="0">
               <a:ln>
@@ -8124,7 +6136,7 @@
           <p:cNvPr id="113" name="TextBox 112">
             <a:extLst>
               <a:ext uri="{FF2B5EF4-FFF2-40B4-BE49-F238E27FC236}">
-                <a16:creationId xmlns:a16="http://schemas.microsoft.com/office/drawing/2014/main" xmlns="" id="{73A58624-21DC-4C8A-8C16-907CF167DF95}"/>
+                <a16:creationId xmlns="" xmlns:a16="http://schemas.microsoft.com/office/drawing/2014/main" id="{73A58624-21DC-4C8A-8C16-907CF167DF95}"/>
               </a:ext>
             </a:extLst>
           </p:cNvPr>
@@ -8434,7 +6446,7 @@
           <p:cNvPr id="114" name="TextBox 113">
             <a:extLst>
               <a:ext uri="{FF2B5EF4-FFF2-40B4-BE49-F238E27FC236}">
-                <a16:creationId xmlns:a16="http://schemas.microsoft.com/office/drawing/2014/main" xmlns="" id="{DC4258F0-9668-4C68-9BC5-DAF12E2BB118}"/>
+                <a16:creationId xmlns="" xmlns:a16="http://schemas.microsoft.com/office/drawing/2014/main" id="{DC4258F0-9668-4C68-9BC5-DAF12E2BB118}"/>
               </a:ext>
             </a:extLst>
           </p:cNvPr>
@@ -8626,7 +6638,7 @@
           <p:cNvPr id="116" name="TextBox 115">
             <a:extLst>
               <a:ext uri="{FF2B5EF4-FFF2-40B4-BE49-F238E27FC236}">
-                <a16:creationId xmlns:a16="http://schemas.microsoft.com/office/drawing/2014/main" xmlns="" id="{8627D187-FAAE-4FF1-B9A8-F7755A06D48D}"/>
+                <a16:creationId xmlns="" xmlns:a16="http://schemas.microsoft.com/office/drawing/2014/main" id="{8627D187-FAAE-4FF1-B9A8-F7755A06D48D}"/>
               </a:ext>
             </a:extLst>
           </p:cNvPr>
@@ -9422,7 +7434,7 @@
           <p:cNvPr id="117" name="TextBox 116">
             <a:extLst>
               <a:ext uri="{FF2B5EF4-FFF2-40B4-BE49-F238E27FC236}">
-                <a16:creationId xmlns:a16="http://schemas.microsoft.com/office/drawing/2014/main" xmlns="" id="{67554E3C-1588-4343-AE5D-2C4088772181}"/>
+                <a16:creationId xmlns="" xmlns:a16="http://schemas.microsoft.com/office/drawing/2014/main" id="{67554E3C-1588-4343-AE5D-2C4088772181}"/>
               </a:ext>
             </a:extLst>
           </p:cNvPr>
@@ -9951,7 +7963,7 @@
           <p:cNvPr id="118" name="TextBox 117">
             <a:extLst>
               <a:ext uri="{FF2B5EF4-FFF2-40B4-BE49-F238E27FC236}">
-                <a16:creationId xmlns:a16="http://schemas.microsoft.com/office/drawing/2014/main" xmlns="" id="{639AF7D8-0BFC-4E1B-B1C5-8A026516C1F6}"/>
+                <a16:creationId xmlns="" xmlns:a16="http://schemas.microsoft.com/office/drawing/2014/main" id="{639AF7D8-0BFC-4E1B-B1C5-8A026516C1F6}"/>
               </a:ext>
             </a:extLst>
           </p:cNvPr>
@@ -10016,7 +8028,7 @@
           <p:cNvPr id="120" name="Table 119">
             <a:extLst>
               <a:ext uri="{FF2B5EF4-FFF2-40B4-BE49-F238E27FC236}">
-                <a16:creationId xmlns:a16="http://schemas.microsoft.com/office/drawing/2014/main" xmlns="" id="{89F88399-0D19-4BB7-BCCD-49A8AA6C633C}"/>
+                <a16:creationId xmlns="" xmlns:a16="http://schemas.microsoft.com/office/drawing/2014/main" id="{89F88399-0D19-4BB7-BCCD-49A8AA6C633C}"/>
               </a:ext>
             </a:extLst>
           </p:cNvPr>
@@ -10043,28 +8055,28 @@
                 <a:gridCol w="658172">
                   <a:extLst>
                     <a:ext uri="{9D8B030D-6E8A-4147-A177-3AD203B41FA5}">
-                      <a16:colId xmlns:a16="http://schemas.microsoft.com/office/drawing/2014/main" xmlns="" val="1246494410"/>
+                      <a16:colId xmlns="" xmlns:a16="http://schemas.microsoft.com/office/drawing/2014/main" val="1246494410"/>
                     </a:ext>
                   </a:extLst>
                 </a:gridCol>
                 <a:gridCol w="1506152">
                   <a:extLst>
                     <a:ext uri="{9D8B030D-6E8A-4147-A177-3AD203B41FA5}">
-                      <a16:colId xmlns:a16="http://schemas.microsoft.com/office/drawing/2014/main" xmlns="" val="3707486989"/>
+                      <a16:colId xmlns="" xmlns:a16="http://schemas.microsoft.com/office/drawing/2014/main" val="3707486989"/>
                     </a:ext>
                   </a:extLst>
                 </a:gridCol>
                 <a:gridCol w="1583914">
                   <a:extLst>
                     <a:ext uri="{9D8B030D-6E8A-4147-A177-3AD203B41FA5}">
-                      <a16:colId xmlns:a16="http://schemas.microsoft.com/office/drawing/2014/main" xmlns="" val="2676852081"/>
+                      <a16:colId xmlns="" xmlns:a16="http://schemas.microsoft.com/office/drawing/2014/main" val="2676852081"/>
                     </a:ext>
                   </a:extLst>
                 </a:gridCol>
                 <a:gridCol w="658170">
                   <a:extLst>
                     <a:ext uri="{9D8B030D-6E8A-4147-A177-3AD203B41FA5}">
-                      <a16:colId xmlns:a16="http://schemas.microsoft.com/office/drawing/2014/main" xmlns="" val="3454277832"/>
+                      <a16:colId xmlns="" xmlns:a16="http://schemas.microsoft.com/office/drawing/2014/main" val="3454277832"/>
                     </a:ext>
                   </a:extLst>
                 </a:gridCol>
@@ -10544,7 +8556,7 @@
                 </a:tc>
                 <a:extLst>
                   <a:ext uri="{0D108BD9-81ED-4DB2-BD59-A6C34878D82A}">
-                    <a16:rowId xmlns:a16="http://schemas.microsoft.com/office/drawing/2014/main" xmlns="" val="2084501009"/>
+                    <a16:rowId xmlns="" xmlns:a16="http://schemas.microsoft.com/office/drawing/2014/main" val="2084501009"/>
                   </a:ext>
                 </a:extLst>
               </a:tr>
@@ -11037,7 +9049,7 @@
                 </a:tc>
                 <a:extLst>
                   <a:ext uri="{0D108BD9-81ED-4DB2-BD59-A6C34878D82A}">
-                    <a16:rowId xmlns:a16="http://schemas.microsoft.com/office/drawing/2014/main" xmlns="" val="2612314924"/>
+                    <a16:rowId xmlns="" xmlns:a16="http://schemas.microsoft.com/office/drawing/2014/main" val="2612314924"/>
                   </a:ext>
                 </a:extLst>
               </a:tr>
@@ -11530,7 +9542,7 @@
                 </a:tc>
                 <a:extLst>
                   <a:ext uri="{0D108BD9-81ED-4DB2-BD59-A6C34878D82A}">
-                    <a16:rowId xmlns:a16="http://schemas.microsoft.com/office/drawing/2014/main" xmlns="" val="685837746"/>
+                    <a16:rowId xmlns="" xmlns:a16="http://schemas.microsoft.com/office/drawing/2014/main" val="685837746"/>
                   </a:ext>
                 </a:extLst>
               </a:tr>
@@ -12019,7 +10031,7 @@
                 </a:tc>
                 <a:extLst>
                   <a:ext uri="{0D108BD9-81ED-4DB2-BD59-A6C34878D82A}">
-                    <a16:rowId xmlns:a16="http://schemas.microsoft.com/office/drawing/2014/main" xmlns="" val="2484121680"/>
+                    <a16:rowId xmlns="" xmlns:a16="http://schemas.microsoft.com/office/drawing/2014/main" val="2484121680"/>
                   </a:ext>
                 </a:extLst>
               </a:tr>
@@ -12032,7 +10044,7 @@
           <p:cNvPr id="123" name="Picture 122">
             <a:extLst>
               <a:ext uri="{FF2B5EF4-FFF2-40B4-BE49-F238E27FC236}">
-                <a16:creationId xmlns:a16="http://schemas.microsoft.com/office/drawing/2014/main" xmlns="" id="{067A03A5-035D-4368-84FE-0BB483B23EF2}"/>
+                <a16:creationId xmlns="" xmlns:a16="http://schemas.microsoft.com/office/drawing/2014/main" id="{067A03A5-035D-4368-84FE-0BB483B23EF2}"/>
               </a:ext>
             </a:extLst>
           </p:cNvPr>
@@ -12042,7 +10054,7 @@
           <p:nvPr/>
         </p:nvPicPr>
         <p:blipFill>
-          <a:blip r:embed="rId8">
+          <a:blip r:embed="rId3">
             <a:extLst>
               <a:ext uri="{28A0092B-C50C-407E-A947-70E740481C1C}">
                 <a14:useLocalDpi xmlns:a14="http://schemas.microsoft.com/office/drawing/2010/main" val="0"/>
@@ -12068,7 +10080,7 @@
           <p:cNvPr id="124" name="TextBox 123">
             <a:extLst>
               <a:ext uri="{FF2B5EF4-FFF2-40B4-BE49-F238E27FC236}">
-                <a16:creationId xmlns:a16="http://schemas.microsoft.com/office/drawing/2014/main" xmlns="" id="{2D80E53B-7989-4195-BE0F-A62B442B49F5}"/>
+                <a16:creationId xmlns="" xmlns:a16="http://schemas.microsoft.com/office/drawing/2014/main" id="{2D80E53B-7989-4195-BE0F-A62B442B49F5}"/>
               </a:ext>
             </a:extLst>
           </p:cNvPr>
@@ -12130,7 +10142,7 @@
           <p:cNvPr id="126" name="TextBox 125">
             <a:extLst>
               <a:ext uri="{FF2B5EF4-FFF2-40B4-BE49-F238E27FC236}">
-                <a16:creationId xmlns:a16="http://schemas.microsoft.com/office/drawing/2014/main" xmlns="" id="{E563EFCB-9297-4A86-8A36-9A9336C7F492}"/>
+                <a16:creationId xmlns="" xmlns:a16="http://schemas.microsoft.com/office/drawing/2014/main" id="{E563EFCB-9297-4A86-8A36-9A9336C7F492}"/>
               </a:ext>
             </a:extLst>
           </p:cNvPr>
@@ -12195,7 +10207,7 @@
           <p:cNvPr id="127" name="Table 126">
             <a:extLst>
               <a:ext uri="{FF2B5EF4-FFF2-40B4-BE49-F238E27FC236}">
-                <a16:creationId xmlns:a16="http://schemas.microsoft.com/office/drawing/2014/main" xmlns="" id="{462D805C-5ABE-43C8-98EC-9D043D0DA052}"/>
+                <a16:creationId xmlns="" xmlns:a16="http://schemas.microsoft.com/office/drawing/2014/main" id="{462D805C-5ABE-43C8-98EC-9D043D0DA052}"/>
               </a:ext>
             </a:extLst>
           </p:cNvPr>
@@ -12222,28 +10234,28 @@
                 <a:gridCol w="1224100">
                   <a:extLst>
                     <a:ext uri="{9D8B030D-6E8A-4147-A177-3AD203B41FA5}">
-                      <a16:colId xmlns:a16="http://schemas.microsoft.com/office/drawing/2014/main" xmlns="" val="1246494410"/>
+                      <a16:colId xmlns="" xmlns:a16="http://schemas.microsoft.com/office/drawing/2014/main" val="1246494410"/>
                     </a:ext>
                   </a:extLst>
                 </a:gridCol>
                 <a:gridCol w="1613687">
                   <a:extLst>
                     <a:ext uri="{9D8B030D-6E8A-4147-A177-3AD203B41FA5}">
-                      <a16:colId xmlns:a16="http://schemas.microsoft.com/office/drawing/2014/main" xmlns="" val="3707486989"/>
+                      <a16:colId xmlns="" xmlns:a16="http://schemas.microsoft.com/office/drawing/2014/main" val="3707486989"/>
                     </a:ext>
                   </a:extLst>
                 </a:gridCol>
                 <a:gridCol w="1678674">
                   <a:extLst>
                     <a:ext uri="{9D8B030D-6E8A-4147-A177-3AD203B41FA5}">
-                      <a16:colId xmlns:a16="http://schemas.microsoft.com/office/drawing/2014/main" xmlns="" val="2676852081"/>
+                      <a16:colId xmlns="" xmlns:a16="http://schemas.microsoft.com/office/drawing/2014/main" val="2676852081"/>
                     </a:ext>
                   </a:extLst>
                 </a:gridCol>
                 <a:gridCol w="928048">
                   <a:extLst>
                     <a:ext uri="{9D8B030D-6E8A-4147-A177-3AD203B41FA5}">
-                      <a16:colId xmlns:a16="http://schemas.microsoft.com/office/drawing/2014/main" xmlns="" val="3454277832"/>
+                      <a16:colId xmlns="" xmlns:a16="http://schemas.microsoft.com/office/drawing/2014/main" val="3454277832"/>
                     </a:ext>
                   </a:extLst>
                 </a:gridCol>
@@ -12723,7 +10735,7 @@
                 </a:tc>
                 <a:extLst>
                   <a:ext uri="{0D108BD9-81ED-4DB2-BD59-A6C34878D82A}">
-                    <a16:rowId xmlns:a16="http://schemas.microsoft.com/office/drawing/2014/main" xmlns="" val="2084501009"/>
+                    <a16:rowId xmlns="" xmlns:a16="http://schemas.microsoft.com/office/drawing/2014/main" val="2084501009"/>
                   </a:ext>
                 </a:extLst>
               </a:tr>
@@ -13216,7 +11228,7 @@
                 </a:tc>
                 <a:extLst>
                   <a:ext uri="{0D108BD9-81ED-4DB2-BD59-A6C34878D82A}">
-                    <a16:rowId xmlns:a16="http://schemas.microsoft.com/office/drawing/2014/main" xmlns="" val="2612314924"/>
+                    <a16:rowId xmlns="" xmlns:a16="http://schemas.microsoft.com/office/drawing/2014/main" val="2612314924"/>
                   </a:ext>
                 </a:extLst>
               </a:tr>
@@ -13709,7 +11721,7 @@
                 </a:tc>
                 <a:extLst>
                   <a:ext uri="{0D108BD9-81ED-4DB2-BD59-A6C34878D82A}">
-                    <a16:rowId xmlns:a16="http://schemas.microsoft.com/office/drawing/2014/main" xmlns="" val="685837746"/>
+                    <a16:rowId xmlns="" xmlns:a16="http://schemas.microsoft.com/office/drawing/2014/main" val="685837746"/>
                   </a:ext>
                 </a:extLst>
               </a:tr>
@@ -14198,7 +12210,7 @@
                 </a:tc>
                 <a:extLst>
                   <a:ext uri="{0D108BD9-81ED-4DB2-BD59-A6C34878D82A}">
-                    <a16:rowId xmlns:a16="http://schemas.microsoft.com/office/drawing/2014/main" xmlns="" val="2484121680"/>
+                    <a16:rowId xmlns="" xmlns:a16="http://schemas.microsoft.com/office/drawing/2014/main" val="2484121680"/>
                   </a:ext>
                 </a:extLst>
               </a:tr>
@@ -14211,7 +12223,7 @@
           <p:cNvPr id="128" name="TextBox 127">
             <a:extLst>
               <a:ext uri="{FF2B5EF4-FFF2-40B4-BE49-F238E27FC236}">
-                <a16:creationId xmlns:a16="http://schemas.microsoft.com/office/drawing/2014/main" xmlns="" id="{85F38658-0C68-4DC8-8297-A8AFC8BA361A}"/>
+                <a16:creationId xmlns="" xmlns:a16="http://schemas.microsoft.com/office/drawing/2014/main" id="{85F38658-0C68-4DC8-8297-A8AFC8BA361A}"/>
               </a:ext>
             </a:extLst>
           </p:cNvPr>
@@ -14273,7 +12285,7 @@
           <p:cNvPr id="130" name="TextBox 129">
             <a:extLst>
               <a:ext uri="{FF2B5EF4-FFF2-40B4-BE49-F238E27FC236}">
-                <a16:creationId xmlns:a16="http://schemas.microsoft.com/office/drawing/2014/main" xmlns="" id="{DED9FAEB-E367-485E-A7FB-96A6CB500B67}"/>
+                <a16:creationId xmlns="" xmlns:a16="http://schemas.microsoft.com/office/drawing/2014/main" id="{DED9FAEB-E367-485E-A7FB-96A6CB500B67}"/>
               </a:ext>
             </a:extLst>
           </p:cNvPr>
@@ -15336,7 +13348,7 @@
           <p:nvPr/>
         </p:nvPicPr>
         <p:blipFill>
-          <a:blip r:embed="rId9" cstate="print">
+          <a:blip r:embed="rId4" cstate="print">
             <a:extLst>
               <a:ext uri="{28A0092B-C50C-407E-A947-70E740481C1C}">
                 <a14:useLocalDpi xmlns:a14="http://schemas.microsoft.com/office/drawing/2010/main" val="0"/>
